--- a/slides/HotI-2011/2011-HotI-CCI-OLCF.pptx
+++ b/slides/HotI-2011/2011-HotI-CCI-OLCF.pptx
@@ -2285,6 +2285,13 @@
   <p:clrMapOvr>
     <a:masterClrMapping/>
   </p:clrMapOvr>
+  <p:timing>
+    <p:tnLst>
+      <p:par>
+        <p:cTn xmlns:p14="http://schemas.microsoft.com/office/powerpoint/2010/main" id="1" dur="indefinite" restart="never" nodeType="tmRoot"/>
+      </p:par>
+    </p:tnLst>
+  </p:timing>
 </p:sld>
 </file>
 
@@ -2354,7 +2361,7 @@
           <a:p>
             <a:r>
               <a:rPr lang="en-US" dirty="0"/>
-              <a:t>Point-to-point implementations use two modes</a:t>
+              <a:t>Point-to-point communication use two modes</a:t>
             </a:r>
           </a:p>
           <a:p>
@@ -2423,6 +2430,13 @@
   <p:clrMapOvr>
     <a:masterClrMapping/>
   </p:clrMapOvr>
+  <p:timing>
+    <p:tnLst>
+      <p:par>
+        <p:cTn xmlns:p14="http://schemas.microsoft.com/office/powerpoint/2010/main" id="1" dur="indefinite" restart="never" nodeType="tmRoot"/>
+      </p:par>
+    </p:tnLst>
+  </p:timing>
 </p:sld>
 </file>
 
@@ -2540,6 +2554,13 @@
   <p:clrMapOvr>
     <a:masterClrMapping/>
   </p:clrMapOvr>
+  <p:timing>
+    <p:tnLst>
+      <p:par>
+        <p:cTn xmlns:p14="http://schemas.microsoft.com/office/powerpoint/2010/main" id="1" dur="indefinite" restart="never" nodeType="tmRoot"/>
+      </p:par>
+    </p:tnLst>
+  </p:timing>
 </p:sld>
 </file>
 
@@ -2679,6 +2700,13 @@
   <p:clrMapOvr>
     <a:masterClrMapping/>
   </p:clrMapOvr>
+  <p:timing>
+    <p:tnLst>
+      <p:par>
+        <p:cTn xmlns:p14="http://schemas.microsoft.com/office/powerpoint/2010/main" id="1" dur="indefinite" restart="never" nodeType="tmRoot"/>
+      </p:par>
+    </p:tnLst>
+  </p:timing>
 </p:sld>
 </file>
 
@@ -2821,6 +2849,13 @@
   <p:clrMapOvr>
     <a:masterClrMapping/>
   </p:clrMapOvr>
+  <p:timing>
+    <p:tnLst>
+      <p:par>
+        <p:cTn xmlns:p14="http://schemas.microsoft.com/office/powerpoint/2010/main" id="1" dur="indefinite" restart="never" nodeType="tmRoot"/>
+      </p:par>
+    </p:tnLst>
+  </p:timing>
 </p:sld>
 </file>
 
@@ -2948,6 +2983,13 @@
   <p:clrMapOvr>
     <a:masterClrMapping/>
   </p:clrMapOvr>
+  <p:timing>
+    <p:tnLst>
+      <p:par>
+        <p:cTn xmlns:p14="http://schemas.microsoft.com/office/powerpoint/2010/main" id="1" dur="indefinite" restart="never" nodeType="tmRoot"/>
+      </p:par>
+    </p:tnLst>
+  </p:timing>
 </p:sld>
 </file>
 
@@ -3089,6 +3131,13 @@
   <p:clrMapOvr>
     <a:masterClrMapping/>
   </p:clrMapOvr>
+  <p:timing>
+    <p:tnLst>
+      <p:par>
+        <p:cTn xmlns:p14="http://schemas.microsoft.com/office/powerpoint/2010/main" id="1" dur="indefinite" restart="never" nodeType="tmRoot"/>
+      </p:par>
+    </p:tnLst>
+  </p:timing>
 </p:sld>
 </file>
 
@@ -3212,6 +3261,13 @@
   <p:clrMapOvr>
     <a:masterClrMapping/>
   </p:clrMapOvr>
+  <p:timing>
+    <p:tnLst>
+      <p:par>
+        <p:cTn xmlns:p14="http://schemas.microsoft.com/office/powerpoint/2010/main" id="1" dur="indefinite" restart="never" nodeType="tmRoot"/>
+      </p:par>
+    </p:tnLst>
+  </p:timing>
 </p:sld>
 </file>
 
@@ -3325,6 +3381,13 @@
   <p:clrMapOvr>
     <a:masterClrMapping/>
   </p:clrMapOvr>
+  <p:timing>
+    <p:tnLst>
+      <p:par>
+        <p:cTn xmlns:p14="http://schemas.microsoft.com/office/powerpoint/2010/main" id="1" dur="indefinite" restart="never" nodeType="tmRoot"/>
+      </p:par>
+    </p:tnLst>
+  </p:timing>
 </p:sld>
 </file>
 
@@ -3400,7 +3463,7 @@
           <a:p>
             <a:r>
               <a:rPr lang="en-US" dirty="0"/>
-              <a:t>Complete container of resources –Queues and buffers</a:t>
+              <a:t>Complete container of resources – queues and buffers</a:t>
             </a:r>
           </a:p>
           <a:p>
@@ -3412,7 +3475,7 @@
           <a:p>
             <a:r>
               <a:rPr lang="en-US" dirty="0"/>
-              <a:t>Events include send, </a:t>
+              <a:t>Events for send, </a:t>
             </a:r>
             <a:r>
               <a:rPr lang="en-US" dirty="0" err="1"/>
@@ -3432,21 +3495,13 @@
           <a:p>
             <a:r>
               <a:rPr lang="en-US" dirty="0"/>
-              <a:t>Resource ownership transfer to the process when the event is retrieved</a:t>
-            </a:r>
-          </a:p>
-          <a:p>
-            <a:r>
-              <a:rPr lang="en-US" dirty="0"/>
-              <a:t>The process returns the resource to CCI via </a:t>
-            </a:r>
-            <a:r>
-              <a:rPr lang="en-US" dirty="0" err="1"/>
-              <a:t>return_event</a:t>
-            </a:r>
-            <a:r>
-              <a:rPr lang="en-US" dirty="0"/>
-              <a:t>()</a:t>
+              <a:t>Resource ownership transfers to the process when the event is retrieved</a:t>
+            </a:r>
+          </a:p>
+          <a:p>
+            <a:r>
+              <a:rPr lang="en-US" dirty="0"/>
+              <a:t>The process eventaully returns the event to CCI </a:t>
             </a:r>
           </a:p>
           <a:p>
@@ -3475,6 +3530,13 @@
   <p:clrMapOvr>
     <a:masterClrMapping/>
   </p:clrMapOvr>
+  <p:timing>
+    <p:tnLst>
+      <p:par>
+        <p:cTn xmlns:p14="http://schemas.microsoft.com/office/powerpoint/2010/main" id="1" dur="indefinite" restart="never" nodeType="tmRoot"/>
+      </p:par>
+    </p:tnLst>
+  </p:timing>
 </p:sld>
 </file>
 
@@ -3618,6 +3680,13 @@
   <p:clrMapOvr>
     <a:masterClrMapping/>
   </p:clrMapOvr>
+  <p:timing>
+    <p:tnLst>
+      <p:par>
+        <p:cTn xmlns:p14="http://schemas.microsoft.com/office/powerpoint/2010/main" id="1" dur="indefinite" restart="never" nodeType="tmRoot"/>
+      </p:par>
+    </p:tnLst>
+  </p:timing>
 </p:sld>
 </file>
 
@@ -3727,6 +3796,13 @@
   <p:clrMapOvr>
     <a:masterClrMapping/>
   </p:clrMapOvr>
+  <p:timing>
+    <p:tnLst>
+      <p:par>
+        <p:cTn xmlns:p14="http://schemas.microsoft.com/office/powerpoint/2010/main" id="1" dur="indefinite" restart="never" nodeType="tmRoot"/>
+      </p:par>
+    </p:tnLst>
+  </p:timing>
 </p:sld>
 </file>
 
@@ -3855,14 +3931,14 @@
             <a:pPr lvl="2"/>
             <a:r>
               <a:rPr lang="en-US" dirty="0"/>
-              <a:t>Event includes pointer to data, its length, and the connection (peer info)</a:t>
-            </a:r>
-          </a:p>
-          <a:p>
-            <a:pPr lvl="1"/>
-            <a:r>
-              <a:rPr lang="en-US" dirty="0"/>
-              <a:t>May be inspected, modified and/or sent in-place</a:t>
+              <a:t>Event includes pointer to data, its length, and the connection (peer)</a:t>
+            </a:r>
+          </a:p>
+          <a:p>
+            <a:pPr lvl="1"/>
+            <a:r>
+              <a:rPr lang="en-US" dirty="0"/>
+              <a:t>May be inspected, modified, and/or sent in-place</a:t>
             </a:r>
           </a:p>
           <a:p>
@@ -3898,6 +3974,13 @@
   <p:clrMapOvr>
     <a:masterClrMapping/>
   </p:clrMapOvr>
+  <p:timing>
+    <p:tnLst>
+      <p:par>
+        <p:cTn xmlns:p14="http://schemas.microsoft.com/office/powerpoint/2010/main" id="1" dur="indefinite" restart="never" nodeType="tmRoot"/>
+      </p:par>
+    </p:tnLst>
+  </p:timing>
 </p:sld>
 </file>
 
@@ -4020,6 +4103,13 @@
   <p:clrMapOvr>
     <a:masterClrMapping/>
   </p:clrMapOvr>
+  <p:timing>
+    <p:tnLst>
+      <p:par>
+        <p:cTn xmlns:p14="http://schemas.microsoft.com/office/powerpoint/2010/main" id="1" dur="indefinite" restart="never" nodeType="tmRoot"/>
+      </p:par>
+    </p:tnLst>
+  </p:timing>
 </p:sld>
 </file>
 
@@ -4168,6 +4258,13 @@
   <p:clrMapOvr>
     <a:masterClrMapping/>
   </p:clrMapOvr>
+  <p:timing>
+    <p:tnLst>
+      <p:par>
+        <p:cTn xmlns:p14="http://schemas.microsoft.com/office/powerpoint/2010/main" id="1" dur="indefinite" restart="never" nodeType="tmRoot"/>
+      </p:par>
+    </p:tnLst>
+  </p:timing>
 </p:sld>
 </file>
 
@@ -4315,6 +4412,13 @@
   <p:clrMapOvr>
     <a:masterClrMapping/>
   </p:clrMapOvr>
+  <p:timing>
+    <p:tnLst>
+      <p:par>
+        <p:cTn xmlns:p14="http://schemas.microsoft.com/office/powerpoint/2010/main" id="1" dur="indefinite" restart="never" nodeType="tmRoot"/>
+      </p:par>
+    </p:tnLst>
+  </p:timing>
 </p:sld>
 </file>
 
@@ -4432,6 +4536,13 @@
   <p:clrMapOvr>
     <a:masterClrMapping/>
   </p:clrMapOvr>
+  <p:timing>
+    <p:tnLst>
+      <p:par>
+        <p:cTn xmlns:p14="http://schemas.microsoft.com/office/powerpoint/2010/main" id="1" dur="indefinite" restart="never" nodeType="tmRoot"/>
+      </p:par>
+    </p:tnLst>
+  </p:timing>
 </p:sld>
 </file>
 
@@ -4549,6 +4660,13 @@
   <p:clrMapOvr>
     <a:masterClrMapping/>
   </p:clrMapOvr>
+  <p:timing>
+    <p:tnLst>
+      <p:par>
+        <p:cTn xmlns:p14="http://schemas.microsoft.com/office/powerpoint/2010/main" id="1" dur="indefinite" restart="never" nodeType="tmRoot"/>
+      </p:par>
+    </p:tnLst>
+  </p:timing>
 </p:sld>
 </file>
 
@@ -4712,7 +4830,7 @@
         <p:spPr>
           <a:xfrm>
             <a:off x="2436686" y="5798702"/>
-            <a:ext cx="3612105" cy="923330"/>
+            <a:ext cx="6042587" cy="923330"/>
           </a:xfrm>
           <a:prstGeom prst="rect">
             <a:avLst/>
@@ -4727,19 +4845,19 @@
           <a:p>
             <a:r>
               <a:rPr lang="en-US" dirty="0"/>
-              <a:t>Portals provides matching</a:t>
-            </a:r>
-          </a:p>
-          <a:p>
-            <a:r>
-              <a:rPr lang="en-US" dirty="0"/>
-              <a:t>Portals provides thread-safety</a:t>
-            </a:r>
-          </a:p>
-          <a:p>
-            <a:r>
-              <a:rPr lang="en-US" dirty="0"/>
-              <a:t>CCI/SS requires progress thread</a:t>
+              <a:t>Portals provides matching and thread-safety</a:t>
+            </a:r>
+          </a:p>
+          <a:p>
+            <a:r>
+              <a:rPr lang="en-US" dirty="0"/>
+              <a:t>Portals running on CNL, not Catamount</a:t>
+            </a:r>
+          </a:p>
+          <a:p>
+            <a:r>
+              <a:rPr lang="en-US" dirty="0"/>
+              <a:t>CCI/SS may require progress thread</a:t>
             </a:r>
             <a:endParaRPr lang="en-US" dirty="0"/>
           </a:p>
@@ -4755,6 +4873,13 @@
   <p:clrMapOvr>
     <a:masterClrMapping/>
   </p:clrMapOvr>
+  <p:timing>
+    <p:tnLst>
+      <p:par>
+        <p:cTn xmlns:p14="http://schemas.microsoft.com/office/powerpoint/2010/main" id="1" dur="indefinite" restart="never" nodeType="tmRoot"/>
+      </p:par>
+    </p:tnLst>
+  </p:timing>
 </p:sld>
 </file>
 
@@ -4831,6 +4956,13 @@
   <p:clrMapOvr>
     <a:masterClrMapping/>
   </p:clrMapOvr>
+  <p:timing>
+    <p:tnLst>
+      <p:par>
+        <p:cTn xmlns:p14="http://schemas.microsoft.com/office/powerpoint/2010/main" id="1" dur="indefinite" restart="never" nodeType="tmRoot"/>
+      </p:par>
+    </p:tnLst>
+  </p:timing>
 </p:sld>
 </file>
 
@@ -4970,6 +5102,13 @@
   <p:clrMapOvr>
     <a:masterClrMapping/>
   </p:clrMapOvr>
+  <p:timing>
+    <p:tnLst>
+      <p:par>
+        <p:cTn xmlns:p14="http://schemas.microsoft.com/office/powerpoint/2010/main" id="1" dur="indefinite" restart="never" nodeType="tmRoot"/>
+      </p:par>
+    </p:tnLst>
+  </p:timing>
 </p:sld>
 </file>
 
@@ -5086,7 +5225,7 @@
             <a:pPr lvl="1"/>
             <a:r>
               <a:rPr lang="en-US" dirty="0"/>
-              <a:t>Connections contain faults to a single peer</a:t>
+              <a:t>Need to contain faults to a single peer (i.e. fault isolation)</a:t>
             </a:r>
           </a:p>
         </p:txBody>
@@ -5101,6 +5240,13 @@
   <p:clrMapOvr>
     <a:masterClrMapping/>
   </p:clrMapOvr>
+  <p:timing>
+    <p:tnLst>
+      <p:par>
+        <p:cTn xmlns:p14="http://schemas.microsoft.com/office/powerpoint/2010/main" id="1" dur="indefinite" restart="never" nodeType="tmRoot"/>
+      </p:par>
+    </p:tnLst>
+  </p:timing>
 </p:sld>
 </file>
 
@@ -5161,7 +5307,7 @@
         <p:spPr>
           <a:xfrm>
             <a:off x="111204" y="1344823"/>
-            <a:ext cx="8229600" cy="5044457"/>
+            <a:ext cx="8229600" cy="4665892"/>
           </a:xfrm>
         </p:spPr>
         <p:txBody>
@@ -5217,7 +5363,7 @@
             <a:pPr lvl="1"/>
             <a:r>
               <a:rPr lang="en-US" dirty="0"/>
-              <a:t>Must not be so complicated that only experts can use it fully</a:t>
+              <a:t>Must not be so complicated that only experts can use it</a:t>
             </a:r>
           </a:p>
           <a:p>
@@ -5231,16 +5377,8 @@
             <a:pPr lvl="1"/>
             <a:r>
               <a:rPr lang="en-US" dirty="0"/>
-              <a:t>Complexity tends to make code larger</a:t>
-            </a:r>
-          </a:p>
-          <a:p>
-            <a:pPr lvl="2"/>
-            <a:r>
-              <a:rPr lang="en-US" dirty="0"/>
-              <a:t>Larger code is harder to debug and maintain</a:t>
-            </a:r>
-            <a:endParaRPr lang="en-US" dirty="0"/>
+              <a:t>Complexity tends to increase code size and maintenance cost</a:t>
+            </a:r>
           </a:p>
         </p:txBody>
       </p:sp>
@@ -5254,6 +5392,13 @@
   <p:clrMapOvr>
     <a:masterClrMapping/>
   </p:clrMapOvr>
+  <p:timing>
+    <p:tnLst>
+      <p:par>
+        <p:cTn xmlns:p14="http://schemas.microsoft.com/office/powerpoint/2010/main" id="1" dur="indefinite" restart="never" nodeType="tmRoot"/>
+      </p:par>
+    </p:tnLst>
+  </p:timing>
 </p:sld>
 </file>
 
@@ -5569,6 +5714,13 @@
   <p:clrMapOvr>
     <a:masterClrMapping/>
   </p:clrMapOvr>
+  <p:timing>
+    <p:tnLst>
+      <p:par>
+        <p:cTn xmlns:p14="http://schemas.microsoft.com/office/powerpoint/2010/main" id="1" dur="indefinite" restart="never" nodeType="tmRoot"/>
+      </p:par>
+    </p:tnLst>
+  </p:timing>
 </p:sld>
 </file>
 
@@ -5665,6 +5817,13 @@
   <p:clrMapOvr>
     <a:masterClrMapping/>
   </p:clrMapOvr>
+  <p:timing>
+    <p:tnLst>
+      <p:par>
+        <p:cTn xmlns:p14="http://schemas.microsoft.com/office/powerpoint/2010/main" id="1" dur="indefinite" restart="never" nodeType="tmRoot"/>
+      </p:par>
+    </p:tnLst>
+  </p:timing>
 </p:sld>
 </file>
 
@@ -5767,13 +5926,13 @@
           <a:p>
             <a:r>
               <a:rPr lang="en-US" dirty="0"/>
-              <a:t>Connection and connectionless modes</a:t>
-            </a:r>
-          </a:p>
-          <a:p>
-            <a:r>
-              <a:rPr lang="en-US" dirty="0"/>
-              <a:t>Client/server semantics for connection mode</a:t>
+              <a:t>Connected and connectionless modes</a:t>
+            </a:r>
+          </a:p>
+          <a:p>
+            <a:r>
+              <a:rPr lang="en-US" dirty="0"/>
+              <a:t>Client/server semantics for connected mode</a:t>
             </a:r>
           </a:p>
           <a:p>
@@ -5807,6 +5966,13 @@
   <p:clrMapOvr>
     <a:masterClrMapping/>
   </p:clrMapOvr>
+  <p:timing>
+    <p:tnLst>
+      <p:par>
+        <p:cTn xmlns:p14="http://schemas.microsoft.com/office/powerpoint/2010/main" id="1" dur="indefinite" restart="never" nodeType="tmRoot"/>
+      </p:par>
+    </p:tnLst>
+  </p:timing>
 </p:sld>
 </file>
 
@@ -5882,13 +6048,13 @@
           <a:p>
             <a:r>
               <a:rPr lang="en-US" sz="2400" dirty="0"/>
-              <a:t>Provides maximum scalability</a:t>
+              <a:t>Provides scalability</a:t>
             </a:r>
           </a:p>
           <a:p>
             <a:r>
               <a:rPr lang="en-US" sz="2400" dirty="0"/>
-              <a:t>Richer (i.e. more complicated) API</a:t>
+              <a:t>Rich API (i.e. complicated)</a:t>
             </a:r>
           </a:p>
           <a:p>
@@ -5944,7 +6110,7 @@
             </a:r>
             <a:r>
               <a:rPr lang="en-US" sz="2100" dirty="0"/>
-              <a:t>() but is less mature and much less used</a:t>
+              <a:t>() immature, infrequently provided, and much less used</a:t>
             </a:r>
           </a:p>
           <a:p>
@@ -5971,6 +6137,13 @@
   <p:clrMapOvr>
     <a:masterClrMapping/>
   </p:clrMapOvr>
+  <p:timing>
+    <p:tnLst>
+      <p:par>
+        <p:cTn xmlns:p14="http://schemas.microsoft.com/office/powerpoint/2010/main" id="1" dur="indefinite" restart="never" nodeType="tmRoot"/>
+      </p:par>
+    </p:tnLst>
+  </p:timing>
 </p:sld>
 </file>
 

--- a/slides/HotI-2011/2011-HotI-CCI-OLCF.pptx
+++ b/slides/HotI-2011/2011-HotI-CCI-OLCF.pptx
@@ -4764,7 +4764,7 @@
       </p:sp>
       <p:pic>
         <p:nvPicPr>
-          <p:cNvPr id="3" name="Picture 2" descr="pingpong-latency-portals-cci-native.pdf"/>
+          <p:cNvPr id="3" name="Picture 2"/>
           <p:cNvPicPr>
             <a:picLocks/>
           </p:cNvPicPr>

--- a/slides/HotI-2011/2011-HotI-CCI-OLCF.pptx
+++ b/slides/HotI-2011/2011-HotI-CCI-OLCF.pptx
@@ -3612,7 +3612,7 @@
           <a:p>
             <a:r>
               <a:rPr lang="en-US" dirty="0"/>
-              <a:t>Lightweight – no dedicated buffers</a:t>
+              <a:t>Lightweight – no dedicated buffers (~120B/peer)</a:t>
             </a:r>
           </a:p>
           <a:p>
@@ -4937,12 +4937,96 @@
             <p:ph idx="1"/>
           </p:nvPr>
         </p:nvSpPr>
-        <p:spPr/>
+        <p:spPr>
+          <a:xfrm>
+            <a:off x="111204" y="1025769"/>
+            <a:ext cx="8229600" cy="5403530"/>
+          </a:xfrm>
+        </p:spPr>
         <p:txBody>
           <a:bodyPr/>
           <a:lstStyle/>
           <a:p>
-            <a:endParaRPr lang="en-US"/>
+            <a:r>
+              <a:rPr lang="en-US" dirty="0"/>
+              <a:t>Distributed apps need</a:t>
+            </a:r>
+          </a:p>
+          <a:p>
+            <a:pPr lvl="1"/>
+            <a:r>
+              <a:rPr lang="en-US" dirty="0"/>
+              <a:t>Performance - low latency, high throughput</a:t>
+            </a:r>
+          </a:p>
+          <a:p>
+            <a:pPr lvl="1"/>
+            <a:r>
+              <a:rPr lang="en-US" dirty="0"/>
+              <a:t>To support transient peers and to isolate peer failures</a:t>
+            </a:r>
+          </a:p>
+          <a:p>
+            <a:pPr lvl="1"/>
+            <a:r>
+              <a:rPr lang="en-US" dirty="0"/>
+              <a:t>To support large numbers of peers with bounded resources</a:t>
+            </a:r>
+          </a:p>
+          <a:p>
+            <a:pPr lvl="1"/>
+            <a:r>
+              <a:rPr lang="en-US" dirty="0"/>
+              <a:t>Portable, simple network interface</a:t>
+            </a:r>
+          </a:p>
+          <a:p>
+            <a:r>
+              <a:rPr lang="en-US" dirty="0"/>
+              <a:t>CCI aims to satisfy these needs</a:t>
+            </a:r>
+          </a:p>
+          <a:p>
+            <a:pPr lvl="1"/>
+            <a:r>
+              <a:rPr lang="en-US" dirty="0"/>
+              <a:t>Uses endpoints to bound time and space resources</a:t>
+            </a:r>
+          </a:p>
+          <a:p>
+            <a:pPr lvl="1"/>
+            <a:r>
+              <a:rPr lang="en-US" dirty="0"/>
+              <a:t>Uses connections to provide peer fault isolation</a:t>
+            </a:r>
+          </a:p>
+          <a:p>
+            <a:pPr lvl="1"/>
+            <a:r>
+              <a:rPr lang="en-US" dirty="0"/>
+              <a:t>Uses low-overhead active messages for small/control messages</a:t>
+            </a:r>
+          </a:p>
+          <a:p>
+            <a:pPr lvl="1"/>
+            <a:r>
+              <a:rPr lang="en-US" dirty="0"/>
+              <a:t>Uses RMA for bulk movement and zero-copy semantics</a:t>
+            </a:r>
+          </a:p>
+          <a:p>
+            <a:pPr lvl="1"/>
+            <a:r>
+              <a:rPr lang="en-US" dirty="0"/>
+              <a:t>Can provide good performance</a:t>
+            </a:r>
+          </a:p>
+          <a:p>
+            <a:pPr lvl="1"/>
+            <a:r>
+              <a:rPr lang="en-US" dirty="0"/>
+              <a:t>Simple API</a:t>
+            </a:r>
           </a:p>
         </p:txBody>
       </p:sp>

--- a/slides/HotI-2011/2011-HotI-CCI-OLCF.pptx
+++ b/slides/HotI-2011/2011-HotI-CCI-OLCF.pptx
@@ -2234,12 +2234,259 @@
         <p:spPr>
           <a:xfrm>
             <a:off x="6248400" y="3061150"/>
-            <a:ext cx="2743200" cy="998735"/>
+            <a:ext cx="2743200" cy="644279"/>
           </a:xfrm>
         </p:spPr>
         <p:txBody>
           <a:bodyPr/>
           <a:lstStyle/>
+          <a:p>
+            <a:pPr>
+              <a:spcBef>
+                <a:spcPts val="600"/>
+              </a:spcBef>
+            </a:pPr>
+            <a:r>
+              <a:rPr lang="en-US" dirty="0"/>
+              <a:t>Galen Shipman</a:t>
+            </a:r>
+          </a:p>
+          <a:p>
+            <a:pPr>
+              <a:spcBef>
+                <a:spcPts val="600"/>
+              </a:spcBef>
+            </a:pPr>
+            <a:r>
+              <a:rPr lang="en-US" sz="1600" b="0" dirty="0"/>
+              <a:t>Technology Integration</a:t>
+            </a:r>
+            <a:endParaRPr lang="en-US" sz="1600" b="0" dirty="0"/>
+          </a:p>
+        </p:txBody>
+      </p:sp>
+      <p:sp>
+        <p:nvSpPr>
+          <p:cNvPr id="4" name="Subtitle 2"/>
+          <p:cNvSpPr txBox="1">
+            <a:spLocks/>
+          </p:cNvSpPr>
+          <p:nvPr/>
+        </p:nvSpPr>
+        <p:spPr>
+          <a:xfrm>
+            <a:off x="6254265" y="1269451"/>
+            <a:ext cx="2743200" cy="998735"/>
+          </a:xfrm>
+          <a:prstGeom prst="rect">
+            <a:avLst/>
+          </a:prstGeom>
+        </p:spPr>
+        <p:txBody>
+          <a:bodyPr vert="horz" wrap="square" lIns="91440" tIns="45720" rIns="91440" bIns="45720" rtlCol="0">
+            <a:spAutoFit/>
+          </a:bodyPr>
+          <a:lstStyle>
+            <a:lvl1pPr marL="0" indent="0" algn="r" defTabSz="914400" rtl="0" eaLnBrk="1" latinLnBrk="0" hangingPunct="1">
+              <a:lnSpc>
+                <a:spcPct val="90000"/>
+              </a:lnSpc>
+              <a:spcBef>
+                <a:spcPts val="1400"/>
+              </a:spcBef>
+              <a:buClr>
+                <a:schemeClr val="tx1">
+                  <a:lumMod val="75000"/>
+                  <a:lumOff val="25000"/>
+                </a:schemeClr>
+              </a:buClr>
+              <a:buFont typeface="Arial" pitchFamily="34" charset="0"/>
+              <a:buNone/>
+              <a:defRPr sz="1800" b="1" kern="1200">
+                <a:solidFill>
+                  <a:schemeClr val="tx1">
+                    <a:lumMod val="75000"/>
+                    <a:lumOff val="25000"/>
+                  </a:schemeClr>
+                </a:solidFill>
+                <a:latin typeface="Arial Narrow" pitchFamily="34" charset="0"/>
+                <a:ea typeface="+mn-ea"/>
+                <a:cs typeface="+mn-cs"/>
+              </a:defRPr>
+            </a:lvl1pPr>
+            <a:lvl2pPr marL="457200" indent="0" algn="ctr" defTabSz="914400" rtl="0" eaLnBrk="1" latinLnBrk="0" hangingPunct="1">
+              <a:lnSpc>
+                <a:spcPct val="90000"/>
+              </a:lnSpc>
+              <a:spcBef>
+                <a:spcPts val="800"/>
+              </a:spcBef>
+              <a:buClr>
+                <a:schemeClr val="tx1">
+                  <a:lumMod val="75000"/>
+                  <a:lumOff val="25000"/>
+                </a:schemeClr>
+              </a:buClr>
+              <a:buFont typeface="Arial" pitchFamily="34" charset="0"/>
+              <a:buNone/>
+              <a:defRPr sz="2400" b="0" kern="1200">
+                <a:solidFill>
+                  <a:schemeClr val="tx1">
+                    <a:tint val="75000"/>
+                  </a:schemeClr>
+                </a:solidFill>
+                <a:latin typeface="Arial Narrow" pitchFamily="34" charset="0"/>
+                <a:ea typeface="+mn-ea"/>
+                <a:cs typeface="+mn-cs"/>
+              </a:defRPr>
+            </a:lvl2pPr>
+            <a:lvl3pPr marL="914400" indent="0" algn="ctr" defTabSz="914400" rtl="0" eaLnBrk="1" latinLnBrk="0" hangingPunct="1">
+              <a:lnSpc>
+                <a:spcPct val="90000"/>
+              </a:lnSpc>
+              <a:spcBef>
+                <a:spcPts val="800"/>
+              </a:spcBef>
+              <a:buClr>
+                <a:schemeClr val="tx1">
+                  <a:lumMod val="75000"/>
+                  <a:lumOff val="25000"/>
+                </a:schemeClr>
+              </a:buClr>
+              <a:buFont typeface="Arial" pitchFamily="34" charset="0"/>
+              <a:buNone/>
+              <a:defRPr sz="2000" b="0" kern="1200">
+                <a:solidFill>
+                  <a:schemeClr val="tx1">
+                    <a:tint val="75000"/>
+                  </a:schemeClr>
+                </a:solidFill>
+                <a:latin typeface="Arial Narrow" pitchFamily="34" charset="0"/>
+                <a:ea typeface="+mn-ea"/>
+                <a:cs typeface="+mn-cs"/>
+              </a:defRPr>
+            </a:lvl3pPr>
+            <a:lvl4pPr marL="1371600" indent="0" algn="ctr" defTabSz="914400" rtl="0" eaLnBrk="1" latinLnBrk="0" hangingPunct="1">
+              <a:lnSpc>
+                <a:spcPct val="90000"/>
+              </a:lnSpc>
+              <a:spcBef>
+                <a:spcPts val="800"/>
+              </a:spcBef>
+              <a:buClr>
+                <a:schemeClr val="tx1">
+                  <a:lumMod val="75000"/>
+                  <a:lumOff val="25000"/>
+                </a:schemeClr>
+              </a:buClr>
+              <a:buFont typeface="Arial" pitchFamily="34" charset="0"/>
+              <a:buNone/>
+              <a:defRPr sz="1800" b="0" kern="1200">
+                <a:solidFill>
+                  <a:schemeClr val="tx1">
+                    <a:tint val="75000"/>
+                  </a:schemeClr>
+                </a:solidFill>
+                <a:latin typeface="Arial Narrow" pitchFamily="34" charset="0"/>
+                <a:ea typeface="+mn-ea"/>
+                <a:cs typeface="+mn-cs"/>
+              </a:defRPr>
+            </a:lvl4pPr>
+            <a:lvl5pPr marL="1828800" indent="0" algn="ctr" defTabSz="914400" rtl="0" eaLnBrk="1" latinLnBrk="0" hangingPunct="1">
+              <a:lnSpc>
+                <a:spcPct val="90000"/>
+              </a:lnSpc>
+              <a:spcBef>
+                <a:spcPts val="600"/>
+              </a:spcBef>
+              <a:buClr>
+                <a:schemeClr val="tx1">
+                  <a:lumMod val="75000"/>
+                  <a:lumOff val="25000"/>
+                </a:schemeClr>
+              </a:buClr>
+              <a:buFont typeface="Arial" pitchFamily="34" charset="0"/>
+              <a:buNone/>
+              <a:defRPr sz="1800" b="0" kern="1200">
+                <a:solidFill>
+                  <a:schemeClr val="tx1">
+                    <a:tint val="75000"/>
+                  </a:schemeClr>
+                </a:solidFill>
+                <a:latin typeface="Arial Narrow" pitchFamily="34" charset="0"/>
+                <a:ea typeface="+mn-ea"/>
+                <a:cs typeface="+mn-cs"/>
+              </a:defRPr>
+            </a:lvl5pPr>
+            <a:lvl6pPr marL="2286000" indent="0" algn="ctr" defTabSz="914400" rtl="0" eaLnBrk="1" latinLnBrk="0" hangingPunct="1">
+              <a:spcBef>
+                <a:spcPct val="20000"/>
+              </a:spcBef>
+              <a:buFont typeface="Arial" pitchFamily="34" charset="0"/>
+              <a:buNone/>
+              <a:defRPr sz="2000" kern="1200">
+                <a:solidFill>
+                  <a:schemeClr val="tx1">
+                    <a:tint val="75000"/>
+                  </a:schemeClr>
+                </a:solidFill>
+                <a:latin typeface="+mn-lt"/>
+                <a:ea typeface="+mn-ea"/>
+                <a:cs typeface="+mn-cs"/>
+              </a:defRPr>
+            </a:lvl6pPr>
+            <a:lvl7pPr marL="2743200" indent="0" algn="ctr" defTabSz="914400" rtl="0" eaLnBrk="1" latinLnBrk="0" hangingPunct="1">
+              <a:spcBef>
+                <a:spcPct val="20000"/>
+              </a:spcBef>
+              <a:buFont typeface="Arial" pitchFamily="34" charset="0"/>
+              <a:buNone/>
+              <a:defRPr sz="2000" kern="1200">
+                <a:solidFill>
+                  <a:schemeClr val="tx1">
+                    <a:tint val="75000"/>
+                  </a:schemeClr>
+                </a:solidFill>
+                <a:latin typeface="+mn-lt"/>
+                <a:ea typeface="+mn-ea"/>
+                <a:cs typeface="+mn-cs"/>
+              </a:defRPr>
+            </a:lvl7pPr>
+            <a:lvl8pPr marL="3200400" indent="0" algn="ctr" defTabSz="914400" rtl="0" eaLnBrk="1" latinLnBrk="0" hangingPunct="1">
+              <a:spcBef>
+                <a:spcPct val="20000"/>
+              </a:spcBef>
+              <a:buFont typeface="Arial" pitchFamily="34" charset="0"/>
+              <a:buNone/>
+              <a:defRPr sz="2000" kern="1200">
+                <a:solidFill>
+                  <a:schemeClr val="tx1">
+                    <a:tint val="75000"/>
+                  </a:schemeClr>
+                </a:solidFill>
+                <a:latin typeface="+mn-lt"/>
+                <a:ea typeface="+mn-ea"/>
+                <a:cs typeface="+mn-cs"/>
+              </a:defRPr>
+            </a:lvl8pPr>
+            <a:lvl9pPr marL="3657600" indent="0" algn="ctr" defTabSz="914400" rtl="0" eaLnBrk="1" latinLnBrk="0" hangingPunct="1">
+              <a:spcBef>
+                <a:spcPct val="20000"/>
+              </a:spcBef>
+              <a:buFont typeface="Arial" pitchFamily="34" charset="0"/>
+              <a:buNone/>
+              <a:defRPr sz="2000" kern="1200">
+                <a:solidFill>
+                  <a:schemeClr val="tx1">
+                    <a:tint val="75000"/>
+                  </a:schemeClr>
+                </a:solidFill>
+                <a:latin typeface="+mn-lt"/>
+                <a:ea typeface="+mn-ea"/>
+                <a:cs typeface="+mn-cs"/>
+              </a:defRPr>
+            </a:lvl9pPr>
+          </a:lstStyle>
           <a:p>
             <a:pPr>
               <a:spcBef>

--- a/slides/HotI-2011/2011-HotI-CCI-OLCF.pptx
+++ b/slides/HotI-2011/2011-HotI-CCI-OLCF.pptx
@@ -2261,7 +2261,6 @@
               <a:rPr lang="en-US" sz="1600" b="0" dirty="0"/>
               <a:t>Technology Integration</a:t>
             </a:r>
-            <a:endParaRPr lang="en-US" sz="1600" b="0" dirty="0"/>
           </a:p>
         </p:txBody>
       </p:sp>
@@ -3429,7 +3428,6 @@
               <a:rPr lang="en-US" dirty="0"/>
               <a:t>IBM LAPI and DCMF</a:t>
             </a:r>
-            <a:endParaRPr lang="en-US" dirty="0"/>
           </a:p>
         </p:txBody>
       </p:sp>
@@ -4029,7 +4027,6 @@
               <a:rPr lang="en-US" dirty="0"/>
               <a:t>Conclusion</a:t>
             </a:r>
-            <a:endParaRPr lang="en-US" dirty="0"/>
           </a:p>
         </p:txBody>
       </p:sp>
@@ -4140,11 +4137,7 @@
             <a:pPr lvl="2"/>
             <a:r>
               <a:rPr lang="en-US" dirty="0"/>
-              <a:t>No adittional progress</a:t>
-            </a:r>
-            <a:r>
-              <a:rPr lang="en-US" dirty="0"/>
-              <a:t> until handler completes</a:t>
+              <a:t>No adittional progress until handler completes</a:t>
             </a:r>
           </a:p>
           <a:p>
@@ -4934,84 +4927,9 @@
           <a:chExt cx="0" cy="0"/>
         </a:xfrm>
       </p:grpSpPr>
-      <p:cxnSp>
-        <p:nvCxnSpPr>
-          <p:cNvPr id="5" name="Straight Connector 4"/>
-          <p:cNvCxnSpPr/>
-          <p:nvPr/>
-        </p:nvCxnSpPr>
-        <p:spPr>
-          <a:xfrm flipH="1">
-            <a:off x="1242653" y="3310432"/>
-            <a:ext cx="7200071" cy="0"/>
-          </a:xfrm>
-          <a:prstGeom prst="line">
-            <a:avLst/>
-          </a:prstGeom>
-          <a:ln w="12700" cmpd="sng">
-            <a:solidFill>
-              <a:schemeClr val="tx1">
-                <a:lumMod val="75000"/>
-                <a:lumOff val="25000"/>
-              </a:schemeClr>
-            </a:solidFill>
-            <a:prstDash val="sysDash"/>
-          </a:ln>
-          <a:effectLst/>
-        </p:spPr>
-        <p:style>
-          <a:lnRef idx="2">
-            <a:schemeClr val="accent1"/>
-          </a:lnRef>
-          <a:fillRef idx="0">
-            <a:schemeClr val="accent1"/>
-          </a:fillRef>
-          <a:effectRef idx="1">
-            <a:schemeClr val="accent1"/>
-          </a:effectRef>
-          <a:fontRef idx="minor">
-            <a:schemeClr val="tx1"/>
-          </a:fontRef>
-        </p:style>
-      </p:cxnSp>
-      <p:sp>
-        <p:nvSpPr>
-          <p:cNvPr id="2" name="Title 1"/>
-          <p:cNvSpPr>
-            <a:spLocks noGrp="1"/>
-          </p:cNvSpPr>
-          <p:nvPr>
-            <p:ph type="title"/>
-          </p:nvPr>
-        </p:nvSpPr>
-        <p:spPr>
-          <a:xfrm>
-            <a:off x="111098" y="152400"/>
-            <a:ext cx="8229600" cy="496290"/>
-          </a:xfrm>
-        </p:spPr>
-        <p:txBody>
-          <a:bodyPr/>
-          <a:lstStyle/>
-          <a:p>
-            <a:r>
-              <a:rPr lang="en-US" dirty="0"/>
-              <a:t>Native </a:t>
-            </a:r>
-            <a:r>
-              <a:rPr lang="en-US" dirty="0" err="1"/>
-              <a:t>SeaStar</a:t>
-            </a:r>
-            <a:r>
-              <a:rPr lang="en-US" dirty="0"/>
-              <a:t> Performance</a:t>
-            </a:r>
-          </a:p>
-        </p:txBody>
-      </p:sp>
       <p:pic>
         <p:nvPicPr>
-          <p:cNvPr id="3" name="Picture 2"/>
+          <p:cNvPr id="4" name="Picture 3" descr="pingpong-latency-portals-cci-native.pdf"/>
           <p:cNvPicPr>
             <a:picLocks/>
           </p:cNvPicPr>
@@ -5039,6 +4957,81 @@
           </a:prstGeom>
         </p:spPr>
       </p:pic>
+      <p:cxnSp>
+        <p:nvCxnSpPr>
+          <p:cNvPr id="5" name="Straight Connector 4"/>
+          <p:cNvCxnSpPr/>
+          <p:nvPr/>
+        </p:nvCxnSpPr>
+        <p:spPr>
+          <a:xfrm flipH="1">
+            <a:off x="1242653" y="3310432"/>
+            <a:ext cx="7200071" cy="0"/>
+          </a:xfrm>
+          <a:prstGeom prst="line">
+            <a:avLst/>
+          </a:prstGeom>
+          <a:ln w="12700" cmpd="sng">
+            <a:solidFill>
+              <a:schemeClr val="tx1">
+                <a:lumMod val="75000"/>
+                <a:lumOff val="25000"/>
+              </a:schemeClr>
+            </a:solidFill>
+            <a:prstDash val="sysDash"/>
+          </a:ln>
+          <a:effectLst/>
+        </p:spPr>
+        <p:style>
+          <a:lnRef idx="2">
+            <a:schemeClr val="accent1"/>
+          </a:lnRef>
+          <a:fillRef idx="0">
+            <a:schemeClr val="accent1"/>
+          </a:fillRef>
+          <a:effectRef idx="1">
+            <a:schemeClr val="accent1"/>
+          </a:effectRef>
+          <a:fontRef idx="minor">
+            <a:schemeClr val="tx1"/>
+          </a:fontRef>
+        </p:style>
+      </p:cxnSp>
+      <p:sp>
+        <p:nvSpPr>
+          <p:cNvPr id="2" name="Title 1"/>
+          <p:cNvSpPr>
+            <a:spLocks noGrp="1"/>
+          </p:cNvSpPr>
+          <p:nvPr>
+            <p:ph type="title"/>
+          </p:nvPr>
+        </p:nvSpPr>
+        <p:spPr>
+          <a:xfrm>
+            <a:off x="111098" y="152400"/>
+            <a:ext cx="8229600" cy="496290"/>
+          </a:xfrm>
+        </p:spPr>
+        <p:txBody>
+          <a:bodyPr/>
+          <a:lstStyle/>
+          <a:p>
+            <a:r>
+              <a:rPr lang="en-US" dirty="0"/>
+              <a:t>Native </a:t>
+            </a:r>
+            <a:r>
+              <a:rPr lang="en-US" dirty="0" err="1"/>
+              <a:t>SeaStar</a:t>
+            </a:r>
+            <a:r>
+              <a:rPr lang="en-US" dirty="0"/>
+              <a:t> Performance</a:t>
+            </a:r>
+          </a:p>
+        </p:txBody>
+      </p:sp>
       <p:sp>
         <p:nvSpPr>
           <p:cNvPr id="8" name="TextBox 7"/>
@@ -5106,7 +5099,6 @@
               <a:rPr lang="en-US" dirty="0"/>
               <a:t>CCI/SS may require progress thread</a:t>
             </a:r>
-            <a:endParaRPr lang="en-US" dirty="0"/>
           </a:p>
         </p:txBody>
       </p:sp>
@@ -5393,7 +5385,6 @@
               <a:rPr lang="en-US" dirty="0"/>
               <a:t>Media Streaming (IPTV)</a:t>
             </a:r>
-            <a:endParaRPr lang="en-US" dirty="0"/>
           </a:p>
           <a:p>
             <a:r>

--- a/slides/HotI-2011/2011-HotI-CCI-OLCF.pptx
+++ b/slides/HotI-2011/2011-HotI-CCI-OLCF.pptx
@@ -4929,7 +4929,7 @@
       </p:grpSpPr>
       <p:pic>
         <p:nvPicPr>
-          <p:cNvPr id="4" name="Picture 3" descr="pingpong-latency-portals-cci-native.pdf"/>
+          <p:cNvPr id="6" name="Picture 5" descr="pingpong-latency-portals-cci-native.pdf"/>
           <p:cNvPicPr>
             <a:picLocks/>
           </p:cNvPicPr>

--- a/slides/HotI-2011/2011-HotI-CCI-OLCF.pptx
+++ b/slides/HotI-2011/2011-HotI-CCI-OLCF.pptx
@@ -5,36 +5,37 @@
     <p:sldMasterId id="2147483915" r:id="rId1"/>
   </p:sldMasterIdLst>
   <p:notesMasterIdLst>
-    <p:notesMasterId r:id="rId29"/>
+    <p:notesMasterId r:id="rId30"/>
   </p:notesMasterIdLst>
   <p:sldIdLst>
     <p:sldId id="275" r:id="rId2"/>
     <p:sldId id="276" r:id="rId3"/>
-    <p:sldId id="277" r:id="rId4"/>
-    <p:sldId id="300" r:id="rId5"/>
-    <p:sldId id="301" r:id="rId6"/>
-    <p:sldId id="302" r:id="rId7"/>
-    <p:sldId id="279" r:id="rId8"/>
-    <p:sldId id="280" r:id="rId9"/>
-    <p:sldId id="281" r:id="rId10"/>
-    <p:sldId id="282" r:id="rId11"/>
-    <p:sldId id="283" r:id="rId12"/>
-    <p:sldId id="284" r:id="rId13"/>
-    <p:sldId id="285" r:id="rId14"/>
-    <p:sldId id="286" r:id="rId15"/>
-    <p:sldId id="287" r:id="rId16"/>
-    <p:sldId id="288" r:id="rId17"/>
-    <p:sldId id="289" r:id="rId18"/>
-    <p:sldId id="290" r:id="rId19"/>
-    <p:sldId id="291" r:id="rId20"/>
-    <p:sldId id="292" r:id="rId21"/>
-    <p:sldId id="293" r:id="rId22"/>
-    <p:sldId id="294" r:id="rId23"/>
-    <p:sldId id="295" r:id="rId24"/>
-    <p:sldId id="296" r:id="rId25"/>
-    <p:sldId id="297" r:id="rId26"/>
-    <p:sldId id="298" r:id="rId27"/>
-    <p:sldId id="299" r:id="rId28"/>
+    <p:sldId id="303" r:id="rId4"/>
+    <p:sldId id="304" r:id="rId5"/>
+    <p:sldId id="300" r:id="rId6"/>
+    <p:sldId id="301" r:id="rId7"/>
+    <p:sldId id="302" r:id="rId8"/>
+    <p:sldId id="279" r:id="rId9"/>
+    <p:sldId id="280" r:id="rId10"/>
+    <p:sldId id="281" r:id="rId11"/>
+    <p:sldId id="282" r:id="rId12"/>
+    <p:sldId id="283" r:id="rId13"/>
+    <p:sldId id="284" r:id="rId14"/>
+    <p:sldId id="285" r:id="rId15"/>
+    <p:sldId id="286" r:id="rId16"/>
+    <p:sldId id="287" r:id="rId17"/>
+    <p:sldId id="288" r:id="rId18"/>
+    <p:sldId id="289" r:id="rId19"/>
+    <p:sldId id="290" r:id="rId20"/>
+    <p:sldId id="291" r:id="rId21"/>
+    <p:sldId id="292" r:id="rId22"/>
+    <p:sldId id="293" r:id="rId23"/>
+    <p:sldId id="294" r:id="rId24"/>
+    <p:sldId id="295" r:id="rId25"/>
+    <p:sldId id="296" r:id="rId26"/>
+    <p:sldId id="297" r:id="rId27"/>
+    <p:sldId id="298" r:id="rId28"/>
+    <p:sldId id="299" r:id="rId29"/>
   </p:sldIdLst>
   <p:sldSz cx="9144000" cy="6858000" type="screen4x3"/>
   <p:notesSz cx="7010400" cy="9296400"/>
@@ -249,7 +250,7 @@
             <a:fld id="{1507BF42-67CC-4FB8-9955-9A9591B56F2B}" type="datetimeFigureOut">
               <a:rPr lang="en-US" smtClean="0"/>
               <a:pPr/>
-              <a:t>8/22/11</a:t>
+              <a:t>8/23/2011</a:t>
             </a:fld>
             <a:endParaRPr lang="en-US"/>
           </a:p>
@@ -518,6 +519,107 @@
     </a:lvl9pPr>
   </p:notesStyle>
 </p:notesMaster>
+</file>
+
+<file path=ppt/notesSlides/notesSlide1.xml><?xml version="1.0" encoding="utf-8"?>
+<p:notes xmlns:a="http://schemas.openxmlformats.org/drawingml/2006/main" xmlns:r="http://schemas.openxmlformats.org/officeDocument/2006/relationships" xmlns:p="http://schemas.openxmlformats.org/presentationml/2006/main">
+  <p:cSld>
+    <p:spTree>
+      <p:nvGrpSpPr>
+        <p:cNvPr id="1" name=""/>
+        <p:cNvGrpSpPr/>
+        <p:nvPr/>
+      </p:nvGrpSpPr>
+      <p:grpSpPr>
+        <a:xfrm>
+          <a:off x="0" y="0"/>
+          <a:ext cx="0" cy="0"/>
+          <a:chOff x="0" y="0"/>
+          <a:chExt cx="0" cy="0"/>
+        </a:xfrm>
+      </p:grpSpPr>
+      <p:sp>
+        <p:nvSpPr>
+          <p:cNvPr id="2" name="Slide Image Placeholder 1"/>
+          <p:cNvSpPr>
+            <a:spLocks noGrp="1" noRot="1" noChangeAspect="1"/>
+          </p:cNvSpPr>
+          <p:nvPr>
+            <p:ph type="sldImg"/>
+          </p:nvPr>
+        </p:nvSpPr>
+        <p:spPr/>
+      </p:sp>
+      <p:sp>
+        <p:nvSpPr>
+          <p:cNvPr id="3" name="Notes Placeholder 2"/>
+          <p:cNvSpPr>
+            <a:spLocks noGrp="1"/>
+          </p:cNvSpPr>
+          <p:nvPr>
+            <p:ph type="body" idx="1"/>
+          </p:nvPr>
+        </p:nvSpPr>
+        <p:spPr/>
+        <p:txBody>
+          <a:bodyPr/>
+          <a:lstStyle/>
+          <a:p>
+            <a:r>
+              <a:rPr lang="en-US" dirty="0" smtClean="0"/>
+              <a:t>I would stick</a:t>
+            </a:r>
+            <a:r>
+              <a:rPr lang="en-US" baseline="0" dirty="0" smtClean="0"/>
+              <a:t> to one slide for Socket an one for MPI, focusing on semantic differences. I would not present the various specialized ones, just one to show the semantic differences (matching, </a:t>
+            </a:r>
+            <a:r>
+              <a:rPr lang="en-US" baseline="0" dirty="0" err="1" smtClean="0"/>
+              <a:t>etc</a:t>
+            </a:r>
+            <a:r>
+              <a:rPr lang="en-US" baseline="0" smtClean="0"/>
+              <a:t>).</a:t>
+            </a:r>
+            <a:endParaRPr lang="en-US"/>
+          </a:p>
+        </p:txBody>
+      </p:sp>
+      <p:sp>
+        <p:nvSpPr>
+          <p:cNvPr id="4" name="Slide Number Placeholder 3"/>
+          <p:cNvSpPr>
+            <a:spLocks noGrp="1"/>
+          </p:cNvSpPr>
+          <p:nvPr>
+            <p:ph type="sldNum" sz="quarter" idx="10"/>
+          </p:nvPr>
+        </p:nvSpPr>
+        <p:spPr/>
+        <p:txBody>
+          <a:bodyPr/>
+          <a:lstStyle/>
+          <a:p>
+            <a:fld id="{A3588623-9414-4A4F-B728-DDF491331B9F}" type="slidenum">
+              <a:rPr lang="en-US" smtClean="0"/>
+              <a:pPr/>
+              <a:t>8</a:t>
+            </a:fld>
+            <a:endParaRPr lang="en-US"/>
+          </a:p>
+        </p:txBody>
+      </p:sp>
+    </p:spTree>
+    <p:extLst>
+      <p:ext uri="{BB962C8B-B14F-4D97-AF65-F5344CB8AC3E}">
+        <p14:creationId xmlns:p14="http://schemas.microsoft.com/office/powerpoint/2010/main" val="2120181062"/>
+      </p:ext>
+    </p:extLst>
+  </p:cSld>
+  <p:clrMapOvr>
+    <a:masterClrMapping/>
+  </p:clrMapOvr>
+</p:notes>
 </file>
 
 <file path=ppt/slideLayouts/slideLayout1.xml><?xml version="1.0" encoding="utf-8"?>
@@ -2534,7 +2636,7 @@
   <p:timing>
     <p:tnLst>
       <p:par>
-        <p:cTn xmlns:p14="http://schemas.microsoft.com/office/powerpoint/2010/main" id="1" dur="indefinite" restart="never" nodeType="tmRoot"/>
+        <p:cTn id="1" dur="indefinite" restart="never" nodeType="tmRoot"/>
       </p:par>
     </p:tnLst>
   </p:timing>
@@ -2597,8 +2699,8 @@
         </p:nvSpPr>
         <p:spPr>
           <a:xfrm>
-            <a:off x="111204" y="1344823"/>
-            <a:ext cx="8229600" cy="5584094"/>
+            <a:off x="111204" y="1143000"/>
+            <a:ext cx="8229600" cy="5395809"/>
           </a:xfrm>
         </p:spPr>
         <p:txBody>
@@ -2606,70 +2708,96 @@
           <a:lstStyle/>
           <a:p>
             <a:r>
-              <a:rPr lang="en-US" dirty="0"/>
-              <a:t>Point-to-point communication use two modes</a:t>
-            </a:r>
-          </a:p>
-          <a:p>
-            <a:pPr lvl="1"/>
-            <a:r>
-              <a:rPr lang="en-US" dirty="0"/>
-              <a:t>Eager and Rendezvous</a:t>
-            </a:r>
-          </a:p>
-          <a:p>
-            <a:r>
-              <a:rPr lang="en-US" dirty="0"/>
-              <a:t>Each MPI switches modes at different sizes depending on the network being used</a:t>
-            </a:r>
-          </a:p>
-          <a:p>
-            <a:pPr lvl="1"/>
-            <a:r>
-              <a:rPr lang="en-US" dirty="0"/>
-              <a:t>May be tunable, but users don’t want to tune</a:t>
-            </a:r>
-          </a:p>
-          <a:p>
-            <a:pPr lvl="1"/>
-            <a:r>
-              <a:rPr lang="en-US" dirty="0"/>
-              <a:t>May lead to buffer overruns or OOM on the receiver</a:t>
-            </a:r>
-          </a:p>
-          <a:p>
-            <a:r>
-              <a:rPr lang="en-US" dirty="0"/>
-              <a:t>Does not specify underlying network protocol</a:t>
-            </a:r>
-          </a:p>
-          <a:p>
-            <a:r>
-              <a:rPr lang="en-US" dirty="0"/>
-              <a:t>Each MPI implements a NAL</a:t>
-            </a:r>
-          </a:p>
-          <a:p>
-            <a:r>
-              <a:rPr lang="en-US" dirty="0"/>
-              <a:t>Less mature than Sockets</a:t>
-            </a:r>
-          </a:p>
-          <a:p>
-            <a:r>
-              <a:rPr lang="en-US" dirty="0"/>
-              <a:t>Well-defined standard (but implementations vary)</a:t>
-            </a:r>
-          </a:p>
-          <a:p>
-            <a:endParaRPr lang="en-US" dirty="0"/>
+              <a:rPr lang="en-US" sz="2400" dirty="0"/>
+              <a:t>Dominant interface in HPC</a:t>
+            </a:r>
+          </a:p>
+          <a:p>
+            <a:r>
+              <a:rPr lang="en-US" sz="2400" dirty="0"/>
+              <a:t>Provides scalability</a:t>
+            </a:r>
+          </a:p>
+          <a:p>
+            <a:r>
+              <a:rPr lang="en-US" sz="2400" dirty="0"/>
+              <a:t>Rich API (i.e. complicated)</a:t>
+            </a:r>
+          </a:p>
+          <a:p>
+            <a:r>
+              <a:rPr lang="en-US" sz="2400" dirty="0"/>
+              <a:t>Point-to-point, collective, and one-sided</a:t>
+            </a:r>
+          </a:p>
+          <a:p>
+            <a:r>
+              <a:rPr lang="en-US" sz="2400" dirty="0"/>
+              <a:t>Blocking and non-blocking</a:t>
+            </a:r>
+          </a:p>
+          <a:p>
+            <a:r>
+              <a:rPr lang="en-US" sz="2400" dirty="0"/>
+              <a:t>Synchronous, asynchronous, and ready modes</a:t>
+            </a:r>
+          </a:p>
+          <a:p>
+            <a:r>
+              <a:rPr lang="en-US" sz="2400" dirty="0"/>
+              <a:t>Uses communication groups (communicators)</a:t>
+            </a:r>
+          </a:p>
+          <a:p>
+            <a:pPr lvl="1"/>
+            <a:r>
+              <a:rPr lang="en-US" sz="2100" dirty="0"/>
+              <a:t>May include all process or a subset of processes</a:t>
+            </a:r>
+          </a:p>
+          <a:p>
+            <a:r>
+              <a:rPr lang="en-US" sz="2400" dirty="0"/>
+              <a:t>Does provide a notion of dynamic process management</a:t>
+            </a:r>
+          </a:p>
+          <a:p>
+            <a:pPr lvl="1"/>
+            <a:r>
+              <a:rPr lang="en-US" sz="2100" dirty="0" err="1"/>
+              <a:t>Accept</a:t>
+            </a:r>
+            <a:r>
+              <a:rPr lang="en-US" sz="2100" dirty="0"/>
+              <a:t>(), </a:t>
+            </a:r>
+            <a:r>
+              <a:rPr lang="en-US" sz="2100" dirty="0" err="1"/>
+              <a:t>Connect</a:t>
+            </a:r>
+            <a:r>
+              <a:rPr lang="en-US" sz="2100" dirty="0"/>
+              <a:t>() immature, infrequently provided, and much less used</a:t>
+            </a:r>
+          </a:p>
+          <a:p>
+            <a:pPr lvl="1"/>
+            <a:r>
+              <a:rPr lang="en-US" sz="2100" dirty="0"/>
+              <a:t>Imposes high overhead, not </a:t>
+            </a:r>
+            <a:r>
+              <a:rPr lang="en-US" sz="2100" dirty="0" err="1"/>
+              <a:t>performant</a:t>
+            </a:r>
+            <a:endParaRPr lang="en-US" sz="2100" dirty="0"/>
           </a:p>
         </p:txBody>
       </p:sp>
     </p:spTree>
     <p:extLst>
       <p:ext uri="{BB962C8B-B14F-4D97-AF65-F5344CB8AC3E}">
-        <p14:creationId xmlns:p14="http://schemas.microsoft.com/office/powerpoint/2010/main" val="3082596601"/>
+        <p14:creationId xmlns:p14="http://schemas.microsoft.com/office/powerpoint/2010/main" val="2790947775"/>
       </p:ext>
     </p:extLst>
   </p:cSld>
@@ -2679,7 +2807,7 @@
   <p:timing>
     <p:tnLst>
       <p:par>
-        <p:cTn xmlns:p14="http://schemas.microsoft.com/office/powerpoint/2010/main" id="1" dur="indefinite" restart="never" nodeType="tmRoot"/>
+        <p:cTn id="1" dur="indefinite" restart="never" nodeType="tmRoot"/>
       </p:par>
     </p:tnLst>
   </p:timing>
@@ -2743,7 +2871,7 @@
         <p:spPr>
           <a:xfrm>
             <a:off x="111204" y="1344823"/>
-            <a:ext cx="8229600" cy="2871555"/>
+            <a:ext cx="8229600" cy="5584094"/>
           </a:xfrm>
         </p:spPr>
         <p:txBody>
@@ -2752,48 +2880,69 @@
           <a:p>
             <a:r>
               <a:rPr lang="en-US" dirty="0"/>
-              <a:t>Rigid fault model</a:t>
-            </a:r>
-          </a:p>
-          <a:p>
-            <a:pPr lvl="1"/>
-            <a:r>
-              <a:rPr lang="en-US" dirty="0"/>
-              <a:t>Default mode is all errors trigger abort</a:t>
-            </a:r>
-          </a:p>
-          <a:p>
-            <a:pPr lvl="1"/>
-            <a:r>
-              <a:rPr lang="en-US" dirty="0"/>
-              <a:t>Optionally may have errors return</a:t>
-            </a:r>
-          </a:p>
-          <a:p>
-            <a:pPr lvl="2"/>
-            <a:r>
-              <a:rPr lang="en-US" dirty="0"/>
-              <a:t>Not clear how to handle missing peers</a:t>
-            </a:r>
-          </a:p>
-          <a:p>
-            <a:r>
-              <a:rPr lang="en-US" dirty="0"/>
-              <a:t>Assumes reliable delivery</a:t>
-            </a:r>
-          </a:p>
-          <a:p>
-            <a:r>
-              <a:rPr lang="en-US" dirty="0"/>
-              <a:t>Requires ordered matching, but not ordered completion</a:t>
-            </a:r>
+              <a:t>Point-to-point communication use two modes</a:t>
+            </a:r>
+          </a:p>
+          <a:p>
+            <a:pPr lvl="1"/>
+            <a:r>
+              <a:rPr lang="en-US" dirty="0"/>
+              <a:t>Eager and Rendezvous</a:t>
+            </a:r>
+          </a:p>
+          <a:p>
+            <a:r>
+              <a:rPr lang="en-US" dirty="0"/>
+              <a:t>Each MPI switches modes at different sizes depending on the network being used</a:t>
+            </a:r>
+          </a:p>
+          <a:p>
+            <a:pPr lvl="1"/>
+            <a:r>
+              <a:rPr lang="en-US" dirty="0"/>
+              <a:t>May be tunable, but users don’t want to tune</a:t>
+            </a:r>
+          </a:p>
+          <a:p>
+            <a:pPr lvl="1"/>
+            <a:r>
+              <a:rPr lang="en-US" dirty="0"/>
+              <a:t>May lead to buffer overruns or OOM on the receiver</a:t>
+            </a:r>
+          </a:p>
+          <a:p>
+            <a:r>
+              <a:rPr lang="en-US" dirty="0"/>
+              <a:t>Does not specify underlying network protocol</a:t>
+            </a:r>
+          </a:p>
+          <a:p>
+            <a:r>
+              <a:rPr lang="en-US" dirty="0"/>
+              <a:t>Each MPI implements a NAL</a:t>
+            </a:r>
+          </a:p>
+          <a:p>
+            <a:r>
+              <a:rPr lang="en-US" dirty="0"/>
+              <a:t>Less mature than Sockets</a:t>
+            </a:r>
+          </a:p>
+          <a:p>
+            <a:r>
+              <a:rPr lang="en-US" dirty="0"/>
+              <a:t>Well-defined standard (but implementations vary)</a:t>
+            </a:r>
+          </a:p>
+          <a:p>
+            <a:endParaRPr lang="en-US" dirty="0"/>
           </a:p>
         </p:txBody>
       </p:sp>
     </p:spTree>
     <p:extLst>
       <p:ext uri="{BB962C8B-B14F-4D97-AF65-F5344CB8AC3E}">
-        <p14:creationId xmlns:p14="http://schemas.microsoft.com/office/powerpoint/2010/main" val="4166895635"/>
+        <p14:creationId xmlns:p14="http://schemas.microsoft.com/office/powerpoint/2010/main" val="3082596601"/>
       </p:ext>
     </p:extLst>
   </p:cSld>
@@ -2803,7 +2952,7 @@
   <p:timing>
     <p:tnLst>
       <p:par>
-        <p:cTn xmlns:p14="http://schemas.microsoft.com/office/powerpoint/2010/main" id="1" dur="indefinite" restart="never" nodeType="tmRoot"/>
+        <p:cTn id="1" dur="indefinite" restart="never" nodeType="tmRoot"/>
       </p:par>
     </p:tnLst>
   </p:timing>
@@ -2849,7 +2998,7 @@
           <a:p>
             <a:r>
               <a:rPr lang="en-US" dirty="0"/>
-              <a:t>Specialized APIs</a:t>
+              <a:t>MPI</a:t>
             </a:r>
           </a:p>
         </p:txBody>
@@ -2867,7 +3016,7 @@
         <p:spPr>
           <a:xfrm>
             <a:off x="111204" y="1344823"/>
-            <a:ext cx="8229600" cy="4458656"/>
+            <a:ext cx="8229600" cy="2871555"/>
           </a:xfrm>
         </p:spPr>
         <p:txBody>
@@ -2876,62 +3025,40 @@
           <a:p>
             <a:r>
               <a:rPr lang="en-US" dirty="0"/>
-              <a:t>OFA Verbs</a:t>
-            </a:r>
-          </a:p>
-          <a:p>
-            <a:r>
-              <a:rPr lang="en-US" dirty="0"/>
-              <a:t>Cray/Sandia’s Portals</a:t>
-            </a:r>
-          </a:p>
-          <a:p>
-            <a:r>
-              <a:rPr lang="en-US" dirty="0" err="1"/>
-              <a:t>Qlogics’s</a:t>
-            </a:r>
-            <a:r>
-              <a:rPr lang="en-US" dirty="0"/>
-              <a:t> PSM</a:t>
-            </a:r>
-          </a:p>
-          <a:p>
-            <a:r>
-              <a:rPr lang="en-US" dirty="0" err="1"/>
-              <a:t>Myricom’s</a:t>
-            </a:r>
-            <a:r>
-              <a:rPr lang="en-US" dirty="0"/>
-              <a:t> MX</a:t>
-            </a:r>
-          </a:p>
-          <a:p>
-            <a:r>
-              <a:rPr lang="en-US" dirty="0"/>
-              <a:t>LBL’s </a:t>
-            </a:r>
-            <a:r>
-              <a:rPr lang="en-US" dirty="0" err="1"/>
-              <a:t>GASnet</a:t>
-            </a:r>
-            <a:endParaRPr lang="en-US" dirty="0"/>
-          </a:p>
-          <a:p>
-            <a:r>
-              <a:rPr lang="en-US" dirty="0"/>
-              <a:t>DAPL</a:t>
-            </a:r>
-          </a:p>
-          <a:p>
-            <a:r>
-              <a:rPr lang="en-US" dirty="0"/>
-              <a:t>IBM’s LAPI and DCMF</a:t>
-            </a:r>
-          </a:p>
-          <a:p>
-            <a:r>
-              <a:rPr lang="en-US" dirty="0"/>
-              <a:t>Others</a:t>
+              <a:t>Rigid fault model</a:t>
+            </a:r>
+          </a:p>
+          <a:p>
+            <a:pPr lvl="1"/>
+            <a:r>
+              <a:rPr lang="en-US" dirty="0"/>
+              <a:t>Default mode is all errors trigger abort</a:t>
+            </a:r>
+          </a:p>
+          <a:p>
+            <a:pPr lvl="1"/>
+            <a:r>
+              <a:rPr lang="en-US" dirty="0"/>
+              <a:t>Optionally may have errors return</a:t>
+            </a:r>
+          </a:p>
+          <a:p>
+            <a:pPr lvl="2"/>
+            <a:r>
+              <a:rPr lang="en-US" dirty="0"/>
+              <a:t>Not clear how to handle missing peers</a:t>
+            </a:r>
+          </a:p>
+          <a:p>
+            <a:r>
+              <a:rPr lang="en-US" dirty="0"/>
+              <a:t>Assumes reliable delivery</a:t>
+            </a:r>
+          </a:p>
+          <a:p>
+            <a:r>
+              <a:rPr lang="en-US" dirty="0"/>
+              <a:t>Requires ordered matching, but not ordered completion</a:t>
             </a:r>
           </a:p>
         </p:txBody>
@@ -2939,7 +3066,7 @@
     </p:spTree>
     <p:extLst>
       <p:ext uri="{BB962C8B-B14F-4D97-AF65-F5344CB8AC3E}">
-        <p14:creationId xmlns:p14="http://schemas.microsoft.com/office/powerpoint/2010/main" val="3718705044"/>
+        <p14:creationId xmlns:p14="http://schemas.microsoft.com/office/powerpoint/2010/main" val="4166895635"/>
       </p:ext>
     </p:extLst>
   </p:cSld>
@@ -2949,7 +3076,7 @@
   <p:timing>
     <p:tnLst>
       <p:par>
-        <p:cTn xmlns:p14="http://schemas.microsoft.com/office/powerpoint/2010/main" id="1" dur="indefinite" restart="never" nodeType="tmRoot"/>
+        <p:cTn id="1" dur="indefinite" restart="never" nodeType="tmRoot"/>
       </p:par>
     </p:tnLst>
   </p:timing>
@@ -2995,7 +3122,7 @@
           <a:p>
             <a:r>
               <a:rPr lang="en-US" dirty="0"/>
-              <a:t>OFA Verbs</a:t>
+              <a:t>Specialized APIs</a:t>
             </a:r>
           </a:p>
         </p:txBody>
@@ -3012,8 +3139,8 @@
         </p:nvSpPr>
         <p:spPr>
           <a:xfrm>
-            <a:off x="111204" y="1028701"/>
-            <a:ext cx="8229600" cy="5315815"/>
+            <a:off x="111204" y="1344823"/>
+            <a:ext cx="8229600" cy="4458656"/>
           </a:xfrm>
         </p:spPr>
         <p:txBody>
@@ -3021,66 +3148,63 @@
           <a:lstStyle/>
           <a:p>
             <a:r>
-              <a:rPr lang="en-US" sz="2600" dirty="0"/>
-              <a:t>Based on earlier VIA spec</a:t>
-            </a:r>
-          </a:p>
-          <a:p>
-            <a:r>
-              <a:rPr lang="en-US" sz="2600" dirty="0"/>
-              <a:t>Does not specify API, just </a:t>
-            </a:r>
-            <a:r>
-              <a:rPr lang="en-US" sz="2600" i="1" dirty="0"/>
-              <a:t>Verbs</a:t>
-            </a:r>
-          </a:p>
-          <a:p>
-            <a:r>
-              <a:rPr lang="en-US" sz="2600" dirty="0"/>
-              <a:t>Multiple vendor APIs initially</a:t>
-            </a:r>
-          </a:p>
-          <a:p>
-            <a:r>
-              <a:rPr lang="en-US" sz="2600" dirty="0"/>
-              <a:t>Coalesced into Open-Fabrics Association (OFA)</a:t>
-            </a:r>
-          </a:p>
-          <a:p>
-            <a:r>
-              <a:rPr lang="en-US" sz="2600" dirty="0"/>
-              <a:t>Two-sided and one-sided</a:t>
-            </a:r>
-          </a:p>
-          <a:p>
-            <a:r>
-              <a:rPr lang="en-US" sz="2600" dirty="0"/>
-              <a:t>Always asynchronous</a:t>
-            </a:r>
-          </a:p>
-          <a:p>
-            <a:r>
-              <a:rPr lang="en-US" sz="2600" dirty="0"/>
-              <a:t>Reliable and unreliable</a:t>
-            </a:r>
-          </a:p>
-          <a:p>
-            <a:r>
-              <a:rPr lang="en-US" sz="2600" dirty="0"/>
-              <a:t>Connection and connectionless modes</a:t>
-            </a:r>
-          </a:p>
-          <a:p>
-            <a:r>
-              <a:rPr lang="en-US" sz="2600" dirty="0"/>
-              <a:t>Communication requires registered memory</a:t>
-            </a:r>
-          </a:p>
-          <a:p>
-            <a:r>
-              <a:rPr lang="en-US" sz="2600" dirty="0"/>
-              <a:t>Queue-Pair represents logical connection</a:t>
+              <a:rPr lang="en-US" dirty="0"/>
+              <a:t>OFA Verbs</a:t>
+            </a:r>
+          </a:p>
+          <a:p>
+            <a:r>
+              <a:rPr lang="en-US" dirty="0"/>
+              <a:t>Cray/Sandia’s Portals</a:t>
+            </a:r>
+          </a:p>
+          <a:p>
+            <a:r>
+              <a:rPr lang="en-US" dirty="0" err="1"/>
+              <a:t>Qlogics’s</a:t>
+            </a:r>
+            <a:r>
+              <a:rPr lang="en-US" dirty="0"/>
+              <a:t> PSM</a:t>
+            </a:r>
+          </a:p>
+          <a:p>
+            <a:r>
+              <a:rPr lang="en-US" dirty="0" err="1"/>
+              <a:t>Myricom’s</a:t>
+            </a:r>
+            <a:r>
+              <a:rPr lang="en-US" dirty="0"/>
+              <a:t> MX</a:t>
+            </a:r>
+          </a:p>
+          <a:p>
+            <a:r>
+              <a:rPr lang="en-US" dirty="0"/>
+              <a:t>LBL’s </a:t>
+            </a:r>
+            <a:r>
+              <a:rPr lang="en-US" dirty="0" err="1"/>
+              <a:t>GASnet</a:t>
+            </a:r>
+            <a:endParaRPr lang="en-US" dirty="0"/>
+          </a:p>
+          <a:p>
+            <a:r>
+              <a:rPr lang="en-US" dirty="0"/>
+              <a:t>DAPL</a:t>
+            </a:r>
+          </a:p>
+          <a:p>
+            <a:r>
+              <a:rPr lang="en-US" dirty="0"/>
+              <a:t>IBM’s LAPI and DCMF</a:t>
+            </a:r>
+          </a:p>
+          <a:p>
+            <a:r>
+              <a:rPr lang="en-US" dirty="0"/>
+              <a:t>Others</a:t>
             </a:r>
           </a:p>
         </p:txBody>
@@ -3088,7 +3212,7 @@
     </p:spTree>
     <p:extLst>
       <p:ext uri="{BB962C8B-B14F-4D97-AF65-F5344CB8AC3E}">
-        <p14:creationId xmlns:p14="http://schemas.microsoft.com/office/powerpoint/2010/main" val="3144136157"/>
+        <p14:creationId xmlns:p14="http://schemas.microsoft.com/office/powerpoint/2010/main" val="3718705044"/>
       </p:ext>
     </p:extLst>
   </p:cSld>
@@ -3098,7 +3222,7 @@
   <p:timing>
     <p:tnLst>
       <p:par>
-        <p:cTn xmlns:p14="http://schemas.microsoft.com/office/powerpoint/2010/main" id="1" dur="indefinite" restart="never" nodeType="tmRoot"/>
+        <p:cTn id="1" dur="indefinite" restart="never" nodeType="tmRoot"/>
       </p:par>
     </p:tnLst>
   </p:timing>
@@ -3144,7 +3268,7 @@
           <a:p>
             <a:r>
               <a:rPr lang="en-US" dirty="0"/>
-              <a:t>Portals</a:t>
+              <a:t>OFA Verbs</a:t>
             </a:r>
           </a:p>
         </p:txBody>
@@ -3161,8 +3285,8 @@
         </p:nvSpPr>
         <p:spPr>
           <a:xfrm>
-            <a:off x="111204" y="1344823"/>
-            <a:ext cx="8229600" cy="3579441"/>
+            <a:off x="111204" y="1028701"/>
+            <a:ext cx="8229600" cy="5315815"/>
           </a:xfrm>
         </p:spPr>
         <p:txBody>
@@ -3170,51 +3294,66 @@
           <a:lstStyle/>
           <a:p>
             <a:r>
-              <a:rPr lang="en-US" dirty="0"/>
-              <a:t>One-sided (Put/Get)</a:t>
-            </a:r>
-          </a:p>
-          <a:p>
-            <a:r>
-              <a:rPr lang="en-US" dirty="0"/>
-              <a:t>Uses tags to steer messages to buffers</a:t>
-            </a:r>
-          </a:p>
-          <a:p>
-            <a:r>
-              <a:rPr lang="en-US" dirty="0"/>
-              <a:t>Connectionless</a:t>
-            </a:r>
-          </a:p>
-          <a:p>
-            <a:pPr lvl="1"/>
-            <a:r>
-              <a:rPr lang="en-US" dirty="0"/>
-              <a:t>Underlying NALs maintain necessary connection state</a:t>
-            </a:r>
-          </a:p>
-          <a:p>
-            <a:r>
-              <a:rPr lang="en-US" dirty="0"/>
-              <a:t>Most commonly used on large HPC systems</a:t>
-            </a:r>
-          </a:p>
-          <a:p>
-            <a:r>
-              <a:rPr lang="en-US" dirty="0" err="1"/>
-              <a:t>Lustre</a:t>
-            </a:r>
-            <a:r>
-              <a:rPr lang="en-US" dirty="0"/>
-              <a:t> distributed </a:t>
-            </a:r>
-            <a:r>
-              <a:rPr lang="en-US" dirty="0" err="1"/>
-              <a:t>file system</a:t>
-            </a:r>
-            <a:r>
-              <a:rPr lang="en-US" dirty="0"/>
-              <a:t> NAL, LNET, was originally based on Portals</a:t>
+              <a:rPr lang="en-US" sz="2600" dirty="0"/>
+              <a:t>Based on earlier VIA spec</a:t>
+            </a:r>
+          </a:p>
+          <a:p>
+            <a:r>
+              <a:rPr lang="en-US" sz="2600" dirty="0"/>
+              <a:t>Does not specify API, just </a:t>
+            </a:r>
+            <a:r>
+              <a:rPr lang="en-US" sz="2600" i="1" dirty="0"/>
+              <a:t>Verbs</a:t>
+            </a:r>
+          </a:p>
+          <a:p>
+            <a:r>
+              <a:rPr lang="en-US" sz="2600" dirty="0"/>
+              <a:t>Multiple vendor APIs initially</a:t>
+            </a:r>
+          </a:p>
+          <a:p>
+            <a:r>
+              <a:rPr lang="en-US" sz="2600" dirty="0"/>
+              <a:t>Coalesced into Open-Fabrics Association (OFA)</a:t>
+            </a:r>
+          </a:p>
+          <a:p>
+            <a:r>
+              <a:rPr lang="en-US" sz="2600" dirty="0"/>
+              <a:t>Two-sided and one-sided</a:t>
+            </a:r>
+          </a:p>
+          <a:p>
+            <a:r>
+              <a:rPr lang="en-US" sz="2600" dirty="0"/>
+              <a:t>Always asynchronous</a:t>
+            </a:r>
+          </a:p>
+          <a:p>
+            <a:r>
+              <a:rPr lang="en-US" sz="2600" dirty="0"/>
+              <a:t>Reliable and unreliable</a:t>
+            </a:r>
+          </a:p>
+          <a:p>
+            <a:r>
+              <a:rPr lang="en-US" sz="2600" dirty="0"/>
+              <a:t>Connection and connectionless modes</a:t>
+            </a:r>
+          </a:p>
+          <a:p>
+            <a:r>
+              <a:rPr lang="en-US" sz="2600" dirty="0"/>
+              <a:t>Communication requires registered memory</a:t>
+            </a:r>
+          </a:p>
+          <a:p>
+            <a:r>
+              <a:rPr lang="en-US" sz="2600" dirty="0"/>
+              <a:t>Queue-Pair represents logical connection</a:t>
             </a:r>
           </a:p>
         </p:txBody>
@@ -3222,7 +3361,7 @@
     </p:spTree>
     <p:extLst>
       <p:ext uri="{BB962C8B-B14F-4D97-AF65-F5344CB8AC3E}">
-        <p14:creationId xmlns:p14="http://schemas.microsoft.com/office/powerpoint/2010/main" val="3482068955"/>
+        <p14:creationId xmlns:p14="http://schemas.microsoft.com/office/powerpoint/2010/main" val="3144136157"/>
       </p:ext>
     </p:extLst>
   </p:cSld>
@@ -3232,7 +3371,7 @@
   <p:timing>
     <p:tnLst>
       <p:par>
-        <p:cTn xmlns:p14="http://schemas.microsoft.com/office/powerpoint/2010/main" id="1" dur="indefinite" restart="never" nodeType="tmRoot"/>
+        <p:cTn id="1" dur="indefinite" restart="never" nodeType="tmRoot"/>
       </p:par>
     </p:tnLst>
   </p:timing>
@@ -3277,20 +3416,8 @@
           <a:lstStyle/>
           <a:p>
             <a:r>
-              <a:rPr lang="en-US" dirty="0" err="1"/>
-              <a:t>Myricom</a:t>
-            </a:r>
-            <a:r>
-              <a:rPr lang="en-US" dirty="0"/>
-              <a:t> MX and </a:t>
-            </a:r>
-            <a:r>
-              <a:rPr lang="en-US" dirty="0" err="1"/>
-              <a:t>Qlogic</a:t>
-            </a:r>
-            <a:r>
-              <a:rPr lang="en-US" dirty="0"/>
-              <a:t> PSM</a:t>
+              <a:rPr lang="en-US" dirty="0"/>
+              <a:t>Portals</a:t>
             </a:r>
           </a:p>
         </p:txBody>
@@ -3308,7 +3435,7 @@
         <p:spPr>
           <a:xfrm>
             <a:off x="111204" y="1344823"/>
-            <a:ext cx="8229600" cy="4449423"/>
+            <a:ext cx="8229600" cy="3579441"/>
           </a:xfrm>
         </p:spPr>
         <p:txBody>
@@ -3317,52 +3444,50 @@
           <a:p>
             <a:r>
               <a:rPr lang="en-US" dirty="0"/>
-              <a:t>Similar two-sided, matching API</a:t>
-            </a:r>
-          </a:p>
-          <a:p>
-            <a:pPr lvl="1"/>
-            <a:r>
-              <a:rPr lang="en-US" dirty="0"/>
-              <a:t>Designed to support MPI</a:t>
-            </a:r>
-          </a:p>
-          <a:p>
-            <a:r>
-              <a:rPr lang="en-US" dirty="0"/>
-              <a:t>Eager for small messages</a:t>
-            </a:r>
-          </a:p>
-          <a:p>
-            <a:r>
-              <a:rPr lang="en-US" dirty="0"/>
-              <a:t>Zero-copy, rendezvous for large messages</a:t>
-            </a:r>
-          </a:p>
-          <a:p>
-            <a:r>
-              <a:rPr lang="en-US" dirty="0"/>
-              <a:t>Semi-connectionless</a:t>
-            </a:r>
-          </a:p>
-          <a:p>
-            <a:pPr lvl="1"/>
-            <a:r>
-              <a:rPr lang="en-US" dirty="0"/>
-              <a:t>Target does accept connection requests</a:t>
-            </a:r>
-          </a:p>
-          <a:p>
-            <a:pPr lvl="1"/>
-            <a:r>
-              <a:rPr lang="en-US" dirty="0"/>
-              <a:t>Sender connects before sending</a:t>
-            </a:r>
-          </a:p>
-          <a:p>
-            <a:r>
-              <a:rPr lang="en-US" dirty="0"/>
-              <a:t>Reliable, in-order matching with out-of-order completion (like MPI)</a:t>
+              <a:t>One-sided (Put/Get)</a:t>
+            </a:r>
+          </a:p>
+          <a:p>
+            <a:r>
+              <a:rPr lang="en-US" dirty="0"/>
+              <a:t>Uses tags to steer messages to buffers</a:t>
+            </a:r>
+          </a:p>
+          <a:p>
+            <a:r>
+              <a:rPr lang="en-US" dirty="0"/>
+              <a:t>Connectionless</a:t>
+            </a:r>
+          </a:p>
+          <a:p>
+            <a:pPr lvl="1"/>
+            <a:r>
+              <a:rPr lang="en-US" dirty="0"/>
+              <a:t>Underlying NALs maintain necessary connection state</a:t>
+            </a:r>
+          </a:p>
+          <a:p>
+            <a:r>
+              <a:rPr lang="en-US" dirty="0"/>
+              <a:t>Most commonly used on large HPC systems</a:t>
+            </a:r>
+          </a:p>
+          <a:p>
+            <a:r>
+              <a:rPr lang="en-US" dirty="0" err="1"/>
+              <a:t>Lustre</a:t>
+            </a:r>
+            <a:r>
+              <a:rPr lang="en-US" dirty="0"/>
+              <a:t> distributed </a:t>
+            </a:r>
+            <a:r>
+              <a:rPr lang="en-US" dirty="0" err="1"/>
+              <a:t>file system</a:t>
+            </a:r>
+            <a:r>
+              <a:rPr lang="en-US" dirty="0"/>
+              <a:t> NAL, LNET, was originally based on Portals</a:t>
             </a:r>
           </a:p>
         </p:txBody>
@@ -3370,7 +3495,7 @@
     </p:spTree>
     <p:extLst>
       <p:ext uri="{BB962C8B-B14F-4D97-AF65-F5344CB8AC3E}">
-        <p14:creationId xmlns:p14="http://schemas.microsoft.com/office/powerpoint/2010/main" val="3232013466"/>
+        <p14:creationId xmlns:p14="http://schemas.microsoft.com/office/powerpoint/2010/main" val="3482068955"/>
       </p:ext>
     </p:extLst>
   </p:cSld>
@@ -3380,7 +3505,7 @@
   <p:timing>
     <p:tnLst>
       <p:par>
-        <p:cTn xmlns:p14="http://schemas.microsoft.com/office/powerpoint/2010/main" id="1" dur="indefinite" restart="never" nodeType="tmRoot"/>
+        <p:cTn id="1" dur="indefinite" restart="never" nodeType="tmRoot"/>
       </p:par>
     </p:tnLst>
   </p:timing>
@@ -3425,8 +3550,20 @@
           <a:lstStyle/>
           <a:p>
             <a:r>
-              <a:rPr lang="en-US" dirty="0"/>
-              <a:t>IBM LAPI and DCMF</a:t>
+              <a:rPr lang="en-US" dirty="0" err="1"/>
+              <a:t>Myricom</a:t>
+            </a:r>
+            <a:r>
+              <a:rPr lang="en-US" dirty="0"/>
+              <a:t> MX and </a:t>
+            </a:r>
+            <a:r>
+              <a:rPr lang="en-US" dirty="0" err="1"/>
+              <a:t>Qlogic</a:t>
+            </a:r>
+            <a:r>
+              <a:rPr lang="en-US" dirty="0"/>
+              <a:t> PSM</a:t>
             </a:r>
           </a:p>
         </p:txBody>
@@ -3444,7 +3581,7 @@
         <p:spPr>
           <a:xfrm>
             <a:off x="111204" y="1344823"/>
-            <a:ext cx="8229600" cy="3323986"/>
+            <a:ext cx="8229600" cy="4449423"/>
           </a:xfrm>
         </p:spPr>
         <p:txBody>
@@ -3453,45 +3590,52 @@
           <a:p>
             <a:r>
               <a:rPr lang="en-US" dirty="0"/>
-              <a:t>Designed for RS-series and </a:t>
-            </a:r>
-            <a:r>
-              <a:rPr lang="en-US" dirty="0" err="1"/>
-              <a:t>BlueGene</a:t>
-            </a:r>
-            <a:r>
-              <a:rPr lang="en-US" dirty="0"/>
-              <a:t> P/Q</a:t>
-            </a:r>
-          </a:p>
-          <a:p>
-            <a:r>
-              <a:rPr lang="en-US" dirty="0"/>
-              <a:t>Some support outside of IBM exists</a:t>
-            </a:r>
-          </a:p>
-          <a:p>
-            <a:r>
-              <a:rPr lang="en-US" dirty="0"/>
-              <a:t>One-sided and two-sided</a:t>
-            </a:r>
-          </a:p>
-          <a:p>
-            <a:r>
-              <a:rPr lang="en-US" dirty="0"/>
-              <a:t>Contiguous and non-contiguous memory layout</a:t>
-            </a:r>
-          </a:p>
-          <a:p>
-            <a:r>
-              <a:rPr lang="en-US" dirty="0"/>
-              <a:t>Transparent link aggregation</a:t>
-            </a:r>
-          </a:p>
-          <a:p>
-            <a:r>
-              <a:rPr lang="en-US" dirty="0"/>
-              <a:t>DCMF supports ARMCI, GA, MPI, collectives</a:t>
+              <a:t>Similar two-sided, matching API</a:t>
+            </a:r>
+          </a:p>
+          <a:p>
+            <a:pPr lvl="1"/>
+            <a:r>
+              <a:rPr lang="en-US" dirty="0"/>
+              <a:t>Designed to support MPI</a:t>
+            </a:r>
+          </a:p>
+          <a:p>
+            <a:r>
+              <a:rPr lang="en-US" dirty="0"/>
+              <a:t>Eager for small messages</a:t>
+            </a:r>
+          </a:p>
+          <a:p>
+            <a:r>
+              <a:rPr lang="en-US" dirty="0"/>
+              <a:t>Zero-copy, rendezvous for large messages</a:t>
+            </a:r>
+          </a:p>
+          <a:p>
+            <a:r>
+              <a:rPr lang="en-US" dirty="0"/>
+              <a:t>Semi-connectionless</a:t>
+            </a:r>
+          </a:p>
+          <a:p>
+            <a:pPr lvl="1"/>
+            <a:r>
+              <a:rPr lang="en-US" dirty="0"/>
+              <a:t>Target does accept connection requests</a:t>
+            </a:r>
+          </a:p>
+          <a:p>
+            <a:pPr lvl="1"/>
+            <a:r>
+              <a:rPr lang="en-US" dirty="0"/>
+              <a:t>Sender connects before sending</a:t>
+            </a:r>
+          </a:p>
+          <a:p>
+            <a:r>
+              <a:rPr lang="en-US" dirty="0"/>
+              <a:t>Reliable, in-order matching with out-of-order completion (like MPI)</a:t>
             </a:r>
           </a:p>
         </p:txBody>
@@ -3499,7 +3643,7 @@
     </p:spTree>
     <p:extLst>
       <p:ext uri="{BB962C8B-B14F-4D97-AF65-F5344CB8AC3E}">
-        <p14:creationId xmlns:p14="http://schemas.microsoft.com/office/powerpoint/2010/main" val="3993304970"/>
+        <p14:creationId xmlns:p14="http://schemas.microsoft.com/office/powerpoint/2010/main" val="3232013466"/>
       </p:ext>
     </p:extLst>
   </p:cSld>
@@ -3509,7 +3653,7 @@
   <p:timing>
     <p:tnLst>
       <p:par>
-        <p:cTn xmlns:p14="http://schemas.microsoft.com/office/powerpoint/2010/main" id="1" dur="indefinite" restart="never" nodeType="tmRoot"/>
+        <p:cTn id="1" dur="indefinite" restart="never" nodeType="tmRoot"/>
       </p:par>
     </p:tnLst>
   </p:timing>
@@ -3555,7 +3699,7 @@
           <a:p>
             <a:r>
               <a:rPr lang="en-US" dirty="0"/>
-              <a:t>CCI Overview</a:t>
+              <a:t>IBM LAPI and DCMF</a:t>
             </a:r>
           </a:p>
         </p:txBody>
@@ -3573,7 +3717,7 @@
         <p:spPr>
           <a:xfrm>
             <a:off x="111204" y="1344823"/>
-            <a:ext cx="8229600" cy="3059299"/>
+            <a:ext cx="8229600" cy="3323986"/>
           </a:xfrm>
         </p:spPr>
         <p:txBody>
@@ -3582,44 +3726,53 @@
           <a:p>
             <a:r>
               <a:rPr lang="en-US" dirty="0"/>
-              <a:t>Endpoints</a:t>
-            </a:r>
-          </a:p>
-          <a:p>
-            <a:r>
-              <a:rPr lang="en-US" dirty="0"/>
-              <a:t>Connections</a:t>
-            </a:r>
-          </a:p>
-          <a:p>
-            <a:r>
-              <a:rPr lang="en-US" dirty="0"/>
-              <a:t>Communication</a:t>
-            </a:r>
-          </a:p>
-          <a:p>
-            <a:pPr lvl="1"/>
-            <a:r>
-              <a:rPr lang="en-US" dirty="0"/>
-              <a:t>Active Messages</a:t>
-            </a:r>
-          </a:p>
-          <a:p>
-            <a:pPr lvl="1"/>
-            <a:r>
-              <a:rPr lang="en-US" dirty="0"/>
-              <a:t>Remote Memory Access</a:t>
-            </a:r>
-          </a:p>
-          <a:p>
-            <a:endParaRPr lang="en-US" dirty="0"/>
+              <a:t>Designed for RS-series and </a:t>
+            </a:r>
+            <a:r>
+              <a:rPr lang="en-US" dirty="0" err="1"/>
+              <a:t>BlueGene</a:t>
+            </a:r>
+            <a:r>
+              <a:rPr lang="en-US" dirty="0"/>
+              <a:t> P/Q</a:t>
+            </a:r>
+          </a:p>
+          <a:p>
+            <a:r>
+              <a:rPr lang="en-US" dirty="0"/>
+              <a:t>Some support outside of IBM exists</a:t>
+            </a:r>
+          </a:p>
+          <a:p>
+            <a:r>
+              <a:rPr lang="en-US" dirty="0"/>
+              <a:t>One-sided and two-sided</a:t>
+            </a:r>
+          </a:p>
+          <a:p>
+            <a:r>
+              <a:rPr lang="en-US" dirty="0"/>
+              <a:t>Contiguous and non-contiguous memory layout</a:t>
+            </a:r>
+          </a:p>
+          <a:p>
+            <a:r>
+              <a:rPr lang="en-US" dirty="0"/>
+              <a:t>Transparent link aggregation</a:t>
+            </a:r>
+          </a:p>
+          <a:p>
+            <a:r>
+              <a:rPr lang="en-US" dirty="0"/>
+              <a:t>DCMF supports ARMCI, GA, MPI, collectives</a:t>
+            </a:r>
           </a:p>
         </p:txBody>
       </p:sp>
     </p:spTree>
     <p:extLst>
       <p:ext uri="{BB962C8B-B14F-4D97-AF65-F5344CB8AC3E}">
-        <p14:creationId xmlns:p14="http://schemas.microsoft.com/office/powerpoint/2010/main" val="1323073655"/>
+        <p14:creationId xmlns:p14="http://schemas.microsoft.com/office/powerpoint/2010/main" val="3993304970"/>
       </p:ext>
     </p:extLst>
   </p:cSld>
@@ -3629,7 +3782,7 @@
   <p:timing>
     <p:tnLst>
       <p:par>
-        <p:cTn xmlns:p14="http://schemas.microsoft.com/office/powerpoint/2010/main" id="1" dur="indefinite" restart="never" nodeType="tmRoot"/>
+        <p:cTn id="1" dur="indefinite" restart="never" nodeType="tmRoot"/>
       </p:par>
     </p:tnLst>
   </p:timing>
@@ -3675,7 +3828,7 @@
           <a:p>
             <a:r>
               <a:rPr lang="en-US" dirty="0"/>
-              <a:t>CCI Endpoints</a:t>
+              <a:t>CCI Overview</a:t>
             </a:r>
           </a:p>
         </p:txBody>
@@ -3692,8 +3845,8 @@
         </p:nvSpPr>
         <p:spPr>
           <a:xfrm>
-            <a:off x="111204" y="914401"/>
-            <a:ext cx="8229600" cy="5148075"/>
+            <a:off x="111204" y="1344823"/>
+            <a:ext cx="8229600" cy="3059299"/>
           </a:xfrm>
         </p:spPr>
         <p:txBody>
@@ -3702,73 +3855,44 @@
           <a:p>
             <a:r>
               <a:rPr lang="en-US" dirty="0"/>
-              <a:t>Virtualized instance of a device – src/sink of communication</a:t>
-            </a:r>
-          </a:p>
-          <a:p>
-            <a:r>
-              <a:rPr lang="en-US" dirty="0"/>
-              <a:t>Complete container of resources – queues and buffers</a:t>
-            </a:r>
-          </a:p>
-          <a:p>
-            <a:r>
-              <a:rPr lang="en-US" dirty="0"/>
-              <a:t>Process may poll or block for event notification</a:t>
-            </a:r>
-          </a:p>
-          <a:p>
-            <a:r>
-              <a:rPr lang="en-US" dirty="0"/>
-              <a:t>Events for send, </a:t>
-            </a:r>
-            <a:r>
-              <a:rPr lang="en-US" dirty="0" err="1"/>
-              <a:t>recv</a:t>
-            </a:r>
-            <a:r>
-              <a:rPr lang="en-US" dirty="0"/>
-              <a:t>, connection establishment, etc.</a:t>
-            </a:r>
-          </a:p>
-          <a:p>
-            <a:r>
-              <a:rPr lang="en-US" dirty="0"/>
-              <a:t>Events may contain resources such as receive buffers</a:t>
-            </a:r>
-          </a:p>
-          <a:p>
-            <a:r>
-              <a:rPr lang="en-US" dirty="0"/>
-              <a:t>Resource ownership transfers to the process when the event is retrieved</a:t>
-            </a:r>
-          </a:p>
-          <a:p>
-            <a:r>
-              <a:rPr lang="en-US" dirty="0"/>
-              <a:t>The process eventaully returns the event to CCI </a:t>
-            </a:r>
-          </a:p>
-          <a:p>
-            <a:pPr lvl="1"/>
-            <a:r>
-              <a:rPr lang="en-US" dirty="0"/>
-              <a:t>Expected to be returned in a timely manner</a:t>
-            </a:r>
-          </a:p>
-          <a:p>
-            <a:pPr lvl="1"/>
-            <a:r>
-              <a:rPr lang="en-US" dirty="0"/>
-              <a:t>May be returned out of order</a:t>
-            </a:r>
+              <a:t>Endpoints</a:t>
+            </a:r>
+          </a:p>
+          <a:p>
+            <a:r>
+              <a:rPr lang="en-US" dirty="0"/>
+              <a:t>Connections</a:t>
+            </a:r>
+          </a:p>
+          <a:p>
+            <a:r>
+              <a:rPr lang="en-US" dirty="0"/>
+              <a:t>Communication</a:t>
+            </a:r>
+          </a:p>
+          <a:p>
+            <a:pPr lvl="1"/>
+            <a:r>
+              <a:rPr lang="en-US" dirty="0"/>
+              <a:t>Active Messages</a:t>
+            </a:r>
+          </a:p>
+          <a:p>
+            <a:pPr lvl="1"/>
+            <a:r>
+              <a:rPr lang="en-US" dirty="0"/>
+              <a:t>Remote Memory Access</a:t>
+            </a:r>
+          </a:p>
+          <a:p>
+            <a:endParaRPr lang="en-US" dirty="0"/>
           </a:p>
         </p:txBody>
       </p:sp>
     </p:spTree>
     <p:extLst>
       <p:ext uri="{BB962C8B-B14F-4D97-AF65-F5344CB8AC3E}">
-        <p14:creationId xmlns:p14="http://schemas.microsoft.com/office/powerpoint/2010/main" val="3708743750"/>
+        <p14:creationId xmlns:p14="http://schemas.microsoft.com/office/powerpoint/2010/main" val="1323073655"/>
       </p:ext>
     </p:extLst>
   </p:cSld>
@@ -3778,7 +3902,7 @@
   <p:timing>
     <p:tnLst>
       <p:par>
-        <p:cTn xmlns:p14="http://schemas.microsoft.com/office/powerpoint/2010/main" id="1" dur="indefinite" restart="never" nodeType="tmRoot"/>
+        <p:cTn id="1" dur="indefinite" restart="never" nodeType="tmRoot"/>
       </p:par>
     </p:tnLst>
   </p:timing>
@@ -3824,7 +3948,7 @@
           <a:p>
             <a:r>
               <a:rPr lang="en-US" dirty="0"/>
-              <a:t>CCI Connections</a:t>
+              <a:t>CCI Endpoints</a:t>
             </a:r>
           </a:p>
         </p:txBody>
@@ -3841,8 +3965,8 @@
         </p:nvSpPr>
         <p:spPr>
           <a:xfrm>
-            <a:off x="111204" y="1344823"/>
-            <a:ext cx="8229600" cy="4930580"/>
+            <a:off x="111204" y="914401"/>
+            <a:ext cx="8229600" cy="5148075"/>
           </a:xfrm>
         </p:spPr>
         <p:txBody>
@@ -3851,66 +3975,65 @@
           <a:p>
             <a:r>
               <a:rPr lang="en-US" dirty="0"/>
-              <a:t>Per peer - a single endpoint can handle many connections</a:t>
-            </a:r>
-          </a:p>
-          <a:p>
-            <a:r>
-              <a:rPr lang="en-US" dirty="0"/>
-              <a:t>Lightweight – no dedicated buffers (~120B/peer)</a:t>
-            </a:r>
-          </a:p>
-          <a:p>
-            <a:r>
-              <a:rPr lang="en-US" dirty="0"/>
-              <a:t>May have multiple connections to the same peer</a:t>
-            </a:r>
-          </a:p>
-          <a:p>
-            <a:r>
-              <a:rPr lang="en-US" dirty="0"/>
-              <a:t>Use client/server model similar to Sockets and RDMA-CM</a:t>
-            </a:r>
-          </a:p>
-          <a:p>
-            <a:r>
-              <a:rPr lang="en-US" dirty="0"/>
-              <a:t>Represents reliability and order attributes</a:t>
-            </a:r>
-          </a:p>
-          <a:p>
-            <a:pPr lvl="1"/>
-            <a:r>
-              <a:rPr lang="en-US" dirty="0"/>
-              <a:t>Reliable with Ordered completion (RO)</a:t>
-            </a:r>
-          </a:p>
-          <a:p>
-            <a:pPr lvl="1"/>
-            <a:r>
-              <a:rPr lang="en-US" dirty="0"/>
-              <a:t>Reliable with Unordered completion (RU)</a:t>
-            </a:r>
-          </a:p>
-          <a:p>
-            <a:pPr lvl="1"/>
-            <a:r>
-              <a:rPr lang="en-US" dirty="0"/>
-              <a:t>Unreliable with Unordered completion (UU)</a:t>
-            </a:r>
-          </a:p>
-          <a:p>
-            <a:pPr lvl="1"/>
-            <a:r>
-              <a:rPr lang="en-US" dirty="0"/>
-              <a:t>Multicast Send (MC_TX)</a:t>
-            </a:r>
-          </a:p>
-          <a:p>
-            <a:pPr lvl="1"/>
-            <a:r>
-              <a:rPr lang="en-US" dirty="0"/>
-              <a:t>Multicast Receive (MC_RX)</a:t>
+              <a:t>Virtualized instance of a device – src/sink of communication</a:t>
+            </a:r>
+          </a:p>
+          <a:p>
+            <a:r>
+              <a:rPr lang="en-US" dirty="0"/>
+              <a:t>Complete container of resources – queues and buffers</a:t>
+            </a:r>
+          </a:p>
+          <a:p>
+            <a:r>
+              <a:rPr lang="en-US" dirty="0"/>
+              <a:t>Process may poll or block for event notification</a:t>
+            </a:r>
+          </a:p>
+          <a:p>
+            <a:r>
+              <a:rPr lang="en-US" dirty="0"/>
+              <a:t>Events for send, </a:t>
+            </a:r>
+            <a:r>
+              <a:rPr lang="en-US" dirty="0" err="1"/>
+              <a:t>recv</a:t>
+            </a:r>
+            <a:r>
+              <a:rPr lang="en-US" dirty="0"/>
+              <a:t>, connection establishment, etc.</a:t>
+            </a:r>
+          </a:p>
+          <a:p>
+            <a:r>
+              <a:rPr lang="en-US" dirty="0"/>
+              <a:t>Events may contain resources such as receive buffers</a:t>
+            </a:r>
+          </a:p>
+          <a:p>
+            <a:r>
+              <a:rPr lang="en-US" dirty="0"/>
+              <a:t>Resource ownership transfers to the process when the event is retrieved</a:t>
+            </a:r>
+          </a:p>
+          <a:p>
+            <a:r>
+              <a:rPr lang="en-US" dirty="0"/>
+              <a:t>The process eventaully returns the event to CCI </a:t>
+            </a:r>
+          </a:p>
+          <a:p>
+            <a:pPr lvl="1"/>
+            <a:r>
+              <a:rPr lang="en-US" dirty="0"/>
+              <a:t>Expected to be returned in a timely manner</a:t>
+            </a:r>
+          </a:p>
+          <a:p>
+            <a:pPr lvl="1"/>
+            <a:r>
+              <a:rPr lang="en-US" dirty="0"/>
+              <a:t>May be returned out of order</a:t>
             </a:r>
           </a:p>
         </p:txBody>
@@ -3918,7 +4041,7 @@
     </p:spTree>
     <p:extLst>
       <p:ext uri="{BB962C8B-B14F-4D97-AF65-F5344CB8AC3E}">
-        <p14:creationId xmlns:p14="http://schemas.microsoft.com/office/powerpoint/2010/main" val="1638107233"/>
+        <p14:creationId xmlns:p14="http://schemas.microsoft.com/office/powerpoint/2010/main" val="3708743750"/>
       </p:ext>
     </p:extLst>
   </p:cSld>
@@ -3928,7 +4051,7 @@
   <p:timing>
     <p:tnLst>
       <p:par>
-        <p:cTn xmlns:p14="http://schemas.microsoft.com/office/powerpoint/2010/main" id="1" dur="indefinite" restart="never" nodeType="tmRoot"/>
+        <p:cTn id="1" dur="indefinite" restart="never" nodeType="tmRoot"/>
       </p:par>
     </p:tnLst>
   </p:timing>
@@ -4043,7 +4166,7 @@
   <p:timing>
     <p:tnLst>
       <p:par>
-        <p:cTn xmlns:p14="http://schemas.microsoft.com/office/powerpoint/2010/main" id="1" dur="indefinite" restart="never" nodeType="tmRoot"/>
+        <p:cTn id="1" dur="indefinite" restart="never" nodeType="tmRoot"/>
       </p:par>
     </p:tnLst>
   </p:timing>
@@ -4089,7 +4212,7 @@
           <a:p>
             <a:r>
               <a:rPr lang="en-US" dirty="0"/>
-              <a:t>Active Messages</a:t>
+              <a:t>CCI Connections</a:t>
             </a:r>
           </a:p>
         </p:txBody>
@@ -4106,8 +4229,8 @@
         </p:nvSpPr>
         <p:spPr>
           <a:xfrm>
-            <a:off x="111204" y="800100"/>
-            <a:ext cx="8229600" cy="5842021"/>
+            <a:off x="111204" y="1344823"/>
+            <a:ext cx="8229600" cy="4930580"/>
           </a:xfrm>
         </p:spPr>
         <p:txBody>
@@ -4116,90 +4239,66 @@
           <a:p>
             <a:r>
               <a:rPr lang="en-US" dirty="0"/>
-              <a:t>Berkeley AM</a:t>
-            </a:r>
-          </a:p>
-          <a:p>
-            <a:pPr lvl="1"/>
-            <a:r>
-              <a:rPr lang="en-US" dirty="0"/>
-              <a:t>No posted receives</a:t>
-            </a:r>
-          </a:p>
-          <a:p>
-            <a:pPr lvl="1"/>
-            <a:r>
-              <a:rPr lang="en-US" dirty="0"/>
-              <a:t>Handlers run based on address in header</a:t>
-            </a:r>
-          </a:p>
-          <a:p>
-            <a:pPr lvl="2"/>
-            <a:r>
-              <a:rPr lang="en-US" dirty="0"/>
-              <a:t>No adittional progress until handler completes</a:t>
-            </a:r>
-          </a:p>
-          <a:p>
-            <a:pPr lvl="1"/>
-            <a:r>
-              <a:rPr lang="en-US" dirty="0"/>
-              <a:t>Internally managed buffers</a:t>
-            </a:r>
-          </a:p>
-          <a:p>
-            <a:r>
-              <a:rPr lang="en-US" dirty="0"/>
-              <a:t>CCI Active Messages</a:t>
-            </a:r>
-          </a:p>
-          <a:p>
-            <a:pPr lvl="1"/>
-            <a:r>
-              <a:rPr lang="en-US" dirty="0"/>
-              <a:t>No posted receives, uses internal buffers</a:t>
-            </a:r>
-          </a:p>
-          <a:p>
-            <a:pPr lvl="1"/>
-            <a:r>
-              <a:rPr lang="en-US" dirty="0"/>
-              <a:t>Events only, no handlers</a:t>
-            </a:r>
-          </a:p>
-          <a:p>
-            <a:pPr lvl="2"/>
-            <a:r>
-              <a:rPr lang="en-US" dirty="0"/>
-              <a:t>Event includes pointer to data, its length, and the connection (peer)</a:t>
-            </a:r>
-          </a:p>
-          <a:p>
-            <a:pPr lvl="1"/>
-            <a:r>
-              <a:rPr lang="en-US" dirty="0"/>
-              <a:t>May be inspected, modified, and/or sent in-place</a:t>
-            </a:r>
-          </a:p>
-          <a:p>
-            <a:pPr lvl="1"/>
-            <a:r>
-              <a:rPr lang="en-US" dirty="0"/>
-              <a:t>May be copied out if needed long term</a:t>
-            </a:r>
-          </a:p>
-          <a:p>
-            <a:pPr lvl="1"/>
-            <a:r>
-              <a:rPr lang="en-US" dirty="0"/>
-              <a:t>Limited in size – ideally MTU sized</a:t>
-            </a:r>
-          </a:p>
-          <a:p>
-            <a:pPr lvl="1"/>
-            <a:r>
-              <a:rPr lang="en-US" dirty="0"/>
-              <a:t>No segmenting/reassembly</a:t>
+              <a:t>Per peer - a single endpoint can handle many connections</a:t>
+            </a:r>
+          </a:p>
+          <a:p>
+            <a:r>
+              <a:rPr lang="en-US" dirty="0"/>
+              <a:t>Lightweight – no dedicated buffers (~120B/peer)</a:t>
+            </a:r>
+          </a:p>
+          <a:p>
+            <a:r>
+              <a:rPr lang="en-US" dirty="0"/>
+              <a:t>May have multiple connections to the same peer</a:t>
+            </a:r>
+          </a:p>
+          <a:p>
+            <a:r>
+              <a:rPr lang="en-US" dirty="0"/>
+              <a:t>Use client/server model similar to Sockets and RDMA-CM</a:t>
+            </a:r>
+          </a:p>
+          <a:p>
+            <a:r>
+              <a:rPr lang="en-US" dirty="0"/>
+              <a:t>Represents reliability and order attributes</a:t>
+            </a:r>
+          </a:p>
+          <a:p>
+            <a:pPr lvl="1"/>
+            <a:r>
+              <a:rPr lang="en-US" dirty="0"/>
+              <a:t>Reliable with Ordered completion (RO)</a:t>
+            </a:r>
+          </a:p>
+          <a:p>
+            <a:pPr lvl="1"/>
+            <a:r>
+              <a:rPr lang="en-US" dirty="0"/>
+              <a:t>Reliable with Unordered completion (RU)</a:t>
+            </a:r>
+          </a:p>
+          <a:p>
+            <a:pPr lvl="1"/>
+            <a:r>
+              <a:rPr lang="en-US" dirty="0"/>
+              <a:t>Unreliable with Unordered completion (UU)</a:t>
+            </a:r>
+          </a:p>
+          <a:p>
+            <a:pPr lvl="1"/>
+            <a:r>
+              <a:rPr lang="en-US" dirty="0"/>
+              <a:t>Multicast Send (MC_TX)</a:t>
+            </a:r>
+          </a:p>
+          <a:p>
+            <a:pPr lvl="1"/>
+            <a:r>
+              <a:rPr lang="en-US" dirty="0"/>
+              <a:t>Multicast Receive (MC_RX)</a:t>
             </a:r>
           </a:p>
         </p:txBody>
@@ -4207,7 +4306,7 @@
     </p:spTree>
     <p:extLst>
       <p:ext uri="{BB962C8B-B14F-4D97-AF65-F5344CB8AC3E}">
-        <p14:creationId xmlns:p14="http://schemas.microsoft.com/office/powerpoint/2010/main" val="2221889953"/>
+        <p14:creationId xmlns:p14="http://schemas.microsoft.com/office/powerpoint/2010/main" val="1638107233"/>
       </p:ext>
     </p:extLst>
   </p:cSld>
@@ -4217,7 +4316,7 @@
   <p:timing>
     <p:tnLst>
       <p:par>
-        <p:cTn xmlns:p14="http://schemas.microsoft.com/office/powerpoint/2010/main" id="1" dur="indefinite" restart="never" nodeType="tmRoot"/>
+        <p:cTn id="1" dur="indefinite" restart="never" nodeType="tmRoot"/>
       </p:par>
     </p:tnLst>
   </p:timing>
@@ -4263,7 +4362,7 @@
           <a:p>
             <a:r>
               <a:rPr lang="en-US" dirty="0"/>
-              <a:t>CCI RMA</a:t>
+              <a:t>Active Messages</a:t>
             </a:r>
           </a:p>
         </p:txBody>
@@ -4280,8 +4379,8 @@
         </p:nvSpPr>
         <p:spPr>
           <a:xfrm>
-            <a:off x="111204" y="1344823"/>
-            <a:ext cx="8229600" cy="3626634"/>
+            <a:off x="111204" y="800100"/>
+            <a:ext cx="8229600" cy="5842021"/>
           </a:xfrm>
         </p:spPr>
         <p:txBody>
@@ -4290,45 +4389,90 @@
           <a:p>
             <a:r>
               <a:rPr lang="en-US" dirty="0"/>
-              <a:t>Active messages are not enough</a:t>
-            </a:r>
-          </a:p>
-          <a:p>
-            <a:pPr lvl="1"/>
-            <a:r>
-              <a:rPr lang="en-US" dirty="0"/>
-              <a:t>But they are enough to allow setup of RMA</a:t>
-            </a:r>
-          </a:p>
-          <a:p>
-            <a:r>
-              <a:rPr lang="en-US" dirty="0"/>
-              <a:t>Zero-copy when supported</a:t>
-            </a:r>
-          </a:p>
-          <a:p>
-            <a:r>
-              <a:rPr lang="en-US" dirty="0"/>
-              <a:t>Require memory registration</a:t>
-            </a:r>
-          </a:p>
-          <a:p>
-            <a:r>
-              <a:rPr lang="en-US" dirty="0"/>
-              <a:t>No intra-message order guarantee</a:t>
-            </a:r>
-          </a:p>
-          <a:p>
-            <a:pPr lvl="1"/>
-            <a:r>
-              <a:rPr lang="en-US" dirty="0"/>
-              <a:t>No last byte written last</a:t>
-            </a:r>
-          </a:p>
-          <a:p>
-            <a:r>
-              <a:rPr lang="en-US" dirty="0"/>
-              <a:t>Write or Read with an optional Fence</a:t>
+              <a:t>Berkeley AM</a:t>
+            </a:r>
+          </a:p>
+          <a:p>
+            <a:pPr lvl="1"/>
+            <a:r>
+              <a:rPr lang="en-US" dirty="0"/>
+              <a:t>No posted receives</a:t>
+            </a:r>
+          </a:p>
+          <a:p>
+            <a:pPr lvl="1"/>
+            <a:r>
+              <a:rPr lang="en-US" dirty="0"/>
+              <a:t>Handlers run based on address in header</a:t>
+            </a:r>
+          </a:p>
+          <a:p>
+            <a:pPr lvl="2"/>
+            <a:r>
+              <a:rPr lang="en-US" dirty="0"/>
+              <a:t>No adittional progress until handler completes</a:t>
+            </a:r>
+          </a:p>
+          <a:p>
+            <a:pPr lvl="1"/>
+            <a:r>
+              <a:rPr lang="en-US" dirty="0"/>
+              <a:t>Internally managed buffers</a:t>
+            </a:r>
+          </a:p>
+          <a:p>
+            <a:r>
+              <a:rPr lang="en-US" dirty="0"/>
+              <a:t>CCI Active Messages</a:t>
+            </a:r>
+          </a:p>
+          <a:p>
+            <a:pPr lvl="1"/>
+            <a:r>
+              <a:rPr lang="en-US" dirty="0"/>
+              <a:t>No posted receives, uses internal buffers</a:t>
+            </a:r>
+          </a:p>
+          <a:p>
+            <a:pPr lvl="1"/>
+            <a:r>
+              <a:rPr lang="en-US" dirty="0"/>
+              <a:t>Events only, no handlers</a:t>
+            </a:r>
+          </a:p>
+          <a:p>
+            <a:pPr lvl="2"/>
+            <a:r>
+              <a:rPr lang="en-US" dirty="0"/>
+              <a:t>Event includes pointer to data, its length, and the connection (peer)</a:t>
+            </a:r>
+          </a:p>
+          <a:p>
+            <a:pPr lvl="1"/>
+            <a:r>
+              <a:rPr lang="en-US" dirty="0"/>
+              <a:t>May be inspected, modified, and/or sent in-place</a:t>
+            </a:r>
+          </a:p>
+          <a:p>
+            <a:pPr lvl="1"/>
+            <a:r>
+              <a:rPr lang="en-US" dirty="0"/>
+              <a:t>May be copied out if needed long term</a:t>
+            </a:r>
+          </a:p>
+          <a:p>
+            <a:pPr lvl="1"/>
+            <a:r>
+              <a:rPr lang="en-US" dirty="0"/>
+              <a:t>Limited in size – ideally MTU sized</a:t>
+            </a:r>
+          </a:p>
+          <a:p>
+            <a:pPr lvl="1"/>
+            <a:r>
+              <a:rPr lang="en-US" dirty="0"/>
+              <a:t>No segmenting/reassembly</a:t>
             </a:r>
           </a:p>
         </p:txBody>
@@ -4336,7 +4480,7 @@
     </p:spTree>
     <p:extLst>
       <p:ext uri="{BB962C8B-B14F-4D97-AF65-F5344CB8AC3E}">
-        <p14:creationId xmlns:p14="http://schemas.microsoft.com/office/powerpoint/2010/main" val="3382555788"/>
+        <p14:creationId xmlns:p14="http://schemas.microsoft.com/office/powerpoint/2010/main" val="2221889953"/>
       </p:ext>
     </p:extLst>
   </p:cSld>
@@ -4346,7 +4490,7 @@
   <p:timing>
     <p:tnLst>
       <p:par>
-        <p:cTn xmlns:p14="http://schemas.microsoft.com/office/powerpoint/2010/main" id="1" dur="indefinite" restart="never" nodeType="tmRoot"/>
+        <p:cTn id="1" dur="indefinite" restart="never" nodeType="tmRoot"/>
       </p:par>
     </p:tnLst>
   </p:timing>
@@ -4392,7 +4536,7 @@
           <a:p>
             <a:r>
               <a:rPr lang="en-US" dirty="0"/>
-              <a:t>Status and Evaluation</a:t>
+              <a:t>CCI RMA</a:t>
             </a:r>
           </a:p>
         </p:txBody>
@@ -4410,7 +4554,7 @@
         <p:spPr>
           <a:xfrm>
             <a:off x="111204" y="1344823"/>
-            <a:ext cx="8229600" cy="5366597"/>
+            <a:ext cx="8229600" cy="3626634"/>
           </a:xfrm>
         </p:spPr>
         <p:txBody>
@@ -4418,80 +4562,54 @@
           <a:lstStyle/>
           <a:p>
             <a:r>
-              <a:rPr lang="en-US" strike="sngStrike" dirty="0"/>
-              <a:t>Three</a:t>
-            </a:r>
-            <a:r>
-              <a:rPr lang="en-US" dirty="0"/>
-              <a:t> Four proof-of-concept implementations</a:t>
-            </a:r>
-          </a:p>
-          <a:p>
-            <a:pPr lvl="1"/>
-            <a:r>
-              <a:rPr lang="en-US" dirty="0"/>
-              <a:t>Sockets, MX, Portals 3.3, Native SeaStar</a:t>
-            </a:r>
-          </a:p>
-          <a:p>
-            <a:r>
-              <a:rPr lang="en-US" dirty="0"/>
-              <a:t>Sockets</a:t>
-            </a:r>
-          </a:p>
-          <a:p>
-            <a:pPr lvl="1"/>
-            <a:r>
-              <a:rPr lang="en-US" dirty="0"/>
-              <a:t>Uses UDP with one socket per endpoint</a:t>
-            </a:r>
-          </a:p>
-          <a:p>
-            <a:pPr lvl="1"/>
-            <a:r>
-              <a:rPr lang="en-US" dirty="0"/>
-              <a:t>Implements reliability when required</a:t>
-            </a:r>
-          </a:p>
-          <a:p>
-            <a:pPr lvl="1"/>
-            <a:r>
-              <a:rPr lang="en-US" dirty="0"/>
-              <a:t>Implements AM, RMA Write</a:t>
-            </a:r>
-          </a:p>
-          <a:p>
-            <a:r>
-              <a:rPr lang="en-US" dirty="0"/>
-              <a:t>MX</a:t>
-            </a:r>
-          </a:p>
-          <a:p>
-            <a:pPr lvl="1"/>
-            <a:r>
-              <a:rPr lang="en-US" dirty="0"/>
-              <a:t>Implements AM only</a:t>
-            </a:r>
-          </a:p>
-          <a:p>
-            <a:pPr lvl="1"/>
-            <a:r>
-              <a:rPr lang="en-US" dirty="0"/>
-              <a:t>CCI requests rendezvous when reliability is requested</a:t>
-            </a:r>
-          </a:p>
-          <a:p>
-            <a:endParaRPr lang="en-US" dirty="0"/>
-          </a:p>
-          <a:p>
-            <a:endParaRPr lang="en-US" dirty="0"/>
+              <a:rPr lang="en-US" dirty="0"/>
+              <a:t>Active messages are not enough</a:t>
+            </a:r>
+          </a:p>
+          <a:p>
+            <a:pPr lvl="1"/>
+            <a:r>
+              <a:rPr lang="en-US" dirty="0"/>
+              <a:t>But they are enough to allow setup of RMA</a:t>
+            </a:r>
+          </a:p>
+          <a:p>
+            <a:r>
+              <a:rPr lang="en-US" dirty="0"/>
+              <a:t>Zero-copy when supported</a:t>
+            </a:r>
+          </a:p>
+          <a:p>
+            <a:r>
+              <a:rPr lang="en-US" dirty="0"/>
+              <a:t>Require memory registration</a:t>
+            </a:r>
+          </a:p>
+          <a:p>
+            <a:r>
+              <a:rPr lang="en-US" dirty="0"/>
+              <a:t>No intra-message order guarantee</a:t>
+            </a:r>
+          </a:p>
+          <a:p>
+            <a:pPr lvl="1"/>
+            <a:r>
+              <a:rPr lang="en-US" dirty="0"/>
+              <a:t>No last byte written last</a:t>
+            </a:r>
+          </a:p>
+          <a:p>
+            <a:r>
+              <a:rPr lang="en-US" dirty="0"/>
+              <a:t>Write or Read with an optional Fence</a:t>
+            </a:r>
           </a:p>
         </p:txBody>
       </p:sp>
     </p:spTree>
     <p:extLst>
       <p:ext uri="{BB962C8B-B14F-4D97-AF65-F5344CB8AC3E}">
-        <p14:creationId xmlns:p14="http://schemas.microsoft.com/office/powerpoint/2010/main" val="2889010775"/>
+        <p14:creationId xmlns:p14="http://schemas.microsoft.com/office/powerpoint/2010/main" val="3382555788"/>
       </p:ext>
     </p:extLst>
   </p:cSld>
@@ -4501,7 +4619,7 @@
   <p:timing>
     <p:tnLst>
       <p:par>
-        <p:cTn xmlns:p14="http://schemas.microsoft.com/office/powerpoint/2010/main" id="1" dur="indefinite" restart="never" nodeType="tmRoot"/>
+        <p:cTn id="1" dur="indefinite" restart="never" nodeType="tmRoot"/>
       </p:par>
     </p:tnLst>
   </p:timing>
@@ -4565,7 +4683,7 @@
         <p:spPr>
           <a:xfrm>
             <a:off x="111204" y="1344823"/>
-            <a:ext cx="8229600" cy="4043158"/>
+            <a:ext cx="8229600" cy="5366597"/>
           </a:xfrm>
         </p:spPr>
         <p:txBody>
@@ -4573,50 +4691,52 @@
           <a:lstStyle/>
           <a:p>
             <a:r>
-              <a:rPr lang="en-US" dirty="0"/>
-              <a:t>Portals 3.3</a:t>
-            </a:r>
-          </a:p>
-          <a:p>
-            <a:pPr lvl="1"/>
-            <a:r>
-              <a:rPr lang="en-US" dirty="0"/>
-              <a:t>Implements multiple endpoints using match bits</a:t>
-            </a:r>
-          </a:p>
-          <a:p>
-            <a:pPr lvl="1"/>
-            <a:r>
-              <a:rPr lang="en-US" dirty="0"/>
-              <a:t>Portals assumes reliability</a:t>
-            </a:r>
-          </a:p>
-          <a:p>
-            <a:pPr lvl="2"/>
-            <a:r>
-              <a:rPr lang="en-US" dirty="0"/>
-              <a:t>CCI requests </a:t>
-            </a:r>
-            <a:r>
-              <a:rPr lang="en-US" dirty="0" err="1"/>
-              <a:t>acks</a:t>
-            </a:r>
-            <a:r>
-              <a:rPr lang="en-US" dirty="0"/>
-              <a:t> for reliable connections</a:t>
-            </a:r>
-          </a:p>
-          <a:p>
-            <a:pPr lvl="1"/>
-            <a:r>
-              <a:rPr lang="en-US" dirty="0"/>
-              <a:t>Implements AM, RMA Write, Read, and Fence</a:t>
-            </a:r>
-          </a:p>
-          <a:p>
-            <a:r>
-              <a:rPr lang="en-US" dirty="0"/>
-              <a:t>Native SeaStar</a:t>
+              <a:rPr lang="en-US" strike="sngStrike" dirty="0"/>
+              <a:t>Three</a:t>
+            </a:r>
+            <a:r>
+              <a:rPr lang="en-US" dirty="0"/>
+              <a:t> Four proof-of-concept implementations</a:t>
+            </a:r>
+          </a:p>
+          <a:p>
+            <a:pPr lvl="1"/>
+            <a:r>
+              <a:rPr lang="en-US" dirty="0"/>
+              <a:t>Sockets, MX, Portals 3.3, Native SeaStar</a:t>
+            </a:r>
+          </a:p>
+          <a:p>
+            <a:r>
+              <a:rPr lang="en-US" dirty="0"/>
+              <a:t>Sockets</a:t>
+            </a:r>
+          </a:p>
+          <a:p>
+            <a:pPr lvl="1"/>
+            <a:r>
+              <a:rPr lang="en-US" dirty="0"/>
+              <a:t>Uses UDP with one socket per endpoint</a:t>
+            </a:r>
+          </a:p>
+          <a:p>
+            <a:pPr lvl="1"/>
+            <a:r>
+              <a:rPr lang="en-US" dirty="0"/>
+              <a:t>Implements reliability when required</a:t>
+            </a:r>
+          </a:p>
+          <a:p>
+            <a:pPr lvl="1"/>
+            <a:r>
+              <a:rPr lang="en-US" dirty="0"/>
+              <a:t>Implements AM, RMA Write</a:t>
+            </a:r>
+          </a:p>
+          <a:p>
+            <a:r>
+              <a:rPr lang="en-US" dirty="0"/>
+              <a:t>MX</a:t>
             </a:r>
           </a:p>
           <a:p>
@@ -4630,22 +4750,21 @@
             <a:pPr lvl="1"/>
             <a:r>
               <a:rPr lang="en-US" dirty="0"/>
-              <a:t>Unreliable only (working on reliability layer)</a:t>
-            </a:r>
-          </a:p>
-          <a:p>
-            <a:pPr lvl="1"/>
-            <a:r>
-              <a:rPr lang="en-US" dirty="0"/>
-              <a:t>Working on adding RMA </a:t>
-            </a:r>
+              <a:t>CCI requests rendezvous when reliability is requested</a:t>
+            </a:r>
+          </a:p>
+          <a:p>
+            <a:endParaRPr lang="en-US" dirty="0"/>
+          </a:p>
+          <a:p>
+            <a:endParaRPr lang="en-US" dirty="0"/>
           </a:p>
         </p:txBody>
       </p:sp>
     </p:spTree>
     <p:extLst>
       <p:ext uri="{BB962C8B-B14F-4D97-AF65-F5344CB8AC3E}">
-        <p14:creationId xmlns:p14="http://schemas.microsoft.com/office/powerpoint/2010/main" val="4192586054"/>
+        <p14:creationId xmlns:p14="http://schemas.microsoft.com/office/powerpoint/2010/main" val="2889010775"/>
       </p:ext>
     </p:extLst>
   </p:cSld>
@@ -4655,7 +4774,7 @@
   <p:timing>
     <p:tnLst>
       <p:par>
-        <p:cTn xmlns:p14="http://schemas.microsoft.com/office/powerpoint/2010/main" id="1" dur="indefinite" restart="never" nodeType="tmRoot"/>
+        <p:cTn id="1" dur="indefinite" restart="never" nodeType="tmRoot"/>
       </p:par>
     </p:tnLst>
   </p:timing>
@@ -4701,75 +4820,105 @@
           <a:p>
             <a:r>
               <a:rPr lang="en-US" dirty="0"/>
-              <a:t>CCI/MX Performance</a:t>
-            </a:r>
-          </a:p>
-        </p:txBody>
-      </p:sp>
-      <p:pic>
-        <p:nvPicPr>
-          <p:cNvPr id="3" name="Picture 2" descr="pingpong-latency-mx-overhead-combined.pdf"/>
-          <p:cNvPicPr>
-            <a:picLocks noChangeAspect="1"/>
-          </p:cNvPicPr>
-          <p:nvPr/>
-        </p:nvPicPr>
-        <p:blipFill>
-          <a:blip r:embed="rId2">
-            <a:extLst>
-              <a:ext uri="{28A0092B-C50C-407E-A947-70E740481C1C}">
-                <a14:useLocalDpi xmlns:a14="http://schemas.microsoft.com/office/drawing/2010/main" val="0"/>
-              </a:ext>
-            </a:extLst>
-          </a:blip>
-          <a:stretch>
-            <a:fillRect/>
-          </a:stretch>
-        </p:blipFill>
-        <p:spPr>
-          <a:xfrm>
-            <a:off x="0" y="1828800"/>
-            <a:ext cx="4572000" cy="3200400"/>
-          </a:xfrm>
-          <a:prstGeom prst="rect">
-            <a:avLst/>
-          </a:prstGeom>
-        </p:spPr>
-      </p:pic>
-      <p:pic>
-        <p:nvPicPr>
-          <p:cNvPr id="4" name="Picture 3" descr="pingpong-bw-mx.pdf"/>
-          <p:cNvPicPr>
-            <a:picLocks noChangeAspect="1"/>
-          </p:cNvPicPr>
-          <p:nvPr/>
-        </p:nvPicPr>
-        <p:blipFill>
-          <a:blip r:embed="rId3">
-            <a:extLst>
-              <a:ext uri="{28A0092B-C50C-407E-A947-70E740481C1C}">
-                <a14:useLocalDpi xmlns:a14="http://schemas.microsoft.com/office/drawing/2010/main" val="0"/>
-              </a:ext>
-            </a:extLst>
-          </a:blip>
-          <a:stretch>
-            <a:fillRect/>
-          </a:stretch>
-        </p:blipFill>
-        <p:spPr>
-          <a:xfrm>
-            <a:off x="4572000" y="1792256"/>
-            <a:ext cx="4572000" cy="3200400"/>
-          </a:xfrm>
-          <a:prstGeom prst="rect">
-            <a:avLst/>
-          </a:prstGeom>
-        </p:spPr>
-      </p:pic>
+              <a:t>Status and Evaluation</a:t>
+            </a:r>
+          </a:p>
+        </p:txBody>
+      </p:sp>
+      <p:sp>
+        <p:nvSpPr>
+          <p:cNvPr id="3" name="Content Placeholder 2"/>
+          <p:cNvSpPr>
+            <a:spLocks noGrp="1"/>
+          </p:cNvSpPr>
+          <p:nvPr>
+            <p:ph idx="1"/>
+          </p:nvPr>
+        </p:nvSpPr>
+        <p:spPr>
+          <a:xfrm>
+            <a:off x="111204" y="1344823"/>
+            <a:ext cx="8229600" cy="4043158"/>
+          </a:xfrm>
+        </p:spPr>
+        <p:txBody>
+          <a:bodyPr/>
+          <a:lstStyle/>
+          <a:p>
+            <a:r>
+              <a:rPr lang="en-US" dirty="0"/>
+              <a:t>Portals 3.3</a:t>
+            </a:r>
+          </a:p>
+          <a:p>
+            <a:pPr lvl="1"/>
+            <a:r>
+              <a:rPr lang="en-US" dirty="0"/>
+              <a:t>Implements multiple endpoints using match bits</a:t>
+            </a:r>
+          </a:p>
+          <a:p>
+            <a:pPr lvl="1"/>
+            <a:r>
+              <a:rPr lang="en-US" dirty="0"/>
+              <a:t>Portals assumes reliability</a:t>
+            </a:r>
+          </a:p>
+          <a:p>
+            <a:pPr lvl="2"/>
+            <a:r>
+              <a:rPr lang="en-US" dirty="0"/>
+              <a:t>CCI requests </a:t>
+            </a:r>
+            <a:r>
+              <a:rPr lang="en-US" dirty="0" err="1"/>
+              <a:t>acks</a:t>
+            </a:r>
+            <a:r>
+              <a:rPr lang="en-US" dirty="0"/>
+              <a:t> for reliable connections</a:t>
+            </a:r>
+          </a:p>
+          <a:p>
+            <a:pPr lvl="1"/>
+            <a:r>
+              <a:rPr lang="en-US" dirty="0"/>
+              <a:t>Implements AM, RMA Write, Read, and Fence</a:t>
+            </a:r>
+          </a:p>
+          <a:p>
+            <a:r>
+              <a:rPr lang="en-US" dirty="0"/>
+              <a:t>Native SeaStar</a:t>
+            </a:r>
+          </a:p>
+          <a:p>
+            <a:pPr lvl="1"/>
+            <a:r>
+              <a:rPr lang="en-US" dirty="0"/>
+              <a:t>Implements AM only</a:t>
+            </a:r>
+          </a:p>
+          <a:p>
+            <a:pPr lvl="1"/>
+            <a:r>
+              <a:rPr lang="en-US" dirty="0"/>
+              <a:t>Unreliable only (working on reliability layer)</a:t>
+            </a:r>
+          </a:p>
+          <a:p>
+            <a:pPr lvl="1"/>
+            <a:r>
+              <a:rPr lang="en-US" dirty="0"/>
+              <a:t>Working on adding RMA </a:t>
+            </a:r>
+          </a:p>
+        </p:txBody>
+      </p:sp>
     </p:spTree>
     <p:extLst>
       <p:ext uri="{BB962C8B-B14F-4D97-AF65-F5344CB8AC3E}">
-        <p14:creationId xmlns:p14="http://schemas.microsoft.com/office/powerpoint/2010/main" val="2767896140"/>
+        <p14:creationId xmlns:p14="http://schemas.microsoft.com/office/powerpoint/2010/main" val="4192586054"/>
       </p:ext>
     </p:extLst>
   </p:cSld>
@@ -4779,7 +4928,7 @@
   <p:timing>
     <p:tnLst>
       <p:par>
-        <p:cTn xmlns:p14="http://schemas.microsoft.com/office/powerpoint/2010/main" id="1" dur="indefinite" restart="never" nodeType="tmRoot"/>
+        <p:cTn id="1" dur="indefinite" restart="never" nodeType="tmRoot"/>
       </p:par>
     </p:tnLst>
   </p:timing>
@@ -4825,6 +4974,130 @@
           <a:p>
             <a:r>
               <a:rPr lang="en-US" dirty="0"/>
+              <a:t>CCI/MX Performance</a:t>
+            </a:r>
+          </a:p>
+        </p:txBody>
+      </p:sp>
+      <p:pic>
+        <p:nvPicPr>
+          <p:cNvPr id="3" name="Picture 2" descr="pingpong-latency-mx-overhead-combined.pdf"/>
+          <p:cNvPicPr>
+            <a:picLocks noChangeAspect="1"/>
+          </p:cNvPicPr>
+          <p:nvPr/>
+        </p:nvPicPr>
+        <p:blipFill>
+          <a:blip r:embed="rId2">
+            <a:extLst>
+              <a:ext uri="{28A0092B-C50C-407E-A947-70E740481C1C}">
+                <a14:useLocalDpi xmlns:a14="http://schemas.microsoft.com/office/drawing/2010/main" val="0"/>
+              </a:ext>
+            </a:extLst>
+          </a:blip>
+          <a:stretch>
+            <a:fillRect/>
+          </a:stretch>
+        </p:blipFill>
+        <p:spPr>
+          <a:xfrm>
+            <a:off x="0" y="1828800"/>
+            <a:ext cx="4572000" cy="3200400"/>
+          </a:xfrm>
+          <a:prstGeom prst="rect">
+            <a:avLst/>
+          </a:prstGeom>
+        </p:spPr>
+      </p:pic>
+      <p:pic>
+        <p:nvPicPr>
+          <p:cNvPr id="4" name="Picture 3" descr="pingpong-bw-mx.pdf"/>
+          <p:cNvPicPr>
+            <a:picLocks noChangeAspect="1"/>
+          </p:cNvPicPr>
+          <p:nvPr/>
+        </p:nvPicPr>
+        <p:blipFill>
+          <a:blip r:embed="rId3">
+            <a:extLst>
+              <a:ext uri="{28A0092B-C50C-407E-A947-70E740481C1C}">
+                <a14:useLocalDpi xmlns:a14="http://schemas.microsoft.com/office/drawing/2010/main" val="0"/>
+              </a:ext>
+            </a:extLst>
+          </a:blip>
+          <a:stretch>
+            <a:fillRect/>
+          </a:stretch>
+        </p:blipFill>
+        <p:spPr>
+          <a:xfrm>
+            <a:off x="4572000" y="1792256"/>
+            <a:ext cx="4572000" cy="3200400"/>
+          </a:xfrm>
+          <a:prstGeom prst="rect">
+            <a:avLst/>
+          </a:prstGeom>
+        </p:spPr>
+      </p:pic>
+    </p:spTree>
+    <p:extLst>
+      <p:ext uri="{BB962C8B-B14F-4D97-AF65-F5344CB8AC3E}">
+        <p14:creationId xmlns:p14="http://schemas.microsoft.com/office/powerpoint/2010/main" val="2767896140"/>
+      </p:ext>
+    </p:extLst>
+  </p:cSld>
+  <p:clrMapOvr>
+    <a:masterClrMapping/>
+  </p:clrMapOvr>
+  <p:timing>
+    <p:tnLst>
+      <p:par>
+        <p:cTn id="1" dur="indefinite" restart="never" nodeType="tmRoot"/>
+      </p:par>
+    </p:tnLst>
+  </p:timing>
+</p:sld>
+</file>
+
+<file path=ppt/slides/slide26.xml><?xml version="1.0" encoding="utf-8"?>
+<p:sld xmlns:a="http://schemas.openxmlformats.org/drawingml/2006/main" xmlns:r="http://schemas.openxmlformats.org/officeDocument/2006/relationships" xmlns:p="http://schemas.openxmlformats.org/presentationml/2006/main">
+  <p:cSld>
+    <p:spTree>
+      <p:nvGrpSpPr>
+        <p:cNvPr id="1" name=""/>
+        <p:cNvGrpSpPr/>
+        <p:nvPr/>
+      </p:nvGrpSpPr>
+      <p:grpSpPr>
+        <a:xfrm>
+          <a:off x="0" y="0"/>
+          <a:ext cx="0" cy="0"/>
+          <a:chOff x="0" y="0"/>
+          <a:chExt cx="0" cy="0"/>
+        </a:xfrm>
+      </p:grpSpPr>
+      <p:sp>
+        <p:nvSpPr>
+          <p:cNvPr id="2" name="Title 1"/>
+          <p:cNvSpPr>
+            <a:spLocks noGrp="1"/>
+          </p:cNvSpPr>
+          <p:nvPr>
+            <p:ph type="title"/>
+          </p:nvPr>
+        </p:nvSpPr>
+        <p:spPr>
+          <a:xfrm>
+            <a:off x="111098" y="152400"/>
+            <a:ext cx="8229600" cy="496290"/>
+          </a:xfrm>
+        </p:spPr>
+        <p:txBody>
+          <a:bodyPr/>
+          <a:lstStyle/>
+          <a:p>
+            <a:r>
+              <a:rPr lang="en-US" dirty="0"/>
               <a:t>CCI/Portals Performance</a:t>
             </a:r>
           </a:p>
@@ -4903,14 +5176,14 @@
   <p:timing>
     <p:tnLst>
       <p:par>
-        <p:cTn xmlns:p14="http://schemas.microsoft.com/office/powerpoint/2010/main" id="1" dur="indefinite" restart="never" nodeType="tmRoot"/>
+        <p:cTn id="1" dur="indefinite" restart="never" nodeType="tmRoot"/>
       </p:par>
     </p:tnLst>
   </p:timing>
 </p:sld>
 </file>
 
-<file path=ppt/slides/slide26.xml><?xml version="1.0" encoding="utf-8"?>
+<file path=ppt/slides/slide27.xml><?xml version="1.0" encoding="utf-8"?>
 <p:sld xmlns:a="http://schemas.openxmlformats.org/drawingml/2006/main" xmlns:r="http://schemas.openxmlformats.org/officeDocument/2006/relationships" xmlns:p="http://schemas.openxmlformats.org/presentationml/2006/main">
   <p:cSld>
     <p:spTree>
@@ -5115,14 +5388,14 @@
   <p:timing>
     <p:tnLst>
       <p:par>
-        <p:cTn xmlns:p14="http://schemas.microsoft.com/office/powerpoint/2010/main" id="1" dur="indefinite" restart="never" nodeType="tmRoot"/>
+        <p:cTn id="1" dur="indefinite" restart="never" nodeType="tmRoot"/>
       </p:par>
     </p:tnLst>
   </p:timing>
 </p:sld>
 </file>
 
-<file path=ppt/slides/slide27.xml><?xml version="1.0" encoding="utf-8"?>
+<file path=ppt/slides/slide28.xml><?xml version="1.0" encoding="utf-8"?>
 <p:sld xmlns:a="http://schemas.openxmlformats.org/drawingml/2006/main" xmlns:r="http://schemas.openxmlformats.org/officeDocument/2006/relationships" xmlns:p="http://schemas.openxmlformats.org/presentationml/2006/main">
   <p:cSld>
     <p:spTree>
@@ -5282,7 +5555,7 @@
   <p:timing>
     <p:tnLst>
       <p:par>
-        <p:cTn xmlns:p14="http://schemas.microsoft.com/office/powerpoint/2010/main" id="1" dur="indefinite" restart="never" nodeType="tmRoot"/>
+        <p:cTn id="1" dur="indefinite" restart="never" nodeType="tmRoot"/>
       </p:par>
     </p:tnLst>
   </p:timing>
@@ -5316,20 +5589,16 @@
             <p:ph type="title"/>
           </p:nvPr>
         </p:nvSpPr>
-        <p:spPr>
-          <a:xfrm>
-            <a:off x="111098" y="152400"/>
-            <a:ext cx="8229600" cy="496290"/>
-          </a:xfrm>
-        </p:spPr>
+        <p:spPr/>
         <p:txBody>
           <a:bodyPr/>
           <a:lstStyle/>
           <a:p>
             <a:r>
-              <a:rPr lang="en-US" dirty="0"/>
-              <a:t>Distributed application types</a:t>
-            </a:r>
+              <a:rPr lang="en-US" dirty="0" smtClean="0"/>
+              <a:t>The context</a:t>
+            </a:r>
+            <a:endParaRPr lang="en-US" dirty="0"/>
           </a:p>
         </p:txBody>
       </p:sp>
@@ -5346,7 +5615,7 @@
         <p:spPr>
           <a:xfrm>
             <a:off x="111204" y="1344823"/>
-            <a:ext cx="8229600" cy="4231927"/>
+            <a:ext cx="8229600" cy="4471993"/>
           </a:xfrm>
         </p:spPr>
         <p:txBody>
@@ -5354,62 +5623,74 @@
           <a:lstStyle/>
           <a:p>
             <a:r>
-              <a:rPr lang="en-US" dirty="0"/>
-              <a:t>Client-Server</a:t>
-            </a:r>
-          </a:p>
-          <a:p>
-            <a:pPr lvl="1"/>
-            <a:r>
-              <a:rPr lang="en-US" dirty="0"/>
-              <a:t>Web servers</a:t>
-            </a:r>
-          </a:p>
-          <a:p>
-            <a:pPr lvl="1"/>
-            <a:r>
-              <a:rPr lang="en-US" dirty="0"/>
-              <a:t>File Systems such as NFS, Lustre</a:t>
-            </a:r>
-          </a:p>
-          <a:p>
-            <a:pPr lvl="1"/>
-            <a:r>
-              <a:rPr lang="en-US" dirty="0"/>
-              <a:t>High Frequency Trading (HFT)</a:t>
-            </a:r>
-          </a:p>
-          <a:p>
-            <a:pPr lvl="1"/>
-            <a:r>
-              <a:rPr lang="en-US" dirty="0"/>
-              <a:t>Media Streaming (IPTV)</a:t>
-            </a:r>
-          </a:p>
-          <a:p>
-            <a:r>
-              <a:rPr lang="en-US" dirty="0"/>
-              <a:t>Peer-to-peer</a:t>
-            </a:r>
-          </a:p>
-          <a:p>
-            <a:pPr lvl="1"/>
-            <a:r>
-              <a:rPr lang="en-US" dirty="0"/>
-              <a:t>BigTable</a:t>
-            </a:r>
-          </a:p>
-          <a:p>
-            <a:pPr lvl="1"/>
-            <a:r>
-              <a:rPr lang="en-US" dirty="0"/>
-              <a:t>Cassandra</a:t>
-            </a:r>
-          </a:p>
-          <a:p>
-            <a:r>
-              <a:rPr lang="en-US" dirty="0"/>
-              <a:t>HPC/MPI</a:t>
+              <a:rPr lang="en-US" dirty="0" smtClean="0"/>
+              <a:t>Application control one side of the pipe:</a:t>
+            </a:r>
+          </a:p>
+          <a:p>
+            <a:pPr lvl="1"/>
+            <a:r>
+              <a:rPr lang="en-US" dirty="0" smtClean="0"/>
+              <a:t>Common language: IP on the wire, Socket interface on the host.</a:t>
+            </a:r>
+          </a:p>
+          <a:p>
+            <a:pPr lvl="1"/>
+            <a:r>
+              <a:rPr lang="en-US" dirty="0" smtClean="0"/>
+              <a:t>Applications: web service, media delivery, trading exchange.</a:t>
+            </a:r>
+          </a:p>
+          <a:p>
+            <a:pPr lvl="1"/>
+            <a:r>
+              <a:rPr lang="en-US" dirty="0" smtClean="0"/>
+              <a:t>Not going away, way too much legacy.</a:t>
+            </a:r>
+          </a:p>
+          <a:p>
+            <a:r>
+              <a:rPr lang="en-US" dirty="0" smtClean="0"/>
+              <a:t>Application controls both sides:</a:t>
+            </a:r>
+          </a:p>
+          <a:p>
+            <a:pPr lvl="1"/>
+            <a:r>
+              <a:rPr lang="en-US" dirty="0" smtClean="0"/>
+              <a:t>No required wire protocol or host programing interface.</a:t>
+            </a:r>
+          </a:p>
+          <a:p>
+            <a:pPr lvl="1"/>
+            <a:r>
+              <a:rPr lang="en-US" dirty="0" smtClean="0"/>
+              <a:t>Applications: back-ends, database, storage</a:t>
+            </a:r>
+          </a:p>
+          <a:p>
+            <a:pPr lvl="2"/>
+            <a:r>
+              <a:rPr lang="en-US" dirty="0" err="1" smtClean="0"/>
+              <a:t>Memcached</a:t>
+            </a:r>
+            <a:r>
+              <a:rPr lang="en-US" dirty="0" smtClean="0"/>
+              <a:t>, Big Table, Cassandra.</a:t>
+            </a:r>
+          </a:p>
+          <a:p>
+            <a:pPr lvl="1"/>
+            <a:r>
+              <a:rPr lang="en-US" dirty="0" smtClean="0"/>
+              <a:t>Socket interface hinder networking innovation.</a:t>
+            </a:r>
+          </a:p>
+          <a:p>
+            <a:pPr lvl="1"/>
+            <a:r>
+              <a:rPr lang="en-US" dirty="0" smtClean="0"/>
+              <a:t>Gazillions of vendor-specific interfaces available (dead or alive).</a:t>
             </a:r>
           </a:p>
         </p:txBody>
@@ -5417,20 +5698,13 @@
     </p:spTree>
     <p:extLst>
       <p:ext uri="{BB962C8B-B14F-4D97-AF65-F5344CB8AC3E}">
-        <p14:creationId xmlns:p14="http://schemas.microsoft.com/office/powerpoint/2010/main" val="2976769819"/>
+        <p14:creationId xmlns:p14="http://schemas.microsoft.com/office/powerpoint/2010/main" val="2858392868"/>
       </p:ext>
     </p:extLst>
   </p:cSld>
   <p:clrMapOvr>
     <a:masterClrMapping/>
   </p:clrMapOvr>
-  <p:timing>
-    <p:tnLst>
-      <p:par>
-        <p:cTn xmlns:p14="http://schemas.microsoft.com/office/powerpoint/2010/main" id="1" dur="indefinite" restart="never" nodeType="tmRoot"/>
-      </p:par>
-    </p:tnLst>
-  </p:timing>
 </p:sld>
 </file>
 
@@ -5461,20 +5735,16 @@
             <p:ph type="title"/>
           </p:nvPr>
         </p:nvSpPr>
-        <p:spPr>
-          <a:xfrm>
-            <a:off x="111098" y="152400"/>
-            <a:ext cx="8229600" cy="496290"/>
-          </a:xfrm>
-        </p:spPr>
+        <p:spPr/>
         <p:txBody>
           <a:bodyPr/>
           <a:lstStyle/>
           <a:p>
             <a:r>
-              <a:rPr lang="en-US" dirty="0"/>
-              <a:t>Distributed application needs</a:t>
-            </a:r>
+              <a:rPr lang="en-US" dirty="0" smtClean="0"/>
+              <a:t>The problem</a:t>
+            </a:r>
+            <a:endParaRPr lang="en-US" dirty="0"/>
           </a:p>
         </p:txBody>
       </p:sp>
@@ -5491,7 +5761,7 @@
         <p:spPr>
           <a:xfrm>
             <a:off x="111204" y="1344823"/>
-            <a:ext cx="8229600" cy="3795911"/>
+            <a:ext cx="8229600" cy="4092402"/>
           </a:xfrm>
         </p:spPr>
         <p:txBody>
@@ -5499,55 +5769,68 @@
           <a:lstStyle/>
           <a:p>
             <a:r>
-              <a:rPr lang="en-US" dirty="0"/>
-              <a:t>Dynamic process management</a:t>
-            </a:r>
-          </a:p>
-          <a:p>
-            <a:pPr lvl="1"/>
-            <a:r>
-              <a:rPr lang="en-US" dirty="0"/>
-              <a:t>Peers come and go – not statically known a priori</a:t>
-            </a:r>
-          </a:p>
-          <a:p>
-            <a:r>
-              <a:rPr lang="en-US" dirty="0"/>
-              <a:t>Scalability</a:t>
-            </a:r>
-          </a:p>
-          <a:p>
-            <a:pPr lvl="1"/>
-            <a:r>
-              <a:rPr lang="en-US" dirty="0"/>
-              <a:t>Approaching 10^6 nodes and 10^9 cores</a:t>
-            </a:r>
-          </a:p>
-          <a:p>
-            <a:pPr lvl="1"/>
-            <a:r>
-              <a:rPr lang="en-US" dirty="0"/>
-              <a:t>Time and space cannot grow linearly with number of peers</a:t>
-            </a:r>
-          </a:p>
-          <a:p>
-            <a:r>
-              <a:rPr lang="en-US" dirty="0"/>
-              <a:t>Fault tolerance</a:t>
-            </a:r>
-          </a:p>
-          <a:p>
-            <a:pPr lvl="1"/>
-            <a:r>
-              <a:rPr lang="en-US" dirty="0"/>
-              <a:t>Failures increase with component count</a:t>
-            </a:r>
-          </a:p>
-          <a:p>
-            <a:pPr lvl="1"/>
-            <a:r>
-              <a:rPr lang="en-US" dirty="0"/>
-              <a:t>Need to contain faults to a single peer (i.e. fault isolation)</a:t>
+              <a:rPr lang="en-US" dirty="0" smtClean="0"/>
+              <a:t>Application </a:t>
+            </a:r>
+            <a:r>
+              <a:rPr lang="en-US" dirty="0" err="1" smtClean="0"/>
+              <a:t>developpers</a:t>
+            </a:r>
+            <a:r>
+              <a:rPr lang="en-US" dirty="0" smtClean="0"/>
+              <a:t>:</a:t>
+            </a:r>
+          </a:p>
+          <a:p>
+            <a:pPr lvl="1"/>
+            <a:r>
+              <a:rPr lang="en-US" dirty="0" smtClean="0"/>
+              <a:t>Stick with Sockets.</a:t>
+            </a:r>
+          </a:p>
+          <a:p>
+            <a:pPr lvl="1"/>
+            <a:r>
+              <a:rPr lang="en-US" dirty="0" smtClean="0"/>
+              <a:t>Lock themselves with a vendor-specific interface.</a:t>
+            </a:r>
+          </a:p>
+          <a:p>
+            <a:pPr lvl="1"/>
+            <a:r>
+              <a:rPr lang="en-US" dirty="0" smtClean="0"/>
+              <a:t>Support a number of different interfaces.</a:t>
+            </a:r>
+          </a:p>
+          <a:p>
+            <a:pPr lvl="1"/>
+            <a:endParaRPr lang="en-US" dirty="0" smtClean="0"/>
+          </a:p>
+          <a:p>
+            <a:r>
+              <a:rPr lang="en-US" dirty="0" smtClean="0"/>
+              <a:t>Network vendors:</a:t>
+            </a:r>
+          </a:p>
+          <a:p>
+            <a:pPr lvl="1"/>
+            <a:r>
+              <a:rPr lang="en-US" dirty="0" smtClean="0"/>
+              <a:t>Cut corners to improve Sockets.</a:t>
+            </a:r>
+          </a:p>
+          <a:p>
+            <a:pPr lvl="1"/>
+            <a:r>
+              <a:rPr lang="en-US" dirty="0" smtClean="0"/>
+              <a:t>Push their interface as the Only True One.</a:t>
+            </a:r>
+          </a:p>
+          <a:p>
+            <a:pPr lvl="1"/>
+            <a:r>
+              <a:rPr lang="en-US" dirty="0" smtClean="0"/>
+              <a:t>Support a number of different applications.</a:t>
             </a:r>
           </a:p>
         </p:txBody>
@@ -5555,20 +5838,13 @@
     </p:spTree>
     <p:extLst>
       <p:ext uri="{BB962C8B-B14F-4D97-AF65-F5344CB8AC3E}">
-        <p14:creationId xmlns:p14="http://schemas.microsoft.com/office/powerpoint/2010/main" val="698086324"/>
+        <p14:creationId xmlns:p14="http://schemas.microsoft.com/office/powerpoint/2010/main" val="1991255280"/>
       </p:ext>
     </p:extLst>
   </p:cSld>
   <p:clrMapOvr>
     <a:masterClrMapping/>
   </p:clrMapOvr>
-  <p:timing>
-    <p:tnLst>
-      <p:par>
-        <p:cTn xmlns:p14="http://schemas.microsoft.com/office/powerpoint/2010/main" id="1" dur="indefinite" restart="never" nodeType="tmRoot"/>
-      </p:par>
-    </p:tnLst>
-  </p:timing>
 </p:sld>
 </file>
 
@@ -5629,6 +5905,144 @@
         <p:spPr>
           <a:xfrm>
             <a:off x="111204" y="1344823"/>
+            <a:ext cx="8229600" cy="3795911"/>
+          </a:xfrm>
+        </p:spPr>
+        <p:txBody>
+          <a:bodyPr/>
+          <a:lstStyle/>
+          <a:p>
+            <a:r>
+              <a:rPr lang="en-US" dirty="0"/>
+              <a:t>Dynamic process management</a:t>
+            </a:r>
+          </a:p>
+          <a:p>
+            <a:pPr lvl="1"/>
+            <a:r>
+              <a:rPr lang="en-US" dirty="0"/>
+              <a:t>Peers come and go – not statically known a priori</a:t>
+            </a:r>
+          </a:p>
+          <a:p>
+            <a:r>
+              <a:rPr lang="en-US" dirty="0"/>
+              <a:t>Scalability</a:t>
+            </a:r>
+          </a:p>
+          <a:p>
+            <a:pPr lvl="1"/>
+            <a:r>
+              <a:rPr lang="en-US" dirty="0"/>
+              <a:t>Approaching 10^6 nodes and 10^9 cores</a:t>
+            </a:r>
+          </a:p>
+          <a:p>
+            <a:pPr lvl="1"/>
+            <a:r>
+              <a:rPr lang="en-US" dirty="0"/>
+              <a:t>Time and space cannot grow linearly with number of peers</a:t>
+            </a:r>
+          </a:p>
+          <a:p>
+            <a:r>
+              <a:rPr lang="en-US" dirty="0"/>
+              <a:t>Fault tolerance</a:t>
+            </a:r>
+          </a:p>
+          <a:p>
+            <a:pPr lvl="1"/>
+            <a:r>
+              <a:rPr lang="en-US" dirty="0"/>
+              <a:t>Failures increase with component count</a:t>
+            </a:r>
+          </a:p>
+          <a:p>
+            <a:pPr lvl="1"/>
+            <a:r>
+              <a:rPr lang="en-US" dirty="0"/>
+              <a:t>Need to contain faults to a single peer (i.e. fault isolation)</a:t>
+            </a:r>
+          </a:p>
+        </p:txBody>
+      </p:sp>
+    </p:spTree>
+    <p:extLst>
+      <p:ext uri="{BB962C8B-B14F-4D97-AF65-F5344CB8AC3E}">
+        <p14:creationId xmlns:p14="http://schemas.microsoft.com/office/powerpoint/2010/main" val="698086324"/>
+      </p:ext>
+    </p:extLst>
+  </p:cSld>
+  <p:clrMapOvr>
+    <a:masterClrMapping/>
+  </p:clrMapOvr>
+  <p:timing>
+    <p:tnLst>
+      <p:par>
+        <p:cTn id="1" dur="indefinite" restart="never" nodeType="tmRoot"/>
+      </p:par>
+    </p:tnLst>
+  </p:timing>
+</p:sld>
+</file>
+
+<file path=ppt/slides/slide6.xml><?xml version="1.0" encoding="utf-8"?>
+<p:sld xmlns:a="http://schemas.openxmlformats.org/drawingml/2006/main" xmlns:r="http://schemas.openxmlformats.org/officeDocument/2006/relationships" xmlns:p="http://schemas.openxmlformats.org/presentationml/2006/main">
+  <p:cSld>
+    <p:spTree>
+      <p:nvGrpSpPr>
+        <p:cNvPr id="1" name=""/>
+        <p:cNvGrpSpPr/>
+        <p:nvPr/>
+      </p:nvGrpSpPr>
+      <p:grpSpPr>
+        <a:xfrm>
+          <a:off x="0" y="0"/>
+          <a:ext cx="0" cy="0"/>
+          <a:chOff x="0" y="0"/>
+          <a:chExt cx="0" cy="0"/>
+        </a:xfrm>
+      </p:grpSpPr>
+      <p:sp>
+        <p:nvSpPr>
+          <p:cNvPr id="2" name="Title 1"/>
+          <p:cNvSpPr>
+            <a:spLocks noGrp="1"/>
+          </p:cNvSpPr>
+          <p:nvPr>
+            <p:ph type="title"/>
+          </p:nvPr>
+        </p:nvSpPr>
+        <p:spPr>
+          <a:xfrm>
+            <a:off x="111098" y="152400"/>
+            <a:ext cx="8229600" cy="496290"/>
+          </a:xfrm>
+        </p:spPr>
+        <p:txBody>
+          <a:bodyPr/>
+          <a:lstStyle/>
+          <a:p>
+            <a:r>
+              <a:rPr lang="en-US" dirty="0"/>
+              <a:t>Distributed application needs</a:t>
+            </a:r>
+          </a:p>
+        </p:txBody>
+      </p:sp>
+      <p:sp>
+        <p:nvSpPr>
+          <p:cNvPr id="3" name="Content Placeholder 2"/>
+          <p:cNvSpPr>
+            <a:spLocks noGrp="1"/>
+          </p:cNvSpPr>
+          <p:nvPr>
+            <p:ph idx="1"/>
+          </p:nvPr>
+        </p:nvSpPr>
+        <p:spPr>
+          <a:xfrm>
+            <a:off x="111204" y="1344823"/>
             <a:ext cx="8229600" cy="4665892"/>
           </a:xfrm>
         </p:spPr>
@@ -5717,14 +6131,14 @@
   <p:timing>
     <p:tnLst>
       <p:par>
-        <p:cTn xmlns:p14="http://schemas.microsoft.com/office/powerpoint/2010/main" id="1" dur="indefinite" restart="never" nodeType="tmRoot"/>
+        <p:cTn id="1" dur="indefinite" restart="never" nodeType="tmRoot"/>
       </p:par>
     </p:tnLst>
   </p:timing>
 </p:sld>
 </file>
 
-<file path=ppt/slides/slide6.xml><?xml version="1.0" encoding="utf-8"?>
+<file path=ppt/slides/slide7.xml><?xml version="1.0" encoding="utf-8"?>
 <p:sld xmlns:a="http://schemas.openxmlformats.org/drawingml/2006/main" xmlns:r="http://schemas.openxmlformats.org/officeDocument/2006/relationships" xmlns:p="http://schemas.openxmlformats.org/presentationml/2006/main">
   <p:cSld>
     <p:spTree>
@@ -6039,110 +6453,7 @@
   <p:timing>
     <p:tnLst>
       <p:par>
-        <p:cTn xmlns:p14="http://schemas.microsoft.com/office/powerpoint/2010/main" id="1" dur="indefinite" restart="never" nodeType="tmRoot"/>
-      </p:par>
-    </p:tnLst>
-  </p:timing>
-</p:sld>
-</file>
-
-<file path=ppt/slides/slide7.xml><?xml version="1.0" encoding="utf-8"?>
-<p:sld xmlns:a="http://schemas.openxmlformats.org/drawingml/2006/main" xmlns:r="http://schemas.openxmlformats.org/officeDocument/2006/relationships" xmlns:p="http://schemas.openxmlformats.org/presentationml/2006/main">
-  <p:cSld>
-    <p:spTree>
-      <p:nvGrpSpPr>
-        <p:cNvPr id="1" name=""/>
-        <p:cNvGrpSpPr/>
-        <p:nvPr/>
-      </p:nvGrpSpPr>
-      <p:grpSpPr>
-        <a:xfrm>
-          <a:off x="0" y="0"/>
-          <a:ext cx="0" cy="0"/>
-          <a:chOff x="0" y="0"/>
-          <a:chExt cx="0" cy="0"/>
-        </a:xfrm>
-      </p:grpSpPr>
-      <p:sp>
-        <p:nvSpPr>
-          <p:cNvPr id="2" name="Title 1"/>
-          <p:cNvSpPr>
-            <a:spLocks noGrp="1"/>
-          </p:cNvSpPr>
-          <p:nvPr>
-            <p:ph type="title"/>
-          </p:nvPr>
-        </p:nvSpPr>
-        <p:spPr>
-          <a:xfrm>
-            <a:off x="111098" y="152400"/>
-            <a:ext cx="8229600" cy="496290"/>
-          </a:xfrm>
-        </p:spPr>
-        <p:txBody>
-          <a:bodyPr/>
-          <a:lstStyle/>
-          <a:p>
-            <a:r>
-              <a:rPr lang="en-US" dirty="0"/>
-              <a:t>Current APIs</a:t>
-            </a:r>
-          </a:p>
-        </p:txBody>
-      </p:sp>
-      <p:sp>
-        <p:nvSpPr>
-          <p:cNvPr id="3" name="Content Placeholder 2"/>
-          <p:cNvSpPr>
-            <a:spLocks noGrp="1"/>
-          </p:cNvSpPr>
-          <p:nvPr>
-            <p:ph idx="1"/>
-          </p:nvPr>
-        </p:nvSpPr>
-        <p:spPr>
-          <a:xfrm>
-            <a:off x="111204" y="1344823"/>
-            <a:ext cx="8229600" cy="1621982"/>
-          </a:xfrm>
-        </p:spPr>
-        <p:txBody>
-          <a:bodyPr/>
-          <a:lstStyle/>
-          <a:p>
-            <a:r>
-              <a:rPr lang="en-US" dirty="0"/>
-              <a:t>Sockets</a:t>
-            </a:r>
-          </a:p>
-          <a:p>
-            <a:r>
-              <a:rPr lang="en-US" dirty="0"/>
-              <a:t>MPI</a:t>
-            </a:r>
-          </a:p>
-          <a:p>
-            <a:r>
-              <a:rPr lang="en-US" dirty="0"/>
-              <a:t>Specialized</a:t>
-            </a:r>
-          </a:p>
-        </p:txBody>
-      </p:sp>
-    </p:spTree>
-    <p:extLst>
-      <p:ext uri="{BB962C8B-B14F-4D97-AF65-F5344CB8AC3E}">
-        <p14:creationId xmlns:p14="http://schemas.microsoft.com/office/powerpoint/2010/main" val="3007031719"/>
-      </p:ext>
-    </p:extLst>
-  </p:cSld>
-  <p:clrMapOvr>
-    <a:masterClrMapping/>
-  </p:clrMapOvr>
-  <p:timing>
-    <p:tnLst>
-      <p:par>
-        <p:cTn xmlns:p14="http://schemas.microsoft.com/office/powerpoint/2010/main" id="1" dur="indefinite" restart="never" nodeType="tmRoot"/>
+        <p:cTn id="1" dur="indefinite" restart="never" nodeType="tmRoot"/>
       </p:par>
     </p:tnLst>
   </p:timing>
@@ -6187,9 +6498,10 @@
           <a:lstStyle/>
           <a:p>
             <a:r>
-              <a:rPr lang="en-US" dirty="0"/>
-              <a:t>Sockets</a:t>
-            </a:r>
+              <a:rPr lang="en-US" dirty="0" smtClean="0"/>
+              <a:t>The landscape</a:t>
+            </a:r>
+            <a:endParaRPr lang="en-US" dirty="0"/>
           </a:p>
         </p:txBody>
       </p:sp>
@@ -6206,7 +6518,7 @@
         <p:spPr>
           <a:xfrm>
             <a:off x="111204" y="1344823"/>
-            <a:ext cx="8229600" cy="5063950"/>
+            <a:ext cx="8229600" cy="1621982"/>
           </a:xfrm>
         </p:spPr>
         <p:txBody>
@@ -6215,65 +6527,19 @@
           <a:p>
             <a:r>
               <a:rPr lang="en-US" dirty="0"/>
-              <a:t>Most widely used</a:t>
-            </a:r>
-          </a:p>
-          <a:p>
-            <a:pPr lvl="1"/>
-            <a:r>
-              <a:rPr lang="en-US" dirty="0"/>
-              <a:t>Simple API</a:t>
-            </a:r>
-          </a:p>
-          <a:p>
-            <a:pPr lvl="1"/>
-            <a:r>
-              <a:rPr lang="en-US" dirty="0"/>
-              <a:t>Robustness (failure tolerant)</a:t>
-            </a:r>
-          </a:p>
-          <a:p>
-            <a:pPr lvl="1"/>
-            <a:r>
-              <a:rPr lang="en-US" dirty="0"/>
-              <a:t>Implicit buffering</a:t>
-            </a:r>
-          </a:p>
-          <a:p>
-            <a:r>
-              <a:rPr lang="en-US" dirty="0"/>
-              <a:t>Stream and datagram modes</a:t>
-            </a:r>
-          </a:p>
-          <a:p>
-            <a:r>
-              <a:rPr lang="en-US" dirty="0"/>
-              <a:t>Connected and connectionless modes</a:t>
-            </a:r>
-          </a:p>
-          <a:p>
-            <a:r>
-              <a:rPr lang="en-US" dirty="0"/>
-              <a:t>Client/server semantics for connected mode</a:t>
-            </a:r>
-          </a:p>
-          <a:p>
-            <a:r>
-              <a:rPr lang="en-US" dirty="0"/>
-              <a:t>Asynchrony via buffered sends and receives</a:t>
-            </a:r>
-          </a:p>
-          <a:p>
-            <a:pPr lvl="1"/>
-            <a:r>
-              <a:rPr lang="en-US" dirty="0"/>
-              <a:t>Requires more CPU work which lowers throughput</a:t>
-            </a:r>
-          </a:p>
-          <a:p>
-            <a:r>
-              <a:rPr lang="en-US" dirty="0"/>
-              <a:t>SOCK_STREAM inherits TCP performance constraints</a:t>
+              <a:t>Sockets</a:t>
+            </a:r>
+          </a:p>
+          <a:p>
+            <a:r>
+              <a:rPr lang="en-US" dirty="0"/>
+              <a:t>MPI</a:t>
+            </a:r>
+          </a:p>
+          <a:p>
+            <a:r>
+              <a:rPr lang="en-US" dirty="0"/>
+              <a:t>Specialized</a:t>
             </a:r>
           </a:p>
         </p:txBody>
@@ -6281,7 +6547,7 @@
     </p:spTree>
     <p:extLst>
       <p:ext uri="{BB962C8B-B14F-4D97-AF65-F5344CB8AC3E}">
-        <p14:creationId xmlns:p14="http://schemas.microsoft.com/office/powerpoint/2010/main" val="3932495684"/>
+        <p14:creationId xmlns:p14="http://schemas.microsoft.com/office/powerpoint/2010/main" val="3007031719"/>
       </p:ext>
     </p:extLst>
   </p:cSld>
@@ -6291,7 +6557,7 @@
   <p:timing>
     <p:tnLst>
       <p:par>
-        <p:cTn xmlns:p14="http://schemas.microsoft.com/office/powerpoint/2010/main" id="1" dur="indefinite" restart="never" nodeType="tmRoot"/>
+        <p:cTn id="1" dur="indefinite" restart="never" nodeType="tmRoot"/>
       </p:par>
     </p:tnLst>
   </p:timing>
@@ -6337,7 +6603,7 @@
           <a:p>
             <a:r>
               <a:rPr lang="en-US" dirty="0"/>
-              <a:t>MPI</a:t>
+              <a:t>Sockets</a:t>
             </a:r>
           </a:p>
         </p:txBody>
@@ -6354,8 +6620,8 @@
         </p:nvSpPr>
         <p:spPr>
           <a:xfrm>
-            <a:off x="111204" y="1143000"/>
-            <a:ext cx="8229600" cy="5395809"/>
+            <a:off x="111204" y="1344823"/>
+            <a:ext cx="8229600" cy="5063950"/>
           </a:xfrm>
         </p:spPr>
         <p:txBody>
@@ -6363,96 +6629,74 @@
           <a:lstStyle/>
           <a:p>
             <a:r>
-              <a:rPr lang="en-US" sz="2400" dirty="0"/>
-              <a:t>Dominant interface in HPC</a:t>
-            </a:r>
-          </a:p>
-          <a:p>
-            <a:r>
-              <a:rPr lang="en-US" sz="2400" dirty="0"/>
-              <a:t>Provides scalability</a:t>
-            </a:r>
-          </a:p>
-          <a:p>
-            <a:r>
-              <a:rPr lang="en-US" sz="2400" dirty="0"/>
-              <a:t>Rich API (i.e. complicated)</a:t>
-            </a:r>
-          </a:p>
-          <a:p>
-            <a:r>
-              <a:rPr lang="en-US" sz="2400" dirty="0"/>
-              <a:t>Point-to-point, collective, and one-sided</a:t>
-            </a:r>
-          </a:p>
-          <a:p>
-            <a:r>
-              <a:rPr lang="en-US" sz="2400" dirty="0"/>
-              <a:t>Blocking and non-blocking</a:t>
-            </a:r>
-          </a:p>
-          <a:p>
-            <a:r>
-              <a:rPr lang="en-US" sz="2400" dirty="0"/>
-              <a:t>Synchronous, asynchronous, and ready modes</a:t>
-            </a:r>
-          </a:p>
-          <a:p>
-            <a:r>
-              <a:rPr lang="en-US" sz="2400" dirty="0"/>
-              <a:t>Uses communication groups (communicators)</a:t>
-            </a:r>
-          </a:p>
-          <a:p>
-            <a:pPr lvl="1"/>
-            <a:r>
-              <a:rPr lang="en-US" sz="2100" dirty="0"/>
-              <a:t>May include all process or a subset of processes</a:t>
-            </a:r>
-          </a:p>
-          <a:p>
-            <a:r>
-              <a:rPr lang="en-US" sz="2400" dirty="0"/>
-              <a:t>Does provide a notion of dynamic process management</a:t>
-            </a:r>
-          </a:p>
-          <a:p>
-            <a:pPr lvl="1"/>
-            <a:r>
-              <a:rPr lang="en-US" sz="2100" dirty="0" err="1"/>
-              <a:t>Accept</a:t>
-            </a:r>
-            <a:r>
-              <a:rPr lang="en-US" sz="2100" dirty="0"/>
-              <a:t>(), </a:t>
-            </a:r>
-            <a:r>
-              <a:rPr lang="en-US" sz="2100" dirty="0" err="1"/>
-              <a:t>Connect</a:t>
-            </a:r>
-            <a:r>
-              <a:rPr lang="en-US" sz="2100" dirty="0"/>
-              <a:t>() immature, infrequently provided, and much less used</a:t>
-            </a:r>
-          </a:p>
-          <a:p>
-            <a:pPr lvl="1"/>
-            <a:r>
-              <a:rPr lang="en-US" sz="2100" dirty="0"/>
-              <a:t>Imposes high overhead, not </a:t>
-            </a:r>
-            <a:r>
-              <a:rPr lang="en-US" sz="2100" dirty="0" err="1"/>
-              <a:t>performant</a:t>
-            </a:r>
-            <a:endParaRPr lang="en-US" sz="2100" dirty="0"/>
+              <a:rPr lang="en-US" dirty="0"/>
+              <a:t>Most widely used</a:t>
+            </a:r>
+          </a:p>
+          <a:p>
+            <a:pPr lvl="1"/>
+            <a:r>
+              <a:rPr lang="en-US" dirty="0"/>
+              <a:t>Simple API</a:t>
+            </a:r>
+          </a:p>
+          <a:p>
+            <a:pPr lvl="1"/>
+            <a:r>
+              <a:rPr lang="en-US" dirty="0"/>
+              <a:t>Robustness (failure tolerant)</a:t>
+            </a:r>
+          </a:p>
+          <a:p>
+            <a:pPr lvl="1"/>
+            <a:r>
+              <a:rPr lang="en-US" dirty="0"/>
+              <a:t>Implicit buffering</a:t>
+            </a:r>
+          </a:p>
+          <a:p>
+            <a:r>
+              <a:rPr lang="en-US" dirty="0"/>
+              <a:t>Stream and datagram modes</a:t>
+            </a:r>
+          </a:p>
+          <a:p>
+            <a:r>
+              <a:rPr lang="en-US" dirty="0"/>
+              <a:t>Connected and connectionless modes</a:t>
+            </a:r>
+          </a:p>
+          <a:p>
+            <a:r>
+              <a:rPr lang="en-US" dirty="0"/>
+              <a:t>Client/server semantics for connected mode</a:t>
+            </a:r>
+          </a:p>
+          <a:p>
+            <a:r>
+              <a:rPr lang="en-US" dirty="0"/>
+              <a:t>Asynchrony via buffered sends and receives</a:t>
+            </a:r>
+          </a:p>
+          <a:p>
+            <a:pPr lvl="1"/>
+            <a:r>
+              <a:rPr lang="en-US" dirty="0"/>
+              <a:t>Requires more CPU work which lowers throughput</a:t>
+            </a:r>
+          </a:p>
+          <a:p>
+            <a:r>
+              <a:rPr lang="en-US" dirty="0"/>
+              <a:t>SOCK_STREAM inherits TCP performance constraints</a:t>
+            </a:r>
           </a:p>
         </p:txBody>
       </p:sp>
     </p:spTree>
     <p:extLst>
       <p:ext uri="{BB962C8B-B14F-4D97-AF65-F5344CB8AC3E}">
-        <p14:creationId xmlns:p14="http://schemas.microsoft.com/office/powerpoint/2010/main" val="2790947775"/>
+        <p14:creationId xmlns:p14="http://schemas.microsoft.com/office/powerpoint/2010/main" val="3932495684"/>
       </p:ext>
     </p:extLst>
   </p:cSld>
@@ -6462,7 +6706,7 @@
   <p:timing>
     <p:tnLst>
       <p:par>
-        <p:cTn xmlns:p14="http://schemas.microsoft.com/office/powerpoint/2010/main" id="1" dur="indefinite" restart="never" nodeType="tmRoot"/>
+        <p:cTn id="1" dur="indefinite" restart="never" nodeType="tmRoot"/>
       </p:par>
     </p:tnLst>
   </p:timing>

--- a/slides/HotI-2011/2011-HotI-CCI-OLCF.pptx
+++ b/slides/HotI-2011/2011-HotI-CCI-OLCF.pptx
@@ -250,7 +250,7 @@
             <a:fld id="{1507BF42-67CC-4FB8-9955-9A9591B56F2B}" type="datetimeFigureOut">
               <a:rPr lang="en-US" smtClean="0"/>
               <a:pPr/>
-              <a:t>8/23/2011</a:t>
+              <a:t>8/23/11</a:t>
             </a:fld>
             <a:endParaRPr lang="en-US"/>
           </a:p>
@@ -2636,7 +2636,7 @@
   <p:timing>
     <p:tnLst>
       <p:par>
-        <p:cTn id="1" dur="indefinite" restart="never" nodeType="tmRoot"/>
+        <p:cTn xmlns:p14="http://schemas.microsoft.com/office/powerpoint/2010/main" id="1" dur="indefinite" restart="never" nodeType="tmRoot"/>
       </p:par>
     </p:tnLst>
   </p:timing>
@@ -2807,7 +2807,7 @@
   <p:timing>
     <p:tnLst>
       <p:par>
-        <p:cTn id="1" dur="indefinite" restart="never" nodeType="tmRoot"/>
+        <p:cTn xmlns:p14="http://schemas.microsoft.com/office/powerpoint/2010/main" id="1" dur="indefinite" restart="never" nodeType="tmRoot"/>
       </p:par>
     </p:tnLst>
   </p:timing>
@@ -2952,7 +2952,7 @@
   <p:timing>
     <p:tnLst>
       <p:par>
-        <p:cTn id="1" dur="indefinite" restart="never" nodeType="tmRoot"/>
+        <p:cTn xmlns:p14="http://schemas.microsoft.com/office/powerpoint/2010/main" id="1" dur="indefinite" restart="never" nodeType="tmRoot"/>
       </p:par>
     </p:tnLst>
   </p:timing>
@@ -3076,7 +3076,7 @@
   <p:timing>
     <p:tnLst>
       <p:par>
-        <p:cTn id="1" dur="indefinite" restart="never" nodeType="tmRoot"/>
+        <p:cTn xmlns:p14="http://schemas.microsoft.com/office/powerpoint/2010/main" id="1" dur="indefinite" restart="never" nodeType="tmRoot"/>
       </p:par>
     </p:tnLst>
   </p:timing>
@@ -3222,7 +3222,7 @@
   <p:timing>
     <p:tnLst>
       <p:par>
-        <p:cTn id="1" dur="indefinite" restart="never" nodeType="tmRoot"/>
+        <p:cTn xmlns:p14="http://schemas.microsoft.com/office/powerpoint/2010/main" id="1" dur="indefinite" restart="never" nodeType="tmRoot"/>
       </p:par>
     </p:tnLst>
   </p:timing>
@@ -3371,7 +3371,7 @@
   <p:timing>
     <p:tnLst>
       <p:par>
-        <p:cTn id="1" dur="indefinite" restart="never" nodeType="tmRoot"/>
+        <p:cTn xmlns:p14="http://schemas.microsoft.com/office/powerpoint/2010/main" id="1" dur="indefinite" restart="never" nodeType="tmRoot"/>
       </p:par>
     </p:tnLst>
   </p:timing>
@@ -3505,7 +3505,7 @@
   <p:timing>
     <p:tnLst>
       <p:par>
-        <p:cTn id="1" dur="indefinite" restart="never" nodeType="tmRoot"/>
+        <p:cTn xmlns:p14="http://schemas.microsoft.com/office/powerpoint/2010/main" id="1" dur="indefinite" restart="never" nodeType="tmRoot"/>
       </p:par>
     </p:tnLst>
   </p:timing>
@@ -3653,7 +3653,7 @@
   <p:timing>
     <p:tnLst>
       <p:par>
-        <p:cTn id="1" dur="indefinite" restart="never" nodeType="tmRoot"/>
+        <p:cTn xmlns:p14="http://schemas.microsoft.com/office/powerpoint/2010/main" id="1" dur="indefinite" restart="never" nodeType="tmRoot"/>
       </p:par>
     </p:tnLst>
   </p:timing>
@@ -3782,7 +3782,7 @@
   <p:timing>
     <p:tnLst>
       <p:par>
-        <p:cTn id="1" dur="indefinite" restart="never" nodeType="tmRoot"/>
+        <p:cTn xmlns:p14="http://schemas.microsoft.com/office/powerpoint/2010/main" id="1" dur="indefinite" restart="never" nodeType="tmRoot"/>
       </p:par>
     </p:tnLst>
   </p:timing>
@@ -3902,7 +3902,7 @@
   <p:timing>
     <p:tnLst>
       <p:par>
-        <p:cTn id="1" dur="indefinite" restart="never" nodeType="tmRoot"/>
+        <p:cTn xmlns:p14="http://schemas.microsoft.com/office/powerpoint/2010/main" id="1" dur="indefinite" restart="never" nodeType="tmRoot"/>
       </p:par>
     </p:tnLst>
   </p:timing>
@@ -4051,7 +4051,7 @@
   <p:timing>
     <p:tnLst>
       <p:par>
-        <p:cTn id="1" dur="indefinite" restart="never" nodeType="tmRoot"/>
+        <p:cTn xmlns:p14="http://schemas.microsoft.com/office/powerpoint/2010/main" id="1" dur="indefinite" restart="never" nodeType="tmRoot"/>
       </p:par>
     </p:tnLst>
   </p:timing>
@@ -4166,7 +4166,7 @@
   <p:timing>
     <p:tnLst>
       <p:par>
-        <p:cTn id="1" dur="indefinite" restart="never" nodeType="tmRoot"/>
+        <p:cTn xmlns:p14="http://schemas.microsoft.com/office/powerpoint/2010/main" id="1" dur="indefinite" restart="never" nodeType="tmRoot"/>
       </p:par>
     </p:tnLst>
   </p:timing>
@@ -4316,7 +4316,7 @@
   <p:timing>
     <p:tnLst>
       <p:par>
-        <p:cTn id="1" dur="indefinite" restart="never" nodeType="tmRoot"/>
+        <p:cTn xmlns:p14="http://schemas.microsoft.com/office/powerpoint/2010/main" id="1" dur="indefinite" restart="never" nodeType="tmRoot"/>
       </p:par>
     </p:tnLst>
   </p:timing>
@@ -4490,7 +4490,7 @@
   <p:timing>
     <p:tnLst>
       <p:par>
-        <p:cTn id="1" dur="indefinite" restart="never" nodeType="tmRoot"/>
+        <p:cTn xmlns:p14="http://schemas.microsoft.com/office/powerpoint/2010/main" id="1" dur="indefinite" restart="never" nodeType="tmRoot"/>
       </p:par>
     </p:tnLst>
   </p:timing>
@@ -4619,7 +4619,7 @@
   <p:timing>
     <p:tnLst>
       <p:par>
-        <p:cTn id="1" dur="indefinite" restart="never" nodeType="tmRoot"/>
+        <p:cTn xmlns:p14="http://schemas.microsoft.com/office/powerpoint/2010/main" id="1" dur="indefinite" restart="never" nodeType="tmRoot"/>
       </p:par>
     </p:tnLst>
   </p:timing>
@@ -4774,7 +4774,7 @@
   <p:timing>
     <p:tnLst>
       <p:par>
-        <p:cTn id="1" dur="indefinite" restart="never" nodeType="tmRoot"/>
+        <p:cTn xmlns:p14="http://schemas.microsoft.com/office/powerpoint/2010/main" id="1" dur="indefinite" restart="never" nodeType="tmRoot"/>
       </p:par>
     </p:tnLst>
   </p:timing>
@@ -4928,7 +4928,7 @@
   <p:timing>
     <p:tnLst>
       <p:par>
-        <p:cTn id="1" dur="indefinite" restart="never" nodeType="tmRoot"/>
+        <p:cTn xmlns:p14="http://schemas.microsoft.com/office/powerpoint/2010/main" id="1" dur="indefinite" restart="never" nodeType="tmRoot"/>
       </p:par>
     </p:tnLst>
   </p:timing>
@@ -5052,7 +5052,7 @@
   <p:timing>
     <p:tnLst>
       <p:par>
-        <p:cTn id="1" dur="indefinite" restart="never" nodeType="tmRoot"/>
+        <p:cTn xmlns:p14="http://schemas.microsoft.com/office/powerpoint/2010/main" id="1" dur="indefinite" restart="never" nodeType="tmRoot"/>
       </p:par>
     </p:tnLst>
   </p:timing>
@@ -5176,7 +5176,7 @@
   <p:timing>
     <p:tnLst>
       <p:par>
-        <p:cTn id="1" dur="indefinite" restart="never" nodeType="tmRoot"/>
+        <p:cTn xmlns:p14="http://schemas.microsoft.com/office/powerpoint/2010/main" id="1" dur="indefinite" restart="never" nodeType="tmRoot"/>
       </p:par>
     </p:tnLst>
   </p:timing>
@@ -5388,7 +5388,7 @@
   <p:timing>
     <p:tnLst>
       <p:par>
-        <p:cTn id="1" dur="indefinite" restart="never" nodeType="tmRoot"/>
+        <p:cTn xmlns:p14="http://schemas.microsoft.com/office/powerpoint/2010/main" id="1" dur="indefinite" restart="never" nodeType="tmRoot"/>
       </p:par>
     </p:tnLst>
   </p:timing>
@@ -5555,7 +5555,7 @@
   <p:timing>
     <p:tnLst>
       <p:par>
-        <p:cTn id="1" dur="indefinite" restart="never" nodeType="tmRoot"/>
+        <p:cTn xmlns:p14="http://schemas.microsoft.com/office/powerpoint/2010/main" id="1" dur="indefinite" restart="never" nodeType="tmRoot"/>
       </p:par>
     </p:tnLst>
   </p:timing>
@@ -5773,8 +5773,8 @@
               <a:t>Application </a:t>
             </a:r>
             <a:r>
-              <a:rPr lang="en-US" dirty="0" err="1" smtClean="0"/>
-              <a:t>developpers</a:t>
+              <a:rPr lang="en-US" dirty="0" smtClean="0"/>
+              <a:t>developers</a:t>
             </a:r>
             <a:r>
               <a:rPr lang="en-US" dirty="0" smtClean="0"/>
@@ -5979,7 +5979,7 @@
   <p:timing>
     <p:tnLst>
       <p:par>
-        <p:cTn id="1" dur="indefinite" restart="never" nodeType="tmRoot"/>
+        <p:cTn xmlns:p14="http://schemas.microsoft.com/office/powerpoint/2010/main" id="1" dur="indefinite" restart="never" nodeType="tmRoot"/>
       </p:par>
     </p:tnLst>
   </p:timing>
@@ -6131,7 +6131,7 @@
   <p:timing>
     <p:tnLst>
       <p:par>
-        <p:cTn id="1" dur="indefinite" restart="never" nodeType="tmRoot"/>
+        <p:cTn xmlns:p14="http://schemas.microsoft.com/office/powerpoint/2010/main" id="1" dur="indefinite" restart="never" nodeType="tmRoot"/>
       </p:par>
     </p:tnLst>
   </p:timing>
@@ -6453,7 +6453,7 @@
   <p:timing>
     <p:tnLst>
       <p:par>
-        <p:cTn id="1" dur="indefinite" restart="never" nodeType="tmRoot"/>
+        <p:cTn xmlns:p14="http://schemas.microsoft.com/office/powerpoint/2010/main" id="1" dur="indefinite" restart="never" nodeType="tmRoot"/>
       </p:par>
     </p:tnLst>
   </p:timing>
@@ -6557,7 +6557,7 @@
   <p:timing>
     <p:tnLst>
       <p:par>
-        <p:cTn id="1" dur="indefinite" restart="never" nodeType="tmRoot"/>
+        <p:cTn xmlns:p14="http://schemas.microsoft.com/office/powerpoint/2010/main" id="1" dur="indefinite" restart="never" nodeType="tmRoot"/>
       </p:par>
     </p:tnLst>
   </p:timing>
@@ -6706,7 +6706,7 @@
   <p:timing>
     <p:tnLst>
       <p:par>
-        <p:cTn id="1" dur="indefinite" restart="never" nodeType="tmRoot"/>
+        <p:cTn xmlns:p14="http://schemas.microsoft.com/office/powerpoint/2010/main" id="1" dur="indefinite" restart="never" nodeType="tmRoot"/>
       </p:par>
     </p:tnLst>
   </p:timing>

--- a/slides/HotI-2011/2011-HotI-CCI-OLCF.pptx
+++ b/slides/HotI-2011/2011-HotI-CCI-OLCF.pptx
@@ -5,37 +5,41 @@
     <p:sldMasterId id="2147483915" r:id="rId1"/>
   </p:sldMasterIdLst>
   <p:notesMasterIdLst>
-    <p:notesMasterId r:id="rId30"/>
+    <p:notesMasterId r:id="rId31"/>
   </p:notesMasterIdLst>
+  <p:handoutMasterIdLst>
+    <p:handoutMasterId r:id="rId32"/>
+  </p:handoutMasterIdLst>
   <p:sldIdLst>
     <p:sldId id="275" r:id="rId2"/>
-    <p:sldId id="276" r:id="rId3"/>
-    <p:sldId id="303" r:id="rId4"/>
-    <p:sldId id="304" r:id="rId5"/>
-    <p:sldId id="300" r:id="rId6"/>
-    <p:sldId id="301" r:id="rId7"/>
-    <p:sldId id="302" r:id="rId8"/>
-    <p:sldId id="279" r:id="rId9"/>
-    <p:sldId id="280" r:id="rId10"/>
-    <p:sldId id="281" r:id="rId11"/>
-    <p:sldId id="282" r:id="rId12"/>
-    <p:sldId id="283" r:id="rId13"/>
-    <p:sldId id="284" r:id="rId14"/>
-    <p:sldId id="285" r:id="rId15"/>
-    <p:sldId id="286" r:id="rId16"/>
-    <p:sldId id="287" r:id="rId17"/>
-    <p:sldId id="288" r:id="rId18"/>
-    <p:sldId id="289" r:id="rId19"/>
-    <p:sldId id="290" r:id="rId20"/>
-    <p:sldId id="291" r:id="rId21"/>
-    <p:sldId id="292" r:id="rId22"/>
-    <p:sldId id="293" r:id="rId23"/>
-    <p:sldId id="294" r:id="rId24"/>
-    <p:sldId id="295" r:id="rId25"/>
-    <p:sldId id="296" r:id="rId26"/>
-    <p:sldId id="297" r:id="rId27"/>
-    <p:sldId id="298" r:id="rId28"/>
-    <p:sldId id="299" r:id="rId29"/>
+    <p:sldId id="303" r:id="rId3"/>
+    <p:sldId id="304" r:id="rId4"/>
+    <p:sldId id="300" r:id="rId5"/>
+    <p:sldId id="301" r:id="rId6"/>
+    <p:sldId id="279" r:id="rId7"/>
+    <p:sldId id="280" r:id="rId8"/>
+    <p:sldId id="281" r:id="rId9"/>
+    <p:sldId id="282" r:id="rId10"/>
+    <p:sldId id="283" r:id="rId11"/>
+    <p:sldId id="284" r:id="rId12"/>
+    <p:sldId id="289" r:id="rId13"/>
+    <p:sldId id="290" r:id="rId14"/>
+    <p:sldId id="291" r:id="rId15"/>
+    <p:sldId id="292" r:id="rId16"/>
+    <p:sldId id="293" r:id="rId17"/>
+    <p:sldId id="294" r:id="rId18"/>
+    <p:sldId id="295" r:id="rId19"/>
+    <p:sldId id="296" r:id="rId20"/>
+    <p:sldId id="297" r:id="rId21"/>
+    <p:sldId id="298" r:id="rId22"/>
+    <p:sldId id="299" r:id="rId23"/>
+    <p:sldId id="305" r:id="rId24"/>
+    <p:sldId id="276" r:id="rId25"/>
+    <p:sldId id="302" r:id="rId26"/>
+    <p:sldId id="285" r:id="rId27"/>
+    <p:sldId id="286" r:id="rId28"/>
+    <p:sldId id="287" r:id="rId29"/>
+    <p:sldId id="288" r:id="rId30"/>
   </p:sldIdLst>
   <p:sldSz cx="9144000" cy="6858000" type="screen4x3"/>
   <p:notesSz cx="7010400" cy="9296400"/>
@@ -167,6 +171,171 @@
 </p:presentation>
 </file>
 
+<file path=ppt/handoutMasters/handoutMaster1.xml><?xml version="1.0" encoding="utf-8"?>
+<p:handoutMaster xmlns:a="http://schemas.openxmlformats.org/drawingml/2006/main" xmlns:r="http://schemas.openxmlformats.org/officeDocument/2006/relationships" xmlns:p="http://schemas.openxmlformats.org/presentationml/2006/main">
+  <p:cSld>
+    <p:bg>
+      <p:bgRef idx="1001">
+        <a:schemeClr val="bg1"/>
+      </p:bgRef>
+    </p:bg>
+    <p:spTree>
+      <p:nvGrpSpPr>
+        <p:cNvPr id="1" name=""/>
+        <p:cNvGrpSpPr/>
+        <p:nvPr/>
+      </p:nvGrpSpPr>
+      <p:grpSpPr>
+        <a:xfrm>
+          <a:off x="0" y="0"/>
+          <a:ext cx="0" cy="0"/>
+          <a:chOff x="0" y="0"/>
+          <a:chExt cx="0" cy="0"/>
+        </a:xfrm>
+      </p:grpSpPr>
+      <p:sp>
+        <p:nvSpPr>
+          <p:cNvPr id="2" name="Header Placeholder 1"/>
+          <p:cNvSpPr>
+            <a:spLocks noGrp="1"/>
+          </p:cNvSpPr>
+          <p:nvPr>
+            <p:ph type="hdr" sz="quarter"/>
+          </p:nvPr>
+        </p:nvSpPr>
+        <p:spPr>
+          <a:xfrm>
+            <a:off x="0" y="0"/>
+            <a:ext cx="3038475" cy="465138"/>
+          </a:xfrm>
+          <a:prstGeom prst="rect">
+            <a:avLst/>
+          </a:prstGeom>
+        </p:spPr>
+        <p:txBody>
+          <a:bodyPr vert="horz" lIns="91440" tIns="45720" rIns="91440" bIns="45720" rtlCol="0"/>
+          <a:lstStyle>
+            <a:lvl1pPr algn="l">
+              <a:defRPr sz="1200"/>
+            </a:lvl1pPr>
+          </a:lstStyle>
+          <a:p>
+            <a:endParaRPr lang="en-US"/>
+          </a:p>
+        </p:txBody>
+      </p:sp>
+      <p:sp>
+        <p:nvSpPr>
+          <p:cNvPr id="3" name="Date Placeholder 2"/>
+          <p:cNvSpPr>
+            <a:spLocks noGrp="1"/>
+          </p:cNvSpPr>
+          <p:nvPr>
+            <p:ph type="dt" sz="quarter" idx="1"/>
+          </p:nvPr>
+        </p:nvSpPr>
+        <p:spPr>
+          <a:xfrm>
+            <a:off x="3970338" y="0"/>
+            <a:ext cx="3038475" cy="465138"/>
+          </a:xfrm>
+          <a:prstGeom prst="rect">
+            <a:avLst/>
+          </a:prstGeom>
+        </p:spPr>
+        <p:txBody>
+          <a:bodyPr vert="horz" lIns="91440" tIns="45720" rIns="91440" bIns="45720" rtlCol="0"/>
+          <a:lstStyle>
+            <a:lvl1pPr algn="r">
+              <a:defRPr sz="1200"/>
+            </a:lvl1pPr>
+          </a:lstStyle>
+          <a:p>
+            <a:fld id="{5290C00C-D5EF-1542-A8A4-E1D7EA8D797B}" type="datetimeFigureOut">
+              <a:rPr lang="en-US" smtClean="0"/>
+              <a:t>8/23/11</a:t>
+            </a:fld>
+            <a:endParaRPr lang="en-US"/>
+          </a:p>
+        </p:txBody>
+      </p:sp>
+      <p:sp>
+        <p:nvSpPr>
+          <p:cNvPr id="4" name="Footer Placeholder 3"/>
+          <p:cNvSpPr>
+            <a:spLocks noGrp="1"/>
+          </p:cNvSpPr>
+          <p:nvPr>
+            <p:ph type="ftr" sz="quarter" idx="2"/>
+          </p:nvPr>
+        </p:nvSpPr>
+        <p:spPr>
+          <a:xfrm>
+            <a:off x="0" y="8829675"/>
+            <a:ext cx="3038475" cy="465138"/>
+          </a:xfrm>
+          <a:prstGeom prst="rect">
+            <a:avLst/>
+          </a:prstGeom>
+        </p:spPr>
+        <p:txBody>
+          <a:bodyPr vert="horz" lIns="91440" tIns="45720" rIns="91440" bIns="45720" rtlCol="0" anchor="b"/>
+          <a:lstStyle>
+            <a:lvl1pPr algn="l">
+              <a:defRPr sz="1200"/>
+            </a:lvl1pPr>
+          </a:lstStyle>
+          <a:p>
+            <a:endParaRPr lang="en-US"/>
+          </a:p>
+        </p:txBody>
+      </p:sp>
+      <p:sp>
+        <p:nvSpPr>
+          <p:cNvPr id="5" name="Slide Number Placeholder 4"/>
+          <p:cNvSpPr>
+            <a:spLocks noGrp="1"/>
+          </p:cNvSpPr>
+          <p:nvPr>
+            <p:ph type="sldNum" sz="quarter" idx="3"/>
+          </p:nvPr>
+        </p:nvSpPr>
+        <p:spPr>
+          <a:xfrm>
+            <a:off x="3970338" y="8829675"/>
+            <a:ext cx="3038475" cy="465138"/>
+          </a:xfrm>
+          <a:prstGeom prst="rect">
+            <a:avLst/>
+          </a:prstGeom>
+        </p:spPr>
+        <p:txBody>
+          <a:bodyPr vert="horz" lIns="91440" tIns="45720" rIns="91440" bIns="45720" rtlCol="0" anchor="b"/>
+          <a:lstStyle>
+            <a:lvl1pPr algn="r">
+              <a:defRPr sz="1200"/>
+            </a:lvl1pPr>
+          </a:lstStyle>
+          <a:p>
+            <a:fld id="{795C1400-1723-8F4C-B800-2889E05C8FC2}" type="slidenum">
+              <a:rPr lang="en-US" smtClean="0"/>
+              <a:t>‹#›</a:t>
+            </a:fld>
+            <a:endParaRPr lang="en-US"/>
+          </a:p>
+        </p:txBody>
+      </p:sp>
+    </p:spTree>
+    <p:extLst>
+      <p:ext uri="{BB962C8B-B14F-4D97-AF65-F5344CB8AC3E}">
+        <p14:creationId xmlns:p14="http://schemas.microsoft.com/office/powerpoint/2010/main" val="1665329540"/>
+      </p:ext>
+    </p:extLst>
+  </p:cSld>
+  <p:clrMap bg1="lt1" tx1="dk1" bg2="lt2" tx2="dk2" accent1="accent1" accent2="accent2" accent3="accent3" accent4="accent4" accent5="accent5" accent6="accent6" hlink="hlink" folHlink="folHlink"/>
+</p:handoutMaster>
+</file>
+
 <file path=ppt/notesMasters/notesMaster1.xml><?xml version="1.0" encoding="utf-8"?>
 <p:notesMaster xmlns:a="http://schemas.openxmlformats.org/drawingml/2006/main" xmlns:r="http://schemas.openxmlformats.org/officeDocument/2006/relationships" xmlns:p="http://schemas.openxmlformats.org/presentationml/2006/main">
   <p:cSld>
@@ -603,7 +772,7 @@
             <a:fld id="{A3588623-9414-4A4F-B728-DDF491331B9F}" type="slidenum">
               <a:rPr lang="en-US" smtClean="0"/>
               <a:pPr/>
-              <a:t>8</a:t>
+              <a:t>6</a:t>
             </a:fld>
             <a:endParaRPr lang="en-US"/>
           </a:p>
@@ -897,32 +1066,6 @@
           </a:prstGeom>
         </p:spPr>
       </p:pic>
-      <p:pic>
-        <p:nvPicPr>
-          <p:cNvPr id="1027" name="Picture 3" descr="C:\Users\qjs\Desktop\OLCFlogoOfficial.png"/>
-          <p:cNvPicPr>
-            <a:picLocks noChangeAspect="1" noChangeArrowheads="1"/>
-          </p:cNvPicPr>
-          <p:nvPr userDrawn="1"/>
-        </p:nvPicPr>
-        <p:blipFill>
-          <a:blip r:embed="rId4" cstate="screen"/>
-          <a:srcRect/>
-          <a:stretch>
-            <a:fillRect/>
-          </a:stretch>
-        </p:blipFill>
-        <p:spPr bwMode="auto">
-          <a:xfrm>
-            <a:off x="366713" y="1950839"/>
-            <a:ext cx="3919537" cy="1011435"/>
-          </a:xfrm>
-          <a:prstGeom prst="rect">
-            <a:avLst/>
-          </a:prstGeom>
-          <a:noFill/>
-        </p:spPr>
-      </p:pic>
     </p:spTree>
   </p:cSld>
   <p:clrMapOvr>
@@ -981,45 +1124,50 @@
             <p:ph idx="1"/>
           </p:nvPr>
         </p:nvSpPr>
-        <p:spPr/>
+        <p:spPr>
+          <a:xfrm>
+            <a:off x="111204" y="1125025"/>
+            <a:ext cx="8229600" cy="2024144"/>
+          </a:xfrm>
+        </p:spPr>
         <p:txBody>
           <a:bodyPr/>
           <a:lstStyle/>
           <a:p>
             <a:pPr lvl="0"/>
             <a:r>
-              <a:rPr lang="en-US" smtClean="0"/>
+              <a:rPr lang="en-US" dirty="0" smtClean="0"/>
               <a:t>Click to edit Master text styles</a:t>
             </a:r>
           </a:p>
           <a:p>
             <a:pPr lvl="1"/>
             <a:r>
-              <a:rPr lang="en-US" smtClean="0"/>
+              <a:rPr lang="en-US" dirty="0" smtClean="0"/>
               <a:t>Second level</a:t>
             </a:r>
           </a:p>
           <a:p>
             <a:pPr lvl="2"/>
             <a:r>
-              <a:rPr lang="en-US" smtClean="0"/>
+              <a:rPr lang="en-US" dirty="0" smtClean="0"/>
               <a:t>Third level</a:t>
             </a:r>
           </a:p>
           <a:p>
             <a:pPr lvl="3"/>
             <a:r>
-              <a:rPr lang="en-US" smtClean="0"/>
+              <a:rPr lang="en-US" dirty="0" smtClean="0"/>
               <a:t>Fourth level</a:t>
             </a:r>
           </a:p>
           <a:p>
             <a:pPr lvl="4"/>
             <a:r>
-              <a:rPr lang="en-US" smtClean="0"/>
+              <a:rPr lang="en-US" dirty="0" smtClean="0"/>
               <a:t>Fifth level</a:t>
             </a:r>
-            <a:endParaRPr lang="en-US"/>
+            <a:endParaRPr lang="en-US" dirty="0"/>
           </a:p>
         </p:txBody>
       </p:sp>
@@ -1083,7 +1231,7 @@
         </p:nvSpPr>
         <p:spPr>
           <a:xfrm>
-            <a:off x="457200" y="1600200"/>
+            <a:off x="420563" y="1294925"/>
             <a:ext cx="4038600" cy="4525963"/>
           </a:xfrm>
         </p:spPr>
@@ -1121,38 +1269,38 @@
           <a:p>
             <a:pPr lvl="0"/>
             <a:r>
-              <a:rPr lang="en-US" smtClean="0"/>
+              <a:rPr lang="en-US" dirty="0" smtClean="0"/>
               <a:t>Click to edit Master text styles</a:t>
             </a:r>
           </a:p>
           <a:p>
             <a:pPr lvl="1"/>
             <a:r>
-              <a:rPr lang="en-US" smtClean="0"/>
+              <a:rPr lang="en-US" dirty="0" smtClean="0"/>
               <a:t>Second level</a:t>
             </a:r>
           </a:p>
           <a:p>
             <a:pPr lvl="2"/>
             <a:r>
-              <a:rPr lang="en-US" smtClean="0"/>
+              <a:rPr lang="en-US" dirty="0" smtClean="0"/>
               <a:t>Third level</a:t>
             </a:r>
           </a:p>
           <a:p>
             <a:pPr lvl="3"/>
             <a:r>
-              <a:rPr lang="en-US" smtClean="0"/>
+              <a:rPr lang="en-US" dirty="0" smtClean="0"/>
               <a:t>Fourth level</a:t>
             </a:r>
           </a:p>
           <a:p>
             <a:pPr lvl="4"/>
             <a:r>
-              <a:rPr lang="en-US" smtClean="0"/>
+              <a:rPr lang="en-US" dirty="0" smtClean="0"/>
               <a:t>Fifth level</a:t>
             </a:r>
-            <a:endParaRPr lang="en-US"/>
+            <a:endParaRPr lang="en-US" dirty="0"/>
           </a:p>
         </p:txBody>
       </p:sp>
@@ -1168,7 +1316,7 @@
         </p:nvSpPr>
         <p:spPr>
           <a:xfrm>
-            <a:off x="4648200" y="1600200"/>
+            <a:off x="4611563" y="1294925"/>
             <a:ext cx="4038600" cy="4525963"/>
           </a:xfrm>
         </p:spPr>
@@ -1305,7 +1453,7 @@
         </p:nvSpPr>
         <p:spPr>
           <a:xfrm>
-            <a:off x="457200" y="1535113"/>
+            <a:off x="469413" y="1180994"/>
             <a:ext cx="4040188" cy="639762"/>
           </a:xfrm>
         </p:spPr>
@@ -1370,7 +1518,7 @@
         </p:nvSpPr>
         <p:spPr>
           <a:xfrm>
-            <a:off x="457200" y="2174875"/>
+            <a:off x="469413" y="1820756"/>
             <a:ext cx="4040188" cy="3951288"/>
           </a:xfrm>
         </p:spPr>
@@ -1455,7 +1603,7 @@
         </p:nvSpPr>
         <p:spPr>
           <a:xfrm>
-            <a:off x="4645025" y="1535113"/>
+            <a:off x="4657238" y="1180994"/>
             <a:ext cx="4041775" cy="639762"/>
           </a:xfrm>
         </p:spPr>
@@ -1520,7 +1668,7 @@
         </p:nvSpPr>
         <p:spPr>
           <a:xfrm>
-            <a:off x="4645025" y="2174875"/>
+            <a:off x="4657238" y="1820756"/>
             <a:ext cx="4041775" cy="3951288"/>
           </a:xfrm>
         </p:spPr>
@@ -2308,16 +2456,17 @@
         </p:nvSpPr>
         <p:spPr>
           <a:xfrm>
-            <a:off x="4666593" y="817312"/>
-            <a:ext cx="4325007" cy="415498"/>
+            <a:off x="0" y="483101"/>
+            <a:ext cx="9144000" cy="577081"/>
           </a:xfrm>
         </p:spPr>
         <p:txBody>
           <a:bodyPr/>
           <a:lstStyle/>
           <a:p>
-            <a:r>
-              <a:rPr lang="en-US" dirty="0"/>
+            <a:pPr algn="ctr"/>
+            <a:r>
+              <a:rPr lang="en-US" sz="3600" dirty="0"/>
               <a:t>CCI</a:t>
             </a:r>
           </a:p>
@@ -2335,34 +2484,175 @@
         </p:nvSpPr>
         <p:spPr>
           <a:xfrm>
-            <a:off x="6248400" y="3061150"/>
-            <a:ext cx="2743200" cy="644279"/>
+            <a:off x="1203158" y="2496969"/>
+            <a:ext cx="6844632" cy="3344505"/>
           </a:xfrm>
         </p:spPr>
         <p:txBody>
           <a:bodyPr/>
           <a:lstStyle/>
           <a:p>
-            <a:pPr>
-              <a:spcBef>
-                <a:spcPts val="600"/>
-              </a:spcBef>
+            <a:pPr algn="ctr">
+              <a:lnSpc>
+                <a:spcPct val="50000"/>
+              </a:lnSpc>
             </a:pPr>
             <a:r>
-              <a:rPr lang="en-US" dirty="0"/>
-              <a:t>Galen Shipman</a:t>
-            </a:r>
-          </a:p>
-          <a:p>
-            <a:pPr>
-              <a:spcBef>
-                <a:spcPts val="600"/>
-              </a:spcBef>
+              <a:rPr lang="en-US" sz="1600" b="0" dirty="0"/>
+              <a:t>Scott </a:t>
+            </a:r>
+            <a:r>
+              <a:rPr lang="en-US" sz="1600" b="0" dirty="0" err="1" smtClean="0"/>
+              <a:t>Atchley</a:t>
+            </a:r>
+            <a:r>
+              <a:rPr lang="en-US" sz="1600" b="0" dirty="0" smtClean="0"/>
+              <a:t>, </a:t>
+            </a:r>
+            <a:r>
+              <a:rPr lang="en-US" sz="1600" b="0" dirty="0"/>
+              <a:t>David </a:t>
+            </a:r>
+            <a:r>
+              <a:rPr lang="en-US" sz="1600" b="0" dirty="0" err="1" smtClean="0"/>
+              <a:t>Dillow</a:t>
+            </a:r>
+            <a:r>
+              <a:rPr lang="en-US" sz="1600" b="0" dirty="0" smtClean="0"/>
+              <a:t>, </a:t>
+            </a:r>
+            <a:r>
+              <a:rPr lang="en-US" sz="1600" b="0" dirty="0"/>
+              <a:t>Galen </a:t>
+            </a:r>
+            <a:r>
+              <a:rPr lang="en-US" sz="1600" b="0" dirty="0" smtClean="0"/>
+              <a:t>Shipman</a:t>
+            </a:r>
+          </a:p>
+          <a:p>
+            <a:pPr algn="ctr">
+              <a:lnSpc>
+                <a:spcPct val="50000"/>
+              </a:lnSpc>
             </a:pPr>
             <a:r>
+              <a:rPr lang="en-US" sz="1600" b="0" i="1" dirty="0" smtClean="0"/>
+              <a:t>Oak Ridge National Laboratory</a:t>
+            </a:r>
+          </a:p>
+          <a:p>
+            <a:pPr algn="ctr">
+              <a:lnSpc>
+                <a:spcPct val="50000"/>
+              </a:lnSpc>
+            </a:pPr>
+            <a:r>
+              <a:rPr lang="en-US" sz="1600" b="0" dirty="0" smtClean="0"/>
+              <a:t>Patrick </a:t>
+            </a:r>
+            <a:r>
+              <a:rPr lang="en-US" sz="1600" b="0" dirty="0" err="1" smtClean="0"/>
+              <a:t>Geoffray</a:t>
+            </a:r>
+            <a:endParaRPr lang="en-US" sz="1600" b="0" dirty="0" smtClean="0"/>
+          </a:p>
+          <a:p>
+            <a:pPr algn="ctr">
+              <a:lnSpc>
+                <a:spcPct val="50000"/>
+              </a:lnSpc>
+            </a:pPr>
+            <a:r>
+              <a:rPr lang="en-US" sz="1600" b="0" i="1" dirty="0" err="1" smtClean="0"/>
+              <a:t>Myricom</a:t>
+            </a:r>
+            <a:endParaRPr lang="en-US" sz="1600" b="0" i="1" dirty="0" smtClean="0"/>
+          </a:p>
+          <a:p>
+            <a:pPr algn="ctr">
+              <a:lnSpc>
+                <a:spcPct val="50000"/>
+              </a:lnSpc>
+            </a:pPr>
+            <a:r>
+              <a:rPr lang="en-US" sz="1600" b="0" dirty="0" smtClean="0"/>
+              <a:t>Jeffrey </a:t>
+            </a:r>
+            <a:r>
+              <a:rPr lang="en-US" sz="1600" b="0" dirty="0" err="1" smtClean="0"/>
+              <a:t>Squyres</a:t>
+            </a:r>
+            <a:endParaRPr lang="en-US" sz="1600" b="0" dirty="0" smtClean="0"/>
+          </a:p>
+          <a:p>
+            <a:pPr algn="ctr">
+              <a:lnSpc>
+                <a:spcPct val="50000"/>
+              </a:lnSpc>
+            </a:pPr>
+            <a:r>
+              <a:rPr lang="en-US" sz="1600" b="0" i="1" dirty="0" smtClean="0"/>
+              <a:t>Cisco Systems, Inc.</a:t>
+            </a:r>
+          </a:p>
+          <a:p>
+            <a:pPr algn="ctr">
+              <a:lnSpc>
+                <a:spcPct val="50000"/>
+              </a:lnSpc>
+            </a:pPr>
+            <a:r>
               <a:rPr lang="en-US" sz="1600" b="0" dirty="0"/>
-              <a:t>Technology Integration</a:t>
-            </a:r>
+              <a:t>George </a:t>
+            </a:r>
+            <a:r>
+              <a:rPr lang="en-US" sz="1600" b="0" dirty="0" err="1" smtClean="0"/>
+              <a:t>Bosilca</a:t>
+            </a:r>
+            <a:endParaRPr lang="en-US" sz="1600" b="0" dirty="0" smtClean="0"/>
+          </a:p>
+          <a:p>
+            <a:pPr algn="ctr">
+              <a:lnSpc>
+                <a:spcPct val="50000"/>
+              </a:lnSpc>
+            </a:pPr>
+            <a:r>
+              <a:rPr lang="en-US" sz="1600" b="0" i="1" dirty="0" smtClean="0"/>
+              <a:t>University of Tennessee</a:t>
+            </a:r>
+          </a:p>
+          <a:p>
+            <a:pPr algn="ctr">
+              <a:lnSpc>
+                <a:spcPct val="50000"/>
+              </a:lnSpc>
+            </a:pPr>
+            <a:r>
+              <a:rPr lang="en-US" sz="1600" b="0" dirty="0" smtClean="0"/>
+              <a:t>Ronald </a:t>
+            </a:r>
+            <a:r>
+              <a:rPr lang="en-US" sz="1600" b="0" dirty="0" err="1" smtClean="0"/>
+              <a:t>Minnich</a:t>
+            </a:r>
+            <a:endParaRPr lang="en-US" sz="1600" b="0" dirty="0" smtClean="0"/>
+          </a:p>
+          <a:p>
+            <a:pPr algn="ctr">
+              <a:lnSpc>
+                <a:spcPct val="50000"/>
+              </a:lnSpc>
+            </a:pPr>
+            <a:r>
+              <a:rPr lang="en-US" sz="1600" b="0" i="1" dirty="0" smtClean="0"/>
+              <a:t>Sandia National Laboratories, Livermore</a:t>
+            </a:r>
+          </a:p>
+          <a:p>
+            <a:pPr algn="ctr"/>
+            <a:endParaRPr lang="en-US" sz="1600" b="0" dirty="0"/>
           </a:p>
         </p:txBody>
       </p:sp>
@@ -2376,8 +2666,8 @@
         </p:nvSpPr>
         <p:spPr>
           <a:xfrm>
-            <a:off x="6254265" y="1269451"/>
-            <a:ext cx="2743200" cy="998735"/>
+            <a:off x="3114842" y="1162504"/>
+            <a:ext cx="2928202" cy="998735"/>
           </a:xfrm>
           <a:prstGeom prst="rect">
             <a:avLst/>
@@ -2589,18 +2879,19 @@
             </a:lvl9pPr>
           </a:lstStyle>
           <a:p>
-            <a:pPr>
+            <a:pPr algn="ctr">
               <a:spcBef>
                 <a:spcPts val="600"/>
               </a:spcBef>
             </a:pPr>
             <a:r>
-              <a:rPr lang="en-US" dirty="0"/>
+              <a:rPr lang="en-US" dirty="0" smtClean="0"/>
               <a:t>Common</a:t>
             </a:r>
-          </a:p>
-          <a:p>
-            <a:pPr>
+            <a:endParaRPr lang="en-US" dirty="0"/>
+          </a:p>
+          <a:p>
+            <a:pPr algn="ctr">
               <a:spcBef>
                 <a:spcPts val="600"/>
               </a:spcBef>
@@ -2611,7 +2902,7 @@
             </a:r>
           </a:p>
           <a:p>
-            <a:pPr>
+            <a:pPr algn="ctr">
               <a:spcBef>
                 <a:spcPts val="600"/>
               </a:spcBef>
@@ -2699,8 +2990,8 @@
         </p:nvSpPr>
         <p:spPr>
           <a:xfrm>
-            <a:off x="111204" y="1143000"/>
-            <a:ext cx="8229600" cy="5395809"/>
+            <a:off x="111204" y="1344823"/>
+            <a:ext cx="8229600" cy="2871555"/>
           </a:xfrm>
         </p:spPr>
         <p:txBody>
@@ -2708,96 +2999,54 @@
           <a:lstStyle/>
           <a:p>
             <a:r>
-              <a:rPr lang="en-US" sz="2400" dirty="0"/>
-              <a:t>Dominant interface in HPC</a:t>
-            </a:r>
-          </a:p>
-          <a:p>
-            <a:r>
-              <a:rPr lang="en-US" sz="2400" dirty="0"/>
-              <a:t>Provides scalability</a:t>
-            </a:r>
-          </a:p>
-          <a:p>
-            <a:r>
-              <a:rPr lang="en-US" sz="2400" dirty="0"/>
-              <a:t>Rich API (i.e. complicated)</a:t>
-            </a:r>
-          </a:p>
-          <a:p>
-            <a:r>
-              <a:rPr lang="en-US" sz="2400" dirty="0"/>
-              <a:t>Point-to-point, collective, and one-sided</a:t>
-            </a:r>
-          </a:p>
-          <a:p>
-            <a:r>
-              <a:rPr lang="en-US" sz="2400" dirty="0"/>
-              <a:t>Blocking and non-blocking</a:t>
-            </a:r>
-          </a:p>
-          <a:p>
-            <a:r>
-              <a:rPr lang="en-US" sz="2400" dirty="0"/>
-              <a:t>Synchronous, asynchronous, and ready modes</a:t>
-            </a:r>
-          </a:p>
-          <a:p>
-            <a:r>
-              <a:rPr lang="en-US" sz="2400" dirty="0"/>
-              <a:t>Uses communication groups (communicators)</a:t>
-            </a:r>
-          </a:p>
-          <a:p>
-            <a:pPr lvl="1"/>
-            <a:r>
-              <a:rPr lang="en-US" sz="2100" dirty="0"/>
-              <a:t>May include all process or a subset of processes</a:t>
-            </a:r>
-          </a:p>
-          <a:p>
-            <a:r>
-              <a:rPr lang="en-US" sz="2400" dirty="0"/>
-              <a:t>Does provide a notion of dynamic process management</a:t>
-            </a:r>
-          </a:p>
-          <a:p>
-            <a:pPr lvl="1"/>
-            <a:r>
-              <a:rPr lang="en-US" sz="2100" dirty="0" err="1"/>
-              <a:t>Accept</a:t>
-            </a:r>
-            <a:r>
-              <a:rPr lang="en-US" sz="2100" dirty="0"/>
-              <a:t>(), </a:t>
-            </a:r>
-            <a:r>
-              <a:rPr lang="en-US" sz="2100" dirty="0" err="1"/>
-              <a:t>Connect</a:t>
-            </a:r>
-            <a:r>
-              <a:rPr lang="en-US" sz="2100" dirty="0"/>
-              <a:t>() immature, infrequently provided, and much less used</a:t>
-            </a:r>
-          </a:p>
-          <a:p>
-            <a:pPr lvl="1"/>
-            <a:r>
-              <a:rPr lang="en-US" sz="2100" dirty="0"/>
-              <a:t>Imposes high overhead, not </a:t>
-            </a:r>
-            <a:r>
-              <a:rPr lang="en-US" sz="2100" dirty="0" err="1"/>
-              <a:t>performant</a:t>
-            </a:r>
-            <a:endParaRPr lang="en-US" sz="2100" dirty="0"/>
+              <a:rPr lang="en-US" dirty="0"/>
+              <a:t>Rigid fault model</a:t>
+            </a:r>
+          </a:p>
+          <a:p>
+            <a:pPr lvl="1"/>
+            <a:r>
+              <a:rPr lang="en-US" dirty="0"/>
+              <a:t>Default mode is all errors trigger abort</a:t>
+            </a:r>
+          </a:p>
+          <a:p>
+            <a:pPr lvl="1"/>
+            <a:r>
+              <a:rPr lang="en-US" dirty="0"/>
+              <a:t>Optionally may have errors return</a:t>
+            </a:r>
+          </a:p>
+          <a:p>
+            <a:pPr lvl="2"/>
+            <a:r>
+              <a:rPr lang="en-US" dirty="0"/>
+              <a:t>Not clear how to handle missing </a:t>
+            </a:r>
+            <a:r>
+              <a:rPr lang="en-US" dirty="0" smtClean="0"/>
+              <a:t>peers</a:t>
+            </a:r>
+            <a:endParaRPr lang="en-US" dirty="0"/>
+          </a:p>
+          <a:p>
+            <a:r>
+              <a:rPr lang="en-US" dirty="0"/>
+              <a:t>Assumes reliable delivery</a:t>
+            </a:r>
+          </a:p>
+          <a:p>
+            <a:r>
+              <a:rPr lang="en-US" dirty="0"/>
+              <a:t>Requires ordered matching, but not ordered completion</a:t>
+            </a:r>
           </a:p>
         </p:txBody>
       </p:sp>
     </p:spTree>
     <p:extLst>
       <p:ext uri="{BB962C8B-B14F-4D97-AF65-F5344CB8AC3E}">
-        <p14:creationId xmlns:p14="http://schemas.microsoft.com/office/powerpoint/2010/main" val="2790947775"/>
+        <p14:creationId xmlns:p14="http://schemas.microsoft.com/office/powerpoint/2010/main" val="4166895635"/>
       </p:ext>
     </p:extLst>
   </p:cSld>
@@ -2853,7 +3102,7 @@
           <a:p>
             <a:r>
               <a:rPr lang="en-US" dirty="0"/>
-              <a:t>MPI</a:t>
+              <a:t>Specialized APIs</a:t>
             </a:r>
           </a:p>
         </p:txBody>
@@ -2870,71 +3119,170 @@
         </p:nvSpPr>
         <p:spPr>
           <a:xfrm>
-            <a:off x="111204" y="1344823"/>
-            <a:ext cx="8229600" cy="5584094"/>
-          </a:xfrm>
-        </p:spPr>
-        <p:txBody>
-          <a:bodyPr/>
+            <a:off x="111204" y="927100"/>
+            <a:ext cx="8229600" cy="5448299"/>
+          </a:xfrm>
+        </p:spPr>
+        <p:txBody>
+          <a:bodyPr>
+            <a:normAutofit fontScale="70000" lnSpcReduction="20000"/>
+          </a:bodyPr>
           <a:lstStyle/>
           <a:p>
             <a:r>
               <a:rPr lang="en-US" dirty="0"/>
-              <a:t>Point-to-point communication use two modes</a:t>
-            </a:r>
-          </a:p>
-          <a:p>
-            <a:pPr lvl="1"/>
-            <a:r>
-              <a:rPr lang="en-US" dirty="0"/>
-              <a:t>Eager and Rendezvous</a:t>
-            </a:r>
-          </a:p>
-          <a:p>
-            <a:r>
-              <a:rPr lang="en-US" dirty="0"/>
-              <a:t>Each MPI switches modes at different sizes depending on the network being used</a:t>
-            </a:r>
-          </a:p>
-          <a:p>
-            <a:pPr lvl="1"/>
-            <a:r>
-              <a:rPr lang="en-US" dirty="0"/>
-              <a:t>May be tunable, but users don’t want to tune</a:t>
-            </a:r>
-          </a:p>
-          <a:p>
-            <a:pPr lvl="1"/>
-            <a:r>
-              <a:rPr lang="en-US" dirty="0"/>
-              <a:t>May lead to buffer overruns or OOM on the receiver</a:t>
-            </a:r>
-          </a:p>
-          <a:p>
-            <a:r>
-              <a:rPr lang="en-US" dirty="0"/>
-              <a:t>Does not specify underlying network protocol</a:t>
-            </a:r>
-          </a:p>
-          <a:p>
-            <a:r>
-              <a:rPr lang="en-US" dirty="0"/>
-              <a:t>Each MPI implements a NAL</a:t>
-            </a:r>
-          </a:p>
-          <a:p>
-            <a:r>
-              <a:rPr lang="en-US" dirty="0"/>
-              <a:t>Less mature than Sockets</a:t>
-            </a:r>
-          </a:p>
-          <a:p>
-            <a:r>
-              <a:rPr lang="en-US" dirty="0"/>
-              <a:t>Well-defined standard (but implementations vary)</a:t>
-            </a:r>
-          </a:p>
-          <a:p>
+              <a:t>OFA </a:t>
+            </a:r>
+            <a:r>
+              <a:rPr lang="en-US" dirty="0" smtClean="0"/>
+              <a:t>Verbs </a:t>
+            </a:r>
+          </a:p>
+          <a:p>
+            <a:pPr lvl="1"/>
+            <a:r>
+              <a:rPr lang="en-US" dirty="0" smtClean="0"/>
+              <a:t>High level of complexity, vendor lock-in is a concern</a:t>
+            </a:r>
+            <a:endParaRPr lang="en-US" dirty="0"/>
+          </a:p>
+          <a:p>
+            <a:r>
+              <a:rPr lang="en-US" dirty="0"/>
+              <a:t>Cray/Sandia’s </a:t>
+            </a:r>
+            <a:r>
+              <a:rPr lang="en-US" dirty="0" smtClean="0"/>
+              <a:t>Portals</a:t>
+            </a:r>
+          </a:p>
+          <a:p>
+            <a:pPr lvl="1"/>
+            <a:r>
+              <a:rPr lang="en-US" dirty="0" smtClean="0"/>
+              <a:t>Highly specialized interface targeted towards HPC (MPI, SHMEM, UPC)</a:t>
+            </a:r>
+            <a:endParaRPr lang="en-US" dirty="0"/>
+          </a:p>
+          <a:p>
+            <a:r>
+              <a:rPr lang="en-US" dirty="0" err="1"/>
+              <a:t>Qlogics’s</a:t>
+            </a:r>
+            <a:r>
+              <a:rPr lang="en-US" dirty="0"/>
+              <a:t> </a:t>
+            </a:r>
+            <a:r>
+              <a:rPr lang="en-US" dirty="0" smtClean="0"/>
+              <a:t>PSM</a:t>
+            </a:r>
+          </a:p>
+          <a:p>
+            <a:pPr lvl="1"/>
+            <a:r>
+              <a:rPr lang="en-US" dirty="0" smtClean="0"/>
+              <a:t>Highly specialized interface targeted towards MPI </a:t>
+            </a:r>
+            <a:endParaRPr lang="en-US" dirty="0"/>
+          </a:p>
+          <a:p>
+            <a:r>
+              <a:rPr lang="en-US" dirty="0" err="1"/>
+              <a:t>Myricom’s</a:t>
+            </a:r>
+            <a:r>
+              <a:rPr lang="en-US" dirty="0"/>
+              <a:t> </a:t>
+            </a:r>
+            <a:r>
+              <a:rPr lang="en-US" dirty="0" smtClean="0"/>
+              <a:t>MX</a:t>
+            </a:r>
+          </a:p>
+          <a:p>
+            <a:pPr lvl="1"/>
+            <a:r>
+              <a:rPr lang="en-US" dirty="0"/>
+              <a:t>Highly specialized interface targeted towards MPI </a:t>
+            </a:r>
+            <a:endParaRPr lang="en-US" dirty="0" smtClean="0"/>
+          </a:p>
+          <a:p>
+            <a:r>
+              <a:rPr lang="en-US" dirty="0" err="1" smtClean="0"/>
+              <a:t>Mellanox’s</a:t>
+            </a:r>
+            <a:r>
+              <a:rPr lang="en-US" dirty="0" smtClean="0"/>
+              <a:t> MXM (unreleased)</a:t>
+            </a:r>
+          </a:p>
+          <a:p>
+            <a:pPr lvl="1"/>
+            <a:r>
+              <a:rPr lang="en-US" dirty="0" smtClean="0"/>
+              <a:t>Likely targeted towards MPI </a:t>
+            </a:r>
+            <a:endParaRPr lang="en-US" dirty="0"/>
+          </a:p>
+          <a:p>
+            <a:r>
+              <a:rPr lang="en-US" dirty="0"/>
+              <a:t>LBL’s </a:t>
+            </a:r>
+            <a:r>
+              <a:rPr lang="en-US" dirty="0" err="1" smtClean="0"/>
+              <a:t>GASnet</a:t>
+            </a:r>
+            <a:endParaRPr lang="en-US" dirty="0" smtClean="0"/>
+          </a:p>
+          <a:p>
+            <a:pPr lvl="1"/>
+            <a:r>
+              <a:rPr lang="en-US" dirty="0" smtClean="0"/>
+              <a:t>Designed specifically for the needs of UPC </a:t>
+            </a:r>
+            <a:endParaRPr lang="en-US" dirty="0"/>
+          </a:p>
+          <a:p>
+            <a:r>
+              <a:rPr lang="en-US" dirty="0" smtClean="0"/>
+              <a:t>DAPL</a:t>
+            </a:r>
+          </a:p>
+          <a:p>
+            <a:pPr lvl="1"/>
+            <a:r>
+              <a:rPr lang="en-US" dirty="0" smtClean="0"/>
+              <a:t>Limited support outside of </a:t>
+            </a:r>
+            <a:r>
+              <a:rPr lang="en-US" dirty="0" err="1" smtClean="0"/>
+              <a:t>iWARP</a:t>
+            </a:r>
+            <a:r>
+              <a:rPr lang="en-US" dirty="0" smtClean="0"/>
+              <a:t> capable devices </a:t>
+            </a:r>
+            <a:endParaRPr lang="en-US" dirty="0"/>
+          </a:p>
+          <a:p>
+            <a:r>
+              <a:rPr lang="en-US" dirty="0"/>
+              <a:t>IBM’s LAPI and </a:t>
+            </a:r>
+            <a:r>
+              <a:rPr lang="en-US" dirty="0" smtClean="0"/>
+              <a:t>DCMF</a:t>
+            </a:r>
+          </a:p>
+          <a:p>
+            <a:pPr lvl="1"/>
+            <a:r>
+              <a:rPr lang="en-US" dirty="0" smtClean="0"/>
+              <a:t>Limited support outside of IBM network technologies</a:t>
+            </a:r>
             <a:endParaRPr lang="en-US" dirty="0"/>
           </a:p>
         </p:txBody>
@@ -2942,7 +3290,7 @@
     </p:spTree>
     <p:extLst>
       <p:ext uri="{BB962C8B-B14F-4D97-AF65-F5344CB8AC3E}">
-        <p14:creationId xmlns:p14="http://schemas.microsoft.com/office/powerpoint/2010/main" val="3082596601"/>
+        <p14:creationId xmlns:p14="http://schemas.microsoft.com/office/powerpoint/2010/main" val="3718705044"/>
       </p:ext>
     </p:extLst>
   </p:cSld>
@@ -2998,7 +3346,7 @@
           <a:p>
             <a:r>
               <a:rPr lang="en-US" dirty="0"/>
-              <a:t>MPI</a:t>
+              <a:t>CCI Overview</a:t>
             </a:r>
           </a:p>
         </p:txBody>
@@ -3016,7 +3364,7 @@
         <p:spPr>
           <a:xfrm>
             <a:off x="111204" y="1344823"/>
-            <a:ext cx="8229600" cy="2871555"/>
+            <a:ext cx="8229600" cy="3059299"/>
           </a:xfrm>
         </p:spPr>
         <p:txBody>
@@ -3025,48 +3373,44 @@
           <a:p>
             <a:r>
               <a:rPr lang="en-US" dirty="0"/>
-              <a:t>Rigid fault model</a:t>
-            </a:r>
-          </a:p>
-          <a:p>
-            <a:pPr lvl="1"/>
-            <a:r>
-              <a:rPr lang="en-US" dirty="0"/>
-              <a:t>Default mode is all errors trigger abort</a:t>
-            </a:r>
-          </a:p>
-          <a:p>
-            <a:pPr lvl="1"/>
-            <a:r>
-              <a:rPr lang="en-US" dirty="0"/>
-              <a:t>Optionally may have errors return</a:t>
-            </a:r>
-          </a:p>
-          <a:p>
-            <a:pPr lvl="2"/>
-            <a:r>
-              <a:rPr lang="en-US" dirty="0"/>
-              <a:t>Not clear how to handle missing peers</a:t>
-            </a:r>
-          </a:p>
-          <a:p>
-            <a:r>
-              <a:rPr lang="en-US" dirty="0"/>
-              <a:t>Assumes reliable delivery</a:t>
-            </a:r>
-          </a:p>
-          <a:p>
-            <a:r>
-              <a:rPr lang="en-US" dirty="0"/>
-              <a:t>Requires ordered matching, but not ordered completion</a:t>
-            </a:r>
+              <a:t>Endpoints</a:t>
+            </a:r>
+          </a:p>
+          <a:p>
+            <a:r>
+              <a:rPr lang="en-US" dirty="0"/>
+              <a:t>Connections</a:t>
+            </a:r>
+          </a:p>
+          <a:p>
+            <a:r>
+              <a:rPr lang="en-US" dirty="0"/>
+              <a:t>Communication</a:t>
+            </a:r>
+          </a:p>
+          <a:p>
+            <a:pPr lvl="1"/>
+            <a:r>
+              <a:rPr lang="en-US" dirty="0"/>
+              <a:t>Active Messages</a:t>
+            </a:r>
+          </a:p>
+          <a:p>
+            <a:pPr lvl="1"/>
+            <a:r>
+              <a:rPr lang="en-US" dirty="0"/>
+              <a:t>Remote Memory Access</a:t>
+            </a:r>
+          </a:p>
+          <a:p>
+            <a:endParaRPr lang="en-US" dirty="0"/>
           </a:p>
         </p:txBody>
       </p:sp>
     </p:spTree>
     <p:extLst>
       <p:ext uri="{BB962C8B-B14F-4D97-AF65-F5344CB8AC3E}">
-        <p14:creationId xmlns:p14="http://schemas.microsoft.com/office/powerpoint/2010/main" val="4166895635"/>
+        <p14:creationId xmlns:p14="http://schemas.microsoft.com/office/powerpoint/2010/main" val="1323073655"/>
       </p:ext>
     </p:extLst>
   </p:cSld>
@@ -3122,7 +3466,7 @@
           <a:p>
             <a:r>
               <a:rPr lang="en-US" dirty="0"/>
-              <a:t>Specialized APIs</a:t>
+              <a:t>CCI Endpoints</a:t>
             </a:r>
           </a:p>
         </p:txBody>
@@ -3139,8 +3483,8 @@
         </p:nvSpPr>
         <p:spPr>
           <a:xfrm>
-            <a:off x="111204" y="1344823"/>
-            <a:ext cx="8229600" cy="4458656"/>
+            <a:off x="111204" y="914401"/>
+            <a:ext cx="8229600" cy="5148075"/>
           </a:xfrm>
         </p:spPr>
         <p:txBody>
@@ -3149,62 +3493,65 @@
           <a:p>
             <a:r>
               <a:rPr lang="en-US" dirty="0"/>
-              <a:t>OFA Verbs</a:t>
-            </a:r>
-          </a:p>
-          <a:p>
-            <a:r>
-              <a:rPr lang="en-US" dirty="0"/>
-              <a:t>Cray/Sandia’s Portals</a:t>
-            </a:r>
-          </a:p>
-          <a:p>
+              <a:t>Virtualized instance of a device – src/sink of communication</a:t>
+            </a:r>
+          </a:p>
+          <a:p>
+            <a:r>
+              <a:rPr lang="en-US" dirty="0"/>
+              <a:t>Complete container of resources – queues and buffers</a:t>
+            </a:r>
+          </a:p>
+          <a:p>
+            <a:r>
+              <a:rPr lang="en-US" dirty="0"/>
+              <a:t>Process may poll or block for event notification</a:t>
+            </a:r>
+          </a:p>
+          <a:p>
+            <a:r>
+              <a:rPr lang="en-US" dirty="0"/>
+              <a:t>Events for send, </a:t>
+            </a:r>
             <a:r>
               <a:rPr lang="en-US" dirty="0" err="1"/>
-              <a:t>Qlogics’s</a:t>
-            </a:r>
-            <a:r>
-              <a:rPr lang="en-US" dirty="0"/>
-              <a:t> PSM</a:t>
-            </a:r>
-          </a:p>
-          <a:p>
-            <a:r>
-              <a:rPr lang="en-US" dirty="0" err="1"/>
-              <a:t>Myricom’s</a:t>
-            </a:r>
-            <a:r>
-              <a:rPr lang="en-US" dirty="0"/>
-              <a:t> MX</a:t>
-            </a:r>
-          </a:p>
-          <a:p>
-            <a:r>
-              <a:rPr lang="en-US" dirty="0"/>
-              <a:t>LBL’s </a:t>
-            </a:r>
-            <a:r>
-              <a:rPr lang="en-US" dirty="0" err="1"/>
-              <a:t>GASnet</a:t>
-            </a:r>
-            <a:endParaRPr lang="en-US" dirty="0"/>
-          </a:p>
-          <a:p>
-            <a:r>
-              <a:rPr lang="en-US" dirty="0"/>
-              <a:t>DAPL</a:t>
-            </a:r>
-          </a:p>
-          <a:p>
-            <a:r>
-              <a:rPr lang="en-US" dirty="0"/>
-              <a:t>IBM’s LAPI and DCMF</a:t>
-            </a:r>
-          </a:p>
-          <a:p>
-            <a:r>
-              <a:rPr lang="en-US" dirty="0"/>
-              <a:t>Others</a:t>
+              <a:t>recv</a:t>
+            </a:r>
+            <a:r>
+              <a:rPr lang="en-US" dirty="0"/>
+              <a:t>, connection establishment, etc.</a:t>
+            </a:r>
+          </a:p>
+          <a:p>
+            <a:r>
+              <a:rPr lang="en-US" dirty="0"/>
+              <a:t>Events may contain resources such as receive buffers</a:t>
+            </a:r>
+          </a:p>
+          <a:p>
+            <a:r>
+              <a:rPr lang="en-US" dirty="0"/>
+              <a:t>Resource ownership transfers to the process when the event is retrieved</a:t>
+            </a:r>
+          </a:p>
+          <a:p>
+            <a:r>
+              <a:rPr lang="en-US" dirty="0"/>
+              <a:t>The process eventaully returns the event to CCI </a:t>
+            </a:r>
+          </a:p>
+          <a:p>
+            <a:pPr lvl="1"/>
+            <a:r>
+              <a:rPr lang="en-US" dirty="0"/>
+              <a:t>Expected to be returned in a timely manner</a:t>
+            </a:r>
+          </a:p>
+          <a:p>
+            <a:pPr lvl="1"/>
+            <a:r>
+              <a:rPr lang="en-US" dirty="0"/>
+              <a:t>May be returned out of order</a:t>
             </a:r>
           </a:p>
         </p:txBody>
@@ -3212,7 +3559,7 @@
     </p:spTree>
     <p:extLst>
       <p:ext uri="{BB962C8B-B14F-4D97-AF65-F5344CB8AC3E}">
-        <p14:creationId xmlns:p14="http://schemas.microsoft.com/office/powerpoint/2010/main" val="3718705044"/>
+        <p14:creationId xmlns:p14="http://schemas.microsoft.com/office/powerpoint/2010/main" val="3708743750"/>
       </p:ext>
     </p:extLst>
   </p:cSld>
@@ -3268,7 +3615,7 @@
           <a:p>
             <a:r>
               <a:rPr lang="en-US" dirty="0"/>
-              <a:t>OFA Verbs</a:t>
+              <a:t>CCI Connections</a:t>
             </a:r>
           </a:p>
         </p:txBody>
@@ -3285,8 +3632,8 @@
         </p:nvSpPr>
         <p:spPr>
           <a:xfrm>
-            <a:off x="111204" y="1028701"/>
-            <a:ext cx="8229600" cy="5315815"/>
+            <a:off x="111204" y="1128923"/>
+            <a:ext cx="8229600" cy="4930580"/>
           </a:xfrm>
         </p:spPr>
         <p:txBody>
@@ -3294,66 +3641,67 @@
           <a:lstStyle/>
           <a:p>
             <a:r>
-              <a:rPr lang="en-US" sz="2600" dirty="0"/>
-              <a:t>Based on earlier VIA spec</a:t>
-            </a:r>
-          </a:p>
-          <a:p>
-            <a:r>
-              <a:rPr lang="en-US" sz="2600" dirty="0"/>
-              <a:t>Does not specify API, just </a:t>
-            </a:r>
-            <a:r>
-              <a:rPr lang="en-US" sz="2600" i="1" dirty="0"/>
-              <a:t>Verbs</a:t>
-            </a:r>
-          </a:p>
-          <a:p>
-            <a:r>
-              <a:rPr lang="en-US" sz="2600" dirty="0"/>
-              <a:t>Multiple vendor APIs initially</a:t>
-            </a:r>
-          </a:p>
-          <a:p>
-            <a:r>
-              <a:rPr lang="en-US" sz="2600" dirty="0"/>
-              <a:t>Coalesced into Open-Fabrics Association (OFA)</a:t>
-            </a:r>
-          </a:p>
-          <a:p>
-            <a:r>
-              <a:rPr lang="en-US" sz="2600" dirty="0"/>
-              <a:t>Two-sided and one-sided</a:t>
-            </a:r>
-          </a:p>
-          <a:p>
-            <a:r>
-              <a:rPr lang="en-US" sz="2600" dirty="0"/>
-              <a:t>Always asynchronous</a:t>
-            </a:r>
-          </a:p>
-          <a:p>
-            <a:r>
-              <a:rPr lang="en-US" sz="2600" dirty="0"/>
-              <a:t>Reliable and unreliable</a:t>
-            </a:r>
-          </a:p>
-          <a:p>
-            <a:r>
-              <a:rPr lang="en-US" sz="2600" dirty="0"/>
-              <a:t>Connection and connectionless modes</a:t>
-            </a:r>
-          </a:p>
-          <a:p>
-            <a:r>
-              <a:rPr lang="en-US" sz="2600" dirty="0"/>
-              <a:t>Communication requires registered memory</a:t>
-            </a:r>
-          </a:p>
-          <a:p>
-            <a:r>
-              <a:rPr lang="en-US" sz="2600" dirty="0"/>
-              <a:t>Queue-Pair represents logical connection</a:t>
+              <a:rPr lang="en-US" dirty="0"/>
+              <a:t>Per peer - a single endpoint can handle many connections</a:t>
+            </a:r>
+          </a:p>
+          <a:p>
+            <a:r>
+              <a:rPr lang="en-US" dirty="0"/>
+              <a:t>Lightweight – no dedicated buffers (~120B/peer)</a:t>
+            </a:r>
+          </a:p>
+          <a:p>
+            <a:r>
+              <a:rPr lang="en-US" dirty="0"/>
+              <a:t>May have multiple connections to the same peer</a:t>
+            </a:r>
+          </a:p>
+          <a:p>
+            <a:r>
+              <a:rPr lang="en-US" dirty="0"/>
+              <a:t>Use client/server model similar to Sockets and RDMA-CM</a:t>
+            </a:r>
+          </a:p>
+          <a:p>
+            <a:r>
+              <a:rPr lang="en-US" dirty="0"/>
+              <a:t>Represents reliability and order attributes</a:t>
+            </a:r>
+          </a:p>
+          <a:p>
+            <a:pPr lvl="1"/>
+            <a:r>
+              <a:rPr lang="en-US" dirty="0"/>
+              <a:t>Reliable with Ordered completion (RO)</a:t>
+            </a:r>
+          </a:p>
+          <a:p>
+            <a:pPr lvl="1"/>
+            <a:r>
+              <a:rPr lang="en-US" dirty="0"/>
+              <a:t>Reliable with Unordered completion (RU)</a:t>
+            </a:r>
+          </a:p>
+          <a:p>
+            <a:pPr lvl="1"/>
+            <a:r>
+              <a:rPr lang="en-US" dirty="0"/>
+              <a:t>Unreliable with Unordered completion (UU)</a:t>
+            </a:r>
+          </a:p>
+          <a:p>
+            <a:pPr lvl="1"/>
+            <a:r>
+              <a:rPr lang="en-US" dirty="0"/>
+              <a:t>Multicast Send (MC_TX)</a:t>
+            </a:r>
+          </a:p>
+          <a:p>
+            <a:pPr lvl="1"/>
+            <a:r>
+              <a:rPr lang="en-US" dirty="0"/>
+              <a:t>Multicast Receive (MC_RX)</a:t>
             </a:r>
           </a:p>
         </p:txBody>
@@ -3361,7 +3709,7 @@
     </p:spTree>
     <p:extLst>
       <p:ext uri="{BB962C8B-B14F-4D97-AF65-F5344CB8AC3E}">
-        <p14:creationId xmlns:p14="http://schemas.microsoft.com/office/powerpoint/2010/main" val="3144136157"/>
+        <p14:creationId xmlns:p14="http://schemas.microsoft.com/office/powerpoint/2010/main" val="1638107233"/>
       </p:ext>
     </p:extLst>
   </p:cSld>
@@ -3417,7 +3765,7 @@
           <a:p>
             <a:r>
               <a:rPr lang="en-US" dirty="0"/>
-              <a:t>Portals</a:t>
+              <a:t>Active Messages</a:t>
             </a:r>
           </a:p>
         </p:txBody>
@@ -3434,8 +3782,8 @@
         </p:nvSpPr>
         <p:spPr>
           <a:xfrm>
-            <a:off x="111204" y="1344823"/>
-            <a:ext cx="8229600" cy="3579441"/>
+            <a:off x="111204" y="800100"/>
+            <a:ext cx="8229600" cy="5842021"/>
           </a:xfrm>
         </p:spPr>
         <p:txBody>
@@ -3444,50 +3792,90 @@
           <a:p>
             <a:r>
               <a:rPr lang="en-US" dirty="0"/>
-              <a:t>One-sided (Put/Get)</a:t>
-            </a:r>
-          </a:p>
-          <a:p>
-            <a:r>
-              <a:rPr lang="en-US" dirty="0"/>
-              <a:t>Uses tags to steer messages to buffers</a:t>
-            </a:r>
-          </a:p>
-          <a:p>
-            <a:r>
-              <a:rPr lang="en-US" dirty="0"/>
-              <a:t>Connectionless</a:t>
-            </a:r>
-          </a:p>
-          <a:p>
-            <a:pPr lvl="1"/>
-            <a:r>
-              <a:rPr lang="en-US" dirty="0"/>
-              <a:t>Underlying NALs maintain necessary connection state</a:t>
-            </a:r>
-          </a:p>
-          <a:p>
-            <a:r>
-              <a:rPr lang="en-US" dirty="0"/>
-              <a:t>Most commonly used on large HPC systems</a:t>
-            </a:r>
-          </a:p>
-          <a:p>
-            <a:r>
-              <a:rPr lang="en-US" dirty="0" err="1"/>
-              <a:t>Lustre</a:t>
-            </a:r>
-            <a:r>
-              <a:rPr lang="en-US" dirty="0"/>
-              <a:t> distributed </a:t>
-            </a:r>
-            <a:r>
-              <a:rPr lang="en-US" dirty="0" err="1"/>
-              <a:t>file system</a:t>
-            </a:r>
-            <a:r>
-              <a:rPr lang="en-US" dirty="0"/>
-              <a:t> NAL, LNET, was originally based on Portals</a:t>
+              <a:t>Berkeley AM</a:t>
+            </a:r>
+          </a:p>
+          <a:p>
+            <a:pPr lvl="1"/>
+            <a:r>
+              <a:rPr lang="en-US" dirty="0"/>
+              <a:t>No posted receives</a:t>
+            </a:r>
+          </a:p>
+          <a:p>
+            <a:pPr lvl="1"/>
+            <a:r>
+              <a:rPr lang="en-US" dirty="0"/>
+              <a:t>Handlers run based on address in header</a:t>
+            </a:r>
+          </a:p>
+          <a:p>
+            <a:pPr lvl="2"/>
+            <a:r>
+              <a:rPr lang="en-US" dirty="0"/>
+              <a:t>No adittional progress until handler completes</a:t>
+            </a:r>
+          </a:p>
+          <a:p>
+            <a:pPr lvl="1"/>
+            <a:r>
+              <a:rPr lang="en-US" dirty="0"/>
+              <a:t>Internally managed buffers</a:t>
+            </a:r>
+          </a:p>
+          <a:p>
+            <a:r>
+              <a:rPr lang="en-US" dirty="0"/>
+              <a:t>CCI Active Messages</a:t>
+            </a:r>
+          </a:p>
+          <a:p>
+            <a:pPr lvl="1"/>
+            <a:r>
+              <a:rPr lang="en-US" dirty="0"/>
+              <a:t>No posted receives, uses internal buffers</a:t>
+            </a:r>
+          </a:p>
+          <a:p>
+            <a:pPr lvl="1"/>
+            <a:r>
+              <a:rPr lang="en-US" dirty="0"/>
+              <a:t>Events only, no handlers</a:t>
+            </a:r>
+          </a:p>
+          <a:p>
+            <a:pPr lvl="2"/>
+            <a:r>
+              <a:rPr lang="en-US" dirty="0"/>
+              <a:t>Event includes pointer to data, its length, and the connection (peer)</a:t>
+            </a:r>
+          </a:p>
+          <a:p>
+            <a:pPr lvl="1"/>
+            <a:r>
+              <a:rPr lang="en-US" dirty="0"/>
+              <a:t>May be inspected, modified, and/or sent in-place</a:t>
+            </a:r>
+          </a:p>
+          <a:p>
+            <a:pPr lvl="1"/>
+            <a:r>
+              <a:rPr lang="en-US" dirty="0"/>
+              <a:t>May be copied out if needed long term</a:t>
+            </a:r>
+          </a:p>
+          <a:p>
+            <a:pPr lvl="1"/>
+            <a:r>
+              <a:rPr lang="en-US" dirty="0"/>
+              <a:t>Limited in size – ideally MTU sized</a:t>
+            </a:r>
+          </a:p>
+          <a:p>
+            <a:pPr lvl="1"/>
+            <a:r>
+              <a:rPr lang="en-US" dirty="0"/>
+              <a:t>No segmenting/reassembly</a:t>
             </a:r>
           </a:p>
         </p:txBody>
@@ -3495,7 +3883,7 @@
     </p:spTree>
     <p:extLst>
       <p:ext uri="{BB962C8B-B14F-4D97-AF65-F5344CB8AC3E}">
-        <p14:creationId xmlns:p14="http://schemas.microsoft.com/office/powerpoint/2010/main" val="3482068955"/>
+        <p14:creationId xmlns:p14="http://schemas.microsoft.com/office/powerpoint/2010/main" val="2221889953"/>
       </p:ext>
     </p:extLst>
   </p:cSld>
@@ -3550,20 +3938,8 @@
           <a:lstStyle/>
           <a:p>
             <a:r>
-              <a:rPr lang="en-US" dirty="0" err="1"/>
-              <a:t>Myricom</a:t>
-            </a:r>
-            <a:r>
-              <a:rPr lang="en-US" dirty="0"/>
-              <a:t> MX and </a:t>
-            </a:r>
-            <a:r>
-              <a:rPr lang="en-US" dirty="0" err="1"/>
-              <a:t>Qlogic</a:t>
-            </a:r>
-            <a:r>
-              <a:rPr lang="en-US" dirty="0"/>
-              <a:t> PSM</a:t>
+              <a:rPr lang="en-US" dirty="0"/>
+              <a:t>CCI RMA</a:t>
             </a:r>
           </a:p>
         </p:txBody>
@@ -3581,7 +3957,7 @@
         <p:spPr>
           <a:xfrm>
             <a:off x="111204" y="1344823"/>
-            <a:ext cx="8229600" cy="4449423"/>
+            <a:ext cx="8229600" cy="3626634"/>
           </a:xfrm>
         </p:spPr>
         <p:txBody>
@@ -3590,52 +3966,45 @@
           <a:p>
             <a:r>
               <a:rPr lang="en-US" dirty="0"/>
-              <a:t>Similar two-sided, matching API</a:t>
-            </a:r>
-          </a:p>
-          <a:p>
-            <a:pPr lvl="1"/>
-            <a:r>
-              <a:rPr lang="en-US" dirty="0"/>
-              <a:t>Designed to support MPI</a:t>
-            </a:r>
-          </a:p>
-          <a:p>
-            <a:r>
-              <a:rPr lang="en-US" dirty="0"/>
-              <a:t>Eager for small messages</a:t>
-            </a:r>
-          </a:p>
-          <a:p>
-            <a:r>
-              <a:rPr lang="en-US" dirty="0"/>
-              <a:t>Zero-copy, rendezvous for large messages</a:t>
-            </a:r>
-          </a:p>
-          <a:p>
-            <a:r>
-              <a:rPr lang="en-US" dirty="0"/>
-              <a:t>Semi-connectionless</a:t>
-            </a:r>
-          </a:p>
-          <a:p>
-            <a:pPr lvl="1"/>
-            <a:r>
-              <a:rPr lang="en-US" dirty="0"/>
-              <a:t>Target does accept connection requests</a:t>
-            </a:r>
-          </a:p>
-          <a:p>
-            <a:pPr lvl="1"/>
-            <a:r>
-              <a:rPr lang="en-US" dirty="0"/>
-              <a:t>Sender connects before sending</a:t>
-            </a:r>
-          </a:p>
-          <a:p>
-            <a:r>
-              <a:rPr lang="en-US" dirty="0"/>
-              <a:t>Reliable, in-order matching with out-of-order completion (like MPI)</a:t>
+              <a:t>Active messages are not enough</a:t>
+            </a:r>
+          </a:p>
+          <a:p>
+            <a:pPr lvl="1"/>
+            <a:r>
+              <a:rPr lang="en-US" dirty="0"/>
+              <a:t>But they are enough to allow setup of RMA</a:t>
+            </a:r>
+          </a:p>
+          <a:p>
+            <a:r>
+              <a:rPr lang="en-US" dirty="0"/>
+              <a:t>Zero-copy when supported</a:t>
+            </a:r>
+          </a:p>
+          <a:p>
+            <a:r>
+              <a:rPr lang="en-US" dirty="0"/>
+              <a:t>Require memory registration</a:t>
+            </a:r>
+          </a:p>
+          <a:p>
+            <a:r>
+              <a:rPr lang="en-US" dirty="0"/>
+              <a:t>No intra-message order guarantee</a:t>
+            </a:r>
+          </a:p>
+          <a:p>
+            <a:pPr lvl="1"/>
+            <a:r>
+              <a:rPr lang="en-US" dirty="0"/>
+              <a:t>No last byte written last</a:t>
+            </a:r>
+          </a:p>
+          <a:p>
+            <a:r>
+              <a:rPr lang="en-US" dirty="0"/>
+              <a:t>Write or Read with an optional Fence</a:t>
             </a:r>
           </a:p>
         </p:txBody>
@@ -3643,7 +4012,7 @@
     </p:spTree>
     <p:extLst>
       <p:ext uri="{BB962C8B-B14F-4D97-AF65-F5344CB8AC3E}">
-        <p14:creationId xmlns:p14="http://schemas.microsoft.com/office/powerpoint/2010/main" val="3232013466"/>
+        <p14:creationId xmlns:p14="http://schemas.microsoft.com/office/powerpoint/2010/main" val="3382555788"/>
       </p:ext>
     </p:extLst>
   </p:cSld>
@@ -3699,7 +4068,7 @@
           <a:p>
             <a:r>
               <a:rPr lang="en-US" dirty="0"/>
-              <a:t>IBM LAPI and DCMF</a:t>
+              <a:t>Status and Evaluation</a:t>
             </a:r>
           </a:p>
         </p:txBody>
@@ -3717,7 +4086,7 @@
         <p:spPr>
           <a:xfrm>
             <a:off x="111204" y="1344823"/>
-            <a:ext cx="8229600" cy="3323986"/>
+            <a:ext cx="8229600" cy="5366597"/>
           </a:xfrm>
         </p:spPr>
         <p:txBody>
@@ -3725,54 +4094,80 @@
           <a:lstStyle/>
           <a:p>
             <a:r>
-              <a:rPr lang="en-US" dirty="0"/>
-              <a:t>Designed for RS-series and </a:t>
-            </a:r>
-            <a:r>
-              <a:rPr lang="en-US" dirty="0" err="1"/>
-              <a:t>BlueGene</a:t>
-            </a:r>
-            <a:r>
-              <a:rPr lang="en-US" dirty="0"/>
-              <a:t> P/Q</a:t>
-            </a:r>
-          </a:p>
-          <a:p>
-            <a:r>
-              <a:rPr lang="en-US" dirty="0"/>
-              <a:t>Some support outside of IBM exists</a:t>
-            </a:r>
-          </a:p>
-          <a:p>
-            <a:r>
-              <a:rPr lang="en-US" dirty="0"/>
-              <a:t>One-sided and two-sided</a:t>
-            </a:r>
-          </a:p>
-          <a:p>
-            <a:r>
-              <a:rPr lang="en-US" dirty="0"/>
-              <a:t>Contiguous and non-contiguous memory layout</a:t>
-            </a:r>
-          </a:p>
-          <a:p>
-            <a:r>
-              <a:rPr lang="en-US" dirty="0"/>
-              <a:t>Transparent link aggregation</a:t>
-            </a:r>
-          </a:p>
-          <a:p>
-            <a:r>
-              <a:rPr lang="en-US" dirty="0"/>
-              <a:t>DCMF supports ARMCI, GA, MPI, collectives</a:t>
-            </a:r>
+              <a:rPr lang="en-US" strike="sngStrike" dirty="0"/>
+              <a:t>Three</a:t>
+            </a:r>
+            <a:r>
+              <a:rPr lang="en-US" dirty="0"/>
+              <a:t> Four proof-of-concept implementations</a:t>
+            </a:r>
+          </a:p>
+          <a:p>
+            <a:pPr lvl="1"/>
+            <a:r>
+              <a:rPr lang="en-US" dirty="0"/>
+              <a:t>Sockets, MX, Portals 3.3, Native SeaStar</a:t>
+            </a:r>
+          </a:p>
+          <a:p>
+            <a:r>
+              <a:rPr lang="en-US" dirty="0"/>
+              <a:t>Sockets</a:t>
+            </a:r>
+          </a:p>
+          <a:p>
+            <a:pPr lvl="1"/>
+            <a:r>
+              <a:rPr lang="en-US" dirty="0"/>
+              <a:t>Uses UDP with one socket per endpoint</a:t>
+            </a:r>
+          </a:p>
+          <a:p>
+            <a:pPr lvl="1"/>
+            <a:r>
+              <a:rPr lang="en-US" dirty="0"/>
+              <a:t>Implements reliability when required</a:t>
+            </a:r>
+          </a:p>
+          <a:p>
+            <a:pPr lvl="1"/>
+            <a:r>
+              <a:rPr lang="en-US" dirty="0"/>
+              <a:t>Implements AM, RMA Write</a:t>
+            </a:r>
+          </a:p>
+          <a:p>
+            <a:r>
+              <a:rPr lang="en-US" dirty="0"/>
+              <a:t>MX</a:t>
+            </a:r>
+          </a:p>
+          <a:p>
+            <a:pPr lvl="1"/>
+            <a:r>
+              <a:rPr lang="en-US" dirty="0"/>
+              <a:t>Implements AM only</a:t>
+            </a:r>
+          </a:p>
+          <a:p>
+            <a:pPr lvl="1"/>
+            <a:r>
+              <a:rPr lang="en-US" dirty="0"/>
+              <a:t>CCI requests rendezvous when reliability is requested</a:t>
+            </a:r>
+          </a:p>
+          <a:p>
+            <a:endParaRPr lang="en-US" dirty="0"/>
+          </a:p>
+          <a:p>
+            <a:endParaRPr lang="en-US" dirty="0"/>
           </a:p>
         </p:txBody>
       </p:sp>
     </p:spTree>
     <p:extLst>
       <p:ext uri="{BB962C8B-B14F-4D97-AF65-F5344CB8AC3E}">
-        <p14:creationId xmlns:p14="http://schemas.microsoft.com/office/powerpoint/2010/main" val="3993304970"/>
+        <p14:creationId xmlns:p14="http://schemas.microsoft.com/office/powerpoint/2010/main" val="2889010775"/>
       </p:ext>
     </p:extLst>
   </p:cSld>
@@ -3828,7 +4223,7 @@
           <a:p>
             <a:r>
               <a:rPr lang="en-US" dirty="0"/>
-              <a:t>CCI Overview</a:t>
+              <a:t>Status and Evaluation</a:t>
             </a:r>
           </a:p>
         </p:txBody>
@@ -3846,7 +4241,7 @@
         <p:spPr>
           <a:xfrm>
             <a:off x="111204" y="1344823"/>
-            <a:ext cx="8229600" cy="3059299"/>
+            <a:ext cx="8229600" cy="3608167"/>
           </a:xfrm>
         </p:spPr>
         <p:txBody>
@@ -3855,44 +4250,75 @@
           <a:p>
             <a:r>
               <a:rPr lang="en-US" dirty="0"/>
-              <a:t>Endpoints</a:t>
-            </a:r>
-          </a:p>
-          <a:p>
-            <a:r>
-              <a:rPr lang="en-US" dirty="0"/>
-              <a:t>Connections</a:t>
-            </a:r>
-          </a:p>
-          <a:p>
-            <a:r>
-              <a:rPr lang="en-US" dirty="0"/>
-              <a:t>Communication</a:t>
-            </a:r>
-          </a:p>
-          <a:p>
-            <a:pPr lvl="1"/>
-            <a:r>
-              <a:rPr lang="en-US" dirty="0"/>
-              <a:t>Active Messages</a:t>
-            </a:r>
-          </a:p>
-          <a:p>
-            <a:pPr lvl="1"/>
-            <a:r>
-              <a:rPr lang="en-US" dirty="0"/>
-              <a:t>Remote Memory Access</a:t>
-            </a:r>
-          </a:p>
-          <a:p>
-            <a:endParaRPr lang="en-US" dirty="0"/>
+              <a:t>Portals 3.3</a:t>
+            </a:r>
+          </a:p>
+          <a:p>
+            <a:pPr lvl="1"/>
+            <a:r>
+              <a:rPr lang="en-US" dirty="0"/>
+              <a:t>Implements multiple endpoints using match bits</a:t>
+            </a:r>
+          </a:p>
+          <a:p>
+            <a:pPr lvl="1"/>
+            <a:r>
+              <a:rPr lang="en-US" dirty="0"/>
+              <a:t>Portals assumes reliability</a:t>
+            </a:r>
+          </a:p>
+          <a:p>
+            <a:pPr lvl="2"/>
+            <a:r>
+              <a:rPr lang="en-US" dirty="0"/>
+              <a:t>CCI requests </a:t>
+            </a:r>
+            <a:r>
+              <a:rPr lang="en-US" dirty="0" err="1"/>
+              <a:t>acks</a:t>
+            </a:r>
+            <a:r>
+              <a:rPr lang="en-US" dirty="0"/>
+              <a:t> for reliable connections</a:t>
+            </a:r>
+          </a:p>
+          <a:p>
+            <a:pPr lvl="1"/>
+            <a:r>
+              <a:rPr lang="en-US" dirty="0"/>
+              <a:t>Implements AM, RMA Write, Read, and Fence</a:t>
+            </a:r>
+          </a:p>
+          <a:p>
+            <a:r>
+              <a:rPr lang="en-US" dirty="0"/>
+              <a:t>Native SeaStar</a:t>
+            </a:r>
+          </a:p>
+          <a:p>
+            <a:pPr lvl="1"/>
+            <a:r>
+              <a:rPr lang="en-US" dirty="0"/>
+              <a:t>Implements AM only</a:t>
+            </a:r>
+          </a:p>
+          <a:p>
+            <a:pPr lvl="1"/>
+            <a:r>
+              <a:rPr lang="en-US" dirty="0" smtClean="0"/>
+              <a:t>Working </a:t>
+            </a:r>
+            <a:r>
+              <a:rPr lang="en-US" dirty="0"/>
+              <a:t>on adding RMA </a:t>
+            </a:r>
           </a:p>
         </p:txBody>
       </p:sp>
     </p:spTree>
     <p:extLst>
       <p:ext uri="{BB962C8B-B14F-4D97-AF65-F5344CB8AC3E}">
-        <p14:creationId xmlns:p14="http://schemas.microsoft.com/office/powerpoint/2010/main" val="1323073655"/>
+        <p14:creationId xmlns:p14="http://schemas.microsoft.com/office/powerpoint/2010/main" val="4192586054"/>
       </p:ext>
     </p:extLst>
   </p:cSld>
@@ -3948,100 +4374,75 @@
           <a:p>
             <a:r>
               <a:rPr lang="en-US" dirty="0"/>
-              <a:t>CCI Endpoints</a:t>
-            </a:r>
-          </a:p>
-        </p:txBody>
-      </p:sp>
-      <p:sp>
-        <p:nvSpPr>
-          <p:cNvPr id="3" name="Content Placeholder 2"/>
-          <p:cNvSpPr>
-            <a:spLocks noGrp="1"/>
-          </p:cNvSpPr>
-          <p:nvPr>
-            <p:ph idx="1"/>
-          </p:nvPr>
-        </p:nvSpPr>
+              <a:t>CCI/MX Performance</a:t>
+            </a:r>
+          </a:p>
+        </p:txBody>
+      </p:sp>
+      <p:pic>
+        <p:nvPicPr>
+          <p:cNvPr id="3" name="Picture 2" descr="pingpong-latency-mx-overhead-combined.pdf"/>
+          <p:cNvPicPr>
+            <a:picLocks noChangeAspect="1"/>
+          </p:cNvPicPr>
+          <p:nvPr/>
+        </p:nvPicPr>
+        <p:blipFill>
+          <a:blip r:embed="rId2">
+            <a:extLst>
+              <a:ext uri="{28A0092B-C50C-407E-A947-70E740481C1C}">
+                <a14:useLocalDpi xmlns:a14="http://schemas.microsoft.com/office/drawing/2010/main" val="0"/>
+              </a:ext>
+            </a:extLst>
+          </a:blip>
+          <a:stretch>
+            <a:fillRect/>
+          </a:stretch>
+        </p:blipFill>
         <p:spPr>
           <a:xfrm>
-            <a:off x="111204" y="914401"/>
-            <a:ext cx="8229600" cy="5148075"/>
-          </a:xfrm>
-        </p:spPr>
-        <p:txBody>
-          <a:bodyPr/>
-          <a:lstStyle/>
-          <a:p>
-            <a:r>
-              <a:rPr lang="en-US" dirty="0"/>
-              <a:t>Virtualized instance of a device – src/sink of communication</a:t>
-            </a:r>
-          </a:p>
-          <a:p>
-            <a:r>
-              <a:rPr lang="en-US" dirty="0"/>
-              <a:t>Complete container of resources – queues and buffers</a:t>
-            </a:r>
-          </a:p>
-          <a:p>
-            <a:r>
-              <a:rPr lang="en-US" dirty="0"/>
-              <a:t>Process may poll or block for event notification</a:t>
-            </a:r>
-          </a:p>
-          <a:p>
-            <a:r>
-              <a:rPr lang="en-US" dirty="0"/>
-              <a:t>Events for send, </a:t>
-            </a:r>
-            <a:r>
-              <a:rPr lang="en-US" dirty="0" err="1"/>
-              <a:t>recv</a:t>
-            </a:r>
-            <a:r>
-              <a:rPr lang="en-US" dirty="0"/>
-              <a:t>, connection establishment, etc.</a:t>
-            </a:r>
-          </a:p>
-          <a:p>
-            <a:r>
-              <a:rPr lang="en-US" dirty="0"/>
-              <a:t>Events may contain resources such as receive buffers</a:t>
-            </a:r>
-          </a:p>
-          <a:p>
-            <a:r>
-              <a:rPr lang="en-US" dirty="0"/>
-              <a:t>Resource ownership transfers to the process when the event is retrieved</a:t>
-            </a:r>
-          </a:p>
-          <a:p>
-            <a:r>
-              <a:rPr lang="en-US" dirty="0"/>
-              <a:t>The process eventaully returns the event to CCI </a:t>
-            </a:r>
-          </a:p>
-          <a:p>
-            <a:pPr lvl="1"/>
-            <a:r>
-              <a:rPr lang="en-US" dirty="0"/>
-              <a:t>Expected to be returned in a timely manner</a:t>
-            </a:r>
-          </a:p>
-          <a:p>
-            <a:pPr lvl="1"/>
-            <a:r>
-              <a:rPr lang="en-US" dirty="0"/>
-              <a:t>May be returned out of order</a:t>
-            </a:r>
-          </a:p>
-        </p:txBody>
-      </p:sp>
+            <a:off x="0" y="1828800"/>
+            <a:ext cx="4572000" cy="3200400"/>
+          </a:xfrm>
+          <a:prstGeom prst="rect">
+            <a:avLst/>
+          </a:prstGeom>
+        </p:spPr>
+      </p:pic>
+      <p:pic>
+        <p:nvPicPr>
+          <p:cNvPr id="4" name="Picture 3" descr="pingpong-bw-mx.pdf"/>
+          <p:cNvPicPr>
+            <a:picLocks noChangeAspect="1"/>
+          </p:cNvPicPr>
+          <p:nvPr/>
+        </p:nvPicPr>
+        <p:blipFill>
+          <a:blip r:embed="rId3">
+            <a:extLst>
+              <a:ext uri="{28A0092B-C50C-407E-A947-70E740481C1C}">
+                <a14:useLocalDpi xmlns:a14="http://schemas.microsoft.com/office/drawing/2010/main" val="0"/>
+              </a:ext>
+            </a:extLst>
+          </a:blip>
+          <a:stretch>
+            <a:fillRect/>
+          </a:stretch>
+        </p:blipFill>
+        <p:spPr>
+          <a:xfrm>
+            <a:off x="4572000" y="1792256"/>
+            <a:ext cx="4572000" cy="3200400"/>
+          </a:xfrm>
+          <a:prstGeom prst="rect">
+            <a:avLst/>
+          </a:prstGeom>
+        </p:spPr>
+      </p:pic>
     </p:spTree>
     <p:extLst>
       <p:ext uri="{BB962C8B-B14F-4D97-AF65-F5344CB8AC3E}">
-        <p14:creationId xmlns:p14="http://schemas.microsoft.com/office/powerpoint/2010/main" val="3708743750"/>
+        <p14:creationId xmlns:p14="http://schemas.microsoft.com/office/powerpoint/2010/main" val="2767896140"/>
       </p:ext>
     </p:extLst>
   </p:cSld>
@@ -4085,20 +4486,16 @@
             <p:ph type="title"/>
           </p:nvPr>
         </p:nvSpPr>
-        <p:spPr>
-          <a:xfrm>
-            <a:off x="111098" y="152400"/>
-            <a:ext cx="8229600" cy="496290"/>
-          </a:xfrm>
-        </p:spPr>
+        <p:spPr/>
         <p:txBody>
           <a:bodyPr/>
           <a:lstStyle/>
           <a:p>
             <a:r>
-              <a:rPr lang="en-US" dirty="0"/>
-              <a:t>Outline</a:t>
-            </a:r>
+              <a:rPr lang="en-US" dirty="0" smtClean="0"/>
+              <a:t>The context</a:t>
+            </a:r>
+            <a:endParaRPr lang="en-US" dirty="0"/>
           </a:p>
         </p:txBody>
       </p:sp>
@@ -4114,41 +4511,142 @@
         </p:nvSpPr>
         <p:spPr>
           <a:xfrm>
-            <a:off x="111204" y="1344823"/>
-            <a:ext cx="8229600" cy="2756652"/>
-          </a:xfrm>
-        </p:spPr>
-        <p:txBody>
-          <a:bodyPr/>
+            <a:off x="124572" y="836823"/>
+            <a:ext cx="8229600" cy="5700335"/>
+          </a:xfrm>
+        </p:spPr>
+        <p:txBody>
+          <a:bodyPr>
+            <a:normAutofit fontScale="92500" lnSpcReduction="10000"/>
+          </a:bodyPr>
           <a:lstStyle/>
           <a:p>
             <a:r>
-              <a:rPr lang="en-US" dirty="0"/>
-              <a:t>What do distributed applications need?</a:t>
-            </a:r>
-          </a:p>
-          <a:p>
-            <a:r>
-              <a:rPr lang="en-US" dirty="0"/>
-              <a:t>Current APIs</a:t>
-            </a:r>
-          </a:p>
-          <a:p>
-            <a:r>
-              <a:rPr lang="en-US" dirty="0"/>
-              <a:t>CCI Overview</a:t>
-            </a:r>
-          </a:p>
-          <a:p>
-            <a:r>
-              <a:rPr lang="en-US" dirty="0"/>
-              <a:t>Status and Evaluation</a:t>
-            </a:r>
-          </a:p>
-          <a:p>
-            <a:r>
-              <a:rPr lang="en-US" dirty="0"/>
-              <a:t>Conclusion</a:t>
+              <a:rPr lang="en-US" dirty="0" smtClean="0"/>
+              <a:t>Applications are increasingly distributed services</a:t>
+            </a:r>
+          </a:p>
+          <a:p>
+            <a:pPr lvl="1"/>
+            <a:r>
+              <a:rPr lang="en-US" dirty="0" smtClean="0"/>
+              <a:t>Service oriented architectures</a:t>
+            </a:r>
+          </a:p>
+          <a:p>
+            <a:pPr lvl="1"/>
+            <a:r>
+              <a:rPr lang="en-US" dirty="0" smtClean="0"/>
+              <a:t>Data intensive applications (turning data into products) </a:t>
+            </a:r>
+          </a:p>
+          <a:p>
+            <a:pPr lvl="1"/>
+            <a:r>
+              <a:rPr lang="en-US" dirty="0" smtClean="0"/>
+              <a:t>Inter-process communication is now the norm</a:t>
+            </a:r>
+          </a:p>
+          <a:p>
+            <a:r>
+              <a:rPr lang="en-US" dirty="0" smtClean="0"/>
+              <a:t>These applications may control only one  </a:t>
+            </a:r>
+            <a:r>
+              <a:rPr lang="en-US" dirty="0" smtClean="0"/>
+              <a:t>side of the </a:t>
+            </a:r>
+            <a:r>
+              <a:rPr lang="en-US" dirty="0" smtClean="0"/>
+              <a:t>pipe… </a:t>
+            </a:r>
+            <a:endParaRPr lang="en-US" dirty="0" smtClean="0"/>
+          </a:p>
+          <a:p>
+            <a:pPr lvl="1"/>
+            <a:r>
+              <a:rPr lang="en-US" dirty="0" smtClean="0"/>
+              <a:t>Common language: IP on the wire, Socket interface on the host.</a:t>
+            </a:r>
+          </a:p>
+          <a:p>
+            <a:pPr lvl="1"/>
+            <a:r>
+              <a:rPr lang="en-US" dirty="0" smtClean="0"/>
+              <a:t>Applications: web </a:t>
+            </a:r>
+            <a:r>
+              <a:rPr lang="en-US" dirty="0" smtClean="0"/>
+              <a:t>services, </a:t>
+            </a:r>
+            <a:r>
+              <a:rPr lang="en-US" dirty="0" smtClean="0"/>
+              <a:t>media delivery, trading exchange.</a:t>
+            </a:r>
+          </a:p>
+          <a:p>
+            <a:pPr lvl="1"/>
+            <a:r>
+              <a:rPr lang="en-US" dirty="0" smtClean="0"/>
+              <a:t>Not going away, way too much legacy.</a:t>
+            </a:r>
+          </a:p>
+          <a:p>
+            <a:r>
+              <a:rPr lang="en-US" dirty="0" smtClean="0"/>
+              <a:t>Or both sides of the pipe</a:t>
+            </a:r>
+            <a:endParaRPr lang="en-US" dirty="0" smtClean="0"/>
+          </a:p>
+          <a:p>
+            <a:pPr lvl="1"/>
+            <a:r>
+              <a:rPr lang="en-US" dirty="0" smtClean="0"/>
+              <a:t>No required wire protocol or host programing interface.</a:t>
+            </a:r>
+          </a:p>
+          <a:p>
+            <a:pPr lvl="1"/>
+            <a:r>
+              <a:rPr lang="en-US" dirty="0" smtClean="0"/>
+              <a:t>Applications: back-ends, database, storage</a:t>
+            </a:r>
+          </a:p>
+          <a:p>
+            <a:pPr lvl="2"/>
+            <a:r>
+              <a:rPr lang="en-US" dirty="0" err="1" smtClean="0"/>
+              <a:t>Memcached</a:t>
+            </a:r>
+            <a:r>
+              <a:rPr lang="en-US" dirty="0" smtClean="0"/>
+              <a:t>, Big Table, Cassandra.</a:t>
+            </a:r>
+          </a:p>
+          <a:p>
+            <a:pPr lvl="1"/>
+            <a:r>
+              <a:rPr lang="en-US" dirty="0" smtClean="0"/>
+              <a:t>Socket interface </a:t>
+            </a:r>
+            <a:r>
+              <a:rPr lang="en-US" dirty="0" smtClean="0"/>
+              <a:t>hinders </a:t>
+            </a:r>
+            <a:r>
+              <a:rPr lang="en-US" dirty="0" smtClean="0"/>
+              <a:t>networking innovation.</a:t>
+            </a:r>
+          </a:p>
+          <a:p>
+            <a:pPr lvl="1"/>
+            <a:r>
+              <a:rPr lang="en-US" dirty="0" smtClean="0"/>
+              <a:t>Many vendor</a:t>
+            </a:r>
+            <a:r>
+              <a:rPr lang="en-US" dirty="0" smtClean="0"/>
+              <a:t>-specific interfaces available (dead or alive).</a:t>
             </a:r>
           </a:p>
         </p:txBody>
@@ -4156,910 +4654,17 @@
     </p:spTree>
     <p:extLst>
       <p:ext uri="{BB962C8B-B14F-4D97-AF65-F5344CB8AC3E}">
-        <p14:creationId xmlns:p14="http://schemas.microsoft.com/office/powerpoint/2010/main" val="2145617857"/>
+        <p14:creationId xmlns:p14="http://schemas.microsoft.com/office/powerpoint/2010/main" val="2858392868"/>
       </p:ext>
     </p:extLst>
   </p:cSld>
   <p:clrMapOvr>
     <a:masterClrMapping/>
   </p:clrMapOvr>
-  <p:timing>
-    <p:tnLst>
-      <p:par>
-        <p:cTn xmlns:p14="http://schemas.microsoft.com/office/powerpoint/2010/main" id="1" dur="indefinite" restart="never" nodeType="tmRoot"/>
-      </p:par>
-    </p:tnLst>
-  </p:timing>
 </p:sld>
 </file>
 
 <file path=ppt/slides/slide20.xml><?xml version="1.0" encoding="utf-8"?>
-<p:sld xmlns:a="http://schemas.openxmlformats.org/drawingml/2006/main" xmlns:r="http://schemas.openxmlformats.org/officeDocument/2006/relationships" xmlns:p="http://schemas.openxmlformats.org/presentationml/2006/main">
-  <p:cSld>
-    <p:spTree>
-      <p:nvGrpSpPr>
-        <p:cNvPr id="1" name=""/>
-        <p:cNvGrpSpPr/>
-        <p:nvPr/>
-      </p:nvGrpSpPr>
-      <p:grpSpPr>
-        <a:xfrm>
-          <a:off x="0" y="0"/>
-          <a:ext cx="0" cy="0"/>
-          <a:chOff x="0" y="0"/>
-          <a:chExt cx="0" cy="0"/>
-        </a:xfrm>
-      </p:grpSpPr>
-      <p:sp>
-        <p:nvSpPr>
-          <p:cNvPr id="2" name="Title 1"/>
-          <p:cNvSpPr>
-            <a:spLocks noGrp="1"/>
-          </p:cNvSpPr>
-          <p:nvPr>
-            <p:ph type="title"/>
-          </p:nvPr>
-        </p:nvSpPr>
-        <p:spPr>
-          <a:xfrm>
-            <a:off x="111098" y="152400"/>
-            <a:ext cx="8229600" cy="496290"/>
-          </a:xfrm>
-        </p:spPr>
-        <p:txBody>
-          <a:bodyPr/>
-          <a:lstStyle/>
-          <a:p>
-            <a:r>
-              <a:rPr lang="en-US" dirty="0"/>
-              <a:t>CCI Connections</a:t>
-            </a:r>
-          </a:p>
-        </p:txBody>
-      </p:sp>
-      <p:sp>
-        <p:nvSpPr>
-          <p:cNvPr id="3" name="Content Placeholder 2"/>
-          <p:cNvSpPr>
-            <a:spLocks noGrp="1"/>
-          </p:cNvSpPr>
-          <p:nvPr>
-            <p:ph idx="1"/>
-          </p:nvPr>
-        </p:nvSpPr>
-        <p:spPr>
-          <a:xfrm>
-            <a:off x="111204" y="1344823"/>
-            <a:ext cx="8229600" cy="4930580"/>
-          </a:xfrm>
-        </p:spPr>
-        <p:txBody>
-          <a:bodyPr/>
-          <a:lstStyle/>
-          <a:p>
-            <a:r>
-              <a:rPr lang="en-US" dirty="0"/>
-              <a:t>Per peer - a single endpoint can handle many connections</a:t>
-            </a:r>
-          </a:p>
-          <a:p>
-            <a:r>
-              <a:rPr lang="en-US" dirty="0"/>
-              <a:t>Lightweight – no dedicated buffers (~120B/peer)</a:t>
-            </a:r>
-          </a:p>
-          <a:p>
-            <a:r>
-              <a:rPr lang="en-US" dirty="0"/>
-              <a:t>May have multiple connections to the same peer</a:t>
-            </a:r>
-          </a:p>
-          <a:p>
-            <a:r>
-              <a:rPr lang="en-US" dirty="0"/>
-              <a:t>Use client/server model similar to Sockets and RDMA-CM</a:t>
-            </a:r>
-          </a:p>
-          <a:p>
-            <a:r>
-              <a:rPr lang="en-US" dirty="0"/>
-              <a:t>Represents reliability and order attributes</a:t>
-            </a:r>
-          </a:p>
-          <a:p>
-            <a:pPr lvl="1"/>
-            <a:r>
-              <a:rPr lang="en-US" dirty="0"/>
-              <a:t>Reliable with Ordered completion (RO)</a:t>
-            </a:r>
-          </a:p>
-          <a:p>
-            <a:pPr lvl="1"/>
-            <a:r>
-              <a:rPr lang="en-US" dirty="0"/>
-              <a:t>Reliable with Unordered completion (RU)</a:t>
-            </a:r>
-          </a:p>
-          <a:p>
-            <a:pPr lvl="1"/>
-            <a:r>
-              <a:rPr lang="en-US" dirty="0"/>
-              <a:t>Unreliable with Unordered completion (UU)</a:t>
-            </a:r>
-          </a:p>
-          <a:p>
-            <a:pPr lvl="1"/>
-            <a:r>
-              <a:rPr lang="en-US" dirty="0"/>
-              <a:t>Multicast Send (MC_TX)</a:t>
-            </a:r>
-          </a:p>
-          <a:p>
-            <a:pPr lvl="1"/>
-            <a:r>
-              <a:rPr lang="en-US" dirty="0"/>
-              <a:t>Multicast Receive (MC_RX)</a:t>
-            </a:r>
-          </a:p>
-        </p:txBody>
-      </p:sp>
-    </p:spTree>
-    <p:extLst>
-      <p:ext uri="{BB962C8B-B14F-4D97-AF65-F5344CB8AC3E}">
-        <p14:creationId xmlns:p14="http://schemas.microsoft.com/office/powerpoint/2010/main" val="1638107233"/>
-      </p:ext>
-    </p:extLst>
-  </p:cSld>
-  <p:clrMapOvr>
-    <a:masterClrMapping/>
-  </p:clrMapOvr>
-  <p:timing>
-    <p:tnLst>
-      <p:par>
-        <p:cTn xmlns:p14="http://schemas.microsoft.com/office/powerpoint/2010/main" id="1" dur="indefinite" restart="never" nodeType="tmRoot"/>
-      </p:par>
-    </p:tnLst>
-  </p:timing>
-</p:sld>
-</file>
-
-<file path=ppt/slides/slide21.xml><?xml version="1.0" encoding="utf-8"?>
-<p:sld xmlns:a="http://schemas.openxmlformats.org/drawingml/2006/main" xmlns:r="http://schemas.openxmlformats.org/officeDocument/2006/relationships" xmlns:p="http://schemas.openxmlformats.org/presentationml/2006/main">
-  <p:cSld>
-    <p:spTree>
-      <p:nvGrpSpPr>
-        <p:cNvPr id="1" name=""/>
-        <p:cNvGrpSpPr/>
-        <p:nvPr/>
-      </p:nvGrpSpPr>
-      <p:grpSpPr>
-        <a:xfrm>
-          <a:off x="0" y="0"/>
-          <a:ext cx="0" cy="0"/>
-          <a:chOff x="0" y="0"/>
-          <a:chExt cx="0" cy="0"/>
-        </a:xfrm>
-      </p:grpSpPr>
-      <p:sp>
-        <p:nvSpPr>
-          <p:cNvPr id="2" name="Title 1"/>
-          <p:cNvSpPr>
-            <a:spLocks noGrp="1"/>
-          </p:cNvSpPr>
-          <p:nvPr>
-            <p:ph type="title"/>
-          </p:nvPr>
-        </p:nvSpPr>
-        <p:spPr>
-          <a:xfrm>
-            <a:off x="111098" y="152400"/>
-            <a:ext cx="8229600" cy="496290"/>
-          </a:xfrm>
-        </p:spPr>
-        <p:txBody>
-          <a:bodyPr/>
-          <a:lstStyle/>
-          <a:p>
-            <a:r>
-              <a:rPr lang="en-US" dirty="0"/>
-              <a:t>Active Messages</a:t>
-            </a:r>
-          </a:p>
-        </p:txBody>
-      </p:sp>
-      <p:sp>
-        <p:nvSpPr>
-          <p:cNvPr id="3" name="Content Placeholder 2"/>
-          <p:cNvSpPr>
-            <a:spLocks noGrp="1"/>
-          </p:cNvSpPr>
-          <p:nvPr>
-            <p:ph idx="1"/>
-          </p:nvPr>
-        </p:nvSpPr>
-        <p:spPr>
-          <a:xfrm>
-            <a:off x="111204" y="800100"/>
-            <a:ext cx="8229600" cy="5842021"/>
-          </a:xfrm>
-        </p:spPr>
-        <p:txBody>
-          <a:bodyPr/>
-          <a:lstStyle/>
-          <a:p>
-            <a:r>
-              <a:rPr lang="en-US" dirty="0"/>
-              <a:t>Berkeley AM</a:t>
-            </a:r>
-          </a:p>
-          <a:p>
-            <a:pPr lvl="1"/>
-            <a:r>
-              <a:rPr lang="en-US" dirty="0"/>
-              <a:t>No posted receives</a:t>
-            </a:r>
-          </a:p>
-          <a:p>
-            <a:pPr lvl="1"/>
-            <a:r>
-              <a:rPr lang="en-US" dirty="0"/>
-              <a:t>Handlers run based on address in header</a:t>
-            </a:r>
-          </a:p>
-          <a:p>
-            <a:pPr lvl="2"/>
-            <a:r>
-              <a:rPr lang="en-US" dirty="0"/>
-              <a:t>No adittional progress until handler completes</a:t>
-            </a:r>
-          </a:p>
-          <a:p>
-            <a:pPr lvl="1"/>
-            <a:r>
-              <a:rPr lang="en-US" dirty="0"/>
-              <a:t>Internally managed buffers</a:t>
-            </a:r>
-          </a:p>
-          <a:p>
-            <a:r>
-              <a:rPr lang="en-US" dirty="0"/>
-              <a:t>CCI Active Messages</a:t>
-            </a:r>
-          </a:p>
-          <a:p>
-            <a:pPr lvl="1"/>
-            <a:r>
-              <a:rPr lang="en-US" dirty="0"/>
-              <a:t>No posted receives, uses internal buffers</a:t>
-            </a:r>
-          </a:p>
-          <a:p>
-            <a:pPr lvl="1"/>
-            <a:r>
-              <a:rPr lang="en-US" dirty="0"/>
-              <a:t>Events only, no handlers</a:t>
-            </a:r>
-          </a:p>
-          <a:p>
-            <a:pPr lvl="2"/>
-            <a:r>
-              <a:rPr lang="en-US" dirty="0"/>
-              <a:t>Event includes pointer to data, its length, and the connection (peer)</a:t>
-            </a:r>
-          </a:p>
-          <a:p>
-            <a:pPr lvl="1"/>
-            <a:r>
-              <a:rPr lang="en-US" dirty="0"/>
-              <a:t>May be inspected, modified, and/or sent in-place</a:t>
-            </a:r>
-          </a:p>
-          <a:p>
-            <a:pPr lvl="1"/>
-            <a:r>
-              <a:rPr lang="en-US" dirty="0"/>
-              <a:t>May be copied out if needed long term</a:t>
-            </a:r>
-          </a:p>
-          <a:p>
-            <a:pPr lvl="1"/>
-            <a:r>
-              <a:rPr lang="en-US" dirty="0"/>
-              <a:t>Limited in size – ideally MTU sized</a:t>
-            </a:r>
-          </a:p>
-          <a:p>
-            <a:pPr lvl="1"/>
-            <a:r>
-              <a:rPr lang="en-US" dirty="0"/>
-              <a:t>No segmenting/reassembly</a:t>
-            </a:r>
-          </a:p>
-        </p:txBody>
-      </p:sp>
-    </p:spTree>
-    <p:extLst>
-      <p:ext uri="{BB962C8B-B14F-4D97-AF65-F5344CB8AC3E}">
-        <p14:creationId xmlns:p14="http://schemas.microsoft.com/office/powerpoint/2010/main" val="2221889953"/>
-      </p:ext>
-    </p:extLst>
-  </p:cSld>
-  <p:clrMapOvr>
-    <a:masterClrMapping/>
-  </p:clrMapOvr>
-  <p:timing>
-    <p:tnLst>
-      <p:par>
-        <p:cTn xmlns:p14="http://schemas.microsoft.com/office/powerpoint/2010/main" id="1" dur="indefinite" restart="never" nodeType="tmRoot"/>
-      </p:par>
-    </p:tnLst>
-  </p:timing>
-</p:sld>
-</file>
-
-<file path=ppt/slides/slide22.xml><?xml version="1.0" encoding="utf-8"?>
-<p:sld xmlns:a="http://schemas.openxmlformats.org/drawingml/2006/main" xmlns:r="http://schemas.openxmlformats.org/officeDocument/2006/relationships" xmlns:p="http://schemas.openxmlformats.org/presentationml/2006/main">
-  <p:cSld>
-    <p:spTree>
-      <p:nvGrpSpPr>
-        <p:cNvPr id="1" name=""/>
-        <p:cNvGrpSpPr/>
-        <p:nvPr/>
-      </p:nvGrpSpPr>
-      <p:grpSpPr>
-        <a:xfrm>
-          <a:off x="0" y="0"/>
-          <a:ext cx="0" cy="0"/>
-          <a:chOff x="0" y="0"/>
-          <a:chExt cx="0" cy="0"/>
-        </a:xfrm>
-      </p:grpSpPr>
-      <p:sp>
-        <p:nvSpPr>
-          <p:cNvPr id="2" name="Title 1"/>
-          <p:cNvSpPr>
-            <a:spLocks noGrp="1"/>
-          </p:cNvSpPr>
-          <p:nvPr>
-            <p:ph type="title"/>
-          </p:nvPr>
-        </p:nvSpPr>
-        <p:spPr>
-          <a:xfrm>
-            <a:off x="111098" y="152400"/>
-            <a:ext cx="8229600" cy="496290"/>
-          </a:xfrm>
-        </p:spPr>
-        <p:txBody>
-          <a:bodyPr/>
-          <a:lstStyle/>
-          <a:p>
-            <a:r>
-              <a:rPr lang="en-US" dirty="0"/>
-              <a:t>CCI RMA</a:t>
-            </a:r>
-          </a:p>
-        </p:txBody>
-      </p:sp>
-      <p:sp>
-        <p:nvSpPr>
-          <p:cNvPr id="3" name="Content Placeholder 2"/>
-          <p:cNvSpPr>
-            <a:spLocks noGrp="1"/>
-          </p:cNvSpPr>
-          <p:nvPr>
-            <p:ph idx="1"/>
-          </p:nvPr>
-        </p:nvSpPr>
-        <p:spPr>
-          <a:xfrm>
-            <a:off x="111204" y="1344823"/>
-            <a:ext cx="8229600" cy="3626634"/>
-          </a:xfrm>
-        </p:spPr>
-        <p:txBody>
-          <a:bodyPr/>
-          <a:lstStyle/>
-          <a:p>
-            <a:r>
-              <a:rPr lang="en-US" dirty="0"/>
-              <a:t>Active messages are not enough</a:t>
-            </a:r>
-          </a:p>
-          <a:p>
-            <a:pPr lvl="1"/>
-            <a:r>
-              <a:rPr lang="en-US" dirty="0"/>
-              <a:t>But they are enough to allow setup of RMA</a:t>
-            </a:r>
-          </a:p>
-          <a:p>
-            <a:r>
-              <a:rPr lang="en-US" dirty="0"/>
-              <a:t>Zero-copy when supported</a:t>
-            </a:r>
-          </a:p>
-          <a:p>
-            <a:r>
-              <a:rPr lang="en-US" dirty="0"/>
-              <a:t>Require memory registration</a:t>
-            </a:r>
-          </a:p>
-          <a:p>
-            <a:r>
-              <a:rPr lang="en-US" dirty="0"/>
-              <a:t>No intra-message order guarantee</a:t>
-            </a:r>
-          </a:p>
-          <a:p>
-            <a:pPr lvl="1"/>
-            <a:r>
-              <a:rPr lang="en-US" dirty="0"/>
-              <a:t>No last byte written last</a:t>
-            </a:r>
-          </a:p>
-          <a:p>
-            <a:r>
-              <a:rPr lang="en-US" dirty="0"/>
-              <a:t>Write or Read with an optional Fence</a:t>
-            </a:r>
-          </a:p>
-        </p:txBody>
-      </p:sp>
-    </p:spTree>
-    <p:extLst>
-      <p:ext uri="{BB962C8B-B14F-4D97-AF65-F5344CB8AC3E}">
-        <p14:creationId xmlns:p14="http://schemas.microsoft.com/office/powerpoint/2010/main" val="3382555788"/>
-      </p:ext>
-    </p:extLst>
-  </p:cSld>
-  <p:clrMapOvr>
-    <a:masterClrMapping/>
-  </p:clrMapOvr>
-  <p:timing>
-    <p:tnLst>
-      <p:par>
-        <p:cTn xmlns:p14="http://schemas.microsoft.com/office/powerpoint/2010/main" id="1" dur="indefinite" restart="never" nodeType="tmRoot"/>
-      </p:par>
-    </p:tnLst>
-  </p:timing>
-</p:sld>
-</file>
-
-<file path=ppt/slides/slide23.xml><?xml version="1.0" encoding="utf-8"?>
-<p:sld xmlns:a="http://schemas.openxmlformats.org/drawingml/2006/main" xmlns:r="http://schemas.openxmlformats.org/officeDocument/2006/relationships" xmlns:p="http://schemas.openxmlformats.org/presentationml/2006/main">
-  <p:cSld>
-    <p:spTree>
-      <p:nvGrpSpPr>
-        <p:cNvPr id="1" name=""/>
-        <p:cNvGrpSpPr/>
-        <p:nvPr/>
-      </p:nvGrpSpPr>
-      <p:grpSpPr>
-        <a:xfrm>
-          <a:off x="0" y="0"/>
-          <a:ext cx="0" cy="0"/>
-          <a:chOff x="0" y="0"/>
-          <a:chExt cx="0" cy="0"/>
-        </a:xfrm>
-      </p:grpSpPr>
-      <p:sp>
-        <p:nvSpPr>
-          <p:cNvPr id="2" name="Title 1"/>
-          <p:cNvSpPr>
-            <a:spLocks noGrp="1"/>
-          </p:cNvSpPr>
-          <p:nvPr>
-            <p:ph type="title"/>
-          </p:nvPr>
-        </p:nvSpPr>
-        <p:spPr>
-          <a:xfrm>
-            <a:off x="111098" y="152400"/>
-            <a:ext cx="8229600" cy="496290"/>
-          </a:xfrm>
-        </p:spPr>
-        <p:txBody>
-          <a:bodyPr/>
-          <a:lstStyle/>
-          <a:p>
-            <a:r>
-              <a:rPr lang="en-US" dirty="0"/>
-              <a:t>Status and Evaluation</a:t>
-            </a:r>
-          </a:p>
-        </p:txBody>
-      </p:sp>
-      <p:sp>
-        <p:nvSpPr>
-          <p:cNvPr id="3" name="Content Placeholder 2"/>
-          <p:cNvSpPr>
-            <a:spLocks noGrp="1"/>
-          </p:cNvSpPr>
-          <p:nvPr>
-            <p:ph idx="1"/>
-          </p:nvPr>
-        </p:nvSpPr>
-        <p:spPr>
-          <a:xfrm>
-            <a:off x="111204" y="1344823"/>
-            <a:ext cx="8229600" cy="5366597"/>
-          </a:xfrm>
-        </p:spPr>
-        <p:txBody>
-          <a:bodyPr/>
-          <a:lstStyle/>
-          <a:p>
-            <a:r>
-              <a:rPr lang="en-US" strike="sngStrike" dirty="0"/>
-              <a:t>Three</a:t>
-            </a:r>
-            <a:r>
-              <a:rPr lang="en-US" dirty="0"/>
-              <a:t> Four proof-of-concept implementations</a:t>
-            </a:r>
-          </a:p>
-          <a:p>
-            <a:pPr lvl="1"/>
-            <a:r>
-              <a:rPr lang="en-US" dirty="0"/>
-              <a:t>Sockets, MX, Portals 3.3, Native SeaStar</a:t>
-            </a:r>
-          </a:p>
-          <a:p>
-            <a:r>
-              <a:rPr lang="en-US" dirty="0"/>
-              <a:t>Sockets</a:t>
-            </a:r>
-          </a:p>
-          <a:p>
-            <a:pPr lvl="1"/>
-            <a:r>
-              <a:rPr lang="en-US" dirty="0"/>
-              <a:t>Uses UDP with one socket per endpoint</a:t>
-            </a:r>
-          </a:p>
-          <a:p>
-            <a:pPr lvl="1"/>
-            <a:r>
-              <a:rPr lang="en-US" dirty="0"/>
-              <a:t>Implements reliability when required</a:t>
-            </a:r>
-          </a:p>
-          <a:p>
-            <a:pPr lvl="1"/>
-            <a:r>
-              <a:rPr lang="en-US" dirty="0"/>
-              <a:t>Implements AM, RMA Write</a:t>
-            </a:r>
-          </a:p>
-          <a:p>
-            <a:r>
-              <a:rPr lang="en-US" dirty="0"/>
-              <a:t>MX</a:t>
-            </a:r>
-          </a:p>
-          <a:p>
-            <a:pPr lvl="1"/>
-            <a:r>
-              <a:rPr lang="en-US" dirty="0"/>
-              <a:t>Implements AM only</a:t>
-            </a:r>
-          </a:p>
-          <a:p>
-            <a:pPr lvl="1"/>
-            <a:r>
-              <a:rPr lang="en-US" dirty="0"/>
-              <a:t>CCI requests rendezvous when reliability is requested</a:t>
-            </a:r>
-          </a:p>
-          <a:p>
-            <a:endParaRPr lang="en-US" dirty="0"/>
-          </a:p>
-          <a:p>
-            <a:endParaRPr lang="en-US" dirty="0"/>
-          </a:p>
-        </p:txBody>
-      </p:sp>
-    </p:spTree>
-    <p:extLst>
-      <p:ext uri="{BB962C8B-B14F-4D97-AF65-F5344CB8AC3E}">
-        <p14:creationId xmlns:p14="http://schemas.microsoft.com/office/powerpoint/2010/main" val="2889010775"/>
-      </p:ext>
-    </p:extLst>
-  </p:cSld>
-  <p:clrMapOvr>
-    <a:masterClrMapping/>
-  </p:clrMapOvr>
-  <p:timing>
-    <p:tnLst>
-      <p:par>
-        <p:cTn xmlns:p14="http://schemas.microsoft.com/office/powerpoint/2010/main" id="1" dur="indefinite" restart="never" nodeType="tmRoot"/>
-      </p:par>
-    </p:tnLst>
-  </p:timing>
-</p:sld>
-</file>
-
-<file path=ppt/slides/slide24.xml><?xml version="1.0" encoding="utf-8"?>
-<p:sld xmlns:a="http://schemas.openxmlformats.org/drawingml/2006/main" xmlns:r="http://schemas.openxmlformats.org/officeDocument/2006/relationships" xmlns:p="http://schemas.openxmlformats.org/presentationml/2006/main">
-  <p:cSld>
-    <p:spTree>
-      <p:nvGrpSpPr>
-        <p:cNvPr id="1" name=""/>
-        <p:cNvGrpSpPr/>
-        <p:nvPr/>
-      </p:nvGrpSpPr>
-      <p:grpSpPr>
-        <a:xfrm>
-          <a:off x="0" y="0"/>
-          <a:ext cx="0" cy="0"/>
-          <a:chOff x="0" y="0"/>
-          <a:chExt cx="0" cy="0"/>
-        </a:xfrm>
-      </p:grpSpPr>
-      <p:sp>
-        <p:nvSpPr>
-          <p:cNvPr id="2" name="Title 1"/>
-          <p:cNvSpPr>
-            <a:spLocks noGrp="1"/>
-          </p:cNvSpPr>
-          <p:nvPr>
-            <p:ph type="title"/>
-          </p:nvPr>
-        </p:nvSpPr>
-        <p:spPr>
-          <a:xfrm>
-            <a:off x="111098" y="152400"/>
-            <a:ext cx="8229600" cy="496290"/>
-          </a:xfrm>
-        </p:spPr>
-        <p:txBody>
-          <a:bodyPr/>
-          <a:lstStyle/>
-          <a:p>
-            <a:r>
-              <a:rPr lang="en-US" dirty="0"/>
-              <a:t>Status and Evaluation</a:t>
-            </a:r>
-          </a:p>
-        </p:txBody>
-      </p:sp>
-      <p:sp>
-        <p:nvSpPr>
-          <p:cNvPr id="3" name="Content Placeholder 2"/>
-          <p:cNvSpPr>
-            <a:spLocks noGrp="1"/>
-          </p:cNvSpPr>
-          <p:nvPr>
-            <p:ph idx="1"/>
-          </p:nvPr>
-        </p:nvSpPr>
-        <p:spPr>
-          <a:xfrm>
-            <a:off x="111204" y="1344823"/>
-            <a:ext cx="8229600" cy="4043158"/>
-          </a:xfrm>
-        </p:spPr>
-        <p:txBody>
-          <a:bodyPr/>
-          <a:lstStyle/>
-          <a:p>
-            <a:r>
-              <a:rPr lang="en-US" dirty="0"/>
-              <a:t>Portals 3.3</a:t>
-            </a:r>
-          </a:p>
-          <a:p>
-            <a:pPr lvl="1"/>
-            <a:r>
-              <a:rPr lang="en-US" dirty="0"/>
-              <a:t>Implements multiple endpoints using match bits</a:t>
-            </a:r>
-          </a:p>
-          <a:p>
-            <a:pPr lvl="1"/>
-            <a:r>
-              <a:rPr lang="en-US" dirty="0"/>
-              <a:t>Portals assumes reliability</a:t>
-            </a:r>
-          </a:p>
-          <a:p>
-            <a:pPr lvl="2"/>
-            <a:r>
-              <a:rPr lang="en-US" dirty="0"/>
-              <a:t>CCI requests </a:t>
-            </a:r>
-            <a:r>
-              <a:rPr lang="en-US" dirty="0" err="1"/>
-              <a:t>acks</a:t>
-            </a:r>
-            <a:r>
-              <a:rPr lang="en-US" dirty="0"/>
-              <a:t> for reliable connections</a:t>
-            </a:r>
-          </a:p>
-          <a:p>
-            <a:pPr lvl="1"/>
-            <a:r>
-              <a:rPr lang="en-US" dirty="0"/>
-              <a:t>Implements AM, RMA Write, Read, and Fence</a:t>
-            </a:r>
-          </a:p>
-          <a:p>
-            <a:r>
-              <a:rPr lang="en-US" dirty="0"/>
-              <a:t>Native SeaStar</a:t>
-            </a:r>
-          </a:p>
-          <a:p>
-            <a:pPr lvl="1"/>
-            <a:r>
-              <a:rPr lang="en-US" dirty="0"/>
-              <a:t>Implements AM only</a:t>
-            </a:r>
-          </a:p>
-          <a:p>
-            <a:pPr lvl="1"/>
-            <a:r>
-              <a:rPr lang="en-US" dirty="0"/>
-              <a:t>Unreliable only (working on reliability layer)</a:t>
-            </a:r>
-          </a:p>
-          <a:p>
-            <a:pPr lvl="1"/>
-            <a:r>
-              <a:rPr lang="en-US" dirty="0"/>
-              <a:t>Working on adding RMA </a:t>
-            </a:r>
-          </a:p>
-        </p:txBody>
-      </p:sp>
-    </p:spTree>
-    <p:extLst>
-      <p:ext uri="{BB962C8B-B14F-4D97-AF65-F5344CB8AC3E}">
-        <p14:creationId xmlns:p14="http://schemas.microsoft.com/office/powerpoint/2010/main" val="4192586054"/>
-      </p:ext>
-    </p:extLst>
-  </p:cSld>
-  <p:clrMapOvr>
-    <a:masterClrMapping/>
-  </p:clrMapOvr>
-  <p:timing>
-    <p:tnLst>
-      <p:par>
-        <p:cTn xmlns:p14="http://schemas.microsoft.com/office/powerpoint/2010/main" id="1" dur="indefinite" restart="never" nodeType="tmRoot"/>
-      </p:par>
-    </p:tnLst>
-  </p:timing>
-</p:sld>
-</file>
-
-<file path=ppt/slides/slide25.xml><?xml version="1.0" encoding="utf-8"?>
-<p:sld xmlns:a="http://schemas.openxmlformats.org/drawingml/2006/main" xmlns:r="http://schemas.openxmlformats.org/officeDocument/2006/relationships" xmlns:p="http://schemas.openxmlformats.org/presentationml/2006/main">
-  <p:cSld>
-    <p:spTree>
-      <p:nvGrpSpPr>
-        <p:cNvPr id="1" name=""/>
-        <p:cNvGrpSpPr/>
-        <p:nvPr/>
-      </p:nvGrpSpPr>
-      <p:grpSpPr>
-        <a:xfrm>
-          <a:off x="0" y="0"/>
-          <a:ext cx="0" cy="0"/>
-          <a:chOff x="0" y="0"/>
-          <a:chExt cx="0" cy="0"/>
-        </a:xfrm>
-      </p:grpSpPr>
-      <p:sp>
-        <p:nvSpPr>
-          <p:cNvPr id="2" name="Title 1"/>
-          <p:cNvSpPr>
-            <a:spLocks noGrp="1"/>
-          </p:cNvSpPr>
-          <p:nvPr>
-            <p:ph type="title"/>
-          </p:nvPr>
-        </p:nvSpPr>
-        <p:spPr>
-          <a:xfrm>
-            <a:off x="111098" y="152400"/>
-            <a:ext cx="8229600" cy="496290"/>
-          </a:xfrm>
-        </p:spPr>
-        <p:txBody>
-          <a:bodyPr/>
-          <a:lstStyle/>
-          <a:p>
-            <a:r>
-              <a:rPr lang="en-US" dirty="0"/>
-              <a:t>CCI/MX Performance</a:t>
-            </a:r>
-          </a:p>
-        </p:txBody>
-      </p:sp>
-      <p:pic>
-        <p:nvPicPr>
-          <p:cNvPr id="3" name="Picture 2" descr="pingpong-latency-mx-overhead-combined.pdf"/>
-          <p:cNvPicPr>
-            <a:picLocks noChangeAspect="1"/>
-          </p:cNvPicPr>
-          <p:nvPr/>
-        </p:nvPicPr>
-        <p:blipFill>
-          <a:blip r:embed="rId2">
-            <a:extLst>
-              <a:ext uri="{28A0092B-C50C-407E-A947-70E740481C1C}">
-                <a14:useLocalDpi xmlns:a14="http://schemas.microsoft.com/office/drawing/2010/main" val="0"/>
-              </a:ext>
-            </a:extLst>
-          </a:blip>
-          <a:stretch>
-            <a:fillRect/>
-          </a:stretch>
-        </p:blipFill>
-        <p:spPr>
-          <a:xfrm>
-            <a:off x="0" y="1828800"/>
-            <a:ext cx="4572000" cy="3200400"/>
-          </a:xfrm>
-          <a:prstGeom prst="rect">
-            <a:avLst/>
-          </a:prstGeom>
-        </p:spPr>
-      </p:pic>
-      <p:pic>
-        <p:nvPicPr>
-          <p:cNvPr id="4" name="Picture 3" descr="pingpong-bw-mx.pdf"/>
-          <p:cNvPicPr>
-            <a:picLocks noChangeAspect="1"/>
-          </p:cNvPicPr>
-          <p:nvPr/>
-        </p:nvPicPr>
-        <p:blipFill>
-          <a:blip r:embed="rId3">
-            <a:extLst>
-              <a:ext uri="{28A0092B-C50C-407E-A947-70E740481C1C}">
-                <a14:useLocalDpi xmlns:a14="http://schemas.microsoft.com/office/drawing/2010/main" val="0"/>
-              </a:ext>
-            </a:extLst>
-          </a:blip>
-          <a:stretch>
-            <a:fillRect/>
-          </a:stretch>
-        </p:blipFill>
-        <p:spPr>
-          <a:xfrm>
-            <a:off x="4572000" y="1792256"/>
-            <a:ext cx="4572000" cy="3200400"/>
-          </a:xfrm>
-          <a:prstGeom prst="rect">
-            <a:avLst/>
-          </a:prstGeom>
-        </p:spPr>
-      </p:pic>
-    </p:spTree>
-    <p:extLst>
-      <p:ext uri="{BB962C8B-B14F-4D97-AF65-F5344CB8AC3E}">
-        <p14:creationId xmlns:p14="http://schemas.microsoft.com/office/powerpoint/2010/main" val="2767896140"/>
-      </p:ext>
-    </p:extLst>
-  </p:cSld>
-  <p:clrMapOvr>
-    <a:masterClrMapping/>
-  </p:clrMapOvr>
-  <p:timing>
-    <p:tnLst>
-      <p:par>
-        <p:cTn xmlns:p14="http://schemas.microsoft.com/office/powerpoint/2010/main" id="1" dur="indefinite" restart="never" nodeType="tmRoot"/>
-      </p:par>
-    </p:tnLst>
-  </p:timing>
-</p:sld>
-</file>
-
-<file path=ppt/slides/slide26.xml><?xml version="1.0" encoding="utf-8"?>
 <p:sld xmlns:a="http://schemas.openxmlformats.org/drawingml/2006/main" xmlns:r="http://schemas.openxmlformats.org/officeDocument/2006/relationships" xmlns:p="http://schemas.openxmlformats.org/presentationml/2006/main">
   <p:cSld>
     <p:spTree>
@@ -5183,7 +4788,7 @@
 </p:sld>
 </file>
 
-<file path=ppt/slides/slide27.xml><?xml version="1.0" encoding="utf-8"?>
+<file path=ppt/slides/slide21.xml><?xml version="1.0" encoding="utf-8"?>
 <p:sld xmlns:a="http://schemas.openxmlformats.org/drawingml/2006/main" xmlns:r="http://schemas.openxmlformats.org/officeDocument/2006/relationships" xmlns:p="http://schemas.openxmlformats.org/presentationml/2006/main">
   <p:cSld>
     <p:spTree>
@@ -5395,7 +5000,7 @@
 </p:sld>
 </file>
 
-<file path=ppt/slides/slide28.xml><?xml version="1.0" encoding="utf-8"?>
+<file path=ppt/slides/slide22.xml><?xml version="1.0" encoding="utf-8"?>
 <p:sld xmlns:a="http://schemas.openxmlformats.org/drawingml/2006/main" xmlns:r="http://schemas.openxmlformats.org/officeDocument/2006/relationships" xmlns:p="http://schemas.openxmlformats.org/presentationml/2006/main">
   <p:cSld>
     <p:spTree>
@@ -5452,11 +5057,13 @@
         <p:spPr>
           <a:xfrm>
             <a:off x="111204" y="1025769"/>
-            <a:ext cx="8229600" cy="5403530"/>
-          </a:xfrm>
-        </p:spPr>
-        <p:txBody>
-          <a:bodyPr/>
+            <a:ext cx="8229600" cy="5362331"/>
+          </a:xfrm>
+        </p:spPr>
+        <p:txBody>
+          <a:bodyPr>
+            <a:normAutofit fontScale="85000" lnSpcReduction="20000"/>
+          </a:bodyPr>
           <a:lstStyle/>
           <a:p>
             <a:r>
@@ -5529,16 +5136,57 @@
           <a:p>
             <a:pPr lvl="1"/>
             <a:r>
-              <a:rPr lang="en-US" dirty="0"/>
-              <a:t>Can provide good performance</a:t>
-            </a:r>
-          </a:p>
-          <a:p>
-            <a:pPr lvl="1"/>
-            <a:r>
-              <a:rPr lang="en-US" dirty="0"/>
-              <a:t>Simple API</a:t>
-            </a:r>
+              <a:rPr lang="en-US" dirty="0" smtClean="0"/>
+              <a:t>P</a:t>
+            </a:r>
+            <a:r>
+              <a:rPr lang="en-US" dirty="0" smtClean="0"/>
+              <a:t>rovides </a:t>
+            </a:r>
+            <a:r>
+              <a:rPr lang="en-US" dirty="0"/>
+              <a:t>good performance</a:t>
+            </a:r>
+          </a:p>
+          <a:p>
+            <a:pPr lvl="1"/>
+            <a:r>
+              <a:rPr lang="en-US" dirty="0"/>
+              <a:t>Simple </a:t>
+            </a:r>
+            <a:r>
+              <a:rPr lang="en-US" dirty="0" smtClean="0"/>
+              <a:t>API</a:t>
+            </a:r>
+          </a:p>
+          <a:p>
+            <a:r>
+              <a:rPr lang="en-US" dirty="0" smtClean="0"/>
+              <a:t>CCI Next steps</a:t>
+            </a:r>
+          </a:p>
+          <a:p>
+            <a:pPr lvl="1"/>
+            <a:r>
+              <a:rPr lang="en-US" dirty="0" smtClean="0"/>
+              <a:t>Finish fleshing out TCP and native Portals implementations</a:t>
+            </a:r>
+          </a:p>
+          <a:p>
+            <a:pPr lvl="1"/>
+            <a:r>
+              <a:rPr lang="en-US" dirty="0" smtClean="0"/>
+              <a:t>Work is underway to provide Cray GNI, IBM Blue Gene, and </a:t>
+            </a:r>
+            <a:r>
+              <a:rPr lang="en-US" dirty="0" err="1" smtClean="0"/>
+              <a:t>InfiniBand</a:t>
+            </a:r>
+            <a:r>
+              <a:rPr lang="en-US" dirty="0" smtClean="0"/>
+              <a:t> Verbs support	</a:t>
+            </a:r>
+            <a:endParaRPr lang="en-US" dirty="0"/>
           </a:p>
         </p:txBody>
       </p:sp>
@@ -5562,8 +5210,8 @@
 </p:sld>
 </file>
 
-<file path=ppt/slides/slide3.xml><?xml version="1.0" encoding="utf-8"?>
-<p:sld xmlns:a="http://schemas.openxmlformats.org/drawingml/2006/main" xmlns:r="http://schemas.openxmlformats.org/officeDocument/2006/relationships" xmlns:p="http://schemas.openxmlformats.org/presentationml/2006/main">
+<file path=ppt/slides/slide23.xml><?xml version="1.0" encoding="utf-8"?>
+<p:sld xmlns:a="http://schemas.openxmlformats.org/drawingml/2006/main" xmlns:r="http://schemas.openxmlformats.org/officeDocument/2006/relationships" xmlns:p="http://schemas.openxmlformats.org/presentationml/2006/main" show="0">
   <p:cSld>
     <p:spTree>
       <p:nvGrpSpPr>
@@ -5589,14 +5237,19 @@
             <p:ph type="title"/>
           </p:nvPr>
         </p:nvSpPr>
-        <p:spPr/>
+        <p:spPr>
+          <a:xfrm>
+            <a:off x="111098" y="152400"/>
+            <a:ext cx="8229600" cy="496290"/>
+          </a:xfrm>
+        </p:spPr>
         <p:txBody>
           <a:bodyPr/>
           <a:lstStyle/>
           <a:p>
             <a:r>
               <a:rPr lang="en-US" dirty="0" smtClean="0"/>
-              <a:t>The context</a:t>
+              <a:t>ATTIC</a:t>
             </a:r>
             <a:endParaRPr lang="en-US" dirty="0"/>
           </a:p>
@@ -5614,8 +5267,8 @@
         </p:nvSpPr>
         <p:spPr>
           <a:xfrm>
-            <a:off x="111204" y="1344823"/>
-            <a:ext cx="8229600" cy="4471993"/>
+            <a:off x="111204" y="1125025"/>
+            <a:ext cx="8229600" cy="1054648"/>
           </a:xfrm>
         </p:spPr>
         <p:txBody>
@@ -5624,92 +5277,37 @@
           <a:p>
             <a:r>
               <a:rPr lang="en-US" dirty="0" smtClean="0"/>
-              <a:t>Application control one side of the pipe:</a:t>
-            </a:r>
-          </a:p>
-          <a:p>
-            <a:pPr lvl="1"/>
-            <a:r>
-              <a:rPr lang="en-US" dirty="0" smtClean="0"/>
-              <a:t>Common language: IP on the wire, Socket interface on the host.</a:t>
-            </a:r>
-          </a:p>
-          <a:p>
-            <a:pPr lvl="1"/>
-            <a:r>
-              <a:rPr lang="en-US" dirty="0" smtClean="0"/>
-              <a:t>Applications: web service, media delivery, trading exchange.</a:t>
-            </a:r>
-          </a:p>
-          <a:p>
-            <a:pPr lvl="1"/>
-            <a:r>
-              <a:rPr lang="en-US" dirty="0" smtClean="0"/>
-              <a:t>Not going away, way too much legacy.</a:t>
-            </a:r>
-          </a:p>
-          <a:p>
-            <a:r>
-              <a:rPr lang="en-US" dirty="0" smtClean="0"/>
-              <a:t>Application controls both sides:</a:t>
-            </a:r>
-          </a:p>
-          <a:p>
-            <a:pPr lvl="1"/>
-            <a:r>
-              <a:rPr lang="en-US" dirty="0" smtClean="0"/>
-              <a:t>No required wire protocol or host programing interface.</a:t>
-            </a:r>
-          </a:p>
-          <a:p>
-            <a:pPr lvl="1"/>
-            <a:r>
-              <a:rPr lang="en-US" dirty="0" smtClean="0"/>
-              <a:t>Applications: back-ends, database, storage</a:t>
-            </a:r>
-          </a:p>
-          <a:p>
-            <a:pPr lvl="2"/>
-            <a:r>
-              <a:rPr lang="en-US" dirty="0" err="1" smtClean="0"/>
-              <a:t>Memcached</a:t>
-            </a:r>
-            <a:r>
-              <a:rPr lang="en-US" dirty="0" smtClean="0"/>
-              <a:t>, Big Table, Cassandra.</a:t>
-            </a:r>
-          </a:p>
-          <a:p>
-            <a:pPr lvl="1"/>
-            <a:r>
-              <a:rPr lang="en-US" dirty="0" smtClean="0"/>
-              <a:t>Socket interface hinder networking innovation.</a:t>
-            </a:r>
-          </a:p>
-          <a:p>
-            <a:pPr lvl="1"/>
-            <a:r>
-              <a:rPr lang="en-US" dirty="0" smtClean="0"/>
-              <a:t>Gazillions of vendor-specific interfaces available (dead or alive).</a:t>
-            </a:r>
+              <a:t>This is all stuff we likely won’t present</a:t>
+            </a:r>
+          </a:p>
+          <a:p>
+            <a:endParaRPr lang="en-US" dirty="0"/>
           </a:p>
         </p:txBody>
       </p:sp>
     </p:spTree>
     <p:extLst>
       <p:ext uri="{BB962C8B-B14F-4D97-AF65-F5344CB8AC3E}">
-        <p14:creationId xmlns:p14="http://schemas.microsoft.com/office/powerpoint/2010/main" val="2858392868"/>
+        <p14:creationId xmlns:p14="http://schemas.microsoft.com/office/powerpoint/2010/main" val="4209813427"/>
       </p:ext>
     </p:extLst>
   </p:cSld>
   <p:clrMapOvr>
     <a:masterClrMapping/>
   </p:clrMapOvr>
+  <mc:AlternateContent xmlns:mc="http://schemas.openxmlformats.org/markup-compatibility/2006">
+    <mc:Choice xmlns:p14="http://schemas.microsoft.com/office/powerpoint/2010/main" Requires="p14">
+      <p:transition spd="slow" p14:dur="2000"/>
+    </mc:Choice>
+    <mc:Fallback>
+      <p:transition xmlns:p14="http://schemas.microsoft.com/office/powerpoint/2010/main" spd="slow"/>
+    </mc:Fallback>
+  </mc:AlternateContent>
 </p:sld>
 </file>
 
-<file path=ppt/slides/slide4.xml><?xml version="1.0" encoding="utf-8"?>
-<p:sld xmlns:a="http://schemas.openxmlformats.org/drawingml/2006/main" xmlns:r="http://schemas.openxmlformats.org/officeDocument/2006/relationships" xmlns:p="http://schemas.openxmlformats.org/presentationml/2006/main">
+<file path=ppt/slides/slide24.xml><?xml version="1.0" encoding="utf-8"?>
+<p:sld xmlns:a="http://schemas.openxmlformats.org/drawingml/2006/main" xmlns:r="http://schemas.openxmlformats.org/officeDocument/2006/relationships" xmlns:p="http://schemas.openxmlformats.org/presentationml/2006/main" show="0">
   <p:cSld>
     <p:spTree>
       <p:nvGrpSpPr>
@@ -5735,16 +5333,20 @@
             <p:ph type="title"/>
           </p:nvPr>
         </p:nvSpPr>
-        <p:spPr/>
+        <p:spPr>
+          <a:xfrm>
+            <a:off x="111098" y="152400"/>
+            <a:ext cx="8229600" cy="496290"/>
+          </a:xfrm>
+        </p:spPr>
         <p:txBody>
           <a:bodyPr/>
           <a:lstStyle/>
           <a:p>
             <a:r>
-              <a:rPr lang="en-US" dirty="0" smtClean="0"/>
-              <a:t>The problem</a:t>
-            </a:r>
-            <a:endParaRPr lang="en-US" dirty="0"/>
+              <a:rPr lang="en-US" dirty="0"/>
+              <a:t>Outline</a:t>
+            </a:r>
           </a:p>
         </p:txBody>
       </p:sp>
@@ -5761,7 +5363,7 @@
         <p:spPr>
           <a:xfrm>
             <a:off x="111204" y="1344823"/>
-            <a:ext cx="8229600" cy="4092402"/>
+            <a:ext cx="8229600" cy="2756652"/>
           </a:xfrm>
         </p:spPr>
         <p:txBody>
@@ -5769,68 +5371,32 @@
           <a:lstStyle/>
           <a:p>
             <a:r>
-              <a:rPr lang="en-US" dirty="0" smtClean="0"/>
-              <a:t>Application </a:t>
-            </a:r>
-            <a:r>
-              <a:rPr lang="en-US" dirty="0" smtClean="0"/>
-              <a:t>developers</a:t>
-            </a:r>
-            <a:r>
-              <a:rPr lang="en-US" dirty="0" smtClean="0"/>
-              <a:t>:</a:t>
-            </a:r>
-          </a:p>
-          <a:p>
-            <a:pPr lvl="1"/>
-            <a:r>
-              <a:rPr lang="en-US" dirty="0" smtClean="0"/>
-              <a:t>Stick with Sockets.</a:t>
-            </a:r>
-          </a:p>
-          <a:p>
-            <a:pPr lvl="1"/>
-            <a:r>
-              <a:rPr lang="en-US" dirty="0" smtClean="0"/>
-              <a:t>Lock themselves with a vendor-specific interface.</a:t>
-            </a:r>
-          </a:p>
-          <a:p>
-            <a:pPr lvl="1"/>
-            <a:r>
-              <a:rPr lang="en-US" dirty="0" smtClean="0"/>
-              <a:t>Support a number of different interfaces.</a:t>
-            </a:r>
-          </a:p>
-          <a:p>
-            <a:pPr lvl="1"/>
-            <a:endParaRPr lang="en-US" dirty="0" smtClean="0"/>
-          </a:p>
-          <a:p>
-            <a:r>
-              <a:rPr lang="en-US" dirty="0" smtClean="0"/>
-              <a:t>Network vendors:</a:t>
-            </a:r>
-          </a:p>
-          <a:p>
-            <a:pPr lvl="1"/>
-            <a:r>
-              <a:rPr lang="en-US" dirty="0" smtClean="0"/>
-              <a:t>Cut corners to improve Sockets.</a:t>
-            </a:r>
-          </a:p>
-          <a:p>
-            <a:pPr lvl="1"/>
-            <a:r>
-              <a:rPr lang="en-US" dirty="0" smtClean="0"/>
-              <a:t>Push their interface as the Only True One.</a:t>
-            </a:r>
-          </a:p>
-          <a:p>
-            <a:pPr lvl="1"/>
-            <a:r>
-              <a:rPr lang="en-US" dirty="0" smtClean="0"/>
-              <a:t>Support a number of different applications.</a:t>
+              <a:rPr lang="en-US" dirty="0"/>
+              <a:t>What do distributed applications need?</a:t>
+            </a:r>
+          </a:p>
+          <a:p>
+            <a:r>
+              <a:rPr lang="en-US" dirty="0"/>
+              <a:t>Current APIs</a:t>
+            </a:r>
+          </a:p>
+          <a:p>
+            <a:r>
+              <a:rPr lang="en-US" dirty="0"/>
+              <a:t>CCI Overview</a:t>
+            </a:r>
+          </a:p>
+          <a:p>
+            <a:r>
+              <a:rPr lang="en-US" dirty="0"/>
+              <a:t>Status and Evaluation</a:t>
+            </a:r>
+          </a:p>
+          <a:p>
+            <a:r>
+              <a:rPr lang="en-US" dirty="0"/>
+              <a:t>Conclusion</a:t>
             </a:r>
           </a:p>
         </p:txBody>
@@ -5838,144 +5404,21 @@
     </p:spTree>
     <p:extLst>
       <p:ext uri="{BB962C8B-B14F-4D97-AF65-F5344CB8AC3E}">
-        <p14:creationId xmlns:p14="http://schemas.microsoft.com/office/powerpoint/2010/main" val="1991255280"/>
+        <p14:creationId xmlns:p14="http://schemas.microsoft.com/office/powerpoint/2010/main" val="2145617857"/>
       </p:ext>
     </p:extLst>
   </p:cSld>
   <p:clrMapOvr>
     <a:masterClrMapping/>
   </p:clrMapOvr>
-</p:sld>
-</file>
-
-<file path=ppt/slides/slide5.xml><?xml version="1.0" encoding="utf-8"?>
-<p:sld xmlns:a="http://schemas.openxmlformats.org/drawingml/2006/main" xmlns:r="http://schemas.openxmlformats.org/officeDocument/2006/relationships" xmlns:p="http://schemas.openxmlformats.org/presentationml/2006/main">
-  <p:cSld>
-    <p:spTree>
-      <p:nvGrpSpPr>
-        <p:cNvPr id="1" name=""/>
-        <p:cNvGrpSpPr/>
-        <p:nvPr/>
-      </p:nvGrpSpPr>
-      <p:grpSpPr>
-        <a:xfrm>
-          <a:off x="0" y="0"/>
-          <a:ext cx="0" cy="0"/>
-          <a:chOff x="0" y="0"/>
-          <a:chExt cx="0" cy="0"/>
-        </a:xfrm>
-      </p:grpSpPr>
-      <p:sp>
-        <p:nvSpPr>
-          <p:cNvPr id="2" name="Title 1"/>
-          <p:cNvSpPr>
-            <a:spLocks noGrp="1"/>
-          </p:cNvSpPr>
-          <p:nvPr>
-            <p:ph type="title"/>
-          </p:nvPr>
-        </p:nvSpPr>
-        <p:spPr>
-          <a:xfrm>
-            <a:off x="111098" y="152400"/>
-            <a:ext cx="8229600" cy="496290"/>
-          </a:xfrm>
-        </p:spPr>
-        <p:txBody>
-          <a:bodyPr/>
-          <a:lstStyle/>
-          <a:p>
-            <a:r>
-              <a:rPr lang="en-US" dirty="0"/>
-              <a:t>Distributed application needs</a:t>
-            </a:r>
-          </a:p>
-        </p:txBody>
-      </p:sp>
-      <p:sp>
-        <p:nvSpPr>
-          <p:cNvPr id="3" name="Content Placeholder 2"/>
-          <p:cNvSpPr>
-            <a:spLocks noGrp="1"/>
-          </p:cNvSpPr>
-          <p:nvPr>
-            <p:ph idx="1"/>
-          </p:nvPr>
-        </p:nvSpPr>
-        <p:spPr>
-          <a:xfrm>
-            <a:off x="111204" y="1344823"/>
-            <a:ext cx="8229600" cy="3795911"/>
-          </a:xfrm>
-        </p:spPr>
-        <p:txBody>
-          <a:bodyPr/>
-          <a:lstStyle/>
-          <a:p>
-            <a:r>
-              <a:rPr lang="en-US" dirty="0"/>
-              <a:t>Dynamic process management</a:t>
-            </a:r>
-          </a:p>
-          <a:p>
-            <a:pPr lvl="1"/>
-            <a:r>
-              <a:rPr lang="en-US" dirty="0"/>
-              <a:t>Peers come and go – not statically known a priori</a:t>
-            </a:r>
-          </a:p>
-          <a:p>
-            <a:r>
-              <a:rPr lang="en-US" dirty="0"/>
-              <a:t>Scalability</a:t>
-            </a:r>
-          </a:p>
-          <a:p>
-            <a:pPr lvl="1"/>
-            <a:r>
-              <a:rPr lang="en-US" dirty="0"/>
-              <a:t>Approaching 10^6 nodes and 10^9 cores</a:t>
-            </a:r>
-          </a:p>
-          <a:p>
-            <a:pPr lvl="1"/>
-            <a:r>
-              <a:rPr lang="en-US" dirty="0"/>
-              <a:t>Time and space cannot grow linearly with number of peers</a:t>
-            </a:r>
-          </a:p>
-          <a:p>
-            <a:r>
-              <a:rPr lang="en-US" dirty="0"/>
-              <a:t>Fault tolerance</a:t>
-            </a:r>
-          </a:p>
-          <a:p>
-            <a:pPr lvl="1"/>
-            <a:r>
-              <a:rPr lang="en-US" dirty="0"/>
-              <a:t>Failures increase with component count</a:t>
-            </a:r>
-          </a:p>
-          <a:p>
-            <a:pPr lvl="1"/>
-            <a:r>
-              <a:rPr lang="en-US" dirty="0"/>
-              <a:t>Need to contain faults to a single peer (i.e. fault isolation)</a:t>
-            </a:r>
-          </a:p>
-        </p:txBody>
-      </p:sp>
-    </p:spTree>
-    <p:extLst>
-      <p:ext uri="{BB962C8B-B14F-4D97-AF65-F5344CB8AC3E}">
-        <p14:creationId xmlns:p14="http://schemas.microsoft.com/office/powerpoint/2010/main" val="698086324"/>
-      </p:ext>
-    </p:extLst>
-  </p:cSld>
-  <p:clrMapOvr>
-    <a:masterClrMapping/>
-  </p:clrMapOvr>
+  <mc:AlternateContent xmlns:mc="http://schemas.openxmlformats.org/markup-compatibility/2006">
+    <mc:Choice xmlns:p14="http://schemas.microsoft.com/office/powerpoint/2010/main" Requires="p14">
+      <p:transition spd="slow" p14:dur="2000"/>
+    </mc:Choice>
+    <mc:Fallback>
+      <p:transition xmlns:p14="http://schemas.microsoft.com/office/powerpoint/2010/main" spd="slow"/>
+    </mc:Fallback>
+  </mc:AlternateContent>
   <p:timing>
     <p:tnLst>
       <p:par>
@@ -5986,160 +5429,8 @@
 </p:sld>
 </file>
 
-<file path=ppt/slides/slide6.xml><?xml version="1.0" encoding="utf-8"?>
-<p:sld xmlns:a="http://schemas.openxmlformats.org/drawingml/2006/main" xmlns:r="http://schemas.openxmlformats.org/officeDocument/2006/relationships" xmlns:p="http://schemas.openxmlformats.org/presentationml/2006/main">
-  <p:cSld>
-    <p:spTree>
-      <p:nvGrpSpPr>
-        <p:cNvPr id="1" name=""/>
-        <p:cNvGrpSpPr/>
-        <p:nvPr/>
-      </p:nvGrpSpPr>
-      <p:grpSpPr>
-        <a:xfrm>
-          <a:off x="0" y="0"/>
-          <a:ext cx="0" cy="0"/>
-          <a:chOff x="0" y="0"/>
-          <a:chExt cx="0" cy="0"/>
-        </a:xfrm>
-      </p:grpSpPr>
-      <p:sp>
-        <p:nvSpPr>
-          <p:cNvPr id="2" name="Title 1"/>
-          <p:cNvSpPr>
-            <a:spLocks noGrp="1"/>
-          </p:cNvSpPr>
-          <p:nvPr>
-            <p:ph type="title"/>
-          </p:nvPr>
-        </p:nvSpPr>
-        <p:spPr>
-          <a:xfrm>
-            <a:off x="111098" y="152400"/>
-            <a:ext cx="8229600" cy="496290"/>
-          </a:xfrm>
-        </p:spPr>
-        <p:txBody>
-          <a:bodyPr/>
-          <a:lstStyle/>
-          <a:p>
-            <a:r>
-              <a:rPr lang="en-US" dirty="0"/>
-              <a:t>Distributed application needs</a:t>
-            </a:r>
-          </a:p>
-        </p:txBody>
-      </p:sp>
-      <p:sp>
-        <p:nvSpPr>
-          <p:cNvPr id="3" name="Content Placeholder 2"/>
-          <p:cNvSpPr>
-            <a:spLocks noGrp="1"/>
-          </p:cNvSpPr>
-          <p:nvPr>
-            <p:ph idx="1"/>
-          </p:nvPr>
-        </p:nvSpPr>
-        <p:spPr>
-          <a:xfrm>
-            <a:off x="111204" y="1344823"/>
-            <a:ext cx="8229600" cy="4665892"/>
-          </a:xfrm>
-        </p:spPr>
-        <p:txBody>
-          <a:bodyPr/>
-          <a:lstStyle/>
-          <a:p>
-            <a:r>
-              <a:rPr lang="en-US" dirty="0"/>
-              <a:t>Performance</a:t>
-            </a:r>
-          </a:p>
-          <a:p>
-            <a:pPr lvl="1"/>
-            <a:r>
-              <a:rPr lang="en-US" dirty="0"/>
-              <a:t>Utilize OS-bypass, zero-copy, one-sided, asynchronous operations</a:t>
-            </a:r>
-          </a:p>
-          <a:p>
-            <a:r>
-              <a:rPr lang="en-US" dirty="0"/>
-              <a:t>Portability</a:t>
-            </a:r>
-          </a:p>
-          <a:p>
-            <a:pPr lvl="1"/>
-            <a:r>
-              <a:rPr lang="en-US" dirty="0"/>
-              <a:t>Developers have limited resources</a:t>
-            </a:r>
-          </a:p>
-          <a:p>
-            <a:pPr lvl="1"/>
-            <a:r>
-              <a:rPr lang="en-US" dirty="0"/>
-              <a:t>Provide common abstraction</a:t>
-            </a:r>
-          </a:p>
-          <a:p>
-            <a:pPr lvl="1"/>
-            <a:r>
-              <a:rPr lang="en-US" dirty="0"/>
-              <a:t>Avoid vendor lock-in</a:t>
-            </a:r>
-          </a:p>
-          <a:p>
-            <a:r>
-              <a:rPr lang="en-US" dirty="0"/>
-              <a:t>Simplicity</a:t>
-            </a:r>
-          </a:p>
-          <a:p>
-            <a:pPr lvl="1"/>
-            <a:r>
-              <a:rPr lang="en-US" dirty="0"/>
-              <a:t>Must not be so complicated that only experts can use it</a:t>
-            </a:r>
-          </a:p>
-          <a:p>
-            <a:pPr lvl="1"/>
-            <a:r>
-              <a:rPr lang="en-US" dirty="0"/>
-              <a:t>Finding the right balance of functions</a:t>
-            </a:r>
-          </a:p>
-          <a:p>
-            <a:pPr lvl="1"/>
-            <a:r>
-              <a:rPr lang="en-US" dirty="0"/>
-              <a:t>Complexity tends to increase code size and maintenance cost</a:t>
-            </a:r>
-          </a:p>
-        </p:txBody>
-      </p:sp>
-    </p:spTree>
-    <p:extLst>
-      <p:ext uri="{BB962C8B-B14F-4D97-AF65-F5344CB8AC3E}">
-        <p14:creationId xmlns:p14="http://schemas.microsoft.com/office/powerpoint/2010/main" val="2649674716"/>
-      </p:ext>
-    </p:extLst>
-  </p:cSld>
-  <p:clrMapOvr>
-    <a:masterClrMapping/>
-  </p:clrMapOvr>
-  <p:timing>
-    <p:tnLst>
-      <p:par>
-        <p:cTn xmlns:p14="http://schemas.microsoft.com/office/powerpoint/2010/main" id="1" dur="indefinite" restart="never" nodeType="tmRoot"/>
-      </p:par>
-    </p:tnLst>
-  </p:timing>
-</p:sld>
-</file>
-
-<file path=ppt/slides/slide7.xml><?xml version="1.0" encoding="utf-8"?>
-<p:sld xmlns:a="http://schemas.openxmlformats.org/drawingml/2006/main" xmlns:r="http://schemas.openxmlformats.org/officeDocument/2006/relationships" xmlns:p="http://schemas.openxmlformats.org/presentationml/2006/main">
+<file path=ppt/slides/slide25.xml><?xml version="1.0" encoding="utf-8"?>
+<p:sld xmlns:a="http://schemas.openxmlformats.org/drawingml/2006/main" xmlns:r="http://schemas.openxmlformats.org/officeDocument/2006/relationships" xmlns:p="http://schemas.openxmlformats.org/presentationml/2006/main" show="0">
   <p:cSld>
     <p:spTree>
       <p:nvGrpSpPr>
@@ -6450,6 +5741,1457 @@
   <p:clrMapOvr>
     <a:masterClrMapping/>
   </p:clrMapOvr>
+  <mc:AlternateContent xmlns:mc="http://schemas.openxmlformats.org/markup-compatibility/2006">
+    <mc:Choice xmlns:p14="http://schemas.microsoft.com/office/powerpoint/2010/main" Requires="p14">
+      <p:transition spd="slow" p14:dur="2000"/>
+    </mc:Choice>
+    <mc:Fallback>
+      <p:transition xmlns:p14="http://schemas.microsoft.com/office/powerpoint/2010/main" spd="slow"/>
+    </mc:Fallback>
+  </mc:AlternateContent>
+  <p:timing>
+    <p:tnLst>
+      <p:par>
+        <p:cTn xmlns:p14="http://schemas.microsoft.com/office/powerpoint/2010/main" id="1" dur="indefinite" restart="never" nodeType="tmRoot"/>
+      </p:par>
+    </p:tnLst>
+  </p:timing>
+</p:sld>
+</file>
+
+<file path=ppt/slides/slide26.xml><?xml version="1.0" encoding="utf-8"?>
+<p:sld xmlns:a="http://schemas.openxmlformats.org/drawingml/2006/main" xmlns:r="http://schemas.openxmlformats.org/officeDocument/2006/relationships" xmlns:p="http://schemas.openxmlformats.org/presentationml/2006/main" show="0">
+  <p:cSld>
+    <p:spTree>
+      <p:nvGrpSpPr>
+        <p:cNvPr id="1" name=""/>
+        <p:cNvGrpSpPr/>
+        <p:nvPr/>
+      </p:nvGrpSpPr>
+      <p:grpSpPr>
+        <a:xfrm>
+          <a:off x="0" y="0"/>
+          <a:ext cx="0" cy="0"/>
+          <a:chOff x="0" y="0"/>
+          <a:chExt cx="0" cy="0"/>
+        </a:xfrm>
+      </p:grpSpPr>
+      <p:sp>
+        <p:nvSpPr>
+          <p:cNvPr id="2" name="Title 1"/>
+          <p:cNvSpPr>
+            <a:spLocks noGrp="1"/>
+          </p:cNvSpPr>
+          <p:nvPr>
+            <p:ph type="title"/>
+          </p:nvPr>
+        </p:nvSpPr>
+        <p:spPr>
+          <a:xfrm>
+            <a:off x="111098" y="152400"/>
+            <a:ext cx="8229600" cy="496290"/>
+          </a:xfrm>
+        </p:spPr>
+        <p:txBody>
+          <a:bodyPr/>
+          <a:lstStyle/>
+          <a:p>
+            <a:r>
+              <a:rPr lang="en-US" dirty="0"/>
+              <a:t>OFA Verbs</a:t>
+            </a:r>
+          </a:p>
+        </p:txBody>
+      </p:sp>
+      <p:sp>
+        <p:nvSpPr>
+          <p:cNvPr id="3" name="Content Placeholder 2"/>
+          <p:cNvSpPr>
+            <a:spLocks noGrp="1"/>
+          </p:cNvSpPr>
+          <p:nvPr>
+            <p:ph idx="1"/>
+          </p:nvPr>
+        </p:nvSpPr>
+        <p:spPr>
+          <a:xfrm>
+            <a:off x="111204" y="1028701"/>
+            <a:ext cx="8229600" cy="5315815"/>
+          </a:xfrm>
+        </p:spPr>
+        <p:txBody>
+          <a:bodyPr/>
+          <a:lstStyle/>
+          <a:p>
+            <a:r>
+              <a:rPr lang="en-US" sz="2600" dirty="0"/>
+              <a:t>Based on earlier VIA spec</a:t>
+            </a:r>
+          </a:p>
+          <a:p>
+            <a:r>
+              <a:rPr lang="en-US" sz="2600" dirty="0"/>
+              <a:t>Does not specify API, just </a:t>
+            </a:r>
+            <a:r>
+              <a:rPr lang="en-US" sz="2600" i="1" dirty="0"/>
+              <a:t>Verbs</a:t>
+            </a:r>
+          </a:p>
+          <a:p>
+            <a:r>
+              <a:rPr lang="en-US" sz="2600" dirty="0"/>
+              <a:t>Multiple vendor APIs initially</a:t>
+            </a:r>
+          </a:p>
+          <a:p>
+            <a:r>
+              <a:rPr lang="en-US" sz="2600" dirty="0"/>
+              <a:t>Coalesced into Open-Fabrics Association (OFA)</a:t>
+            </a:r>
+          </a:p>
+          <a:p>
+            <a:r>
+              <a:rPr lang="en-US" sz="2600" dirty="0"/>
+              <a:t>Two-sided and one-sided</a:t>
+            </a:r>
+          </a:p>
+          <a:p>
+            <a:r>
+              <a:rPr lang="en-US" sz="2600" dirty="0"/>
+              <a:t>Always asynchronous</a:t>
+            </a:r>
+          </a:p>
+          <a:p>
+            <a:r>
+              <a:rPr lang="en-US" sz="2600" dirty="0"/>
+              <a:t>Reliable and unreliable</a:t>
+            </a:r>
+          </a:p>
+          <a:p>
+            <a:r>
+              <a:rPr lang="en-US" sz="2600" dirty="0"/>
+              <a:t>Connection and connectionless modes</a:t>
+            </a:r>
+          </a:p>
+          <a:p>
+            <a:r>
+              <a:rPr lang="en-US" sz="2600" dirty="0"/>
+              <a:t>Communication requires registered memory</a:t>
+            </a:r>
+          </a:p>
+          <a:p>
+            <a:r>
+              <a:rPr lang="en-US" sz="2600" dirty="0"/>
+              <a:t>Queue-Pair represents logical connection</a:t>
+            </a:r>
+          </a:p>
+        </p:txBody>
+      </p:sp>
+    </p:spTree>
+    <p:extLst>
+      <p:ext uri="{BB962C8B-B14F-4D97-AF65-F5344CB8AC3E}">
+        <p14:creationId xmlns:p14="http://schemas.microsoft.com/office/powerpoint/2010/main" val="3144136157"/>
+      </p:ext>
+    </p:extLst>
+  </p:cSld>
+  <p:clrMapOvr>
+    <a:masterClrMapping/>
+  </p:clrMapOvr>
+  <mc:AlternateContent xmlns:mc="http://schemas.openxmlformats.org/markup-compatibility/2006">
+    <mc:Choice xmlns:p14="http://schemas.microsoft.com/office/powerpoint/2010/main" Requires="p14">
+      <p:transition spd="slow" p14:dur="2000"/>
+    </mc:Choice>
+    <mc:Fallback>
+      <p:transition xmlns:p14="http://schemas.microsoft.com/office/powerpoint/2010/main" spd="slow"/>
+    </mc:Fallback>
+  </mc:AlternateContent>
+  <p:timing>
+    <p:tnLst>
+      <p:par>
+        <p:cTn xmlns:p14="http://schemas.microsoft.com/office/powerpoint/2010/main" id="1" dur="indefinite" restart="never" nodeType="tmRoot"/>
+      </p:par>
+    </p:tnLst>
+  </p:timing>
+</p:sld>
+</file>
+
+<file path=ppt/slides/slide27.xml><?xml version="1.0" encoding="utf-8"?>
+<p:sld xmlns:a="http://schemas.openxmlformats.org/drawingml/2006/main" xmlns:r="http://schemas.openxmlformats.org/officeDocument/2006/relationships" xmlns:p="http://schemas.openxmlformats.org/presentationml/2006/main" show="0">
+  <p:cSld>
+    <p:spTree>
+      <p:nvGrpSpPr>
+        <p:cNvPr id="1" name=""/>
+        <p:cNvGrpSpPr/>
+        <p:nvPr/>
+      </p:nvGrpSpPr>
+      <p:grpSpPr>
+        <a:xfrm>
+          <a:off x="0" y="0"/>
+          <a:ext cx="0" cy="0"/>
+          <a:chOff x="0" y="0"/>
+          <a:chExt cx="0" cy="0"/>
+        </a:xfrm>
+      </p:grpSpPr>
+      <p:sp>
+        <p:nvSpPr>
+          <p:cNvPr id="2" name="Title 1"/>
+          <p:cNvSpPr>
+            <a:spLocks noGrp="1"/>
+          </p:cNvSpPr>
+          <p:nvPr>
+            <p:ph type="title"/>
+          </p:nvPr>
+        </p:nvSpPr>
+        <p:spPr>
+          <a:xfrm>
+            <a:off x="111098" y="152400"/>
+            <a:ext cx="8229600" cy="496290"/>
+          </a:xfrm>
+        </p:spPr>
+        <p:txBody>
+          <a:bodyPr/>
+          <a:lstStyle/>
+          <a:p>
+            <a:r>
+              <a:rPr lang="en-US" dirty="0"/>
+              <a:t>Portals</a:t>
+            </a:r>
+          </a:p>
+        </p:txBody>
+      </p:sp>
+      <p:sp>
+        <p:nvSpPr>
+          <p:cNvPr id="3" name="Content Placeholder 2"/>
+          <p:cNvSpPr>
+            <a:spLocks noGrp="1"/>
+          </p:cNvSpPr>
+          <p:nvPr>
+            <p:ph idx="1"/>
+          </p:nvPr>
+        </p:nvSpPr>
+        <p:spPr>
+          <a:xfrm>
+            <a:off x="111204" y="1344823"/>
+            <a:ext cx="8229600" cy="3579441"/>
+          </a:xfrm>
+        </p:spPr>
+        <p:txBody>
+          <a:bodyPr/>
+          <a:lstStyle/>
+          <a:p>
+            <a:r>
+              <a:rPr lang="en-US" dirty="0"/>
+              <a:t>One-sided (Put/Get)</a:t>
+            </a:r>
+          </a:p>
+          <a:p>
+            <a:r>
+              <a:rPr lang="en-US" dirty="0"/>
+              <a:t>Uses tags to steer messages to buffers</a:t>
+            </a:r>
+          </a:p>
+          <a:p>
+            <a:r>
+              <a:rPr lang="en-US" dirty="0"/>
+              <a:t>Connectionless</a:t>
+            </a:r>
+          </a:p>
+          <a:p>
+            <a:pPr lvl="1"/>
+            <a:r>
+              <a:rPr lang="en-US" dirty="0"/>
+              <a:t>Underlying NALs maintain necessary connection state</a:t>
+            </a:r>
+          </a:p>
+          <a:p>
+            <a:r>
+              <a:rPr lang="en-US" dirty="0"/>
+              <a:t>Most commonly used on large HPC systems</a:t>
+            </a:r>
+          </a:p>
+          <a:p>
+            <a:r>
+              <a:rPr lang="en-US" dirty="0" err="1"/>
+              <a:t>Lustre</a:t>
+            </a:r>
+            <a:r>
+              <a:rPr lang="en-US" dirty="0"/>
+              <a:t> distributed </a:t>
+            </a:r>
+            <a:r>
+              <a:rPr lang="en-US" dirty="0" err="1"/>
+              <a:t>file system</a:t>
+            </a:r>
+            <a:r>
+              <a:rPr lang="en-US" dirty="0"/>
+              <a:t> NAL, LNET, was originally based on Portals</a:t>
+            </a:r>
+          </a:p>
+        </p:txBody>
+      </p:sp>
+    </p:spTree>
+    <p:extLst>
+      <p:ext uri="{BB962C8B-B14F-4D97-AF65-F5344CB8AC3E}">
+        <p14:creationId xmlns:p14="http://schemas.microsoft.com/office/powerpoint/2010/main" val="3482068955"/>
+      </p:ext>
+    </p:extLst>
+  </p:cSld>
+  <p:clrMapOvr>
+    <a:masterClrMapping/>
+  </p:clrMapOvr>
+  <mc:AlternateContent xmlns:mc="http://schemas.openxmlformats.org/markup-compatibility/2006">
+    <mc:Choice xmlns:p14="http://schemas.microsoft.com/office/powerpoint/2010/main" Requires="p14">
+      <p:transition spd="slow" p14:dur="2000"/>
+    </mc:Choice>
+    <mc:Fallback>
+      <p:transition xmlns:p14="http://schemas.microsoft.com/office/powerpoint/2010/main" spd="slow"/>
+    </mc:Fallback>
+  </mc:AlternateContent>
+  <p:timing>
+    <p:tnLst>
+      <p:par>
+        <p:cTn xmlns:p14="http://schemas.microsoft.com/office/powerpoint/2010/main" id="1" dur="indefinite" restart="never" nodeType="tmRoot"/>
+      </p:par>
+    </p:tnLst>
+  </p:timing>
+</p:sld>
+</file>
+
+<file path=ppt/slides/slide28.xml><?xml version="1.0" encoding="utf-8"?>
+<p:sld xmlns:a="http://schemas.openxmlformats.org/drawingml/2006/main" xmlns:r="http://schemas.openxmlformats.org/officeDocument/2006/relationships" xmlns:p="http://schemas.openxmlformats.org/presentationml/2006/main" show="0">
+  <p:cSld>
+    <p:spTree>
+      <p:nvGrpSpPr>
+        <p:cNvPr id="1" name=""/>
+        <p:cNvGrpSpPr/>
+        <p:nvPr/>
+      </p:nvGrpSpPr>
+      <p:grpSpPr>
+        <a:xfrm>
+          <a:off x="0" y="0"/>
+          <a:ext cx="0" cy="0"/>
+          <a:chOff x="0" y="0"/>
+          <a:chExt cx="0" cy="0"/>
+        </a:xfrm>
+      </p:grpSpPr>
+      <p:sp>
+        <p:nvSpPr>
+          <p:cNvPr id="2" name="Title 1"/>
+          <p:cNvSpPr>
+            <a:spLocks noGrp="1"/>
+          </p:cNvSpPr>
+          <p:nvPr>
+            <p:ph type="title"/>
+          </p:nvPr>
+        </p:nvSpPr>
+        <p:spPr>
+          <a:xfrm>
+            <a:off x="111098" y="152400"/>
+            <a:ext cx="8229600" cy="496290"/>
+          </a:xfrm>
+        </p:spPr>
+        <p:txBody>
+          <a:bodyPr/>
+          <a:lstStyle/>
+          <a:p>
+            <a:r>
+              <a:rPr lang="en-US" dirty="0" err="1"/>
+              <a:t>Myricom</a:t>
+            </a:r>
+            <a:r>
+              <a:rPr lang="en-US" dirty="0"/>
+              <a:t> MX and </a:t>
+            </a:r>
+            <a:r>
+              <a:rPr lang="en-US" dirty="0" err="1"/>
+              <a:t>Qlogic</a:t>
+            </a:r>
+            <a:r>
+              <a:rPr lang="en-US" dirty="0"/>
+              <a:t> PSM</a:t>
+            </a:r>
+          </a:p>
+        </p:txBody>
+      </p:sp>
+      <p:sp>
+        <p:nvSpPr>
+          <p:cNvPr id="3" name="Content Placeholder 2"/>
+          <p:cNvSpPr>
+            <a:spLocks noGrp="1"/>
+          </p:cNvSpPr>
+          <p:nvPr>
+            <p:ph idx="1"/>
+          </p:nvPr>
+        </p:nvSpPr>
+        <p:spPr>
+          <a:xfrm>
+            <a:off x="111204" y="1344823"/>
+            <a:ext cx="8229600" cy="4449423"/>
+          </a:xfrm>
+        </p:spPr>
+        <p:txBody>
+          <a:bodyPr/>
+          <a:lstStyle/>
+          <a:p>
+            <a:r>
+              <a:rPr lang="en-US" dirty="0"/>
+              <a:t>Similar two-sided, matching API</a:t>
+            </a:r>
+          </a:p>
+          <a:p>
+            <a:pPr lvl="1"/>
+            <a:r>
+              <a:rPr lang="en-US" dirty="0"/>
+              <a:t>Designed to support MPI</a:t>
+            </a:r>
+          </a:p>
+          <a:p>
+            <a:r>
+              <a:rPr lang="en-US" dirty="0"/>
+              <a:t>Eager for small messages</a:t>
+            </a:r>
+          </a:p>
+          <a:p>
+            <a:r>
+              <a:rPr lang="en-US" dirty="0"/>
+              <a:t>Zero-copy, rendezvous for large messages</a:t>
+            </a:r>
+          </a:p>
+          <a:p>
+            <a:r>
+              <a:rPr lang="en-US" dirty="0"/>
+              <a:t>Semi-connectionless</a:t>
+            </a:r>
+          </a:p>
+          <a:p>
+            <a:pPr lvl="1"/>
+            <a:r>
+              <a:rPr lang="en-US" dirty="0"/>
+              <a:t>Target does accept connection requests</a:t>
+            </a:r>
+          </a:p>
+          <a:p>
+            <a:pPr lvl="1"/>
+            <a:r>
+              <a:rPr lang="en-US" dirty="0"/>
+              <a:t>Sender connects before sending</a:t>
+            </a:r>
+          </a:p>
+          <a:p>
+            <a:r>
+              <a:rPr lang="en-US" dirty="0"/>
+              <a:t>Reliable, in-order matching with out-of-order completion (like MPI)</a:t>
+            </a:r>
+          </a:p>
+        </p:txBody>
+      </p:sp>
+    </p:spTree>
+    <p:extLst>
+      <p:ext uri="{BB962C8B-B14F-4D97-AF65-F5344CB8AC3E}">
+        <p14:creationId xmlns:p14="http://schemas.microsoft.com/office/powerpoint/2010/main" val="3232013466"/>
+      </p:ext>
+    </p:extLst>
+  </p:cSld>
+  <p:clrMapOvr>
+    <a:masterClrMapping/>
+  </p:clrMapOvr>
+  <mc:AlternateContent xmlns:mc="http://schemas.openxmlformats.org/markup-compatibility/2006">
+    <mc:Choice xmlns:p14="http://schemas.microsoft.com/office/powerpoint/2010/main" Requires="p14">
+      <p:transition spd="slow" p14:dur="2000"/>
+    </mc:Choice>
+    <mc:Fallback>
+      <p:transition xmlns:p14="http://schemas.microsoft.com/office/powerpoint/2010/main" spd="slow"/>
+    </mc:Fallback>
+  </mc:AlternateContent>
+  <p:timing>
+    <p:tnLst>
+      <p:par>
+        <p:cTn xmlns:p14="http://schemas.microsoft.com/office/powerpoint/2010/main" id="1" dur="indefinite" restart="never" nodeType="tmRoot"/>
+      </p:par>
+    </p:tnLst>
+  </p:timing>
+</p:sld>
+</file>
+
+<file path=ppt/slides/slide29.xml><?xml version="1.0" encoding="utf-8"?>
+<p:sld xmlns:a="http://schemas.openxmlformats.org/drawingml/2006/main" xmlns:r="http://schemas.openxmlformats.org/officeDocument/2006/relationships" xmlns:p="http://schemas.openxmlformats.org/presentationml/2006/main" show="0">
+  <p:cSld>
+    <p:spTree>
+      <p:nvGrpSpPr>
+        <p:cNvPr id="1" name=""/>
+        <p:cNvGrpSpPr/>
+        <p:nvPr/>
+      </p:nvGrpSpPr>
+      <p:grpSpPr>
+        <a:xfrm>
+          <a:off x="0" y="0"/>
+          <a:ext cx="0" cy="0"/>
+          <a:chOff x="0" y="0"/>
+          <a:chExt cx="0" cy="0"/>
+        </a:xfrm>
+      </p:grpSpPr>
+      <p:sp>
+        <p:nvSpPr>
+          <p:cNvPr id="2" name="Title 1"/>
+          <p:cNvSpPr>
+            <a:spLocks noGrp="1"/>
+          </p:cNvSpPr>
+          <p:nvPr>
+            <p:ph type="title"/>
+          </p:nvPr>
+        </p:nvSpPr>
+        <p:spPr>
+          <a:xfrm>
+            <a:off x="111098" y="152400"/>
+            <a:ext cx="8229600" cy="496290"/>
+          </a:xfrm>
+        </p:spPr>
+        <p:txBody>
+          <a:bodyPr/>
+          <a:lstStyle/>
+          <a:p>
+            <a:r>
+              <a:rPr lang="en-US" dirty="0"/>
+              <a:t>IBM LAPI and DCMF</a:t>
+            </a:r>
+          </a:p>
+        </p:txBody>
+      </p:sp>
+      <p:sp>
+        <p:nvSpPr>
+          <p:cNvPr id="3" name="Content Placeholder 2"/>
+          <p:cNvSpPr>
+            <a:spLocks noGrp="1"/>
+          </p:cNvSpPr>
+          <p:nvPr>
+            <p:ph idx="1"/>
+          </p:nvPr>
+        </p:nvSpPr>
+        <p:spPr>
+          <a:xfrm>
+            <a:off x="111204" y="1344823"/>
+            <a:ext cx="8229600" cy="3323986"/>
+          </a:xfrm>
+        </p:spPr>
+        <p:txBody>
+          <a:bodyPr/>
+          <a:lstStyle/>
+          <a:p>
+            <a:r>
+              <a:rPr lang="en-US" dirty="0"/>
+              <a:t>Designed for RS-series and </a:t>
+            </a:r>
+            <a:r>
+              <a:rPr lang="en-US" dirty="0" err="1"/>
+              <a:t>BlueGene</a:t>
+            </a:r>
+            <a:r>
+              <a:rPr lang="en-US" dirty="0"/>
+              <a:t> P/Q</a:t>
+            </a:r>
+          </a:p>
+          <a:p>
+            <a:r>
+              <a:rPr lang="en-US" dirty="0"/>
+              <a:t>Some support outside of IBM exists</a:t>
+            </a:r>
+          </a:p>
+          <a:p>
+            <a:r>
+              <a:rPr lang="en-US" dirty="0"/>
+              <a:t>One-sided and two-sided</a:t>
+            </a:r>
+          </a:p>
+          <a:p>
+            <a:r>
+              <a:rPr lang="en-US" dirty="0"/>
+              <a:t>Contiguous and non-contiguous memory layout</a:t>
+            </a:r>
+          </a:p>
+          <a:p>
+            <a:r>
+              <a:rPr lang="en-US" dirty="0"/>
+              <a:t>Transparent link aggregation</a:t>
+            </a:r>
+          </a:p>
+          <a:p>
+            <a:r>
+              <a:rPr lang="en-US" dirty="0"/>
+              <a:t>DCMF supports ARMCI, GA, MPI, collectives</a:t>
+            </a:r>
+          </a:p>
+        </p:txBody>
+      </p:sp>
+    </p:spTree>
+    <p:extLst>
+      <p:ext uri="{BB962C8B-B14F-4D97-AF65-F5344CB8AC3E}">
+        <p14:creationId xmlns:p14="http://schemas.microsoft.com/office/powerpoint/2010/main" val="3993304970"/>
+      </p:ext>
+    </p:extLst>
+  </p:cSld>
+  <p:clrMapOvr>
+    <a:masterClrMapping/>
+  </p:clrMapOvr>
+  <mc:AlternateContent xmlns:mc="http://schemas.openxmlformats.org/markup-compatibility/2006">
+    <mc:Choice xmlns:p14="http://schemas.microsoft.com/office/powerpoint/2010/main" Requires="p14">
+      <p:transition spd="slow" p14:dur="2000"/>
+    </mc:Choice>
+    <mc:Fallback>
+      <p:transition xmlns:p14="http://schemas.microsoft.com/office/powerpoint/2010/main" spd="slow"/>
+    </mc:Fallback>
+  </mc:AlternateContent>
+  <p:timing>
+    <p:tnLst>
+      <p:par>
+        <p:cTn xmlns:p14="http://schemas.microsoft.com/office/powerpoint/2010/main" id="1" dur="indefinite" restart="never" nodeType="tmRoot"/>
+      </p:par>
+    </p:tnLst>
+  </p:timing>
+</p:sld>
+</file>
+
+<file path=ppt/slides/slide3.xml><?xml version="1.0" encoding="utf-8"?>
+<p:sld xmlns:a="http://schemas.openxmlformats.org/drawingml/2006/main" xmlns:r="http://schemas.openxmlformats.org/officeDocument/2006/relationships" xmlns:p="http://schemas.openxmlformats.org/presentationml/2006/main">
+  <p:cSld>
+    <p:spTree>
+      <p:nvGrpSpPr>
+        <p:cNvPr id="1" name=""/>
+        <p:cNvGrpSpPr/>
+        <p:nvPr/>
+      </p:nvGrpSpPr>
+      <p:grpSpPr>
+        <a:xfrm>
+          <a:off x="0" y="0"/>
+          <a:ext cx="0" cy="0"/>
+          <a:chOff x="0" y="0"/>
+          <a:chExt cx="0" cy="0"/>
+        </a:xfrm>
+      </p:grpSpPr>
+      <p:sp>
+        <p:nvSpPr>
+          <p:cNvPr id="2" name="Title 1"/>
+          <p:cNvSpPr>
+            <a:spLocks noGrp="1"/>
+          </p:cNvSpPr>
+          <p:nvPr>
+            <p:ph type="title"/>
+          </p:nvPr>
+        </p:nvSpPr>
+        <p:spPr/>
+        <p:txBody>
+          <a:bodyPr/>
+          <a:lstStyle/>
+          <a:p>
+            <a:r>
+              <a:rPr lang="en-US" dirty="0" smtClean="0"/>
+              <a:t>The problem</a:t>
+            </a:r>
+            <a:endParaRPr lang="en-US" dirty="0"/>
+          </a:p>
+        </p:txBody>
+      </p:sp>
+      <p:sp>
+        <p:nvSpPr>
+          <p:cNvPr id="3" name="Content Placeholder 2"/>
+          <p:cNvSpPr>
+            <a:spLocks noGrp="1"/>
+          </p:cNvSpPr>
+          <p:nvPr>
+            <p:ph idx="1"/>
+          </p:nvPr>
+        </p:nvSpPr>
+        <p:spPr>
+          <a:xfrm>
+            <a:off x="111204" y="935789"/>
+            <a:ext cx="8229600" cy="5561263"/>
+          </a:xfrm>
+        </p:spPr>
+        <p:txBody>
+          <a:bodyPr>
+            <a:normAutofit fontScale="92500" lnSpcReduction="10000"/>
+          </a:bodyPr>
+          <a:lstStyle/>
+          <a:p>
+            <a:r>
+              <a:rPr lang="en-US" dirty="0" smtClean="0"/>
+              <a:t>Application </a:t>
+            </a:r>
+            <a:r>
+              <a:rPr lang="en-US" dirty="0" smtClean="0"/>
+              <a:t>developers either:</a:t>
+            </a:r>
+            <a:endParaRPr lang="en-US" dirty="0" smtClean="0"/>
+          </a:p>
+          <a:p>
+            <a:pPr lvl="1"/>
+            <a:r>
+              <a:rPr lang="en-US" dirty="0" smtClean="0"/>
+              <a:t>Stick with Sockets</a:t>
+            </a:r>
+            <a:r>
+              <a:rPr lang="en-US" dirty="0" smtClean="0"/>
+              <a:t>.</a:t>
+            </a:r>
+          </a:p>
+          <a:p>
+            <a:pPr lvl="2"/>
+            <a:r>
+              <a:rPr lang="en-US" dirty="0" smtClean="0"/>
+              <a:t>See substantially less benefit from current generation network technologies </a:t>
+            </a:r>
+            <a:endParaRPr lang="en-US" dirty="0" smtClean="0"/>
+          </a:p>
+          <a:p>
+            <a:pPr lvl="1"/>
+            <a:r>
+              <a:rPr lang="en-US" dirty="0" smtClean="0"/>
+              <a:t>Lock themselves with a vendor-specific interface</a:t>
+            </a:r>
+            <a:r>
+              <a:rPr lang="en-US" dirty="0" smtClean="0"/>
+              <a:t>.</a:t>
+            </a:r>
+          </a:p>
+          <a:p>
+            <a:pPr lvl="2"/>
+            <a:r>
+              <a:rPr lang="en-US" dirty="0" smtClean="0"/>
+              <a:t>Hope you like your vendor</a:t>
+            </a:r>
+            <a:endParaRPr lang="en-US" dirty="0" smtClean="0"/>
+          </a:p>
+          <a:p>
+            <a:pPr lvl="1"/>
+            <a:r>
+              <a:rPr lang="en-US" dirty="0" smtClean="0"/>
+              <a:t>Support a number of different interfaces</a:t>
+            </a:r>
+            <a:r>
+              <a:rPr lang="en-US" dirty="0" smtClean="0"/>
+              <a:t>.</a:t>
+            </a:r>
+          </a:p>
+          <a:p>
+            <a:pPr lvl="2"/>
+            <a:r>
+              <a:rPr lang="en-US" dirty="0" smtClean="0"/>
+              <a:t>Requires deep expertise in </a:t>
+            </a:r>
+            <a:r>
+              <a:rPr lang="en-US" dirty="0" smtClean="0"/>
+              <a:t>multiple low-level network APIs</a:t>
+            </a:r>
+            <a:endParaRPr lang="en-US" dirty="0" smtClean="0"/>
+          </a:p>
+          <a:p>
+            <a:r>
+              <a:rPr lang="en-US" dirty="0" smtClean="0"/>
+              <a:t>Network </a:t>
+            </a:r>
+            <a:r>
+              <a:rPr lang="en-US" dirty="0" smtClean="0"/>
+              <a:t>vendors either:</a:t>
+            </a:r>
+            <a:endParaRPr lang="en-US" dirty="0" smtClean="0"/>
+          </a:p>
+          <a:p>
+            <a:pPr lvl="1"/>
+            <a:r>
+              <a:rPr lang="en-US" dirty="0" smtClean="0"/>
+              <a:t>Cut corners to improve Sockets</a:t>
+            </a:r>
+            <a:r>
+              <a:rPr lang="en-US" dirty="0" smtClean="0"/>
+              <a:t>.</a:t>
+            </a:r>
+          </a:p>
+          <a:p>
+            <a:pPr lvl="2"/>
+            <a:r>
+              <a:rPr lang="en-US" dirty="0" smtClean="0"/>
+              <a:t>Adoption still a hurdle. </a:t>
+            </a:r>
+            <a:endParaRPr lang="en-US" dirty="0" smtClean="0"/>
+          </a:p>
+          <a:p>
+            <a:pPr lvl="1"/>
+            <a:r>
+              <a:rPr lang="en-US" dirty="0" smtClean="0"/>
+              <a:t>Push their interface as the </a:t>
+            </a:r>
+            <a:r>
+              <a:rPr lang="en-US" dirty="0" smtClean="0"/>
+              <a:t>solution.</a:t>
+            </a:r>
+          </a:p>
+          <a:p>
+            <a:pPr lvl="2"/>
+            <a:r>
+              <a:rPr lang="en-US" dirty="0" smtClean="0"/>
+              <a:t>Lock in is great when you can get it but </a:t>
+            </a:r>
+            <a:r>
+              <a:rPr lang="en-US" dirty="0"/>
+              <a:t>m</a:t>
+            </a:r>
+            <a:r>
+              <a:rPr lang="en-US" dirty="0" smtClean="0"/>
+              <a:t>arket breadth is often limited. </a:t>
+            </a:r>
+            <a:endParaRPr lang="en-US" dirty="0" smtClean="0"/>
+          </a:p>
+          <a:p>
+            <a:pPr lvl="1"/>
+            <a:r>
+              <a:rPr lang="en-US" dirty="0" smtClean="0"/>
+              <a:t>Support a number of different </a:t>
+            </a:r>
+            <a:r>
+              <a:rPr lang="en-US" dirty="0" smtClean="0"/>
+              <a:t>applications.</a:t>
+            </a:r>
+          </a:p>
+          <a:p>
+            <a:pPr lvl="2"/>
+            <a:r>
+              <a:rPr lang="en-US" dirty="0" smtClean="0"/>
+              <a:t>High support costs relative to potential revenue if application’s market penetration is limited. </a:t>
+            </a:r>
+            <a:endParaRPr lang="en-US" dirty="0" smtClean="0"/>
+          </a:p>
+          <a:p>
+            <a:pPr lvl="2"/>
+            <a:endParaRPr lang="en-US" dirty="0" smtClean="0"/>
+          </a:p>
+        </p:txBody>
+      </p:sp>
+    </p:spTree>
+    <p:extLst>
+      <p:ext uri="{BB962C8B-B14F-4D97-AF65-F5344CB8AC3E}">
+        <p14:creationId xmlns:p14="http://schemas.microsoft.com/office/powerpoint/2010/main" val="1991255280"/>
+      </p:ext>
+    </p:extLst>
+  </p:cSld>
+  <p:clrMapOvr>
+    <a:masterClrMapping/>
+  </p:clrMapOvr>
+</p:sld>
+</file>
+
+<file path=ppt/slides/slide4.xml><?xml version="1.0" encoding="utf-8"?>
+<p:sld xmlns:a="http://schemas.openxmlformats.org/drawingml/2006/main" xmlns:r="http://schemas.openxmlformats.org/officeDocument/2006/relationships" xmlns:p="http://schemas.openxmlformats.org/presentationml/2006/main">
+  <p:cSld>
+    <p:spTree>
+      <p:nvGrpSpPr>
+        <p:cNvPr id="1" name=""/>
+        <p:cNvGrpSpPr/>
+        <p:nvPr/>
+      </p:nvGrpSpPr>
+      <p:grpSpPr>
+        <a:xfrm>
+          <a:off x="0" y="0"/>
+          <a:ext cx="0" cy="0"/>
+          <a:chOff x="0" y="0"/>
+          <a:chExt cx="0" cy="0"/>
+        </a:xfrm>
+      </p:grpSpPr>
+      <p:sp>
+        <p:nvSpPr>
+          <p:cNvPr id="2" name="Title 1"/>
+          <p:cNvSpPr>
+            <a:spLocks noGrp="1"/>
+          </p:cNvSpPr>
+          <p:nvPr>
+            <p:ph type="title"/>
+          </p:nvPr>
+        </p:nvSpPr>
+        <p:spPr>
+          <a:xfrm>
+            <a:off x="111098" y="152400"/>
+            <a:ext cx="8229600" cy="496290"/>
+          </a:xfrm>
+        </p:spPr>
+        <p:txBody>
+          <a:bodyPr/>
+          <a:lstStyle/>
+          <a:p>
+            <a:r>
+              <a:rPr lang="en-US" dirty="0"/>
+              <a:t>Distributed application needs</a:t>
+            </a:r>
+          </a:p>
+        </p:txBody>
+      </p:sp>
+      <p:sp>
+        <p:nvSpPr>
+          <p:cNvPr id="3" name="Content Placeholder 2"/>
+          <p:cNvSpPr>
+            <a:spLocks noGrp="1"/>
+          </p:cNvSpPr>
+          <p:nvPr>
+            <p:ph idx="1"/>
+          </p:nvPr>
+        </p:nvSpPr>
+        <p:spPr>
+          <a:xfrm>
+            <a:off x="137941" y="997244"/>
+            <a:ext cx="8229600" cy="5233227"/>
+          </a:xfrm>
+        </p:spPr>
+        <p:txBody>
+          <a:bodyPr/>
+          <a:lstStyle/>
+          <a:p>
+            <a:r>
+              <a:rPr lang="en-US" dirty="0"/>
+              <a:t>Dynamic process management</a:t>
+            </a:r>
+          </a:p>
+          <a:p>
+            <a:pPr lvl="1"/>
+            <a:r>
+              <a:rPr lang="en-US" dirty="0"/>
+              <a:t>Peers come and go – not statically known a priori</a:t>
+            </a:r>
+          </a:p>
+          <a:p>
+            <a:r>
+              <a:rPr lang="en-US" dirty="0"/>
+              <a:t>Scalability</a:t>
+            </a:r>
+          </a:p>
+          <a:p>
+            <a:pPr lvl="1"/>
+            <a:r>
+              <a:rPr lang="en-US" dirty="0"/>
+              <a:t>Approaching 10^6 nodes and 10^9 cores</a:t>
+            </a:r>
+          </a:p>
+          <a:p>
+            <a:pPr lvl="1"/>
+            <a:r>
+              <a:rPr lang="en-US" dirty="0"/>
+              <a:t>Time and space cannot grow linearly with number of peers</a:t>
+            </a:r>
+          </a:p>
+          <a:p>
+            <a:r>
+              <a:rPr lang="en-US" dirty="0"/>
+              <a:t>Fault tolerance</a:t>
+            </a:r>
+          </a:p>
+          <a:p>
+            <a:pPr lvl="1"/>
+            <a:r>
+              <a:rPr lang="en-US" dirty="0"/>
+              <a:t>Failures increase with component count</a:t>
+            </a:r>
+          </a:p>
+          <a:p>
+            <a:pPr lvl="1"/>
+            <a:r>
+              <a:rPr lang="en-US" dirty="0"/>
+              <a:t>Need to contain faults to a single peer (i.e. fault isolation</a:t>
+            </a:r>
+            <a:r>
+              <a:rPr lang="en-US" dirty="0" smtClean="0"/>
+              <a:t>)</a:t>
+            </a:r>
+          </a:p>
+          <a:p>
+            <a:r>
+              <a:rPr lang="en-US" dirty="0" smtClean="0"/>
+              <a:t>High performance </a:t>
+            </a:r>
+          </a:p>
+          <a:p>
+            <a:pPr lvl="1"/>
+            <a:r>
+              <a:rPr lang="en-US" dirty="0" smtClean="0"/>
+              <a:t>Low latency </a:t>
+            </a:r>
+          </a:p>
+          <a:p>
+            <a:pPr lvl="1"/>
+            <a:r>
+              <a:rPr lang="en-US" dirty="0" smtClean="0"/>
+              <a:t>High bandwidth </a:t>
+            </a:r>
+            <a:endParaRPr lang="en-US" dirty="0"/>
+          </a:p>
+        </p:txBody>
+      </p:sp>
+    </p:spTree>
+    <p:extLst>
+      <p:ext uri="{BB962C8B-B14F-4D97-AF65-F5344CB8AC3E}">
+        <p14:creationId xmlns:p14="http://schemas.microsoft.com/office/powerpoint/2010/main" val="698086324"/>
+      </p:ext>
+    </p:extLst>
+  </p:cSld>
+  <p:clrMapOvr>
+    <a:masterClrMapping/>
+  </p:clrMapOvr>
+  <p:timing>
+    <p:tnLst>
+      <p:par>
+        <p:cTn xmlns:p14="http://schemas.microsoft.com/office/powerpoint/2010/main" id="1" dur="indefinite" restart="never" nodeType="tmRoot"/>
+      </p:par>
+    </p:tnLst>
+  </p:timing>
+</p:sld>
+</file>
+
+<file path=ppt/slides/slide5.xml><?xml version="1.0" encoding="utf-8"?>
+<p:sld xmlns:a="http://schemas.openxmlformats.org/drawingml/2006/main" xmlns:r="http://schemas.openxmlformats.org/officeDocument/2006/relationships" xmlns:p="http://schemas.openxmlformats.org/presentationml/2006/main">
+  <p:cSld>
+    <p:spTree>
+      <p:nvGrpSpPr>
+        <p:cNvPr id="1" name=""/>
+        <p:cNvGrpSpPr/>
+        <p:nvPr/>
+      </p:nvGrpSpPr>
+      <p:grpSpPr>
+        <a:xfrm>
+          <a:off x="0" y="0"/>
+          <a:ext cx="0" cy="0"/>
+          <a:chOff x="0" y="0"/>
+          <a:chExt cx="0" cy="0"/>
+        </a:xfrm>
+      </p:grpSpPr>
+      <p:sp>
+        <p:nvSpPr>
+          <p:cNvPr id="2" name="Title 1"/>
+          <p:cNvSpPr>
+            <a:spLocks noGrp="1"/>
+          </p:cNvSpPr>
+          <p:nvPr>
+            <p:ph type="title"/>
+          </p:nvPr>
+        </p:nvSpPr>
+        <p:spPr>
+          <a:xfrm>
+            <a:off x="111098" y="152400"/>
+            <a:ext cx="8229600" cy="496290"/>
+          </a:xfrm>
+        </p:spPr>
+        <p:txBody>
+          <a:bodyPr/>
+          <a:lstStyle/>
+          <a:p>
+            <a:r>
+              <a:rPr lang="en-US" dirty="0" smtClean="0"/>
+              <a:t>Our goals in building CCI</a:t>
+            </a:r>
+            <a:endParaRPr lang="en-US" dirty="0"/>
+          </a:p>
+        </p:txBody>
+      </p:sp>
+      <p:sp>
+        <p:nvSpPr>
+          <p:cNvPr id="3" name="Content Placeholder 2"/>
+          <p:cNvSpPr>
+            <a:spLocks noGrp="1"/>
+          </p:cNvSpPr>
+          <p:nvPr>
+            <p:ph idx="1"/>
+          </p:nvPr>
+        </p:nvSpPr>
+        <p:spPr>
+          <a:xfrm>
+            <a:off x="111204" y="1002633"/>
+            <a:ext cx="8229600" cy="5550568"/>
+          </a:xfrm>
+        </p:spPr>
+        <p:txBody>
+          <a:bodyPr>
+            <a:normAutofit fontScale="92500" lnSpcReduction="10000"/>
+          </a:bodyPr>
+          <a:lstStyle/>
+          <a:p>
+            <a:r>
+              <a:rPr lang="en-US" dirty="0"/>
+              <a:t>Performance</a:t>
+            </a:r>
+          </a:p>
+          <a:p>
+            <a:pPr lvl="1"/>
+            <a:r>
+              <a:rPr lang="en-US" dirty="0"/>
+              <a:t>Utilize OS-</a:t>
+            </a:r>
+            <a:r>
+              <a:rPr lang="en-US" dirty="0" smtClean="0"/>
+              <a:t>bypass, </a:t>
+            </a:r>
+            <a:r>
+              <a:rPr lang="en-US" dirty="0"/>
+              <a:t>zero-copy, one-sided, asynchronous </a:t>
+            </a:r>
+            <a:r>
+              <a:rPr lang="en-US" dirty="0" smtClean="0"/>
+              <a:t>operations</a:t>
+            </a:r>
+          </a:p>
+          <a:p>
+            <a:pPr lvl="2"/>
+            <a:r>
+              <a:rPr lang="en-US" dirty="0" smtClean="0"/>
+              <a:t>But don’t require all of this functionality from the underlying hardware to achieve a high-level of performance </a:t>
+            </a:r>
+            <a:endParaRPr lang="en-US" dirty="0" smtClean="0"/>
+          </a:p>
+          <a:p>
+            <a:pPr lvl="1"/>
+            <a:r>
+              <a:rPr lang="en-US" dirty="0" smtClean="0"/>
+              <a:t>Performance portable across host-based implementations and high-end offloaded implementations</a:t>
+            </a:r>
+            <a:endParaRPr lang="en-US" dirty="0"/>
+          </a:p>
+          <a:p>
+            <a:r>
+              <a:rPr lang="en-US" dirty="0"/>
+              <a:t>Portability</a:t>
+            </a:r>
+          </a:p>
+          <a:p>
+            <a:pPr lvl="1"/>
+            <a:r>
+              <a:rPr lang="en-US" dirty="0"/>
+              <a:t>Developers have limited </a:t>
+            </a:r>
+            <a:r>
+              <a:rPr lang="en-US" dirty="0" smtClean="0"/>
+              <a:t>resources </a:t>
+            </a:r>
+            <a:endParaRPr lang="en-US" dirty="0"/>
+          </a:p>
+          <a:p>
+            <a:pPr lvl="1"/>
+            <a:r>
+              <a:rPr lang="en-US" dirty="0"/>
+              <a:t>Provide common </a:t>
+            </a:r>
+            <a:r>
+              <a:rPr lang="en-US" dirty="0" smtClean="0"/>
+              <a:t>abstraction across a wide-variety of networking technologies </a:t>
+            </a:r>
+            <a:endParaRPr lang="en-US" dirty="0"/>
+          </a:p>
+          <a:p>
+            <a:pPr lvl="1"/>
+            <a:r>
+              <a:rPr lang="en-US" dirty="0"/>
+              <a:t>Avoid vendor lock-</a:t>
+            </a:r>
+            <a:r>
+              <a:rPr lang="en-US" dirty="0" smtClean="0"/>
+              <a:t>in through a vendor neutral API</a:t>
+            </a:r>
+            <a:endParaRPr lang="en-US" dirty="0"/>
+          </a:p>
+          <a:p>
+            <a:r>
+              <a:rPr lang="en-US" dirty="0"/>
+              <a:t>Simplicity</a:t>
+            </a:r>
+          </a:p>
+          <a:p>
+            <a:pPr lvl="1"/>
+            <a:r>
+              <a:rPr lang="en-US" dirty="0"/>
+              <a:t>Must not be so complicated that only experts can use it</a:t>
+            </a:r>
+          </a:p>
+          <a:p>
+            <a:pPr lvl="1"/>
+            <a:r>
+              <a:rPr lang="en-US" dirty="0" smtClean="0"/>
+              <a:t>Provide the </a:t>
+            </a:r>
+            <a:r>
+              <a:rPr lang="en-US" dirty="0"/>
+              <a:t>right balance of </a:t>
+            </a:r>
+            <a:r>
+              <a:rPr lang="en-US" dirty="0" smtClean="0"/>
+              <a:t>functionality without sacrificing simplicity</a:t>
+            </a:r>
+            <a:endParaRPr lang="en-US" dirty="0"/>
+          </a:p>
+          <a:p>
+            <a:pPr lvl="1"/>
+            <a:r>
+              <a:rPr lang="en-US" dirty="0"/>
+              <a:t>Complexity tends to increase code size and maintenance cost</a:t>
+            </a:r>
+          </a:p>
+        </p:txBody>
+      </p:sp>
+    </p:spTree>
+    <p:extLst>
+      <p:ext uri="{BB962C8B-B14F-4D97-AF65-F5344CB8AC3E}">
+        <p14:creationId xmlns:p14="http://schemas.microsoft.com/office/powerpoint/2010/main" val="2649674716"/>
+      </p:ext>
+    </p:extLst>
+  </p:cSld>
+  <p:clrMapOvr>
+    <a:masterClrMapping/>
+  </p:clrMapOvr>
+  <p:timing>
+    <p:tnLst>
+      <p:par>
+        <p:cTn xmlns:p14="http://schemas.microsoft.com/office/powerpoint/2010/main" id="1" dur="indefinite" restart="never" nodeType="tmRoot"/>
+      </p:par>
+    </p:tnLst>
+  </p:timing>
+</p:sld>
+</file>
+
+<file path=ppt/slides/slide6.xml><?xml version="1.0" encoding="utf-8"?>
+<p:sld xmlns:a="http://schemas.openxmlformats.org/drawingml/2006/main" xmlns:r="http://schemas.openxmlformats.org/officeDocument/2006/relationships" xmlns:p="http://schemas.openxmlformats.org/presentationml/2006/main">
+  <p:cSld>
+    <p:spTree>
+      <p:nvGrpSpPr>
+        <p:cNvPr id="1" name=""/>
+        <p:cNvGrpSpPr/>
+        <p:nvPr/>
+      </p:nvGrpSpPr>
+      <p:grpSpPr>
+        <a:xfrm>
+          <a:off x="0" y="0"/>
+          <a:ext cx="0" cy="0"/>
+          <a:chOff x="0" y="0"/>
+          <a:chExt cx="0" cy="0"/>
+        </a:xfrm>
+      </p:grpSpPr>
+      <p:sp>
+        <p:nvSpPr>
+          <p:cNvPr id="2" name="Title 1"/>
+          <p:cNvSpPr>
+            <a:spLocks noGrp="1"/>
+          </p:cNvSpPr>
+          <p:nvPr>
+            <p:ph type="title"/>
+          </p:nvPr>
+        </p:nvSpPr>
+        <p:spPr>
+          <a:xfrm>
+            <a:off x="111098" y="152400"/>
+            <a:ext cx="8229600" cy="496290"/>
+          </a:xfrm>
+        </p:spPr>
+        <p:txBody>
+          <a:bodyPr/>
+          <a:lstStyle/>
+          <a:p>
+            <a:r>
+              <a:rPr lang="en-US" dirty="0" smtClean="0"/>
+              <a:t>The landscape</a:t>
+            </a:r>
+            <a:endParaRPr lang="en-US" dirty="0"/>
+          </a:p>
+        </p:txBody>
+      </p:sp>
+      <p:sp>
+        <p:nvSpPr>
+          <p:cNvPr id="3" name="Content Placeholder 2"/>
+          <p:cNvSpPr>
+            <a:spLocks noGrp="1"/>
+          </p:cNvSpPr>
+          <p:nvPr>
+            <p:ph idx="1"/>
+          </p:nvPr>
+        </p:nvSpPr>
+        <p:spPr>
+          <a:xfrm>
+            <a:off x="111204" y="1344823"/>
+            <a:ext cx="8229600" cy="1621982"/>
+          </a:xfrm>
+        </p:spPr>
+        <p:txBody>
+          <a:bodyPr/>
+          <a:lstStyle/>
+          <a:p>
+            <a:r>
+              <a:rPr lang="en-US" dirty="0"/>
+              <a:t>Sockets</a:t>
+            </a:r>
+          </a:p>
+          <a:p>
+            <a:r>
+              <a:rPr lang="en-US" dirty="0"/>
+              <a:t>MPI</a:t>
+            </a:r>
+          </a:p>
+          <a:p>
+            <a:r>
+              <a:rPr lang="en-US" dirty="0"/>
+              <a:t>Specialized</a:t>
+            </a:r>
+          </a:p>
+        </p:txBody>
+      </p:sp>
+    </p:spTree>
+    <p:extLst>
+      <p:ext uri="{BB962C8B-B14F-4D97-AF65-F5344CB8AC3E}">
+        <p14:creationId xmlns:p14="http://schemas.microsoft.com/office/powerpoint/2010/main" val="3007031719"/>
+      </p:ext>
+    </p:extLst>
+  </p:cSld>
+  <p:clrMapOvr>
+    <a:masterClrMapping/>
+  </p:clrMapOvr>
+  <p:timing>
+    <p:tnLst>
+      <p:par>
+        <p:cTn xmlns:p14="http://schemas.microsoft.com/office/powerpoint/2010/main" id="1" dur="indefinite" restart="never" nodeType="tmRoot"/>
+      </p:par>
+    </p:tnLst>
+  </p:timing>
+</p:sld>
+</file>
+
+<file path=ppt/slides/slide7.xml><?xml version="1.0" encoding="utf-8"?>
+<p:sld xmlns:a="http://schemas.openxmlformats.org/drawingml/2006/main" xmlns:r="http://schemas.openxmlformats.org/officeDocument/2006/relationships" xmlns:p="http://schemas.openxmlformats.org/presentationml/2006/main">
+  <p:cSld>
+    <p:spTree>
+      <p:nvGrpSpPr>
+        <p:cNvPr id="1" name=""/>
+        <p:cNvGrpSpPr/>
+        <p:nvPr/>
+      </p:nvGrpSpPr>
+      <p:grpSpPr>
+        <a:xfrm>
+          <a:off x="0" y="0"/>
+          <a:ext cx="0" cy="0"/>
+          <a:chOff x="0" y="0"/>
+          <a:chExt cx="0" cy="0"/>
+        </a:xfrm>
+      </p:grpSpPr>
+      <p:sp>
+        <p:nvSpPr>
+          <p:cNvPr id="2" name="Title 1"/>
+          <p:cNvSpPr>
+            <a:spLocks noGrp="1"/>
+          </p:cNvSpPr>
+          <p:nvPr>
+            <p:ph type="title"/>
+          </p:nvPr>
+        </p:nvSpPr>
+        <p:spPr>
+          <a:xfrm>
+            <a:off x="111098" y="152400"/>
+            <a:ext cx="8229600" cy="496290"/>
+          </a:xfrm>
+        </p:spPr>
+        <p:txBody>
+          <a:bodyPr/>
+          <a:lstStyle/>
+          <a:p>
+            <a:r>
+              <a:rPr lang="en-US" dirty="0"/>
+              <a:t>Sockets</a:t>
+            </a:r>
+          </a:p>
+        </p:txBody>
+      </p:sp>
+      <p:sp>
+        <p:nvSpPr>
+          <p:cNvPr id="3" name="Content Placeholder 2"/>
+          <p:cNvSpPr>
+            <a:spLocks noGrp="1"/>
+          </p:cNvSpPr>
+          <p:nvPr>
+            <p:ph idx="1"/>
+          </p:nvPr>
+        </p:nvSpPr>
+        <p:spPr>
+          <a:xfrm>
+            <a:off x="111204" y="1069474"/>
+            <a:ext cx="8229600" cy="5339299"/>
+          </a:xfrm>
+        </p:spPr>
+        <p:txBody>
+          <a:bodyPr/>
+          <a:lstStyle/>
+          <a:p>
+            <a:r>
+              <a:rPr lang="en-US" dirty="0"/>
+              <a:t>Most widely used</a:t>
+            </a:r>
+          </a:p>
+          <a:p>
+            <a:pPr lvl="1"/>
+            <a:r>
+              <a:rPr lang="en-US" dirty="0"/>
+              <a:t>Simple API</a:t>
+            </a:r>
+          </a:p>
+          <a:p>
+            <a:pPr lvl="1"/>
+            <a:r>
+              <a:rPr lang="en-US" dirty="0"/>
+              <a:t>Robustness (failure tolerant)</a:t>
+            </a:r>
+          </a:p>
+          <a:p>
+            <a:pPr lvl="1"/>
+            <a:r>
+              <a:rPr lang="en-US" dirty="0"/>
+              <a:t>Implicit buffering</a:t>
+            </a:r>
+          </a:p>
+          <a:p>
+            <a:r>
+              <a:rPr lang="en-US" dirty="0"/>
+              <a:t>Stream and datagram modes</a:t>
+            </a:r>
+          </a:p>
+          <a:p>
+            <a:r>
+              <a:rPr lang="en-US" dirty="0"/>
+              <a:t>Connected and connectionless modes</a:t>
+            </a:r>
+          </a:p>
+          <a:p>
+            <a:r>
+              <a:rPr lang="en-US" dirty="0"/>
+              <a:t>Client/server semantics for connected mode</a:t>
+            </a:r>
+          </a:p>
+          <a:p>
+            <a:r>
+              <a:rPr lang="en-US" dirty="0"/>
+              <a:t>Asynchrony via buffered sends and receives</a:t>
+            </a:r>
+          </a:p>
+          <a:p>
+            <a:pPr lvl="1"/>
+            <a:r>
+              <a:rPr lang="en-US" dirty="0"/>
+              <a:t>Requires more CPU work which lowers throughput</a:t>
+            </a:r>
+          </a:p>
+          <a:p>
+            <a:r>
+              <a:rPr lang="en-US" dirty="0"/>
+              <a:t>SOCK_STREAM inherits TCP performance constraints</a:t>
+            </a:r>
+          </a:p>
+        </p:txBody>
+      </p:sp>
+    </p:spTree>
+    <p:extLst>
+      <p:ext uri="{BB962C8B-B14F-4D97-AF65-F5344CB8AC3E}">
+        <p14:creationId xmlns:p14="http://schemas.microsoft.com/office/powerpoint/2010/main" val="3932495684"/>
+      </p:ext>
+    </p:extLst>
+  </p:cSld>
+  <p:clrMapOvr>
+    <a:masterClrMapping/>
+  </p:clrMapOvr>
   <p:timing>
     <p:tnLst>
       <p:par>
@@ -6498,10 +7240,9 @@
           <a:lstStyle/>
           <a:p>
             <a:r>
-              <a:rPr lang="en-US" dirty="0" smtClean="0"/>
-              <a:t>The landscape</a:t>
-            </a:r>
-            <a:endParaRPr lang="en-US" dirty="0"/>
+              <a:rPr lang="en-US" dirty="0"/>
+              <a:t>MPI</a:t>
+            </a:r>
           </a:p>
         </p:txBody>
       </p:sp>
@@ -6517,8 +7258,8 @@
         </p:nvSpPr>
         <p:spPr>
           <a:xfrm>
-            <a:off x="111204" y="1344823"/>
-            <a:ext cx="8229600" cy="1621982"/>
+            <a:off x="111204" y="1096212"/>
+            <a:ext cx="8229600" cy="5442598"/>
           </a:xfrm>
         </p:spPr>
         <p:txBody>
@@ -6526,28 +7267,96 @@
           <a:lstStyle/>
           <a:p>
             <a:r>
-              <a:rPr lang="en-US" dirty="0"/>
-              <a:t>Sockets</a:t>
-            </a:r>
-          </a:p>
-          <a:p>
-            <a:r>
-              <a:rPr lang="en-US" dirty="0"/>
-              <a:t>MPI</a:t>
-            </a:r>
-          </a:p>
-          <a:p>
-            <a:r>
-              <a:rPr lang="en-US" dirty="0"/>
-              <a:t>Specialized</a:t>
-            </a:r>
+              <a:rPr lang="en-US" sz="2400" dirty="0"/>
+              <a:t>Dominant interface in HPC</a:t>
+            </a:r>
+          </a:p>
+          <a:p>
+            <a:r>
+              <a:rPr lang="en-US" sz="2400" dirty="0"/>
+              <a:t>Provides scalability</a:t>
+            </a:r>
+          </a:p>
+          <a:p>
+            <a:r>
+              <a:rPr lang="en-US" sz="2400" dirty="0"/>
+              <a:t>Rich API (i.e. complicated)</a:t>
+            </a:r>
+          </a:p>
+          <a:p>
+            <a:r>
+              <a:rPr lang="en-US" sz="2400" dirty="0"/>
+              <a:t>Point-to-point, collective, and one-sided</a:t>
+            </a:r>
+          </a:p>
+          <a:p>
+            <a:r>
+              <a:rPr lang="en-US" sz="2400" dirty="0"/>
+              <a:t>Blocking and non-blocking</a:t>
+            </a:r>
+          </a:p>
+          <a:p>
+            <a:r>
+              <a:rPr lang="en-US" sz="2400" dirty="0"/>
+              <a:t>Synchronous, asynchronous, and ready modes</a:t>
+            </a:r>
+          </a:p>
+          <a:p>
+            <a:r>
+              <a:rPr lang="en-US" sz="2400" dirty="0"/>
+              <a:t>Uses communication groups (communicators)</a:t>
+            </a:r>
+          </a:p>
+          <a:p>
+            <a:pPr lvl="1"/>
+            <a:r>
+              <a:rPr lang="en-US" sz="2100" dirty="0"/>
+              <a:t>May include all process or a subset of processes</a:t>
+            </a:r>
+          </a:p>
+          <a:p>
+            <a:r>
+              <a:rPr lang="en-US" sz="2400" dirty="0"/>
+              <a:t>Does provide a notion of dynamic process management</a:t>
+            </a:r>
+          </a:p>
+          <a:p>
+            <a:pPr lvl="1"/>
+            <a:r>
+              <a:rPr lang="en-US" sz="2100" dirty="0" err="1"/>
+              <a:t>Accept</a:t>
+            </a:r>
+            <a:r>
+              <a:rPr lang="en-US" sz="2100" dirty="0"/>
+              <a:t>(), </a:t>
+            </a:r>
+            <a:r>
+              <a:rPr lang="en-US" sz="2100" dirty="0" err="1"/>
+              <a:t>Connect</a:t>
+            </a:r>
+            <a:r>
+              <a:rPr lang="en-US" sz="2100" dirty="0"/>
+              <a:t>() immature, infrequently provided, and much less used</a:t>
+            </a:r>
+          </a:p>
+          <a:p>
+            <a:pPr lvl="1"/>
+            <a:r>
+              <a:rPr lang="en-US" sz="2100" dirty="0"/>
+              <a:t>Imposes high overhead, not </a:t>
+            </a:r>
+            <a:r>
+              <a:rPr lang="en-US" sz="2100" dirty="0" err="1"/>
+              <a:t>performant</a:t>
+            </a:r>
+            <a:endParaRPr lang="en-US" sz="2100" dirty="0"/>
           </a:p>
         </p:txBody>
       </p:sp>
     </p:spTree>
     <p:extLst>
       <p:ext uri="{BB962C8B-B14F-4D97-AF65-F5344CB8AC3E}">
-        <p14:creationId xmlns:p14="http://schemas.microsoft.com/office/powerpoint/2010/main" val="3007031719"/>
+        <p14:creationId xmlns:p14="http://schemas.microsoft.com/office/powerpoint/2010/main" val="2790947775"/>
       </p:ext>
     </p:extLst>
   </p:cSld>
@@ -6603,7 +7412,7 @@
           <a:p>
             <a:r>
               <a:rPr lang="en-US" dirty="0"/>
-              <a:t>Sockets</a:t>
+              <a:t>MPI</a:t>
             </a:r>
           </a:p>
         </p:txBody>
@@ -6620,8 +7429,8 @@
         </p:nvSpPr>
         <p:spPr>
           <a:xfrm>
-            <a:off x="111204" y="1344823"/>
-            <a:ext cx="8229600" cy="5063950"/>
+            <a:off x="111204" y="1163053"/>
+            <a:ext cx="8229600" cy="5765864"/>
           </a:xfrm>
         </p:spPr>
         <p:txBody>
@@ -6630,73 +7439,69 @@
           <a:p>
             <a:r>
               <a:rPr lang="en-US" dirty="0"/>
-              <a:t>Most widely used</a:t>
-            </a:r>
-          </a:p>
-          <a:p>
-            <a:pPr lvl="1"/>
-            <a:r>
-              <a:rPr lang="en-US" dirty="0"/>
-              <a:t>Simple API</a:t>
-            </a:r>
-          </a:p>
-          <a:p>
-            <a:pPr lvl="1"/>
-            <a:r>
-              <a:rPr lang="en-US" dirty="0"/>
-              <a:t>Robustness (failure tolerant)</a:t>
-            </a:r>
-          </a:p>
-          <a:p>
-            <a:pPr lvl="1"/>
-            <a:r>
-              <a:rPr lang="en-US" dirty="0"/>
-              <a:t>Implicit buffering</a:t>
-            </a:r>
-          </a:p>
-          <a:p>
-            <a:r>
-              <a:rPr lang="en-US" dirty="0"/>
-              <a:t>Stream and datagram modes</a:t>
-            </a:r>
-          </a:p>
-          <a:p>
-            <a:r>
-              <a:rPr lang="en-US" dirty="0"/>
-              <a:t>Connected and connectionless modes</a:t>
-            </a:r>
-          </a:p>
-          <a:p>
-            <a:r>
-              <a:rPr lang="en-US" dirty="0"/>
-              <a:t>Client/server semantics for connected mode</a:t>
-            </a:r>
-          </a:p>
-          <a:p>
-            <a:r>
-              <a:rPr lang="en-US" dirty="0"/>
-              <a:t>Asynchrony via buffered sends and receives</a:t>
-            </a:r>
-          </a:p>
-          <a:p>
-            <a:pPr lvl="1"/>
-            <a:r>
-              <a:rPr lang="en-US" dirty="0"/>
-              <a:t>Requires more CPU work which lowers throughput</a:t>
-            </a:r>
-          </a:p>
-          <a:p>
-            <a:r>
-              <a:rPr lang="en-US" dirty="0"/>
-              <a:t>SOCK_STREAM inherits TCP performance constraints</a:t>
-            </a:r>
+              <a:t>Point-to-point communication use two modes</a:t>
+            </a:r>
+          </a:p>
+          <a:p>
+            <a:pPr lvl="1"/>
+            <a:r>
+              <a:rPr lang="en-US" dirty="0"/>
+              <a:t>Eager and Rendezvous</a:t>
+            </a:r>
+          </a:p>
+          <a:p>
+            <a:r>
+              <a:rPr lang="en-US" dirty="0"/>
+              <a:t>Each MPI switches modes at different sizes depending on the network being used</a:t>
+            </a:r>
+          </a:p>
+          <a:p>
+            <a:pPr lvl="1"/>
+            <a:r>
+              <a:rPr lang="en-US" dirty="0"/>
+              <a:t>May be tunable, but users don’t want to tune</a:t>
+            </a:r>
+          </a:p>
+          <a:p>
+            <a:pPr lvl="1"/>
+            <a:r>
+              <a:rPr lang="en-US" dirty="0"/>
+              <a:t>May lead to buffer overruns or OOM on the receiver</a:t>
+            </a:r>
+          </a:p>
+          <a:p>
+            <a:r>
+              <a:rPr lang="en-US" dirty="0"/>
+              <a:t>Does not specify underlying network protocol</a:t>
+            </a:r>
+          </a:p>
+          <a:p>
+            <a:r>
+              <a:rPr lang="en-US" dirty="0"/>
+              <a:t>Each MPI implements a NAL</a:t>
+            </a:r>
+          </a:p>
+          <a:p>
+            <a:r>
+              <a:rPr lang="en-US" dirty="0"/>
+              <a:t>Less mature than Sockets</a:t>
+            </a:r>
+          </a:p>
+          <a:p>
+            <a:r>
+              <a:rPr lang="en-US" dirty="0"/>
+              <a:t>Well-defined standard (but implementations vary)</a:t>
+            </a:r>
+          </a:p>
+          <a:p>
+            <a:endParaRPr lang="en-US" dirty="0"/>
           </a:p>
         </p:txBody>
       </p:sp>
     </p:spTree>
     <p:extLst>
       <p:ext uri="{BB962C8B-B14F-4D97-AF65-F5344CB8AC3E}">
-        <p14:creationId xmlns:p14="http://schemas.microsoft.com/office/powerpoint/2010/main" val="3932495684"/>
+        <p14:creationId xmlns:p14="http://schemas.microsoft.com/office/powerpoint/2010/main" val="3082596601"/>
       </p:ext>
     </p:extLst>
   </p:cSld>
@@ -7277,4 +8082,324 @@
   <a:objectDefaults/>
   <a:extraClrSchemeLst/>
 </a:theme>
+</file>
+
+<file path=ppt/theme/theme3.xml><?xml version="1.0" encoding="utf-8"?>
+<a:theme xmlns:a="http://schemas.openxmlformats.org/drawingml/2006/main" name="Office Theme">
+  <a:themeElements>
+    <a:clrScheme name="Office">
+      <a:dk1>
+        <a:sysClr val="windowText" lastClr="000000"/>
+      </a:dk1>
+      <a:lt1>
+        <a:sysClr val="window" lastClr="FFFFFF"/>
+      </a:lt1>
+      <a:dk2>
+        <a:srgbClr val="1F497D"/>
+      </a:dk2>
+      <a:lt2>
+        <a:srgbClr val="EEECE1"/>
+      </a:lt2>
+      <a:accent1>
+        <a:srgbClr val="4F81BD"/>
+      </a:accent1>
+      <a:accent2>
+        <a:srgbClr val="C0504D"/>
+      </a:accent2>
+      <a:accent3>
+        <a:srgbClr val="9BBB59"/>
+      </a:accent3>
+      <a:accent4>
+        <a:srgbClr val="8064A2"/>
+      </a:accent4>
+      <a:accent5>
+        <a:srgbClr val="4BACC6"/>
+      </a:accent5>
+      <a:accent6>
+        <a:srgbClr val="F79646"/>
+      </a:accent6>
+      <a:hlink>
+        <a:srgbClr val="0000FF"/>
+      </a:hlink>
+      <a:folHlink>
+        <a:srgbClr val="800080"/>
+      </a:folHlink>
+    </a:clrScheme>
+    <a:fontScheme name="Office">
+      <a:majorFont>
+        <a:latin typeface="Calibri"/>
+        <a:ea typeface=""/>
+        <a:cs typeface=""/>
+        <a:font script="Jpan" typeface="ＭＳ Ｐゴシック"/>
+        <a:font script="Hang" typeface="맑은 고딕"/>
+        <a:font script="Hans" typeface="宋体"/>
+        <a:font script="Hant" typeface="新細明體"/>
+        <a:font script="Arab" typeface="Times New Roman"/>
+        <a:font script="Hebr" typeface="Times New Roman"/>
+        <a:font script="Thai" typeface="Angsana New"/>
+        <a:font script="Ethi" typeface="Nyala"/>
+        <a:font script="Beng" typeface="Vrinda"/>
+        <a:font script="Gujr" typeface="Shruti"/>
+        <a:font script="Khmr" typeface="MoolBoran"/>
+        <a:font script="Knda" typeface="Tunga"/>
+        <a:font script="Guru" typeface="Raavi"/>
+        <a:font script="Cans" typeface="Euphemia"/>
+        <a:font script="Cher" typeface="Plantagenet Cherokee"/>
+        <a:font script="Yiii" typeface="Microsoft Yi Baiti"/>
+        <a:font script="Tibt" typeface="Microsoft Himalaya"/>
+        <a:font script="Thaa" typeface="MV Boli"/>
+        <a:font script="Deva" typeface="Mangal"/>
+        <a:font script="Telu" typeface="Gautami"/>
+        <a:font script="Taml" typeface="Latha"/>
+        <a:font script="Syrc" typeface="Estrangelo Edessa"/>
+        <a:font script="Orya" typeface="Kalinga"/>
+        <a:font script="Mlym" typeface="Kartika"/>
+        <a:font script="Laoo" typeface="DokChampa"/>
+        <a:font script="Sinh" typeface="Iskoola Pota"/>
+        <a:font script="Mong" typeface="Mongolian Baiti"/>
+        <a:font script="Viet" typeface="Times New Roman"/>
+        <a:font script="Uigh" typeface="Microsoft Uighur"/>
+        <a:font script="Geor" typeface="Sylfaen"/>
+      </a:majorFont>
+      <a:minorFont>
+        <a:latin typeface="Calibri"/>
+        <a:ea typeface=""/>
+        <a:cs typeface=""/>
+        <a:font script="Jpan" typeface="ＭＳ Ｐゴシック"/>
+        <a:font script="Hang" typeface="맑은 고딕"/>
+        <a:font script="Hans" typeface="宋体"/>
+        <a:font script="Hant" typeface="新細明體"/>
+        <a:font script="Arab" typeface="Arial"/>
+        <a:font script="Hebr" typeface="Arial"/>
+        <a:font script="Thai" typeface="Cordia New"/>
+        <a:font script="Ethi" typeface="Nyala"/>
+        <a:font script="Beng" typeface="Vrinda"/>
+        <a:font script="Gujr" typeface="Shruti"/>
+        <a:font script="Khmr" typeface="DaunPenh"/>
+        <a:font script="Knda" typeface="Tunga"/>
+        <a:font script="Guru" typeface="Raavi"/>
+        <a:font script="Cans" typeface="Euphemia"/>
+        <a:font script="Cher" typeface="Plantagenet Cherokee"/>
+        <a:font script="Yiii" typeface="Microsoft Yi Baiti"/>
+        <a:font script="Tibt" typeface="Microsoft Himalaya"/>
+        <a:font script="Thaa" typeface="MV Boli"/>
+        <a:font script="Deva" typeface="Mangal"/>
+        <a:font script="Telu" typeface="Gautami"/>
+        <a:font script="Taml" typeface="Latha"/>
+        <a:font script="Syrc" typeface="Estrangelo Edessa"/>
+        <a:font script="Orya" typeface="Kalinga"/>
+        <a:font script="Mlym" typeface="Kartika"/>
+        <a:font script="Laoo" typeface="DokChampa"/>
+        <a:font script="Sinh" typeface="Iskoola Pota"/>
+        <a:font script="Mong" typeface="Mongolian Baiti"/>
+        <a:font script="Viet" typeface="Arial"/>
+        <a:font script="Uigh" typeface="Microsoft Uighur"/>
+        <a:font script="Geor" typeface="Sylfaen"/>
+      </a:minorFont>
+    </a:fontScheme>
+    <a:fmtScheme name="Office">
+      <a:fillStyleLst>
+        <a:solidFill>
+          <a:schemeClr val="phClr"/>
+        </a:solidFill>
+        <a:gradFill rotWithShape="1">
+          <a:gsLst>
+            <a:gs pos="0">
+              <a:schemeClr val="phClr">
+                <a:tint val="50000"/>
+                <a:satMod val="300000"/>
+              </a:schemeClr>
+            </a:gs>
+            <a:gs pos="35000">
+              <a:schemeClr val="phClr">
+                <a:tint val="37000"/>
+                <a:satMod val="300000"/>
+              </a:schemeClr>
+            </a:gs>
+            <a:gs pos="100000">
+              <a:schemeClr val="phClr">
+                <a:tint val="15000"/>
+                <a:satMod val="350000"/>
+              </a:schemeClr>
+            </a:gs>
+          </a:gsLst>
+          <a:lin ang="16200000" scaled="1"/>
+        </a:gradFill>
+        <a:gradFill rotWithShape="1">
+          <a:gsLst>
+            <a:gs pos="0">
+              <a:schemeClr val="phClr">
+                <a:tint val="100000"/>
+                <a:shade val="100000"/>
+                <a:satMod val="130000"/>
+              </a:schemeClr>
+            </a:gs>
+            <a:gs pos="100000">
+              <a:schemeClr val="phClr">
+                <a:tint val="50000"/>
+                <a:shade val="100000"/>
+                <a:satMod val="350000"/>
+              </a:schemeClr>
+            </a:gs>
+          </a:gsLst>
+          <a:lin ang="16200000" scaled="0"/>
+        </a:gradFill>
+      </a:fillStyleLst>
+      <a:lnStyleLst>
+        <a:ln w="9525" cap="flat" cmpd="sng" algn="ctr">
+          <a:solidFill>
+            <a:schemeClr val="phClr">
+              <a:shade val="95000"/>
+              <a:satMod val="105000"/>
+            </a:schemeClr>
+          </a:solidFill>
+          <a:prstDash val="solid"/>
+        </a:ln>
+        <a:ln w="25400" cap="flat" cmpd="sng" algn="ctr">
+          <a:solidFill>
+            <a:schemeClr val="phClr"/>
+          </a:solidFill>
+          <a:prstDash val="solid"/>
+        </a:ln>
+        <a:ln w="38100" cap="flat" cmpd="sng" algn="ctr">
+          <a:solidFill>
+            <a:schemeClr val="phClr"/>
+          </a:solidFill>
+          <a:prstDash val="solid"/>
+        </a:ln>
+      </a:lnStyleLst>
+      <a:effectStyleLst>
+        <a:effectStyle>
+          <a:effectLst>
+            <a:outerShdw blurRad="40000" dist="20000" dir="5400000" rotWithShape="0">
+              <a:srgbClr val="000000">
+                <a:alpha val="38000"/>
+              </a:srgbClr>
+            </a:outerShdw>
+          </a:effectLst>
+        </a:effectStyle>
+        <a:effectStyle>
+          <a:effectLst>
+            <a:outerShdw blurRad="40000" dist="23000" dir="5400000" rotWithShape="0">
+              <a:srgbClr val="000000">
+                <a:alpha val="35000"/>
+              </a:srgbClr>
+            </a:outerShdw>
+          </a:effectLst>
+        </a:effectStyle>
+        <a:effectStyle>
+          <a:effectLst>
+            <a:outerShdw blurRad="40000" dist="23000" dir="5400000" rotWithShape="0">
+              <a:srgbClr val="000000">
+                <a:alpha val="35000"/>
+              </a:srgbClr>
+            </a:outerShdw>
+          </a:effectLst>
+          <a:scene3d>
+            <a:camera prst="orthographicFront">
+              <a:rot lat="0" lon="0" rev="0"/>
+            </a:camera>
+            <a:lightRig rig="threePt" dir="t">
+              <a:rot lat="0" lon="0" rev="1200000"/>
+            </a:lightRig>
+          </a:scene3d>
+          <a:sp3d>
+            <a:bevelT w="63500" h="25400"/>
+          </a:sp3d>
+        </a:effectStyle>
+      </a:effectStyleLst>
+      <a:bgFillStyleLst>
+        <a:solidFill>
+          <a:schemeClr val="phClr"/>
+        </a:solidFill>
+        <a:gradFill rotWithShape="1">
+          <a:gsLst>
+            <a:gs pos="0">
+              <a:schemeClr val="phClr">
+                <a:tint val="40000"/>
+                <a:satMod val="350000"/>
+              </a:schemeClr>
+            </a:gs>
+            <a:gs pos="40000">
+              <a:schemeClr val="phClr">
+                <a:tint val="45000"/>
+                <a:shade val="99000"/>
+                <a:satMod val="350000"/>
+              </a:schemeClr>
+            </a:gs>
+            <a:gs pos="100000">
+              <a:schemeClr val="phClr">
+                <a:shade val="20000"/>
+                <a:satMod val="255000"/>
+              </a:schemeClr>
+            </a:gs>
+          </a:gsLst>
+          <a:path path="circle">
+            <a:fillToRect l="50000" t="-80000" r="50000" b="180000"/>
+          </a:path>
+        </a:gradFill>
+        <a:gradFill rotWithShape="1">
+          <a:gsLst>
+            <a:gs pos="0">
+              <a:schemeClr val="phClr">
+                <a:tint val="80000"/>
+                <a:satMod val="300000"/>
+              </a:schemeClr>
+            </a:gs>
+            <a:gs pos="100000">
+              <a:schemeClr val="phClr">
+                <a:shade val="30000"/>
+                <a:satMod val="200000"/>
+              </a:schemeClr>
+            </a:gs>
+          </a:gsLst>
+          <a:path path="circle">
+            <a:fillToRect l="50000" t="50000" r="50000" b="50000"/>
+          </a:path>
+        </a:gradFill>
+      </a:bgFillStyleLst>
+    </a:fmtScheme>
+  </a:themeElements>
+  <a:objectDefaults>
+    <a:spDef>
+      <a:spPr/>
+      <a:bodyPr/>
+      <a:lstStyle/>
+      <a:style>
+        <a:lnRef idx="1">
+          <a:schemeClr val="accent1"/>
+        </a:lnRef>
+        <a:fillRef idx="3">
+          <a:schemeClr val="accent1"/>
+        </a:fillRef>
+        <a:effectRef idx="2">
+          <a:schemeClr val="accent1"/>
+        </a:effectRef>
+        <a:fontRef idx="minor">
+          <a:schemeClr val="lt1"/>
+        </a:fontRef>
+      </a:style>
+    </a:spDef>
+    <a:lnDef>
+      <a:spPr/>
+      <a:bodyPr/>
+      <a:lstStyle/>
+      <a:style>
+        <a:lnRef idx="2">
+          <a:schemeClr val="accent1"/>
+        </a:lnRef>
+        <a:fillRef idx="0">
+          <a:schemeClr val="accent1"/>
+        </a:fillRef>
+        <a:effectRef idx="1">
+          <a:schemeClr val="accent1"/>
+        </a:effectRef>
+        <a:fontRef idx="minor">
+          <a:schemeClr val="tx1"/>
+        </a:fontRef>
+      </a:style>
+    </a:lnDef>
+  </a:objectDefaults>
+  <a:extraClrSchemeLst/>
+</a:theme>
 </file>
--- a/slides/HotI-2011/2011-HotI-CCI-OLCF.pptx
+++ b/slides/HotI-2011/2011-HotI-CCI-OLCF.pptx
@@ -220,7 +220,7 @@
             </a:lvl1pPr>
           </a:lstStyle>
           <a:p>
-            <a:endParaRPr lang="en-US"/>
+            <a:endParaRPr lang="en-US" dirty="0"/>
           </a:p>
         </p:txBody>
       </p:sp>
@@ -255,7 +255,7 @@
               <a:rPr lang="en-US" smtClean="0"/>
               <a:t>8/23/11</a:t>
             </a:fld>
-            <a:endParaRPr lang="en-US"/>
+            <a:endParaRPr lang="en-US" dirty="0"/>
           </a:p>
         </p:txBody>
       </p:sp>
@@ -286,7 +286,7 @@
             </a:lvl1pPr>
           </a:lstStyle>
           <a:p>
-            <a:endParaRPr lang="en-US"/>
+            <a:endParaRPr lang="en-US" dirty="0"/>
           </a:p>
         </p:txBody>
       </p:sp>
@@ -321,7 +321,7 @@
               <a:rPr lang="en-US" smtClean="0"/>
               <a:t>‹#›</a:t>
             </a:fld>
-            <a:endParaRPr lang="en-US"/>
+            <a:endParaRPr lang="en-US" dirty="0"/>
           </a:p>
         </p:txBody>
       </p:sp>
@@ -385,7 +385,7 @@
             </a:lvl1pPr>
           </a:lstStyle>
           <a:p>
-            <a:endParaRPr lang="en-US"/>
+            <a:endParaRPr lang="en-US" dirty="0"/>
           </a:p>
         </p:txBody>
       </p:sp>
@@ -421,7 +421,7 @@
               <a:pPr/>
               <a:t>8/23/11</a:t>
             </a:fld>
-            <a:endParaRPr lang="en-US"/>
+            <a:endParaRPr lang="en-US" dirty="0"/>
           </a:p>
         </p:txBody>
       </p:sp>
@@ -454,7 +454,7 @@
           <a:bodyPr vert="horz" lIns="91440" tIns="45720" rIns="91440" bIns="45720" rtlCol="0" anchor="ctr"/>
           <a:lstStyle/>
           <a:p>
-            <a:endParaRPr lang="en-US"/>
+            <a:endParaRPr lang="en-US" dirty="0"/>
           </a:p>
         </p:txBody>
       </p:sp>
@@ -547,7 +547,7 @@
             </a:lvl1pPr>
           </a:lstStyle>
           <a:p>
-            <a:endParaRPr lang="en-US"/>
+            <a:endParaRPr lang="en-US" dirty="0"/>
           </a:p>
         </p:txBody>
       </p:sp>
@@ -583,7 +583,7 @@
               <a:pPr/>
               <a:t>‹#›</a:t>
             </a:fld>
-            <a:endParaRPr lang="en-US"/>
+            <a:endParaRPr lang="en-US" dirty="0"/>
           </a:p>
         </p:txBody>
       </p:sp>
@@ -743,14 +743,14 @@
               <a:t> to one slide for Socket an one for MPI, focusing on semantic differences. I would not present the various specialized ones, just one to show the semantic differences (matching, </a:t>
             </a:r>
             <a:r>
-              <a:rPr lang="en-US" baseline="0" dirty="0" err="1" smtClean="0"/>
-              <a:t>etc</a:t>
-            </a:r>
-            <a:r>
-              <a:rPr lang="en-US" baseline="0" smtClean="0"/>
-              <a:t>).</a:t>
-            </a:r>
-            <a:endParaRPr lang="en-US"/>
+              <a:rPr lang="en-US" baseline="0" dirty="0" smtClean="0"/>
+              <a:t>etc.)</a:t>
+            </a:r>
+            <a:r>
+              <a:rPr lang="en-US" baseline="0" dirty="0" smtClean="0"/>
+              <a:t>.</a:t>
+            </a:r>
+            <a:endParaRPr lang="en-US" dirty="0"/>
           </a:p>
         </p:txBody>
       </p:sp>
@@ -774,7 +774,7 @@
               <a:pPr/>
               <a:t>6</a:t>
             </a:fld>
-            <a:endParaRPr lang="en-US"/>
+            <a:endParaRPr lang="en-US" dirty="0"/>
           </a:p>
         </p:txBody>
       </p:sp>
@@ -850,7 +850,7 @@
           <a:lstStyle/>
           <a:p>
             <a:pPr algn="ctr"/>
-            <a:endParaRPr lang="en-US"/>
+            <a:endParaRPr lang="en-US" dirty="0"/>
           </a:p>
         </p:txBody>
       </p:sp>
@@ -2502,24 +2502,16 @@
               <a:t>Scott </a:t>
             </a:r>
             <a:r>
-              <a:rPr lang="en-US" sz="1600" b="0" dirty="0" err="1" smtClean="0"/>
-              <a:t>Atchley</a:t>
-            </a:r>
-            <a:r>
               <a:rPr lang="en-US" sz="1600" b="0" dirty="0" smtClean="0"/>
-              <a:t>, </a:t>
+              <a:t>Atchley, </a:t>
             </a:r>
             <a:r>
               <a:rPr lang="en-US" sz="1600" b="0" dirty="0"/>
               <a:t>David </a:t>
             </a:r>
             <a:r>
-              <a:rPr lang="en-US" sz="1600" b="0" dirty="0" err="1" smtClean="0"/>
-              <a:t>Dillow</a:t>
-            </a:r>
-            <a:r>
               <a:rPr lang="en-US" sz="1600" b="0" dirty="0" smtClean="0"/>
-              <a:t>, </a:t>
+              <a:t>Dillow, </a:t>
             </a:r>
             <a:r>
               <a:rPr lang="en-US" sz="1600" b="0" dirty="0"/>
@@ -2549,13 +2541,8 @@
             </a:pPr>
             <a:r>
               <a:rPr lang="en-US" sz="1600" b="0" dirty="0" smtClean="0"/>
-              <a:t>Patrick </a:t>
-            </a:r>
-            <a:r>
-              <a:rPr lang="en-US" sz="1600" b="0" dirty="0" err="1" smtClean="0"/>
-              <a:t>Geoffray</a:t>
-            </a:r>
-            <a:endParaRPr lang="en-US" sz="1600" b="0" dirty="0" smtClean="0"/>
+              <a:t>Patrick Geoffray</a:t>
+            </a:r>
           </a:p>
           <a:p>
             <a:pPr algn="ctr">
@@ -2564,10 +2551,9 @@
               </a:lnSpc>
             </a:pPr>
             <a:r>
-              <a:rPr lang="en-US" sz="1600" b="0" i="1" dirty="0" err="1" smtClean="0"/>
+              <a:rPr lang="en-US" sz="1600" b="0" i="1" dirty="0" smtClean="0"/>
               <a:t>Myricom</a:t>
             </a:r>
-            <a:endParaRPr lang="en-US" sz="1600" b="0" i="1" dirty="0" smtClean="0"/>
           </a:p>
           <a:p>
             <a:pPr algn="ctr">
@@ -2577,13 +2563,8 @@
             </a:pPr>
             <a:r>
               <a:rPr lang="en-US" sz="1600" b="0" dirty="0" smtClean="0"/>
-              <a:t>Jeffrey </a:t>
-            </a:r>
-            <a:r>
-              <a:rPr lang="en-US" sz="1600" b="0" dirty="0" err="1" smtClean="0"/>
-              <a:t>Squyres</a:t>
-            </a:r>
-            <a:endParaRPr lang="en-US" sz="1600" b="0" dirty="0" smtClean="0"/>
+              <a:t>Jeffrey Squyres</a:t>
+            </a:r>
           </a:p>
           <a:p>
             <a:pPr algn="ctr">
@@ -2607,10 +2588,9 @@
               <a:t>George </a:t>
             </a:r>
             <a:r>
-              <a:rPr lang="en-US" sz="1600" b="0" dirty="0" err="1" smtClean="0"/>
+              <a:rPr lang="en-US" sz="1600" b="0" dirty="0" smtClean="0"/>
               <a:t>Bosilca</a:t>
             </a:r>
-            <a:endParaRPr lang="en-US" sz="1600" b="0" dirty="0" smtClean="0"/>
           </a:p>
           <a:p>
             <a:pPr algn="ctr">
@@ -2631,13 +2611,8 @@
             </a:pPr>
             <a:r>
               <a:rPr lang="en-US" sz="1600" b="0" dirty="0" smtClean="0"/>
-              <a:t>Ronald </a:t>
-            </a:r>
-            <a:r>
-              <a:rPr lang="en-US" sz="1600" b="0" dirty="0" err="1" smtClean="0"/>
-              <a:t>Minnich</a:t>
-            </a:r>
-            <a:endParaRPr lang="en-US" sz="1600" b="0" dirty="0" smtClean="0"/>
+              <a:t>Ronald Minnich</a:t>
+            </a:r>
           </a:p>
           <a:p>
             <a:pPr algn="ctr">
@@ -3166,12 +3141,8 @@
           </a:p>
           <a:p>
             <a:r>
-              <a:rPr lang="en-US" dirty="0" err="1"/>
-              <a:t>Qlogics’s</a:t>
-            </a:r>
-            <a:r>
-              <a:rPr lang="en-US" dirty="0"/>
-              <a:t> </a:t>
+              <a:rPr lang="en-US" dirty="0"/>
+              <a:t>Qlogics’s </a:t>
             </a:r>
             <a:r>
               <a:rPr lang="en-US" dirty="0" smtClean="0"/>
@@ -3188,12 +3159,8 @@
           </a:p>
           <a:p>
             <a:r>
-              <a:rPr lang="en-US" dirty="0" err="1"/>
-              <a:t>Myricom’s</a:t>
-            </a:r>
-            <a:r>
-              <a:rPr lang="en-US" dirty="0"/>
-              <a:t> </a:t>
+              <a:rPr lang="en-US" dirty="0"/>
+              <a:t>Myricom’s </a:t>
             </a:r>
             <a:r>
               <a:rPr lang="en-US" dirty="0" smtClean="0"/>
@@ -3210,12 +3177,8 @@
           </a:p>
           <a:p>
             <a:r>
-              <a:rPr lang="en-US" dirty="0" err="1" smtClean="0"/>
-              <a:t>Mellanox’s</a:t>
-            </a:r>
-            <a:r>
-              <a:rPr lang="en-US" dirty="0" smtClean="0"/>
-              <a:t> MXM (unreleased)</a:t>
+              <a:rPr lang="en-US" dirty="0" smtClean="0"/>
+              <a:t>Mellanox’s MXM (unreleased)</a:t>
             </a:r>
           </a:p>
           <a:p>
@@ -3232,10 +3195,9 @@
               <a:t>LBL’s </a:t>
             </a:r>
             <a:r>
-              <a:rPr lang="en-US" dirty="0" err="1" smtClean="0"/>
+              <a:rPr lang="en-US" dirty="0" smtClean="0"/>
               <a:t>GASnet</a:t>
             </a:r>
-            <a:endParaRPr lang="en-US" dirty="0" smtClean="0"/>
           </a:p>
           <a:p>
             <a:pPr lvl="1"/>
@@ -3255,15 +3217,7 @@
             <a:pPr lvl="1"/>
             <a:r>
               <a:rPr lang="en-US" dirty="0" smtClean="0"/>
-              <a:t>Limited support outside of </a:t>
-            </a:r>
-            <a:r>
-              <a:rPr lang="en-US" dirty="0" err="1" smtClean="0"/>
-              <a:t>iWARP</a:t>
-            </a:r>
-            <a:r>
-              <a:rPr lang="en-US" dirty="0" smtClean="0"/>
-              <a:t> capable devices </a:t>
+              <a:t>Limited support outside of iWARP capable devices </a:t>
             </a:r>
             <a:endParaRPr lang="en-US" dirty="0"/>
           </a:p>
@@ -3407,6 +3361,36 @@
           </a:p>
         </p:txBody>
       </p:sp>
+      <p:pic>
+        <p:nvPicPr>
+          <p:cNvPr id="4" name="Picture 3" descr="cci_2_nodes.pdf"/>
+          <p:cNvPicPr>
+            <a:picLocks noChangeAspect="1"/>
+          </p:cNvPicPr>
+          <p:nvPr/>
+        </p:nvPicPr>
+        <p:blipFill>
+          <a:blip r:embed="rId2">
+            <a:extLst>
+              <a:ext uri="{28A0092B-C50C-407E-A947-70E740481C1C}">
+                <a14:useLocalDpi xmlns:a14="http://schemas.microsoft.com/office/drawing/2010/main" val="0"/>
+              </a:ext>
+            </a:extLst>
+          </a:blip>
+          <a:stretch>
+            <a:fillRect/>
+          </a:stretch>
+        </p:blipFill>
+        <p:spPr>
+          <a:xfrm>
+            <a:off x="3672210" y="1460500"/>
+            <a:ext cx="5293990" cy="4508500"/>
+          </a:xfrm>
+          <a:prstGeom prst="rect">
+            <a:avLst/>
+          </a:prstGeom>
+        </p:spPr>
+      </p:pic>
     </p:spTree>
     <p:extLst>
       <p:ext uri="{BB962C8B-B14F-4D97-AF65-F5344CB8AC3E}">
@@ -3511,15 +3495,7 @@
           <a:p>
             <a:r>
               <a:rPr lang="en-US" dirty="0"/>
-              <a:t>Events for send, </a:t>
-            </a:r>
-            <a:r>
-              <a:rPr lang="en-US" dirty="0" err="1"/>
-              <a:t>recv</a:t>
-            </a:r>
-            <a:r>
-              <a:rPr lang="en-US" dirty="0"/>
-              <a:t>, connection establishment, etc.</a:t>
+              <a:t>Events for send, recv, connection establishment, etc.</a:t>
             </a:r>
           </a:p>
           <a:p>
@@ -3537,7 +3513,15 @@
           <a:p>
             <a:r>
               <a:rPr lang="en-US" dirty="0"/>
-              <a:t>The process eventaully returns the event to CCI </a:t>
+              <a:t>The process </a:t>
+            </a:r>
+            <a:r>
+              <a:rPr lang="en-US" dirty="0" smtClean="0"/>
+              <a:t>eventually </a:t>
+            </a:r>
+            <a:r>
+              <a:rPr lang="en-US" dirty="0"/>
+              <a:t>returns the event to CCI </a:t>
             </a:r>
           </a:p>
           <a:p>
@@ -4271,15 +4255,7 @@
             <a:pPr lvl="2"/>
             <a:r>
               <a:rPr lang="en-US" dirty="0"/>
-              <a:t>CCI requests </a:t>
-            </a:r>
-            <a:r>
-              <a:rPr lang="en-US" dirty="0" err="1"/>
-              <a:t>acks</a:t>
-            </a:r>
-            <a:r>
-              <a:rPr lang="en-US" dirty="0"/>
-              <a:t> for reliable connections</a:t>
+              <a:t>CCI requests acks for reliable connections</a:t>
             </a:r>
           </a:p>
           <a:p>
@@ -4615,12 +4591,8 @@
           <a:p>
             <a:pPr lvl="2"/>
             <a:r>
-              <a:rPr lang="en-US" dirty="0" err="1" smtClean="0"/>
-              <a:t>Memcached</a:t>
-            </a:r>
-            <a:r>
-              <a:rPr lang="en-US" dirty="0" smtClean="0"/>
-              <a:t>, Big Table, Cassandra.</a:t>
+              <a:rPr lang="en-US" dirty="0" smtClean="0"/>
+              <a:t>Memcached, Big Table, Cassandra.</a:t>
             </a:r>
           </a:p>
           <a:p>
@@ -4897,15 +4869,7 @@
           <a:p>
             <a:r>
               <a:rPr lang="en-US" dirty="0"/>
-              <a:t>Native </a:t>
-            </a:r>
-            <a:r>
-              <a:rPr lang="en-US" dirty="0" err="1"/>
-              <a:t>SeaStar</a:t>
-            </a:r>
-            <a:r>
-              <a:rPr lang="en-US" dirty="0"/>
-              <a:t> Performance</a:t>
+              <a:t>Native SeaStar Performance</a:t>
             </a:r>
           </a:p>
         </p:txBody>
@@ -5176,15 +5140,7 @@
             <a:pPr lvl="1"/>
             <a:r>
               <a:rPr lang="en-US" dirty="0" smtClean="0"/>
-              <a:t>Work is underway to provide Cray GNI, IBM Blue Gene, and </a:t>
-            </a:r>
-            <a:r>
-              <a:rPr lang="en-US" dirty="0" err="1" smtClean="0"/>
-              <a:t>InfiniBand</a:t>
-            </a:r>
-            <a:r>
-              <a:rPr lang="en-US" dirty="0" smtClean="0"/>
-              <a:t> Verbs support	</a:t>
+              <a:t>Work is underway to provide Cray GNI, IBM Blue Gene, and InfiniBand Verbs support	</a:t>
             </a:r>
             <a:endParaRPr lang="en-US" dirty="0"/>
           </a:p>
@@ -5705,10 +5661,9 @@
                     <a:lstStyle/>
                     <a:p>
                       <a:r>
-                        <a:rPr lang="en-US" dirty="0" err="1"/>
+                        <a:rPr lang="en-US" dirty="0"/>
                         <a:t>OpenIB (Verbs)</a:t>
                       </a:r>
-                      <a:endParaRPr lang="en-US" dirty="0"/>
                     </a:p>
                   </a:txBody>
                   <a:tcPr/>
@@ -6012,20 +5967,8 @@
           </a:p>
           <a:p>
             <a:r>
-              <a:rPr lang="en-US" dirty="0" err="1"/>
-              <a:t>Lustre</a:t>
-            </a:r>
-            <a:r>
-              <a:rPr lang="en-US" dirty="0"/>
-              <a:t> distributed </a:t>
-            </a:r>
-            <a:r>
-              <a:rPr lang="en-US" dirty="0" err="1"/>
-              <a:t>file system</a:t>
-            </a:r>
-            <a:r>
-              <a:rPr lang="en-US" dirty="0"/>
-              <a:t> NAL, LNET, was originally based on Portals</a:t>
+              <a:rPr lang="en-US" dirty="0"/>
+              <a:t>Lustre distributed file system NAL, LNET, was originally based on Portals</a:t>
             </a:r>
           </a:p>
         </p:txBody>
@@ -6096,20 +6039,8 @@
           <a:lstStyle/>
           <a:p>
             <a:r>
-              <a:rPr lang="en-US" dirty="0" err="1"/>
-              <a:t>Myricom</a:t>
-            </a:r>
-            <a:r>
-              <a:rPr lang="en-US" dirty="0"/>
-              <a:t> MX and </a:t>
-            </a:r>
-            <a:r>
-              <a:rPr lang="en-US" dirty="0" err="1"/>
-              <a:t>Qlogic</a:t>
-            </a:r>
-            <a:r>
-              <a:rPr lang="en-US" dirty="0"/>
-              <a:t> PSM</a:t>
+              <a:rPr lang="en-US" dirty="0"/>
+              <a:t>Myricom MX and Qlogic PSM</a:t>
             </a:r>
           </a:p>
         </p:txBody>
@@ -6280,15 +6211,7 @@
           <a:p>
             <a:r>
               <a:rPr lang="en-US" dirty="0"/>
-              <a:t>Designed for RS-series and </a:t>
-            </a:r>
-            <a:r>
-              <a:rPr lang="en-US" dirty="0" err="1"/>
-              <a:t>BlueGene</a:t>
-            </a:r>
-            <a:r>
-              <a:rPr lang="en-US" dirty="0"/>
-              <a:t> P/Q</a:t>
+              <a:t>Designed for RS-series and BlueGene P/Q</a:t>
             </a:r>
           </a:p>
           <a:p>
@@ -7323,33 +7246,16 @@
           <a:p>
             <a:pPr lvl="1"/>
             <a:r>
-              <a:rPr lang="en-US" sz="2100" dirty="0" err="1"/>
-              <a:t>Accept</a:t>
-            </a:r>
-            <a:r>
               <a:rPr lang="en-US" sz="2100" dirty="0"/>
-              <a:t>(), </a:t>
-            </a:r>
-            <a:r>
-              <a:rPr lang="en-US" sz="2100" dirty="0" err="1"/>
-              <a:t>Connect</a:t>
-            </a:r>
+              <a:t>Accept(), Connect() immature, infrequently provided, and much less used</a:t>
+            </a:r>
+          </a:p>
+          <a:p>
+            <a:pPr lvl="1"/>
             <a:r>
               <a:rPr lang="en-US" sz="2100" dirty="0"/>
-              <a:t>() immature, infrequently provided, and much less used</a:t>
-            </a:r>
-          </a:p>
-          <a:p>
-            <a:pPr lvl="1"/>
-            <a:r>
-              <a:rPr lang="en-US" sz="2100" dirty="0"/>
-              <a:t>Imposes high overhead, not </a:t>
-            </a:r>
-            <a:r>
-              <a:rPr lang="en-US" sz="2100" dirty="0" err="1"/>
-              <a:t>performant</a:t>
-            </a:r>
-            <a:endParaRPr lang="en-US" sz="2100" dirty="0"/>
+              <a:t>Imposes high overhead, not performant</a:t>
+            </a:r>
           </a:p>
         </p:txBody>
       </p:sp>

--- a/slides/HotI-2011/2011-HotI-CCI-OLCF.pptx
+++ b/slides/HotI-2011/2011-HotI-CCI-OLCF.pptx
@@ -5,41 +5,40 @@
     <p:sldMasterId id="2147483915" r:id="rId1"/>
   </p:sldMasterIdLst>
   <p:notesMasterIdLst>
-    <p:notesMasterId r:id="rId31"/>
+    <p:notesMasterId r:id="rId30"/>
   </p:notesMasterIdLst>
   <p:handoutMasterIdLst>
-    <p:handoutMasterId r:id="rId32"/>
+    <p:handoutMasterId r:id="rId31"/>
   </p:handoutMasterIdLst>
   <p:sldIdLst>
     <p:sldId id="275" r:id="rId2"/>
     <p:sldId id="303" r:id="rId3"/>
     <p:sldId id="304" r:id="rId4"/>
-    <p:sldId id="300" r:id="rId5"/>
-    <p:sldId id="301" r:id="rId6"/>
+    <p:sldId id="301" r:id="rId5"/>
+    <p:sldId id="306" r:id="rId6"/>
     <p:sldId id="279" r:id="rId7"/>
     <p:sldId id="280" r:id="rId8"/>
     <p:sldId id="281" r:id="rId9"/>
-    <p:sldId id="282" r:id="rId10"/>
-    <p:sldId id="283" r:id="rId11"/>
-    <p:sldId id="284" r:id="rId12"/>
-    <p:sldId id="289" r:id="rId13"/>
-    <p:sldId id="290" r:id="rId14"/>
-    <p:sldId id="291" r:id="rId15"/>
-    <p:sldId id="292" r:id="rId16"/>
-    <p:sldId id="293" r:id="rId17"/>
-    <p:sldId id="294" r:id="rId18"/>
-    <p:sldId id="295" r:id="rId19"/>
-    <p:sldId id="296" r:id="rId20"/>
-    <p:sldId id="297" r:id="rId21"/>
-    <p:sldId id="298" r:id="rId22"/>
-    <p:sldId id="299" r:id="rId23"/>
-    <p:sldId id="305" r:id="rId24"/>
-    <p:sldId id="276" r:id="rId25"/>
-    <p:sldId id="302" r:id="rId26"/>
-    <p:sldId id="285" r:id="rId27"/>
-    <p:sldId id="286" r:id="rId28"/>
-    <p:sldId id="287" r:id="rId29"/>
-    <p:sldId id="288" r:id="rId30"/>
+    <p:sldId id="284" r:id="rId10"/>
+    <p:sldId id="307" r:id="rId11"/>
+    <p:sldId id="289" r:id="rId12"/>
+    <p:sldId id="290" r:id="rId13"/>
+    <p:sldId id="291" r:id="rId14"/>
+    <p:sldId id="292" r:id="rId15"/>
+    <p:sldId id="293" r:id="rId16"/>
+    <p:sldId id="294" r:id="rId17"/>
+    <p:sldId id="295" r:id="rId18"/>
+    <p:sldId id="296" r:id="rId19"/>
+    <p:sldId id="297" r:id="rId20"/>
+    <p:sldId id="298" r:id="rId21"/>
+    <p:sldId id="299" r:id="rId22"/>
+    <p:sldId id="305" r:id="rId23"/>
+    <p:sldId id="276" r:id="rId24"/>
+    <p:sldId id="302" r:id="rId25"/>
+    <p:sldId id="285" r:id="rId26"/>
+    <p:sldId id="286" r:id="rId27"/>
+    <p:sldId id="287" r:id="rId28"/>
+    <p:sldId id="288" r:id="rId29"/>
   </p:sldIdLst>
   <p:sldSz cx="9144000" cy="6858000" type="screen4x3"/>
   <p:notesSz cx="7010400" cy="9296400"/>
@@ -253,7 +252,7 @@
           <a:p>
             <a:fld id="{5290C00C-D5EF-1542-A8A4-E1D7EA8D797B}" type="datetimeFigureOut">
               <a:rPr lang="en-US" smtClean="0"/>
-              <a:t>8/23/11</a:t>
+              <a:t>8/23/2011</a:t>
             </a:fld>
             <a:endParaRPr lang="en-US" dirty="0"/>
           </a:p>
@@ -419,7 +418,7 @@
             <a:fld id="{1507BF42-67CC-4FB8-9955-9A9591B56F2B}" type="datetimeFigureOut">
               <a:rPr lang="en-US" smtClean="0"/>
               <a:pPr/>
-              <a:t>8/23/11</a:t>
+              <a:t>8/23/2011</a:t>
             </a:fld>
             <a:endParaRPr lang="en-US" dirty="0"/>
           </a:p>
@@ -736,19 +735,202 @@
           <a:p>
             <a:r>
               <a:rPr lang="en-US" dirty="0" smtClean="0"/>
+              <a:t>Service Oriented</a:t>
+            </a:r>
+            <a:r>
+              <a:rPr lang="en-US" baseline="0" dirty="0" smtClean="0"/>
+              <a:t> Architectures</a:t>
+            </a:r>
+            <a:br>
+              <a:rPr lang="en-US" baseline="0" dirty="0" smtClean="0"/>
+            </a:br>
+            <a:r>
+              <a:rPr lang="en-US" baseline="0" dirty="0" smtClean="0"/>
+              <a:t>Data intensive applications</a:t>
+            </a:r>
+          </a:p>
+          <a:p>
+            <a:r>
+              <a:rPr lang="en-US" baseline="0" dirty="0" smtClean="0"/>
+              <a:t>Inter process communications</a:t>
+            </a:r>
+            <a:endParaRPr lang="en-US" dirty="0"/>
+          </a:p>
+        </p:txBody>
+      </p:sp>
+      <p:sp>
+        <p:nvSpPr>
+          <p:cNvPr id="4" name="Slide Number Placeholder 3"/>
+          <p:cNvSpPr>
+            <a:spLocks noGrp="1"/>
+          </p:cNvSpPr>
+          <p:nvPr>
+            <p:ph type="sldNum" sz="quarter" idx="10"/>
+          </p:nvPr>
+        </p:nvSpPr>
+        <p:spPr/>
+        <p:txBody>
+          <a:bodyPr/>
+          <a:lstStyle/>
+          <a:p>
+            <a:fld id="{A3588623-9414-4A4F-B728-DDF491331B9F}" type="slidenum">
+              <a:rPr lang="en-US" smtClean="0"/>
+              <a:pPr/>
+              <a:t>2</a:t>
+            </a:fld>
+            <a:endParaRPr lang="en-US" dirty="0"/>
+          </a:p>
+        </p:txBody>
+      </p:sp>
+    </p:spTree>
+    <p:extLst>
+      <p:ext uri="{BB962C8B-B14F-4D97-AF65-F5344CB8AC3E}">
+        <p14:creationId xmlns:p14="http://schemas.microsoft.com/office/powerpoint/2010/main" val="2074200203"/>
+      </p:ext>
+    </p:extLst>
+  </p:cSld>
+  <p:clrMapOvr>
+    <a:masterClrMapping/>
+  </p:clrMapOvr>
+</p:notes>
+</file>
+
+<file path=ppt/notesSlides/notesSlide2.xml><?xml version="1.0" encoding="utf-8"?>
+<p:notes xmlns:a="http://schemas.openxmlformats.org/drawingml/2006/main" xmlns:r="http://schemas.openxmlformats.org/officeDocument/2006/relationships" xmlns:p="http://schemas.openxmlformats.org/presentationml/2006/main">
+  <p:cSld>
+    <p:spTree>
+      <p:nvGrpSpPr>
+        <p:cNvPr id="1" name=""/>
+        <p:cNvGrpSpPr/>
+        <p:nvPr/>
+      </p:nvGrpSpPr>
+      <p:grpSpPr>
+        <a:xfrm>
+          <a:off x="0" y="0"/>
+          <a:ext cx="0" cy="0"/>
+          <a:chOff x="0" y="0"/>
+          <a:chExt cx="0" cy="0"/>
+        </a:xfrm>
+      </p:grpSpPr>
+      <p:sp>
+        <p:nvSpPr>
+          <p:cNvPr id="2" name="Slide Image Placeholder 1"/>
+          <p:cNvSpPr>
+            <a:spLocks noGrp="1" noRot="1" noChangeAspect="1"/>
+          </p:cNvSpPr>
+          <p:nvPr>
+            <p:ph type="sldImg"/>
+          </p:nvPr>
+        </p:nvSpPr>
+        <p:spPr/>
+      </p:sp>
+      <p:sp>
+        <p:nvSpPr>
+          <p:cNvPr id="3" name="Notes Placeholder 2"/>
+          <p:cNvSpPr>
+            <a:spLocks noGrp="1"/>
+          </p:cNvSpPr>
+          <p:nvPr>
+            <p:ph type="body" idx="1"/>
+          </p:nvPr>
+        </p:nvSpPr>
+        <p:spPr/>
+        <p:txBody>
+          <a:bodyPr/>
+          <a:lstStyle/>
+          <a:p>
+            <a:endParaRPr lang="en-US" dirty="0"/>
+          </a:p>
+        </p:txBody>
+      </p:sp>
+      <p:sp>
+        <p:nvSpPr>
+          <p:cNvPr id="4" name="Slide Number Placeholder 3"/>
+          <p:cNvSpPr>
+            <a:spLocks noGrp="1"/>
+          </p:cNvSpPr>
+          <p:nvPr>
+            <p:ph type="sldNum" sz="quarter" idx="10"/>
+          </p:nvPr>
+        </p:nvSpPr>
+        <p:spPr/>
+        <p:txBody>
+          <a:bodyPr/>
+          <a:lstStyle/>
+          <a:p>
+            <a:fld id="{A3588623-9414-4A4F-B728-DDF491331B9F}" type="slidenum">
+              <a:rPr lang="en-US" smtClean="0"/>
+              <a:pPr/>
+              <a:t>3</a:t>
+            </a:fld>
+            <a:endParaRPr lang="en-US" dirty="0"/>
+          </a:p>
+        </p:txBody>
+      </p:sp>
+    </p:spTree>
+    <p:extLst>
+      <p:ext uri="{BB962C8B-B14F-4D97-AF65-F5344CB8AC3E}">
+        <p14:creationId xmlns:p14="http://schemas.microsoft.com/office/powerpoint/2010/main" val="521192069"/>
+      </p:ext>
+    </p:extLst>
+  </p:cSld>
+  <p:clrMapOvr>
+    <a:masterClrMapping/>
+  </p:clrMapOvr>
+</p:notes>
+</file>
+
+<file path=ppt/notesSlides/notesSlide3.xml><?xml version="1.0" encoding="utf-8"?>
+<p:notes xmlns:a="http://schemas.openxmlformats.org/drawingml/2006/main" xmlns:r="http://schemas.openxmlformats.org/officeDocument/2006/relationships" xmlns:p="http://schemas.openxmlformats.org/presentationml/2006/main">
+  <p:cSld>
+    <p:spTree>
+      <p:nvGrpSpPr>
+        <p:cNvPr id="1" name=""/>
+        <p:cNvGrpSpPr/>
+        <p:nvPr/>
+      </p:nvGrpSpPr>
+      <p:grpSpPr>
+        <a:xfrm>
+          <a:off x="0" y="0"/>
+          <a:ext cx="0" cy="0"/>
+          <a:chOff x="0" y="0"/>
+          <a:chExt cx="0" cy="0"/>
+        </a:xfrm>
+      </p:grpSpPr>
+      <p:sp>
+        <p:nvSpPr>
+          <p:cNvPr id="2" name="Slide Image Placeholder 1"/>
+          <p:cNvSpPr>
+            <a:spLocks noGrp="1" noRot="1" noChangeAspect="1"/>
+          </p:cNvSpPr>
+          <p:nvPr>
+            <p:ph type="sldImg"/>
+          </p:nvPr>
+        </p:nvSpPr>
+        <p:spPr/>
+      </p:sp>
+      <p:sp>
+        <p:nvSpPr>
+          <p:cNvPr id="3" name="Notes Placeholder 2"/>
+          <p:cNvSpPr>
+            <a:spLocks noGrp="1"/>
+          </p:cNvSpPr>
+          <p:nvPr>
+            <p:ph type="body" idx="1"/>
+          </p:nvPr>
+        </p:nvSpPr>
+        <p:spPr/>
+        <p:txBody>
+          <a:bodyPr/>
+          <a:lstStyle/>
+          <a:p>
+            <a:r>
+              <a:rPr lang="en-US" dirty="0" smtClean="0"/>
               <a:t>I would stick</a:t>
             </a:r>
             <a:r>
               <a:rPr lang="en-US" baseline="0" dirty="0" smtClean="0"/>
-              <a:t> to one slide for Socket an one for MPI, focusing on semantic differences. I would not present the various specialized ones, just one to show the semantic differences (matching, </a:t>
-            </a:r>
-            <a:r>
-              <a:rPr lang="en-US" baseline="0" dirty="0" smtClean="0"/>
-              <a:t>etc.)</a:t>
-            </a:r>
-            <a:r>
-              <a:rPr lang="en-US" baseline="0" dirty="0" smtClean="0"/>
-              <a:t>.</a:t>
+              <a:t> to one slide for Socket an one for MPI, focusing on semantic differences. I would not present the various specialized ones, just one to show the semantic differences (matching, etc.).</a:t>
             </a:r>
             <a:endParaRPr lang="en-US" dirty="0"/>
           </a:p>
@@ -782,6 +964,312 @@
     <p:extLst>
       <p:ext uri="{BB962C8B-B14F-4D97-AF65-F5344CB8AC3E}">
         <p14:creationId xmlns:p14="http://schemas.microsoft.com/office/powerpoint/2010/main" val="2120181062"/>
+      </p:ext>
+    </p:extLst>
+  </p:cSld>
+  <p:clrMapOvr>
+    <a:masterClrMapping/>
+  </p:clrMapOvr>
+</p:notes>
+</file>
+
+<file path=ppt/notesSlides/notesSlide4.xml><?xml version="1.0" encoding="utf-8"?>
+<p:notes xmlns:a="http://schemas.openxmlformats.org/drawingml/2006/main" xmlns:r="http://schemas.openxmlformats.org/officeDocument/2006/relationships" xmlns:p="http://schemas.openxmlformats.org/presentationml/2006/main">
+  <p:cSld>
+    <p:spTree>
+      <p:nvGrpSpPr>
+        <p:cNvPr id="1" name=""/>
+        <p:cNvGrpSpPr/>
+        <p:nvPr/>
+      </p:nvGrpSpPr>
+      <p:grpSpPr>
+        <a:xfrm>
+          <a:off x="0" y="0"/>
+          <a:ext cx="0" cy="0"/>
+          <a:chOff x="0" y="0"/>
+          <a:chExt cx="0" cy="0"/>
+        </a:xfrm>
+      </p:grpSpPr>
+      <p:sp>
+        <p:nvSpPr>
+          <p:cNvPr id="2" name="Slide Image Placeholder 1"/>
+          <p:cNvSpPr>
+            <a:spLocks noGrp="1" noRot="1" noChangeAspect="1"/>
+          </p:cNvSpPr>
+          <p:nvPr>
+            <p:ph type="sldImg"/>
+          </p:nvPr>
+        </p:nvSpPr>
+        <p:spPr/>
+      </p:sp>
+      <p:sp>
+        <p:nvSpPr>
+          <p:cNvPr id="3" name="Notes Placeholder 2"/>
+          <p:cNvSpPr>
+            <a:spLocks noGrp="1"/>
+          </p:cNvSpPr>
+          <p:nvPr>
+            <p:ph type="body" idx="1"/>
+          </p:nvPr>
+        </p:nvSpPr>
+        <p:spPr/>
+        <p:txBody>
+          <a:bodyPr/>
+          <a:lstStyle/>
+          <a:p>
+            <a:r>
+              <a:rPr lang="en-US" dirty="0" err="1" smtClean="0"/>
+              <a:t>Epoll</a:t>
+            </a:r>
+            <a:r>
+              <a:rPr lang="en-US" baseline="0" dirty="0" smtClean="0"/>
+              <a:t> (in kernel, requires interrupt) </a:t>
+            </a:r>
+          </a:p>
+          <a:p>
+            <a:r>
+              <a:rPr lang="en-US" dirty="0" smtClean="0"/>
+              <a:t>Could use UDP but no reliability</a:t>
+            </a:r>
+            <a:r>
+              <a:rPr lang="en-US" baseline="0" dirty="0" smtClean="0"/>
+              <a:t> </a:t>
+            </a:r>
+            <a:endParaRPr lang="en-US" dirty="0"/>
+          </a:p>
+        </p:txBody>
+      </p:sp>
+      <p:sp>
+        <p:nvSpPr>
+          <p:cNvPr id="4" name="Slide Number Placeholder 3"/>
+          <p:cNvSpPr>
+            <a:spLocks noGrp="1"/>
+          </p:cNvSpPr>
+          <p:nvPr>
+            <p:ph type="sldNum" sz="quarter" idx="10"/>
+          </p:nvPr>
+        </p:nvSpPr>
+        <p:spPr/>
+        <p:txBody>
+          <a:bodyPr/>
+          <a:lstStyle/>
+          <a:p>
+            <a:fld id="{A3588623-9414-4A4F-B728-DDF491331B9F}" type="slidenum">
+              <a:rPr lang="en-US" smtClean="0"/>
+              <a:pPr/>
+              <a:t>7</a:t>
+            </a:fld>
+            <a:endParaRPr lang="en-US" dirty="0"/>
+          </a:p>
+        </p:txBody>
+      </p:sp>
+    </p:spTree>
+    <p:extLst>
+      <p:ext uri="{BB962C8B-B14F-4D97-AF65-F5344CB8AC3E}">
+        <p14:creationId xmlns:p14="http://schemas.microsoft.com/office/powerpoint/2010/main" val="919102884"/>
+      </p:ext>
+    </p:extLst>
+  </p:cSld>
+  <p:clrMapOvr>
+    <a:masterClrMapping/>
+  </p:clrMapOvr>
+</p:notes>
+</file>
+
+<file path=ppt/notesSlides/notesSlide5.xml><?xml version="1.0" encoding="utf-8"?>
+<p:notes xmlns:a="http://schemas.openxmlformats.org/drawingml/2006/main" xmlns:r="http://schemas.openxmlformats.org/officeDocument/2006/relationships" xmlns:p="http://schemas.openxmlformats.org/presentationml/2006/main">
+  <p:cSld>
+    <p:spTree>
+      <p:nvGrpSpPr>
+        <p:cNvPr id="1" name=""/>
+        <p:cNvGrpSpPr/>
+        <p:nvPr/>
+      </p:nvGrpSpPr>
+      <p:grpSpPr>
+        <a:xfrm>
+          <a:off x="0" y="0"/>
+          <a:ext cx="0" cy="0"/>
+          <a:chOff x="0" y="0"/>
+          <a:chExt cx="0" cy="0"/>
+        </a:xfrm>
+      </p:grpSpPr>
+      <p:sp>
+        <p:nvSpPr>
+          <p:cNvPr id="2" name="Slide Image Placeholder 1"/>
+          <p:cNvSpPr>
+            <a:spLocks noGrp="1" noRot="1" noChangeAspect="1"/>
+          </p:cNvSpPr>
+          <p:nvPr>
+            <p:ph type="sldImg"/>
+          </p:nvPr>
+        </p:nvSpPr>
+        <p:spPr/>
+      </p:sp>
+      <p:sp>
+        <p:nvSpPr>
+          <p:cNvPr id="3" name="Notes Placeholder 2"/>
+          <p:cNvSpPr>
+            <a:spLocks noGrp="1"/>
+          </p:cNvSpPr>
+          <p:nvPr>
+            <p:ph type="body" idx="1"/>
+          </p:nvPr>
+        </p:nvSpPr>
+        <p:spPr/>
+        <p:txBody>
+          <a:bodyPr/>
+          <a:lstStyle/>
+          <a:p>
+            <a:r>
+              <a:rPr lang="en-US" dirty="0" smtClean="0"/>
+              <a:t>Need</a:t>
+            </a:r>
+            <a:r>
+              <a:rPr lang="en-US" baseline="0" dirty="0" smtClean="0"/>
+              <a:t> to bridge was there, the solution was developed but it is narrow in scope (HPC only) </a:t>
+            </a:r>
+          </a:p>
+          <a:p>
+            <a:pPr marL="0" marR="0" lvl="1" indent="0" algn="l" defTabSz="914400" rtl="0" eaLnBrk="1" fontAlgn="auto" latinLnBrk="0" hangingPunct="1">
+              <a:lnSpc>
+                <a:spcPct val="100000"/>
+              </a:lnSpc>
+              <a:spcBef>
+                <a:spcPts val="0"/>
+              </a:spcBef>
+              <a:spcAft>
+                <a:spcPts val="0"/>
+              </a:spcAft>
+              <a:buClrTx/>
+              <a:buSzTx/>
+              <a:buFontTx/>
+              <a:buNone/>
+              <a:tabLst/>
+              <a:defRPr/>
+            </a:pPr>
+            <a:r>
+              <a:rPr lang="en-US" sz="2000" dirty="0" smtClean="0"/>
+              <a:t>Later attempts to address dynamic environments have not been widely adopted </a:t>
+            </a:r>
+          </a:p>
+          <a:p>
+            <a:endParaRPr lang="en-US" dirty="0"/>
+          </a:p>
+        </p:txBody>
+      </p:sp>
+      <p:sp>
+        <p:nvSpPr>
+          <p:cNvPr id="4" name="Slide Number Placeholder 3"/>
+          <p:cNvSpPr>
+            <a:spLocks noGrp="1"/>
+          </p:cNvSpPr>
+          <p:nvPr>
+            <p:ph type="sldNum" sz="quarter" idx="10"/>
+          </p:nvPr>
+        </p:nvSpPr>
+        <p:spPr/>
+        <p:txBody>
+          <a:bodyPr/>
+          <a:lstStyle/>
+          <a:p>
+            <a:fld id="{A3588623-9414-4A4F-B728-DDF491331B9F}" type="slidenum">
+              <a:rPr lang="en-US" smtClean="0"/>
+              <a:pPr/>
+              <a:t>8</a:t>
+            </a:fld>
+            <a:endParaRPr lang="en-US" dirty="0"/>
+          </a:p>
+        </p:txBody>
+      </p:sp>
+    </p:spTree>
+    <p:extLst>
+      <p:ext uri="{BB962C8B-B14F-4D97-AF65-F5344CB8AC3E}">
+        <p14:creationId xmlns:p14="http://schemas.microsoft.com/office/powerpoint/2010/main" val="1665355784"/>
+      </p:ext>
+    </p:extLst>
+  </p:cSld>
+  <p:clrMapOvr>
+    <a:masterClrMapping/>
+  </p:clrMapOvr>
+</p:notes>
+</file>
+
+<file path=ppt/notesSlides/notesSlide6.xml><?xml version="1.0" encoding="utf-8"?>
+<p:notes xmlns:a="http://schemas.openxmlformats.org/drawingml/2006/main" xmlns:r="http://schemas.openxmlformats.org/officeDocument/2006/relationships" xmlns:p="http://schemas.openxmlformats.org/presentationml/2006/main">
+  <p:cSld>
+    <p:spTree>
+      <p:nvGrpSpPr>
+        <p:cNvPr id="1" name=""/>
+        <p:cNvGrpSpPr/>
+        <p:nvPr/>
+      </p:nvGrpSpPr>
+      <p:grpSpPr>
+        <a:xfrm>
+          <a:off x="0" y="0"/>
+          <a:ext cx="0" cy="0"/>
+          <a:chOff x="0" y="0"/>
+          <a:chExt cx="0" cy="0"/>
+        </a:xfrm>
+      </p:grpSpPr>
+      <p:sp>
+        <p:nvSpPr>
+          <p:cNvPr id="2" name="Slide Image Placeholder 1"/>
+          <p:cNvSpPr>
+            <a:spLocks noGrp="1" noRot="1" noChangeAspect="1"/>
+          </p:cNvSpPr>
+          <p:nvPr>
+            <p:ph type="sldImg"/>
+          </p:nvPr>
+        </p:nvSpPr>
+        <p:spPr/>
+      </p:sp>
+      <p:sp>
+        <p:nvSpPr>
+          <p:cNvPr id="3" name="Notes Placeholder 2"/>
+          <p:cNvSpPr>
+            <a:spLocks noGrp="1"/>
+          </p:cNvSpPr>
+          <p:nvPr>
+            <p:ph type="body" idx="1"/>
+          </p:nvPr>
+        </p:nvSpPr>
+        <p:spPr/>
+        <p:txBody>
+          <a:bodyPr/>
+          <a:lstStyle/>
+          <a:p>
+            <a:endParaRPr lang="en-US" dirty="0"/>
+          </a:p>
+        </p:txBody>
+      </p:sp>
+      <p:sp>
+        <p:nvSpPr>
+          <p:cNvPr id="4" name="Slide Number Placeholder 3"/>
+          <p:cNvSpPr>
+            <a:spLocks noGrp="1"/>
+          </p:cNvSpPr>
+          <p:nvPr>
+            <p:ph type="sldNum" sz="quarter" idx="10"/>
+          </p:nvPr>
+        </p:nvSpPr>
+        <p:spPr/>
+        <p:txBody>
+          <a:bodyPr/>
+          <a:lstStyle/>
+          <a:p>
+            <a:fld id="{A3588623-9414-4A4F-B728-DDF491331B9F}" type="slidenum">
+              <a:rPr lang="en-US" smtClean="0"/>
+              <a:pPr/>
+              <a:t>15</a:t>
+            </a:fld>
+            <a:endParaRPr lang="en-US" dirty="0"/>
+          </a:p>
+        </p:txBody>
+      </p:sp>
+    </p:spTree>
+    <p:extLst>
+      <p:ext uri="{BB962C8B-B14F-4D97-AF65-F5344CB8AC3E}">
+        <p14:creationId xmlns:p14="http://schemas.microsoft.com/office/powerpoint/2010/main" val="78108902"/>
       </p:ext>
     </p:extLst>
   </p:cSld>
@@ -2457,7 +2945,7 @@
         <p:spPr>
           <a:xfrm>
             <a:off x="0" y="483101"/>
-            <a:ext cx="9144000" cy="577081"/>
+            <a:ext cx="9144000" cy="725391"/>
           </a:xfrm>
         </p:spPr>
         <p:txBody>
@@ -2466,7 +2954,7 @@
           <a:p>
             <a:pPr algn="ctr"/>
             <a:r>
-              <a:rPr lang="en-US" sz="3600" dirty="0"/>
+              <a:rPr lang="en-US" sz="4800" dirty="0"/>
               <a:t>CCI</a:t>
             </a:r>
           </a:p>
@@ -2641,8 +3129,8 @@
         </p:nvSpPr>
         <p:spPr>
           <a:xfrm>
-            <a:off x="3114842" y="1162504"/>
-            <a:ext cx="2928202" cy="998735"/>
+            <a:off x="3114842" y="1126408"/>
+            <a:ext cx="2928202" cy="1243417"/>
           </a:xfrm>
           <a:prstGeom prst="rect">
             <a:avLst/>
@@ -2860,10 +3348,10 @@
               </a:spcBef>
             </a:pPr>
             <a:r>
-              <a:rPr lang="en-US" dirty="0" smtClean="0"/>
+              <a:rPr lang="en-US" sz="2400" dirty="0" smtClean="0"/>
               <a:t>Common</a:t>
             </a:r>
-            <a:endParaRPr lang="en-US" dirty="0"/>
+            <a:endParaRPr lang="en-US" sz="2400" dirty="0"/>
           </a:p>
           <a:p>
             <a:pPr algn="ctr">
@@ -2872,7 +3360,7 @@
               </a:spcBef>
             </a:pPr>
             <a:r>
-              <a:rPr lang="en-US" dirty="0"/>
+              <a:rPr lang="en-US" sz="2400" dirty="0"/>
               <a:t>Communication</a:t>
             </a:r>
           </a:p>
@@ -2883,7 +3371,7 @@
               </a:spcBef>
             </a:pPr>
             <a:r>
-              <a:rPr lang="en-US" dirty="0"/>
+              <a:rPr lang="en-US" sz="2400" dirty="0"/>
               <a:t>Interface</a:t>
             </a:r>
           </a:p>
@@ -2902,7 +3390,7 @@
   <p:timing>
     <p:tnLst>
       <p:par>
-        <p:cTn xmlns:p14="http://schemas.microsoft.com/office/powerpoint/2010/main" id="1" dur="indefinite" restart="never" nodeType="tmRoot"/>
+        <p:cTn id="1" dur="indefinite" restart="never" nodeType="tmRoot"/>
       </p:par>
     </p:tnLst>
   </p:timing>
@@ -2928,7 +3416,7 @@
       </p:grpSpPr>
       <p:sp>
         <p:nvSpPr>
-          <p:cNvPr id="2" name="Title 1"/>
+          <p:cNvPr id="5" name="Title 4"/>
           <p:cNvSpPr>
             <a:spLocks noGrp="1"/>
           </p:cNvSpPr>
@@ -2936,332 +3424,427 @@
             <p:ph type="title"/>
           </p:nvPr>
         </p:nvSpPr>
-        <p:spPr>
-          <a:xfrm>
-            <a:off x="111098" y="152400"/>
-            <a:ext cx="8229600" cy="496290"/>
-          </a:xfrm>
-        </p:spPr>
+        <p:spPr/>
         <p:txBody>
           <a:bodyPr/>
           <a:lstStyle/>
           <a:p>
             <a:r>
-              <a:rPr lang="en-US" dirty="0"/>
-              <a:t>MPI</a:t>
-            </a:r>
-          </a:p>
-        </p:txBody>
-      </p:sp>
-      <p:sp>
-        <p:nvSpPr>
-          <p:cNvPr id="3" name="Content Placeholder 2"/>
-          <p:cNvSpPr>
-            <a:spLocks noGrp="1"/>
-          </p:cNvSpPr>
+              <a:rPr lang="en-US" dirty="0" smtClean="0"/>
+              <a:t>Summing up the landscape</a:t>
+            </a:r>
+            <a:endParaRPr lang="en-US" dirty="0"/>
+          </a:p>
+        </p:txBody>
+      </p:sp>
+      <p:graphicFrame>
+        <p:nvGraphicFramePr>
+          <p:cNvPr id="7" name="Content Placeholder 6"/>
+          <p:cNvGraphicFramePr>
+            <a:graphicFrameLocks noGrp="1"/>
+          </p:cNvGraphicFramePr>
           <p:nvPr>
             <p:ph idx="1"/>
-          </p:nvPr>
-        </p:nvSpPr>
-        <p:spPr>
-          <a:xfrm>
-            <a:off x="111204" y="1344823"/>
-            <a:ext cx="8229600" cy="2871555"/>
-          </a:xfrm>
-        </p:spPr>
-        <p:txBody>
-          <a:bodyPr/>
-          <a:lstStyle/>
-          <a:p>
-            <a:r>
-              <a:rPr lang="en-US" dirty="0"/>
-              <a:t>Rigid fault model</a:t>
-            </a:r>
-          </a:p>
-          <a:p>
-            <a:pPr lvl="1"/>
-            <a:r>
-              <a:rPr lang="en-US" dirty="0"/>
-              <a:t>Default mode is all errors trigger abort</a:t>
-            </a:r>
-          </a:p>
-          <a:p>
-            <a:pPr lvl="1"/>
-            <a:r>
-              <a:rPr lang="en-US" dirty="0"/>
-              <a:t>Optionally may have errors return</a:t>
-            </a:r>
-          </a:p>
-          <a:p>
-            <a:pPr lvl="2"/>
-            <a:r>
-              <a:rPr lang="en-US" dirty="0"/>
-              <a:t>Not clear how to handle missing </a:t>
-            </a:r>
-            <a:r>
-              <a:rPr lang="en-US" dirty="0" smtClean="0"/>
-              <a:t>peers</a:t>
-            </a:r>
-            <a:endParaRPr lang="en-US" dirty="0"/>
-          </a:p>
-          <a:p>
-            <a:r>
-              <a:rPr lang="en-US" dirty="0"/>
-              <a:t>Assumes reliable delivery</a:t>
-            </a:r>
-          </a:p>
-          <a:p>
-            <a:r>
-              <a:rPr lang="en-US" dirty="0"/>
-              <a:t>Requires ordered matching, but not ordered completion</a:t>
-            </a:r>
-          </a:p>
-        </p:txBody>
-      </p:sp>
+            <p:extLst>
+              <p:ext uri="{D42A27DB-BD31-4B8C-83A1-F6EECF244321}">
+                <p14:modId xmlns:p14="http://schemas.microsoft.com/office/powerpoint/2010/main" val="3262916749"/>
+              </p:ext>
+            </p:extLst>
+          </p:nvPr>
+        </p:nvGraphicFramePr>
+        <p:xfrm>
+          <a:off x="387851" y="1570707"/>
+          <a:ext cx="8229600" cy="2225040"/>
+        </p:xfrm>
+        <a:graphic>
+          <a:graphicData uri="http://schemas.openxmlformats.org/drawingml/2006/table">
+            <a:tbl>
+              <a:tblPr firstRow="1" bandRow="1">
+                <a:tableStyleId>{5C22544A-7EE6-4342-B048-85BDC9FD1C3A}</a:tableStyleId>
+              </a:tblPr>
+              <a:tblGrid>
+                <a:gridCol w="2057400"/>
+                <a:gridCol w="2057400"/>
+                <a:gridCol w="2057400"/>
+                <a:gridCol w="2057400"/>
+              </a:tblGrid>
+              <a:tr h="370840">
+                <a:tc>
+                  <a:txBody>
+                    <a:bodyPr/>
+                    <a:lstStyle/>
+                    <a:p>
+                      <a:endParaRPr lang="en-US" dirty="0"/>
+                    </a:p>
+                  </a:txBody>
+                  <a:tcPr/>
+                </a:tc>
+                <a:tc>
+                  <a:txBody>
+                    <a:bodyPr/>
+                    <a:lstStyle/>
+                    <a:p>
+                      <a:r>
+                        <a:rPr lang="en-US" dirty="0" smtClean="0"/>
+                        <a:t>Sockets</a:t>
+                      </a:r>
+                      <a:endParaRPr lang="en-US" dirty="0"/>
+                    </a:p>
+                  </a:txBody>
+                  <a:tcPr/>
+                </a:tc>
+                <a:tc>
+                  <a:txBody>
+                    <a:bodyPr/>
+                    <a:lstStyle/>
+                    <a:p>
+                      <a:r>
+                        <a:rPr lang="en-US" dirty="0" smtClean="0"/>
+                        <a:t>MPI</a:t>
+                      </a:r>
+                      <a:endParaRPr lang="en-US" dirty="0"/>
+                    </a:p>
+                  </a:txBody>
+                  <a:tcPr/>
+                </a:tc>
+                <a:tc>
+                  <a:txBody>
+                    <a:bodyPr/>
+                    <a:lstStyle/>
+                    <a:p>
+                      <a:r>
+                        <a:rPr lang="en-US" dirty="0" smtClean="0"/>
+                        <a:t>Vendor APIs</a:t>
+                      </a:r>
+                      <a:endParaRPr lang="en-US" dirty="0"/>
+                    </a:p>
+                  </a:txBody>
+                  <a:tcPr/>
+                </a:tc>
+              </a:tr>
+              <a:tr h="370840">
+                <a:tc>
+                  <a:txBody>
+                    <a:bodyPr/>
+                    <a:lstStyle/>
+                    <a:p>
+                      <a:r>
+                        <a:rPr lang="en-US" dirty="0" smtClean="0"/>
+                        <a:t>Portability</a:t>
+                      </a:r>
+                      <a:endParaRPr lang="en-US" dirty="0"/>
+                    </a:p>
+                  </a:txBody>
+                  <a:tcPr/>
+                </a:tc>
+                <a:tc>
+                  <a:txBody>
+                    <a:bodyPr/>
+                    <a:lstStyle/>
+                    <a:p>
+                      <a:pPr algn="ctr"/>
+                      <a:r>
+                        <a:rPr lang="en-US" dirty="0" smtClean="0"/>
+                        <a:t>+</a:t>
+                      </a:r>
+                      <a:endParaRPr lang="en-US" dirty="0"/>
+                    </a:p>
+                  </a:txBody>
+                  <a:tcPr/>
+                </a:tc>
+                <a:tc>
+                  <a:txBody>
+                    <a:bodyPr/>
+                    <a:lstStyle/>
+                    <a:p>
+                      <a:pPr algn="ctr"/>
+                      <a:r>
+                        <a:rPr lang="en-US" dirty="0" smtClean="0"/>
+                        <a:t>+</a:t>
+                      </a:r>
+                      <a:endParaRPr lang="en-US" dirty="0"/>
+                    </a:p>
+                  </a:txBody>
+                  <a:tcPr/>
+                </a:tc>
+                <a:tc>
+                  <a:txBody>
+                    <a:bodyPr/>
+                    <a:lstStyle/>
+                    <a:p>
+                      <a:pPr algn="ctr"/>
+                      <a:r>
+                        <a:rPr lang="en-US" dirty="0" smtClean="0"/>
+                        <a:t>-</a:t>
+                      </a:r>
+                      <a:endParaRPr lang="en-US" dirty="0"/>
+                    </a:p>
+                  </a:txBody>
+                  <a:tcPr/>
+                </a:tc>
+              </a:tr>
+              <a:tr h="370840">
+                <a:tc>
+                  <a:txBody>
+                    <a:bodyPr/>
+                    <a:lstStyle/>
+                    <a:p>
+                      <a:r>
+                        <a:rPr lang="en-US" dirty="0" smtClean="0"/>
+                        <a:t>Simplicity</a:t>
+                      </a:r>
+                      <a:endParaRPr lang="en-US" dirty="0"/>
+                    </a:p>
+                  </a:txBody>
+                  <a:tcPr/>
+                </a:tc>
+                <a:tc>
+                  <a:txBody>
+                    <a:bodyPr/>
+                    <a:lstStyle/>
+                    <a:p>
+                      <a:pPr algn="ctr"/>
+                      <a:r>
+                        <a:rPr lang="en-US" dirty="0" smtClean="0"/>
+                        <a:t>+</a:t>
+                      </a:r>
+                      <a:endParaRPr lang="en-US" dirty="0"/>
+                    </a:p>
+                  </a:txBody>
+                  <a:tcPr/>
+                </a:tc>
+                <a:tc>
+                  <a:txBody>
+                    <a:bodyPr/>
+                    <a:lstStyle/>
+                    <a:p>
+                      <a:pPr algn="ctr"/>
+                      <a:r>
+                        <a:rPr lang="en-US" dirty="0" smtClean="0"/>
+                        <a:t>-</a:t>
+                      </a:r>
+                      <a:endParaRPr lang="en-US" dirty="0"/>
+                    </a:p>
+                  </a:txBody>
+                  <a:tcPr/>
+                </a:tc>
+                <a:tc>
+                  <a:txBody>
+                    <a:bodyPr/>
+                    <a:lstStyle/>
+                    <a:p>
+                      <a:pPr algn="ctr"/>
+                      <a:r>
+                        <a:rPr lang="en-US" dirty="0" smtClean="0"/>
+                        <a:t>Varies</a:t>
+                      </a:r>
+                      <a:endParaRPr lang="en-US" dirty="0"/>
+                    </a:p>
+                  </a:txBody>
+                  <a:tcPr/>
+                </a:tc>
+              </a:tr>
+              <a:tr h="370840">
+                <a:tc>
+                  <a:txBody>
+                    <a:bodyPr/>
+                    <a:lstStyle/>
+                    <a:p>
+                      <a:r>
+                        <a:rPr lang="en-US" dirty="0" smtClean="0"/>
+                        <a:t>Performance</a:t>
+                      </a:r>
+                      <a:endParaRPr lang="en-US" dirty="0"/>
+                    </a:p>
+                  </a:txBody>
+                  <a:tcPr/>
+                </a:tc>
+                <a:tc>
+                  <a:txBody>
+                    <a:bodyPr/>
+                    <a:lstStyle/>
+                    <a:p>
+                      <a:pPr algn="ctr"/>
+                      <a:r>
+                        <a:rPr lang="en-US" dirty="0" smtClean="0"/>
+                        <a:t>-</a:t>
+                      </a:r>
+                      <a:endParaRPr lang="en-US" dirty="0"/>
+                    </a:p>
+                  </a:txBody>
+                  <a:tcPr/>
+                </a:tc>
+                <a:tc>
+                  <a:txBody>
+                    <a:bodyPr/>
+                    <a:lstStyle/>
+                    <a:p>
+                      <a:pPr algn="ctr"/>
+                      <a:r>
+                        <a:rPr lang="en-US" dirty="0" smtClean="0"/>
+                        <a:t>+</a:t>
+                      </a:r>
+                      <a:endParaRPr lang="en-US" dirty="0"/>
+                    </a:p>
+                  </a:txBody>
+                  <a:tcPr/>
+                </a:tc>
+                <a:tc>
+                  <a:txBody>
+                    <a:bodyPr/>
+                    <a:lstStyle/>
+                    <a:p>
+                      <a:pPr algn="ctr"/>
+                      <a:r>
+                        <a:rPr lang="en-US" dirty="0" smtClean="0"/>
+                        <a:t>+</a:t>
+                      </a:r>
+                      <a:endParaRPr lang="en-US" dirty="0"/>
+                    </a:p>
+                  </a:txBody>
+                  <a:tcPr/>
+                </a:tc>
+              </a:tr>
+              <a:tr h="370840">
+                <a:tc>
+                  <a:txBody>
+                    <a:bodyPr/>
+                    <a:lstStyle/>
+                    <a:p>
+                      <a:r>
+                        <a:rPr lang="en-US" dirty="0" smtClean="0"/>
+                        <a:t>Scalability</a:t>
+                      </a:r>
+                      <a:endParaRPr lang="en-US" dirty="0"/>
+                    </a:p>
+                  </a:txBody>
+                  <a:tcPr/>
+                </a:tc>
+                <a:tc>
+                  <a:txBody>
+                    <a:bodyPr/>
+                    <a:lstStyle/>
+                    <a:p>
+                      <a:pPr algn="ctr"/>
+                      <a:r>
+                        <a:rPr lang="en-US" dirty="0" smtClean="0"/>
+                        <a:t>-</a:t>
+                      </a:r>
+                      <a:endParaRPr lang="en-US" dirty="0"/>
+                    </a:p>
+                  </a:txBody>
+                  <a:tcPr/>
+                </a:tc>
+                <a:tc>
+                  <a:txBody>
+                    <a:bodyPr/>
+                    <a:lstStyle/>
+                    <a:p>
+                      <a:pPr algn="ctr"/>
+                      <a:r>
+                        <a:rPr lang="en-US" dirty="0" smtClean="0"/>
+                        <a:t>+</a:t>
+                      </a:r>
+                      <a:endParaRPr lang="en-US" dirty="0"/>
+                    </a:p>
+                  </a:txBody>
+                  <a:tcPr/>
+                </a:tc>
+                <a:tc>
+                  <a:txBody>
+                    <a:bodyPr/>
+                    <a:lstStyle/>
+                    <a:p>
+                      <a:pPr algn="ctr"/>
+                      <a:r>
+                        <a:rPr lang="en-US" dirty="0" smtClean="0"/>
+                        <a:t>Varies</a:t>
+                      </a:r>
+                      <a:endParaRPr lang="en-US" dirty="0"/>
+                    </a:p>
+                  </a:txBody>
+                  <a:tcPr/>
+                </a:tc>
+              </a:tr>
+              <a:tr h="370840">
+                <a:tc>
+                  <a:txBody>
+                    <a:bodyPr/>
+                    <a:lstStyle/>
+                    <a:p>
+                      <a:r>
+                        <a:rPr lang="en-US" dirty="0" smtClean="0"/>
+                        <a:t>Robustness</a:t>
+                      </a:r>
+                      <a:endParaRPr lang="en-US" dirty="0"/>
+                    </a:p>
+                  </a:txBody>
+                  <a:tcPr/>
+                </a:tc>
+                <a:tc>
+                  <a:txBody>
+                    <a:bodyPr/>
+                    <a:lstStyle/>
+                    <a:p>
+                      <a:pPr algn="ctr"/>
+                      <a:r>
+                        <a:rPr lang="en-US" dirty="0" smtClean="0"/>
+                        <a:t>+</a:t>
+                      </a:r>
+                      <a:endParaRPr lang="en-US" dirty="0"/>
+                    </a:p>
+                  </a:txBody>
+                  <a:tcPr/>
+                </a:tc>
+                <a:tc>
+                  <a:txBody>
+                    <a:bodyPr/>
+                    <a:lstStyle/>
+                    <a:p>
+                      <a:pPr algn="ctr"/>
+                      <a:r>
+                        <a:rPr lang="en-US" dirty="0" smtClean="0"/>
+                        <a:t>-</a:t>
+                      </a:r>
+                      <a:endParaRPr lang="en-US" dirty="0"/>
+                    </a:p>
+                  </a:txBody>
+                  <a:tcPr/>
+                </a:tc>
+                <a:tc>
+                  <a:txBody>
+                    <a:bodyPr/>
+                    <a:lstStyle/>
+                    <a:p>
+                      <a:pPr algn="ctr"/>
+                      <a:r>
+                        <a:rPr lang="en-US" dirty="0" smtClean="0"/>
+                        <a:t>Varies</a:t>
+                      </a:r>
+                      <a:endParaRPr lang="en-US" dirty="0"/>
+                    </a:p>
+                  </a:txBody>
+                  <a:tcPr/>
+                </a:tc>
+              </a:tr>
+            </a:tbl>
+          </a:graphicData>
+        </a:graphic>
+      </p:graphicFrame>
     </p:spTree>
     <p:extLst>
       <p:ext uri="{BB962C8B-B14F-4D97-AF65-F5344CB8AC3E}">
-        <p14:creationId xmlns:p14="http://schemas.microsoft.com/office/powerpoint/2010/main" val="4166895635"/>
+        <p14:creationId xmlns:p14="http://schemas.microsoft.com/office/powerpoint/2010/main" val="4177134767"/>
       </p:ext>
     </p:extLst>
   </p:cSld>
   <p:clrMapOvr>
     <a:masterClrMapping/>
   </p:clrMapOvr>
-  <p:timing>
-    <p:tnLst>
-      <p:par>
-        <p:cTn xmlns:p14="http://schemas.microsoft.com/office/powerpoint/2010/main" id="1" dur="indefinite" restart="never" nodeType="tmRoot"/>
-      </p:par>
-    </p:tnLst>
-  </p:timing>
 </p:sld>
 </file>
 
 <file path=ppt/slides/slide11.xml><?xml version="1.0" encoding="utf-8"?>
-<p:sld xmlns:a="http://schemas.openxmlformats.org/drawingml/2006/main" xmlns:r="http://schemas.openxmlformats.org/officeDocument/2006/relationships" xmlns:p="http://schemas.openxmlformats.org/presentationml/2006/main">
-  <p:cSld>
-    <p:spTree>
-      <p:nvGrpSpPr>
-        <p:cNvPr id="1" name=""/>
-        <p:cNvGrpSpPr/>
-        <p:nvPr/>
-      </p:nvGrpSpPr>
-      <p:grpSpPr>
-        <a:xfrm>
-          <a:off x="0" y="0"/>
-          <a:ext cx="0" cy="0"/>
-          <a:chOff x="0" y="0"/>
-          <a:chExt cx="0" cy="0"/>
-        </a:xfrm>
-      </p:grpSpPr>
-      <p:sp>
-        <p:nvSpPr>
-          <p:cNvPr id="2" name="Title 1"/>
-          <p:cNvSpPr>
-            <a:spLocks noGrp="1"/>
-          </p:cNvSpPr>
-          <p:nvPr>
-            <p:ph type="title"/>
-          </p:nvPr>
-        </p:nvSpPr>
-        <p:spPr>
-          <a:xfrm>
-            <a:off x="111098" y="152400"/>
-            <a:ext cx="8229600" cy="496290"/>
-          </a:xfrm>
-        </p:spPr>
-        <p:txBody>
-          <a:bodyPr/>
-          <a:lstStyle/>
-          <a:p>
-            <a:r>
-              <a:rPr lang="en-US" dirty="0"/>
-              <a:t>Specialized APIs</a:t>
-            </a:r>
-          </a:p>
-        </p:txBody>
-      </p:sp>
-      <p:sp>
-        <p:nvSpPr>
-          <p:cNvPr id="3" name="Content Placeholder 2"/>
-          <p:cNvSpPr>
-            <a:spLocks noGrp="1"/>
-          </p:cNvSpPr>
-          <p:nvPr>
-            <p:ph idx="1"/>
-          </p:nvPr>
-        </p:nvSpPr>
-        <p:spPr>
-          <a:xfrm>
-            <a:off x="111204" y="927100"/>
-            <a:ext cx="8229600" cy="5448299"/>
-          </a:xfrm>
-        </p:spPr>
-        <p:txBody>
-          <a:bodyPr>
-            <a:normAutofit fontScale="70000" lnSpcReduction="20000"/>
-          </a:bodyPr>
-          <a:lstStyle/>
-          <a:p>
-            <a:r>
-              <a:rPr lang="en-US" dirty="0"/>
-              <a:t>OFA </a:t>
-            </a:r>
-            <a:r>
-              <a:rPr lang="en-US" dirty="0" smtClean="0"/>
-              <a:t>Verbs </a:t>
-            </a:r>
-          </a:p>
-          <a:p>
-            <a:pPr lvl="1"/>
-            <a:r>
-              <a:rPr lang="en-US" dirty="0" smtClean="0"/>
-              <a:t>High level of complexity, vendor lock-in is a concern</a:t>
-            </a:r>
-            <a:endParaRPr lang="en-US" dirty="0"/>
-          </a:p>
-          <a:p>
-            <a:r>
-              <a:rPr lang="en-US" dirty="0"/>
-              <a:t>Cray/Sandia’s </a:t>
-            </a:r>
-            <a:r>
-              <a:rPr lang="en-US" dirty="0" smtClean="0"/>
-              <a:t>Portals</a:t>
-            </a:r>
-          </a:p>
-          <a:p>
-            <a:pPr lvl="1"/>
-            <a:r>
-              <a:rPr lang="en-US" dirty="0" smtClean="0"/>
-              <a:t>Highly specialized interface targeted towards HPC (MPI, SHMEM, UPC)</a:t>
-            </a:r>
-            <a:endParaRPr lang="en-US" dirty="0"/>
-          </a:p>
-          <a:p>
-            <a:r>
-              <a:rPr lang="en-US" dirty="0"/>
-              <a:t>Qlogics’s </a:t>
-            </a:r>
-            <a:r>
-              <a:rPr lang="en-US" dirty="0" smtClean="0"/>
-              <a:t>PSM</a:t>
-            </a:r>
-          </a:p>
-          <a:p>
-            <a:pPr lvl="1"/>
-            <a:r>
-              <a:rPr lang="en-US" dirty="0" smtClean="0"/>
-              <a:t>Highly specialized interface targeted towards MPI </a:t>
-            </a:r>
-            <a:endParaRPr lang="en-US" dirty="0"/>
-          </a:p>
-          <a:p>
-            <a:r>
-              <a:rPr lang="en-US" dirty="0"/>
-              <a:t>Myricom’s </a:t>
-            </a:r>
-            <a:r>
-              <a:rPr lang="en-US" dirty="0" smtClean="0"/>
-              <a:t>MX</a:t>
-            </a:r>
-          </a:p>
-          <a:p>
-            <a:pPr lvl="1"/>
-            <a:r>
-              <a:rPr lang="en-US" dirty="0"/>
-              <a:t>Highly specialized interface targeted towards MPI </a:t>
-            </a:r>
-            <a:endParaRPr lang="en-US" dirty="0" smtClean="0"/>
-          </a:p>
-          <a:p>
-            <a:r>
-              <a:rPr lang="en-US" dirty="0" smtClean="0"/>
-              <a:t>Mellanox’s MXM (unreleased)</a:t>
-            </a:r>
-          </a:p>
-          <a:p>
-            <a:pPr lvl="1"/>
-            <a:r>
-              <a:rPr lang="en-US" dirty="0" smtClean="0"/>
-              <a:t>Likely targeted towards MPI </a:t>
-            </a:r>
-            <a:endParaRPr lang="en-US" dirty="0"/>
-          </a:p>
-          <a:p>
-            <a:r>
-              <a:rPr lang="en-US" dirty="0"/>
-              <a:t>LBL’s </a:t>
-            </a:r>
-            <a:r>
-              <a:rPr lang="en-US" dirty="0" smtClean="0"/>
-              <a:t>GASnet</a:t>
-            </a:r>
-          </a:p>
-          <a:p>
-            <a:pPr lvl="1"/>
-            <a:r>
-              <a:rPr lang="en-US" dirty="0" smtClean="0"/>
-              <a:t>Designed specifically for the needs of UPC </a:t>
-            </a:r>
-            <a:endParaRPr lang="en-US" dirty="0"/>
-          </a:p>
-          <a:p>
-            <a:r>
-              <a:rPr lang="en-US" dirty="0" smtClean="0"/>
-              <a:t>DAPL</a:t>
-            </a:r>
-          </a:p>
-          <a:p>
-            <a:pPr lvl="1"/>
-            <a:r>
-              <a:rPr lang="en-US" dirty="0" smtClean="0"/>
-              <a:t>Limited support outside of iWARP capable devices </a:t>
-            </a:r>
-            <a:endParaRPr lang="en-US" dirty="0"/>
-          </a:p>
-          <a:p>
-            <a:r>
-              <a:rPr lang="en-US" dirty="0"/>
-              <a:t>IBM’s LAPI and </a:t>
-            </a:r>
-            <a:r>
-              <a:rPr lang="en-US" dirty="0" smtClean="0"/>
-              <a:t>DCMF</a:t>
-            </a:r>
-          </a:p>
-          <a:p>
-            <a:pPr lvl="1"/>
-            <a:r>
-              <a:rPr lang="en-US" dirty="0" smtClean="0"/>
-              <a:t>Limited support outside of IBM network technologies</a:t>
-            </a:r>
-            <a:endParaRPr lang="en-US" dirty="0"/>
-          </a:p>
-        </p:txBody>
-      </p:sp>
-    </p:spTree>
-    <p:extLst>
-      <p:ext uri="{BB962C8B-B14F-4D97-AF65-F5344CB8AC3E}">
-        <p14:creationId xmlns:p14="http://schemas.microsoft.com/office/powerpoint/2010/main" val="3718705044"/>
-      </p:ext>
-    </p:extLst>
-  </p:cSld>
-  <p:clrMapOvr>
-    <a:masterClrMapping/>
-  </p:clrMapOvr>
-  <p:timing>
-    <p:tnLst>
-      <p:par>
-        <p:cTn xmlns:p14="http://schemas.microsoft.com/office/powerpoint/2010/main" id="1" dur="indefinite" restart="never" nodeType="tmRoot"/>
-      </p:par>
-    </p:tnLst>
-  </p:timing>
-</p:sld>
-</file>
-
-<file path=ppt/slides/slide12.xml><?xml version="1.0" encoding="utf-8"?>
 <p:sld xmlns:a="http://schemas.openxmlformats.org/drawingml/2006/main" xmlns:r="http://schemas.openxmlformats.org/officeDocument/2006/relationships" xmlns:p="http://schemas.openxmlformats.org/presentationml/2006/main">
   <p:cSld>
     <p:spTree>
@@ -3404,7 +3987,156 @@
   <p:timing>
     <p:tnLst>
       <p:par>
-        <p:cTn xmlns:p14="http://schemas.microsoft.com/office/powerpoint/2010/main" id="1" dur="indefinite" restart="never" nodeType="tmRoot"/>
+        <p:cTn id="1" dur="indefinite" restart="never" nodeType="tmRoot"/>
+      </p:par>
+    </p:tnLst>
+  </p:timing>
+</p:sld>
+</file>
+
+<file path=ppt/slides/slide12.xml><?xml version="1.0" encoding="utf-8"?>
+<p:sld xmlns:a="http://schemas.openxmlformats.org/drawingml/2006/main" xmlns:r="http://schemas.openxmlformats.org/officeDocument/2006/relationships" xmlns:p="http://schemas.openxmlformats.org/presentationml/2006/main">
+  <p:cSld>
+    <p:spTree>
+      <p:nvGrpSpPr>
+        <p:cNvPr id="1" name=""/>
+        <p:cNvGrpSpPr/>
+        <p:nvPr/>
+      </p:nvGrpSpPr>
+      <p:grpSpPr>
+        <a:xfrm>
+          <a:off x="0" y="0"/>
+          <a:ext cx="0" cy="0"/>
+          <a:chOff x="0" y="0"/>
+          <a:chExt cx="0" cy="0"/>
+        </a:xfrm>
+      </p:grpSpPr>
+      <p:sp>
+        <p:nvSpPr>
+          <p:cNvPr id="2" name="Title 1"/>
+          <p:cNvSpPr>
+            <a:spLocks noGrp="1"/>
+          </p:cNvSpPr>
+          <p:nvPr>
+            <p:ph type="title"/>
+          </p:nvPr>
+        </p:nvSpPr>
+        <p:spPr>
+          <a:xfrm>
+            <a:off x="111098" y="152400"/>
+            <a:ext cx="8229600" cy="496290"/>
+          </a:xfrm>
+        </p:spPr>
+        <p:txBody>
+          <a:bodyPr/>
+          <a:lstStyle/>
+          <a:p>
+            <a:r>
+              <a:rPr lang="en-US" dirty="0"/>
+              <a:t>CCI Endpoints</a:t>
+            </a:r>
+          </a:p>
+        </p:txBody>
+      </p:sp>
+      <p:sp>
+        <p:nvSpPr>
+          <p:cNvPr id="3" name="Content Placeholder 2"/>
+          <p:cNvSpPr>
+            <a:spLocks noGrp="1"/>
+          </p:cNvSpPr>
+          <p:nvPr>
+            <p:ph idx="1"/>
+          </p:nvPr>
+        </p:nvSpPr>
+        <p:spPr>
+          <a:xfrm>
+            <a:off x="111204" y="914401"/>
+            <a:ext cx="8229600" cy="5148075"/>
+          </a:xfrm>
+        </p:spPr>
+        <p:txBody>
+          <a:bodyPr/>
+          <a:lstStyle/>
+          <a:p>
+            <a:r>
+              <a:rPr lang="en-US" dirty="0"/>
+              <a:t>Virtualized instance of a device – src/sink of communication</a:t>
+            </a:r>
+          </a:p>
+          <a:p>
+            <a:r>
+              <a:rPr lang="en-US" dirty="0"/>
+              <a:t>Complete container of resources – queues and buffers</a:t>
+            </a:r>
+          </a:p>
+          <a:p>
+            <a:r>
+              <a:rPr lang="en-US" dirty="0"/>
+              <a:t>Process may poll or block for event notification</a:t>
+            </a:r>
+          </a:p>
+          <a:p>
+            <a:r>
+              <a:rPr lang="en-US" dirty="0"/>
+              <a:t>Events for send, recv, connection establishment, etc.</a:t>
+            </a:r>
+          </a:p>
+          <a:p>
+            <a:r>
+              <a:rPr lang="en-US" dirty="0"/>
+              <a:t>Events may contain resources such as receive buffers</a:t>
+            </a:r>
+          </a:p>
+          <a:p>
+            <a:r>
+              <a:rPr lang="en-US" dirty="0"/>
+              <a:t>Resource ownership transfers to the process when the event is retrieved</a:t>
+            </a:r>
+          </a:p>
+          <a:p>
+            <a:r>
+              <a:rPr lang="en-US" dirty="0"/>
+              <a:t>The process </a:t>
+            </a:r>
+            <a:r>
+              <a:rPr lang="en-US" dirty="0" smtClean="0"/>
+              <a:t>eventually </a:t>
+            </a:r>
+            <a:r>
+              <a:rPr lang="en-US" dirty="0"/>
+              <a:t>returns the event to CCI </a:t>
+            </a:r>
+          </a:p>
+          <a:p>
+            <a:pPr lvl="1"/>
+            <a:r>
+              <a:rPr lang="en-US" dirty="0"/>
+              <a:t>Expected to be returned in a timely manner</a:t>
+            </a:r>
+          </a:p>
+          <a:p>
+            <a:pPr lvl="1"/>
+            <a:r>
+              <a:rPr lang="en-US" dirty="0"/>
+              <a:t>May be returned out of order</a:t>
+            </a:r>
+          </a:p>
+        </p:txBody>
+      </p:sp>
+    </p:spTree>
+    <p:extLst>
+      <p:ext uri="{BB962C8B-B14F-4D97-AF65-F5344CB8AC3E}">
+        <p14:creationId xmlns:p14="http://schemas.microsoft.com/office/powerpoint/2010/main" val="3708743750"/>
+      </p:ext>
+    </p:extLst>
+  </p:cSld>
+  <p:clrMapOvr>
+    <a:masterClrMapping/>
+  </p:clrMapOvr>
+  <p:timing>
+    <p:tnLst>
+      <p:par>
+        <p:cTn id="1" dur="indefinite" restart="never" nodeType="tmRoot"/>
       </p:par>
     </p:tnLst>
   </p:timing>
@@ -3450,7 +4182,7 @@
           <a:p>
             <a:r>
               <a:rPr lang="en-US" dirty="0"/>
-              <a:t>CCI Endpoints</a:t>
+              <a:t>CCI Connections</a:t>
             </a:r>
           </a:p>
         </p:txBody>
@@ -3467,8 +4199,8 @@
         </p:nvSpPr>
         <p:spPr>
           <a:xfrm>
-            <a:off x="111204" y="914401"/>
-            <a:ext cx="8229600" cy="5148075"/>
+            <a:off x="111204" y="1128923"/>
+            <a:ext cx="8229600" cy="4930580"/>
           </a:xfrm>
         </p:spPr>
         <p:txBody>
@@ -3477,65 +4209,66 @@
           <a:p>
             <a:r>
               <a:rPr lang="en-US" dirty="0"/>
-              <a:t>Virtualized instance of a device – src/sink of communication</a:t>
-            </a:r>
-          </a:p>
-          <a:p>
-            <a:r>
-              <a:rPr lang="en-US" dirty="0"/>
-              <a:t>Complete container of resources – queues and buffers</a:t>
-            </a:r>
-          </a:p>
-          <a:p>
-            <a:r>
-              <a:rPr lang="en-US" dirty="0"/>
-              <a:t>Process may poll or block for event notification</a:t>
-            </a:r>
-          </a:p>
-          <a:p>
-            <a:r>
-              <a:rPr lang="en-US" dirty="0"/>
-              <a:t>Events for send, recv, connection establishment, etc.</a:t>
-            </a:r>
-          </a:p>
-          <a:p>
-            <a:r>
-              <a:rPr lang="en-US" dirty="0"/>
-              <a:t>Events may contain resources such as receive buffers</a:t>
-            </a:r>
-          </a:p>
-          <a:p>
-            <a:r>
-              <a:rPr lang="en-US" dirty="0"/>
-              <a:t>Resource ownership transfers to the process when the event is retrieved</a:t>
-            </a:r>
-          </a:p>
-          <a:p>
-            <a:r>
-              <a:rPr lang="en-US" dirty="0"/>
-              <a:t>The process </a:t>
-            </a:r>
-            <a:r>
-              <a:rPr lang="en-US" dirty="0" smtClean="0"/>
-              <a:t>eventually </a:t>
-            </a:r>
-            <a:r>
-              <a:rPr lang="en-US" dirty="0"/>
-              <a:t>returns the event to CCI </a:t>
-            </a:r>
-          </a:p>
-          <a:p>
-            <a:pPr lvl="1"/>
-            <a:r>
-              <a:rPr lang="en-US" dirty="0"/>
-              <a:t>Expected to be returned in a timely manner</a:t>
-            </a:r>
-          </a:p>
-          <a:p>
-            <a:pPr lvl="1"/>
-            <a:r>
-              <a:rPr lang="en-US" dirty="0"/>
-              <a:t>May be returned out of order</a:t>
+              <a:t>Per peer - a single endpoint can handle many connections</a:t>
+            </a:r>
+          </a:p>
+          <a:p>
+            <a:r>
+              <a:rPr lang="en-US" dirty="0"/>
+              <a:t>Lightweight – no dedicated buffers (~120B/peer)</a:t>
+            </a:r>
+          </a:p>
+          <a:p>
+            <a:r>
+              <a:rPr lang="en-US" dirty="0"/>
+              <a:t>May have multiple connections to the same peer</a:t>
+            </a:r>
+          </a:p>
+          <a:p>
+            <a:r>
+              <a:rPr lang="en-US" dirty="0"/>
+              <a:t>Use client/server model similar to Sockets and RDMA-CM</a:t>
+            </a:r>
+          </a:p>
+          <a:p>
+            <a:r>
+              <a:rPr lang="en-US" dirty="0"/>
+              <a:t>Represents reliability and order attributes</a:t>
+            </a:r>
+          </a:p>
+          <a:p>
+            <a:pPr lvl="1"/>
+            <a:r>
+              <a:rPr lang="en-US" dirty="0"/>
+              <a:t>Reliable with Ordered completion (RO)</a:t>
+            </a:r>
+          </a:p>
+          <a:p>
+            <a:pPr lvl="1"/>
+            <a:r>
+              <a:rPr lang="en-US" dirty="0"/>
+              <a:t>Reliable with Unordered completion (RU)</a:t>
+            </a:r>
+          </a:p>
+          <a:p>
+            <a:pPr lvl="1"/>
+            <a:r>
+              <a:rPr lang="en-US" dirty="0"/>
+              <a:t>Unreliable with Unordered completion (UU)</a:t>
+            </a:r>
+          </a:p>
+          <a:p>
+            <a:pPr lvl="1"/>
+            <a:r>
+              <a:rPr lang="en-US" dirty="0"/>
+              <a:t>Multicast Send (MC_TX)</a:t>
+            </a:r>
+          </a:p>
+          <a:p>
+            <a:pPr lvl="1"/>
+            <a:r>
+              <a:rPr lang="en-US" dirty="0"/>
+              <a:t>Multicast Receive (MC_RX)</a:t>
             </a:r>
           </a:p>
         </p:txBody>
@@ -3543,7 +4276,7 @@
     </p:spTree>
     <p:extLst>
       <p:ext uri="{BB962C8B-B14F-4D97-AF65-F5344CB8AC3E}">
-        <p14:creationId xmlns:p14="http://schemas.microsoft.com/office/powerpoint/2010/main" val="3708743750"/>
+        <p14:creationId xmlns:p14="http://schemas.microsoft.com/office/powerpoint/2010/main" val="1638107233"/>
       </p:ext>
     </p:extLst>
   </p:cSld>
@@ -3553,7 +4286,7 @@
   <p:timing>
     <p:tnLst>
       <p:par>
-        <p:cTn xmlns:p14="http://schemas.microsoft.com/office/powerpoint/2010/main" id="1" dur="indefinite" restart="never" nodeType="tmRoot"/>
+        <p:cTn id="1" dur="indefinite" restart="never" nodeType="tmRoot"/>
       </p:par>
     </p:tnLst>
   </p:timing>
@@ -3599,7 +4332,7 @@
           <a:p>
             <a:r>
               <a:rPr lang="en-US" dirty="0"/>
-              <a:t>CCI Connections</a:t>
+              <a:t>Active Messages</a:t>
             </a:r>
           </a:p>
         </p:txBody>
@@ -3616,8 +4349,8 @@
         </p:nvSpPr>
         <p:spPr>
           <a:xfrm>
-            <a:off x="111204" y="1128923"/>
-            <a:ext cx="8229600" cy="4930580"/>
+            <a:off x="111204" y="800100"/>
+            <a:ext cx="8229600" cy="5842021"/>
           </a:xfrm>
         </p:spPr>
         <p:txBody>
@@ -3626,66 +4359,90 @@
           <a:p>
             <a:r>
               <a:rPr lang="en-US" dirty="0"/>
-              <a:t>Per peer - a single endpoint can handle many connections</a:t>
-            </a:r>
-          </a:p>
-          <a:p>
-            <a:r>
-              <a:rPr lang="en-US" dirty="0"/>
-              <a:t>Lightweight – no dedicated buffers (~120B/peer)</a:t>
-            </a:r>
-          </a:p>
-          <a:p>
-            <a:r>
-              <a:rPr lang="en-US" dirty="0"/>
-              <a:t>May have multiple connections to the same peer</a:t>
-            </a:r>
-          </a:p>
-          <a:p>
-            <a:r>
-              <a:rPr lang="en-US" dirty="0"/>
-              <a:t>Use client/server model similar to Sockets and RDMA-CM</a:t>
-            </a:r>
-          </a:p>
-          <a:p>
-            <a:r>
-              <a:rPr lang="en-US" dirty="0"/>
-              <a:t>Represents reliability and order attributes</a:t>
-            </a:r>
-          </a:p>
-          <a:p>
-            <a:pPr lvl="1"/>
-            <a:r>
-              <a:rPr lang="en-US" dirty="0"/>
-              <a:t>Reliable with Ordered completion (RO)</a:t>
-            </a:r>
-          </a:p>
-          <a:p>
-            <a:pPr lvl="1"/>
-            <a:r>
-              <a:rPr lang="en-US" dirty="0"/>
-              <a:t>Reliable with Unordered completion (RU)</a:t>
-            </a:r>
-          </a:p>
-          <a:p>
-            <a:pPr lvl="1"/>
-            <a:r>
-              <a:rPr lang="en-US" dirty="0"/>
-              <a:t>Unreliable with Unordered completion (UU)</a:t>
-            </a:r>
-          </a:p>
-          <a:p>
-            <a:pPr lvl="1"/>
-            <a:r>
-              <a:rPr lang="en-US" dirty="0"/>
-              <a:t>Multicast Send (MC_TX)</a:t>
-            </a:r>
-          </a:p>
-          <a:p>
-            <a:pPr lvl="1"/>
-            <a:r>
-              <a:rPr lang="en-US" dirty="0"/>
-              <a:t>Multicast Receive (MC_RX)</a:t>
+              <a:t>Berkeley AM</a:t>
+            </a:r>
+          </a:p>
+          <a:p>
+            <a:pPr lvl="1"/>
+            <a:r>
+              <a:rPr lang="en-US" dirty="0"/>
+              <a:t>No posted receives</a:t>
+            </a:r>
+          </a:p>
+          <a:p>
+            <a:pPr lvl="1"/>
+            <a:r>
+              <a:rPr lang="en-US" dirty="0"/>
+              <a:t>Handlers run based on address in header</a:t>
+            </a:r>
+          </a:p>
+          <a:p>
+            <a:pPr lvl="2"/>
+            <a:r>
+              <a:rPr lang="en-US" dirty="0"/>
+              <a:t>No adittional progress until handler completes</a:t>
+            </a:r>
+          </a:p>
+          <a:p>
+            <a:pPr lvl="1"/>
+            <a:r>
+              <a:rPr lang="en-US" dirty="0"/>
+              <a:t>Internally managed buffers</a:t>
+            </a:r>
+          </a:p>
+          <a:p>
+            <a:r>
+              <a:rPr lang="en-US" dirty="0"/>
+              <a:t>CCI Active Messages</a:t>
+            </a:r>
+          </a:p>
+          <a:p>
+            <a:pPr lvl="1"/>
+            <a:r>
+              <a:rPr lang="en-US" dirty="0"/>
+              <a:t>No posted receives, uses internal buffers</a:t>
+            </a:r>
+          </a:p>
+          <a:p>
+            <a:pPr lvl="1"/>
+            <a:r>
+              <a:rPr lang="en-US" dirty="0"/>
+              <a:t>Events only, no handlers</a:t>
+            </a:r>
+          </a:p>
+          <a:p>
+            <a:pPr lvl="2"/>
+            <a:r>
+              <a:rPr lang="en-US" dirty="0"/>
+              <a:t>Event includes pointer to data, its length, and the connection (peer)</a:t>
+            </a:r>
+          </a:p>
+          <a:p>
+            <a:pPr lvl="1"/>
+            <a:r>
+              <a:rPr lang="en-US" dirty="0"/>
+              <a:t>May be inspected, modified, and/or sent in-place</a:t>
+            </a:r>
+          </a:p>
+          <a:p>
+            <a:pPr lvl="1"/>
+            <a:r>
+              <a:rPr lang="en-US" dirty="0"/>
+              <a:t>May be copied out if needed long term</a:t>
+            </a:r>
+          </a:p>
+          <a:p>
+            <a:pPr lvl="1"/>
+            <a:r>
+              <a:rPr lang="en-US" dirty="0"/>
+              <a:t>Limited in size – ideally MTU sized</a:t>
+            </a:r>
+          </a:p>
+          <a:p>
+            <a:pPr lvl="1"/>
+            <a:r>
+              <a:rPr lang="en-US" dirty="0"/>
+              <a:t>No segmenting/reassembly</a:t>
             </a:r>
           </a:p>
         </p:txBody>
@@ -3693,7 +4450,7 @@
     </p:spTree>
     <p:extLst>
       <p:ext uri="{BB962C8B-B14F-4D97-AF65-F5344CB8AC3E}">
-        <p14:creationId xmlns:p14="http://schemas.microsoft.com/office/powerpoint/2010/main" val="1638107233"/>
+        <p14:creationId xmlns:p14="http://schemas.microsoft.com/office/powerpoint/2010/main" val="2221889953"/>
       </p:ext>
     </p:extLst>
   </p:cSld>
@@ -3703,7 +4460,7 @@
   <p:timing>
     <p:tnLst>
       <p:par>
-        <p:cTn xmlns:p14="http://schemas.microsoft.com/office/powerpoint/2010/main" id="1" dur="indefinite" restart="never" nodeType="tmRoot"/>
+        <p:cTn id="1" dur="indefinite" restart="never" nodeType="tmRoot"/>
       </p:par>
     </p:tnLst>
   </p:timing>
@@ -3749,7 +4506,7 @@
           <a:p>
             <a:r>
               <a:rPr lang="en-US" dirty="0"/>
-              <a:t>Active Messages</a:t>
+              <a:t>CCI RMA</a:t>
             </a:r>
           </a:p>
         </p:txBody>
@@ -3766,8 +4523,8 @@
         </p:nvSpPr>
         <p:spPr>
           <a:xfrm>
-            <a:off x="111204" y="800100"/>
-            <a:ext cx="8229600" cy="5842021"/>
+            <a:off x="111204" y="1344823"/>
+            <a:ext cx="8229600" cy="3626634"/>
           </a:xfrm>
         </p:spPr>
         <p:txBody>
@@ -3776,90 +4533,45 @@
           <a:p>
             <a:r>
               <a:rPr lang="en-US" dirty="0"/>
-              <a:t>Berkeley AM</a:t>
-            </a:r>
-          </a:p>
-          <a:p>
-            <a:pPr lvl="1"/>
-            <a:r>
-              <a:rPr lang="en-US" dirty="0"/>
-              <a:t>No posted receives</a:t>
-            </a:r>
-          </a:p>
-          <a:p>
-            <a:pPr lvl="1"/>
-            <a:r>
-              <a:rPr lang="en-US" dirty="0"/>
-              <a:t>Handlers run based on address in header</a:t>
-            </a:r>
-          </a:p>
-          <a:p>
-            <a:pPr lvl="2"/>
-            <a:r>
-              <a:rPr lang="en-US" dirty="0"/>
-              <a:t>No adittional progress until handler completes</a:t>
-            </a:r>
-          </a:p>
-          <a:p>
-            <a:pPr lvl="1"/>
-            <a:r>
-              <a:rPr lang="en-US" dirty="0"/>
-              <a:t>Internally managed buffers</a:t>
-            </a:r>
-          </a:p>
-          <a:p>
-            <a:r>
-              <a:rPr lang="en-US" dirty="0"/>
-              <a:t>CCI Active Messages</a:t>
-            </a:r>
-          </a:p>
-          <a:p>
-            <a:pPr lvl="1"/>
-            <a:r>
-              <a:rPr lang="en-US" dirty="0"/>
-              <a:t>No posted receives, uses internal buffers</a:t>
-            </a:r>
-          </a:p>
-          <a:p>
-            <a:pPr lvl="1"/>
-            <a:r>
-              <a:rPr lang="en-US" dirty="0"/>
-              <a:t>Events only, no handlers</a:t>
-            </a:r>
-          </a:p>
-          <a:p>
-            <a:pPr lvl="2"/>
-            <a:r>
-              <a:rPr lang="en-US" dirty="0"/>
-              <a:t>Event includes pointer to data, its length, and the connection (peer)</a:t>
-            </a:r>
-          </a:p>
-          <a:p>
-            <a:pPr lvl="1"/>
-            <a:r>
-              <a:rPr lang="en-US" dirty="0"/>
-              <a:t>May be inspected, modified, and/or sent in-place</a:t>
-            </a:r>
-          </a:p>
-          <a:p>
-            <a:pPr lvl="1"/>
-            <a:r>
-              <a:rPr lang="en-US" dirty="0"/>
-              <a:t>May be copied out if needed long term</a:t>
-            </a:r>
-          </a:p>
-          <a:p>
-            <a:pPr lvl="1"/>
-            <a:r>
-              <a:rPr lang="en-US" dirty="0"/>
-              <a:t>Limited in size – ideally MTU sized</a:t>
-            </a:r>
-          </a:p>
-          <a:p>
-            <a:pPr lvl="1"/>
-            <a:r>
-              <a:rPr lang="en-US" dirty="0"/>
-              <a:t>No segmenting/reassembly</a:t>
+              <a:t>Active messages are not enough</a:t>
+            </a:r>
+          </a:p>
+          <a:p>
+            <a:pPr lvl="1"/>
+            <a:r>
+              <a:rPr lang="en-US" dirty="0"/>
+              <a:t>But they are enough to allow setup of RMA</a:t>
+            </a:r>
+          </a:p>
+          <a:p>
+            <a:r>
+              <a:rPr lang="en-US" dirty="0"/>
+              <a:t>Zero-copy when supported</a:t>
+            </a:r>
+          </a:p>
+          <a:p>
+            <a:r>
+              <a:rPr lang="en-US" dirty="0"/>
+              <a:t>Require memory registration</a:t>
+            </a:r>
+          </a:p>
+          <a:p>
+            <a:r>
+              <a:rPr lang="en-US" dirty="0"/>
+              <a:t>No intra-message order guarantee</a:t>
+            </a:r>
+          </a:p>
+          <a:p>
+            <a:pPr lvl="1"/>
+            <a:r>
+              <a:rPr lang="en-US" dirty="0"/>
+              <a:t>No last byte written last</a:t>
+            </a:r>
+          </a:p>
+          <a:p>
+            <a:r>
+              <a:rPr lang="en-US" dirty="0"/>
+              <a:t>Write or Read with an optional Fence</a:t>
             </a:r>
           </a:p>
         </p:txBody>
@@ -3867,7 +4579,7 @@
     </p:spTree>
     <p:extLst>
       <p:ext uri="{BB962C8B-B14F-4D97-AF65-F5344CB8AC3E}">
-        <p14:creationId xmlns:p14="http://schemas.microsoft.com/office/powerpoint/2010/main" val="2221889953"/>
+        <p14:creationId xmlns:p14="http://schemas.microsoft.com/office/powerpoint/2010/main" val="3382555788"/>
       </p:ext>
     </p:extLst>
   </p:cSld>
@@ -3877,7 +4589,7 @@
   <p:timing>
     <p:tnLst>
       <p:par>
-        <p:cTn xmlns:p14="http://schemas.microsoft.com/office/powerpoint/2010/main" id="1" dur="indefinite" restart="never" nodeType="tmRoot"/>
+        <p:cTn id="1" dur="indefinite" restart="never" nodeType="tmRoot"/>
       </p:par>
     </p:tnLst>
   </p:timing>
@@ -3923,7 +4635,7 @@
           <a:p>
             <a:r>
               <a:rPr lang="en-US" dirty="0"/>
-              <a:t>CCI RMA</a:t>
+              <a:t>Status and Evaluation</a:t>
             </a:r>
           </a:p>
         </p:txBody>
@@ -3941,7 +4653,7 @@
         <p:spPr>
           <a:xfrm>
             <a:off x="111204" y="1344823"/>
-            <a:ext cx="8229600" cy="3626634"/>
+            <a:ext cx="8229600" cy="5366597"/>
           </a:xfrm>
         </p:spPr>
         <p:txBody>
@@ -3949,54 +4661,80 @@
           <a:lstStyle/>
           <a:p>
             <a:r>
-              <a:rPr lang="en-US" dirty="0"/>
-              <a:t>Active messages are not enough</a:t>
-            </a:r>
-          </a:p>
-          <a:p>
-            <a:pPr lvl="1"/>
-            <a:r>
-              <a:rPr lang="en-US" dirty="0"/>
-              <a:t>But they are enough to allow setup of RMA</a:t>
-            </a:r>
-          </a:p>
-          <a:p>
-            <a:r>
-              <a:rPr lang="en-US" dirty="0"/>
-              <a:t>Zero-copy when supported</a:t>
-            </a:r>
-          </a:p>
-          <a:p>
-            <a:r>
-              <a:rPr lang="en-US" dirty="0"/>
-              <a:t>Require memory registration</a:t>
-            </a:r>
-          </a:p>
-          <a:p>
-            <a:r>
-              <a:rPr lang="en-US" dirty="0"/>
-              <a:t>No intra-message order guarantee</a:t>
-            </a:r>
-          </a:p>
-          <a:p>
-            <a:pPr lvl="1"/>
-            <a:r>
-              <a:rPr lang="en-US" dirty="0"/>
-              <a:t>No last byte written last</a:t>
-            </a:r>
-          </a:p>
-          <a:p>
-            <a:r>
-              <a:rPr lang="en-US" dirty="0"/>
-              <a:t>Write or Read with an optional Fence</a:t>
-            </a:r>
+              <a:rPr lang="en-US" strike="sngStrike" dirty="0"/>
+              <a:t>Three</a:t>
+            </a:r>
+            <a:r>
+              <a:rPr lang="en-US" dirty="0"/>
+              <a:t> Four proof-of-concept implementations</a:t>
+            </a:r>
+          </a:p>
+          <a:p>
+            <a:pPr lvl="1"/>
+            <a:r>
+              <a:rPr lang="en-US" dirty="0"/>
+              <a:t>Sockets, MX, Portals 3.3, Native SeaStar</a:t>
+            </a:r>
+          </a:p>
+          <a:p>
+            <a:r>
+              <a:rPr lang="en-US" dirty="0"/>
+              <a:t>Sockets</a:t>
+            </a:r>
+          </a:p>
+          <a:p>
+            <a:pPr lvl="1"/>
+            <a:r>
+              <a:rPr lang="en-US" dirty="0"/>
+              <a:t>Uses UDP with one socket per endpoint</a:t>
+            </a:r>
+          </a:p>
+          <a:p>
+            <a:pPr lvl="1"/>
+            <a:r>
+              <a:rPr lang="en-US" dirty="0"/>
+              <a:t>Implements reliability when required</a:t>
+            </a:r>
+          </a:p>
+          <a:p>
+            <a:pPr lvl="1"/>
+            <a:r>
+              <a:rPr lang="en-US" dirty="0"/>
+              <a:t>Implements AM, RMA Write</a:t>
+            </a:r>
+          </a:p>
+          <a:p>
+            <a:r>
+              <a:rPr lang="en-US" dirty="0"/>
+              <a:t>MX</a:t>
+            </a:r>
+          </a:p>
+          <a:p>
+            <a:pPr lvl="1"/>
+            <a:r>
+              <a:rPr lang="en-US" dirty="0"/>
+              <a:t>Implements AM only</a:t>
+            </a:r>
+          </a:p>
+          <a:p>
+            <a:pPr lvl="1"/>
+            <a:r>
+              <a:rPr lang="en-US" dirty="0"/>
+              <a:t>CCI requests rendezvous when reliability is requested</a:t>
+            </a:r>
+          </a:p>
+          <a:p>
+            <a:endParaRPr lang="en-US" dirty="0"/>
+          </a:p>
+          <a:p>
+            <a:endParaRPr lang="en-US" dirty="0"/>
           </a:p>
         </p:txBody>
       </p:sp>
     </p:spTree>
     <p:extLst>
       <p:ext uri="{BB962C8B-B14F-4D97-AF65-F5344CB8AC3E}">
-        <p14:creationId xmlns:p14="http://schemas.microsoft.com/office/powerpoint/2010/main" val="3382555788"/>
+        <p14:creationId xmlns:p14="http://schemas.microsoft.com/office/powerpoint/2010/main" val="2889010775"/>
       </p:ext>
     </p:extLst>
   </p:cSld>
@@ -4006,7 +4744,7 @@
   <p:timing>
     <p:tnLst>
       <p:par>
-        <p:cTn xmlns:p14="http://schemas.microsoft.com/office/powerpoint/2010/main" id="1" dur="indefinite" restart="never" nodeType="tmRoot"/>
+        <p:cTn id="1" dur="indefinite" restart="never" nodeType="tmRoot"/>
       </p:par>
     </p:tnLst>
   </p:timing>
@@ -4070,161 +4808,6 @@
         <p:spPr>
           <a:xfrm>
             <a:off x="111204" y="1344823"/>
-            <a:ext cx="8229600" cy="5366597"/>
-          </a:xfrm>
-        </p:spPr>
-        <p:txBody>
-          <a:bodyPr/>
-          <a:lstStyle/>
-          <a:p>
-            <a:r>
-              <a:rPr lang="en-US" strike="sngStrike" dirty="0"/>
-              <a:t>Three</a:t>
-            </a:r>
-            <a:r>
-              <a:rPr lang="en-US" dirty="0"/>
-              <a:t> Four proof-of-concept implementations</a:t>
-            </a:r>
-          </a:p>
-          <a:p>
-            <a:pPr lvl="1"/>
-            <a:r>
-              <a:rPr lang="en-US" dirty="0"/>
-              <a:t>Sockets, MX, Portals 3.3, Native SeaStar</a:t>
-            </a:r>
-          </a:p>
-          <a:p>
-            <a:r>
-              <a:rPr lang="en-US" dirty="0"/>
-              <a:t>Sockets</a:t>
-            </a:r>
-          </a:p>
-          <a:p>
-            <a:pPr lvl="1"/>
-            <a:r>
-              <a:rPr lang="en-US" dirty="0"/>
-              <a:t>Uses UDP with one socket per endpoint</a:t>
-            </a:r>
-          </a:p>
-          <a:p>
-            <a:pPr lvl="1"/>
-            <a:r>
-              <a:rPr lang="en-US" dirty="0"/>
-              <a:t>Implements reliability when required</a:t>
-            </a:r>
-          </a:p>
-          <a:p>
-            <a:pPr lvl="1"/>
-            <a:r>
-              <a:rPr lang="en-US" dirty="0"/>
-              <a:t>Implements AM, RMA Write</a:t>
-            </a:r>
-          </a:p>
-          <a:p>
-            <a:r>
-              <a:rPr lang="en-US" dirty="0"/>
-              <a:t>MX</a:t>
-            </a:r>
-          </a:p>
-          <a:p>
-            <a:pPr lvl="1"/>
-            <a:r>
-              <a:rPr lang="en-US" dirty="0"/>
-              <a:t>Implements AM only</a:t>
-            </a:r>
-          </a:p>
-          <a:p>
-            <a:pPr lvl="1"/>
-            <a:r>
-              <a:rPr lang="en-US" dirty="0"/>
-              <a:t>CCI requests rendezvous when reliability is requested</a:t>
-            </a:r>
-          </a:p>
-          <a:p>
-            <a:endParaRPr lang="en-US" dirty="0"/>
-          </a:p>
-          <a:p>
-            <a:endParaRPr lang="en-US" dirty="0"/>
-          </a:p>
-        </p:txBody>
-      </p:sp>
-    </p:spTree>
-    <p:extLst>
-      <p:ext uri="{BB962C8B-B14F-4D97-AF65-F5344CB8AC3E}">
-        <p14:creationId xmlns:p14="http://schemas.microsoft.com/office/powerpoint/2010/main" val="2889010775"/>
-      </p:ext>
-    </p:extLst>
-  </p:cSld>
-  <p:clrMapOvr>
-    <a:masterClrMapping/>
-  </p:clrMapOvr>
-  <p:timing>
-    <p:tnLst>
-      <p:par>
-        <p:cTn xmlns:p14="http://schemas.microsoft.com/office/powerpoint/2010/main" id="1" dur="indefinite" restart="never" nodeType="tmRoot"/>
-      </p:par>
-    </p:tnLst>
-  </p:timing>
-</p:sld>
-</file>
-
-<file path=ppt/slides/slide18.xml><?xml version="1.0" encoding="utf-8"?>
-<p:sld xmlns:a="http://schemas.openxmlformats.org/drawingml/2006/main" xmlns:r="http://schemas.openxmlformats.org/officeDocument/2006/relationships" xmlns:p="http://schemas.openxmlformats.org/presentationml/2006/main">
-  <p:cSld>
-    <p:spTree>
-      <p:nvGrpSpPr>
-        <p:cNvPr id="1" name=""/>
-        <p:cNvGrpSpPr/>
-        <p:nvPr/>
-      </p:nvGrpSpPr>
-      <p:grpSpPr>
-        <a:xfrm>
-          <a:off x="0" y="0"/>
-          <a:ext cx="0" cy="0"/>
-          <a:chOff x="0" y="0"/>
-          <a:chExt cx="0" cy="0"/>
-        </a:xfrm>
-      </p:grpSpPr>
-      <p:sp>
-        <p:nvSpPr>
-          <p:cNvPr id="2" name="Title 1"/>
-          <p:cNvSpPr>
-            <a:spLocks noGrp="1"/>
-          </p:cNvSpPr>
-          <p:nvPr>
-            <p:ph type="title"/>
-          </p:nvPr>
-        </p:nvSpPr>
-        <p:spPr>
-          <a:xfrm>
-            <a:off x="111098" y="152400"/>
-            <a:ext cx="8229600" cy="496290"/>
-          </a:xfrm>
-        </p:spPr>
-        <p:txBody>
-          <a:bodyPr/>
-          <a:lstStyle/>
-          <a:p>
-            <a:r>
-              <a:rPr lang="en-US" dirty="0"/>
-              <a:t>Status and Evaluation</a:t>
-            </a:r>
-          </a:p>
-        </p:txBody>
-      </p:sp>
-      <p:sp>
-        <p:nvSpPr>
-          <p:cNvPr id="3" name="Content Placeholder 2"/>
-          <p:cNvSpPr>
-            <a:spLocks noGrp="1"/>
-          </p:cNvSpPr>
-          <p:nvPr>
-            <p:ph idx="1"/>
-          </p:nvPr>
-        </p:nvSpPr>
-        <p:spPr>
-          <a:xfrm>
-            <a:off x="111204" y="1344823"/>
             <a:ext cx="8229600" cy="3608167"/>
           </a:xfrm>
         </p:spPr>
@@ -4304,14 +4887,14 @@
   <p:timing>
     <p:tnLst>
       <p:par>
-        <p:cTn xmlns:p14="http://schemas.microsoft.com/office/powerpoint/2010/main" id="1" dur="indefinite" restart="never" nodeType="tmRoot"/>
+        <p:cTn id="1" dur="indefinite" restart="never" nodeType="tmRoot"/>
       </p:par>
     </p:tnLst>
   </p:timing>
 </p:sld>
 </file>
 
-<file path=ppt/slides/slide19.xml><?xml version="1.0" encoding="utf-8"?>
+<file path=ppt/slides/slide18.xml><?xml version="1.0" encoding="utf-8"?>
 <p:sld xmlns:a="http://schemas.openxmlformats.org/drawingml/2006/main" xmlns:r="http://schemas.openxmlformats.org/officeDocument/2006/relationships" xmlns:p="http://schemas.openxmlformats.org/presentationml/2006/main">
   <p:cSld>
     <p:spTree>
@@ -4428,215 +5011,14 @@
   <p:timing>
     <p:tnLst>
       <p:par>
-        <p:cTn xmlns:p14="http://schemas.microsoft.com/office/powerpoint/2010/main" id="1" dur="indefinite" restart="never" nodeType="tmRoot"/>
+        <p:cTn id="1" dur="indefinite" restart="never" nodeType="tmRoot"/>
       </p:par>
     </p:tnLst>
   </p:timing>
 </p:sld>
 </file>
 
-<file path=ppt/slides/slide2.xml><?xml version="1.0" encoding="utf-8"?>
-<p:sld xmlns:a="http://schemas.openxmlformats.org/drawingml/2006/main" xmlns:r="http://schemas.openxmlformats.org/officeDocument/2006/relationships" xmlns:p="http://schemas.openxmlformats.org/presentationml/2006/main">
-  <p:cSld>
-    <p:spTree>
-      <p:nvGrpSpPr>
-        <p:cNvPr id="1" name=""/>
-        <p:cNvGrpSpPr/>
-        <p:nvPr/>
-      </p:nvGrpSpPr>
-      <p:grpSpPr>
-        <a:xfrm>
-          <a:off x="0" y="0"/>
-          <a:ext cx="0" cy="0"/>
-          <a:chOff x="0" y="0"/>
-          <a:chExt cx="0" cy="0"/>
-        </a:xfrm>
-      </p:grpSpPr>
-      <p:sp>
-        <p:nvSpPr>
-          <p:cNvPr id="2" name="Title 1"/>
-          <p:cNvSpPr>
-            <a:spLocks noGrp="1"/>
-          </p:cNvSpPr>
-          <p:nvPr>
-            <p:ph type="title"/>
-          </p:nvPr>
-        </p:nvSpPr>
-        <p:spPr/>
-        <p:txBody>
-          <a:bodyPr/>
-          <a:lstStyle/>
-          <a:p>
-            <a:r>
-              <a:rPr lang="en-US" dirty="0" smtClean="0"/>
-              <a:t>The context</a:t>
-            </a:r>
-            <a:endParaRPr lang="en-US" dirty="0"/>
-          </a:p>
-        </p:txBody>
-      </p:sp>
-      <p:sp>
-        <p:nvSpPr>
-          <p:cNvPr id="3" name="Content Placeholder 2"/>
-          <p:cNvSpPr>
-            <a:spLocks noGrp="1"/>
-          </p:cNvSpPr>
-          <p:nvPr>
-            <p:ph idx="1"/>
-          </p:nvPr>
-        </p:nvSpPr>
-        <p:spPr>
-          <a:xfrm>
-            <a:off x="124572" y="836823"/>
-            <a:ext cx="8229600" cy="5700335"/>
-          </a:xfrm>
-        </p:spPr>
-        <p:txBody>
-          <a:bodyPr>
-            <a:normAutofit fontScale="92500" lnSpcReduction="10000"/>
-          </a:bodyPr>
-          <a:lstStyle/>
-          <a:p>
-            <a:r>
-              <a:rPr lang="en-US" dirty="0" smtClean="0"/>
-              <a:t>Applications are increasingly distributed services</a:t>
-            </a:r>
-          </a:p>
-          <a:p>
-            <a:pPr lvl="1"/>
-            <a:r>
-              <a:rPr lang="en-US" dirty="0" smtClean="0"/>
-              <a:t>Service oriented architectures</a:t>
-            </a:r>
-          </a:p>
-          <a:p>
-            <a:pPr lvl="1"/>
-            <a:r>
-              <a:rPr lang="en-US" dirty="0" smtClean="0"/>
-              <a:t>Data intensive applications (turning data into products) </a:t>
-            </a:r>
-          </a:p>
-          <a:p>
-            <a:pPr lvl="1"/>
-            <a:r>
-              <a:rPr lang="en-US" dirty="0" smtClean="0"/>
-              <a:t>Inter-process communication is now the norm</a:t>
-            </a:r>
-          </a:p>
-          <a:p>
-            <a:r>
-              <a:rPr lang="en-US" dirty="0" smtClean="0"/>
-              <a:t>These applications may control only one  </a:t>
-            </a:r>
-            <a:r>
-              <a:rPr lang="en-US" dirty="0" smtClean="0"/>
-              <a:t>side of the </a:t>
-            </a:r>
-            <a:r>
-              <a:rPr lang="en-US" dirty="0" smtClean="0"/>
-              <a:t>pipe… </a:t>
-            </a:r>
-            <a:endParaRPr lang="en-US" dirty="0" smtClean="0"/>
-          </a:p>
-          <a:p>
-            <a:pPr lvl="1"/>
-            <a:r>
-              <a:rPr lang="en-US" dirty="0" smtClean="0"/>
-              <a:t>Common language: IP on the wire, Socket interface on the host.</a:t>
-            </a:r>
-          </a:p>
-          <a:p>
-            <a:pPr lvl="1"/>
-            <a:r>
-              <a:rPr lang="en-US" dirty="0" smtClean="0"/>
-              <a:t>Applications: web </a:t>
-            </a:r>
-            <a:r>
-              <a:rPr lang="en-US" dirty="0" smtClean="0"/>
-              <a:t>services, </a:t>
-            </a:r>
-            <a:r>
-              <a:rPr lang="en-US" dirty="0" smtClean="0"/>
-              <a:t>media delivery, trading exchange.</a:t>
-            </a:r>
-          </a:p>
-          <a:p>
-            <a:pPr lvl="1"/>
-            <a:r>
-              <a:rPr lang="en-US" dirty="0" smtClean="0"/>
-              <a:t>Not going away, way too much legacy.</a:t>
-            </a:r>
-          </a:p>
-          <a:p>
-            <a:r>
-              <a:rPr lang="en-US" dirty="0" smtClean="0"/>
-              <a:t>Or both sides of the pipe</a:t>
-            </a:r>
-            <a:endParaRPr lang="en-US" dirty="0" smtClean="0"/>
-          </a:p>
-          <a:p>
-            <a:pPr lvl="1"/>
-            <a:r>
-              <a:rPr lang="en-US" dirty="0" smtClean="0"/>
-              <a:t>No required wire protocol or host programing interface.</a:t>
-            </a:r>
-          </a:p>
-          <a:p>
-            <a:pPr lvl="1"/>
-            <a:r>
-              <a:rPr lang="en-US" dirty="0" smtClean="0"/>
-              <a:t>Applications: back-ends, database, storage</a:t>
-            </a:r>
-          </a:p>
-          <a:p>
-            <a:pPr lvl="2"/>
-            <a:r>
-              <a:rPr lang="en-US" dirty="0" smtClean="0"/>
-              <a:t>Memcached, Big Table, Cassandra.</a:t>
-            </a:r>
-          </a:p>
-          <a:p>
-            <a:pPr lvl="1"/>
-            <a:r>
-              <a:rPr lang="en-US" dirty="0" smtClean="0"/>
-              <a:t>Socket interface </a:t>
-            </a:r>
-            <a:r>
-              <a:rPr lang="en-US" dirty="0" smtClean="0"/>
-              <a:t>hinders </a:t>
-            </a:r>
-            <a:r>
-              <a:rPr lang="en-US" dirty="0" smtClean="0"/>
-              <a:t>networking innovation.</a:t>
-            </a:r>
-          </a:p>
-          <a:p>
-            <a:pPr lvl="1"/>
-            <a:r>
-              <a:rPr lang="en-US" dirty="0" smtClean="0"/>
-              <a:t>Many vendor</a:t>
-            </a:r>
-            <a:r>
-              <a:rPr lang="en-US" dirty="0" smtClean="0"/>
-              <a:t>-specific interfaces available (dead or alive).</a:t>
-            </a:r>
-          </a:p>
-        </p:txBody>
-      </p:sp>
-    </p:spTree>
-    <p:extLst>
-      <p:ext uri="{BB962C8B-B14F-4D97-AF65-F5344CB8AC3E}">
-        <p14:creationId xmlns:p14="http://schemas.microsoft.com/office/powerpoint/2010/main" val="2858392868"/>
-      </p:ext>
-    </p:extLst>
-  </p:cSld>
-  <p:clrMapOvr>
-    <a:masterClrMapping/>
-  </p:clrMapOvr>
-</p:sld>
-</file>
-
-<file path=ppt/slides/slide20.xml><?xml version="1.0" encoding="utf-8"?>
+<file path=ppt/slides/slide19.xml><?xml version="1.0" encoding="utf-8"?>
 <p:sld xmlns:a="http://schemas.openxmlformats.org/drawingml/2006/main" xmlns:r="http://schemas.openxmlformats.org/officeDocument/2006/relationships" xmlns:p="http://schemas.openxmlformats.org/presentationml/2006/main">
   <p:cSld>
     <p:spTree>
@@ -4753,14 +5135,200 @@
   <p:timing>
     <p:tnLst>
       <p:par>
-        <p:cTn xmlns:p14="http://schemas.microsoft.com/office/powerpoint/2010/main" id="1" dur="indefinite" restart="never" nodeType="tmRoot"/>
+        <p:cTn id="1" dur="indefinite" restart="never" nodeType="tmRoot"/>
       </p:par>
     </p:tnLst>
   </p:timing>
 </p:sld>
 </file>
 
-<file path=ppt/slides/slide21.xml><?xml version="1.0" encoding="utf-8"?>
+<file path=ppt/slides/slide2.xml><?xml version="1.0" encoding="utf-8"?>
+<p:sld xmlns:a="http://schemas.openxmlformats.org/drawingml/2006/main" xmlns:r="http://schemas.openxmlformats.org/officeDocument/2006/relationships" xmlns:p="http://schemas.openxmlformats.org/presentationml/2006/main">
+  <p:cSld>
+    <p:spTree>
+      <p:nvGrpSpPr>
+        <p:cNvPr id="1" name=""/>
+        <p:cNvGrpSpPr/>
+        <p:nvPr/>
+      </p:nvGrpSpPr>
+      <p:grpSpPr>
+        <a:xfrm>
+          <a:off x="0" y="0"/>
+          <a:ext cx="0" cy="0"/>
+          <a:chOff x="0" y="0"/>
+          <a:chExt cx="0" cy="0"/>
+        </a:xfrm>
+      </p:grpSpPr>
+      <p:sp>
+        <p:nvSpPr>
+          <p:cNvPr id="2" name="Title 1"/>
+          <p:cNvSpPr>
+            <a:spLocks noGrp="1"/>
+          </p:cNvSpPr>
+          <p:nvPr>
+            <p:ph type="title"/>
+          </p:nvPr>
+        </p:nvSpPr>
+        <p:spPr>
+          <a:xfrm>
+            <a:off x="111098" y="152400"/>
+            <a:ext cx="8229600" cy="877163"/>
+          </a:xfrm>
+        </p:spPr>
+        <p:txBody>
+          <a:bodyPr/>
+          <a:lstStyle/>
+          <a:p>
+            <a:r>
+              <a:rPr lang="en-US" dirty="0" smtClean="0"/>
+              <a:t>Applications </a:t>
+            </a:r>
+            <a:r>
+              <a:rPr lang="en-US" dirty="0"/>
+              <a:t>are increasingly data-driven distributed services</a:t>
+            </a:r>
+            <a:r>
+              <a:rPr lang="en-US" dirty="0" smtClean="0"/>
+              <a:t>.</a:t>
+            </a:r>
+            <a:endParaRPr lang="en-US" dirty="0"/>
+          </a:p>
+        </p:txBody>
+      </p:sp>
+      <p:sp>
+        <p:nvSpPr>
+          <p:cNvPr id="3" name="Content Placeholder 2"/>
+          <p:cNvSpPr>
+            <a:spLocks noGrp="1"/>
+          </p:cNvSpPr>
+          <p:nvPr>
+            <p:ph idx="1"/>
+          </p:nvPr>
+        </p:nvSpPr>
+        <p:spPr>
+          <a:xfrm>
+            <a:off x="124572" y="836823"/>
+            <a:ext cx="8229600" cy="5700335"/>
+          </a:xfrm>
+        </p:spPr>
+        <p:txBody>
+          <a:bodyPr>
+            <a:normAutofit/>
+          </a:bodyPr>
+          <a:lstStyle/>
+          <a:p>
+            <a:endParaRPr lang="en-US" dirty="0" smtClean="0"/>
+          </a:p>
+          <a:p>
+            <a:r>
+              <a:rPr lang="en-US" dirty="0" smtClean="0"/>
+              <a:t>These </a:t>
+            </a:r>
+            <a:r>
+              <a:rPr lang="en-US" dirty="0" smtClean="0"/>
+              <a:t>applications may control only one  side of the pipe… </a:t>
+            </a:r>
+          </a:p>
+          <a:p>
+            <a:pPr lvl="1"/>
+            <a:r>
+              <a:rPr lang="en-US" dirty="0" smtClean="0"/>
+              <a:t>Common language: IP on the wire, Socket interface on the host.</a:t>
+            </a:r>
+          </a:p>
+          <a:p>
+            <a:pPr lvl="1"/>
+            <a:r>
+              <a:rPr lang="en-US" dirty="0" smtClean="0"/>
+              <a:t>Applications: web services, media delivery, trading exchange.</a:t>
+            </a:r>
+          </a:p>
+          <a:p>
+            <a:pPr lvl="1"/>
+            <a:r>
+              <a:rPr lang="en-US" dirty="0" smtClean="0"/>
+              <a:t>Not going away, way too much legacy.</a:t>
+            </a:r>
+          </a:p>
+          <a:p>
+            <a:r>
+              <a:rPr lang="en-US" dirty="0" smtClean="0"/>
+              <a:t>Or both sides of the </a:t>
+            </a:r>
+            <a:r>
+              <a:rPr lang="en-US" dirty="0" smtClean="0"/>
+              <a:t>pipe</a:t>
+            </a:r>
+          </a:p>
+          <a:p>
+            <a:pPr lvl="1"/>
+            <a:r>
+              <a:rPr lang="en-US" dirty="0" smtClean="0"/>
+              <a:t>No required wire protocol or programing interface.</a:t>
+            </a:r>
+            <a:endParaRPr lang="en-US" dirty="0" smtClean="0"/>
+          </a:p>
+          <a:p>
+            <a:pPr lvl="1"/>
+            <a:r>
+              <a:rPr lang="en-US" dirty="0" smtClean="0"/>
+              <a:t>Applications</a:t>
+            </a:r>
+            <a:r>
+              <a:rPr lang="en-US" dirty="0" smtClean="0"/>
+              <a:t>: back-ends, database, storage</a:t>
+            </a:r>
+          </a:p>
+          <a:p>
+            <a:pPr lvl="2"/>
+            <a:r>
+              <a:rPr lang="en-US" dirty="0" smtClean="0"/>
+              <a:t>Memcached, Big Table, Cassandra</a:t>
+            </a:r>
+            <a:r>
+              <a:rPr lang="en-US" dirty="0" smtClean="0"/>
+              <a:t>.</a:t>
+            </a:r>
+          </a:p>
+          <a:p>
+            <a:pPr lvl="1"/>
+            <a:r>
+              <a:rPr lang="en-US" dirty="0"/>
+              <a:t>Socket interface hinders networking innovation</a:t>
+            </a:r>
+            <a:r>
+              <a:rPr lang="en-US" dirty="0" smtClean="0"/>
+              <a:t>.</a:t>
+            </a:r>
+            <a:endParaRPr lang="en-US" dirty="0" smtClean="0"/>
+          </a:p>
+          <a:p>
+            <a:pPr lvl="1"/>
+            <a:r>
+              <a:rPr lang="en-US" dirty="0" smtClean="0"/>
+              <a:t>Many </a:t>
+            </a:r>
+            <a:r>
+              <a:rPr lang="en-US" dirty="0" smtClean="0"/>
+              <a:t>vendor-specific interfaces available (dead or alive).</a:t>
+            </a:r>
+          </a:p>
+        </p:txBody>
+      </p:sp>
+    </p:spTree>
+    <p:extLst>
+      <p:ext uri="{BB962C8B-B14F-4D97-AF65-F5344CB8AC3E}">
+        <p14:creationId xmlns:p14="http://schemas.microsoft.com/office/powerpoint/2010/main" val="2858392868"/>
+      </p:ext>
+    </p:extLst>
+  </p:cSld>
+  <p:clrMapOvr>
+    <a:masterClrMapping/>
+  </p:clrMapOvr>
+</p:sld>
+</file>
+
+<file path=ppt/slides/slide20.xml><?xml version="1.0" encoding="utf-8"?>
 <p:sld xmlns:a="http://schemas.openxmlformats.org/drawingml/2006/main" xmlns:r="http://schemas.openxmlformats.org/officeDocument/2006/relationships" xmlns:p="http://schemas.openxmlformats.org/presentationml/2006/main">
   <p:cSld>
     <p:spTree>
@@ -4957,14 +5525,14 @@
   <p:timing>
     <p:tnLst>
       <p:par>
-        <p:cTn xmlns:p14="http://schemas.microsoft.com/office/powerpoint/2010/main" id="1" dur="indefinite" restart="never" nodeType="tmRoot"/>
+        <p:cTn id="1" dur="indefinite" restart="never" nodeType="tmRoot"/>
       </p:par>
     </p:tnLst>
   </p:timing>
 </p:sld>
 </file>
 
-<file path=ppt/slides/slide22.xml><?xml version="1.0" encoding="utf-8"?>
+<file path=ppt/slides/slide21.xml><?xml version="1.0" encoding="utf-8"?>
 <p:sld xmlns:a="http://schemas.openxmlformats.org/drawingml/2006/main" xmlns:r="http://schemas.openxmlformats.org/officeDocument/2006/relationships" xmlns:p="http://schemas.openxmlformats.org/presentationml/2006/main">
   <p:cSld>
     <p:spTree>
@@ -5101,11 +5669,7 @@
             <a:pPr lvl="1"/>
             <a:r>
               <a:rPr lang="en-US" dirty="0" smtClean="0"/>
-              <a:t>P</a:t>
-            </a:r>
-            <a:r>
-              <a:rPr lang="en-US" dirty="0" smtClean="0"/>
-              <a:t>rovides </a:t>
+              <a:t>Provides </a:t>
             </a:r>
             <a:r>
               <a:rPr lang="en-US" dirty="0"/>
@@ -5159,10 +5723,106 @@
   <p:timing>
     <p:tnLst>
       <p:par>
-        <p:cTn xmlns:p14="http://schemas.microsoft.com/office/powerpoint/2010/main" id="1" dur="indefinite" restart="never" nodeType="tmRoot"/>
+        <p:cTn id="1" dur="indefinite" restart="never" nodeType="tmRoot"/>
       </p:par>
     </p:tnLst>
   </p:timing>
+</p:sld>
+</file>
+
+<file path=ppt/slides/slide22.xml><?xml version="1.0" encoding="utf-8"?>
+<p:sld xmlns:a="http://schemas.openxmlformats.org/drawingml/2006/main" xmlns:r="http://schemas.openxmlformats.org/officeDocument/2006/relationships" xmlns:p="http://schemas.openxmlformats.org/presentationml/2006/main" show="0">
+  <p:cSld>
+    <p:spTree>
+      <p:nvGrpSpPr>
+        <p:cNvPr id="1" name=""/>
+        <p:cNvGrpSpPr/>
+        <p:nvPr/>
+      </p:nvGrpSpPr>
+      <p:grpSpPr>
+        <a:xfrm>
+          <a:off x="0" y="0"/>
+          <a:ext cx="0" cy="0"/>
+          <a:chOff x="0" y="0"/>
+          <a:chExt cx="0" cy="0"/>
+        </a:xfrm>
+      </p:grpSpPr>
+      <p:sp>
+        <p:nvSpPr>
+          <p:cNvPr id="2" name="Title 1"/>
+          <p:cNvSpPr>
+            <a:spLocks noGrp="1"/>
+          </p:cNvSpPr>
+          <p:nvPr>
+            <p:ph type="title"/>
+          </p:nvPr>
+        </p:nvSpPr>
+        <p:spPr>
+          <a:xfrm>
+            <a:off x="111098" y="152400"/>
+            <a:ext cx="8229600" cy="496290"/>
+          </a:xfrm>
+        </p:spPr>
+        <p:txBody>
+          <a:bodyPr/>
+          <a:lstStyle/>
+          <a:p>
+            <a:r>
+              <a:rPr lang="en-US" dirty="0" smtClean="0"/>
+              <a:t>ATTIC</a:t>
+            </a:r>
+            <a:endParaRPr lang="en-US" dirty="0"/>
+          </a:p>
+        </p:txBody>
+      </p:sp>
+      <p:sp>
+        <p:nvSpPr>
+          <p:cNvPr id="3" name="Content Placeholder 2"/>
+          <p:cNvSpPr>
+            <a:spLocks noGrp="1"/>
+          </p:cNvSpPr>
+          <p:nvPr>
+            <p:ph idx="1"/>
+          </p:nvPr>
+        </p:nvSpPr>
+        <p:spPr>
+          <a:xfrm>
+            <a:off x="111204" y="1125025"/>
+            <a:ext cx="8229600" cy="1054648"/>
+          </a:xfrm>
+        </p:spPr>
+        <p:txBody>
+          <a:bodyPr/>
+          <a:lstStyle/>
+          <a:p>
+            <a:r>
+              <a:rPr lang="en-US" dirty="0" smtClean="0"/>
+              <a:t>This is all stuff we likely won’t present</a:t>
+            </a:r>
+          </a:p>
+          <a:p>
+            <a:endParaRPr lang="en-US" dirty="0"/>
+          </a:p>
+        </p:txBody>
+      </p:sp>
+    </p:spTree>
+    <p:extLst>
+      <p:ext uri="{BB962C8B-B14F-4D97-AF65-F5344CB8AC3E}">
+        <p14:creationId xmlns:p14="http://schemas.microsoft.com/office/powerpoint/2010/main" val="4209813427"/>
+      </p:ext>
+    </p:extLst>
+  </p:cSld>
+  <p:clrMapOvr>
+    <a:masterClrMapping/>
+  </p:clrMapOvr>
+  <mc:AlternateContent xmlns:mc="http://schemas.openxmlformats.org/markup-compatibility/2006" xmlns:p14="http://schemas.microsoft.com/office/powerpoint/2010/main">
+    <mc:Choice Requires="p14">
+      <p:transition spd="slow" p14:dur="2000"/>
+    </mc:Choice>
+    <mc:Fallback xmlns="">
+      <p:transition xmlns:p14="http://schemas.microsoft.com/office/powerpoint/2010/main" spd="slow"/>
+    </mc:Fallback>
+  </mc:AlternateContent>
 </p:sld>
 </file>
 
@@ -5204,102 +5864,6 @@
           <a:lstStyle/>
           <a:p>
             <a:r>
-              <a:rPr lang="en-US" dirty="0" smtClean="0"/>
-              <a:t>ATTIC</a:t>
-            </a:r>
-            <a:endParaRPr lang="en-US" dirty="0"/>
-          </a:p>
-        </p:txBody>
-      </p:sp>
-      <p:sp>
-        <p:nvSpPr>
-          <p:cNvPr id="3" name="Content Placeholder 2"/>
-          <p:cNvSpPr>
-            <a:spLocks noGrp="1"/>
-          </p:cNvSpPr>
-          <p:nvPr>
-            <p:ph idx="1"/>
-          </p:nvPr>
-        </p:nvSpPr>
-        <p:spPr>
-          <a:xfrm>
-            <a:off x="111204" y="1125025"/>
-            <a:ext cx="8229600" cy="1054648"/>
-          </a:xfrm>
-        </p:spPr>
-        <p:txBody>
-          <a:bodyPr/>
-          <a:lstStyle/>
-          <a:p>
-            <a:r>
-              <a:rPr lang="en-US" dirty="0" smtClean="0"/>
-              <a:t>This is all stuff we likely won’t present</a:t>
-            </a:r>
-          </a:p>
-          <a:p>
-            <a:endParaRPr lang="en-US" dirty="0"/>
-          </a:p>
-        </p:txBody>
-      </p:sp>
-    </p:spTree>
-    <p:extLst>
-      <p:ext uri="{BB962C8B-B14F-4D97-AF65-F5344CB8AC3E}">
-        <p14:creationId xmlns:p14="http://schemas.microsoft.com/office/powerpoint/2010/main" val="4209813427"/>
-      </p:ext>
-    </p:extLst>
-  </p:cSld>
-  <p:clrMapOvr>
-    <a:masterClrMapping/>
-  </p:clrMapOvr>
-  <mc:AlternateContent xmlns:mc="http://schemas.openxmlformats.org/markup-compatibility/2006">
-    <mc:Choice xmlns:p14="http://schemas.microsoft.com/office/powerpoint/2010/main" Requires="p14">
-      <p:transition spd="slow" p14:dur="2000"/>
-    </mc:Choice>
-    <mc:Fallback>
-      <p:transition xmlns:p14="http://schemas.microsoft.com/office/powerpoint/2010/main" spd="slow"/>
-    </mc:Fallback>
-  </mc:AlternateContent>
-</p:sld>
-</file>
-
-<file path=ppt/slides/slide24.xml><?xml version="1.0" encoding="utf-8"?>
-<p:sld xmlns:a="http://schemas.openxmlformats.org/drawingml/2006/main" xmlns:r="http://schemas.openxmlformats.org/officeDocument/2006/relationships" xmlns:p="http://schemas.openxmlformats.org/presentationml/2006/main" show="0">
-  <p:cSld>
-    <p:spTree>
-      <p:nvGrpSpPr>
-        <p:cNvPr id="1" name=""/>
-        <p:cNvGrpSpPr/>
-        <p:nvPr/>
-      </p:nvGrpSpPr>
-      <p:grpSpPr>
-        <a:xfrm>
-          <a:off x="0" y="0"/>
-          <a:ext cx="0" cy="0"/>
-          <a:chOff x="0" y="0"/>
-          <a:chExt cx="0" cy="0"/>
-        </a:xfrm>
-      </p:grpSpPr>
-      <p:sp>
-        <p:nvSpPr>
-          <p:cNvPr id="2" name="Title 1"/>
-          <p:cNvSpPr>
-            <a:spLocks noGrp="1"/>
-          </p:cNvSpPr>
-          <p:nvPr>
-            <p:ph type="title"/>
-          </p:nvPr>
-        </p:nvSpPr>
-        <p:spPr>
-          <a:xfrm>
-            <a:off x="111098" y="152400"/>
-            <a:ext cx="8229600" cy="496290"/>
-          </a:xfrm>
-        </p:spPr>
-        <p:txBody>
-          <a:bodyPr/>
-          <a:lstStyle/>
-          <a:p>
-            <a:r>
               <a:rPr lang="en-US" dirty="0"/>
               <a:t>Outline</a:t>
             </a:r>
@@ -5367,25 +5931,25 @@
   <p:clrMapOvr>
     <a:masterClrMapping/>
   </p:clrMapOvr>
-  <mc:AlternateContent xmlns:mc="http://schemas.openxmlformats.org/markup-compatibility/2006">
-    <mc:Choice xmlns:p14="http://schemas.microsoft.com/office/powerpoint/2010/main" Requires="p14">
+  <mc:AlternateContent xmlns:mc="http://schemas.openxmlformats.org/markup-compatibility/2006" xmlns:p14="http://schemas.microsoft.com/office/powerpoint/2010/main">
+    <mc:Choice Requires="p14">
       <p:transition spd="slow" p14:dur="2000"/>
     </mc:Choice>
-    <mc:Fallback>
+    <mc:Fallback xmlns="">
       <p:transition xmlns:p14="http://schemas.microsoft.com/office/powerpoint/2010/main" spd="slow"/>
     </mc:Fallback>
   </mc:AlternateContent>
   <p:timing>
     <p:tnLst>
       <p:par>
-        <p:cTn xmlns:p14="http://schemas.microsoft.com/office/powerpoint/2010/main" id="1" dur="indefinite" restart="never" nodeType="tmRoot"/>
+        <p:cTn id="1" dur="indefinite" restart="never" nodeType="tmRoot"/>
       </p:par>
     </p:tnLst>
   </p:timing>
 </p:sld>
 </file>
 
-<file path=ppt/slides/slide25.xml><?xml version="1.0" encoding="utf-8"?>
+<file path=ppt/slides/slide24.xml><?xml version="1.0" encoding="utf-8"?>
 <p:sld xmlns:a="http://schemas.openxmlformats.org/drawingml/2006/main" xmlns:r="http://schemas.openxmlformats.org/officeDocument/2006/relationships" xmlns:p="http://schemas.openxmlformats.org/presentationml/2006/main" show="0">
   <p:cSld>
     <p:spTree>
@@ -5696,18 +6260,175 @@
   <p:clrMapOvr>
     <a:masterClrMapping/>
   </p:clrMapOvr>
-  <mc:AlternateContent xmlns:mc="http://schemas.openxmlformats.org/markup-compatibility/2006">
-    <mc:Choice xmlns:p14="http://schemas.microsoft.com/office/powerpoint/2010/main" Requires="p14">
+  <mc:AlternateContent xmlns:mc="http://schemas.openxmlformats.org/markup-compatibility/2006" xmlns:p14="http://schemas.microsoft.com/office/powerpoint/2010/main">
+    <mc:Choice Requires="p14">
       <p:transition spd="slow" p14:dur="2000"/>
     </mc:Choice>
-    <mc:Fallback>
+    <mc:Fallback xmlns="">
       <p:transition xmlns:p14="http://schemas.microsoft.com/office/powerpoint/2010/main" spd="slow"/>
     </mc:Fallback>
   </mc:AlternateContent>
   <p:timing>
     <p:tnLst>
       <p:par>
-        <p:cTn xmlns:p14="http://schemas.microsoft.com/office/powerpoint/2010/main" id="1" dur="indefinite" restart="never" nodeType="tmRoot"/>
+        <p:cTn id="1" dur="indefinite" restart="never" nodeType="tmRoot"/>
+      </p:par>
+    </p:tnLst>
+  </p:timing>
+</p:sld>
+</file>
+
+<file path=ppt/slides/slide25.xml><?xml version="1.0" encoding="utf-8"?>
+<p:sld xmlns:a="http://schemas.openxmlformats.org/drawingml/2006/main" xmlns:r="http://schemas.openxmlformats.org/officeDocument/2006/relationships" xmlns:p="http://schemas.openxmlformats.org/presentationml/2006/main" show="0">
+  <p:cSld>
+    <p:spTree>
+      <p:nvGrpSpPr>
+        <p:cNvPr id="1" name=""/>
+        <p:cNvGrpSpPr/>
+        <p:nvPr/>
+      </p:nvGrpSpPr>
+      <p:grpSpPr>
+        <a:xfrm>
+          <a:off x="0" y="0"/>
+          <a:ext cx="0" cy="0"/>
+          <a:chOff x="0" y="0"/>
+          <a:chExt cx="0" cy="0"/>
+        </a:xfrm>
+      </p:grpSpPr>
+      <p:sp>
+        <p:nvSpPr>
+          <p:cNvPr id="2" name="Title 1"/>
+          <p:cNvSpPr>
+            <a:spLocks noGrp="1"/>
+          </p:cNvSpPr>
+          <p:nvPr>
+            <p:ph type="title"/>
+          </p:nvPr>
+        </p:nvSpPr>
+        <p:spPr>
+          <a:xfrm>
+            <a:off x="111098" y="152400"/>
+            <a:ext cx="8229600" cy="496290"/>
+          </a:xfrm>
+        </p:spPr>
+        <p:txBody>
+          <a:bodyPr/>
+          <a:lstStyle/>
+          <a:p>
+            <a:r>
+              <a:rPr lang="en-US" dirty="0"/>
+              <a:t>OFA Verbs</a:t>
+            </a:r>
+          </a:p>
+        </p:txBody>
+      </p:sp>
+      <p:sp>
+        <p:nvSpPr>
+          <p:cNvPr id="3" name="Content Placeholder 2"/>
+          <p:cNvSpPr>
+            <a:spLocks noGrp="1"/>
+          </p:cNvSpPr>
+          <p:nvPr>
+            <p:ph idx="1"/>
+          </p:nvPr>
+        </p:nvSpPr>
+        <p:spPr>
+          <a:xfrm>
+            <a:off x="111204" y="1028701"/>
+            <a:ext cx="8229600" cy="5315815"/>
+          </a:xfrm>
+        </p:spPr>
+        <p:txBody>
+          <a:bodyPr/>
+          <a:lstStyle/>
+          <a:p>
+            <a:r>
+              <a:rPr lang="en-US" sz="2600" dirty="0"/>
+              <a:t>Based on earlier VIA spec</a:t>
+            </a:r>
+          </a:p>
+          <a:p>
+            <a:r>
+              <a:rPr lang="en-US" sz="2600" dirty="0"/>
+              <a:t>Does not specify API, just </a:t>
+            </a:r>
+            <a:r>
+              <a:rPr lang="en-US" sz="2600" i="1" dirty="0"/>
+              <a:t>Verbs</a:t>
+            </a:r>
+          </a:p>
+          <a:p>
+            <a:r>
+              <a:rPr lang="en-US" sz="2600" dirty="0"/>
+              <a:t>Multiple vendor APIs initially</a:t>
+            </a:r>
+          </a:p>
+          <a:p>
+            <a:r>
+              <a:rPr lang="en-US" sz="2600" dirty="0"/>
+              <a:t>Coalesced into Open-Fabrics Association (OFA)</a:t>
+            </a:r>
+          </a:p>
+          <a:p>
+            <a:r>
+              <a:rPr lang="en-US" sz="2600" dirty="0"/>
+              <a:t>Two-sided and one-sided</a:t>
+            </a:r>
+          </a:p>
+          <a:p>
+            <a:r>
+              <a:rPr lang="en-US" sz="2600" dirty="0"/>
+              <a:t>Always asynchronous</a:t>
+            </a:r>
+          </a:p>
+          <a:p>
+            <a:r>
+              <a:rPr lang="en-US" sz="2600" dirty="0"/>
+              <a:t>Reliable and unreliable</a:t>
+            </a:r>
+          </a:p>
+          <a:p>
+            <a:r>
+              <a:rPr lang="en-US" sz="2600" dirty="0"/>
+              <a:t>Connection and connectionless modes</a:t>
+            </a:r>
+          </a:p>
+          <a:p>
+            <a:r>
+              <a:rPr lang="en-US" sz="2600" dirty="0"/>
+              <a:t>Communication requires registered memory</a:t>
+            </a:r>
+          </a:p>
+          <a:p>
+            <a:r>
+              <a:rPr lang="en-US" sz="2600" dirty="0"/>
+              <a:t>Queue-Pair represents logical connection</a:t>
+            </a:r>
+          </a:p>
+        </p:txBody>
+      </p:sp>
+    </p:spTree>
+    <p:extLst>
+      <p:ext uri="{BB962C8B-B14F-4D97-AF65-F5344CB8AC3E}">
+        <p14:creationId xmlns:p14="http://schemas.microsoft.com/office/powerpoint/2010/main" val="3144136157"/>
+      </p:ext>
+    </p:extLst>
+  </p:cSld>
+  <p:clrMapOvr>
+    <a:masterClrMapping/>
+  </p:clrMapOvr>
+  <mc:AlternateContent xmlns:mc="http://schemas.openxmlformats.org/markup-compatibility/2006" xmlns:p14="http://schemas.microsoft.com/office/powerpoint/2010/main">
+    <mc:Choice Requires="p14">
+      <p:transition spd="slow" p14:dur="2000"/>
+    </mc:Choice>
+    <mc:Fallback xmlns="">
+      <p:transition xmlns:p14="http://schemas.microsoft.com/office/powerpoint/2010/main" spd="slow"/>
+    </mc:Fallback>
+  </mc:AlternateContent>
+  <p:timing>
+    <p:tnLst>
+      <p:par>
+        <p:cTn id="1" dur="indefinite" restart="never" nodeType="tmRoot"/>
       </p:par>
     </p:tnLst>
   </p:timing>
@@ -5753,7 +6474,7 @@
           <a:p>
             <a:r>
               <a:rPr lang="en-US" dirty="0"/>
-              <a:t>OFA Verbs</a:t>
+              <a:t>Portals</a:t>
             </a:r>
           </a:p>
         </p:txBody>
@@ -5770,8 +6491,8 @@
         </p:nvSpPr>
         <p:spPr>
           <a:xfrm>
-            <a:off x="111204" y="1028701"/>
-            <a:ext cx="8229600" cy="5315815"/>
+            <a:off x="111204" y="1344823"/>
+            <a:ext cx="8229600" cy="3579441"/>
           </a:xfrm>
         </p:spPr>
         <p:txBody>
@@ -5779,66 +6500,39 @@
           <a:lstStyle/>
           <a:p>
             <a:r>
-              <a:rPr lang="en-US" sz="2600" dirty="0"/>
-              <a:t>Based on earlier VIA spec</a:t>
-            </a:r>
-          </a:p>
-          <a:p>
-            <a:r>
-              <a:rPr lang="en-US" sz="2600" dirty="0"/>
-              <a:t>Does not specify API, just </a:t>
-            </a:r>
-            <a:r>
-              <a:rPr lang="en-US" sz="2600" i="1" dirty="0"/>
-              <a:t>Verbs</a:t>
-            </a:r>
-          </a:p>
-          <a:p>
-            <a:r>
-              <a:rPr lang="en-US" sz="2600" dirty="0"/>
-              <a:t>Multiple vendor APIs initially</a:t>
-            </a:r>
-          </a:p>
-          <a:p>
-            <a:r>
-              <a:rPr lang="en-US" sz="2600" dirty="0"/>
-              <a:t>Coalesced into Open-Fabrics Association (OFA)</a:t>
-            </a:r>
-          </a:p>
-          <a:p>
-            <a:r>
-              <a:rPr lang="en-US" sz="2600" dirty="0"/>
-              <a:t>Two-sided and one-sided</a:t>
-            </a:r>
-          </a:p>
-          <a:p>
-            <a:r>
-              <a:rPr lang="en-US" sz="2600" dirty="0"/>
-              <a:t>Always asynchronous</a:t>
-            </a:r>
-          </a:p>
-          <a:p>
-            <a:r>
-              <a:rPr lang="en-US" sz="2600" dirty="0"/>
-              <a:t>Reliable and unreliable</a:t>
-            </a:r>
-          </a:p>
-          <a:p>
-            <a:r>
-              <a:rPr lang="en-US" sz="2600" dirty="0"/>
-              <a:t>Connection and connectionless modes</a:t>
-            </a:r>
-          </a:p>
-          <a:p>
-            <a:r>
-              <a:rPr lang="en-US" sz="2600" dirty="0"/>
-              <a:t>Communication requires registered memory</a:t>
-            </a:r>
-          </a:p>
-          <a:p>
-            <a:r>
-              <a:rPr lang="en-US" sz="2600" dirty="0"/>
-              <a:t>Queue-Pair represents logical connection</a:t>
+              <a:rPr lang="en-US" dirty="0"/>
+              <a:t>One-sided (Put/Get)</a:t>
+            </a:r>
+          </a:p>
+          <a:p>
+            <a:r>
+              <a:rPr lang="en-US" dirty="0"/>
+              <a:t>Uses tags to steer messages to buffers</a:t>
+            </a:r>
+          </a:p>
+          <a:p>
+            <a:r>
+              <a:rPr lang="en-US" dirty="0"/>
+              <a:t>Connectionless</a:t>
+            </a:r>
+          </a:p>
+          <a:p>
+            <a:pPr lvl="1"/>
+            <a:r>
+              <a:rPr lang="en-US" dirty="0"/>
+              <a:t>Underlying NALs maintain necessary connection state</a:t>
+            </a:r>
+          </a:p>
+          <a:p>
+            <a:r>
+              <a:rPr lang="en-US" dirty="0"/>
+              <a:t>Most commonly used on large HPC systems</a:t>
+            </a:r>
+          </a:p>
+          <a:p>
+            <a:r>
+              <a:rPr lang="en-US" dirty="0"/>
+              <a:t>Lustre distributed file system NAL, LNET, was originally based on Portals</a:t>
             </a:r>
           </a:p>
         </p:txBody>
@@ -5846,25 +6540,25 @@
     </p:spTree>
     <p:extLst>
       <p:ext uri="{BB962C8B-B14F-4D97-AF65-F5344CB8AC3E}">
-        <p14:creationId xmlns:p14="http://schemas.microsoft.com/office/powerpoint/2010/main" val="3144136157"/>
+        <p14:creationId xmlns:p14="http://schemas.microsoft.com/office/powerpoint/2010/main" val="3482068955"/>
       </p:ext>
     </p:extLst>
   </p:cSld>
   <p:clrMapOvr>
     <a:masterClrMapping/>
   </p:clrMapOvr>
-  <mc:AlternateContent xmlns:mc="http://schemas.openxmlformats.org/markup-compatibility/2006">
-    <mc:Choice xmlns:p14="http://schemas.microsoft.com/office/powerpoint/2010/main" Requires="p14">
+  <mc:AlternateContent xmlns:mc="http://schemas.openxmlformats.org/markup-compatibility/2006" xmlns:p14="http://schemas.microsoft.com/office/powerpoint/2010/main">
+    <mc:Choice Requires="p14">
       <p:transition spd="slow" p14:dur="2000"/>
     </mc:Choice>
-    <mc:Fallback>
+    <mc:Fallback xmlns="">
       <p:transition xmlns:p14="http://schemas.microsoft.com/office/powerpoint/2010/main" spd="slow"/>
     </mc:Fallback>
   </mc:AlternateContent>
   <p:timing>
     <p:tnLst>
       <p:par>
-        <p:cTn xmlns:p14="http://schemas.microsoft.com/office/powerpoint/2010/main" id="1" dur="indefinite" restart="never" nodeType="tmRoot"/>
+        <p:cTn id="1" dur="indefinite" restart="never" nodeType="tmRoot"/>
       </p:par>
     </p:tnLst>
   </p:timing>
@@ -5910,7 +6604,7 @@
           <a:p>
             <a:r>
               <a:rPr lang="en-US" dirty="0"/>
-              <a:t>Portals</a:t>
+              <a:t>Myricom MX and Qlogic PSM</a:t>
             </a:r>
           </a:p>
         </p:txBody>
@@ -5928,7 +6622,7 @@
         <p:spPr>
           <a:xfrm>
             <a:off x="111204" y="1344823"/>
-            <a:ext cx="8229600" cy="3579441"/>
+            <a:ext cx="8229600" cy="4449423"/>
           </a:xfrm>
         </p:spPr>
         <p:txBody>
@@ -5937,38 +6631,52 @@
           <a:p>
             <a:r>
               <a:rPr lang="en-US" dirty="0"/>
-              <a:t>One-sided (Put/Get)</a:t>
-            </a:r>
-          </a:p>
-          <a:p>
-            <a:r>
-              <a:rPr lang="en-US" dirty="0"/>
-              <a:t>Uses tags to steer messages to buffers</a:t>
-            </a:r>
-          </a:p>
-          <a:p>
-            <a:r>
-              <a:rPr lang="en-US" dirty="0"/>
-              <a:t>Connectionless</a:t>
-            </a:r>
-          </a:p>
-          <a:p>
-            <a:pPr lvl="1"/>
-            <a:r>
-              <a:rPr lang="en-US" dirty="0"/>
-              <a:t>Underlying NALs maintain necessary connection state</a:t>
-            </a:r>
-          </a:p>
-          <a:p>
-            <a:r>
-              <a:rPr lang="en-US" dirty="0"/>
-              <a:t>Most commonly used on large HPC systems</a:t>
-            </a:r>
-          </a:p>
-          <a:p>
-            <a:r>
-              <a:rPr lang="en-US" dirty="0"/>
-              <a:t>Lustre distributed file system NAL, LNET, was originally based on Portals</a:t>
+              <a:t>Similar two-sided, matching API</a:t>
+            </a:r>
+          </a:p>
+          <a:p>
+            <a:pPr lvl="1"/>
+            <a:r>
+              <a:rPr lang="en-US" dirty="0"/>
+              <a:t>Designed to support MPI</a:t>
+            </a:r>
+          </a:p>
+          <a:p>
+            <a:r>
+              <a:rPr lang="en-US" dirty="0"/>
+              <a:t>Eager for small messages</a:t>
+            </a:r>
+          </a:p>
+          <a:p>
+            <a:r>
+              <a:rPr lang="en-US" dirty="0"/>
+              <a:t>Zero-copy, rendezvous for large messages</a:t>
+            </a:r>
+          </a:p>
+          <a:p>
+            <a:r>
+              <a:rPr lang="en-US" dirty="0"/>
+              <a:t>Semi-connectionless</a:t>
+            </a:r>
+          </a:p>
+          <a:p>
+            <a:pPr lvl="1"/>
+            <a:r>
+              <a:rPr lang="en-US" dirty="0"/>
+              <a:t>Target does accept connection requests</a:t>
+            </a:r>
+          </a:p>
+          <a:p>
+            <a:pPr lvl="1"/>
+            <a:r>
+              <a:rPr lang="en-US" dirty="0"/>
+              <a:t>Sender connects before sending</a:t>
+            </a:r>
+          </a:p>
+          <a:p>
+            <a:r>
+              <a:rPr lang="en-US" dirty="0"/>
+              <a:t>Reliable, in-order matching with out-of-order completion (like MPI)</a:t>
             </a:r>
           </a:p>
         </p:txBody>
@@ -5976,25 +6684,25 @@
     </p:spTree>
     <p:extLst>
       <p:ext uri="{BB962C8B-B14F-4D97-AF65-F5344CB8AC3E}">
-        <p14:creationId xmlns:p14="http://schemas.microsoft.com/office/powerpoint/2010/main" val="3482068955"/>
+        <p14:creationId xmlns:p14="http://schemas.microsoft.com/office/powerpoint/2010/main" val="3232013466"/>
       </p:ext>
     </p:extLst>
   </p:cSld>
   <p:clrMapOvr>
     <a:masterClrMapping/>
   </p:clrMapOvr>
-  <mc:AlternateContent xmlns:mc="http://schemas.openxmlformats.org/markup-compatibility/2006">
-    <mc:Choice xmlns:p14="http://schemas.microsoft.com/office/powerpoint/2010/main" Requires="p14">
+  <mc:AlternateContent xmlns:mc="http://schemas.openxmlformats.org/markup-compatibility/2006" xmlns:p14="http://schemas.microsoft.com/office/powerpoint/2010/main">
+    <mc:Choice Requires="p14">
       <p:transition spd="slow" p14:dur="2000"/>
     </mc:Choice>
-    <mc:Fallback>
+    <mc:Fallback xmlns="">
       <p:transition xmlns:p14="http://schemas.microsoft.com/office/powerpoint/2010/main" spd="slow"/>
     </mc:Fallback>
   </mc:AlternateContent>
   <p:timing>
     <p:tnLst>
       <p:par>
-        <p:cTn xmlns:p14="http://schemas.microsoft.com/office/powerpoint/2010/main" id="1" dur="indefinite" restart="never" nodeType="tmRoot"/>
+        <p:cTn id="1" dur="indefinite" restart="never" nodeType="tmRoot"/>
       </p:par>
     </p:tnLst>
   </p:timing>
@@ -6040,150 +6748,6 @@
           <a:p>
             <a:r>
               <a:rPr lang="en-US" dirty="0"/>
-              <a:t>Myricom MX and Qlogic PSM</a:t>
-            </a:r>
-          </a:p>
-        </p:txBody>
-      </p:sp>
-      <p:sp>
-        <p:nvSpPr>
-          <p:cNvPr id="3" name="Content Placeholder 2"/>
-          <p:cNvSpPr>
-            <a:spLocks noGrp="1"/>
-          </p:cNvSpPr>
-          <p:nvPr>
-            <p:ph idx="1"/>
-          </p:nvPr>
-        </p:nvSpPr>
-        <p:spPr>
-          <a:xfrm>
-            <a:off x="111204" y="1344823"/>
-            <a:ext cx="8229600" cy="4449423"/>
-          </a:xfrm>
-        </p:spPr>
-        <p:txBody>
-          <a:bodyPr/>
-          <a:lstStyle/>
-          <a:p>
-            <a:r>
-              <a:rPr lang="en-US" dirty="0"/>
-              <a:t>Similar two-sided, matching API</a:t>
-            </a:r>
-          </a:p>
-          <a:p>
-            <a:pPr lvl="1"/>
-            <a:r>
-              <a:rPr lang="en-US" dirty="0"/>
-              <a:t>Designed to support MPI</a:t>
-            </a:r>
-          </a:p>
-          <a:p>
-            <a:r>
-              <a:rPr lang="en-US" dirty="0"/>
-              <a:t>Eager for small messages</a:t>
-            </a:r>
-          </a:p>
-          <a:p>
-            <a:r>
-              <a:rPr lang="en-US" dirty="0"/>
-              <a:t>Zero-copy, rendezvous for large messages</a:t>
-            </a:r>
-          </a:p>
-          <a:p>
-            <a:r>
-              <a:rPr lang="en-US" dirty="0"/>
-              <a:t>Semi-connectionless</a:t>
-            </a:r>
-          </a:p>
-          <a:p>
-            <a:pPr lvl="1"/>
-            <a:r>
-              <a:rPr lang="en-US" dirty="0"/>
-              <a:t>Target does accept connection requests</a:t>
-            </a:r>
-          </a:p>
-          <a:p>
-            <a:pPr lvl="1"/>
-            <a:r>
-              <a:rPr lang="en-US" dirty="0"/>
-              <a:t>Sender connects before sending</a:t>
-            </a:r>
-          </a:p>
-          <a:p>
-            <a:r>
-              <a:rPr lang="en-US" dirty="0"/>
-              <a:t>Reliable, in-order matching with out-of-order completion (like MPI)</a:t>
-            </a:r>
-          </a:p>
-        </p:txBody>
-      </p:sp>
-    </p:spTree>
-    <p:extLst>
-      <p:ext uri="{BB962C8B-B14F-4D97-AF65-F5344CB8AC3E}">
-        <p14:creationId xmlns:p14="http://schemas.microsoft.com/office/powerpoint/2010/main" val="3232013466"/>
-      </p:ext>
-    </p:extLst>
-  </p:cSld>
-  <p:clrMapOvr>
-    <a:masterClrMapping/>
-  </p:clrMapOvr>
-  <mc:AlternateContent xmlns:mc="http://schemas.openxmlformats.org/markup-compatibility/2006">
-    <mc:Choice xmlns:p14="http://schemas.microsoft.com/office/powerpoint/2010/main" Requires="p14">
-      <p:transition spd="slow" p14:dur="2000"/>
-    </mc:Choice>
-    <mc:Fallback>
-      <p:transition xmlns:p14="http://schemas.microsoft.com/office/powerpoint/2010/main" spd="slow"/>
-    </mc:Fallback>
-  </mc:AlternateContent>
-  <p:timing>
-    <p:tnLst>
-      <p:par>
-        <p:cTn xmlns:p14="http://schemas.microsoft.com/office/powerpoint/2010/main" id="1" dur="indefinite" restart="never" nodeType="tmRoot"/>
-      </p:par>
-    </p:tnLst>
-  </p:timing>
-</p:sld>
-</file>
-
-<file path=ppt/slides/slide29.xml><?xml version="1.0" encoding="utf-8"?>
-<p:sld xmlns:a="http://schemas.openxmlformats.org/drawingml/2006/main" xmlns:r="http://schemas.openxmlformats.org/officeDocument/2006/relationships" xmlns:p="http://schemas.openxmlformats.org/presentationml/2006/main" show="0">
-  <p:cSld>
-    <p:spTree>
-      <p:nvGrpSpPr>
-        <p:cNvPr id="1" name=""/>
-        <p:cNvGrpSpPr/>
-        <p:nvPr/>
-      </p:nvGrpSpPr>
-      <p:grpSpPr>
-        <a:xfrm>
-          <a:off x="0" y="0"/>
-          <a:ext cx="0" cy="0"/>
-          <a:chOff x="0" y="0"/>
-          <a:chExt cx="0" cy="0"/>
-        </a:xfrm>
-      </p:grpSpPr>
-      <p:sp>
-        <p:nvSpPr>
-          <p:cNvPr id="2" name="Title 1"/>
-          <p:cNvSpPr>
-            <a:spLocks noGrp="1"/>
-          </p:cNvSpPr>
-          <p:nvPr>
-            <p:ph type="title"/>
-          </p:nvPr>
-        </p:nvSpPr>
-        <p:spPr>
-          <a:xfrm>
-            <a:off x="111098" y="152400"/>
-            <a:ext cx="8229600" cy="496290"/>
-          </a:xfrm>
-        </p:spPr>
-        <p:txBody>
-          <a:bodyPr/>
-          <a:lstStyle/>
-          <a:p>
-            <a:r>
-              <a:rPr lang="en-US" dirty="0"/>
               <a:t>IBM LAPI and DCMF</a:t>
             </a:r>
           </a:p>
@@ -6256,18 +6820,18 @@
   <p:clrMapOvr>
     <a:masterClrMapping/>
   </p:clrMapOvr>
-  <mc:AlternateContent xmlns:mc="http://schemas.openxmlformats.org/markup-compatibility/2006">
-    <mc:Choice xmlns:p14="http://schemas.microsoft.com/office/powerpoint/2010/main" Requires="p14">
+  <mc:AlternateContent xmlns:mc="http://schemas.openxmlformats.org/markup-compatibility/2006" xmlns:p14="http://schemas.microsoft.com/office/powerpoint/2010/main">
+    <mc:Choice Requires="p14">
       <p:transition spd="slow" p14:dur="2000"/>
     </mc:Choice>
-    <mc:Fallback>
+    <mc:Fallback xmlns="">
       <p:transition xmlns:p14="http://schemas.microsoft.com/office/powerpoint/2010/main" spd="slow"/>
     </mc:Fallback>
   </mc:AlternateContent>
   <p:timing>
     <p:tnLst>
       <p:par>
-        <p:cTn xmlns:p14="http://schemas.microsoft.com/office/powerpoint/2010/main" id="1" dur="indefinite" restart="never" nodeType="tmRoot"/>
+        <p:cTn id="1" dur="indefinite" restart="never" nodeType="tmRoot"/>
       </p:par>
     </p:tnLst>
   </p:timing>
@@ -6301,15 +6865,27 @@
             <p:ph type="title"/>
           </p:nvPr>
         </p:nvSpPr>
-        <p:spPr/>
+        <p:spPr>
+          <a:xfrm>
+            <a:off x="111098" y="152400"/>
+            <a:ext cx="8229600" cy="880369"/>
+          </a:xfrm>
+        </p:spPr>
         <p:txBody>
           <a:bodyPr/>
           <a:lstStyle/>
           <a:p>
             <a:r>
               <a:rPr lang="en-US" dirty="0" smtClean="0"/>
-              <a:t>The problem</a:t>
-            </a:r>
+              <a:t>What if </a:t>
+            </a:r>
+            <a:r>
+              <a:rPr lang="en-US" dirty="0"/>
+              <a:t>you control both sides ?</a:t>
+            </a:r>
+            <a:br>
+              <a:rPr lang="en-US" dirty="0"/>
+            </a:br>
             <a:endParaRPr lang="en-US" dirty="0"/>
           </a:p>
         </p:txBody>
@@ -6332,7 +6908,7 @@
         </p:spPr>
         <p:txBody>
           <a:bodyPr>
-            <a:normAutofit fontScale="92500" lnSpcReduction="10000"/>
+            <a:normAutofit fontScale="92500" lnSpcReduction="20000"/>
           </a:bodyPr>
           <a:lstStyle/>
           <a:p>
@@ -6344,32 +6920,107 @@
               <a:rPr lang="en-US" dirty="0" smtClean="0"/>
               <a:t>developers either:</a:t>
             </a:r>
+          </a:p>
+          <a:p>
+            <a:pPr lvl="1"/>
+            <a:r>
+              <a:rPr lang="en-US" dirty="0" smtClean="0"/>
+              <a:t>Stick with Sockets</a:t>
+            </a:r>
+            <a:r>
+              <a:rPr lang="en-US" dirty="0" smtClean="0"/>
+              <a:t>.</a:t>
+            </a:r>
+          </a:p>
+          <a:p>
+            <a:pPr lvl="2"/>
+            <a:r>
+              <a:rPr lang="en-US" dirty="0"/>
+              <a:t>See substantially less benefit from current generation network </a:t>
+            </a:r>
+            <a:r>
+              <a:rPr lang="en-US" dirty="0" smtClean="0"/>
+              <a:t>technologies.</a:t>
+            </a:r>
             <a:endParaRPr lang="en-US" dirty="0" smtClean="0"/>
           </a:p>
           <a:p>
             <a:pPr lvl="1"/>
             <a:r>
               <a:rPr lang="en-US" dirty="0" smtClean="0"/>
-              <a:t>Stick with Sockets</a:t>
+              <a:t>Lock </a:t>
+            </a:r>
+            <a:r>
+              <a:rPr lang="en-US" dirty="0" smtClean="0"/>
+              <a:t>themselves with a vendor-specific interface</a:t>
             </a:r>
             <a:r>
               <a:rPr lang="en-US" dirty="0" smtClean="0"/>
               <a:t>.</a:t>
             </a:r>
+            <a:endParaRPr lang="en-US" dirty="0" smtClean="0"/>
+          </a:p>
+          <a:p>
+            <a:pPr lvl="1"/>
+            <a:r>
+              <a:rPr lang="en-US" dirty="0" smtClean="0"/>
+              <a:t>Support a number of different interfaces</a:t>
+            </a:r>
+            <a:r>
+              <a:rPr lang="en-US" dirty="0" smtClean="0"/>
+              <a:t>.</a:t>
+            </a:r>
           </a:p>
           <a:p>
             <a:pPr lvl="2"/>
             <a:r>
-              <a:rPr lang="en-US" dirty="0" smtClean="0"/>
-              <a:t>See substantially less benefit from current generation network technologies </a:t>
+              <a:rPr lang="en-US" dirty="0"/>
+              <a:t>Requires deep expertise in multiple low-level network </a:t>
+            </a:r>
+            <a:r>
+              <a:rPr lang="en-US" dirty="0" smtClean="0"/>
+              <a:t>APIs</a:t>
             </a:r>
             <a:endParaRPr lang="en-US" dirty="0" smtClean="0"/>
           </a:p>
           <a:p>
-            <a:pPr lvl="1"/>
-            <a:r>
-              <a:rPr lang="en-US" dirty="0" smtClean="0"/>
-              <a:t>Lock themselves with a vendor-specific interface</a:t>
+            <a:r>
+              <a:rPr lang="en-US" dirty="0" smtClean="0"/>
+              <a:t>Network </a:t>
+            </a:r>
+            <a:r>
+              <a:rPr lang="en-US" dirty="0" smtClean="0"/>
+              <a:t>vendors either:</a:t>
+            </a:r>
+          </a:p>
+          <a:p>
+            <a:pPr lvl="1"/>
+            <a:r>
+              <a:rPr lang="en-US" dirty="0" smtClean="0"/>
+              <a:t>Port Sockets</a:t>
+            </a:r>
+            <a:r>
+              <a:rPr lang="en-US" dirty="0"/>
+              <a:t> </a:t>
+            </a:r>
+            <a:r>
+              <a:rPr lang="en-US" dirty="0" smtClean="0"/>
+              <a:t>on their low-level interface.</a:t>
+            </a:r>
+          </a:p>
+          <a:p>
+            <a:pPr lvl="2"/>
+            <a:r>
+              <a:rPr lang="en-US" dirty="0" smtClean="0"/>
+              <a:t>Limited performance.</a:t>
+            </a:r>
+            <a:endParaRPr lang="en-US" dirty="0" smtClean="0"/>
+          </a:p>
+          <a:p>
+            <a:pPr lvl="1"/>
+            <a:r>
+              <a:rPr lang="en-US" dirty="0" smtClean="0"/>
+              <a:t>Push their interface as the solution</a:t>
             </a:r>
             <a:r>
               <a:rPr lang="en-US" dirty="0" smtClean="0"/>
@@ -6380,7 +7031,7 @@
             <a:pPr lvl="2"/>
             <a:r>
               <a:rPr lang="en-US" dirty="0" smtClean="0"/>
-              <a:t>Hope you like your vendor</a:t>
+              <a:t>Everybody loves a good lock-in.</a:t>
             </a:r>
             <a:endParaRPr lang="en-US" dirty="0" smtClean="0"/>
           </a:p>
@@ -6388,7 +7039,11 @@
             <a:pPr lvl="1"/>
             <a:r>
               <a:rPr lang="en-US" dirty="0" smtClean="0"/>
-              <a:t>Support a number of different interfaces</a:t>
+              <a:t>Support </a:t>
+            </a:r>
+            <a:r>
+              <a:rPr lang="en-US" dirty="0" smtClean="0"/>
+              <a:t>a number of different applications</a:t>
             </a:r>
             <a:r>
               <a:rPr lang="en-US" dirty="0" smtClean="0"/>
@@ -6398,93 +7053,19 @@
           <a:p>
             <a:pPr lvl="2"/>
             <a:r>
-              <a:rPr lang="en-US" dirty="0" smtClean="0"/>
-              <a:t>Requires deep expertise in </a:t>
-            </a:r>
-            <a:r>
-              <a:rPr lang="en-US" dirty="0" smtClean="0"/>
-              <a:t>multiple low-level network APIs</a:t>
-            </a:r>
-            <a:endParaRPr lang="en-US" dirty="0" smtClean="0"/>
-          </a:p>
-          <a:p>
-            <a:r>
-              <a:rPr lang="en-US" dirty="0" smtClean="0"/>
-              <a:t>Network </a:t>
-            </a:r>
-            <a:r>
-              <a:rPr lang="en-US" dirty="0" smtClean="0"/>
-              <a:t>vendors either:</a:t>
-            </a:r>
-            <a:endParaRPr lang="en-US" dirty="0" smtClean="0"/>
-          </a:p>
-          <a:p>
-            <a:pPr lvl="1"/>
-            <a:r>
-              <a:rPr lang="en-US" dirty="0" smtClean="0"/>
-              <a:t>Cut corners to improve Sockets</a:t>
-            </a:r>
-            <a:r>
-              <a:rPr lang="en-US" dirty="0" smtClean="0"/>
-              <a:t>.</a:t>
-            </a:r>
-          </a:p>
-          <a:p>
-            <a:pPr lvl="2"/>
-            <a:r>
-              <a:rPr lang="en-US" dirty="0" smtClean="0"/>
-              <a:t>Adoption still a hurdle. </a:t>
-            </a:r>
-            <a:endParaRPr lang="en-US" dirty="0" smtClean="0"/>
-          </a:p>
-          <a:p>
-            <a:pPr lvl="1"/>
-            <a:r>
-              <a:rPr lang="en-US" dirty="0" smtClean="0"/>
-              <a:t>Push their interface as the </a:t>
-            </a:r>
-            <a:r>
-              <a:rPr lang="en-US" dirty="0" smtClean="0"/>
-              <a:t>solution.</a:t>
-            </a:r>
-          </a:p>
-          <a:p>
-            <a:pPr lvl="2"/>
-            <a:r>
-              <a:rPr lang="en-US" dirty="0" smtClean="0"/>
-              <a:t>Lock in is great when you can get it but </a:t>
-            </a:r>
-            <a:r>
-              <a:rPr lang="en-US" dirty="0"/>
-              <a:t>m</a:t>
-            </a:r>
-            <a:r>
-              <a:rPr lang="en-US" dirty="0" smtClean="0"/>
-              <a:t>arket breadth is often limited. </a:t>
-            </a:r>
-            <a:endParaRPr lang="en-US" dirty="0" smtClean="0"/>
-          </a:p>
-          <a:p>
-            <a:pPr lvl="1"/>
-            <a:r>
-              <a:rPr lang="en-US" dirty="0" smtClean="0"/>
-              <a:t>Support a number of different </a:t>
-            </a:r>
-            <a:r>
-              <a:rPr lang="en-US" dirty="0" smtClean="0"/>
-              <a:t>applications.</a:t>
-            </a:r>
-          </a:p>
-          <a:p>
-            <a:pPr lvl="2"/>
-            <a:r>
-              <a:rPr lang="en-US" dirty="0" smtClean="0"/>
-              <a:t>High support costs relative to potential revenue if application’s market penetration is limited. </a:t>
-            </a:r>
-            <a:endParaRPr lang="en-US" dirty="0" smtClean="0"/>
-          </a:p>
-          <a:p>
-            <a:pPr lvl="2"/>
+              <a:rPr lang="en-US" dirty="0"/>
+              <a:t>High support costs relative to potential </a:t>
+            </a:r>
+            <a:r>
+              <a:rPr lang="en-US" dirty="0" smtClean="0"/>
+              <a:t>revenue for niche applications.</a:t>
+            </a:r>
+          </a:p>
+          <a:p>
+            <a:r>
+              <a:rPr lang="en-US" dirty="0" smtClean="0"/>
+              <a:t>We propose CCI to satisfy both application developers’ and network vendors’ needs.</a:t>
+            </a:r>
             <a:endParaRPr lang="en-US" dirty="0" smtClean="0"/>
           </a:p>
         </p:txBody>
@@ -6532,7 +7113,7 @@
         <p:spPr>
           <a:xfrm>
             <a:off x="111098" y="152400"/>
-            <a:ext cx="8229600" cy="496290"/>
+            <a:ext cx="8229600" cy="487954"/>
           </a:xfrm>
         </p:spPr>
         <p:txBody>
@@ -6540,9 +7121,18 @@
           <a:lstStyle/>
           <a:p>
             <a:r>
-              <a:rPr lang="en-US" dirty="0"/>
-              <a:t>Distributed application needs</a:t>
-            </a:r>
+              <a:rPr lang="en-US" dirty="0" smtClean="0"/>
+              <a:t>CCI </a:t>
+            </a:r>
+            <a:r>
+              <a:rPr lang="en-US" dirty="0"/>
+              <a:t>d</a:t>
+            </a:r>
+            <a:r>
+              <a:rPr lang="en-US" dirty="0" smtClean="0"/>
+              <a:t>esign goals </a:t>
+            </a:r>
+            <a:endParaRPr lang="en-US" dirty="0"/>
           </a:p>
         </p:txBody>
       </p:sp>
@@ -6558,88 +7148,154 @@
         </p:nvSpPr>
         <p:spPr>
           <a:xfrm>
-            <a:off x="137941" y="997244"/>
-            <a:ext cx="8229600" cy="5233227"/>
+            <a:off x="111204" y="1002633"/>
+            <a:ext cx="8229600" cy="5550568"/>
           </a:xfrm>
         </p:spPr>
         <p:txBody>
-          <a:bodyPr/>
+          <a:bodyPr>
+            <a:normAutofit fontScale="92500" lnSpcReduction="10000"/>
+          </a:bodyPr>
           <a:lstStyle/>
           <a:p>
             <a:r>
               <a:rPr lang="en-US" dirty="0"/>
-              <a:t>Dynamic process management</a:t>
-            </a:r>
-          </a:p>
-          <a:p>
-            <a:pPr lvl="1"/>
-            <a:r>
-              <a:rPr lang="en-US" dirty="0"/>
-              <a:t>Peers come and go – not statically known a priori</a:t>
-            </a:r>
-          </a:p>
-          <a:p>
-            <a:r>
-              <a:rPr lang="en-US" dirty="0"/>
-              <a:t>Scalability</a:t>
-            </a:r>
-          </a:p>
-          <a:p>
-            <a:pPr lvl="1"/>
-            <a:r>
-              <a:rPr lang="en-US" dirty="0"/>
-              <a:t>Approaching 10^6 nodes and 10^9 cores</a:t>
-            </a:r>
-          </a:p>
-          <a:p>
-            <a:pPr lvl="1"/>
-            <a:r>
-              <a:rPr lang="en-US" dirty="0"/>
-              <a:t>Time and space cannot grow linearly with number of peers</a:t>
-            </a:r>
-          </a:p>
-          <a:p>
-            <a:r>
-              <a:rPr lang="en-US" dirty="0"/>
-              <a:t>Fault tolerance</a:t>
-            </a:r>
-          </a:p>
-          <a:p>
-            <a:pPr lvl="1"/>
-            <a:r>
-              <a:rPr lang="en-US" dirty="0"/>
-              <a:t>Failures increase with component count</a:t>
-            </a:r>
-          </a:p>
-          <a:p>
-            <a:pPr lvl="1"/>
-            <a:r>
-              <a:rPr lang="en-US" dirty="0"/>
-              <a:t>Need to contain faults to a single peer (i.e. fault isolation</a:t>
-            </a:r>
-            <a:r>
-              <a:rPr lang="en-US" dirty="0" smtClean="0"/>
-              <a:t>)</a:t>
-            </a:r>
-          </a:p>
-          <a:p>
-            <a:r>
-              <a:rPr lang="en-US" dirty="0" smtClean="0"/>
-              <a:t>High performance </a:t>
-            </a:r>
-          </a:p>
-          <a:p>
-            <a:pPr lvl="1"/>
-            <a:r>
-              <a:rPr lang="en-US" dirty="0" smtClean="0"/>
-              <a:t>Low latency </a:t>
-            </a:r>
-          </a:p>
-          <a:p>
-            <a:pPr lvl="1"/>
-            <a:r>
-              <a:rPr lang="en-US" dirty="0" smtClean="0"/>
-              <a:t>High bandwidth </a:t>
+              <a:t>Performance</a:t>
+            </a:r>
+          </a:p>
+          <a:p>
+            <a:pPr lvl="1"/>
+            <a:r>
+              <a:rPr lang="en-US" dirty="0"/>
+              <a:t>Utilize OS-</a:t>
+            </a:r>
+            <a:r>
+              <a:rPr lang="en-US" dirty="0" smtClean="0"/>
+              <a:t>bypass, </a:t>
+            </a:r>
+            <a:r>
+              <a:rPr lang="en-US" dirty="0"/>
+              <a:t>zero-copy, one-sided, asynchronous </a:t>
+            </a:r>
+            <a:r>
+              <a:rPr lang="en-US" dirty="0" smtClean="0"/>
+              <a:t>operations if available.</a:t>
+            </a:r>
+            <a:endParaRPr lang="en-US" dirty="0" smtClean="0"/>
+          </a:p>
+          <a:p>
+            <a:pPr lvl="1"/>
+            <a:r>
+              <a:rPr lang="en-US" dirty="0" smtClean="0"/>
+              <a:t>Performance </a:t>
+            </a:r>
+            <a:r>
+              <a:rPr lang="en-US" dirty="0" smtClean="0"/>
+              <a:t>portable across host-based implementations and high-end offloaded </a:t>
+            </a:r>
+            <a:r>
+              <a:rPr lang="en-US" dirty="0" smtClean="0"/>
+              <a:t>implementations.</a:t>
+            </a:r>
+            <a:endParaRPr lang="en-US" dirty="0"/>
+          </a:p>
+          <a:p>
+            <a:r>
+              <a:rPr lang="en-US" dirty="0"/>
+              <a:t>Portability</a:t>
+            </a:r>
+          </a:p>
+          <a:p>
+            <a:pPr lvl="1"/>
+            <a:r>
+              <a:rPr lang="en-US" dirty="0"/>
+              <a:t>Developers have limited </a:t>
+            </a:r>
+            <a:r>
+              <a:rPr lang="en-US" dirty="0" smtClean="0"/>
+              <a:t>resources.</a:t>
+            </a:r>
+            <a:endParaRPr lang="en-US" dirty="0"/>
+          </a:p>
+          <a:p>
+            <a:pPr lvl="1"/>
+            <a:r>
+              <a:rPr lang="en-US" dirty="0"/>
+              <a:t>Provide common </a:t>
+            </a:r>
+            <a:r>
+              <a:rPr lang="en-US" dirty="0" smtClean="0"/>
+              <a:t>abstraction across a wide-variety of networking </a:t>
+            </a:r>
+            <a:r>
+              <a:rPr lang="en-US" dirty="0" smtClean="0"/>
+              <a:t>technologies.</a:t>
+            </a:r>
+            <a:endParaRPr lang="en-US" dirty="0"/>
+          </a:p>
+          <a:p>
+            <a:pPr lvl="1"/>
+            <a:r>
+              <a:rPr lang="en-US" dirty="0"/>
+              <a:t>Avoid vendor lock-</a:t>
+            </a:r>
+            <a:r>
+              <a:rPr lang="en-US" dirty="0" smtClean="0"/>
+              <a:t>in through a vendor neutral </a:t>
+            </a:r>
+            <a:r>
+              <a:rPr lang="en-US" dirty="0" smtClean="0"/>
+              <a:t>API.</a:t>
+            </a:r>
+            <a:endParaRPr lang="en-US" dirty="0"/>
+          </a:p>
+          <a:p>
+            <a:r>
+              <a:rPr lang="en-US" dirty="0"/>
+              <a:t>Simplicity</a:t>
+            </a:r>
+          </a:p>
+          <a:p>
+            <a:pPr lvl="1"/>
+            <a:r>
+              <a:rPr lang="en-US" dirty="0"/>
+              <a:t>Must not be so complicated that only experts can use </a:t>
+            </a:r>
+            <a:r>
+              <a:rPr lang="en-US" dirty="0" smtClean="0"/>
+              <a:t>it.</a:t>
+            </a:r>
+            <a:endParaRPr lang="en-US" dirty="0"/>
+          </a:p>
+          <a:p>
+            <a:pPr lvl="1"/>
+            <a:r>
+              <a:rPr lang="en-US" dirty="0" smtClean="0"/>
+              <a:t>Provide the </a:t>
+            </a:r>
+            <a:r>
+              <a:rPr lang="en-US" dirty="0"/>
+              <a:t>right balance of </a:t>
+            </a:r>
+            <a:r>
+              <a:rPr lang="en-US" dirty="0" smtClean="0"/>
+              <a:t>functionality without sacrificing </a:t>
+            </a:r>
+            <a:r>
+              <a:rPr lang="en-US" dirty="0" smtClean="0"/>
+              <a:t>simplicity.</a:t>
+            </a:r>
+            <a:endParaRPr lang="en-US" dirty="0"/>
+          </a:p>
+          <a:p>
+            <a:pPr lvl="1"/>
+            <a:r>
+              <a:rPr lang="en-US" dirty="0"/>
+              <a:t>Complexity tends to increase code size and maintenance </a:t>
+            </a:r>
+            <a:r>
+              <a:rPr lang="en-US" dirty="0" smtClean="0"/>
+              <a:t>cost.</a:t>
             </a:r>
             <a:endParaRPr lang="en-US" dirty="0"/>
           </a:p>
@@ -6648,7 +7304,7 @@
     </p:spTree>
     <p:extLst>
       <p:ext uri="{BB962C8B-B14F-4D97-AF65-F5344CB8AC3E}">
-        <p14:creationId xmlns:p14="http://schemas.microsoft.com/office/powerpoint/2010/main" val="698086324"/>
+        <p14:creationId xmlns:p14="http://schemas.microsoft.com/office/powerpoint/2010/main" val="2649674716"/>
       </p:ext>
     </p:extLst>
   </p:cSld>
@@ -6658,7 +7314,7 @@
   <p:timing>
     <p:tnLst>
       <p:par>
-        <p:cTn xmlns:p14="http://schemas.microsoft.com/office/powerpoint/2010/main" id="1" dur="indefinite" restart="never" nodeType="tmRoot"/>
+        <p:cTn id="1" dur="indefinite" restart="never" nodeType="tmRoot"/>
       </p:par>
     </p:tnLst>
   </p:timing>
@@ -6692,10 +7348,33 @@
             <p:ph type="title"/>
           </p:nvPr>
         </p:nvSpPr>
+        <p:spPr/>
+        <p:txBody>
+          <a:bodyPr/>
+          <a:lstStyle/>
+          <a:p>
+            <a:r>
+              <a:rPr lang="en-US" dirty="0" smtClean="0"/>
+              <a:t>CCI design goals</a:t>
+            </a:r>
+            <a:endParaRPr lang="en-US" dirty="0"/>
+          </a:p>
+        </p:txBody>
+      </p:sp>
+      <p:sp>
+        <p:nvSpPr>
+          <p:cNvPr id="3" name="Content Placeholder 2"/>
+          <p:cNvSpPr>
+            <a:spLocks noGrp="1"/>
+          </p:cNvSpPr>
+          <p:nvPr>
+            <p:ph idx="1"/>
+          </p:nvPr>
+        </p:nvSpPr>
         <p:spPr>
           <a:xfrm>
-            <a:off x="111098" y="152400"/>
-            <a:ext cx="8229600" cy="496290"/>
+            <a:off x="111204" y="1125025"/>
+            <a:ext cx="8229600" cy="4557145"/>
           </a:xfrm>
         </p:spPr>
         <p:txBody>
@@ -6704,171 +7383,82 @@
           <a:p>
             <a:r>
               <a:rPr lang="en-US" dirty="0" smtClean="0"/>
-              <a:t>Our goals in building CCI</a:t>
+              <a:t>Scalability</a:t>
+            </a:r>
+          </a:p>
+          <a:p>
+            <a:pPr lvl="1"/>
+            <a:r>
+              <a:rPr lang="en-US" dirty="0"/>
+              <a:t>Dynamic process </a:t>
+            </a:r>
+            <a:r>
+              <a:rPr lang="en-US" dirty="0" smtClean="0"/>
+              <a:t>management: peers </a:t>
+            </a:r>
+            <a:r>
+              <a:rPr lang="en-US" dirty="0"/>
+              <a:t>come and go – not statically known a priori</a:t>
+            </a:r>
+            <a:r>
+              <a:rPr lang="en-US" dirty="0" smtClean="0"/>
+              <a:t>.</a:t>
             </a:r>
             <a:endParaRPr lang="en-US" dirty="0"/>
           </a:p>
-        </p:txBody>
-      </p:sp>
-      <p:sp>
-        <p:nvSpPr>
-          <p:cNvPr id="3" name="Content Placeholder 2"/>
-          <p:cNvSpPr>
-            <a:spLocks noGrp="1"/>
-          </p:cNvSpPr>
-          <p:nvPr>
-            <p:ph idx="1"/>
-          </p:nvPr>
-        </p:nvSpPr>
-        <p:spPr>
-          <a:xfrm>
-            <a:off x="111204" y="1002633"/>
-            <a:ext cx="8229600" cy="5550568"/>
-          </a:xfrm>
-        </p:spPr>
-        <p:txBody>
-          <a:bodyPr>
-            <a:normAutofit fontScale="92500" lnSpcReduction="10000"/>
-          </a:bodyPr>
-          <a:lstStyle/>
-          <a:p>
-            <a:r>
-              <a:rPr lang="en-US" dirty="0"/>
-              <a:t>Performance</a:t>
-            </a:r>
-          </a:p>
-          <a:p>
-            <a:pPr lvl="1"/>
-            <a:r>
-              <a:rPr lang="en-US" dirty="0"/>
-              <a:t>Utilize OS-</a:t>
-            </a:r>
-            <a:r>
-              <a:rPr lang="en-US" dirty="0" smtClean="0"/>
-              <a:t>bypass, </a:t>
-            </a:r>
-            <a:r>
-              <a:rPr lang="en-US" dirty="0"/>
-              <a:t>zero-copy, one-sided, asynchronous </a:t>
-            </a:r>
-            <a:r>
-              <a:rPr lang="en-US" dirty="0" smtClean="0"/>
-              <a:t>operations</a:t>
-            </a:r>
-          </a:p>
-          <a:p>
-            <a:pPr lvl="2"/>
-            <a:r>
-              <a:rPr lang="en-US" dirty="0" smtClean="0"/>
-              <a:t>But don’t require all of this functionality from the underlying hardware to achieve a high-level of performance </a:t>
-            </a:r>
-            <a:endParaRPr lang="en-US" dirty="0" smtClean="0"/>
-          </a:p>
-          <a:p>
-            <a:pPr lvl="1"/>
-            <a:r>
-              <a:rPr lang="en-US" dirty="0" smtClean="0"/>
-              <a:t>Performance portable across host-based implementations and high-end offloaded implementations</a:t>
-            </a:r>
+          <a:p>
+            <a:pPr lvl="1"/>
+            <a:r>
+              <a:rPr lang="en-US" dirty="0"/>
+              <a:t>Approaching 10^6 nodes and 10^9 cores.</a:t>
+            </a:r>
+          </a:p>
+          <a:p>
+            <a:pPr lvl="1"/>
+            <a:r>
+              <a:rPr lang="en-US" dirty="0"/>
+              <a:t>Time (polling) and space (buffer) cannot grow linearly with number of peers</a:t>
+            </a:r>
+            <a:r>
+              <a:rPr lang="en-US" dirty="0" smtClean="0"/>
+              <a:t>.</a:t>
+            </a:r>
+          </a:p>
+          <a:p>
+            <a:r>
+              <a:rPr lang="en-US" dirty="0" smtClean="0"/>
+              <a:t>Robustness</a:t>
+            </a:r>
+          </a:p>
+          <a:p>
+            <a:pPr lvl="1"/>
+            <a:r>
+              <a:rPr lang="en-US" dirty="0"/>
+              <a:t>Failures increase with component count.</a:t>
+            </a:r>
+          </a:p>
+          <a:p>
+            <a:pPr lvl="1"/>
+            <a:r>
+              <a:rPr lang="en-US" dirty="0"/>
+              <a:t>Need to contain faults to a single peer (i.e. fault isolation).</a:t>
+            </a:r>
+          </a:p>
+          <a:p>
             <a:endParaRPr lang="en-US" dirty="0"/>
-          </a:p>
-          <a:p>
-            <a:r>
-              <a:rPr lang="en-US" dirty="0"/>
-              <a:t>Portability</a:t>
-            </a:r>
-          </a:p>
-          <a:p>
-            <a:pPr lvl="1"/>
-            <a:r>
-              <a:rPr lang="en-US" dirty="0"/>
-              <a:t>Developers have limited </a:t>
-            </a:r>
-            <a:r>
-              <a:rPr lang="en-US" dirty="0" smtClean="0"/>
-              <a:t>resources </a:t>
-            </a:r>
-            <a:endParaRPr lang="en-US" dirty="0"/>
-          </a:p>
-          <a:p>
-            <a:pPr lvl="1"/>
-            <a:r>
-              <a:rPr lang="en-US" dirty="0"/>
-              <a:t>Provide common </a:t>
-            </a:r>
-            <a:r>
-              <a:rPr lang="en-US" dirty="0" smtClean="0"/>
-              <a:t>abstraction across a wide-variety of networking technologies </a:t>
-            </a:r>
-            <a:endParaRPr lang="en-US" dirty="0"/>
-          </a:p>
-          <a:p>
-            <a:pPr lvl="1"/>
-            <a:r>
-              <a:rPr lang="en-US" dirty="0"/>
-              <a:t>Avoid vendor lock-</a:t>
-            </a:r>
-            <a:r>
-              <a:rPr lang="en-US" dirty="0" smtClean="0"/>
-              <a:t>in through a vendor neutral API</a:t>
-            </a:r>
-            <a:endParaRPr lang="en-US" dirty="0"/>
-          </a:p>
-          <a:p>
-            <a:r>
-              <a:rPr lang="en-US" dirty="0"/>
-              <a:t>Simplicity</a:t>
-            </a:r>
-          </a:p>
-          <a:p>
-            <a:pPr lvl="1"/>
-            <a:r>
-              <a:rPr lang="en-US" dirty="0"/>
-              <a:t>Must not be so complicated that only experts can use it</a:t>
-            </a:r>
-          </a:p>
-          <a:p>
-            <a:pPr lvl="1"/>
-            <a:r>
-              <a:rPr lang="en-US" dirty="0" smtClean="0"/>
-              <a:t>Provide the </a:t>
-            </a:r>
-            <a:r>
-              <a:rPr lang="en-US" dirty="0"/>
-              <a:t>right balance of </a:t>
-            </a:r>
-            <a:r>
-              <a:rPr lang="en-US" dirty="0" smtClean="0"/>
-              <a:t>functionality without sacrificing simplicity</a:t>
-            </a:r>
-            <a:endParaRPr lang="en-US" dirty="0"/>
-          </a:p>
-          <a:p>
-            <a:pPr lvl="1"/>
-            <a:r>
-              <a:rPr lang="en-US" dirty="0"/>
-              <a:t>Complexity tends to increase code size and maintenance cost</a:t>
-            </a:r>
           </a:p>
         </p:txBody>
       </p:sp>
     </p:spTree>
     <p:extLst>
       <p:ext uri="{BB962C8B-B14F-4D97-AF65-F5344CB8AC3E}">
-        <p14:creationId xmlns:p14="http://schemas.microsoft.com/office/powerpoint/2010/main" val="2649674716"/>
+        <p14:creationId xmlns:p14="http://schemas.microsoft.com/office/powerpoint/2010/main" val="779400986"/>
       </p:ext>
     </p:extLst>
   </p:cSld>
   <p:clrMapOvr>
     <a:masterClrMapping/>
   </p:clrMapOvr>
-  <p:timing>
-    <p:tnLst>
-      <p:par>
-        <p:cTn xmlns:p14="http://schemas.microsoft.com/office/powerpoint/2010/main" id="1" dur="indefinite" restart="never" nodeType="tmRoot"/>
-      </p:par>
-    </p:tnLst>
-  </p:timing>
 </p:sld>
 </file>
 
@@ -6969,7 +7559,7 @@
   <p:timing>
     <p:tnLst>
       <p:par>
-        <p:cTn xmlns:p14="http://schemas.microsoft.com/office/powerpoint/2010/main" id="1" dur="indefinite" restart="never" nodeType="tmRoot"/>
+        <p:cTn id="1" dur="indefinite" restart="never" nodeType="tmRoot"/>
       </p:par>
     </p:tnLst>
   </p:timing>
@@ -7033,11 +7623,13 @@
         <p:spPr>
           <a:xfrm>
             <a:off x="111204" y="1069474"/>
-            <a:ext cx="8229600" cy="5339299"/>
+            <a:ext cx="8229600" cy="5523831"/>
           </a:xfrm>
         </p:spPr>
         <p:txBody>
-          <a:bodyPr/>
+          <a:bodyPr>
+            <a:normAutofit/>
+          </a:bodyPr>
           <a:lstStyle/>
           <a:p>
             <a:r>
@@ -7063,44 +7655,53 @@
             <a:pPr lvl="1"/>
             <a:r>
               <a:rPr lang="en-US" dirty="0"/>
-              <a:t>Implicit buffering</a:t>
-            </a:r>
-          </a:p>
-          <a:p>
-            <a:r>
-              <a:rPr lang="en-US" dirty="0"/>
-              <a:t>Stream and datagram modes</a:t>
-            </a:r>
-          </a:p>
-          <a:p>
-            <a:r>
-              <a:rPr lang="en-US" dirty="0"/>
-              <a:t>Connected and connectionless modes</a:t>
-            </a:r>
-          </a:p>
-          <a:p>
-            <a:r>
-              <a:rPr lang="en-US" dirty="0"/>
-              <a:t>Client/server semantics for connected mode</a:t>
-            </a:r>
-          </a:p>
-          <a:p>
-            <a:r>
-              <a:rPr lang="en-US" dirty="0"/>
-              <a:t>Asynchrony via buffered sends and receives</a:t>
-            </a:r>
-          </a:p>
-          <a:p>
-            <a:pPr lvl="1"/>
-            <a:r>
-              <a:rPr lang="en-US" dirty="0"/>
-              <a:t>Requires more CPU work which lowers throughput</a:t>
-            </a:r>
-          </a:p>
-          <a:p>
-            <a:r>
-              <a:rPr lang="en-US" dirty="0"/>
-              <a:t>SOCK_STREAM inherits TCP performance constraints</a:t>
+              <a:t>Implicit </a:t>
+            </a:r>
+            <a:r>
+              <a:rPr lang="en-US" dirty="0" smtClean="0"/>
+              <a:t>buffering</a:t>
+            </a:r>
+          </a:p>
+          <a:p>
+            <a:pPr lvl="1"/>
+            <a:r>
+              <a:rPr lang="en-US" dirty="0" smtClean="0"/>
+              <a:t>Ubiquitous </a:t>
+            </a:r>
+            <a:endParaRPr lang="en-US" dirty="0"/>
+          </a:p>
+          <a:p>
+            <a:r>
+              <a:rPr lang="en-US" dirty="0" smtClean="0"/>
+              <a:t>Unable to exploit many of the features of current-generation networking technologies </a:t>
+            </a:r>
+          </a:p>
+          <a:p>
+            <a:pPr lvl="1"/>
+            <a:r>
+              <a:rPr lang="en-US" dirty="0" smtClean="0"/>
+              <a:t>Cannot support zero-copy</a:t>
+            </a:r>
+          </a:p>
+          <a:p>
+            <a:pPr lvl="1"/>
+            <a:r>
+              <a:rPr lang="en-US" dirty="0" smtClean="0"/>
+              <a:t>Does not scale</a:t>
+            </a:r>
+          </a:p>
+          <a:p>
+            <a:pPr lvl="2"/>
+            <a:r>
+              <a:rPr lang="en-US" dirty="0" smtClean="0"/>
+              <a:t>In time: linear polling or interrupts.</a:t>
+            </a:r>
+          </a:p>
+          <a:p>
+            <a:pPr lvl="2"/>
+            <a:r>
+              <a:rPr lang="en-US" dirty="0" smtClean="0"/>
+              <a:t>In space: per socket resources.</a:t>
             </a:r>
           </a:p>
         </p:txBody>
@@ -7118,7 +7719,7 @@
   <p:timing>
     <p:tnLst>
       <p:par>
-        <p:cTn xmlns:p14="http://schemas.microsoft.com/office/powerpoint/2010/main" id="1" dur="indefinite" restart="never" nodeType="tmRoot"/>
+        <p:cTn id="1" dur="indefinite" restart="never" nodeType="tmRoot"/>
       </p:par>
     </p:tnLst>
   </p:timing>
@@ -7181,81 +7782,98 @@
         </p:nvSpPr>
         <p:spPr>
           <a:xfrm>
-            <a:off x="111204" y="1096212"/>
-            <a:ext cx="8229600" cy="5442598"/>
+            <a:off x="111204" y="987928"/>
+            <a:ext cx="8229600" cy="4976234"/>
           </a:xfrm>
+          <a:ln>
+            <a:noFill/>
+          </a:ln>
         </p:spPr>
         <p:txBody>
           <a:bodyPr/>
           <a:lstStyle/>
           <a:p>
             <a:r>
-              <a:rPr lang="en-US" sz="2400" dirty="0"/>
-              <a:t>Dominant interface in HPC</a:t>
-            </a:r>
-          </a:p>
-          <a:p>
-            <a:r>
-              <a:rPr lang="en-US" sz="2400" dirty="0"/>
-              <a:t>Provides scalability</a:t>
-            </a:r>
-          </a:p>
-          <a:p>
-            <a:r>
-              <a:rPr lang="en-US" sz="2400" dirty="0"/>
-              <a:t>Rich API (i.e. complicated)</a:t>
-            </a:r>
-          </a:p>
-          <a:p>
-            <a:r>
-              <a:rPr lang="en-US" sz="2400" dirty="0"/>
-              <a:t>Point-to-point, collective, and one-sided</a:t>
-            </a:r>
-          </a:p>
-          <a:p>
-            <a:r>
-              <a:rPr lang="en-US" sz="2400" dirty="0"/>
-              <a:t>Blocking and non-blocking</a:t>
-            </a:r>
-          </a:p>
-          <a:p>
-            <a:r>
-              <a:rPr lang="en-US" sz="2400" dirty="0"/>
-              <a:t>Synchronous, asynchronous, and ready modes</a:t>
-            </a:r>
-          </a:p>
-          <a:p>
-            <a:r>
-              <a:rPr lang="en-US" sz="2400" dirty="0"/>
-              <a:t>Uses communication groups (communicators)</a:t>
-            </a:r>
-          </a:p>
-          <a:p>
-            <a:pPr lvl="1"/>
-            <a:r>
-              <a:rPr lang="en-US" sz="2100" dirty="0"/>
-              <a:t>May include all process or a subset of processes</a:t>
-            </a:r>
-          </a:p>
-          <a:p>
-            <a:r>
-              <a:rPr lang="en-US" sz="2400" dirty="0"/>
-              <a:t>Does provide a notion of dynamic process management</a:t>
-            </a:r>
-          </a:p>
-          <a:p>
-            <a:pPr lvl="1"/>
-            <a:r>
-              <a:rPr lang="en-US" sz="2100" dirty="0"/>
-              <a:t>Accept(), Connect() immature, infrequently provided, and much less used</a:t>
-            </a:r>
-          </a:p>
-          <a:p>
-            <a:pPr lvl="1"/>
-            <a:r>
-              <a:rPr lang="en-US" sz="2100" dirty="0"/>
-              <a:t>Imposes high overhead, not performant</a:t>
-            </a:r>
+              <a:rPr lang="en-US" sz="2400" dirty="0" smtClean="0"/>
+              <a:t>Designed as a bridge between application developers’ and network vendors’ needs in the High Performance Computing market </a:t>
+            </a:r>
+          </a:p>
+          <a:p>
+            <a:pPr lvl="1"/>
+            <a:r>
+              <a:rPr lang="en-US" sz="2000" dirty="0" smtClean="0"/>
+              <a:t>Standardization began nearly two decades  ago </a:t>
+            </a:r>
+            <a:endParaRPr lang="en-US" sz="2000" dirty="0"/>
+          </a:p>
+          <a:p>
+            <a:r>
+              <a:rPr lang="en-US" sz="2400" dirty="0" smtClean="0"/>
+              <a:t>MPI is the de-facto standard in HPC, Why not elsewhere?</a:t>
+            </a:r>
+          </a:p>
+          <a:p>
+            <a:pPr lvl="1"/>
+            <a:r>
+              <a:rPr lang="en-US" sz="2000" dirty="0" smtClean="0"/>
+              <a:t>High level of complexity </a:t>
+            </a:r>
+          </a:p>
+          <a:p>
+            <a:pPr lvl="2"/>
+            <a:r>
+              <a:rPr lang="en-US" dirty="0" smtClean="0"/>
+              <a:t>200+ functions in MPI-1, 300+ in MPI-2</a:t>
+            </a:r>
+          </a:p>
+          <a:p>
+            <a:pPr lvl="1"/>
+            <a:r>
+              <a:rPr lang="en-US" sz="2000" dirty="0" smtClean="0"/>
+              <a:t>Original standard ignored dynamic environments</a:t>
+            </a:r>
+          </a:p>
+          <a:p>
+            <a:pPr lvl="2"/>
+            <a:r>
+              <a:rPr lang="en-US" dirty="0" smtClean="0"/>
+              <a:t>Added later but not widely adopted </a:t>
+            </a:r>
+            <a:endParaRPr lang="en-US" dirty="0"/>
+          </a:p>
+          <a:p>
+            <a:pPr lvl="1"/>
+            <a:r>
+              <a:rPr lang="en-US" sz="2000" dirty="0" smtClean="0"/>
+              <a:t>Rigid </a:t>
+            </a:r>
+            <a:r>
+              <a:rPr lang="en-US" sz="2000" dirty="0"/>
+              <a:t>fault </a:t>
+            </a:r>
+            <a:r>
+              <a:rPr lang="en-US" sz="2000" dirty="0" smtClean="0"/>
+              <a:t>model</a:t>
+            </a:r>
+          </a:p>
+          <a:p>
+            <a:pPr lvl="2"/>
+            <a:r>
+              <a:rPr lang="en-US" dirty="0" smtClean="0"/>
+              <a:t>Common fault case is abort execution of entire distributed application </a:t>
+            </a:r>
+          </a:p>
+          <a:p>
+            <a:pPr lvl="2"/>
+            <a:r>
+              <a:rPr lang="en-US" dirty="0" smtClean="0"/>
+              <a:t>Robust fault tolerance requires use of MPI dynamic process management (see above) </a:t>
+            </a:r>
+            <a:endParaRPr lang="en-US" dirty="0"/>
+          </a:p>
+          <a:p>
+            <a:pPr lvl="1"/>
+            <a:endParaRPr lang="en-US" sz="2100" dirty="0"/>
           </a:p>
         </p:txBody>
       </p:sp>
@@ -7272,7 +7890,7 @@
   <p:timing>
     <p:tnLst>
       <p:par>
-        <p:cTn xmlns:p14="http://schemas.microsoft.com/office/powerpoint/2010/main" id="1" dur="indefinite" restart="never" nodeType="tmRoot"/>
+        <p:cTn id="1" dur="indefinite" restart="never" nodeType="tmRoot"/>
       </p:par>
     </p:tnLst>
   </p:timing>
@@ -7306,20 +7924,16 @@
             <p:ph type="title"/>
           </p:nvPr>
         </p:nvSpPr>
-        <p:spPr>
-          <a:xfrm>
-            <a:off x="111098" y="152400"/>
-            <a:ext cx="8229600" cy="496290"/>
-          </a:xfrm>
-        </p:spPr>
+        <p:spPr/>
         <p:txBody>
           <a:bodyPr/>
           <a:lstStyle/>
           <a:p>
             <a:r>
-              <a:rPr lang="en-US" dirty="0"/>
-              <a:t>MPI</a:t>
-            </a:r>
+              <a:rPr lang="en-US" dirty="0" smtClean="0"/>
+              <a:t>Specialized APIs abound</a:t>
+            </a:r>
+            <a:endParaRPr lang="en-US" dirty="0"/>
           </a:p>
         </p:txBody>
       </p:sp>
@@ -7330,74 +7944,210 @@
             <a:spLocks noGrp="1"/>
           </p:cNvSpPr>
           <p:nvPr>
-            <p:ph idx="1"/>
-          </p:nvPr>
-        </p:nvSpPr>
-        <p:spPr>
-          <a:xfrm>
-            <a:off x="111204" y="1163053"/>
-            <a:ext cx="8229600" cy="5765864"/>
-          </a:xfrm>
-        </p:spPr>
-        <p:txBody>
-          <a:bodyPr/>
+            <p:ph sz="half" idx="1"/>
+          </p:nvPr>
+        </p:nvSpPr>
+        <p:spPr/>
+        <p:txBody>
+          <a:bodyPr>
+            <a:normAutofit fontScale="77500" lnSpcReduction="20000"/>
+          </a:bodyPr>
           <a:lstStyle/>
           <a:p>
             <a:r>
               <a:rPr lang="en-US" dirty="0"/>
-              <a:t>Point-to-point communication use two modes</a:t>
-            </a:r>
-          </a:p>
-          <a:p>
-            <a:pPr lvl="1"/>
-            <a:r>
-              <a:rPr lang="en-US" dirty="0"/>
-              <a:t>Eager and Rendezvous</a:t>
-            </a:r>
-          </a:p>
-          <a:p>
-            <a:r>
-              <a:rPr lang="en-US" dirty="0"/>
-              <a:t>Each MPI switches modes at different sizes depending on the network being used</a:t>
-            </a:r>
-          </a:p>
-          <a:p>
-            <a:pPr lvl="1"/>
-            <a:r>
-              <a:rPr lang="en-US" dirty="0"/>
-              <a:t>May be tunable, but users don’t want to tune</a:t>
-            </a:r>
-          </a:p>
-          <a:p>
-            <a:pPr lvl="1"/>
-            <a:r>
-              <a:rPr lang="en-US" dirty="0"/>
-              <a:t>May lead to buffer overruns or OOM on the receiver</a:t>
-            </a:r>
-          </a:p>
-          <a:p>
-            <a:r>
-              <a:rPr lang="en-US" dirty="0"/>
-              <a:t>Does not specify underlying network protocol</a:t>
-            </a:r>
-          </a:p>
-          <a:p>
-            <a:r>
-              <a:rPr lang="en-US" dirty="0"/>
-              <a:t>Each MPI implements a NAL</a:t>
-            </a:r>
-          </a:p>
-          <a:p>
-            <a:r>
-              <a:rPr lang="en-US" dirty="0"/>
-              <a:t>Less mature than Sockets</a:t>
-            </a:r>
-          </a:p>
-          <a:p>
-            <a:r>
-              <a:rPr lang="en-US" dirty="0"/>
-              <a:t>Well-defined standard (but implementations vary)</a:t>
-            </a:r>
+              <a:t>OFA </a:t>
+            </a:r>
+            <a:r>
+              <a:rPr lang="en-US" dirty="0" smtClean="0"/>
+              <a:t>Verbs </a:t>
+            </a:r>
+          </a:p>
+          <a:p>
+            <a:pPr lvl="1"/>
+            <a:r>
+              <a:rPr lang="en-US" dirty="0" smtClean="0"/>
+              <a:t>High level of complexity, vendor lock-in is a concern</a:t>
+            </a:r>
+            <a:endParaRPr lang="en-US" dirty="0"/>
+          </a:p>
+          <a:p>
+            <a:r>
+              <a:rPr lang="en-US" dirty="0"/>
+              <a:t>Cray/Sandia’s </a:t>
+            </a:r>
+            <a:r>
+              <a:rPr lang="en-US" dirty="0" smtClean="0"/>
+              <a:t>Portals</a:t>
+            </a:r>
+          </a:p>
+          <a:p>
+            <a:pPr lvl="1"/>
+            <a:r>
+              <a:rPr lang="en-US" dirty="0" smtClean="0"/>
+              <a:t>Highly specialized interface targeted towards HPC (MPI, SHMEM, UPC)</a:t>
+            </a:r>
+            <a:endParaRPr lang="en-US" dirty="0"/>
+          </a:p>
+          <a:p>
+            <a:r>
+              <a:rPr lang="en-US" dirty="0"/>
+              <a:t>Qlogics’s </a:t>
+            </a:r>
+            <a:r>
+              <a:rPr lang="en-US" dirty="0" smtClean="0"/>
+              <a:t>PSM</a:t>
+            </a:r>
+          </a:p>
+          <a:p>
+            <a:pPr lvl="1"/>
+            <a:r>
+              <a:rPr lang="en-US" dirty="0" smtClean="0"/>
+              <a:t>Highly specialized interface targeted towards MPI </a:t>
+            </a:r>
+            <a:endParaRPr lang="en-US" dirty="0"/>
+          </a:p>
+          <a:p>
+            <a:r>
+              <a:rPr lang="en-US" dirty="0"/>
+              <a:t>Myricom’s </a:t>
+            </a:r>
+            <a:r>
+              <a:rPr lang="en-US" dirty="0" smtClean="0"/>
+              <a:t>MX</a:t>
+            </a:r>
+          </a:p>
+          <a:p>
+            <a:pPr lvl="1"/>
+            <a:r>
+              <a:rPr lang="en-US" dirty="0"/>
+              <a:t>Highly specialized interface targeted towards MPI </a:t>
+            </a:r>
+            <a:endParaRPr lang="en-US" dirty="0" smtClean="0"/>
+          </a:p>
+          <a:p>
+            <a:r>
+              <a:rPr lang="en-US" dirty="0"/>
+              <a:t>IBM’s LAPI and DCMF</a:t>
+            </a:r>
+          </a:p>
+          <a:p>
+            <a:pPr lvl="1"/>
+            <a:r>
+              <a:rPr lang="en-US" dirty="0"/>
+              <a:t>Limited support outside of IBM network </a:t>
+            </a:r>
+            <a:r>
+              <a:rPr lang="en-US" dirty="0" smtClean="0"/>
+              <a:t>technologies</a:t>
+            </a:r>
+            <a:endParaRPr lang="en-US" dirty="0"/>
+          </a:p>
+        </p:txBody>
+      </p:sp>
+      <p:sp>
+        <p:nvSpPr>
+          <p:cNvPr id="6" name="Content Placeholder 5"/>
+          <p:cNvSpPr>
+            <a:spLocks noGrp="1"/>
+          </p:cNvSpPr>
+          <p:nvPr>
+            <p:ph sz="half" idx="2"/>
+          </p:nvPr>
+        </p:nvSpPr>
+        <p:spPr/>
+        <p:txBody>
+          <a:bodyPr>
+            <a:normAutofit fontScale="77500" lnSpcReduction="20000"/>
+          </a:bodyPr>
+          <a:lstStyle/>
+          <a:p>
+            <a:r>
+              <a:rPr lang="en-US" dirty="0"/>
+              <a:t>DAPL</a:t>
+            </a:r>
+          </a:p>
+          <a:p>
+            <a:pPr lvl="1"/>
+            <a:r>
+              <a:rPr lang="en-US" dirty="0"/>
+              <a:t>Limited support outside of </a:t>
+            </a:r>
+            <a:r>
+              <a:rPr lang="en-US" dirty="0" err="1"/>
+              <a:t>iWARP</a:t>
+            </a:r>
+            <a:r>
+              <a:rPr lang="en-US" dirty="0"/>
+              <a:t> capable devices </a:t>
+            </a:r>
+          </a:p>
+          <a:p>
+            <a:r>
+              <a:rPr lang="en-US" dirty="0" smtClean="0"/>
+              <a:t>LBL’s </a:t>
+            </a:r>
+            <a:r>
+              <a:rPr lang="en-US" dirty="0" err="1"/>
+              <a:t>GASnet</a:t>
+            </a:r>
+            <a:endParaRPr lang="en-US" dirty="0"/>
+          </a:p>
+          <a:p>
+            <a:pPr lvl="1"/>
+            <a:r>
+              <a:rPr lang="en-US" dirty="0"/>
+              <a:t>Designed specifically for the needs of UPC</a:t>
+            </a:r>
+          </a:p>
+          <a:p>
+            <a:r>
+              <a:rPr lang="en-US" dirty="0" smtClean="0"/>
+              <a:t>ARMCI</a:t>
+            </a:r>
+            <a:endParaRPr lang="en-US" dirty="0"/>
+          </a:p>
+          <a:p>
+            <a:pPr lvl="1"/>
+            <a:r>
+              <a:rPr lang="en-US" dirty="0"/>
+              <a:t>Designed specifically for the needs of Global Arrays</a:t>
+            </a:r>
+          </a:p>
+          <a:p>
+            <a:r>
+              <a:rPr lang="en-US" dirty="0"/>
+              <a:t>LNET</a:t>
+            </a:r>
+          </a:p>
+          <a:p>
+            <a:pPr lvl="1"/>
+            <a:r>
+              <a:rPr lang="en-US" dirty="0"/>
+              <a:t> Designed specifically for the needs of </a:t>
+            </a:r>
+            <a:r>
+              <a:rPr lang="en-US" dirty="0" err="1"/>
+              <a:t>Lustre</a:t>
+            </a:r>
+            <a:r>
+              <a:rPr lang="en-US" dirty="0" smtClean="0"/>
+              <a:t>.</a:t>
+            </a:r>
+          </a:p>
+          <a:p>
+            <a:r>
+              <a:rPr lang="en-US" dirty="0" smtClean="0"/>
+              <a:t>BMI</a:t>
+            </a:r>
+          </a:p>
+          <a:p>
+            <a:pPr lvl="1"/>
+            <a:r>
+              <a:rPr lang="en-US" dirty="0" smtClean="0"/>
+              <a:t>Designed specifically for the needs of PVFS</a:t>
+            </a:r>
+            <a:endParaRPr lang="en-US" dirty="0"/>
           </a:p>
           <a:p>
             <a:endParaRPr lang="en-US" dirty="0"/>
@@ -7407,7 +8157,7 @@
     </p:spTree>
     <p:extLst>
       <p:ext uri="{BB962C8B-B14F-4D97-AF65-F5344CB8AC3E}">
-        <p14:creationId xmlns:p14="http://schemas.microsoft.com/office/powerpoint/2010/main" val="3082596601"/>
+        <p14:creationId xmlns:p14="http://schemas.microsoft.com/office/powerpoint/2010/main" val="3718705044"/>
       </p:ext>
     </p:extLst>
   </p:cSld>
@@ -7417,7 +8167,7 @@
   <p:timing>
     <p:tnLst>
       <p:par>
-        <p:cTn xmlns:p14="http://schemas.microsoft.com/office/powerpoint/2010/main" id="1" dur="indefinite" restart="never" nodeType="tmRoot"/>
+        <p:cTn id="1" dur="indefinite" restart="never" nodeType="tmRoot"/>
       </p:par>
     </p:tnLst>
   </p:timing>

--- a/slides/HotI-2011/2011-HotI-CCI-OLCF.pptx
+++ b/slides/HotI-2011/2011-HotI-CCI-OLCF.pptx
@@ -5,40 +5,41 @@
     <p:sldMasterId id="2147483915" r:id="rId1"/>
   </p:sldMasterIdLst>
   <p:notesMasterIdLst>
-    <p:notesMasterId r:id="rId30"/>
+    <p:notesMasterId r:id="rId31"/>
   </p:notesMasterIdLst>
   <p:handoutMasterIdLst>
-    <p:handoutMasterId r:id="rId31"/>
+    <p:handoutMasterId r:id="rId32"/>
   </p:handoutMasterIdLst>
   <p:sldIdLst>
     <p:sldId id="275" r:id="rId2"/>
-    <p:sldId id="303" r:id="rId3"/>
-    <p:sldId id="304" r:id="rId4"/>
-    <p:sldId id="301" r:id="rId5"/>
-    <p:sldId id="306" r:id="rId6"/>
-    <p:sldId id="279" r:id="rId7"/>
-    <p:sldId id="280" r:id="rId8"/>
-    <p:sldId id="281" r:id="rId9"/>
-    <p:sldId id="284" r:id="rId10"/>
-    <p:sldId id="307" r:id="rId11"/>
-    <p:sldId id="289" r:id="rId12"/>
-    <p:sldId id="290" r:id="rId13"/>
-    <p:sldId id="291" r:id="rId14"/>
-    <p:sldId id="292" r:id="rId15"/>
-    <p:sldId id="293" r:id="rId16"/>
-    <p:sldId id="294" r:id="rId17"/>
-    <p:sldId id="295" r:id="rId18"/>
-    <p:sldId id="296" r:id="rId19"/>
-    <p:sldId id="297" r:id="rId20"/>
-    <p:sldId id="298" r:id="rId21"/>
-    <p:sldId id="299" r:id="rId22"/>
-    <p:sldId id="305" r:id="rId23"/>
-    <p:sldId id="276" r:id="rId24"/>
-    <p:sldId id="302" r:id="rId25"/>
-    <p:sldId id="285" r:id="rId26"/>
-    <p:sldId id="286" r:id="rId27"/>
-    <p:sldId id="287" r:id="rId28"/>
-    <p:sldId id="288" r:id="rId29"/>
+    <p:sldId id="308" r:id="rId3"/>
+    <p:sldId id="303" r:id="rId4"/>
+    <p:sldId id="304" r:id="rId5"/>
+    <p:sldId id="301" r:id="rId6"/>
+    <p:sldId id="306" r:id="rId7"/>
+    <p:sldId id="279" r:id="rId8"/>
+    <p:sldId id="280" r:id="rId9"/>
+    <p:sldId id="281" r:id="rId10"/>
+    <p:sldId id="284" r:id="rId11"/>
+    <p:sldId id="307" r:id="rId12"/>
+    <p:sldId id="289" r:id="rId13"/>
+    <p:sldId id="290" r:id="rId14"/>
+    <p:sldId id="291" r:id="rId15"/>
+    <p:sldId id="292" r:id="rId16"/>
+    <p:sldId id="293" r:id="rId17"/>
+    <p:sldId id="294" r:id="rId18"/>
+    <p:sldId id="295" r:id="rId19"/>
+    <p:sldId id="296" r:id="rId20"/>
+    <p:sldId id="297" r:id="rId21"/>
+    <p:sldId id="298" r:id="rId22"/>
+    <p:sldId id="299" r:id="rId23"/>
+    <p:sldId id="305" r:id="rId24"/>
+    <p:sldId id="276" r:id="rId25"/>
+    <p:sldId id="302" r:id="rId26"/>
+    <p:sldId id="285" r:id="rId27"/>
+    <p:sldId id="286" r:id="rId28"/>
+    <p:sldId id="287" r:id="rId29"/>
+    <p:sldId id="288" r:id="rId30"/>
   </p:sldIdLst>
   <p:sldSz cx="9144000" cy="6858000" type="screen4x3"/>
   <p:notesSz cx="7010400" cy="9296400"/>
@@ -252,7 +253,7 @@
           <a:p>
             <a:fld id="{5290C00C-D5EF-1542-A8A4-E1D7EA8D797B}" type="datetimeFigureOut">
               <a:rPr lang="en-US" smtClean="0"/>
-              <a:t>8/23/2011</a:t>
+              <a:t>8/24/11</a:t>
             </a:fld>
             <a:endParaRPr lang="en-US" dirty="0"/>
           </a:p>
@@ -418,7 +419,7 @@
             <a:fld id="{1507BF42-67CC-4FB8-9955-9A9591B56F2B}" type="datetimeFigureOut">
               <a:rPr lang="en-US" smtClean="0"/>
               <a:pPr/>
-              <a:t>8/23/2011</a:t>
+              <a:t>8/24/11</a:t>
             </a:fld>
             <a:endParaRPr lang="en-US" dirty="0"/>
           </a:p>
@@ -776,7 +777,7 @@
             <a:fld id="{A3588623-9414-4A4F-B728-DDF491331B9F}" type="slidenum">
               <a:rPr lang="en-US" smtClean="0"/>
               <a:pPr/>
-              <a:t>2</a:t>
+              <a:t>3</a:t>
             </a:fld>
             <a:endParaRPr lang="en-US" dirty="0"/>
           </a:p>
@@ -861,7 +862,7 @@
             <a:fld id="{A3588623-9414-4A4F-B728-DDF491331B9F}" type="slidenum">
               <a:rPr lang="en-US" smtClean="0"/>
               <a:pPr/>
-              <a:t>3</a:t>
+              <a:t>4</a:t>
             </a:fld>
             <a:endParaRPr lang="en-US" dirty="0"/>
           </a:p>
@@ -954,7 +955,7 @@
             <a:fld id="{A3588623-9414-4A4F-B728-DDF491331B9F}" type="slidenum">
               <a:rPr lang="en-US" smtClean="0"/>
               <a:pPr/>
-              <a:t>6</a:t>
+              <a:t>7</a:t>
             </a:fld>
             <a:endParaRPr lang="en-US" dirty="0"/>
           </a:p>
@@ -1057,7 +1058,7 @@
             <a:fld id="{A3588623-9414-4A4F-B728-DDF491331B9F}" type="slidenum">
               <a:rPr lang="en-US" smtClean="0"/>
               <a:pPr/>
-              <a:t>7</a:t>
+              <a:t>8</a:t>
             </a:fld>
             <a:endParaRPr lang="en-US" dirty="0"/>
           </a:p>
@@ -1175,7 +1176,7 @@
             <a:fld id="{A3588623-9414-4A4F-B728-DDF491331B9F}" type="slidenum">
               <a:rPr lang="en-US" smtClean="0"/>
               <a:pPr/>
-              <a:t>8</a:t>
+              <a:t>9</a:t>
             </a:fld>
             <a:endParaRPr lang="en-US" dirty="0"/>
           </a:p>
@@ -1260,7 +1261,7 @@
             <a:fld id="{A3588623-9414-4A4F-B728-DDF491331B9F}" type="slidenum">
               <a:rPr lang="en-US" smtClean="0"/>
               <a:pPr/>
-              <a:t>15</a:t>
+              <a:t>16</a:t>
             </a:fld>
             <a:endParaRPr lang="en-US" dirty="0"/>
           </a:p>
@@ -3390,7 +3391,7 @@
   <p:timing>
     <p:tnLst>
       <p:par>
-        <p:cTn id="1" dur="indefinite" restart="never" nodeType="tmRoot"/>
+        <p:cTn xmlns:p14="http://schemas.microsoft.com/office/powerpoint/2010/main" id="1" dur="indefinite" restart="never" nodeType="tmRoot"/>
       </p:par>
     </p:tnLst>
   </p:timing>
@@ -3416,6 +3417,283 @@
       </p:grpSpPr>
       <p:sp>
         <p:nvSpPr>
+          <p:cNvPr id="2" name="Title 1"/>
+          <p:cNvSpPr>
+            <a:spLocks noGrp="1"/>
+          </p:cNvSpPr>
+          <p:nvPr>
+            <p:ph type="title"/>
+          </p:nvPr>
+        </p:nvSpPr>
+        <p:spPr/>
+        <p:txBody>
+          <a:bodyPr/>
+          <a:lstStyle/>
+          <a:p>
+            <a:r>
+              <a:rPr lang="en-US" dirty="0" smtClean="0"/>
+              <a:t>Specialized APIs abound</a:t>
+            </a:r>
+            <a:endParaRPr lang="en-US" dirty="0"/>
+          </a:p>
+        </p:txBody>
+      </p:sp>
+      <p:sp>
+        <p:nvSpPr>
+          <p:cNvPr id="3" name="Content Placeholder 2"/>
+          <p:cNvSpPr>
+            <a:spLocks noGrp="1"/>
+          </p:cNvSpPr>
+          <p:nvPr>
+            <p:ph sz="half" idx="1"/>
+          </p:nvPr>
+        </p:nvSpPr>
+        <p:spPr/>
+        <p:txBody>
+          <a:bodyPr>
+            <a:normAutofit fontScale="77500" lnSpcReduction="20000"/>
+          </a:bodyPr>
+          <a:lstStyle/>
+          <a:p>
+            <a:r>
+              <a:rPr lang="en-US" dirty="0"/>
+              <a:t>OFA </a:t>
+            </a:r>
+            <a:r>
+              <a:rPr lang="en-US" dirty="0" smtClean="0"/>
+              <a:t>Verbs </a:t>
+            </a:r>
+          </a:p>
+          <a:p>
+            <a:pPr lvl="1"/>
+            <a:r>
+              <a:rPr lang="en-US" dirty="0" smtClean="0"/>
+              <a:t>High level of complexity, vendor lock-in is a concern</a:t>
+            </a:r>
+            <a:endParaRPr lang="en-US" dirty="0"/>
+          </a:p>
+          <a:p>
+            <a:r>
+              <a:rPr lang="en-US" dirty="0"/>
+              <a:t>Cray/Sandia’s </a:t>
+            </a:r>
+            <a:r>
+              <a:rPr lang="en-US" dirty="0" smtClean="0"/>
+              <a:t>Portals</a:t>
+            </a:r>
+          </a:p>
+          <a:p>
+            <a:pPr lvl="1"/>
+            <a:r>
+              <a:rPr lang="en-US" dirty="0" smtClean="0"/>
+              <a:t>Highly specialized interface targeted towards HPC (MPI, SHMEM, UPC)</a:t>
+            </a:r>
+            <a:endParaRPr lang="en-US" dirty="0"/>
+          </a:p>
+          <a:p>
+            <a:r>
+              <a:rPr lang="en-US" dirty="0"/>
+              <a:t>Qlogics’s </a:t>
+            </a:r>
+            <a:r>
+              <a:rPr lang="en-US" dirty="0" smtClean="0"/>
+              <a:t>PSM</a:t>
+            </a:r>
+          </a:p>
+          <a:p>
+            <a:pPr lvl="1"/>
+            <a:r>
+              <a:rPr lang="en-US" dirty="0" smtClean="0"/>
+              <a:t>Highly specialized interface targeted towards MPI </a:t>
+            </a:r>
+            <a:endParaRPr lang="en-US" dirty="0"/>
+          </a:p>
+          <a:p>
+            <a:r>
+              <a:rPr lang="en-US" dirty="0"/>
+              <a:t>Myricom’s </a:t>
+            </a:r>
+            <a:r>
+              <a:rPr lang="en-US" dirty="0" smtClean="0"/>
+              <a:t>MX</a:t>
+            </a:r>
+          </a:p>
+          <a:p>
+            <a:pPr lvl="1"/>
+            <a:r>
+              <a:rPr lang="en-US" dirty="0"/>
+              <a:t>Highly specialized interface targeted towards MPI </a:t>
+            </a:r>
+            <a:endParaRPr lang="en-US" dirty="0" smtClean="0"/>
+          </a:p>
+          <a:p>
+            <a:r>
+              <a:rPr lang="en-US" dirty="0"/>
+              <a:t>IBM’s LAPI and DCMF</a:t>
+            </a:r>
+          </a:p>
+          <a:p>
+            <a:pPr lvl="1"/>
+            <a:r>
+              <a:rPr lang="en-US" dirty="0"/>
+              <a:t>Limited support outside of IBM network </a:t>
+            </a:r>
+            <a:r>
+              <a:rPr lang="en-US" dirty="0" smtClean="0"/>
+              <a:t>technologies</a:t>
+            </a:r>
+            <a:endParaRPr lang="en-US" dirty="0"/>
+          </a:p>
+        </p:txBody>
+      </p:sp>
+      <p:sp>
+        <p:nvSpPr>
+          <p:cNvPr id="6" name="Content Placeholder 5"/>
+          <p:cNvSpPr>
+            <a:spLocks noGrp="1"/>
+          </p:cNvSpPr>
+          <p:nvPr>
+            <p:ph sz="half" idx="2"/>
+          </p:nvPr>
+        </p:nvSpPr>
+        <p:spPr/>
+        <p:txBody>
+          <a:bodyPr>
+            <a:normAutofit fontScale="77500" lnSpcReduction="20000"/>
+          </a:bodyPr>
+          <a:lstStyle/>
+          <a:p>
+            <a:r>
+              <a:rPr lang="en-US" dirty="0"/>
+              <a:t>DAPL</a:t>
+            </a:r>
+          </a:p>
+          <a:p>
+            <a:pPr lvl="1"/>
+            <a:r>
+              <a:rPr lang="en-US" dirty="0"/>
+              <a:t>Limited support outside of </a:t>
+            </a:r>
+            <a:r>
+              <a:rPr lang="en-US" dirty="0" err="1"/>
+              <a:t>iWARP</a:t>
+            </a:r>
+            <a:r>
+              <a:rPr lang="en-US" dirty="0"/>
+              <a:t> capable devices </a:t>
+            </a:r>
+          </a:p>
+          <a:p>
+            <a:r>
+              <a:rPr lang="en-US" dirty="0" smtClean="0"/>
+              <a:t>LBL’s </a:t>
+            </a:r>
+            <a:r>
+              <a:rPr lang="en-US" dirty="0" err="1"/>
+              <a:t>GASnet</a:t>
+            </a:r>
+            <a:endParaRPr lang="en-US" dirty="0"/>
+          </a:p>
+          <a:p>
+            <a:pPr lvl="1"/>
+            <a:r>
+              <a:rPr lang="en-US" dirty="0"/>
+              <a:t>Designed specifically for the needs of UPC</a:t>
+            </a:r>
+          </a:p>
+          <a:p>
+            <a:r>
+              <a:rPr lang="en-US" dirty="0" smtClean="0"/>
+              <a:t>ARMCI</a:t>
+            </a:r>
+            <a:endParaRPr lang="en-US" dirty="0"/>
+          </a:p>
+          <a:p>
+            <a:pPr lvl="1"/>
+            <a:r>
+              <a:rPr lang="en-US" dirty="0"/>
+              <a:t>Designed specifically for the needs of Global Arrays</a:t>
+            </a:r>
+          </a:p>
+          <a:p>
+            <a:r>
+              <a:rPr lang="en-US" dirty="0"/>
+              <a:t>LNET</a:t>
+            </a:r>
+          </a:p>
+          <a:p>
+            <a:pPr lvl="1"/>
+            <a:r>
+              <a:rPr lang="en-US" dirty="0"/>
+              <a:t> Designed specifically for the needs of </a:t>
+            </a:r>
+            <a:r>
+              <a:rPr lang="en-US" dirty="0" err="1"/>
+              <a:t>Lustre</a:t>
+            </a:r>
+            <a:r>
+              <a:rPr lang="en-US" dirty="0" smtClean="0"/>
+              <a:t>.</a:t>
+            </a:r>
+          </a:p>
+          <a:p>
+            <a:r>
+              <a:rPr lang="en-US" dirty="0" smtClean="0"/>
+              <a:t>BMI</a:t>
+            </a:r>
+          </a:p>
+          <a:p>
+            <a:pPr lvl="1"/>
+            <a:r>
+              <a:rPr lang="en-US" dirty="0" smtClean="0"/>
+              <a:t>Designed specifically for the needs of PVFS</a:t>
+            </a:r>
+            <a:endParaRPr lang="en-US" dirty="0"/>
+          </a:p>
+          <a:p>
+            <a:endParaRPr lang="en-US" dirty="0"/>
+          </a:p>
+        </p:txBody>
+      </p:sp>
+    </p:spTree>
+    <p:extLst>
+      <p:ext uri="{BB962C8B-B14F-4D97-AF65-F5344CB8AC3E}">
+        <p14:creationId xmlns:p14="http://schemas.microsoft.com/office/powerpoint/2010/main" val="3718705044"/>
+      </p:ext>
+    </p:extLst>
+  </p:cSld>
+  <p:clrMapOvr>
+    <a:masterClrMapping/>
+  </p:clrMapOvr>
+  <p:timing>
+    <p:tnLst>
+      <p:par>
+        <p:cTn xmlns:p14="http://schemas.microsoft.com/office/powerpoint/2010/main" id="1" dur="indefinite" restart="never" nodeType="tmRoot"/>
+      </p:par>
+    </p:tnLst>
+  </p:timing>
+</p:sld>
+</file>
+
+<file path=ppt/slides/slide11.xml><?xml version="1.0" encoding="utf-8"?>
+<p:sld xmlns:a="http://schemas.openxmlformats.org/drawingml/2006/main" xmlns:r="http://schemas.openxmlformats.org/officeDocument/2006/relationships" xmlns:p="http://schemas.openxmlformats.org/presentationml/2006/main">
+  <p:cSld>
+    <p:spTree>
+      <p:nvGrpSpPr>
+        <p:cNvPr id="1" name=""/>
+        <p:cNvGrpSpPr/>
+        <p:nvPr/>
+      </p:nvGrpSpPr>
+      <p:grpSpPr>
+        <a:xfrm>
+          <a:off x="0" y="0"/>
+          <a:ext cx="0" cy="0"/>
+          <a:chOff x="0" y="0"/>
+          <a:chExt cx="0" cy="0"/>
+        </a:xfrm>
+      </p:grpSpPr>
+      <p:sp>
+        <p:nvSpPr>
           <p:cNvPr id="5" name="Title 4"/>
           <p:cNvSpPr>
             <a:spLocks noGrp="1"/>
@@ -3447,7 +3725,7 @@
             <p:ph idx="1"/>
             <p:extLst>
               <p:ext uri="{D42A27DB-BD31-4B8C-83A1-F6EECF244321}">
-                <p14:modId xmlns:p14="http://schemas.microsoft.com/office/powerpoint/2010/main" val="3262916749"/>
+                <p14:modId xmlns:p14="http://schemas.microsoft.com/office/powerpoint/2010/main" val="1671221087"/>
               </p:ext>
             </p:extLst>
           </p:nvPr>
@@ -3514,7 +3792,15 @@
                     <a:p>
                       <a:r>
                         <a:rPr lang="en-US" dirty="0" smtClean="0"/>
-                        <a:t>Vendor APIs</a:t>
+                        <a:t>Specialized</a:t>
+                      </a:r>
+                      <a:r>
+                        <a:rPr lang="en-US" baseline="0" dirty="0" smtClean="0"/>
+                        <a:t> </a:t>
+                      </a:r>
+                      <a:r>
+                        <a:rPr lang="en-US" dirty="0" smtClean="0"/>
+                        <a:t>APIs</a:t>
                       </a:r>
                       <a:endParaRPr lang="en-US" dirty="0"/>
                     </a:p>
@@ -3844,7 +4130,7 @@
 </p:sld>
 </file>
 
-<file path=ppt/slides/slide11.xml><?xml version="1.0" encoding="utf-8"?>
+<file path=ppt/slides/slide12.xml><?xml version="1.0" encoding="utf-8"?>
 <p:sld xmlns:a="http://schemas.openxmlformats.org/drawingml/2006/main" xmlns:r="http://schemas.openxmlformats.org/officeDocument/2006/relationships" xmlns:p="http://schemas.openxmlformats.org/presentationml/2006/main">
   <p:cSld>
     <p:spTree>
@@ -3946,7 +4232,7 @@
       </p:sp>
       <p:pic>
         <p:nvPicPr>
-          <p:cNvPr id="4" name="Picture 3" descr="cci_2_nodes.pdf"/>
+          <p:cNvPr id="5" name="Picture 4" descr="cci_2_nodes.pdf"/>
           <p:cNvPicPr>
             <a:picLocks noChangeAspect="1"/>
           </p:cNvPicPr>
@@ -3966,8 +4252,8 @@
         </p:blipFill>
         <p:spPr>
           <a:xfrm>
-            <a:off x="3672210" y="1460500"/>
-            <a:ext cx="5293990" cy="4508500"/>
+            <a:off x="3785423" y="1328533"/>
+            <a:ext cx="4900148" cy="4156198"/>
           </a:xfrm>
           <a:prstGeom prst="rect">
             <a:avLst/>
@@ -3987,156 +4273,7 @@
   <p:timing>
     <p:tnLst>
       <p:par>
-        <p:cTn id="1" dur="indefinite" restart="never" nodeType="tmRoot"/>
-      </p:par>
-    </p:tnLst>
-  </p:timing>
-</p:sld>
-</file>
-
-<file path=ppt/slides/slide12.xml><?xml version="1.0" encoding="utf-8"?>
-<p:sld xmlns:a="http://schemas.openxmlformats.org/drawingml/2006/main" xmlns:r="http://schemas.openxmlformats.org/officeDocument/2006/relationships" xmlns:p="http://schemas.openxmlformats.org/presentationml/2006/main">
-  <p:cSld>
-    <p:spTree>
-      <p:nvGrpSpPr>
-        <p:cNvPr id="1" name=""/>
-        <p:cNvGrpSpPr/>
-        <p:nvPr/>
-      </p:nvGrpSpPr>
-      <p:grpSpPr>
-        <a:xfrm>
-          <a:off x="0" y="0"/>
-          <a:ext cx="0" cy="0"/>
-          <a:chOff x="0" y="0"/>
-          <a:chExt cx="0" cy="0"/>
-        </a:xfrm>
-      </p:grpSpPr>
-      <p:sp>
-        <p:nvSpPr>
-          <p:cNvPr id="2" name="Title 1"/>
-          <p:cNvSpPr>
-            <a:spLocks noGrp="1"/>
-          </p:cNvSpPr>
-          <p:nvPr>
-            <p:ph type="title"/>
-          </p:nvPr>
-        </p:nvSpPr>
-        <p:spPr>
-          <a:xfrm>
-            <a:off x="111098" y="152400"/>
-            <a:ext cx="8229600" cy="496290"/>
-          </a:xfrm>
-        </p:spPr>
-        <p:txBody>
-          <a:bodyPr/>
-          <a:lstStyle/>
-          <a:p>
-            <a:r>
-              <a:rPr lang="en-US" dirty="0"/>
-              <a:t>CCI Endpoints</a:t>
-            </a:r>
-          </a:p>
-        </p:txBody>
-      </p:sp>
-      <p:sp>
-        <p:nvSpPr>
-          <p:cNvPr id="3" name="Content Placeholder 2"/>
-          <p:cNvSpPr>
-            <a:spLocks noGrp="1"/>
-          </p:cNvSpPr>
-          <p:nvPr>
-            <p:ph idx="1"/>
-          </p:nvPr>
-        </p:nvSpPr>
-        <p:spPr>
-          <a:xfrm>
-            <a:off x="111204" y="914401"/>
-            <a:ext cx="8229600" cy="5148075"/>
-          </a:xfrm>
-        </p:spPr>
-        <p:txBody>
-          <a:bodyPr/>
-          <a:lstStyle/>
-          <a:p>
-            <a:r>
-              <a:rPr lang="en-US" dirty="0"/>
-              <a:t>Virtualized instance of a device – src/sink of communication</a:t>
-            </a:r>
-          </a:p>
-          <a:p>
-            <a:r>
-              <a:rPr lang="en-US" dirty="0"/>
-              <a:t>Complete container of resources – queues and buffers</a:t>
-            </a:r>
-          </a:p>
-          <a:p>
-            <a:r>
-              <a:rPr lang="en-US" dirty="0"/>
-              <a:t>Process may poll or block for event notification</a:t>
-            </a:r>
-          </a:p>
-          <a:p>
-            <a:r>
-              <a:rPr lang="en-US" dirty="0"/>
-              <a:t>Events for send, recv, connection establishment, etc.</a:t>
-            </a:r>
-          </a:p>
-          <a:p>
-            <a:r>
-              <a:rPr lang="en-US" dirty="0"/>
-              <a:t>Events may contain resources such as receive buffers</a:t>
-            </a:r>
-          </a:p>
-          <a:p>
-            <a:r>
-              <a:rPr lang="en-US" dirty="0"/>
-              <a:t>Resource ownership transfers to the process when the event is retrieved</a:t>
-            </a:r>
-          </a:p>
-          <a:p>
-            <a:r>
-              <a:rPr lang="en-US" dirty="0"/>
-              <a:t>The process </a:t>
-            </a:r>
-            <a:r>
-              <a:rPr lang="en-US" dirty="0" smtClean="0"/>
-              <a:t>eventually </a:t>
-            </a:r>
-            <a:r>
-              <a:rPr lang="en-US" dirty="0"/>
-              <a:t>returns the event to CCI </a:t>
-            </a:r>
-          </a:p>
-          <a:p>
-            <a:pPr lvl="1"/>
-            <a:r>
-              <a:rPr lang="en-US" dirty="0"/>
-              <a:t>Expected to be returned in a timely manner</a:t>
-            </a:r>
-          </a:p>
-          <a:p>
-            <a:pPr lvl="1"/>
-            <a:r>
-              <a:rPr lang="en-US" dirty="0"/>
-              <a:t>May be returned out of order</a:t>
-            </a:r>
-          </a:p>
-        </p:txBody>
-      </p:sp>
-    </p:spTree>
-    <p:extLst>
-      <p:ext uri="{BB962C8B-B14F-4D97-AF65-F5344CB8AC3E}">
-        <p14:creationId xmlns:p14="http://schemas.microsoft.com/office/powerpoint/2010/main" val="3708743750"/>
-      </p:ext>
-    </p:extLst>
-  </p:cSld>
-  <p:clrMapOvr>
-    <a:masterClrMapping/>
-  </p:clrMapOvr>
-  <p:timing>
-    <p:tnLst>
-      <p:par>
-        <p:cTn id="1" dur="indefinite" restart="never" nodeType="tmRoot"/>
+        <p:cTn xmlns:p14="http://schemas.microsoft.com/office/powerpoint/2010/main" id="1" dur="indefinite" restart="never" nodeType="tmRoot"/>
       </p:par>
     </p:tnLst>
   </p:timing>
@@ -4182,7 +4319,7 @@
           <a:p>
             <a:r>
               <a:rPr lang="en-US" dirty="0"/>
-              <a:t>CCI Connections</a:t>
+              <a:t>CCI Endpoints</a:t>
             </a:r>
           </a:p>
         </p:txBody>
@@ -4199,8 +4336,8 @@
         </p:nvSpPr>
         <p:spPr>
           <a:xfrm>
-            <a:off x="111204" y="1128923"/>
-            <a:ext cx="8229600" cy="4930580"/>
+            <a:off x="111204" y="914401"/>
+            <a:ext cx="8229600" cy="5148075"/>
           </a:xfrm>
         </p:spPr>
         <p:txBody>
@@ -4209,74 +4346,127 @@
           <a:p>
             <a:r>
               <a:rPr lang="en-US" dirty="0"/>
-              <a:t>Per peer - a single endpoint can handle many connections</a:t>
-            </a:r>
-          </a:p>
-          <a:p>
-            <a:r>
-              <a:rPr lang="en-US" dirty="0"/>
-              <a:t>Lightweight – no dedicated buffers (~120B/peer)</a:t>
-            </a:r>
-          </a:p>
-          <a:p>
-            <a:r>
-              <a:rPr lang="en-US" dirty="0"/>
-              <a:t>May have multiple connections to the same peer</a:t>
-            </a:r>
-          </a:p>
-          <a:p>
-            <a:r>
-              <a:rPr lang="en-US" dirty="0"/>
-              <a:t>Use client/server model similar to Sockets and RDMA-CM</a:t>
-            </a:r>
-          </a:p>
-          <a:p>
-            <a:r>
-              <a:rPr lang="en-US" dirty="0"/>
-              <a:t>Represents reliability and order attributes</a:t>
-            </a:r>
-          </a:p>
-          <a:p>
-            <a:pPr lvl="1"/>
-            <a:r>
-              <a:rPr lang="en-US" dirty="0"/>
-              <a:t>Reliable with Ordered completion (RO)</a:t>
-            </a:r>
-          </a:p>
-          <a:p>
-            <a:pPr lvl="1"/>
-            <a:r>
-              <a:rPr lang="en-US" dirty="0"/>
-              <a:t>Reliable with Unordered completion (RU)</a:t>
-            </a:r>
-          </a:p>
-          <a:p>
-            <a:pPr lvl="1"/>
-            <a:r>
-              <a:rPr lang="en-US" dirty="0"/>
-              <a:t>Unreliable with Unordered completion (UU)</a:t>
-            </a:r>
-          </a:p>
-          <a:p>
-            <a:pPr lvl="1"/>
-            <a:r>
-              <a:rPr lang="en-US" dirty="0"/>
-              <a:t>Multicast Send (MC_TX)</a:t>
-            </a:r>
-          </a:p>
-          <a:p>
-            <a:pPr lvl="1"/>
-            <a:r>
-              <a:rPr lang="en-US" dirty="0"/>
-              <a:t>Multicast Receive (MC_RX)</a:t>
-            </a:r>
+              <a:t>Virtualized instance of a device – src/sink of communication</a:t>
+            </a:r>
+          </a:p>
+          <a:p>
+            <a:r>
+              <a:rPr lang="en-US" dirty="0"/>
+              <a:t>Complete container of resources – queues and buffers</a:t>
+            </a:r>
+          </a:p>
+          <a:p>
+            <a:r>
+              <a:rPr lang="en-US" dirty="0"/>
+              <a:t>Process may poll or block for event notification</a:t>
+            </a:r>
+          </a:p>
+          <a:p>
+            <a:r>
+              <a:rPr lang="en-US" dirty="0"/>
+              <a:t>Events for send, recv, connection establishment, etc.</a:t>
+            </a:r>
+          </a:p>
+          <a:p>
+            <a:r>
+              <a:rPr lang="en-US" dirty="0"/>
+              <a:t>Events may contain resources such as receive buffers</a:t>
+            </a:r>
+          </a:p>
+          <a:p>
+            <a:r>
+              <a:rPr lang="en-US" dirty="0"/>
+              <a:t>Resource ownership transfers to the process when the event is retrieved</a:t>
+            </a:r>
+          </a:p>
+          <a:p>
+            <a:r>
+              <a:rPr lang="en-US" dirty="0"/>
+              <a:t>The process </a:t>
+            </a:r>
+            <a:r>
+              <a:rPr lang="en-US" dirty="0" smtClean="0"/>
+              <a:t>eventually </a:t>
+            </a:r>
+            <a:r>
+              <a:rPr lang="en-US" dirty="0"/>
+              <a:t>returns the event to CCI </a:t>
+            </a:r>
+          </a:p>
+          <a:p>
+            <a:pPr lvl="1"/>
+            <a:r>
+              <a:rPr lang="en-US" dirty="0"/>
+              <a:t>Expected to be returned in a timely manner</a:t>
+            </a:r>
+          </a:p>
+          <a:p>
+            <a:pPr lvl="1"/>
+            <a:r>
+              <a:rPr lang="en-US" dirty="0"/>
+              <a:t>May be returned out of order</a:t>
+            </a:r>
+          </a:p>
+        </p:txBody>
+      </p:sp>
+      <p:pic>
+        <p:nvPicPr>
+          <p:cNvPr id="4" name="Picture 3"/>
+          <p:cNvPicPr>
+            <a:picLocks noChangeAspect="1"/>
+          </p:cNvPicPr>
+          <p:nvPr/>
+        </p:nvPicPr>
+        <p:blipFill>
+          <a:blip r:embed="rId2"/>
+          <a:stretch>
+            <a:fillRect/>
+          </a:stretch>
+        </p:blipFill>
+        <p:spPr>
+          <a:xfrm>
+            <a:off x="6909326" y="4817753"/>
+            <a:ext cx="1920364" cy="1313933"/>
+          </a:xfrm>
+          <a:prstGeom prst="rect">
+            <a:avLst/>
+          </a:prstGeom>
+        </p:spPr>
+      </p:pic>
+      <p:sp>
+        <p:nvSpPr>
+          <p:cNvPr id="5" name="TextBox 4"/>
+          <p:cNvSpPr txBox="1"/>
+          <p:nvPr/>
+        </p:nvSpPr>
+        <p:spPr>
+          <a:xfrm>
+            <a:off x="6919587" y="6190085"/>
+            <a:ext cx="793494" cy="307777"/>
+          </a:xfrm>
+          <a:prstGeom prst="rect">
+            <a:avLst/>
+          </a:prstGeom>
+          <a:noFill/>
+        </p:spPr>
+        <p:txBody>
+          <a:bodyPr wrap="none" rtlCol="0">
+            <a:spAutoFit/>
+          </a:bodyPr>
+          <a:lstStyle/>
+          <a:p>
+            <a:r>
+              <a:rPr lang="en-US" sz="1400" dirty="0" smtClean="0"/>
+              <a:t>Intel E7</a:t>
+            </a:r>
+            <a:endParaRPr lang="en-US" sz="1400" dirty="0"/>
           </a:p>
         </p:txBody>
       </p:sp>
     </p:spTree>
     <p:extLst>
       <p:ext uri="{BB962C8B-B14F-4D97-AF65-F5344CB8AC3E}">
-        <p14:creationId xmlns:p14="http://schemas.microsoft.com/office/powerpoint/2010/main" val="1638107233"/>
+        <p14:creationId xmlns:p14="http://schemas.microsoft.com/office/powerpoint/2010/main" val="3708743750"/>
       </p:ext>
     </p:extLst>
   </p:cSld>
@@ -4286,7 +4476,7 @@
   <p:timing>
     <p:tnLst>
       <p:par>
-        <p:cTn id="1" dur="indefinite" restart="never" nodeType="tmRoot"/>
+        <p:cTn xmlns:p14="http://schemas.microsoft.com/office/powerpoint/2010/main" id="1" dur="indefinite" restart="never" nodeType="tmRoot"/>
       </p:par>
     </p:tnLst>
   </p:timing>
@@ -4332,7 +4522,7 @@
           <a:p>
             <a:r>
               <a:rPr lang="en-US" dirty="0"/>
-              <a:t>Active Messages</a:t>
+              <a:t>CCI Connections</a:t>
             </a:r>
           </a:p>
         </p:txBody>
@@ -4349,8 +4539,8 @@
         </p:nvSpPr>
         <p:spPr>
           <a:xfrm>
-            <a:off x="111204" y="800100"/>
-            <a:ext cx="8229600" cy="5842021"/>
+            <a:off x="111204" y="1128923"/>
+            <a:ext cx="8229600" cy="4930580"/>
           </a:xfrm>
         </p:spPr>
         <p:txBody>
@@ -4359,98 +4549,128 @@
           <a:p>
             <a:r>
               <a:rPr lang="en-US" dirty="0"/>
-              <a:t>Berkeley AM</a:t>
-            </a:r>
-          </a:p>
-          <a:p>
-            <a:pPr lvl="1"/>
-            <a:r>
-              <a:rPr lang="en-US" dirty="0"/>
-              <a:t>No posted receives</a:t>
-            </a:r>
-          </a:p>
-          <a:p>
-            <a:pPr lvl="1"/>
-            <a:r>
-              <a:rPr lang="en-US" dirty="0"/>
-              <a:t>Handlers run based on address in header</a:t>
-            </a:r>
-          </a:p>
-          <a:p>
-            <a:pPr lvl="2"/>
-            <a:r>
-              <a:rPr lang="en-US" dirty="0"/>
-              <a:t>No adittional progress until handler completes</a:t>
-            </a:r>
-          </a:p>
-          <a:p>
-            <a:pPr lvl="1"/>
-            <a:r>
-              <a:rPr lang="en-US" dirty="0"/>
-              <a:t>Internally managed buffers</a:t>
-            </a:r>
-          </a:p>
-          <a:p>
-            <a:r>
-              <a:rPr lang="en-US" dirty="0"/>
-              <a:t>CCI Active Messages</a:t>
-            </a:r>
-          </a:p>
-          <a:p>
-            <a:pPr lvl="1"/>
-            <a:r>
-              <a:rPr lang="en-US" dirty="0"/>
-              <a:t>No posted receives, uses internal buffers</a:t>
-            </a:r>
-          </a:p>
-          <a:p>
-            <a:pPr lvl="1"/>
-            <a:r>
-              <a:rPr lang="en-US" dirty="0"/>
-              <a:t>Events only, no handlers</a:t>
-            </a:r>
-          </a:p>
-          <a:p>
-            <a:pPr lvl="2"/>
-            <a:r>
-              <a:rPr lang="en-US" dirty="0"/>
-              <a:t>Event includes pointer to data, its length, and the connection (peer)</a:t>
-            </a:r>
-          </a:p>
-          <a:p>
-            <a:pPr lvl="1"/>
-            <a:r>
-              <a:rPr lang="en-US" dirty="0"/>
-              <a:t>May be inspected, modified, and/or sent in-place</a:t>
-            </a:r>
-          </a:p>
-          <a:p>
-            <a:pPr lvl="1"/>
-            <a:r>
-              <a:rPr lang="en-US" dirty="0"/>
-              <a:t>May be copied out if needed long term</a:t>
-            </a:r>
-          </a:p>
-          <a:p>
-            <a:pPr lvl="1"/>
-            <a:r>
-              <a:rPr lang="en-US" dirty="0"/>
-              <a:t>Limited in size – ideally MTU sized</a:t>
-            </a:r>
-          </a:p>
-          <a:p>
-            <a:pPr lvl="1"/>
-            <a:r>
-              <a:rPr lang="en-US" dirty="0"/>
-              <a:t>No segmenting/reassembly</a:t>
-            </a:r>
+              <a:t>Per peer - a single endpoint can handle many connections</a:t>
+            </a:r>
+          </a:p>
+          <a:p>
+            <a:r>
+              <a:rPr lang="en-US" dirty="0"/>
+              <a:t>Lightweight – no dedicated buffers (~120B/peer)</a:t>
+            </a:r>
+          </a:p>
+          <a:p>
+            <a:r>
+              <a:rPr lang="en-US" dirty="0"/>
+              <a:t>May have multiple connections to the same peer</a:t>
+            </a:r>
+          </a:p>
+          <a:p>
+            <a:r>
+              <a:rPr lang="en-US" dirty="0"/>
+              <a:t>Use client/server model similar to Sockets and RDMA-CM</a:t>
+            </a:r>
+          </a:p>
+          <a:p>
+            <a:r>
+              <a:rPr lang="en-US" dirty="0"/>
+              <a:t>Represents reliability and order attributes</a:t>
+            </a:r>
+          </a:p>
+          <a:p>
+            <a:pPr lvl="1"/>
+            <a:r>
+              <a:rPr lang="en-US" dirty="0"/>
+              <a:t>Reliable with Ordered completion (RO)</a:t>
+            </a:r>
+          </a:p>
+          <a:p>
+            <a:pPr lvl="1"/>
+            <a:r>
+              <a:rPr lang="en-US" dirty="0"/>
+              <a:t>Reliable with Unordered completion (RU)</a:t>
+            </a:r>
+          </a:p>
+          <a:p>
+            <a:pPr lvl="1"/>
+            <a:r>
+              <a:rPr lang="en-US" dirty="0"/>
+              <a:t>Unreliable with Unordered completion (UU)</a:t>
+            </a:r>
+          </a:p>
+          <a:p>
+            <a:pPr lvl="1"/>
+            <a:r>
+              <a:rPr lang="en-US" dirty="0"/>
+              <a:t>Multicast Send (MC_TX)</a:t>
+            </a:r>
+          </a:p>
+          <a:p>
+            <a:pPr lvl="1"/>
+            <a:r>
+              <a:rPr lang="en-US" dirty="0"/>
+              <a:t>Multicast Receive (MC_RX)</a:t>
+            </a:r>
+          </a:p>
+        </p:txBody>
+      </p:sp>
+      <p:pic>
+        <p:nvPicPr>
+          <p:cNvPr id="4" name="Picture 3"/>
+          <p:cNvPicPr>
+            <a:picLocks noChangeAspect="1"/>
+          </p:cNvPicPr>
+          <p:nvPr/>
+        </p:nvPicPr>
+        <p:blipFill>
+          <a:blip r:embed="rId2"/>
+          <a:stretch>
+            <a:fillRect/>
+          </a:stretch>
+        </p:blipFill>
+        <p:spPr>
+          <a:xfrm>
+            <a:off x="6189672" y="4015497"/>
+            <a:ext cx="2609580" cy="1957186"/>
+          </a:xfrm>
+          <a:prstGeom prst="rect">
+            <a:avLst/>
+          </a:prstGeom>
+        </p:spPr>
+      </p:pic>
+      <p:sp>
+        <p:nvSpPr>
+          <p:cNvPr id="6" name="TextBox 5"/>
+          <p:cNvSpPr txBox="1"/>
+          <p:nvPr/>
+        </p:nvSpPr>
+        <p:spPr>
+          <a:xfrm>
+            <a:off x="6233468" y="6044093"/>
+            <a:ext cx="1928733" cy="307777"/>
+          </a:xfrm>
+          <a:prstGeom prst="rect">
+            <a:avLst/>
+          </a:prstGeom>
+          <a:noFill/>
+        </p:spPr>
+        <p:txBody>
+          <a:bodyPr wrap="none" rtlCol="0">
+            <a:spAutoFit/>
+          </a:bodyPr>
+          <a:lstStyle/>
+          <a:p>
+            <a:r>
+              <a:rPr lang="en-US" sz="1400" dirty="0" smtClean="0"/>
+              <a:t>Facebook data center</a:t>
+            </a:r>
+            <a:endParaRPr lang="en-US" sz="1400" dirty="0"/>
           </a:p>
         </p:txBody>
       </p:sp>
     </p:spTree>
     <p:extLst>
       <p:ext uri="{BB962C8B-B14F-4D97-AF65-F5344CB8AC3E}">
-        <p14:creationId xmlns:p14="http://schemas.microsoft.com/office/powerpoint/2010/main" val="2221889953"/>
+        <p14:creationId xmlns:p14="http://schemas.microsoft.com/office/powerpoint/2010/main" val="1638107233"/>
       </p:ext>
     </p:extLst>
   </p:cSld>
@@ -4460,7 +4680,7 @@
   <p:timing>
     <p:tnLst>
       <p:par>
-        <p:cTn id="1" dur="indefinite" restart="never" nodeType="tmRoot"/>
+        <p:cTn xmlns:p14="http://schemas.microsoft.com/office/powerpoint/2010/main" id="1" dur="indefinite" restart="never" nodeType="tmRoot"/>
       </p:par>
     </p:tnLst>
   </p:timing>
@@ -4506,7 +4726,7 @@
           <a:p>
             <a:r>
               <a:rPr lang="en-US" dirty="0"/>
-              <a:t>CCI RMA</a:t>
+              <a:t>Active Messages</a:t>
             </a:r>
           </a:p>
         </p:txBody>
@@ -4523,8 +4743,8 @@
         </p:nvSpPr>
         <p:spPr>
           <a:xfrm>
-            <a:off x="111204" y="1344823"/>
-            <a:ext cx="8229600" cy="3626634"/>
+            <a:off x="111204" y="800100"/>
+            <a:ext cx="8229600" cy="5842021"/>
           </a:xfrm>
         </p:spPr>
         <p:txBody>
@@ -4533,45 +4753,90 @@
           <a:p>
             <a:r>
               <a:rPr lang="en-US" dirty="0"/>
-              <a:t>Active messages are not enough</a:t>
-            </a:r>
-          </a:p>
-          <a:p>
-            <a:pPr lvl="1"/>
-            <a:r>
-              <a:rPr lang="en-US" dirty="0"/>
-              <a:t>But they are enough to allow setup of RMA</a:t>
-            </a:r>
-          </a:p>
-          <a:p>
-            <a:r>
-              <a:rPr lang="en-US" dirty="0"/>
-              <a:t>Zero-copy when supported</a:t>
-            </a:r>
-          </a:p>
-          <a:p>
-            <a:r>
-              <a:rPr lang="en-US" dirty="0"/>
-              <a:t>Require memory registration</a:t>
-            </a:r>
-          </a:p>
-          <a:p>
-            <a:r>
-              <a:rPr lang="en-US" dirty="0"/>
-              <a:t>No intra-message order guarantee</a:t>
-            </a:r>
-          </a:p>
-          <a:p>
-            <a:pPr lvl="1"/>
-            <a:r>
-              <a:rPr lang="en-US" dirty="0"/>
-              <a:t>No last byte written last</a:t>
-            </a:r>
-          </a:p>
-          <a:p>
-            <a:r>
-              <a:rPr lang="en-US" dirty="0"/>
-              <a:t>Write or Read with an optional Fence</a:t>
+              <a:t>Berkeley AM</a:t>
+            </a:r>
+          </a:p>
+          <a:p>
+            <a:pPr lvl="1"/>
+            <a:r>
+              <a:rPr lang="en-US" dirty="0"/>
+              <a:t>No posted receives</a:t>
+            </a:r>
+          </a:p>
+          <a:p>
+            <a:pPr lvl="1"/>
+            <a:r>
+              <a:rPr lang="en-US" dirty="0"/>
+              <a:t>Handlers run based on address in header</a:t>
+            </a:r>
+          </a:p>
+          <a:p>
+            <a:pPr lvl="2"/>
+            <a:r>
+              <a:rPr lang="en-US" dirty="0"/>
+              <a:t>No adittional progress until handler completes</a:t>
+            </a:r>
+          </a:p>
+          <a:p>
+            <a:pPr lvl="1"/>
+            <a:r>
+              <a:rPr lang="en-US" dirty="0"/>
+              <a:t>Internally managed buffers</a:t>
+            </a:r>
+          </a:p>
+          <a:p>
+            <a:r>
+              <a:rPr lang="en-US" dirty="0"/>
+              <a:t>CCI Active Messages</a:t>
+            </a:r>
+          </a:p>
+          <a:p>
+            <a:pPr lvl="1"/>
+            <a:r>
+              <a:rPr lang="en-US" dirty="0"/>
+              <a:t>No posted receives, uses internal buffers</a:t>
+            </a:r>
+          </a:p>
+          <a:p>
+            <a:pPr lvl="1"/>
+            <a:r>
+              <a:rPr lang="en-US" dirty="0"/>
+              <a:t>Events only, no handlers</a:t>
+            </a:r>
+          </a:p>
+          <a:p>
+            <a:pPr lvl="2"/>
+            <a:r>
+              <a:rPr lang="en-US" dirty="0"/>
+              <a:t>Event includes pointer to data, its length, and the connection (peer)</a:t>
+            </a:r>
+          </a:p>
+          <a:p>
+            <a:pPr lvl="1"/>
+            <a:r>
+              <a:rPr lang="en-US" dirty="0"/>
+              <a:t>May be inspected, modified, and/or sent in-place</a:t>
+            </a:r>
+          </a:p>
+          <a:p>
+            <a:pPr lvl="1"/>
+            <a:r>
+              <a:rPr lang="en-US" dirty="0"/>
+              <a:t>May be copied out if needed long term</a:t>
+            </a:r>
+          </a:p>
+          <a:p>
+            <a:pPr lvl="1"/>
+            <a:r>
+              <a:rPr lang="en-US" dirty="0"/>
+              <a:t>Limited in size – ideally MTU sized</a:t>
+            </a:r>
+          </a:p>
+          <a:p>
+            <a:pPr lvl="1"/>
+            <a:r>
+              <a:rPr lang="en-US" dirty="0"/>
+              <a:t>No segmenting/reassembly</a:t>
             </a:r>
           </a:p>
         </p:txBody>
@@ -4579,7 +4844,7 @@
     </p:spTree>
     <p:extLst>
       <p:ext uri="{BB962C8B-B14F-4D97-AF65-F5344CB8AC3E}">
-        <p14:creationId xmlns:p14="http://schemas.microsoft.com/office/powerpoint/2010/main" val="3382555788"/>
+        <p14:creationId xmlns:p14="http://schemas.microsoft.com/office/powerpoint/2010/main" val="2221889953"/>
       </p:ext>
     </p:extLst>
   </p:cSld>
@@ -4589,7 +4854,7 @@
   <p:timing>
     <p:tnLst>
       <p:par>
-        <p:cTn id="1" dur="indefinite" restart="never" nodeType="tmRoot"/>
+        <p:cTn xmlns:p14="http://schemas.microsoft.com/office/powerpoint/2010/main" id="1" dur="indefinite" restart="never" nodeType="tmRoot"/>
       </p:par>
     </p:tnLst>
   </p:timing>
@@ -4635,7 +4900,7 @@
           <a:p>
             <a:r>
               <a:rPr lang="en-US" dirty="0"/>
-              <a:t>Status and Evaluation</a:t>
+              <a:t>CCI RMA</a:t>
             </a:r>
           </a:p>
         </p:txBody>
@@ -4653,7 +4918,7 @@
         <p:spPr>
           <a:xfrm>
             <a:off x="111204" y="1344823"/>
-            <a:ext cx="8229600" cy="5366597"/>
+            <a:ext cx="8229600" cy="3626634"/>
           </a:xfrm>
         </p:spPr>
         <p:txBody>
@@ -4661,80 +4926,54 @@
           <a:lstStyle/>
           <a:p>
             <a:r>
-              <a:rPr lang="en-US" strike="sngStrike" dirty="0"/>
-              <a:t>Three</a:t>
-            </a:r>
-            <a:r>
-              <a:rPr lang="en-US" dirty="0"/>
-              <a:t> Four proof-of-concept implementations</a:t>
-            </a:r>
-          </a:p>
-          <a:p>
-            <a:pPr lvl="1"/>
-            <a:r>
-              <a:rPr lang="en-US" dirty="0"/>
-              <a:t>Sockets, MX, Portals 3.3, Native SeaStar</a:t>
-            </a:r>
-          </a:p>
-          <a:p>
-            <a:r>
-              <a:rPr lang="en-US" dirty="0"/>
-              <a:t>Sockets</a:t>
-            </a:r>
-          </a:p>
-          <a:p>
-            <a:pPr lvl="1"/>
-            <a:r>
-              <a:rPr lang="en-US" dirty="0"/>
-              <a:t>Uses UDP with one socket per endpoint</a:t>
-            </a:r>
-          </a:p>
-          <a:p>
-            <a:pPr lvl="1"/>
-            <a:r>
-              <a:rPr lang="en-US" dirty="0"/>
-              <a:t>Implements reliability when required</a:t>
-            </a:r>
-          </a:p>
-          <a:p>
-            <a:pPr lvl="1"/>
-            <a:r>
-              <a:rPr lang="en-US" dirty="0"/>
-              <a:t>Implements AM, RMA Write</a:t>
-            </a:r>
-          </a:p>
-          <a:p>
-            <a:r>
-              <a:rPr lang="en-US" dirty="0"/>
-              <a:t>MX</a:t>
-            </a:r>
-          </a:p>
-          <a:p>
-            <a:pPr lvl="1"/>
-            <a:r>
-              <a:rPr lang="en-US" dirty="0"/>
-              <a:t>Implements AM only</a:t>
-            </a:r>
-          </a:p>
-          <a:p>
-            <a:pPr lvl="1"/>
-            <a:r>
-              <a:rPr lang="en-US" dirty="0"/>
-              <a:t>CCI requests rendezvous when reliability is requested</a:t>
-            </a:r>
-          </a:p>
-          <a:p>
-            <a:endParaRPr lang="en-US" dirty="0"/>
-          </a:p>
-          <a:p>
-            <a:endParaRPr lang="en-US" dirty="0"/>
+              <a:rPr lang="en-US" dirty="0"/>
+              <a:t>Active messages are not enough</a:t>
+            </a:r>
+          </a:p>
+          <a:p>
+            <a:pPr lvl="1"/>
+            <a:r>
+              <a:rPr lang="en-US" dirty="0"/>
+              <a:t>But they are enough to allow setup of RMA</a:t>
+            </a:r>
+          </a:p>
+          <a:p>
+            <a:r>
+              <a:rPr lang="en-US" dirty="0"/>
+              <a:t>Zero-copy when supported</a:t>
+            </a:r>
+          </a:p>
+          <a:p>
+            <a:r>
+              <a:rPr lang="en-US" dirty="0"/>
+              <a:t>Require memory registration</a:t>
+            </a:r>
+          </a:p>
+          <a:p>
+            <a:r>
+              <a:rPr lang="en-US" dirty="0"/>
+              <a:t>No intra-message order guarantee</a:t>
+            </a:r>
+          </a:p>
+          <a:p>
+            <a:pPr lvl="1"/>
+            <a:r>
+              <a:rPr lang="en-US" dirty="0"/>
+              <a:t>No last byte written last</a:t>
+            </a:r>
+          </a:p>
+          <a:p>
+            <a:r>
+              <a:rPr lang="en-US" dirty="0"/>
+              <a:t>Write or Read with an optional Fence</a:t>
+            </a:r>
           </a:p>
         </p:txBody>
       </p:sp>
     </p:spTree>
     <p:extLst>
       <p:ext uri="{BB962C8B-B14F-4D97-AF65-F5344CB8AC3E}">
-        <p14:creationId xmlns:p14="http://schemas.microsoft.com/office/powerpoint/2010/main" val="2889010775"/>
+        <p14:creationId xmlns:p14="http://schemas.microsoft.com/office/powerpoint/2010/main" val="3382555788"/>
       </p:ext>
     </p:extLst>
   </p:cSld>
@@ -4744,7 +4983,7 @@
   <p:timing>
     <p:tnLst>
       <p:par>
-        <p:cTn id="1" dur="indefinite" restart="never" nodeType="tmRoot"/>
+        <p:cTn xmlns:p14="http://schemas.microsoft.com/office/powerpoint/2010/main" id="1" dur="indefinite" restart="never" nodeType="tmRoot"/>
       </p:par>
     </p:tnLst>
   </p:timing>
@@ -4808,7 +5047,7 @@
         <p:spPr>
           <a:xfrm>
             <a:off x="111204" y="1344823"/>
-            <a:ext cx="8229600" cy="3608167"/>
+            <a:ext cx="8229600" cy="5366597"/>
           </a:xfrm>
         </p:spPr>
         <p:txBody>
@@ -4816,42 +5055,52 @@
           <a:lstStyle/>
           <a:p>
             <a:r>
-              <a:rPr lang="en-US" dirty="0"/>
-              <a:t>Portals 3.3</a:t>
-            </a:r>
-          </a:p>
-          <a:p>
-            <a:pPr lvl="1"/>
-            <a:r>
-              <a:rPr lang="en-US" dirty="0"/>
-              <a:t>Implements multiple endpoints using match bits</a:t>
-            </a:r>
-          </a:p>
-          <a:p>
-            <a:pPr lvl="1"/>
-            <a:r>
-              <a:rPr lang="en-US" dirty="0"/>
-              <a:t>Portals assumes reliability</a:t>
-            </a:r>
-          </a:p>
-          <a:p>
-            <a:pPr lvl="2"/>
-            <a:r>
-              <a:rPr lang="en-US" dirty="0"/>
-              <a:t>CCI requests acks for reliable connections</a:t>
-            </a:r>
-          </a:p>
-          <a:p>
-            <a:pPr lvl="1"/>
-            <a:r>
-              <a:rPr lang="en-US" dirty="0"/>
-              <a:t>Implements AM, RMA Write, Read, and Fence</a:t>
-            </a:r>
-          </a:p>
-          <a:p>
-            <a:r>
-              <a:rPr lang="en-US" dirty="0"/>
-              <a:t>Native SeaStar</a:t>
+              <a:rPr lang="en-US" strike="sngStrike" dirty="0"/>
+              <a:t>Three</a:t>
+            </a:r>
+            <a:r>
+              <a:rPr lang="en-US" dirty="0"/>
+              <a:t> Four proof-of-concept implementations</a:t>
+            </a:r>
+          </a:p>
+          <a:p>
+            <a:pPr lvl="1"/>
+            <a:r>
+              <a:rPr lang="en-US" dirty="0"/>
+              <a:t>Sockets, MX, Portals 3.3, Native SeaStar</a:t>
+            </a:r>
+          </a:p>
+          <a:p>
+            <a:r>
+              <a:rPr lang="en-US" dirty="0"/>
+              <a:t>Sockets</a:t>
+            </a:r>
+          </a:p>
+          <a:p>
+            <a:pPr lvl="1"/>
+            <a:r>
+              <a:rPr lang="en-US" dirty="0"/>
+              <a:t>Uses UDP with one socket per endpoint</a:t>
+            </a:r>
+          </a:p>
+          <a:p>
+            <a:pPr lvl="1"/>
+            <a:r>
+              <a:rPr lang="en-US" dirty="0"/>
+              <a:t>Implements reliability when required</a:t>
+            </a:r>
+          </a:p>
+          <a:p>
+            <a:pPr lvl="1"/>
+            <a:r>
+              <a:rPr lang="en-US" dirty="0"/>
+              <a:t>Implements AM, RMA Write</a:t>
+            </a:r>
+          </a:p>
+          <a:p>
+            <a:r>
+              <a:rPr lang="en-US" dirty="0"/>
+              <a:t>MX</a:t>
             </a:r>
           </a:p>
           <a:p>
@@ -4864,20 +5113,22 @@
           <a:p>
             <a:pPr lvl="1"/>
             <a:r>
-              <a:rPr lang="en-US" dirty="0" smtClean="0"/>
-              <a:t>Working </a:t>
-            </a:r>
-            <a:r>
-              <a:rPr lang="en-US" dirty="0"/>
-              <a:t>on adding RMA </a:t>
-            </a:r>
+              <a:rPr lang="en-US" dirty="0"/>
+              <a:t>CCI requests rendezvous when reliability is requested</a:t>
+            </a:r>
+          </a:p>
+          <a:p>
+            <a:endParaRPr lang="en-US" dirty="0"/>
+          </a:p>
+          <a:p>
+            <a:endParaRPr lang="en-US" dirty="0"/>
           </a:p>
         </p:txBody>
       </p:sp>
     </p:spTree>
     <p:extLst>
       <p:ext uri="{BB962C8B-B14F-4D97-AF65-F5344CB8AC3E}">
-        <p14:creationId xmlns:p14="http://schemas.microsoft.com/office/powerpoint/2010/main" val="4192586054"/>
+        <p14:creationId xmlns:p14="http://schemas.microsoft.com/office/powerpoint/2010/main" val="2889010775"/>
       </p:ext>
     </p:extLst>
   </p:cSld>
@@ -4887,7 +5138,7 @@
   <p:timing>
     <p:tnLst>
       <p:par>
-        <p:cTn id="1" dur="indefinite" restart="never" nodeType="tmRoot"/>
+        <p:cTn xmlns:p14="http://schemas.microsoft.com/office/powerpoint/2010/main" id="1" dur="indefinite" restart="never" nodeType="tmRoot"/>
       </p:par>
     </p:tnLst>
   </p:timing>
@@ -4933,75 +5184,94 @@
           <a:p>
             <a:r>
               <a:rPr lang="en-US" dirty="0"/>
-              <a:t>CCI/MX Performance</a:t>
-            </a:r>
-          </a:p>
-        </p:txBody>
-      </p:sp>
-      <p:pic>
-        <p:nvPicPr>
-          <p:cNvPr id="3" name="Picture 2" descr="pingpong-latency-mx-overhead-combined.pdf"/>
-          <p:cNvPicPr>
-            <a:picLocks noChangeAspect="1"/>
-          </p:cNvPicPr>
-          <p:nvPr/>
-        </p:nvPicPr>
-        <p:blipFill>
-          <a:blip r:embed="rId2">
-            <a:extLst>
-              <a:ext uri="{28A0092B-C50C-407E-A947-70E740481C1C}">
-                <a14:useLocalDpi xmlns:a14="http://schemas.microsoft.com/office/drawing/2010/main" val="0"/>
-              </a:ext>
-            </a:extLst>
-          </a:blip>
-          <a:stretch>
-            <a:fillRect/>
-          </a:stretch>
-        </p:blipFill>
-        <p:spPr>
-          <a:xfrm>
-            <a:off x="0" y="1828800"/>
-            <a:ext cx="4572000" cy="3200400"/>
-          </a:xfrm>
-          <a:prstGeom prst="rect">
-            <a:avLst/>
-          </a:prstGeom>
-        </p:spPr>
-      </p:pic>
-      <p:pic>
-        <p:nvPicPr>
-          <p:cNvPr id="4" name="Picture 3" descr="pingpong-bw-mx.pdf"/>
-          <p:cNvPicPr>
-            <a:picLocks noChangeAspect="1"/>
-          </p:cNvPicPr>
-          <p:nvPr/>
-        </p:nvPicPr>
-        <p:blipFill>
-          <a:blip r:embed="rId3">
-            <a:extLst>
-              <a:ext uri="{28A0092B-C50C-407E-A947-70E740481C1C}">
-                <a14:useLocalDpi xmlns:a14="http://schemas.microsoft.com/office/drawing/2010/main" val="0"/>
-              </a:ext>
-            </a:extLst>
-          </a:blip>
-          <a:stretch>
-            <a:fillRect/>
-          </a:stretch>
-        </p:blipFill>
-        <p:spPr>
-          <a:xfrm>
-            <a:off x="4572000" y="1792256"/>
-            <a:ext cx="4572000" cy="3200400"/>
-          </a:xfrm>
-          <a:prstGeom prst="rect">
-            <a:avLst/>
-          </a:prstGeom>
-        </p:spPr>
-      </p:pic>
+              <a:t>Status and Evaluation</a:t>
+            </a:r>
+          </a:p>
+        </p:txBody>
+      </p:sp>
+      <p:sp>
+        <p:nvSpPr>
+          <p:cNvPr id="3" name="Content Placeholder 2"/>
+          <p:cNvSpPr>
+            <a:spLocks noGrp="1"/>
+          </p:cNvSpPr>
+          <p:nvPr>
+            <p:ph idx="1"/>
+          </p:nvPr>
+        </p:nvSpPr>
+        <p:spPr>
+          <a:xfrm>
+            <a:off x="111204" y="1344823"/>
+            <a:ext cx="8229600" cy="3608167"/>
+          </a:xfrm>
+        </p:spPr>
+        <p:txBody>
+          <a:bodyPr/>
+          <a:lstStyle/>
+          <a:p>
+            <a:r>
+              <a:rPr lang="en-US" dirty="0"/>
+              <a:t>Portals 3.3</a:t>
+            </a:r>
+          </a:p>
+          <a:p>
+            <a:pPr lvl="1"/>
+            <a:r>
+              <a:rPr lang="en-US" dirty="0"/>
+              <a:t>Implements multiple endpoints using match bits</a:t>
+            </a:r>
+          </a:p>
+          <a:p>
+            <a:pPr lvl="1"/>
+            <a:r>
+              <a:rPr lang="en-US" dirty="0"/>
+              <a:t>Portals assumes reliability</a:t>
+            </a:r>
+          </a:p>
+          <a:p>
+            <a:pPr lvl="2"/>
+            <a:r>
+              <a:rPr lang="en-US" dirty="0"/>
+              <a:t>CCI requests acks for reliable connections</a:t>
+            </a:r>
+          </a:p>
+          <a:p>
+            <a:pPr lvl="1"/>
+            <a:r>
+              <a:rPr lang="en-US" dirty="0"/>
+              <a:t>Implements AM, RMA Write, Read, and Fence</a:t>
+            </a:r>
+          </a:p>
+          <a:p>
+            <a:r>
+              <a:rPr lang="en-US" dirty="0"/>
+              <a:t>Native SeaStar</a:t>
+            </a:r>
+          </a:p>
+          <a:p>
+            <a:pPr lvl="1"/>
+            <a:r>
+              <a:rPr lang="en-US" dirty="0"/>
+              <a:t>Implements AM only</a:t>
+            </a:r>
+          </a:p>
+          <a:p>
+            <a:pPr lvl="1"/>
+            <a:r>
+              <a:rPr lang="en-US" dirty="0" smtClean="0"/>
+              <a:t>Working </a:t>
+            </a:r>
+            <a:r>
+              <a:rPr lang="en-US" dirty="0"/>
+              <a:t>on adding RMA </a:t>
+            </a:r>
+          </a:p>
+        </p:txBody>
+      </p:sp>
     </p:spTree>
     <p:extLst>
       <p:ext uri="{BB962C8B-B14F-4D97-AF65-F5344CB8AC3E}">
-        <p14:creationId xmlns:p14="http://schemas.microsoft.com/office/powerpoint/2010/main" val="2767896140"/>
+        <p14:creationId xmlns:p14="http://schemas.microsoft.com/office/powerpoint/2010/main" val="4192586054"/>
       </p:ext>
     </p:extLst>
   </p:cSld>
@@ -5011,7 +5281,7 @@
   <p:timing>
     <p:tnLst>
       <p:par>
-        <p:cTn id="1" dur="indefinite" restart="never" nodeType="tmRoot"/>
+        <p:cTn xmlns:p14="http://schemas.microsoft.com/office/powerpoint/2010/main" id="1" dur="indefinite" restart="never" nodeType="tmRoot"/>
       </p:par>
     </p:tnLst>
   </p:timing>
@@ -5057,14 +5327,14 @@
           <a:p>
             <a:r>
               <a:rPr lang="en-US" dirty="0"/>
-              <a:t>CCI/Portals Performance</a:t>
+              <a:t>CCI/MX Performance</a:t>
             </a:r>
           </a:p>
         </p:txBody>
       </p:sp>
       <p:pic>
         <p:nvPicPr>
-          <p:cNvPr id="3" name="Picture 2" descr="pingpong-latency-portals-overhead-combined.pdf"/>
+          <p:cNvPr id="3" name="Picture 2" descr="pingpong-latency-mx-overhead-combined.pdf"/>
           <p:cNvPicPr>
             <a:picLocks noChangeAspect="1"/>
           </p:cNvPicPr>
@@ -5094,7 +5364,7 @@
       </p:pic>
       <p:pic>
         <p:nvPicPr>
-          <p:cNvPr id="4" name="Picture 3" descr="one-sided-latency-portals-overhead.pdf"/>
+          <p:cNvPr id="4" name="Picture 3" descr="pingpong-bw-mx.pdf"/>
           <p:cNvPicPr>
             <a:picLocks noChangeAspect="1"/>
           </p:cNvPicPr>
@@ -5114,7 +5384,7 @@
         </p:blipFill>
         <p:spPr>
           <a:xfrm>
-            <a:off x="4572000" y="1828800"/>
+            <a:off x="4572000" y="1792256"/>
             <a:ext cx="4572000" cy="3200400"/>
           </a:xfrm>
           <a:prstGeom prst="rect">
@@ -5125,7 +5395,7 @@
     </p:spTree>
     <p:extLst>
       <p:ext uri="{BB962C8B-B14F-4D97-AF65-F5344CB8AC3E}">
-        <p14:creationId xmlns:p14="http://schemas.microsoft.com/office/powerpoint/2010/main" val="1074421676"/>
+        <p14:creationId xmlns:p14="http://schemas.microsoft.com/office/powerpoint/2010/main" val="2767896140"/>
       </p:ext>
     </p:extLst>
   </p:cSld>
@@ -5135,7 +5405,7 @@
   <p:timing>
     <p:tnLst>
       <p:par>
-        <p:cTn id="1" dur="indefinite" restart="never" nodeType="tmRoot"/>
+        <p:cTn xmlns:p14="http://schemas.microsoft.com/office/powerpoint/2010/main" id="1" dur="indefinite" restart="never" nodeType="tmRoot"/>
       </p:par>
     </p:tnLst>
   </p:timing>
@@ -5172,7 +5442,7 @@
         <p:spPr>
           <a:xfrm>
             <a:off x="111098" y="152400"/>
-            <a:ext cx="8229600" cy="877163"/>
+            <a:ext cx="8229600" cy="496290"/>
           </a:xfrm>
         </p:spPr>
         <p:txBody>
@@ -5181,136 +5451,374 @@
           <a:p>
             <a:r>
               <a:rPr lang="en-US" dirty="0" smtClean="0"/>
-              <a:t>Applications </a:t>
-            </a:r>
-            <a:r>
-              <a:rPr lang="en-US" dirty="0"/>
-              <a:t>are increasingly data-driven distributed services</a:t>
-            </a:r>
-            <a:r>
-              <a:rPr lang="en-US" dirty="0" smtClean="0"/>
-              <a:t>.</a:t>
+              <a:t>Adding insulation can save you money</a:t>
             </a:r>
             <a:endParaRPr lang="en-US" dirty="0"/>
           </a:p>
         </p:txBody>
       </p:sp>
-      <p:sp>
-        <p:nvSpPr>
-          <p:cNvPr id="3" name="Content Placeholder 2"/>
-          <p:cNvSpPr>
-            <a:spLocks noGrp="1"/>
-          </p:cNvSpPr>
-          <p:nvPr>
-            <p:ph idx="1"/>
-          </p:nvPr>
-        </p:nvSpPr>
-        <p:spPr>
-          <a:xfrm>
-            <a:off x="124572" y="836823"/>
-            <a:ext cx="8229600" cy="5700335"/>
-          </a:xfrm>
-        </p:spPr>
-        <p:txBody>
-          <a:bodyPr>
-            <a:normAutofit/>
+      <p:pic>
+        <p:nvPicPr>
+          <p:cNvPr id="6" name="Picture 5"/>
+          <p:cNvPicPr>
+            <a:picLocks noChangeAspect="1"/>
+          </p:cNvPicPr>
+          <p:nvPr/>
+        </p:nvPicPr>
+        <p:blipFill>
+          <a:blip r:embed="rId2"/>
+          <a:stretch>
+            <a:fillRect/>
+          </a:stretch>
+        </p:blipFill>
+        <p:spPr>
+          <a:xfrm>
+            <a:off x="700718" y="1547521"/>
+            <a:ext cx="1171689" cy="726447"/>
+          </a:xfrm>
+          <a:prstGeom prst="rect">
+            <a:avLst/>
+          </a:prstGeom>
+        </p:spPr>
+      </p:pic>
+      <p:pic>
+        <p:nvPicPr>
+          <p:cNvPr id="7" name="Picture 6"/>
+          <p:cNvPicPr>
+            <a:picLocks noChangeAspect="1"/>
+          </p:cNvPicPr>
+          <p:nvPr/>
+        </p:nvPicPr>
+        <p:blipFill>
+          <a:blip r:embed="rId3"/>
+          <a:stretch>
+            <a:fillRect/>
+          </a:stretch>
+        </p:blipFill>
+        <p:spPr>
+          <a:xfrm>
+            <a:off x="2689192" y="5726501"/>
+            <a:ext cx="2974943" cy="939966"/>
+          </a:xfrm>
+          <a:prstGeom prst="rect">
+            <a:avLst/>
+          </a:prstGeom>
+        </p:spPr>
+      </p:pic>
+      <p:pic>
+        <p:nvPicPr>
+          <p:cNvPr id="9" name="Picture 8"/>
+          <p:cNvPicPr>
+            <a:picLocks noChangeAspect="1"/>
+          </p:cNvPicPr>
+          <p:nvPr/>
+        </p:nvPicPr>
+        <p:blipFill>
+          <a:blip r:embed="rId4"/>
+          <a:stretch>
+            <a:fillRect/>
+          </a:stretch>
+        </p:blipFill>
+        <p:spPr>
+          <a:xfrm>
+            <a:off x="2052174" y="1109543"/>
+            <a:ext cx="1056231" cy="758139"/>
+          </a:xfrm>
+          <a:prstGeom prst="rect">
+            <a:avLst/>
+          </a:prstGeom>
+        </p:spPr>
+      </p:pic>
+      <p:pic>
+        <p:nvPicPr>
+          <p:cNvPr id="10" name="Picture 9"/>
+          <p:cNvPicPr>
+            <a:picLocks noChangeAspect="1"/>
+          </p:cNvPicPr>
+          <p:nvPr/>
+        </p:nvPicPr>
+        <p:blipFill>
+          <a:blip r:embed="rId5"/>
+          <a:stretch>
+            <a:fillRect/>
+          </a:stretch>
+        </p:blipFill>
+        <p:spPr>
+          <a:xfrm>
+            <a:off x="7243430" y="1305127"/>
+            <a:ext cx="1900570" cy="1030531"/>
+          </a:xfrm>
+          <a:prstGeom prst="rect">
+            <a:avLst/>
+          </a:prstGeom>
+        </p:spPr>
+      </p:pic>
+      <p:pic>
+        <p:nvPicPr>
+          <p:cNvPr id="11" name="Picture 10"/>
+          <p:cNvPicPr>
+            <a:picLocks noChangeAspect="1"/>
+          </p:cNvPicPr>
+          <p:nvPr/>
+        </p:nvPicPr>
+        <p:blipFill>
+          <a:blip r:embed="rId6"/>
+          <a:stretch>
+            <a:fillRect/>
+          </a:stretch>
+        </p:blipFill>
+        <p:spPr>
+          <a:xfrm>
+            <a:off x="5853911" y="1078862"/>
+            <a:ext cx="1532822" cy="1282565"/>
+          </a:xfrm>
+          <a:prstGeom prst="rect">
+            <a:avLst/>
+          </a:prstGeom>
+        </p:spPr>
+      </p:pic>
+      <p:pic>
+        <p:nvPicPr>
+          <p:cNvPr id="13" name="Picture 12"/>
+          <p:cNvPicPr>
+            <a:picLocks noChangeAspect="1"/>
+          </p:cNvPicPr>
+          <p:nvPr/>
+        </p:nvPicPr>
+        <p:blipFill>
+          <a:blip r:embed="rId7"/>
+          <a:stretch>
+            <a:fillRect/>
+          </a:stretch>
+        </p:blipFill>
+        <p:spPr>
+          <a:xfrm>
+            <a:off x="2579091" y="4116991"/>
+            <a:ext cx="3171850" cy="1585925"/>
+          </a:xfrm>
+          <a:prstGeom prst="rect">
+            <a:avLst/>
+          </a:prstGeom>
+        </p:spPr>
+      </p:pic>
+      <p:pic>
+        <p:nvPicPr>
+          <p:cNvPr id="14" name="Picture 13"/>
+          <p:cNvPicPr>
+            <a:picLocks noChangeAspect="1"/>
+          </p:cNvPicPr>
+          <p:nvPr/>
+        </p:nvPicPr>
+        <p:blipFill>
+          <a:blip r:embed="rId8"/>
+          <a:stretch>
+            <a:fillRect/>
+          </a:stretch>
+        </p:blipFill>
+        <p:spPr>
+          <a:xfrm>
+            <a:off x="5554200" y="4657237"/>
+            <a:ext cx="1161010" cy="1109179"/>
+          </a:xfrm>
+          <a:prstGeom prst="rect">
+            <a:avLst/>
+          </a:prstGeom>
+        </p:spPr>
+      </p:pic>
+      <p:pic>
+        <p:nvPicPr>
+          <p:cNvPr id="12" name="Picture 11"/>
+          <p:cNvPicPr>
+            <a:picLocks noChangeAspect="1"/>
+          </p:cNvPicPr>
+          <p:nvPr/>
+        </p:nvPicPr>
+        <p:blipFill>
+          <a:blip r:embed="rId9"/>
+          <a:stretch>
+            <a:fillRect/>
+          </a:stretch>
+        </p:blipFill>
+        <p:spPr>
+          <a:xfrm>
+            <a:off x="1688293" y="4657163"/>
+            <a:ext cx="1068157" cy="1003699"/>
+          </a:xfrm>
+          <a:prstGeom prst="rect">
+            <a:avLst/>
+          </a:prstGeom>
+        </p:spPr>
+      </p:pic>
+      <p:pic>
+        <p:nvPicPr>
+          <p:cNvPr id="17" name="Picture 16" descr="Fig4_5.jpg"/>
+          <p:cNvPicPr/>
+          <p:nvPr/>
+        </p:nvPicPr>
+        <p:blipFill>
+          <a:blip r:embed="rId10"/>
+          <a:stretch>
+            <a:fillRect/>
+          </a:stretch>
+        </p:blipFill>
+        <p:spPr>
+          <a:xfrm>
+            <a:off x="4057297" y="1182540"/>
+            <a:ext cx="1700375" cy="1242071"/>
+          </a:xfrm>
+          <a:prstGeom prst="rect">
+            <a:avLst/>
+          </a:prstGeom>
+        </p:spPr>
+      </p:pic>
+      <p:pic>
+        <p:nvPicPr>
+          <p:cNvPr id="18" name="Picture 17"/>
+          <p:cNvPicPr>
+            <a:picLocks noChangeAspect="1"/>
+          </p:cNvPicPr>
+          <p:nvPr/>
+        </p:nvPicPr>
+        <p:blipFill>
+          <a:blip r:embed="rId11"/>
+          <a:stretch>
+            <a:fillRect/>
+          </a:stretch>
+        </p:blipFill>
+        <p:spPr>
+          <a:xfrm>
+            <a:off x="6992578" y="5132392"/>
+            <a:ext cx="1832126" cy="1246115"/>
+          </a:xfrm>
+          <a:prstGeom prst="rect">
+            <a:avLst/>
+          </a:prstGeom>
+        </p:spPr>
+      </p:pic>
+      <p:pic>
+        <p:nvPicPr>
+          <p:cNvPr id="19" name="Picture 18"/>
+          <p:cNvPicPr>
+            <a:picLocks noChangeAspect="1"/>
+          </p:cNvPicPr>
+          <p:nvPr/>
+        </p:nvPicPr>
+        <p:blipFill>
+          <a:blip r:embed="rId12"/>
+          <a:stretch>
+            <a:fillRect/>
+          </a:stretch>
+        </p:blipFill>
+        <p:spPr>
+          <a:xfrm>
+            <a:off x="504370" y="4934547"/>
+            <a:ext cx="1067130" cy="1370965"/>
+          </a:xfrm>
+          <a:prstGeom prst="rect">
+            <a:avLst/>
+          </a:prstGeom>
+        </p:spPr>
+      </p:pic>
+      <p:pic>
+        <p:nvPicPr>
+          <p:cNvPr id="20" name="Picture 19"/>
+          <p:cNvPicPr>
+            <a:picLocks noChangeAspect="1"/>
+          </p:cNvPicPr>
+          <p:nvPr/>
+        </p:nvPicPr>
+        <p:blipFill>
+          <a:blip r:embed="rId13"/>
+          <a:stretch>
+            <a:fillRect/>
+          </a:stretch>
+        </p:blipFill>
+        <p:spPr>
+          <a:xfrm>
+            <a:off x="3451359" y="2559551"/>
+            <a:ext cx="1964605" cy="1851262"/>
+          </a:xfrm>
+          <a:prstGeom prst="rect">
+            <a:avLst/>
+          </a:prstGeom>
+        </p:spPr>
+      </p:pic>
+      <p:pic>
+        <p:nvPicPr>
+          <p:cNvPr id="21" name="Picture 20" descr="Gasifier_Ts_tn.png"/>
+          <p:cNvPicPr/>
+          <p:nvPr/>
+        </p:nvPicPr>
+        <p:blipFill>
+          <a:blip r:embed="rId14"/>
+          <a:stretch>
+            <a:fillRect/>
+          </a:stretch>
+        </p:blipFill>
+        <p:spPr>
+          <a:xfrm>
+            <a:off x="3313811" y="1776492"/>
+            <a:ext cx="872745" cy="872745"/>
+          </a:xfrm>
+          <a:prstGeom prst="rect">
+            <a:avLst/>
+          </a:prstGeom>
+        </p:spPr>
+      </p:pic>
+      <p:sp>
+        <p:nvSpPr>
+          <p:cNvPr id="22" name="TextBox 21"/>
+          <p:cNvSpPr txBox="1"/>
+          <p:nvPr/>
+        </p:nvSpPr>
+        <p:spPr>
+          <a:xfrm>
+            <a:off x="452547" y="2423476"/>
+            <a:ext cx="2301694" cy="369332"/>
+          </a:xfrm>
+          <a:prstGeom prst="rect">
+            <a:avLst/>
+          </a:prstGeom>
+          <a:noFill/>
+        </p:spPr>
+        <p:txBody>
+          <a:bodyPr wrap="none" rtlCol="0">
+            <a:spAutoFit/>
           </a:bodyPr>
           <a:lstStyle/>
           <a:p>
-            <a:endParaRPr lang="en-US" dirty="0" smtClean="0"/>
-          </a:p>
-          <a:p>
-            <a:r>
-              <a:rPr lang="en-US" dirty="0" smtClean="0"/>
-              <a:t>These </a:t>
-            </a:r>
-            <a:r>
-              <a:rPr lang="en-US" dirty="0" smtClean="0"/>
-              <a:t>applications may control only one  side of the pipe… </a:t>
-            </a:r>
-          </a:p>
-          <a:p>
-            <a:pPr lvl="1"/>
-            <a:r>
-              <a:rPr lang="en-US" dirty="0" smtClean="0"/>
-              <a:t>Common language: IP on the wire, Socket interface on the host.</a:t>
-            </a:r>
-          </a:p>
-          <a:p>
-            <a:pPr lvl="1"/>
-            <a:r>
-              <a:rPr lang="en-US" dirty="0" smtClean="0"/>
-              <a:t>Applications: web services, media delivery, trading exchange.</a:t>
-            </a:r>
-          </a:p>
-          <a:p>
-            <a:pPr lvl="1"/>
-            <a:r>
-              <a:rPr lang="en-US" dirty="0" smtClean="0"/>
-              <a:t>Not going away, way too much legacy.</a:t>
-            </a:r>
-          </a:p>
-          <a:p>
-            <a:r>
-              <a:rPr lang="en-US" dirty="0" smtClean="0"/>
-              <a:t>Or both sides of the </a:t>
-            </a:r>
-            <a:r>
-              <a:rPr lang="en-US" dirty="0" smtClean="0"/>
-              <a:t>pipe</a:t>
-            </a:r>
-          </a:p>
-          <a:p>
-            <a:pPr lvl="1"/>
-            <a:r>
-              <a:rPr lang="en-US" dirty="0" smtClean="0"/>
-              <a:t>No required wire protocol or programing interface.</a:t>
-            </a:r>
-            <a:endParaRPr lang="en-US" dirty="0" smtClean="0"/>
-          </a:p>
-          <a:p>
-            <a:pPr lvl="1"/>
-            <a:r>
-              <a:rPr lang="en-US" dirty="0" smtClean="0"/>
-              <a:t>Applications</a:t>
-            </a:r>
-            <a:r>
-              <a:rPr lang="en-US" dirty="0" smtClean="0"/>
-              <a:t>: back-ends, database, storage</a:t>
-            </a:r>
-          </a:p>
-          <a:p>
-            <a:pPr lvl="2"/>
-            <a:r>
-              <a:rPr lang="en-US" dirty="0" smtClean="0"/>
-              <a:t>Memcached, Big Table, Cassandra</a:t>
-            </a:r>
-            <a:r>
-              <a:rPr lang="en-US" dirty="0" smtClean="0"/>
-              <a:t>.</a:t>
-            </a:r>
-          </a:p>
-          <a:p>
-            <a:pPr lvl="1"/>
-            <a:r>
-              <a:rPr lang="en-US" dirty="0"/>
-              <a:t>Socket interface hinders networking innovation</a:t>
-            </a:r>
-            <a:r>
-              <a:rPr lang="en-US" dirty="0" smtClean="0"/>
-              <a:t>.</a:t>
-            </a:r>
-            <a:endParaRPr lang="en-US" dirty="0" smtClean="0"/>
-          </a:p>
-          <a:p>
-            <a:pPr lvl="1"/>
-            <a:r>
-              <a:rPr lang="en-US" dirty="0" smtClean="0"/>
-              <a:t>Many </a:t>
-            </a:r>
-            <a:r>
-              <a:rPr lang="en-US" dirty="0" smtClean="0"/>
-              <a:t>vendor-specific interfaces available (dead or alive).</a:t>
+            <a:r>
+              <a:rPr lang="en-US" dirty="0" smtClean="0"/>
+              <a:t>Application Domains</a:t>
+            </a:r>
+          </a:p>
+        </p:txBody>
+      </p:sp>
+      <p:sp>
+        <p:nvSpPr>
+          <p:cNvPr id="23" name="TextBox 22"/>
+          <p:cNvSpPr txBox="1"/>
+          <p:nvPr/>
+        </p:nvSpPr>
+        <p:spPr>
+          <a:xfrm>
+            <a:off x="6397297" y="4225593"/>
+            <a:ext cx="2746703" cy="369332"/>
+          </a:xfrm>
+          <a:prstGeom prst="rect">
+            <a:avLst/>
+          </a:prstGeom>
+          <a:noFill/>
+        </p:spPr>
+        <p:txBody>
+          <a:bodyPr wrap="none" rtlCol="0">
+            <a:spAutoFit/>
+          </a:bodyPr>
+          <a:lstStyle/>
+          <a:p>
+            <a:r>
+              <a:rPr lang="en-US" dirty="0" smtClean="0"/>
+              <a:t>Networking Technologies</a:t>
             </a:r>
           </a:p>
         </p:txBody>
@@ -5318,7 +5826,7 @@
     </p:spTree>
     <p:extLst>
       <p:ext uri="{BB962C8B-B14F-4D97-AF65-F5344CB8AC3E}">
-        <p14:creationId xmlns:p14="http://schemas.microsoft.com/office/powerpoint/2010/main" val="2858392868"/>
+        <p14:creationId xmlns:p14="http://schemas.microsoft.com/office/powerpoint/2010/main" val="3055540685"/>
       </p:ext>
     </p:extLst>
   </p:cSld>
@@ -5329,6 +5837,130 @@
 </file>
 
 <file path=ppt/slides/slide20.xml><?xml version="1.0" encoding="utf-8"?>
+<p:sld xmlns:a="http://schemas.openxmlformats.org/drawingml/2006/main" xmlns:r="http://schemas.openxmlformats.org/officeDocument/2006/relationships" xmlns:p="http://schemas.openxmlformats.org/presentationml/2006/main">
+  <p:cSld>
+    <p:spTree>
+      <p:nvGrpSpPr>
+        <p:cNvPr id="1" name=""/>
+        <p:cNvGrpSpPr/>
+        <p:nvPr/>
+      </p:nvGrpSpPr>
+      <p:grpSpPr>
+        <a:xfrm>
+          <a:off x="0" y="0"/>
+          <a:ext cx="0" cy="0"/>
+          <a:chOff x="0" y="0"/>
+          <a:chExt cx="0" cy="0"/>
+        </a:xfrm>
+      </p:grpSpPr>
+      <p:sp>
+        <p:nvSpPr>
+          <p:cNvPr id="2" name="Title 1"/>
+          <p:cNvSpPr>
+            <a:spLocks noGrp="1"/>
+          </p:cNvSpPr>
+          <p:nvPr>
+            <p:ph type="title"/>
+          </p:nvPr>
+        </p:nvSpPr>
+        <p:spPr>
+          <a:xfrm>
+            <a:off x="111098" y="152400"/>
+            <a:ext cx="8229600" cy="496290"/>
+          </a:xfrm>
+        </p:spPr>
+        <p:txBody>
+          <a:bodyPr/>
+          <a:lstStyle/>
+          <a:p>
+            <a:r>
+              <a:rPr lang="en-US" dirty="0"/>
+              <a:t>CCI/Portals Performance</a:t>
+            </a:r>
+          </a:p>
+        </p:txBody>
+      </p:sp>
+      <p:pic>
+        <p:nvPicPr>
+          <p:cNvPr id="3" name="Picture 2" descr="pingpong-latency-portals-overhead-combined.pdf"/>
+          <p:cNvPicPr>
+            <a:picLocks noChangeAspect="1"/>
+          </p:cNvPicPr>
+          <p:nvPr/>
+        </p:nvPicPr>
+        <p:blipFill>
+          <a:blip r:embed="rId2">
+            <a:extLst>
+              <a:ext uri="{28A0092B-C50C-407E-A947-70E740481C1C}">
+                <a14:useLocalDpi xmlns:a14="http://schemas.microsoft.com/office/drawing/2010/main" val="0"/>
+              </a:ext>
+            </a:extLst>
+          </a:blip>
+          <a:stretch>
+            <a:fillRect/>
+          </a:stretch>
+        </p:blipFill>
+        <p:spPr>
+          <a:xfrm>
+            <a:off x="0" y="1828800"/>
+            <a:ext cx="4572000" cy="3200400"/>
+          </a:xfrm>
+          <a:prstGeom prst="rect">
+            <a:avLst/>
+          </a:prstGeom>
+        </p:spPr>
+      </p:pic>
+      <p:pic>
+        <p:nvPicPr>
+          <p:cNvPr id="4" name="Picture 3" descr="one-sided-latency-portals-overhead.pdf"/>
+          <p:cNvPicPr>
+            <a:picLocks noChangeAspect="1"/>
+          </p:cNvPicPr>
+          <p:nvPr/>
+        </p:nvPicPr>
+        <p:blipFill>
+          <a:blip r:embed="rId3">
+            <a:extLst>
+              <a:ext uri="{28A0092B-C50C-407E-A947-70E740481C1C}">
+                <a14:useLocalDpi xmlns:a14="http://schemas.microsoft.com/office/drawing/2010/main" val="0"/>
+              </a:ext>
+            </a:extLst>
+          </a:blip>
+          <a:stretch>
+            <a:fillRect/>
+          </a:stretch>
+        </p:blipFill>
+        <p:spPr>
+          <a:xfrm>
+            <a:off x="4572000" y="1828800"/>
+            <a:ext cx="4572000" cy="3200400"/>
+          </a:xfrm>
+          <a:prstGeom prst="rect">
+            <a:avLst/>
+          </a:prstGeom>
+        </p:spPr>
+      </p:pic>
+    </p:spTree>
+    <p:extLst>
+      <p:ext uri="{BB962C8B-B14F-4D97-AF65-F5344CB8AC3E}">
+        <p14:creationId xmlns:p14="http://schemas.microsoft.com/office/powerpoint/2010/main" val="1074421676"/>
+      </p:ext>
+    </p:extLst>
+  </p:cSld>
+  <p:clrMapOvr>
+    <a:masterClrMapping/>
+  </p:clrMapOvr>
+  <p:timing>
+    <p:tnLst>
+      <p:par>
+        <p:cTn xmlns:p14="http://schemas.microsoft.com/office/powerpoint/2010/main" id="1" dur="indefinite" restart="never" nodeType="tmRoot"/>
+      </p:par>
+    </p:tnLst>
+  </p:timing>
+</p:sld>
+</file>
+
+<file path=ppt/slides/slide21.xml><?xml version="1.0" encoding="utf-8"?>
 <p:sld xmlns:a="http://schemas.openxmlformats.org/drawingml/2006/main" xmlns:r="http://schemas.openxmlformats.org/officeDocument/2006/relationships" xmlns:p="http://schemas.openxmlformats.org/presentationml/2006/main">
   <p:cSld>
     <p:spTree>
@@ -5525,14 +6157,14 @@
   <p:timing>
     <p:tnLst>
       <p:par>
-        <p:cTn id="1" dur="indefinite" restart="never" nodeType="tmRoot"/>
+        <p:cTn xmlns:p14="http://schemas.microsoft.com/office/powerpoint/2010/main" id="1" dur="indefinite" restart="never" nodeType="tmRoot"/>
       </p:par>
     </p:tnLst>
   </p:timing>
 </p:sld>
 </file>
 
-<file path=ppt/slides/slide21.xml><?xml version="1.0" encoding="utf-8"?>
+<file path=ppt/slides/slide22.xml><?xml version="1.0" encoding="utf-8"?>
 <p:sld xmlns:a="http://schemas.openxmlformats.org/drawingml/2006/main" xmlns:r="http://schemas.openxmlformats.org/officeDocument/2006/relationships" xmlns:p="http://schemas.openxmlformats.org/presentationml/2006/main">
   <p:cSld>
     <p:spTree>
@@ -5723,14 +6355,14 @@
   <p:timing>
     <p:tnLst>
       <p:par>
-        <p:cTn id="1" dur="indefinite" restart="never" nodeType="tmRoot"/>
+        <p:cTn xmlns:p14="http://schemas.microsoft.com/office/powerpoint/2010/main" id="1" dur="indefinite" restart="never" nodeType="tmRoot"/>
       </p:par>
     </p:tnLst>
   </p:timing>
 </p:sld>
 </file>
 
-<file path=ppt/slides/slide22.xml><?xml version="1.0" encoding="utf-8"?>
+<file path=ppt/slides/slide23.xml><?xml version="1.0" encoding="utf-8"?>
 <p:sld xmlns:a="http://schemas.openxmlformats.org/drawingml/2006/main" xmlns:r="http://schemas.openxmlformats.org/officeDocument/2006/relationships" xmlns:p="http://schemas.openxmlformats.org/presentationml/2006/main" show="0">
   <p:cSld>
     <p:spTree>
@@ -5826,7 +6458,7 @@
 </p:sld>
 </file>
 
-<file path=ppt/slides/slide23.xml><?xml version="1.0" encoding="utf-8"?>
+<file path=ppt/slides/slide24.xml><?xml version="1.0" encoding="utf-8"?>
 <p:sld xmlns:a="http://schemas.openxmlformats.org/drawingml/2006/main" xmlns:r="http://schemas.openxmlformats.org/officeDocument/2006/relationships" xmlns:p="http://schemas.openxmlformats.org/presentationml/2006/main" show="0">
   <p:cSld>
     <p:spTree>
@@ -5942,14 +6574,14 @@
   <p:timing>
     <p:tnLst>
       <p:par>
-        <p:cTn id="1" dur="indefinite" restart="never" nodeType="tmRoot"/>
+        <p:cTn xmlns:p14="http://schemas.microsoft.com/office/powerpoint/2010/main" id="1" dur="indefinite" restart="never" nodeType="tmRoot"/>
       </p:par>
     </p:tnLst>
   </p:timing>
 </p:sld>
 </file>
 
-<file path=ppt/slides/slide24.xml><?xml version="1.0" encoding="utf-8"?>
+<file path=ppt/slides/slide25.xml><?xml version="1.0" encoding="utf-8"?>
 <p:sld xmlns:a="http://schemas.openxmlformats.org/drawingml/2006/main" xmlns:r="http://schemas.openxmlformats.org/officeDocument/2006/relationships" xmlns:p="http://schemas.openxmlformats.org/presentationml/2006/main" show="0">
   <p:cSld>
     <p:spTree>
@@ -6271,164 +6903,7 @@
   <p:timing>
     <p:tnLst>
       <p:par>
-        <p:cTn id="1" dur="indefinite" restart="never" nodeType="tmRoot"/>
-      </p:par>
-    </p:tnLst>
-  </p:timing>
-</p:sld>
-</file>
-
-<file path=ppt/slides/slide25.xml><?xml version="1.0" encoding="utf-8"?>
-<p:sld xmlns:a="http://schemas.openxmlformats.org/drawingml/2006/main" xmlns:r="http://schemas.openxmlformats.org/officeDocument/2006/relationships" xmlns:p="http://schemas.openxmlformats.org/presentationml/2006/main" show="0">
-  <p:cSld>
-    <p:spTree>
-      <p:nvGrpSpPr>
-        <p:cNvPr id="1" name=""/>
-        <p:cNvGrpSpPr/>
-        <p:nvPr/>
-      </p:nvGrpSpPr>
-      <p:grpSpPr>
-        <a:xfrm>
-          <a:off x="0" y="0"/>
-          <a:ext cx="0" cy="0"/>
-          <a:chOff x="0" y="0"/>
-          <a:chExt cx="0" cy="0"/>
-        </a:xfrm>
-      </p:grpSpPr>
-      <p:sp>
-        <p:nvSpPr>
-          <p:cNvPr id="2" name="Title 1"/>
-          <p:cNvSpPr>
-            <a:spLocks noGrp="1"/>
-          </p:cNvSpPr>
-          <p:nvPr>
-            <p:ph type="title"/>
-          </p:nvPr>
-        </p:nvSpPr>
-        <p:spPr>
-          <a:xfrm>
-            <a:off x="111098" y="152400"/>
-            <a:ext cx="8229600" cy="496290"/>
-          </a:xfrm>
-        </p:spPr>
-        <p:txBody>
-          <a:bodyPr/>
-          <a:lstStyle/>
-          <a:p>
-            <a:r>
-              <a:rPr lang="en-US" dirty="0"/>
-              <a:t>OFA Verbs</a:t>
-            </a:r>
-          </a:p>
-        </p:txBody>
-      </p:sp>
-      <p:sp>
-        <p:nvSpPr>
-          <p:cNvPr id="3" name="Content Placeholder 2"/>
-          <p:cNvSpPr>
-            <a:spLocks noGrp="1"/>
-          </p:cNvSpPr>
-          <p:nvPr>
-            <p:ph idx="1"/>
-          </p:nvPr>
-        </p:nvSpPr>
-        <p:spPr>
-          <a:xfrm>
-            <a:off x="111204" y="1028701"/>
-            <a:ext cx="8229600" cy="5315815"/>
-          </a:xfrm>
-        </p:spPr>
-        <p:txBody>
-          <a:bodyPr/>
-          <a:lstStyle/>
-          <a:p>
-            <a:r>
-              <a:rPr lang="en-US" sz="2600" dirty="0"/>
-              <a:t>Based on earlier VIA spec</a:t>
-            </a:r>
-          </a:p>
-          <a:p>
-            <a:r>
-              <a:rPr lang="en-US" sz="2600" dirty="0"/>
-              <a:t>Does not specify API, just </a:t>
-            </a:r>
-            <a:r>
-              <a:rPr lang="en-US" sz="2600" i="1" dirty="0"/>
-              <a:t>Verbs</a:t>
-            </a:r>
-          </a:p>
-          <a:p>
-            <a:r>
-              <a:rPr lang="en-US" sz="2600" dirty="0"/>
-              <a:t>Multiple vendor APIs initially</a:t>
-            </a:r>
-          </a:p>
-          <a:p>
-            <a:r>
-              <a:rPr lang="en-US" sz="2600" dirty="0"/>
-              <a:t>Coalesced into Open-Fabrics Association (OFA)</a:t>
-            </a:r>
-          </a:p>
-          <a:p>
-            <a:r>
-              <a:rPr lang="en-US" sz="2600" dirty="0"/>
-              <a:t>Two-sided and one-sided</a:t>
-            </a:r>
-          </a:p>
-          <a:p>
-            <a:r>
-              <a:rPr lang="en-US" sz="2600" dirty="0"/>
-              <a:t>Always asynchronous</a:t>
-            </a:r>
-          </a:p>
-          <a:p>
-            <a:r>
-              <a:rPr lang="en-US" sz="2600" dirty="0"/>
-              <a:t>Reliable and unreliable</a:t>
-            </a:r>
-          </a:p>
-          <a:p>
-            <a:r>
-              <a:rPr lang="en-US" sz="2600" dirty="0"/>
-              <a:t>Connection and connectionless modes</a:t>
-            </a:r>
-          </a:p>
-          <a:p>
-            <a:r>
-              <a:rPr lang="en-US" sz="2600" dirty="0"/>
-              <a:t>Communication requires registered memory</a:t>
-            </a:r>
-          </a:p>
-          <a:p>
-            <a:r>
-              <a:rPr lang="en-US" sz="2600" dirty="0"/>
-              <a:t>Queue-Pair represents logical connection</a:t>
-            </a:r>
-          </a:p>
-        </p:txBody>
-      </p:sp>
-    </p:spTree>
-    <p:extLst>
-      <p:ext uri="{BB962C8B-B14F-4D97-AF65-F5344CB8AC3E}">
-        <p14:creationId xmlns:p14="http://schemas.microsoft.com/office/powerpoint/2010/main" val="3144136157"/>
-      </p:ext>
-    </p:extLst>
-  </p:cSld>
-  <p:clrMapOvr>
-    <a:masterClrMapping/>
-  </p:clrMapOvr>
-  <mc:AlternateContent xmlns:mc="http://schemas.openxmlformats.org/markup-compatibility/2006" xmlns:p14="http://schemas.microsoft.com/office/powerpoint/2010/main">
-    <mc:Choice Requires="p14">
-      <p:transition spd="slow" p14:dur="2000"/>
-    </mc:Choice>
-    <mc:Fallback xmlns="">
-      <p:transition xmlns:p14="http://schemas.microsoft.com/office/powerpoint/2010/main" spd="slow"/>
-    </mc:Fallback>
-  </mc:AlternateContent>
-  <p:timing>
-    <p:tnLst>
-      <p:par>
-        <p:cTn id="1" dur="indefinite" restart="never" nodeType="tmRoot"/>
+        <p:cTn xmlns:p14="http://schemas.microsoft.com/office/powerpoint/2010/main" id="1" dur="indefinite" restart="never" nodeType="tmRoot"/>
       </p:par>
     </p:tnLst>
   </p:timing>
@@ -6474,7 +6949,7 @@
           <a:p>
             <a:r>
               <a:rPr lang="en-US" dirty="0"/>
-              <a:t>Portals</a:t>
+              <a:t>OFA Verbs</a:t>
             </a:r>
           </a:p>
         </p:txBody>
@@ -6491,8 +6966,8 @@
         </p:nvSpPr>
         <p:spPr>
           <a:xfrm>
-            <a:off x="111204" y="1344823"/>
-            <a:ext cx="8229600" cy="3579441"/>
+            <a:off x="111204" y="1028701"/>
+            <a:ext cx="8229600" cy="5315815"/>
           </a:xfrm>
         </p:spPr>
         <p:txBody>
@@ -6500,39 +6975,66 @@
           <a:lstStyle/>
           <a:p>
             <a:r>
-              <a:rPr lang="en-US" dirty="0"/>
-              <a:t>One-sided (Put/Get)</a:t>
-            </a:r>
-          </a:p>
-          <a:p>
-            <a:r>
-              <a:rPr lang="en-US" dirty="0"/>
-              <a:t>Uses tags to steer messages to buffers</a:t>
-            </a:r>
-          </a:p>
-          <a:p>
-            <a:r>
-              <a:rPr lang="en-US" dirty="0"/>
-              <a:t>Connectionless</a:t>
-            </a:r>
-          </a:p>
-          <a:p>
-            <a:pPr lvl="1"/>
-            <a:r>
-              <a:rPr lang="en-US" dirty="0"/>
-              <a:t>Underlying NALs maintain necessary connection state</a:t>
-            </a:r>
-          </a:p>
-          <a:p>
-            <a:r>
-              <a:rPr lang="en-US" dirty="0"/>
-              <a:t>Most commonly used on large HPC systems</a:t>
-            </a:r>
-          </a:p>
-          <a:p>
-            <a:r>
-              <a:rPr lang="en-US" dirty="0"/>
-              <a:t>Lustre distributed file system NAL, LNET, was originally based on Portals</a:t>
+              <a:rPr lang="en-US" sz="2600" dirty="0"/>
+              <a:t>Based on earlier VIA spec</a:t>
+            </a:r>
+          </a:p>
+          <a:p>
+            <a:r>
+              <a:rPr lang="en-US" sz="2600" dirty="0"/>
+              <a:t>Does not specify API, just </a:t>
+            </a:r>
+            <a:r>
+              <a:rPr lang="en-US" sz="2600" i="1" dirty="0"/>
+              <a:t>Verbs</a:t>
+            </a:r>
+          </a:p>
+          <a:p>
+            <a:r>
+              <a:rPr lang="en-US" sz="2600" dirty="0"/>
+              <a:t>Multiple vendor APIs initially</a:t>
+            </a:r>
+          </a:p>
+          <a:p>
+            <a:r>
+              <a:rPr lang="en-US" sz="2600" dirty="0"/>
+              <a:t>Coalesced into Open-Fabrics Association (OFA)</a:t>
+            </a:r>
+          </a:p>
+          <a:p>
+            <a:r>
+              <a:rPr lang="en-US" sz="2600" dirty="0"/>
+              <a:t>Two-sided and one-sided</a:t>
+            </a:r>
+          </a:p>
+          <a:p>
+            <a:r>
+              <a:rPr lang="en-US" sz="2600" dirty="0"/>
+              <a:t>Always asynchronous</a:t>
+            </a:r>
+          </a:p>
+          <a:p>
+            <a:r>
+              <a:rPr lang="en-US" sz="2600" dirty="0"/>
+              <a:t>Reliable and unreliable</a:t>
+            </a:r>
+          </a:p>
+          <a:p>
+            <a:r>
+              <a:rPr lang="en-US" sz="2600" dirty="0"/>
+              <a:t>Connection and connectionless modes</a:t>
+            </a:r>
+          </a:p>
+          <a:p>
+            <a:r>
+              <a:rPr lang="en-US" sz="2600" dirty="0"/>
+              <a:t>Communication requires registered memory</a:t>
+            </a:r>
+          </a:p>
+          <a:p>
+            <a:r>
+              <a:rPr lang="en-US" sz="2600" dirty="0"/>
+              <a:t>Queue-Pair represents logical connection</a:t>
             </a:r>
           </a:p>
         </p:txBody>
@@ -6540,7 +7042,7 @@
     </p:spTree>
     <p:extLst>
       <p:ext uri="{BB962C8B-B14F-4D97-AF65-F5344CB8AC3E}">
-        <p14:creationId xmlns:p14="http://schemas.microsoft.com/office/powerpoint/2010/main" val="3482068955"/>
+        <p14:creationId xmlns:p14="http://schemas.microsoft.com/office/powerpoint/2010/main" val="3144136157"/>
       </p:ext>
     </p:extLst>
   </p:cSld>
@@ -6558,7 +7060,7 @@
   <p:timing>
     <p:tnLst>
       <p:par>
-        <p:cTn id="1" dur="indefinite" restart="never" nodeType="tmRoot"/>
+        <p:cTn xmlns:p14="http://schemas.microsoft.com/office/powerpoint/2010/main" id="1" dur="indefinite" restart="never" nodeType="tmRoot"/>
       </p:par>
     </p:tnLst>
   </p:timing>
@@ -6604,7 +7106,7 @@
           <a:p>
             <a:r>
               <a:rPr lang="en-US" dirty="0"/>
-              <a:t>Myricom MX and Qlogic PSM</a:t>
+              <a:t>Portals</a:t>
             </a:r>
           </a:p>
         </p:txBody>
@@ -6622,7 +7124,7 @@
         <p:spPr>
           <a:xfrm>
             <a:off x="111204" y="1344823"/>
-            <a:ext cx="8229600" cy="4449423"/>
+            <a:ext cx="8229600" cy="3579441"/>
           </a:xfrm>
         </p:spPr>
         <p:txBody>
@@ -6631,52 +7133,38 @@
           <a:p>
             <a:r>
               <a:rPr lang="en-US" dirty="0"/>
-              <a:t>Similar two-sided, matching API</a:t>
-            </a:r>
-          </a:p>
-          <a:p>
-            <a:pPr lvl="1"/>
-            <a:r>
-              <a:rPr lang="en-US" dirty="0"/>
-              <a:t>Designed to support MPI</a:t>
-            </a:r>
-          </a:p>
-          <a:p>
-            <a:r>
-              <a:rPr lang="en-US" dirty="0"/>
-              <a:t>Eager for small messages</a:t>
-            </a:r>
-          </a:p>
-          <a:p>
-            <a:r>
-              <a:rPr lang="en-US" dirty="0"/>
-              <a:t>Zero-copy, rendezvous for large messages</a:t>
-            </a:r>
-          </a:p>
-          <a:p>
-            <a:r>
-              <a:rPr lang="en-US" dirty="0"/>
-              <a:t>Semi-connectionless</a:t>
-            </a:r>
-          </a:p>
-          <a:p>
-            <a:pPr lvl="1"/>
-            <a:r>
-              <a:rPr lang="en-US" dirty="0"/>
-              <a:t>Target does accept connection requests</a:t>
-            </a:r>
-          </a:p>
-          <a:p>
-            <a:pPr lvl="1"/>
-            <a:r>
-              <a:rPr lang="en-US" dirty="0"/>
-              <a:t>Sender connects before sending</a:t>
-            </a:r>
-          </a:p>
-          <a:p>
-            <a:r>
-              <a:rPr lang="en-US" dirty="0"/>
-              <a:t>Reliable, in-order matching with out-of-order completion (like MPI)</a:t>
+              <a:t>One-sided (Put/Get)</a:t>
+            </a:r>
+          </a:p>
+          <a:p>
+            <a:r>
+              <a:rPr lang="en-US" dirty="0"/>
+              <a:t>Uses tags to steer messages to buffers</a:t>
+            </a:r>
+          </a:p>
+          <a:p>
+            <a:r>
+              <a:rPr lang="en-US" dirty="0"/>
+              <a:t>Connectionless</a:t>
+            </a:r>
+          </a:p>
+          <a:p>
+            <a:pPr lvl="1"/>
+            <a:r>
+              <a:rPr lang="en-US" dirty="0"/>
+              <a:t>Underlying NALs maintain necessary connection state</a:t>
+            </a:r>
+          </a:p>
+          <a:p>
+            <a:r>
+              <a:rPr lang="en-US" dirty="0"/>
+              <a:t>Most commonly used on large HPC systems</a:t>
+            </a:r>
+          </a:p>
+          <a:p>
+            <a:r>
+              <a:rPr lang="en-US" dirty="0"/>
+              <a:t>Lustre distributed file system NAL, LNET, was originally based on Portals</a:t>
             </a:r>
           </a:p>
         </p:txBody>
@@ -6684,7 +7172,7 @@
     </p:spTree>
     <p:extLst>
       <p:ext uri="{BB962C8B-B14F-4D97-AF65-F5344CB8AC3E}">
-        <p14:creationId xmlns:p14="http://schemas.microsoft.com/office/powerpoint/2010/main" val="3232013466"/>
+        <p14:creationId xmlns:p14="http://schemas.microsoft.com/office/powerpoint/2010/main" val="3482068955"/>
       </p:ext>
     </p:extLst>
   </p:cSld>
@@ -6702,7 +7190,7 @@
   <p:timing>
     <p:tnLst>
       <p:par>
-        <p:cTn id="1" dur="indefinite" restart="never" nodeType="tmRoot"/>
+        <p:cTn xmlns:p14="http://schemas.microsoft.com/office/powerpoint/2010/main" id="1" dur="indefinite" restart="never" nodeType="tmRoot"/>
       </p:par>
     </p:tnLst>
   </p:timing>
@@ -6748,6 +7236,150 @@
           <a:p>
             <a:r>
               <a:rPr lang="en-US" dirty="0"/>
+              <a:t>Myricom MX and Qlogic PSM</a:t>
+            </a:r>
+          </a:p>
+        </p:txBody>
+      </p:sp>
+      <p:sp>
+        <p:nvSpPr>
+          <p:cNvPr id="3" name="Content Placeholder 2"/>
+          <p:cNvSpPr>
+            <a:spLocks noGrp="1"/>
+          </p:cNvSpPr>
+          <p:nvPr>
+            <p:ph idx="1"/>
+          </p:nvPr>
+        </p:nvSpPr>
+        <p:spPr>
+          <a:xfrm>
+            <a:off x="111204" y="1344823"/>
+            <a:ext cx="8229600" cy="4449423"/>
+          </a:xfrm>
+        </p:spPr>
+        <p:txBody>
+          <a:bodyPr/>
+          <a:lstStyle/>
+          <a:p>
+            <a:r>
+              <a:rPr lang="en-US" dirty="0"/>
+              <a:t>Similar two-sided, matching API</a:t>
+            </a:r>
+          </a:p>
+          <a:p>
+            <a:pPr lvl="1"/>
+            <a:r>
+              <a:rPr lang="en-US" dirty="0"/>
+              <a:t>Designed to support MPI</a:t>
+            </a:r>
+          </a:p>
+          <a:p>
+            <a:r>
+              <a:rPr lang="en-US" dirty="0"/>
+              <a:t>Eager for small messages</a:t>
+            </a:r>
+          </a:p>
+          <a:p>
+            <a:r>
+              <a:rPr lang="en-US" dirty="0"/>
+              <a:t>Zero-copy, rendezvous for large messages</a:t>
+            </a:r>
+          </a:p>
+          <a:p>
+            <a:r>
+              <a:rPr lang="en-US" dirty="0"/>
+              <a:t>Semi-connectionless</a:t>
+            </a:r>
+          </a:p>
+          <a:p>
+            <a:pPr lvl="1"/>
+            <a:r>
+              <a:rPr lang="en-US" dirty="0"/>
+              <a:t>Target does accept connection requests</a:t>
+            </a:r>
+          </a:p>
+          <a:p>
+            <a:pPr lvl="1"/>
+            <a:r>
+              <a:rPr lang="en-US" dirty="0"/>
+              <a:t>Sender connects before sending</a:t>
+            </a:r>
+          </a:p>
+          <a:p>
+            <a:r>
+              <a:rPr lang="en-US" dirty="0"/>
+              <a:t>Reliable, in-order matching with out-of-order completion (like MPI)</a:t>
+            </a:r>
+          </a:p>
+        </p:txBody>
+      </p:sp>
+    </p:spTree>
+    <p:extLst>
+      <p:ext uri="{BB962C8B-B14F-4D97-AF65-F5344CB8AC3E}">
+        <p14:creationId xmlns:p14="http://schemas.microsoft.com/office/powerpoint/2010/main" val="3232013466"/>
+      </p:ext>
+    </p:extLst>
+  </p:cSld>
+  <p:clrMapOvr>
+    <a:masterClrMapping/>
+  </p:clrMapOvr>
+  <mc:AlternateContent xmlns:mc="http://schemas.openxmlformats.org/markup-compatibility/2006" xmlns:p14="http://schemas.microsoft.com/office/powerpoint/2010/main">
+    <mc:Choice Requires="p14">
+      <p:transition spd="slow" p14:dur="2000"/>
+    </mc:Choice>
+    <mc:Fallback xmlns="">
+      <p:transition xmlns:p14="http://schemas.microsoft.com/office/powerpoint/2010/main" spd="slow"/>
+    </mc:Fallback>
+  </mc:AlternateContent>
+  <p:timing>
+    <p:tnLst>
+      <p:par>
+        <p:cTn xmlns:p14="http://schemas.microsoft.com/office/powerpoint/2010/main" id="1" dur="indefinite" restart="never" nodeType="tmRoot"/>
+      </p:par>
+    </p:tnLst>
+  </p:timing>
+</p:sld>
+</file>
+
+<file path=ppt/slides/slide29.xml><?xml version="1.0" encoding="utf-8"?>
+<p:sld xmlns:a="http://schemas.openxmlformats.org/drawingml/2006/main" xmlns:r="http://schemas.openxmlformats.org/officeDocument/2006/relationships" xmlns:p="http://schemas.openxmlformats.org/presentationml/2006/main" show="0">
+  <p:cSld>
+    <p:spTree>
+      <p:nvGrpSpPr>
+        <p:cNvPr id="1" name=""/>
+        <p:cNvGrpSpPr/>
+        <p:nvPr/>
+      </p:nvGrpSpPr>
+      <p:grpSpPr>
+        <a:xfrm>
+          <a:off x="0" y="0"/>
+          <a:ext cx="0" cy="0"/>
+          <a:chOff x="0" y="0"/>
+          <a:chExt cx="0" cy="0"/>
+        </a:xfrm>
+      </p:grpSpPr>
+      <p:sp>
+        <p:nvSpPr>
+          <p:cNvPr id="2" name="Title 1"/>
+          <p:cNvSpPr>
+            <a:spLocks noGrp="1"/>
+          </p:cNvSpPr>
+          <p:nvPr>
+            <p:ph type="title"/>
+          </p:nvPr>
+        </p:nvSpPr>
+        <p:spPr>
+          <a:xfrm>
+            <a:off x="111098" y="152400"/>
+            <a:ext cx="8229600" cy="496290"/>
+          </a:xfrm>
+        </p:spPr>
+        <p:txBody>
+          <a:bodyPr/>
+          <a:lstStyle/>
+          <a:p>
+            <a:r>
+              <a:rPr lang="en-US" dirty="0"/>
               <a:t>IBM LAPI and DCMF</a:t>
             </a:r>
           </a:p>
@@ -6831,7 +7463,7 @@
   <p:timing>
     <p:tnLst>
       <p:par>
-        <p:cTn id="1" dur="indefinite" restart="never" nodeType="tmRoot"/>
+        <p:cTn xmlns:p14="http://schemas.microsoft.com/office/powerpoint/2010/main" id="1" dur="indefinite" restart="never" nodeType="tmRoot"/>
       </p:par>
     </p:tnLst>
   </p:timing>
@@ -6868,7 +7500,7 @@
         <p:spPr>
           <a:xfrm>
             <a:off x="111098" y="152400"/>
-            <a:ext cx="8229600" cy="880369"/>
+            <a:ext cx="8229600" cy="877163"/>
           </a:xfrm>
         </p:spPr>
         <p:txBody>
@@ -6877,15 +7509,16 @@
           <a:p>
             <a:r>
               <a:rPr lang="en-US" dirty="0" smtClean="0"/>
-              <a:t>What if </a:t>
-            </a:r>
-            <a:r>
-              <a:rPr lang="en-US" dirty="0"/>
-              <a:t>you control both sides ?</a:t>
-            </a:r>
-            <a:br>
-              <a:rPr lang="en-US" dirty="0"/>
-            </a:br>
+              <a:t>Applications </a:t>
+            </a:r>
+            <a:r>
+              <a:rPr lang="en-US" dirty="0"/>
+              <a:t>are increasingly data-driven distributed services</a:t>
+            </a:r>
+            <a:r>
+              <a:rPr lang="en-US" dirty="0" smtClean="0"/>
+              <a:t>.</a:t>
+            </a:r>
             <a:endParaRPr lang="en-US" dirty="0"/>
           </a:p>
         </p:txBody>
@@ -6902,30 +7535,77 @@
         </p:nvSpPr>
         <p:spPr>
           <a:xfrm>
-            <a:off x="111204" y="935789"/>
-            <a:ext cx="8229600" cy="5561263"/>
+            <a:off x="124572" y="836823"/>
+            <a:ext cx="8229600" cy="5700335"/>
           </a:xfrm>
         </p:spPr>
         <p:txBody>
           <a:bodyPr>
-            <a:normAutofit fontScale="92500" lnSpcReduction="20000"/>
+            <a:normAutofit/>
           </a:bodyPr>
           <a:lstStyle/>
           <a:p>
-            <a:r>
-              <a:rPr lang="en-US" dirty="0" smtClean="0"/>
-              <a:t>Application </a:t>
-            </a:r>
-            <a:r>
-              <a:rPr lang="en-US" dirty="0" smtClean="0"/>
-              <a:t>developers either:</a:t>
-            </a:r>
-          </a:p>
-          <a:p>
-            <a:pPr lvl="1"/>
-            <a:r>
-              <a:rPr lang="en-US" dirty="0" smtClean="0"/>
-              <a:t>Stick with Sockets</a:t>
+            <a:endParaRPr lang="en-US" dirty="0" smtClean="0"/>
+          </a:p>
+          <a:p>
+            <a:r>
+              <a:rPr lang="en-US" dirty="0" smtClean="0"/>
+              <a:t>These applications may control only one  side of the pipe… </a:t>
+            </a:r>
+          </a:p>
+          <a:p>
+            <a:pPr lvl="1"/>
+            <a:r>
+              <a:rPr lang="en-US" dirty="0" smtClean="0"/>
+              <a:t>Common language: IP on the wire, Socket interface on the host.</a:t>
+            </a:r>
+          </a:p>
+          <a:p>
+            <a:pPr lvl="1"/>
+            <a:r>
+              <a:rPr lang="en-US" dirty="0" smtClean="0"/>
+              <a:t>Applications: web services, media delivery, trading exchange.</a:t>
+            </a:r>
+          </a:p>
+          <a:p>
+            <a:pPr lvl="1"/>
+            <a:r>
+              <a:rPr lang="en-US" dirty="0" smtClean="0"/>
+              <a:t>Not going away, way too much legacy.</a:t>
+            </a:r>
+          </a:p>
+          <a:p>
+            <a:r>
+              <a:rPr lang="en-US" dirty="0" smtClean="0"/>
+              <a:t>Or both sides of the pipe</a:t>
+            </a:r>
+          </a:p>
+          <a:p>
+            <a:pPr lvl="1"/>
+            <a:r>
+              <a:rPr lang="en-US" dirty="0" smtClean="0"/>
+              <a:t>No required wire protocol or programing interface.</a:t>
+            </a:r>
+          </a:p>
+          <a:p>
+            <a:pPr lvl="1"/>
+            <a:r>
+              <a:rPr lang="en-US" dirty="0" smtClean="0"/>
+              <a:t>Applications: back-ends, database, storage</a:t>
+            </a:r>
+          </a:p>
+          <a:p>
+            <a:pPr lvl="2"/>
+            <a:r>
+              <a:rPr lang="en-US" dirty="0" smtClean="0"/>
+              <a:t>Memcached, Big Table, Cassandra.</a:t>
+            </a:r>
+          </a:p>
+          <a:p>
+            <a:pPr lvl="1"/>
+            <a:r>
+              <a:rPr lang="en-US" dirty="0"/>
+              <a:t>Socket interface hinders networking innovation</a:t>
             </a:r>
             <a:r>
               <a:rPr lang="en-US" dirty="0" smtClean="0"/>
@@ -6933,147 +7613,18 @@
             </a:r>
           </a:p>
           <a:p>
-            <a:pPr lvl="2"/>
-            <a:r>
-              <a:rPr lang="en-US" dirty="0"/>
-              <a:t>See substantially less benefit from current generation network </a:t>
-            </a:r>
-            <a:r>
-              <a:rPr lang="en-US" dirty="0" smtClean="0"/>
-              <a:t>technologies.</a:t>
-            </a:r>
-            <a:endParaRPr lang="en-US" dirty="0" smtClean="0"/>
-          </a:p>
-          <a:p>
-            <a:pPr lvl="1"/>
-            <a:r>
-              <a:rPr lang="en-US" dirty="0" smtClean="0"/>
-              <a:t>Lock </a:t>
-            </a:r>
-            <a:r>
-              <a:rPr lang="en-US" dirty="0" smtClean="0"/>
-              <a:t>themselves with a vendor-specific interface</a:t>
-            </a:r>
-            <a:r>
-              <a:rPr lang="en-US" dirty="0" smtClean="0"/>
-              <a:t>.</a:t>
-            </a:r>
-            <a:endParaRPr lang="en-US" dirty="0" smtClean="0"/>
-          </a:p>
-          <a:p>
-            <a:pPr lvl="1"/>
-            <a:r>
-              <a:rPr lang="en-US" dirty="0" smtClean="0"/>
-              <a:t>Support a number of different interfaces</a:t>
-            </a:r>
-            <a:r>
-              <a:rPr lang="en-US" dirty="0" smtClean="0"/>
-              <a:t>.</a:t>
-            </a:r>
-          </a:p>
-          <a:p>
-            <a:pPr lvl="2"/>
-            <a:r>
-              <a:rPr lang="en-US" dirty="0"/>
-              <a:t>Requires deep expertise in multiple low-level network </a:t>
-            </a:r>
-            <a:r>
-              <a:rPr lang="en-US" dirty="0" smtClean="0"/>
-              <a:t>APIs</a:t>
-            </a:r>
-            <a:endParaRPr lang="en-US" dirty="0" smtClean="0"/>
-          </a:p>
-          <a:p>
-            <a:r>
-              <a:rPr lang="en-US" dirty="0" smtClean="0"/>
-              <a:t>Network </a:t>
-            </a:r>
-            <a:r>
-              <a:rPr lang="en-US" dirty="0" smtClean="0"/>
-              <a:t>vendors either:</a:t>
-            </a:r>
-          </a:p>
-          <a:p>
-            <a:pPr lvl="1"/>
-            <a:r>
-              <a:rPr lang="en-US" dirty="0" smtClean="0"/>
-              <a:t>Port Sockets</a:t>
-            </a:r>
-            <a:r>
-              <a:rPr lang="en-US" dirty="0"/>
-              <a:t> </a:t>
-            </a:r>
-            <a:r>
-              <a:rPr lang="en-US" dirty="0" smtClean="0"/>
-              <a:t>on their low-level interface.</a:t>
-            </a:r>
-          </a:p>
-          <a:p>
-            <a:pPr lvl="2"/>
-            <a:r>
-              <a:rPr lang="en-US" dirty="0" smtClean="0"/>
-              <a:t>Limited performance.</a:t>
-            </a:r>
-            <a:endParaRPr lang="en-US" dirty="0" smtClean="0"/>
-          </a:p>
-          <a:p>
-            <a:pPr lvl="1"/>
-            <a:r>
-              <a:rPr lang="en-US" dirty="0" smtClean="0"/>
-              <a:t>Push their interface as the solution</a:t>
-            </a:r>
-            <a:r>
-              <a:rPr lang="en-US" dirty="0" smtClean="0"/>
-              <a:t>.</a:t>
-            </a:r>
-          </a:p>
-          <a:p>
-            <a:pPr lvl="2"/>
-            <a:r>
-              <a:rPr lang="en-US" dirty="0" smtClean="0"/>
-              <a:t>Everybody loves a good lock-in.</a:t>
-            </a:r>
-            <a:endParaRPr lang="en-US" dirty="0" smtClean="0"/>
-          </a:p>
-          <a:p>
-            <a:pPr lvl="1"/>
-            <a:r>
-              <a:rPr lang="en-US" dirty="0" smtClean="0"/>
-              <a:t>Support </a:t>
-            </a:r>
-            <a:r>
-              <a:rPr lang="en-US" dirty="0" smtClean="0"/>
-              <a:t>a number of different applications</a:t>
-            </a:r>
-            <a:r>
-              <a:rPr lang="en-US" dirty="0" smtClean="0"/>
-              <a:t>.</a:t>
-            </a:r>
-          </a:p>
-          <a:p>
-            <a:pPr lvl="2"/>
-            <a:r>
-              <a:rPr lang="en-US" dirty="0"/>
-              <a:t>High support costs relative to potential </a:t>
-            </a:r>
-            <a:r>
-              <a:rPr lang="en-US" dirty="0" smtClean="0"/>
-              <a:t>revenue for niche applications.</a:t>
-            </a:r>
-          </a:p>
-          <a:p>
-            <a:r>
-              <a:rPr lang="en-US" dirty="0" smtClean="0"/>
-              <a:t>We propose CCI to satisfy both application developers’ and network vendors’ needs.</a:t>
-            </a:r>
-            <a:endParaRPr lang="en-US" dirty="0" smtClean="0"/>
+            <a:pPr lvl="1"/>
+            <a:r>
+              <a:rPr lang="en-US" dirty="0" smtClean="0"/>
+              <a:t>Many vendor-specific interfaces available (dead or alive).</a:t>
+            </a:r>
           </a:p>
         </p:txBody>
       </p:sp>
     </p:spTree>
     <p:extLst>
       <p:ext uri="{BB962C8B-B14F-4D97-AF65-F5344CB8AC3E}">
-        <p14:creationId xmlns:p14="http://schemas.microsoft.com/office/powerpoint/2010/main" val="1991255280"/>
+        <p14:creationId xmlns:p14="http://schemas.microsoft.com/office/powerpoint/2010/main" val="2858392868"/>
       </p:ext>
     </p:extLst>
   </p:cSld>
@@ -7113,7 +7664,7 @@
         <p:spPr>
           <a:xfrm>
             <a:off x="111098" y="152400"/>
-            <a:ext cx="8229600" cy="487954"/>
+            <a:ext cx="8229600" cy="880369"/>
           </a:xfrm>
         </p:spPr>
         <p:txBody>
@@ -7122,16 +7673,15 @@
           <a:p>
             <a:r>
               <a:rPr lang="en-US" dirty="0" smtClean="0"/>
-              <a:t>CCI </a:t>
-            </a:r>
-            <a:r>
-              <a:rPr lang="en-US" dirty="0"/>
-              <a:t>d</a:t>
-            </a:r>
-            <a:r>
-              <a:rPr lang="en-US" dirty="0" smtClean="0"/>
-              <a:t>esign goals </a:t>
-            </a:r>
+              <a:t>What if </a:t>
+            </a:r>
+            <a:r>
+              <a:rPr lang="en-US" dirty="0"/>
+              <a:t>you control both sides ?</a:t>
+            </a:r>
+            <a:br>
+              <a:rPr lang="en-US" dirty="0"/>
+            </a:br>
             <a:endParaRPr lang="en-US" dirty="0"/>
           </a:p>
         </p:txBody>
@@ -7148,176 +7698,142 @@
         </p:nvSpPr>
         <p:spPr>
           <a:xfrm>
-            <a:off x="111204" y="1002633"/>
-            <a:ext cx="8229600" cy="5550568"/>
+            <a:off x="111204" y="935789"/>
+            <a:ext cx="8229600" cy="5561263"/>
           </a:xfrm>
         </p:spPr>
         <p:txBody>
           <a:bodyPr>
-            <a:normAutofit fontScale="92500" lnSpcReduction="10000"/>
+            <a:normAutofit fontScale="92500" lnSpcReduction="20000"/>
           </a:bodyPr>
           <a:lstStyle/>
           <a:p>
             <a:r>
-              <a:rPr lang="en-US" dirty="0"/>
-              <a:t>Performance</a:t>
-            </a:r>
-          </a:p>
-          <a:p>
-            <a:pPr lvl="1"/>
-            <a:r>
-              <a:rPr lang="en-US" dirty="0"/>
-              <a:t>Utilize OS-</a:t>
-            </a:r>
-            <a:r>
-              <a:rPr lang="en-US" dirty="0" smtClean="0"/>
-              <a:t>bypass, </a:t>
-            </a:r>
-            <a:r>
-              <a:rPr lang="en-US" dirty="0"/>
-              <a:t>zero-copy, one-sided, asynchronous </a:t>
-            </a:r>
-            <a:r>
-              <a:rPr lang="en-US" dirty="0" smtClean="0"/>
-              <a:t>operations if available.</a:t>
-            </a:r>
-            <a:endParaRPr lang="en-US" dirty="0" smtClean="0"/>
-          </a:p>
-          <a:p>
-            <a:pPr lvl="1"/>
-            <a:r>
-              <a:rPr lang="en-US" dirty="0" smtClean="0"/>
-              <a:t>Performance </a:t>
-            </a:r>
-            <a:r>
-              <a:rPr lang="en-US" dirty="0" smtClean="0"/>
-              <a:t>portable across host-based implementations and high-end offloaded </a:t>
-            </a:r>
-            <a:r>
-              <a:rPr lang="en-US" dirty="0" smtClean="0"/>
-              <a:t>implementations.</a:t>
-            </a:r>
-            <a:endParaRPr lang="en-US" dirty="0"/>
-          </a:p>
-          <a:p>
-            <a:r>
-              <a:rPr lang="en-US" dirty="0"/>
-              <a:t>Portability</a:t>
-            </a:r>
-          </a:p>
-          <a:p>
-            <a:pPr lvl="1"/>
-            <a:r>
-              <a:rPr lang="en-US" dirty="0"/>
-              <a:t>Developers have limited </a:t>
-            </a:r>
-            <a:r>
-              <a:rPr lang="en-US" dirty="0" smtClean="0"/>
-              <a:t>resources.</a:t>
-            </a:r>
-            <a:endParaRPr lang="en-US" dirty="0"/>
-          </a:p>
-          <a:p>
-            <a:pPr lvl="1"/>
-            <a:r>
-              <a:rPr lang="en-US" dirty="0"/>
-              <a:t>Provide common </a:t>
-            </a:r>
-            <a:r>
-              <a:rPr lang="en-US" dirty="0" smtClean="0"/>
-              <a:t>abstraction across a wide-variety of networking </a:t>
+              <a:rPr lang="en-US" dirty="0" smtClean="0"/>
+              <a:t>Application developers either:</a:t>
+            </a:r>
+          </a:p>
+          <a:p>
+            <a:pPr lvl="1"/>
+            <a:r>
+              <a:rPr lang="en-US" dirty="0" smtClean="0"/>
+              <a:t>Stick with Sockets.</a:t>
+            </a:r>
+          </a:p>
+          <a:p>
+            <a:pPr lvl="2"/>
+            <a:r>
+              <a:rPr lang="en-US" dirty="0"/>
+              <a:t>See substantially less benefit from current generation network </a:t>
             </a:r>
             <a:r>
               <a:rPr lang="en-US" dirty="0" smtClean="0"/>
               <a:t>technologies.</a:t>
             </a:r>
-            <a:endParaRPr lang="en-US" dirty="0"/>
-          </a:p>
-          <a:p>
-            <a:pPr lvl="1"/>
-            <a:r>
-              <a:rPr lang="en-US" dirty="0"/>
-              <a:t>Avoid vendor lock-</a:t>
-            </a:r>
-            <a:r>
-              <a:rPr lang="en-US" dirty="0" smtClean="0"/>
-              <a:t>in through a vendor neutral </a:t>
-            </a:r>
-            <a:r>
-              <a:rPr lang="en-US" dirty="0" smtClean="0"/>
-              <a:t>API.</a:t>
-            </a:r>
-            <a:endParaRPr lang="en-US" dirty="0"/>
-          </a:p>
-          <a:p>
-            <a:r>
-              <a:rPr lang="en-US" dirty="0"/>
-              <a:t>Simplicity</a:t>
-            </a:r>
-          </a:p>
-          <a:p>
-            <a:pPr lvl="1"/>
-            <a:r>
-              <a:rPr lang="en-US" dirty="0"/>
-              <a:t>Must not be so complicated that only experts can use </a:t>
-            </a:r>
-            <a:r>
-              <a:rPr lang="en-US" dirty="0" smtClean="0"/>
-              <a:t>it.</a:t>
-            </a:r>
-            <a:endParaRPr lang="en-US" dirty="0"/>
-          </a:p>
-          <a:p>
-            <a:pPr lvl="1"/>
-            <a:r>
-              <a:rPr lang="en-US" dirty="0" smtClean="0"/>
-              <a:t>Provide the </a:t>
-            </a:r>
-            <a:r>
-              <a:rPr lang="en-US" dirty="0"/>
-              <a:t>right balance of </a:t>
-            </a:r>
-            <a:r>
-              <a:rPr lang="en-US" dirty="0" smtClean="0"/>
-              <a:t>functionality without sacrificing </a:t>
-            </a:r>
-            <a:r>
-              <a:rPr lang="en-US" dirty="0" smtClean="0"/>
-              <a:t>simplicity.</a:t>
-            </a:r>
-            <a:endParaRPr lang="en-US" dirty="0"/>
-          </a:p>
-          <a:p>
-            <a:pPr lvl="1"/>
-            <a:r>
-              <a:rPr lang="en-US" dirty="0"/>
-              <a:t>Complexity tends to increase code size and maintenance </a:t>
-            </a:r>
-            <a:r>
-              <a:rPr lang="en-US" dirty="0" smtClean="0"/>
-              <a:t>cost.</a:t>
-            </a:r>
-            <a:endParaRPr lang="en-US" dirty="0"/>
+          </a:p>
+          <a:p>
+            <a:pPr lvl="1"/>
+            <a:r>
+              <a:rPr lang="en-US" dirty="0" smtClean="0"/>
+              <a:t>Lock themselves with a vendor-specific interface.</a:t>
+            </a:r>
+          </a:p>
+          <a:p>
+            <a:pPr lvl="1"/>
+            <a:r>
+              <a:rPr lang="en-US" dirty="0" smtClean="0"/>
+              <a:t>Support a number of different interfaces.</a:t>
+            </a:r>
+          </a:p>
+          <a:p>
+            <a:pPr lvl="2"/>
+            <a:r>
+              <a:rPr lang="en-US" dirty="0"/>
+              <a:t>Requires deep expertise in multiple low-level network </a:t>
+            </a:r>
+            <a:r>
+              <a:rPr lang="en-US" dirty="0" smtClean="0"/>
+              <a:t>APIs</a:t>
+            </a:r>
+          </a:p>
+          <a:p>
+            <a:r>
+              <a:rPr lang="en-US" dirty="0" smtClean="0"/>
+              <a:t>Network vendors either:</a:t>
+            </a:r>
+          </a:p>
+          <a:p>
+            <a:pPr lvl="1"/>
+            <a:r>
+              <a:rPr lang="en-US" dirty="0" smtClean="0"/>
+              <a:t>Port Sockets</a:t>
+            </a:r>
+            <a:r>
+              <a:rPr lang="en-US" dirty="0"/>
+              <a:t> </a:t>
+            </a:r>
+            <a:r>
+              <a:rPr lang="en-US" dirty="0" smtClean="0"/>
+              <a:t>on their low-level interface.</a:t>
+            </a:r>
+          </a:p>
+          <a:p>
+            <a:pPr lvl="2"/>
+            <a:r>
+              <a:rPr lang="en-US" dirty="0" smtClean="0"/>
+              <a:t>Limited performance.</a:t>
+            </a:r>
+          </a:p>
+          <a:p>
+            <a:pPr lvl="1"/>
+            <a:r>
+              <a:rPr lang="en-US" dirty="0" smtClean="0"/>
+              <a:t>Push their interface as the solution.</a:t>
+            </a:r>
+          </a:p>
+          <a:p>
+            <a:pPr lvl="2"/>
+            <a:r>
+              <a:rPr lang="en-US" dirty="0" smtClean="0"/>
+              <a:t>Everybody loves a good lock-in.</a:t>
+            </a:r>
+          </a:p>
+          <a:p>
+            <a:pPr lvl="1"/>
+            <a:r>
+              <a:rPr lang="en-US" dirty="0" smtClean="0"/>
+              <a:t>Support a number of different applications.</a:t>
+            </a:r>
+          </a:p>
+          <a:p>
+            <a:pPr lvl="2"/>
+            <a:r>
+              <a:rPr lang="en-US" dirty="0"/>
+              <a:t>High support costs relative to potential </a:t>
+            </a:r>
+            <a:r>
+              <a:rPr lang="en-US" dirty="0" smtClean="0"/>
+              <a:t>revenue for niche applications.</a:t>
+            </a:r>
+          </a:p>
+          <a:p>
+            <a:r>
+              <a:rPr lang="en-US" dirty="0" smtClean="0"/>
+              <a:t>We propose CCI to satisfy both application developers’ and network vendors’ needs.</a:t>
+            </a:r>
           </a:p>
         </p:txBody>
       </p:sp>
     </p:spTree>
     <p:extLst>
       <p:ext uri="{BB962C8B-B14F-4D97-AF65-F5344CB8AC3E}">
-        <p14:creationId xmlns:p14="http://schemas.microsoft.com/office/powerpoint/2010/main" val="2649674716"/>
+        <p14:creationId xmlns:p14="http://schemas.microsoft.com/office/powerpoint/2010/main" val="1991255280"/>
       </p:ext>
     </p:extLst>
   </p:cSld>
   <p:clrMapOvr>
     <a:masterClrMapping/>
   </p:clrMapOvr>
-  <p:timing>
-    <p:tnLst>
-      <p:par>
-        <p:cTn id="1" dur="indefinite" restart="never" nodeType="tmRoot"/>
-      </p:par>
-    </p:tnLst>
-  </p:timing>
 </p:sld>
 </file>
 
@@ -7348,14 +7864,27 @@
             <p:ph type="title"/>
           </p:nvPr>
         </p:nvSpPr>
-        <p:spPr/>
+        <p:spPr>
+          <a:xfrm>
+            <a:off x="111098" y="152400"/>
+            <a:ext cx="8229600" cy="487954"/>
+          </a:xfrm>
+        </p:spPr>
         <p:txBody>
           <a:bodyPr/>
           <a:lstStyle/>
           <a:p>
             <a:r>
               <a:rPr lang="en-US" dirty="0" smtClean="0"/>
-              <a:t>CCI design goals</a:t>
+              <a:t>CCI </a:t>
+            </a:r>
+            <a:r>
+              <a:rPr lang="en-US" dirty="0"/>
+              <a:t>d</a:t>
+            </a:r>
+            <a:r>
+              <a:rPr lang="en-US" dirty="0" smtClean="0"/>
+              <a:t>esign goals </a:t>
             </a:r>
             <a:endParaRPr lang="en-US" dirty="0"/>
           </a:p>
@@ -7373,78 +7902,134 @@
         </p:nvSpPr>
         <p:spPr>
           <a:xfrm>
-            <a:off x="111204" y="1125025"/>
-            <a:ext cx="8229600" cy="4557145"/>
-          </a:xfrm>
-        </p:spPr>
-        <p:txBody>
-          <a:bodyPr/>
+            <a:off x="111204" y="1002633"/>
+            <a:ext cx="8229600" cy="5550568"/>
+          </a:xfrm>
+        </p:spPr>
+        <p:txBody>
+          <a:bodyPr>
+            <a:normAutofit fontScale="92500" lnSpcReduction="10000"/>
+          </a:bodyPr>
           <a:lstStyle/>
           <a:p>
             <a:r>
-              <a:rPr lang="en-US" dirty="0" smtClean="0"/>
-              <a:t>Scalability</a:t>
-            </a:r>
-          </a:p>
-          <a:p>
-            <a:pPr lvl="1"/>
-            <a:r>
-              <a:rPr lang="en-US" dirty="0"/>
-              <a:t>Dynamic process </a:t>
-            </a:r>
-            <a:r>
-              <a:rPr lang="en-US" dirty="0" smtClean="0"/>
-              <a:t>management: peers </a:t>
-            </a:r>
-            <a:r>
-              <a:rPr lang="en-US" dirty="0"/>
-              <a:t>come and go – not statically known a priori</a:t>
-            </a:r>
-            <a:r>
-              <a:rPr lang="en-US" dirty="0" smtClean="0"/>
-              <a:t>.</a:t>
+              <a:rPr lang="en-US" dirty="0"/>
+              <a:t>Performance</a:t>
+            </a:r>
+          </a:p>
+          <a:p>
+            <a:pPr lvl="1"/>
+            <a:r>
+              <a:rPr lang="en-US" dirty="0"/>
+              <a:t>Utilize OS-</a:t>
+            </a:r>
+            <a:r>
+              <a:rPr lang="en-US" dirty="0" smtClean="0"/>
+              <a:t>bypass, </a:t>
+            </a:r>
+            <a:r>
+              <a:rPr lang="en-US" dirty="0"/>
+              <a:t>zero-copy, one-sided, asynchronous </a:t>
+            </a:r>
+            <a:r>
+              <a:rPr lang="en-US" dirty="0" smtClean="0"/>
+              <a:t>operations if available.</a:t>
+            </a:r>
+          </a:p>
+          <a:p>
+            <a:pPr lvl="1"/>
+            <a:r>
+              <a:rPr lang="en-US" dirty="0" smtClean="0"/>
+              <a:t>Performance portable across host-based implementations and high-end offloaded implementations.</a:t>
             </a:r>
             <a:endParaRPr lang="en-US" dirty="0"/>
           </a:p>
           <a:p>
-            <a:pPr lvl="1"/>
-            <a:r>
-              <a:rPr lang="en-US" dirty="0"/>
-              <a:t>Approaching 10^6 nodes and 10^9 cores.</a:t>
-            </a:r>
-          </a:p>
-          <a:p>
-            <a:pPr lvl="1"/>
-            <a:r>
-              <a:rPr lang="en-US" dirty="0"/>
-              <a:t>Time (polling) and space (buffer) cannot grow linearly with number of peers</a:t>
-            </a:r>
-            <a:r>
-              <a:rPr lang="en-US" dirty="0" smtClean="0"/>
-              <a:t>.</a:t>
-            </a:r>
-          </a:p>
-          <a:p>
-            <a:r>
-              <a:rPr lang="en-US" dirty="0" smtClean="0"/>
-              <a:t>Robustness</a:t>
-            </a:r>
-          </a:p>
-          <a:p>
-            <a:pPr lvl="1"/>
-            <a:r>
-              <a:rPr lang="en-US" dirty="0"/>
-              <a:t>Failures increase with component count.</a:t>
-            </a:r>
-          </a:p>
-          <a:p>
-            <a:pPr lvl="1"/>
-            <a:r>
-              <a:rPr lang="en-US" dirty="0"/>
-              <a:t>Need to contain faults to a single peer (i.e. fault isolation).</a:t>
-            </a:r>
-          </a:p>
-          <a:p>
+            <a:r>
+              <a:rPr lang="en-US" dirty="0"/>
+              <a:t>Portability</a:t>
+            </a:r>
+          </a:p>
+          <a:p>
+            <a:pPr lvl="1"/>
+            <a:r>
+              <a:rPr lang="en-US" dirty="0"/>
+              <a:t>Developers have limited </a:t>
+            </a:r>
+            <a:r>
+              <a:rPr lang="en-US" dirty="0" smtClean="0"/>
+              <a:t>resources.</a:t>
+            </a:r>
+            <a:endParaRPr lang="en-US" dirty="0"/>
+          </a:p>
+          <a:p>
+            <a:pPr lvl="1"/>
+            <a:r>
+              <a:rPr lang="en-US" dirty="0"/>
+              <a:t>Provide common </a:t>
+            </a:r>
+            <a:r>
+              <a:rPr lang="en-US" dirty="0" smtClean="0"/>
+              <a:t>abstraction across a wide-variety of networking technologies.</a:t>
+            </a:r>
+            <a:endParaRPr lang="en-US" dirty="0"/>
+          </a:p>
+          <a:p>
+            <a:pPr lvl="1"/>
+            <a:r>
+              <a:rPr lang="en-US" dirty="0"/>
+              <a:t>Avoid vendor lock-</a:t>
+            </a:r>
+            <a:r>
+              <a:rPr lang="en-US" dirty="0" smtClean="0"/>
+              <a:t>in through a vendor neutral API.</a:t>
+            </a:r>
+            <a:endParaRPr lang="en-US" dirty="0"/>
+          </a:p>
+          <a:p>
+            <a:r>
+              <a:rPr lang="en-US" dirty="0"/>
+              <a:t>Simplicity</a:t>
+            </a:r>
+          </a:p>
+          <a:p>
+            <a:pPr lvl="1"/>
+            <a:r>
+              <a:rPr lang="en-US" dirty="0"/>
+              <a:t>Must not be so complicated that only experts can use </a:t>
+            </a:r>
+            <a:r>
+              <a:rPr lang="en-US" dirty="0" smtClean="0"/>
+              <a:t>it.</a:t>
+            </a:r>
+            <a:endParaRPr lang="en-US" dirty="0"/>
+          </a:p>
+          <a:p>
+            <a:pPr lvl="1"/>
+            <a:r>
+              <a:rPr lang="en-US" dirty="0" smtClean="0"/>
+              <a:t>Provide the </a:t>
+            </a:r>
+            <a:r>
+              <a:rPr lang="en-US" dirty="0"/>
+              <a:t>right balance of </a:t>
+            </a:r>
+            <a:r>
+              <a:rPr lang="en-US" dirty="0" smtClean="0"/>
+              <a:t>functionality without sacrificing simplicity.</a:t>
+            </a:r>
+            <a:endParaRPr lang="en-US" dirty="0"/>
+          </a:p>
+          <a:p>
+            <a:pPr lvl="1"/>
+            <a:r>
+              <a:rPr lang="en-US" dirty="0"/>
+              <a:t>Complexity tends to increase code size and maintenance </a:t>
+            </a:r>
+            <a:r>
+              <a:rPr lang="en-US" dirty="0" smtClean="0"/>
+              <a:t>cost.</a:t>
+            </a:r>
             <a:endParaRPr lang="en-US" dirty="0"/>
           </a:p>
         </p:txBody>
@@ -7452,13 +8037,20 @@
     </p:spTree>
     <p:extLst>
       <p:ext uri="{BB962C8B-B14F-4D97-AF65-F5344CB8AC3E}">
-        <p14:creationId xmlns:p14="http://schemas.microsoft.com/office/powerpoint/2010/main" val="779400986"/>
+        <p14:creationId xmlns:p14="http://schemas.microsoft.com/office/powerpoint/2010/main" val="2649674716"/>
       </p:ext>
     </p:extLst>
   </p:cSld>
   <p:clrMapOvr>
     <a:masterClrMapping/>
   </p:clrMapOvr>
+  <p:timing>
+    <p:tnLst>
+      <p:par>
+        <p:cTn xmlns:p14="http://schemas.microsoft.com/office/powerpoint/2010/main" id="1" dur="indefinite" restart="never" nodeType="tmRoot"/>
+      </p:par>
+    </p:tnLst>
+  </p:timing>
 </p:sld>
 </file>
 
@@ -7489,19 +8081,14 @@
             <p:ph type="title"/>
           </p:nvPr>
         </p:nvSpPr>
-        <p:spPr>
-          <a:xfrm>
-            <a:off x="111098" y="152400"/>
-            <a:ext cx="8229600" cy="496290"/>
-          </a:xfrm>
-        </p:spPr>
+        <p:spPr/>
         <p:txBody>
           <a:bodyPr/>
           <a:lstStyle/>
           <a:p>
             <a:r>
               <a:rPr lang="en-US" dirty="0" smtClean="0"/>
-              <a:t>The landscape</a:t>
+              <a:t>CCI design goals</a:t>
             </a:r>
             <a:endParaRPr lang="en-US" dirty="0"/>
           </a:p>
@@ -7519,8 +8106,8 @@
         </p:nvSpPr>
         <p:spPr>
           <a:xfrm>
-            <a:off x="111204" y="1344823"/>
-            <a:ext cx="8229600" cy="1621982"/>
+            <a:off x="111204" y="1125025"/>
+            <a:ext cx="8229600" cy="4557145"/>
           </a:xfrm>
         </p:spPr>
         <p:txBody>
@@ -7528,41 +8115,83 @@
           <a:lstStyle/>
           <a:p>
             <a:r>
-              <a:rPr lang="en-US" dirty="0"/>
-              <a:t>Sockets</a:t>
-            </a:r>
-          </a:p>
-          <a:p>
-            <a:r>
-              <a:rPr lang="en-US" dirty="0"/>
-              <a:t>MPI</a:t>
-            </a:r>
-          </a:p>
-          <a:p>
-            <a:r>
-              <a:rPr lang="en-US" dirty="0"/>
-              <a:t>Specialized</a:t>
-            </a:r>
+              <a:rPr lang="en-US" dirty="0" smtClean="0"/>
+              <a:t>Scalability</a:t>
+            </a:r>
+          </a:p>
+          <a:p>
+            <a:pPr lvl="1"/>
+            <a:r>
+              <a:rPr lang="en-US" dirty="0"/>
+              <a:t>Dynamic process </a:t>
+            </a:r>
+            <a:r>
+              <a:rPr lang="en-US" dirty="0" smtClean="0"/>
+              <a:t>management: peers </a:t>
+            </a:r>
+            <a:r>
+              <a:rPr lang="en-US" dirty="0"/>
+              <a:t>come and go – not statically known a priori</a:t>
+            </a:r>
+            <a:r>
+              <a:rPr lang="en-US" dirty="0" smtClean="0"/>
+              <a:t>.</a:t>
+            </a:r>
+            <a:endParaRPr lang="en-US" dirty="0"/>
+          </a:p>
+          <a:p>
+            <a:pPr lvl="1"/>
+            <a:r>
+              <a:rPr lang="en-US" dirty="0"/>
+              <a:t>Approaching 10^6 nodes and 10^9 cores.</a:t>
+            </a:r>
+          </a:p>
+          <a:p>
+            <a:pPr lvl="1"/>
+            <a:r>
+              <a:rPr lang="en-US" dirty="0"/>
+              <a:t>Time (polling) and space (buffer) cannot grow linearly with number of peers</a:t>
+            </a:r>
+            <a:r>
+              <a:rPr lang="en-US" dirty="0" smtClean="0"/>
+              <a:t>.</a:t>
+            </a:r>
+          </a:p>
+          <a:p>
+            <a:r>
+              <a:rPr lang="en-US" dirty="0" smtClean="0"/>
+              <a:t>Robustness</a:t>
+            </a:r>
+          </a:p>
+          <a:p>
+            <a:pPr lvl="1"/>
+            <a:r>
+              <a:rPr lang="en-US" dirty="0"/>
+              <a:t>Failures increase with component count.</a:t>
+            </a:r>
+          </a:p>
+          <a:p>
+            <a:pPr lvl="1"/>
+            <a:r>
+              <a:rPr lang="en-US" dirty="0"/>
+              <a:t>Need to contain faults to a single peer (i.e. fault isolation).</a:t>
+            </a:r>
+          </a:p>
+          <a:p>
+            <a:endParaRPr lang="en-US" dirty="0"/>
           </a:p>
         </p:txBody>
       </p:sp>
     </p:spTree>
     <p:extLst>
       <p:ext uri="{BB962C8B-B14F-4D97-AF65-F5344CB8AC3E}">
-        <p14:creationId xmlns:p14="http://schemas.microsoft.com/office/powerpoint/2010/main" val="3007031719"/>
+        <p14:creationId xmlns:p14="http://schemas.microsoft.com/office/powerpoint/2010/main" val="779400986"/>
       </p:ext>
     </p:extLst>
   </p:cSld>
   <p:clrMapOvr>
     <a:masterClrMapping/>
   </p:clrMapOvr>
-  <p:timing>
-    <p:tnLst>
-      <p:par>
-        <p:cTn id="1" dur="indefinite" restart="never" nodeType="tmRoot"/>
-      </p:par>
-    </p:tnLst>
-  </p:timing>
 </p:sld>
 </file>
 
@@ -7604,104 +8233,48 @@
           <a:lstStyle/>
           <a:p>
             <a:r>
+              <a:rPr lang="en-US" dirty="0" smtClean="0"/>
+              <a:t>The landscape</a:t>
+            </a:r>
+            <a:endParaRPr lang="en-US" dirty="0"/>
+          </a:p>
+        </p:txBody>
+      </p:sp>
+      <p:sp>
+        <p:nvSpPr>
+          <p:cNvPr id="3" name="Content Placeholder 2"/>
+          <p:cNvSpPr>
+            <a:spLocks noGrp="1"/>
+          </p:cNvSpPr>
+          <p:nvPr>
+            <p:ph idx="1"/>
+          </p:nvPr>
+        </p:nvSpPr>
+        <p:spPr>
+          <a:xfrm>
+            <a:off x="111204" y="1344823"/>
+            <a:ext cx="8229600" cy="1621982"/>
+          </a:xfrm>
+        </p:spPr>
+        <p:txBody>
+          <a:bodyPr/>
+          <a:lstStyle/>
+          <a:p>
+            <a:r>
               <a:rPr lang="en-US" dirty="0"/>
               <a:t>Sockets</a:t>
             </a:r>
           </a:p>
-        </p:txBody>
-      </p:sp>
-      <p:sp>
-        <p:nvSpPr>
-          <p:cNvPr id="3" name="Content Placeholder 2"/>
-          <p:cNvSpPr>
-            <a:spLocks noGrp="1"/>
-          </p:cNvSpPr>
-          <p:nvPr>
-            <p:ph idx="1"/>
-          </p:nvPr>
-        </p:nvSpPr>
-        <p:spPr>
-          <a:xfrm>
-            <a:off x="111204" y="1069474"/>
-            <a:ext cx="8229600" cy="5523831"/>
-          </a:xfrm>
-        </p:spPr>
-        <p:txBody>
-          <a:bodyPr>
-            <a:normAutofit/>
-          </a:bodyPr>
-          <a:lstStyle/>
-          <a:p>
-            <a:r>
-              <a:rPr lang="en-US" dirty="0"/>
-              <a:t>Most widely used</a:t>
-            </a:r>
-          </a:p>
-          <a:p>
-            <a:pPr lvl="1"/>
-            <a:r>
-              <a:rPr lang="en-US" dirty="0"/>
-              <a:t>Simple API</a:t>
-            </a:r>
-          </a:p>
-          <a:p>
-            <a:pPr lvl="1"/>
-            <a:r>
-              <a:rPr lang="en-US" dirty="0"/>
-              <a:t>Robustness (failure tolerant)</a:t>
-            </a:r>
-          </a:p>
-          <a:p>
-            <a:pPr lvl="1"/>
-            <a:r>
-              <a:rPr lang="en-US" dirty="0"/>
-              <a:t>Implicit </a:t>
-            </a:r>
-            <a:r>
-              <a:rPr lang="en-US" dirty="0" smtClean="0"/>
-              <a:t>buffering</a:t>
-            </a:r>
-          </a:p>
-          <a:p>
-            <a:pPr lvl="1"/>
-            <a:r>
-              <a:rPr lang="en-US" dirty="0" smtClean="0"/>
-              <a:t>Ubiquitous </a:t>
-            </a:r>
-            <a:endParaRPr lang="en-US" dirty="0"/>
-          </a:p>
-          <a:p>
-            <a:r>
-              <a:rPr lang="en-US" dirty="0" smtClean="0"/>
-              <a:t>Unable to exploit many of the features of current-generation networking technologies </a:t>
-            </a:r>
-          </a:p>
-          <a:p>
-            <a:pPr lvl="1"/>
-            <a:r>
-              <a:rPr lang="en-US" dirty="0" smtClean="0"/>
-              <a:t>Cannot support zero-copy</a:t>
-            </a:r>
-          </a:p>
-          <a:p>
-            <a:pPr lvl="1"/>
-            <a:r>
-              <a:rPr lang="en-US" dirty="0" smtClean="0"/>
-              <a:t>Does not scale</a:t>
-            </a:r>
-          </a:p>
-          <a:p>
-            <a:pPr lvl="2"/>
-            <a:r>
-              <a:rPr lang="en-US" dirty="0" smtClean="0"/>
-              <a:t>In time: linear polling or interrupts.</a:t>
-            </a:r>
-          </a:p>
-          <a:p>
-            <a:pPr lvl="2"/>
-            <a:r>
-              <a:rPr lang="en-US" dirty="0" smtClean="0"/>
-              <a:t>In space: per socket resources.</a:t>
+          <a:p>
+            <a:r>
+              <a:rPr lang="en-US" dirty="0"/>
+              <a:t>MPI</a:t>
+            </a:r>
+          </a:p>
+          <a:p>
+            <a:r>
+              <a:rPr lang="en-US" dirty="0"/>
+              <a:t>Specialized</a:t>
             </a:r>
           </a:p>
         </p:txBody>
@@ -7709,7 +8282,7 @@
     </p:spTree>
     <p:extLst>
       <p:ext uri="{BB962C8B-B14F-4D97-AF65-F5344CB8AC3E}">
-        <p14:creationId xmlns:p14="http://schemas.microsoft.com/office/powerpoint/2010/main" val="3932495684"/>
+        <p14:creationId xmlns:p14="http://schemas.microsoft.com/office/powerpoint/2010/main" val="3007031719"/>
       </p:ext>
     </p:extLst>
   </p:cSld>
@@ -7719,7 +8292,7 @@
   <p:timing>
     <p:tnLst>
       <p:par>
-        <p:cTn id="1" dur="indefinite" restart="never" nodeType="tmRoot"/>
+        <p:cTn xmlns:p14="http://schemas.microsoft.com/office/powerpoint/2010/main" id="1" dur="indefinite" restart="never" nodeType="tmRoot"/>
       </p:par>
     </p:tnLst>
   </p:timing>
@@ -7765,7 +8338,7 @@
           <a:p>
             <a:r>
               <a:rPr lang="en-US" dirty="0"/>
-              <a:t>MPI</a:t>
+              <a:t>Sockets</a:t>
             </a:r>
           </a:p>
         </p:txBody>
@@ -7782,105 +8355,94 @@
         </p:nvSpPr>
         <p:spPr>
           <a:xfrm>
-            <a:off x="111204" y="987928"/>
-            <a:ext cx="8229600" cy="4976234"/>
-          </a:xfrm>
-          <a:ln>
-            <a:noFill/>
-          </a:ln>
-        </p:spPr>
-        <p:txBody>
-          <a:bodyPr/>
+            <a:off x="111204" y="1069474"/>
+            <a:ext cx="8229600" cy="5523831"/>
+          </a:xfrm>
+        </p:spPr>
+        <p:txBody>
+          <a:bodyPr>
+            <a:normAutofit/>
+          </a:bodyPr>
           <a:lstStyle/>
           <a:p>
             <a:r>
-              <a:rPr lang="en-US" sz="2400" dirty="0" smtClean="0"/>
-              <a:t>Designed as a bridge between application developers’ and network vendors’ needs in the High Performance Computing market </a:t>
-            </a:r>
-          </a:p>
-          <a:p>
-            <a:pPr lvl="1"/>
-            <a:r>
-              <a:rPr lang="en-US" sz="2000" dirty="0" smtClean="0"/>
-              <a:t>Standardization began nearly two decades  ago </a:t>
-            </a:r>
-            <a:endParaRPr lang="en-US" sz="2000" dirty="0"/>
-          </a:p>
-          <a:p>
-            <a:r>
-              <a:rPr lang="en-US" sz="2400" dirty="0" smtClean="0"/>
-              <a:t>MPI is the de-facto standard in HPC, Why not elsewhere?</a:t>
-            </a:r>
-          </a:p>
-          <a:p>
-            <a:pPr lvl="1"/>
-            <a:r>
-              <a:rPr lang="en-US" sz="2000" dirty="0" smtClean="0"/>
-              <a:t>High level of complexity </a:t>
+              <a:rPr lang="en-US" dirty="0"/>
+              <a:t>Most widely used</a:t>
+            </a:r>
+          </a:p>
+          <a:p>
+            <a:pPr lvl="1"/>
+            <a:r>
+              <a:rPr lang="en-US" dirty="0"/>
+              <a:t>Simple API</a:t>
+            </a:r>
+          </a:p>
+          <a:p>
+            <a:pPr lvl="1"/>
+            <a:r>
+              <a:rPr lang="en-US" dirty="0"/>
+              <a:t>Robustness (failure tolerant)</a:t>
+            </a:r>
+          </a:p>
+          <a:p>
+            <a:pPr lvl="1"/>
+            <a:r>
+              <a:rPr lang="en-US" dirty="0"/>
+              <a:t>Implicit </a:t>
+            </a:r>
+            <a:r>
+              <a:rPr lang="en-US" dirty="0" smtClean="0"/>
+              <a:t>buffering</a:t>
+            </a:r>
+          </a:p>
+          <a:p>
+            <a:pPr lvl="1"/>
+            <a:r>
+              <a:rPr lang="en-US" dirty="0" smtClean="0"/>
+              <a:t>Ubiquitous </a:t>
+            </a:r>
+            <a:endParaRPr lang="en-US" dirty="0"/>
+          </a:p>
+          <a:p>
+            <a:r>
+              <a:rPr lang="en-US" dirty="0" smtClean="0"/>
+              <a:t>Unable to exploit many of the features of current-generation networking technologies </a:t>
+            </a:r>
+          </a:p>
+          <a:p>
+            <a:pPr lvl="1"/>
+            <a:r>
+              <a:rPr lang="en-US" dirty="0" smtClean="0"/>
+              <a:t>Cannot support zero-copy</a:t>
+            </a:r>
+          </a:p>
+          <a:p>
+            <a:pPr lvl="1"/>
+            <a:r>
+              <a:rPr lang="en-US" dirty="0" smtClean="0"/>
+              <a:t>Does not scale</a:t>
             </a:r>
           </a:p>
           <a:p>
             <a:pPr lvl="2"/>
             <a:r>
               <a:rPr lang="en-US" dirty="0" smtClean="0"/>
-              <a:t>200+ functions in MPI-1, 300+ in MPI-2</a:t>
-            </a:r>
-          </a:p>
-          <a:p>
-            <a:pPr lvl="1"/>
-            <a:r>
-              <a:rPr lang="en-US" sz="2000" dirty="0" smtClean="0"/>
-              <a:t>Original standard ignored dynamic environments</a:t>
+              <a:t>In time: linear polling or interrupts.</a:t>
             </a:r>
           </a:p>
           <a:p>
             <a:pPr lvl="2"/>
             <a:r>
               <a:rPr lang="en-US" dirty="0" smtClean="0"/>
-              <a:t>Added later but not widely adopted </a:t>
-            </a:r>
-            <a:endParaRPr lang="en-US" dirty="0"/>
-          </a:p>
-          <a:p>
-            <a:pPr lvl="1"/>
-            <a:r>
-              <a:rPr lang="en-US" sz="2000" dirty="0" smtClean="0"/>
-              <a:t>Rigid </a:t>
-            </a:r>
-            <a:r>
-              <a:rPr lang="en-US" sz="2000" dirty="0"/>
-              <a:t>fault </a:t>
-            </a:r>
-            <a:r>
-              <a:rPr lang="en-US" sz="2000" dirty="0" smtClean="0"/>
-              <a:t>model</a:t>
-            </a:r>
-          </a:p>
-          <a:p>
-            <a:pPr lvl="2"/>
-            <a:r>
-              <a:rPr lang="en-US" dirty="0" smtClean="0"/>
-              <a:t>Common fault case is abort execution of entire distributed application </a:t>
-            </a:r>
-          </a:p>
-          <a:p>
-            <a:pPr lvl="2"/>
-            <a:r>
-              <a:rPr lang="en-US" dirty="0" smtClean="0"/>
-              <a:t>Robust fault tolerance requires use of MPI dynamic process management (see above) </a:t>
-            </a:r>
-            <a:endParaRPr lang="en-US" dirty="0"/>
-          </a:p>
-          <a:p>
-            <a:pPr lvl="1"/>
-            <a:endParaRPr lang="en-US" sz="2100" dirty="0"/>
+              <a:t>In space: per socket resources.</a:t>
+            </a:r>
           </a:p>
         </p:txBody>
       </p:sp>
     </p:spTree>
     <p:extLst>
       <p:ext uri="{BB962C8B-B14F-4D97-AF65-F5344CB8AC3E}">
-        <p14:creationId xmlns:p14="http://schemas.microsoft.com/office/powerpoint/2010/main" val="2790947775"/>
+        <p14:creationId xmlns:p14="http://schemas.microsoft.com/office/powerpoint/2010/main" val="3932495684"/>
       </p:ext>
     </p:extLst>
   </p:cSld>
@@ -7890,7 +8452,7 @@
   <p:timing>
     <p:tnLst>
       <p:par>
-        <p:cTn id="1" dur="indefinite" restart="never" nodeType="tmRoot"/>
+        <p:cTn xmlns:p14="http://schemas.microsoft.com/office/powerpoint/2010/main" id="1" dur="indefinite" restart="never" nodeType="tmRoot"/>
       </p:par>
     </p:tnLst>
   </p:timing>
@@ -7924,240 +8486,134 @@
             <p:ph type="title"/>
           </p:nvPr>
         </p:nvSpPr>
-        <p:spPr/>
+        <p:spPr>
+          <a:xfrm>
+            <a:off x="111098" y="152400"/>
+            <a:ext cx="8229600" cy="496290"/>
+          </a:xfrm>
+        </p:spPr>
         <p:txBody>
           <a:bodyPr/>
           <a:lstStyle/>
           <a:p>
             <a:r>
-              <a:rPr lang="en-US" dirty="0" smtClean="0"/>
-              <a:t>Specialized APIs abound</a:t>
+              <a:rPr lang="en-US" dirty="0"/>
+              <a:t>MPI</a:t>
+            </a:r>
+          </a:p>
+        </p:txBody>
+      </p:sp>
+      <p:sp>
+        <p:nvSpPr>
+          <p:cNvPr id="3" name="Content Placeholder 2"/>
+          <p:cNvSpPr>
+            <a:spLocks noGrp="1"/>
+          </p:cNvSpPr>
+          <p:nvPr>
+            <p:ph idx="1"/>
+          </p:nvPr>
+        </p:nvSpPr>
+        <p:spPr>
+          <a:xfrm>
+            <a:off x="111204" y="987928"/>
+            <a:ext cx="8229600" cy="4976234"/>
+          </a:xfrm>
+          <a:ln>
+            <a:noFill/>
+          </a:ln>
+        </p:spPr>
+        <p:txBody>
+          <a:bodyPr/>
+          <a:lstStyle/>
+          <a:p>
+            <a:r>
+              <a:rPr lang="en-US" sz="2400" dirty="0" smtClean="0"/>
+              <a:t>Designed as a bridge between application developers’ and network vendors’ needs in the High Performance Computing market </a:t>
+            </a:r>
+          </a:p>
+          <a:p>
+            <a:pPr lvl="1"/>
+            <a:r>
+              <a:rPr lang="en-US" sz="2000" dirty="0" smtClean="0"/>
+              <a:t>Standardization began nearly two decades  ago </a:t>
+            </a:r>
+            <a:endParaRPr lang="en-US" sz="2000" dirty="0"/>
+          </a:p>
+          <a:p>
+            <a:r>
+              <a:rPr lang="en-US" sz="2400" dirty="0" smtClean="0"/>
+              <a:t>MPI is the de-facto standard in HPC, Why not elsewhere?</a:t>
+            </a:r>
+          </a:p>
+          <a:p>
+            <a:pPr lvl="1"/>
+            <a:r>
+              <a:rPr lang="en-US" sz="2000" dirty="0" smtClean="0"/>
+              <a:t>High level of complexity </a:t>
+            </a:r>
+          </a:p>
+          <a:p>
+            <a:pPr lvl="2"/>
+            <a:r>
+              <a:rPr lang="en-US" dirty="0" smtClean="0"/>
+              <a:t>200+ functions in MPI-1, 300+ in MPI-2</a:t>
+            </a:r>
+          </a:p>
+          <a:p>
+            <a:pPr lvl="1"/>
+            <a:r>
+              <a:rPr lang="en-US" sz="2000" dirty="0" smtClean="0"/>
+              <a:t>Original standard ignored dynamic environments</a:t>
+            </a:r>
+          </a:p>
+          <a:p>
+            <a:pPr lvl="2"/>
+            <a:r>
+              <a:rPr lang="en-US" dirty="0" smtClean="0"/>
+              <a:t>Added later but not widely adopted </a:t>
             </a:r>
             <a:endParaRPr lang="en-US" dirty="0"/>
           </a:p>
-        </p:txBody>
-      </p:sp>
-      <p:sp>
-        <p:nvSpPr>
-          <p:cNvPr id="3" name="Content Placeholder 2"/>
-          <p:cNvSpPr>
-            <a:spLocks noGrp="1"/>
-          </p:cNvSpPr>
-          <p:nvPr>
-            <p:ph sz="half" idx="1"/>
-          </p:nvPr>
-        </p:nvSpPr>
-        <p:spPr/>
-        <p:txBody>
-          <a:bodyPr>
-            <a:normAutofit fontScale="77500" lnSpcReduction="20000"/>
-          </a:bodyPr>
-          <a:lstStyle/>
-          <a:p>
-            <a:r>
-              <a:rPr lang="en-US" dirty="0"/>
-              <a:t>OFA </a:t>
-            </a:r>
-            <a:r>
-              <a:rPr lang="en-US" dirty="0" smtClean="0"/>
-              <a:t>Verbs </a:t>
-            </a:r>
-          </a:p>
-          <a:p>
-            <a:pPr lvl="1"/>
-            <a:r>
-              <a:rPr lang="en-US" dirty="0" smtClean="0"/>
-              <a:t>High level of complexity, vendor lock-in is a concern</a:t>
+          <a:p>
+            <a:pPr lvl="1"/>
+            <a:r>
+              <a:rPr lang="en-US" sz="2000" dirty="0" smtClean="0"/>
+              <a:t>Rigid </a:t>
+            </a:r>
+            <a:r>
+              <a:rPr lang="en-US" sz="2000" dirty="0"/>
+              <a:t>fault </a:t>
+            </a:r>
+            <a:r>
+              <a:rPr lang="en-US" sz="2000" dirty="0" smtClean="0"/>
+              <a:t>model</a:t>
+            </a:r>
+          </a:p>
+          <a:p>
+            <a:pPr lvl="2"/>
+            <a:r>
+              <a:rPr lang="en-US" dirty="0" smtClean="0"/>
+              <a:t>Common fault case is abort execution of entire distributed application </a:t>
+            </a:r>
+          </a:p>
+          <a:p>
+            <a:pPr lvl="2"/>
+            <a:r>
+              <a:rPr lang="en-US" dirty="0" smtClean="0"/>
+              <a:t>Robust fault tolerance requires use of MPI dynamic process management (see above) </a:t>
             </a:r>
             <a:endParaRPr lang="en-US" dirty="0"/>
           </a:p>
           <a:p>
-            <a:r>
-              <a:rPr lang="en-US" dirty="0"/>
-              <a:t>Cray/Sandia’s </a:t>
-            </a:r>
-            <a:r>
-              <a:rPr lang="en-US" dirty="0" smtClean="0"/>
-              <a:t>Portals</a:t>
-            </a:r>
-          </a:p>
-          <a:p>
-            <a:pPr lvl="1"/>
-            <a:r>
-              <a:rPr lang="en-US" dirty="0" smtClean="0"/>
-              <a:t>Highly specialized interface targeted towards HPC (MPI, SHMEM, UPC)</a:t>
-            </a:r>
-            <a:endParaRPr lang="en-US" dirty="0"/>
-          </a:p>
-          <a:p>
-            <a:r>
-              <a:rPr lang="en-US" dirty="0"/>
-              <a:t>Qlogics’s </a:t>
-            </a:r>
-            <a:r>
-              <a:rPr lang="en-US" dirty="0" smtClean="0"/>
-              <a:t>PSM</a:t>
-            </a:r>
-          </a:p>
-          <a:p>
-            <a:pPr lvl="1"/>
-            <a:r>
-              <a:rPr lang="en-US" dirty="0" smtClean="0"/>
-              <a:t>Highly specialized interface targeted towards MPI </a:t>
-            </a:r>
-            <a:endParaRPr lang="en-US" dirty="0"/>
-          </a:p>
-          <a:p>
-            <a:r>
-              <a:rPr lang="en-US" dirty="0"/>
-              <a:t>Myricom’s </a:t>
-            </a:r>
-            <a:r>
-              <a:rPr lang="en-US" dirty="0" smtClean="0"/>
-              <a:t>MX</a:t>
-            </a:r>
-          </a:p>
-          <a:p>
-            <a:pPr lvl="1"/>
-            <a:r>
-              <a:rPr lang="en-US" dirty="0"/>
-              <a:t>Highly specialized interface targeted towards MPI </a:t>
-            </a:r>
-            <a:endParaRPr lang="en-US" dirty="0" smtClean="0"/>
-          </a:p>
-          <a:p>
-            <a:r>
-              <a:rPr lang="en-US" dirty="0"/>
-              <a:t>IBM’s LAPI and DCMF</a:t>
-            </a:r>
-          </a:p>
-          <a:p>
-            <a:pPr lvl="1"/>
-            <a:r>
-              <a:rPr lang="en-US" dirty="0"/>
-              <a:t>Limited support outside of IBM network </a:t>
-            </a:r>
-            <a:r>
-              <a:rPr lang="en-US" dirty="0" smtClean="0"/>
-              <a:t>technologies</a:t>
-            </a:r>
-            <a:endParaRPr lang="en-US" dirty="0"/>
-          </a:p>
-        </p:txBody>
-      </p:sp>
-      <p:sp>
-        <p:nvSpPr>
-          <p:cNvPr id="6" name="Content Placeholder 5"/>
-          <p:cNvSpPr>
-            <a:spLocks noGrp="1"/>
-          </p:cNvSpPr>
-          <p:nvPr>
-            <p:ph sz="half" idx="2"/>
-          </p:nvPr>
-        </p:nvSpPr>
-        <p:spPr/>
-        <p:txBody>
-          <a:bodyPr>
-            <a:normAutofit fontScale="77500" lnSpcReduction="20000"/>
-          </a:bodyPr>
-          <a:lstStyle/>
-          <a:p>
-            <a:r>
-              <a:rPr lang="en-US" dirty="0"/>
-              <a:t>DAPL</a:t>
-            </a:r>
-          </a:p>
-          <a:p>
-            <a:pPr lvl="1"/>
-            <a:r>
-              <a:rPr lang="en-US" dirty="0"/>
-              <a:t>Limited support outside of </a:t>
-            </a:r>
-            <a:r>
-              <a:rPr lang="en-US" dirty="0" err="1"/>
-              <a:t>iWARP</a:t>
-            </a:r>
-            <a:r>
-              <a:rPr lang="en-US" dirty="0"/>
-              <a:t> capable devices </a:t>
-            </a:r>
-          </a:p>
-          <a:p>
-            <a:r>
-              <a:rPr lang="en-US" dirty="0" smtClean="0"/>
-              <a:t>LBL’s </a:t>
-            </a:r>
-            <a:r>
-              <a:rPr lang="en-US" dirty="0" err="1"/>
-              <a:t>GASnet</a:t>
-            </a:r>
-            <a:endParaRPr lang="en-US" dirty="0"/>
-          </a:p>
-          <a:p>
-            <a:pPr lvl="1"/>
-            <a:r>
-              <a:rPr lang="en-US" dirty="0"/>
-              <a:t>Designed specifically for the needs of UPC</a:t>
-            </a:r>
-          </a:p>
-          <a:p>
-            <a:r>
-              <a:rPr lang="en-US" dirty="0" smtClean="0"/>
-              <a:t>ARMCI</a:t>
-            </a:r>
-            <a:endParaRPr lang="en-US" dirty="0"/>
-          </a:p>
-          <a:p>
-            <a:pPr lvl="1"/>
-            <a:r>
-              <a:rPr lang="en-US" dirty="0"/>
-              <a:t>Designed specifically for the needs of Global Arrays</a:t>
-            </a:r>
-          </a:p>
-          <a:p>
-            <a:r>
-              <a:rPr lang="en-US" dirty="0"/>
-              <a:t>LNET</a:t>
-            </a:r>
-          </a:p>
-          <a:p>
-            <a:pPr lvl="1"/>
-            <a:r>
-              <a:rPr lang="en-US" dirty="0"/>
-              <a:t> Designed specifically for the needs of </a:t>
-            </a:r>
-            <a:r>
-              <a:rPr lang="en-US" dirty="0" err="1"/>
-              <a:t>Lustre</a:t>
-            </a:r>
-            <a:r>
-              <a:rPr lang="en-US" dirty="0" smtClean="0"/>
-              <a:t>.</a:t>
-            </a:r>
-          </a:p>
-          <a:p>
-            <a:r>
-              <a:rPr lang="en-US" dirty="0" smtClean="0"/>
-              <a:t>BMI</a:t>
-            </a:r>
-          </a:p>
-          <a:p>
-            <a:pPr lvl="1"/>
-            <a:r>
-              <a:rPr lang="en-US" dirty="0" smtClean="0"/>
-              <a:t>Designed specifically for the needs of PVFS</a:t>
-            </a:r>
-            <a:endParaRPr lang="en-US" dirty="0"/>
-          </a:p>
-          <a:p>
-            <a:endParaRPr lang="en-US" dirty="0"/>
+            <a:pPr lvl="1"/>
+            <a:endParaRPr lang="en-US" sz="2100" dirty="0"/>
           </a:p>
         </p:txBody>
       </p:sp>
     </p:spTree>
     <p:extLst>
       <p:ext uri="{BB962C8B-B14F-4D97-AF65-F5344CB8AC3E}">
-        <p14:creationId xmlns:p14="http://schemas.microsoft.com/office/powerpoint/2010/main" val="3718705044"/>
+        <p14:creationId xmlns:p14="http://schemas.microsoft.com/office/powerpoint/2010/main" val="2790947775"/>
       </p:ext>
     </p:extLst>
   </p:cSld>
@@ -8167,7 +8623,7 @@
   <p:timing>
     <p:tnLst>
       <p:par>
-        <p:cTn id="1" dur="indefinite" restart="never" nodeType="tmRoot"/>
+        <p:cTn xmlns:p14="http://schemas.microsoft.com/office/powerpoint/2010/main" id="1" dur="indefinite" restart="never" nodeType="tmRoot"/>
       </p:par>
     </p:tnLst>
   </p:timing>

--- a/slides/HotI-2011/2011-HotI-CCI-OLCF.pptx
+++ b/slides/HotI-2011/2011-HotI-CCI-OLCF.pptx
@@ -12,9 +12,9 @@
   </p:handoutMasterIdLst>
   <p:sldIdLst>
     <p:sldId id="275" r:id="rId2"/>
-    <p:sldId id="308" r:id="rId3"/>
-    <p:sldId id="303" r:id="rId4"/>
-    <p:sldId id="304" r:id="rId5"/>
+    <p:sldId id="303" r:id="rId3"/>
+    <p:sldId id="304" r:id="rId4"/>
+    <p:sldId id="308" r:id="rId5"/>
     <p:sldId id="301" r:id="rId6"/>
     <p:sldId id="306" r:id="rId7"/>
     <p:sldId id="279" r:id="rId8"/>
@@ -777,7 +777,7 @@
             <a:fld id="{A3588623-9414-4A4F-B728-DDF491331B9F}" type="slidenum">
               <a:rPr lang="en-US" smtClean="0"/>
               <a:pPr/>
-              <a:t>3</a:t>
+              <a:t>2</a:t>
             </a:fld>
             <a:endParaRPr lang="en-US" dirty="0"/>
           </a:p>
@@ -862,7 +862,7 @@
             <a:fld id="{A3588623-9414-4A4F-B728-DDF491331B9F}" type="slidenum">
               <a:rPr lang="en-US" smtClean="0"/>
               <a:pPr/>
-              <a:t>4</a:t>
+              <a:t>3</a:t>
             </a:fld>
             <a:endParaRPr lang="en-US" dirty="0"/>
           </a:p>
@@ -5442,7 +5442,7 @@
         <p:spPr>
           <a:xfrm>
             <a:off x="111098" y="152400"/>
-            <a:ext cx="8229600" cy="496290"/>
+            <a:ext cx="8229600" cy="877163"/>
           </a:xfrm>
         </p:spPr>
         <p:txBody>
@@ -5451,374 +5451,114 @@
           <a:p>
             <a:r>
               <a:rPr lang="en-US" dirty="0" smtClean="0"/>
-              <a:t>Adding insulation can save you money</a:t>
+              <a:t>Applications </a:t>
+            </a:r>
+            <a:r>
+              <a:rPr lang="en-US" dirty="0"/>
+              <a:t>are increasingly data-driven distributed services</a:t>
+            </a:r>
+            <a:r>
+              <a:rPr lang="en-US" dirty="0" smtClean="0"/>
+              <a:t>.</a:t>
             </a:r>
             <a:endParaRPr lang="en-US" dirty="0"/>
           </a:p>
         </p:txBody>
       </p:sp>
-      <p:pic>
-        <p:nvPicPr>
-          <p:cNvPr id="6" name="Picture 5"/>
-          <p:cNvPicPr>
-            <a:picLocks noChangeAspect="1"/>
-          </p:cNvPicPr>
-          <p:nvPr/>
-        </p:nvPicPr>
-        <p:blipFill>
-          <a:blip r:embed="rId2"/>
-          <a:stretch>
-            <a:fillRect/>
-          </a:stretch>
-        </p:blipFill>
-        <p:spPr>
-          <a:xfrm>
-            <a:off x="700718" y="1547521"/>
-            <a:ext cx="1171689" cy="726447"/>
-          </a:xfrm>
-          <a:prstGeom prst="rect">
-            <a:avLst/>
-          </a:prstGeom>
-        </p:spPr>
-      </p:pic>
-      <p:pic>
-        <p:nvPicPr>
-          <p:cNvPr id="7" name="Picture 6"/>
-          <p:cNvPicPr>
-            <a:picLocks noChangeAspect="1"/>
-          </p:cNvPicPr>
-          <p:nvPr/>
-        </p:nvPicPr>
-        <p:blipFill>
-          <a:blip r:embed="rId3"/>
-          <a:stretch>
-            <a:fillRect/>
-          </a:stretch>
-        </p:blipFill>
-        <p:spPr>
-          <a:xfrm>
-            <a:off x="2689192" y="5726501"/>
-            <a:ext cx="2974943" cy="939966"/>
-          </a:xfrm>
-          <a:prstGeom prst="rect">
-            <a:avLst/>
-          </a:prstGeom>
-        </p:spPr>
-      </p:pic>
-      <p:pic>
-        <p:nvPicPr>
-          <p:cNvPr id="9" name="Picture 8"/>
-          <p:cNvPicPr>
-            <a:picLocks noChangeAspect="1"/>
-          </p:cNvPicPr>
-          <p:nvPr/>
-        </p:nvPicPr>
-        <p:blipFill>
-          <a:blip r:embed="rId4"/>
-          <a:stretch>
-            <a:fillRect/>
-          </a:stretch>
-        </p:blipFill>
-        <p:spPr>
-          <a:xfrm>
-            <a:off x="2052174" y="1109543"/>
-            <a:ext cx="1056231" cy="758139"/>
-          </a:xfrm>
-          <a:prstGeom prst="rect">
-            <a:avLst/>
-          </a:prstGeom>
-        </p:spPr>
-      </p:pic>
-      <p:pic>
-        <p:nvPicPr>
-          <p:cNvPr id="10" name="Picture 9"/>
-          <p:cNvPicPr>
-            <a:picLocks noChangeAspect="1"/>
-          </p:cNvPicPr>
-          <p:nvPr/>
-        </p:nvPicPr>
-        <p:blipFill>
-          <a:blip r:embed="rId5"/>
-          <a:stretch>
-            <a:fillRect/>
-          </a:stretch>
-        </p:blipFill>
-        <p:spPr>
-          <a:xfrm>
-            <a:off x="7243430" y="1305127"/>
-            <a:ext cx="1900570" cy="1030531"/>
-          </a:xfrm>
-          <a:prstGeom prst="rect">
-            <a:avLst/>
-          </a:prstGeom>
-        </p:spPr>
-      </p:pic>
-      <p:pic>
-        <p:nvPicPr>
-          <p:cNvPr id="11" name="Picture 10"/>
-          <p:cNvPicPr>
-            <a:picLocks noChangeAspect="1"/>
-          </p:cNvPicPr>
-          <p:nvPr/>
-        </p:nvPicPr>
-        <p:blipFill>
-          <a:blip r:embed="rId6"/>
-          <a:stretch>
-            <a:fillRect/>
-          </a:stretch>
-        </p:blipFill>
-        <p:spPr>
-          <a:xfrm>
-            <a:off x="5853911" y="1078862"/>
-            <a:ext cx="1532822" cy="1282565"/>
-          </a:xfrm>
-          <a:prstGeom prst="rect">
-            <a:avLst/>
-          </a:prstGeom>
-        </p:spPr>
-      </p:pic>
-      <p:pic>
-        <p:nvPicPr>
-          <p:cNvPr id="13" name="Picture 12"/>
-          <p:cNvPicPr>
-            <a:picLocks noChangeAspect="1"/>
-          </p:cNvPicPr>
-          <p:nvPr/>
-        </p:nvPicPr>
-        <p:blipFill>
-          <a:blip r:embed="rId7"/>
-          <a:stretch>
-            <a:fillRect/>
-          </a:stretch>
-        </p:blipFill>
-        <p:spPr>
-          <a:xfrm>
-            <a:off x="2579091" y="4116991"/>
-            <a:ext cx="3171850" cy="1585925"/>
-          </a:xfrm>
-          <a:prstGeom prst="rect">
-            <a:avLst/>
-          </a:prstGeom>
-        </p:spPr>
-      </p:pic>
-      <p:pic>
-        <p:nvPicPr>
-          <p:cNvPr id="14" name="Picture 13"/>
-          <p:cNvPicPr>
-            <a:picLocks noChangeAspect="1"/>
-          </p:cNvPicPr>
-          <p:nvPr/>
-        </p:nvPicPr>
-        <p:blipFill>
-          <a:blip r:embed="rId8"/>
-          <a:stretch>
-            <a:fillRect/>
-          </a:stretch>
-        </p:blipFill>
-        <p:spPr>
-          <a:xfrm>
-            <a:off x="5554200" y="4657237"/>
-            <a:ext cx="1161010" cy="1109179"/>
-          </a:xfrm>
-          <a:prstGeom prst="rect">
-            <a:avLst/>
-          </a:prstGeom>
-        </p:spPr>
-      </p:pic>
-      <p:pic>
-        <p:nvPicPr>
-          <p:cNvPr id="12" name="Picture 11"/>
-          <p:cNvPicPr>
-            <a:picLocks noChangeAspect="1"/>
-          </p:cNvPicPr>
-          <p:nvPr/>
-        </p:nvPicPr>
-        <p:blipFill>
-          <a:blip r:embed="rId9"/>
-          <a:stretch>
-            <a:fillRect/>
-          </a:stretch>
-        </p:blipFill>
-        <p:spPr>
-          <a:xfrm>
-            <a:off x="1688293" y="4657163"/>
-            <a:ext cx="1068157" cy="1003699"/>
-          </a:xfrm>
-          <a:prstGeom prst="rect">
-            <a:avLst/>
-          </a:prstGeom>
-        </p:spPr>
-      </p:pic>
-      <p:pic>
-        <p:nvPicPr>
-          <p:cNvPr id="17" name="Picture 16" descr="Fig4_5.jpg"/>
-          <p:cNvPicPr/>
-          <p:nvPr/>
-        </p:nvPicPr>
-        <p:blipFill>
-          <a:blip r:embed="rId10"/>
-          <a:stretch>
-            <a:fillRect/>
-          </a:stretch>
-        </p:blipFill>
-        <p:spPr>
-          <a:xfrm>
-            <a:off x="4057297" y="1182540"/>
-            <a:ext cx="1700375" cy="1242071"/>
-          </a:xfrm>
-          <a:prstGeom prst="rect">
-            <a:avLst/>
-          </a:prstGeom>
-        </p:spPr>
-      </p:pic>
-      <p:pic>
-        <p:nvPicPr>
-          <p:cNvPr id="18" name="Picture 17"/>
-          <p:cNvPicPr>
-            <a:picLocks noChangeAspect="1"/>
-          </p:cNvPicPr>
-          <p:nvPr/>
-        </p:nvPicPr>
-        <p:blipFill>
-          <a:blip r:embed="rId11"/>
-          <a:stretch>
-            <a:fillRect/>
-          </a:stretch>
-        </p:blipFill>
-        <p:spPr>
-          <a:xfrm>
-            <a:off x="6992578" y="5132392"/>
-            <a:ext cx="1832126" cy="1246115"/>
-          </a:xfrm>
-          <a:prstGeom prst="rect">
-            <a:avLst/>
-          </a:prstGeom>
-        </p:spPr>
-      </p:pic>
-      <p:pic>
-        <p:nvPicPr>
-          <p:cNvPr id="19" name="Picture 18"/>
-          <p:cNvPicPr>
-            <a:picLocks noChangeAspect="1"/>
-          </p:cNvPicPr>
-          <p:nvPr/>
-        </p:nvPicPr>
-        <p:blipFill>
-          <a:blip r:embed="rId12"/>
-          <a:stretch>
-            <a:fillRect/>
-          </a:stretch>
-        </p:blipFill>
-        <p:spPr>
-          <a:xfrm>
-            <a:off x="504370" y="4934547"/>
-            <a:ext cx="1067130" cy="1370965"/>
-          </a:xfrm>
-          <a:prstGeom prst="rect">
-            <a:avLst/>
-          </a:prstGeom>
-        </p:spPr>
-      </p:pic>
-      <p:pic>
-        <p:nvPicPr>
-          <p:cNvPr id="20" name="Picture 19"/>
-          <p:cNvPicPr>
-            <a:picLocks noChangeAspect="1"/>
-          </p:cNvPicPr>
-          <p:nvPr/>
-        </p:nvPicPr>
-        <p:blipFill>
-          <a:blip r:embed="rId13"/>
-          <a:stretch>
-            <a:fillRect/>
-          </a:stretch>
-        </p:blipFill>
-        <p:spPr>
-          <a:xfrm>
-            <a:off x="3451359" y="2559551"/>
-            <a:ext cx="1964605" cy="1851262"/>
-          </a:xfrm>
-          <a:prstGeom prst="rect">
-            <a:avLst/>
-          </a:prstGeom>
-        </p:spPr>
-      </p:pic>
-      <p:pic>
-        <p:nvPicPr>
-          <p:cNvPr id="21" name="Picture 20" descr="Gasifier_Ts_tn.png"/>
-          <p:cNvPicPr/>
-          <p:nvPr/>
-        </p:nvPicPr>
-        <p:blipFill>
-          <a:blip r:embed="rId14"/>
-          <a:stretch>
-            <a:fillRect/>
-          </a:stretch>
-        </p:blipFill>
-        <p:spPr>
-          <a:xfrm>
-            <a:off x="3313811" y="1776492"/>
-            <a:ext cx="872745" cy="872745"/>
-          </a:xfrm>
-          <a:prstGeom prst="rect">
-            <a:avLst/>
-          </a:prstGeom>
-        </p:spPr>
-      </p:pic>
-      <p:sp>
-        <p:nvSpPr>
-          <p:cNvPr id="22" name="TextBox 21"/>
-          <p:cNvSpPr txBox="1"/>
-          <p:nvPr/>
-        </p:nvSpPr>
-        <p:spPr>
-          <a:xfrm>
-            <a:off x="452547" y="2423476"/>
-            <a:ext cx="2301694" cy="369332"/>
-          </a:xfrm>
-          <a:prstGeom prst="rect">
-            <a:avLst/>
-          </a:prstGeom>
-          <a:noFill/>
-        </p:spPr>
-        <p:txBody>
-          <a:bodyPr wrap="none" rtlCol="0">
-            <a:spAutoFit/>
+      <p:sp>
+        <p:nvSpPr>
+          <p:cNvPr id="3" name="Content Placeholder 2"/>
+          <p:cNvSpPr>
+            <a:spLocks noGrp="1"/>
+          </p:cNvSpPr>
+          <p:nvPr>
+            <p:ph idx="1"/>
+          </p:nvPr>
+        </p:nvSpPr>
+        <p:spPr>
+          <a:xfrm>
+            <a:off x="124572" y="836823"/>
+            <a:ext cx="8229600" cy="5700335"/>
+          </a:xfrm>
+        </p:spPr>
+        <p:txBody>
+          <a:bodyPr>
+            <a:normAutofit/>
           </a:bodyPr>
           <a:lstStyle/>
           <a:p>
-            <a:r>
-              <a:rPr lang="en-US" dirty="0" smtClean="0"/>
-              <a:t>Application Domains</a:t>
-            </a:r>
-          </a:p>
-        </p:txBody>
-      </p:sp>
-      <p:sp>
-        <p:nvSpPr>
-          <p:cNvPr id="23" name="TextBox 22"/>
-          <p:cNvSpPr txBox="1"/>
-          <p:nvPr/>
-        </p:nvSpPr>
-        <p:spPr>
-          <a:xfrm>
-            <a:off x="6397297" y="4225593"/>
-            <a:ext cx="2746703" cy="369332"/>
-          </a:xfrm>
-          <a:prstGeom prst="rect">
-            <a:avLst/>
-          </a:prstGeom>
-          <a:noFill/>
-        </p:spPr>
-        <p:txBody>
-          <a:bodyPr wrap="none" rtlCol="0">
-            <a:spAutoFit/>
-          </a:bodyPr>
-          <a:lstStyle/>
-          <a:p>
-            <a:r>
-              <a:rPr lang="en-US" dirty="0" smtClean="0"/>
-              <a:t>Networking Technologies</a:t>
+            <a:endParaRPr lang="en-US" dirty="0" smtClean="0"/>
+          </a:p>
+          <a:p>
+            <a:r>
+              <a:rPr lang="en-US" dirty="0" smtClean="0"/>
+              <a:t>These applications may control only one  side of the pipe… </a:t>
+            </a:r>
+          </a:p>
+          <a:p>
+            <a:pPr lvl="1"/>
+            <a:r>
+              <a:rPr lang="en-US" dirty="0" smtClean="0"/>
+              <a:t>Common language: IP on the wire, Socket interface on the host.</a:t>
+            </a:r>
+          </a:p>
+          <a:p>
+            <a:pPr lvl="1"/>
+            <a:r>
+              <a:rPr lang="en-US" dirty="0" smtClean="0"/>
+              <a:t>Applications: web services, media delivery, trading exchange.</a:t>
+            </a:r>
+          </a:p>
+          <a:p>
+            <a:pPr lvl="1"/>
+            <a:r>
+              <a:rPr lang="en-US" dirty="0" smtClean="0"/>
+              <a:t>Not going away, way too much legacy.</a:t>
+            </a:r>
+          </a:p>
+          <a:p>
+            <a:r>
+              <a:rPr lang="en-US" dirty="0" smtClean="0"/>
+              <a:t>Or both sides of the pipe</a:t>
+            </a:r>
+          </a:p>
+          <a:p>
+            <a:pPr lvl="1"/>
+            <a:r>
+              <a:rPr lang="en-US" dirty="0" smtClean="0"/>
+              <a:t>No required wire protocol or programing interface.</a:t>
+            </a:r>
+          </a:p>
+          <a:p>
+            <a:pPr lvl="1"/>
+            <a:r>
+              <a:rPr lang="en-US" dirty="0" smtClean="0"/>
+              <a:t>Applications: back-ends, database, storage</a:t>
+            </a:r>
+          </a:p>
+          <a:p>
+            <a:pPr lvl="2"/>
+            <a:r>
+              <a:rPr lang="en-US" dirty="0" smtClean="0"/>
+              <a:t>Memcached, Big Table, Cassandra.</a:t>
+            </a:r>
+          </a:p>
+          <a:p>
+            <a:pPr lvl="1"/>
+            <a:r>
+              <a:rPr lang="en-US" dirty="0"/>
+              <a:t>Socket interface hinders networking innovation</a:t>
+            </a:r>
+            <a:r>
+              <a:rPr lang="en-US" dirty="0" smtClean="0"/>
+              <a:t>.</a:t>
+            </a:r>
+          </a:p>
+          <a:p>
+            <a:pPr lvl="1"/>
+            <a:r>
+              <a:rPr lang="en-US" dirty="0" smtClean="0"/>
+              <a:t>Many vendor-specific interfaces available (dead or alive).</a:t>
             </a:r>
           </a:p>
         </p:txBody>
@@ -5826,7 +5566,7 @@
     </p:spTree>
     <p:extLst>
       <p:ext uri="{BB962C8B-B14F-4D97-AF65-F5344CB8AC3E}">
-        <p14:creationId xmlns:p14="http://schemas.microsoft.com/office/powerpoint/2010/main" val="3055540685"/>
+        <p14:creationId xmlns:p14="http://schemas.microsoft.com/office/powerpoint/2010/main" val="2858392868"/>
       </p:ext>
     </p:extLst>
   </p:cSld>
@@ -7500,7 +7240,7 @@
         <p:spPr>
           <a:xfrm>
             <a:off x="111098" y="152400"/>
-            <a:ext cx="8229600" cy="877163"/>
+            <a:ext cx="8229600" cy="880369"/>
           </a:xfrm>
         </p:spPr>
         <p:txBody>
@@ -7509,16 +7249,15 @@
           <a:p>
             <a:r>
               <a:rPr lang="en-US" dirty="0" smtClean="0"/>
-              <a:t>Applications </a:t>
-            </a:r>
-            <a:r>
-              <a:rPr lang="en-US" dirty="0"/>
-              <a:t>are increasingly data-driven distributed services</a:t>
-            </a:r>
-            <a:r>
-              <a:rPr lang="en-US" dirty="0" smtClean="0"/>
-              <a:t>.</a:t>
-            </a:r>
+              <a:t>What if </a:t>
+            </a:r>
+            <a:r>
+              <a:rPr lang="en-US" dirty="0"/>
+              <a:t>you control both sides ?</a:t>
+            </a:r>
+            <a:br>
+              <a:rPr lang="en-US" dirty="0"/>
+            </a:br>
             <a:endParaRPr lang="en-US" dirty="0"/>
           </a:p>
         </p:txBody>
@@ -7535,88 +7274,128 @@
         </p:nvSpPr>
         <p:spPr>
           <a:xfrm>
-            <a:off x="124572" y="836823"/>
-            <a:ext cx="8229600" cy="5700335"/>
+            <a:off x="111204" y="935789"/>
+            <a:ext cx="8229600" cy="5561263"/>
           </a:xfrm>
         </p:spPr>
         <p:txBody>
           <a:bodyPr>
-            <a:normAutofit/>
+            <a:normAutofit fontScale="92500" lnSpcReduction="20000"/>
           </a:bodyPr>
           <a:lstStyle/>
           <a:p>
-            <a:endParaRPr lang="en-US" dirty="0" smtClean="0"/>
-          </a:p>
-          <a:p>
-            <a:r>
-              <a:rPr lang="en-US" dirty="0" smtClean="0"/>
-              <a:t>These applications may control only one  side of the pipe… </a:t>
-            </a:r>
-          </a:p>
-          <a:p>
-            <a:pPr lvl="1"/>
-            <a:r>
-              <a:rPr lang="en-US" dirty="0" smtClean="0"/>
-              <a:t>Common language: IP on the wire, Socket interface on the host.</a:t>
-            </a:r>
-          </a:p>
-          <a:p>
-            <a:pPr lvl="1"/>
-            <a:r>
-              <a:rPr lang="en-US" dirty="0" smtClean="0"/>
-              <a:t>Applications: web services, media delivery, trading exchange.</a:t>
-            </a:r>
-          </a:p>
-          <a:p>
-            <a:pPr lvl="1"/>
-            <a:r>
-              <a:rPr lang="en-US" dirty="0" smtClean="0"/>
-              <a:t>Not going away, way too much legacy.</a:t>
-            </a:r>
-          </a:p>
-          <a:p>
-            <a:r>
-              <a:rPr lang="en-US" dirty="0" smtClean="0"/>
-              <a:t>Or both sides of the pipe</a:t>
-            </a:r>
-          </a:p>
-          <a:p>
-            <a:pPr lvl="1"/>
-            <a:r>
-              <a:rPr lang="en-US" dirty="0" smtClean="0"/>
-              <a:t>No required wire protocol or programing interface.</a:t>
-            </a:r>
-          </a:p>
-          <a:p>
-            <a:pPr lvl="1"/>
-            <a:r>
-              <a:rPr lang="en-US" dirty="0" smtClean="0"/>
-              <a:t>Applications: back-ends, database, storage</a:t>
+            <a:r>
+              <a:rPr lang="en-US" dirty="0" smtClean="0"/>
+              <a:t>Application developers either:</a:t>
+            </a:r>
+          </a:p>
+          <a:p>
+            <a:pPr lvl="1"/>
+            <a:r>
+              <a:rPr lang="en-US" dirty="0" smtClean="0"/>
+              <a:t>Stick with Sockets.</a:t>
             </a:r>
           </a:p>
           <a:p>
             <a:pPr lvl="2"/>
             <a:r>
-              <a:rPr lang="en-US" dirty="0" smtClean="0"/>
-              <a:t>Memcached, Big Table, Cassandra.</a:t>
-            </a:r>
-          </a:p>
-          <a:p>
-            <a:pPr lvl="1"/>
-            <a:r>
-              <a:rPr lang="en-US" dirty="0"/>
-              <a:t>Socket interface hinders networking innovation</a:t>
-            </a:r>
-            <a:r>
-              <a:rPr lang="en-US" dirty="0" smtClean="0"/>
-              <a:t>.</a:t>
-            </a:r>
-          </a:p>
-          <a:p>
-            <a:pPr lvl="1"/>
-            <a:r>
-              <a:rPr lang="en-US" dirty="0" smtClean="0"/>
-              <a:t>Many vendor-specific interfaces available (dead or alive).</a:t>
+              <a:rPr lang="en-US" dirty="0"/>
+              <a:t>See substantially less benefit from current generation network </a:t>
+            </a:r>
+            <a:r>
+              <a:rPr lang="en-US" dirty="0" smtClean="0"/>
+              <a:t>technologies.</a:t>
+            </a:r>
+          </a:p>
+          <a:p>
+            <a:pPr lvl="1"/>
+            <a:r>
+              <a:rPr lang="en-US" dirty="0" smtClean="0"/>
+              <a:t>Lock themselves with a vendor-specific interface.</a:t>
+            </a:r>
+          </a:p>
+          <a:p>
+            <a:pPr lvl="1"/>
+            <a:r>
+              <a:rPr lang="en-US" dirty="0" smtClean="0"/>
+              <a:t>Support a number of different interfaces.</a:t>
+            </a:r>
+          </a:p>
+          <a:p>
+            <a:pPr lvl="2"/>
+            <a:r>
+              <a:rPr lang="en-US" dirty="0"/>
+              <a:t>Requires deep expertise in multiple low-level network </a:t>
+            </a:r>
+            <a:r>
+              <a:rPr lang="en-US" dirty="0" smtClean="0"/>
+              <a:t>APIs</a:t>
+            </a:r>
+          </a:p>
+          <a:p>
+            <a:r>
+              <a:rPr lang="en-US" dirty="0" smtClean="0"/>
+              <a:t>Network vendors either:</a:t>
+            </a:r>
+          </a:p>
+          <a:p>
+            <a:pPr lvl="1"/>
+            <a:r>
+              <a:rPr lang="en-US" dirty="0" smtClean="0"/>
+              <a:t>Port Sockets</a:t>
+            </a:r>
+            <a:r>
+              <a:rPr lang="en-US" dirty="0"/>
+              <a:t> </a:t>
+            </a:r>
+            <a:r>
+              <a:rPr lang="en-US" dirty="0" smtClean="0"/>
+              <a:t>on their low-level interface.</a:t>
+            </a:r>
+          </a:p>
+          <a:p>
+            <a:pPr lvl="2"/>
+            <a:r>
+              <a:rPr lang="en-US" dirty="0" smtClean="0"/>
+              <a:t>Limited performance.</a:t>
+            </a:r>
+          </a:p>
+          <a:p>
+            <a:pPr lvl="1"/>
+            <a:r>
+              <a:rPr lang="en-US" dirty="0" smtClean="0"/>
+              <a:t>Push their interface as the solution.</a:t>
+            </a:r>
+          </a:p>
+          <a:p>
+            <a:pPr lvl="2"/>
+            <a:r>
+              <a:rPr lang="en-US" dirty="0" smtClean="0"/>
+              <a:t>Everybody loves a good lock-in.</a:t>
+            </a:r>
+          </a:p>
+          <a:p>
+            <a:pPr lvl="1"/>
+            <a:r>
+              <a:rPr lang="en-US" dirty="0" smtClean="0"/>
+              <a:t>Support a number of different applications.</a:t>
+            </a:r>
+          </a:p>
+          <a:p>
+            <a:pPr lvl="2"/>
+            <a:r>
+              <a:rPr lang="en-US" dirty="0"/>
+              <a:t>High support costs relative to potential </a:t>
+            </a:r>
+            <a:r>
+              <a:rPr lang="en-US" dirty="0" smtClean="0"/>
+              <a:t>revenue for niche applications.</a:t>
+            </a:r>
+          </a:p>
+          <a:p>
+            <a:r>
+              <a:rPr lang="en-US" dirty="0" smtClean="0"/>
+              <a:t>We propose CCI to satisfy both application developers’ and network vendors’ needs.</a:t>
             </a:r>
           </a:p>
         </p:txBody>
@@ -7624,7 +7403,7 @@
     </p:spTree>
     <p:extLst>
       <p:ext uri="{BB962C8B-B14F-4D97-AF65-F5344CB8AC3E}">
-        <p14:creationId xmlns:p14="http://schemas.microsoft.com/office/powerpoint/2010/main" val="2858392868"/>
+        <p14:creationId xmlns:p14="http://schemas.microsoft.com/office/powerpoint/2010/main" val="1991255280"/>
       </p:ext>
     </p:extLst>
   </p:cSld>
@@ -7664,7 +7443,7 @@
         <p:spPr>
           <a:xfrm>
             <a:off x="111098" y="152400"/>
-            <a:ext cx="8229600" cy="880369"/>
+            <a:ext cx="8229600" cy="496290"/>
           </a:xfrm>
         </p:spPr>
         <p:txBody>
@@ -7673,153 +7452,382 @@
           <a:p>
             <a:r>
               <a:rPr lang="en-US" dirty="0" smtClean="0"/>
-              <a:t>What if </a:t>
-            </a:r>
-            <a:r>
-              <a:rPr lang="en-US" dirty="0"/>
-              <a:t>you control both sides ?</a:t>
-            </a:r>
-            <a:br>
-              <a:rPr lang="en-US" dirty="0"/>
-            </a:br>
+              <a:t>Insulation benefits both</a:t>
+            </a:r>
             <a:endParaRPr lang="en-US" dirty="0"/>
           </a:p>
         </p:txBody>
       </p:sp>
-      <p:sp>
-        <p:nvSpPr>
-          <p:cNvPr id="3" name="Content Placeholder 2"/>
-          <p:cNvSpPr>
-            <a:spLocks noGrp="1"/>
-          </p:cNvSpPr>
-          <p:nvPr>
-            <p:ph idx="1"/>
-          </p:nvPr>
-        </p:nvSpPr>
-        <p:spPr>
-          <a:xfrm>
-            <a:off x="111204" y="935789"/>
-            <a:ext cx="8229600" cy="5561263"/>
-          </a:xfrm>
-        </p:spPr>
-        <p:txBody>
-          <a:bodyPr>
-            <a:normAutofit fontScale="92500" lnSpcReduction="20000"/>
+      <p:pic>
+        <p:nvPicPr>
+          <p:cNvPr id="6" name="Picture 5"/>
+          <p:cNvPicPr>
+            <a:picLocks noChangeAspect="1"/>
+          </p:cNvPicPr>
+          <p:nvPr/>
+        </p:nvPicPr>
+        <p:blipFill>
+          <a:blip r:embed="rId2"/>
+          <a:stretch>
+            <a:fillRect/>
+          </a:stretch>
+        </p:blipFill>
+        <p:spPr>
+          <a:xfrm>
+            <a:off x="700718" y="1547521"/>
+            <a:ext cx="1171689" cy="726447"/>
+          </a:xfrm>
+          <a:prstGeom prst="rect">
+            <a:avLst/>
+          </a:prstGeom>
+        </p:spPr>
+      </p:pic>
+      <p:pic>
+        <p:nvPicPr>
+          <p:cNvPr id="7" name="Picture 6"/>
+          <p:cNvPicPr>
+            <a:picLocks noChangeAspect="1"/>
+          </p:cNvPicPr>
+          <p:nvPr/>
+        </p:nvPicPr>
+        <p:blipFill>
+          <a:blip r:embed="rId3"/>
+          <a:stretch>
+            <a:fillRect/>
+          </a:stretch>
+        </p:blipFill>
+        <p:spPr>
+          <a:xfrm>
+            <a:off x="2689192" y="5726501"/>
+            <a:ext cx="2974943" cy="939966"/>
+          </a:xfrm>
+          <a:prstGeom prst="rect">
+            <a:avLst/>
+          </a:prstGeom>
+        </p:spPr>
+      </p:pic>
+      <p:pic>
+        <p:nvPicPr>
+          <p:cNvPr id="9" name="Picture 8"/>
+          <p:cNvPicPr>
+            <a:picLocks noChangeAspect="1"/>
+          </p:cNvPicPr>
+          <p:nvPr/>
+        </p:nvPicPr>
+        <p:blipFill>
+          <a:blip r:embed="rId4"/>
+          <a:stretch>
+            <a:fillRect/>
+          </a:stretch>
+        </p:blipFill>
+        <p:spPr>
+          <a:xfrm>
+            <a:off x="2052174" y="1109543"/>
+            <a:ext cx="1056231" cy="758139"/>
+          </a:xfrm>
+          <a:prstGeom prst="rect">
+            <a:avLst/>
+          </a:prstGeom>
+        </p:spPr>
+      </p:pic>
+      <p:pic>
+        <p:nvPicPr>
+          <p:cNvPr id="10" name="Picture 9"/>
+          <p:cNvPicPr>
+            <a:picLocks noChangeAspect="1"/>
+          </p:cNvPicPr>
+          <p:nvPr/>
+        </p:nvPicPr>
+        <p:blipFill>
+          <a:blip r:embed="rId5"/>
+          <a:stretch>
+            <a:fillRect/>
+          </a:stretch>
+        </p:blipFill>
+        <p:spPr>
+          <a:xfrm>
+            <a:off x="7243430" y="1305127"/>
+            <a:ext cx="1900570" cy="1030531"/>
+          </a:xfrm>
+          <a:prstGeom prst="rect">
+            <a:avLst/>
+          </a:prstGeom>
+        </p:spPr>
+      </p:pic>
+      <p:pic>
+        <p:nvPicPr>
+          <p:cNvPr id="11" name="Picture 10"/>
+          <p:cNvPicPr>
+            <a:picLocks noChangeAspect="1"/>
+          </p:cNvPicPr>
+          <p:nvPr/>
+        </p:nvPicPr>
+        <p:blipFill>
+          <a:blip r:embed="rId6"/>
+          <a:stretch>
+            <a:fillRect/>
+          </a:stretch>
+        </p:blipFill>
+        <p:spPr>
+          <a:xfrm>
+            <a:off x="5853911" y="1078862"/>
+            <a:ext cx="1532822" cy="1282565"/>
+          </a:xfrm>
+          <a:prstGeom prst="rect">
+            <a:avLst/>
+          </a:prstGeom>
+        </p:spPr>
+      </p:pic>
+      <p:pic>
+        <p:nvPicPr>
+          <p:cNvPr id="13" name="Picture 12"/>
+          <p:cNvPicPr>
+            <a:picLocks noChangeAspect="1"/>
+          </p:cNvPicPr>
+          <p:nvPr/>
+        </p:nvPicPr>
+        <p:blipFill>
+          <a:blip r:embed="rId7"/>
+          <a:stretch>
+            <a:fillRect/>
+          </a:stretch>
+        </p:blipFill>
+        <p:spPr>
+          <a:xfrm>
+            <a:off x="2579091" y="4116991"/>
+            <a:ext cx="3171850" cy="1585925"/>
+          </a:xfrm>
+          <a:prstGeom prst="rect">
+            <a:avLst/>
+          </a:prstGeom>
+        </p:spPr>
+      </p:pic>
+      <p:pic>
+        <p:nvPicPr>
+          <p:cNvPr id="14" name="Picture 13"/>
+          <p:cNvPicPr>
+            <a:picLocks noChangeAspect="1"/>
+          </p:cNvPicPr>
+          <p:nvPr/>
+        </p:nvPicPr>
+        <p:blipFill>
+          <a:blip r:embed="rId8"/>
+          <a:stretch>
+            <a:fillRect/>
+          </a:stretch>
+        </p:blipFill>
+        <p:spPr>
+          <a:xfrm>
+            <a:off x="5554200" y="4657237"/>
+            <a:ext cx="1161010" cy="1109179"/>
+          </a:xfrm>
+          <a:prstGeom prst="rect">
+            <a:avLst/>
+          </a:prstGeom>
+        </p:spPr>
+      </p:pic>
+      <p:pic>
+        <p:nvPicPr>
+          <p:cNvPr id="12" name="Picture 11"/>
+          <p:cNvPicPr>
+            <a:picLocks noChangeAspect="1"/>
+          </p:cNvPicPr>
+          <p:nvPr/>
+        </p:nvPicPr>
+        <p:blipFill>
+          <a:blip r:embed="rId9"/>
+          <a:stretch>
+            <a:fillRect/>
+          </a:stretch>
+        </p:blipFill>
+        <p:spPr>
+          <a:xfrm>
+            <a:off x="1688293" y="4657163"/>
+            <a:ext cx="1068157" cy="1003699"/>
+          </a:xfrm>
+          <a:prstGeom prst="rect">
+            <a:avLst/>
+          </a:prstGeom>
+        </p:spPr>
+      </p:pic>
+      <p:pic>
+        <p:nvPicPr>
+          <p:cNvPr id="17" name="Picture 16" descr="Fig4_5.jpg"/>
+          <p:cNvPicPr/>
+          <p:nvPr/>
+        </p:nvPicPr>
+        <p:blipFill>
+          <a:blip r:embed="rId10"/>
+          <a:stretch>
+            <a:fillRect/>
+          </a:stretch>
+        </p:blipFill>
+        <p:spPr>
+          <a:xfrm>
+            <a:off x="4057297" y="1182540"/>
+            <a:ext cx="1700375" cy="1242071"/>
+          </a:xfrm>
+          <a:prstGeom prst="rect">
+            <a:avLst/>
+          </a:prstGeom>
+        </p:spPr>
+      </p:pic>
+      <p:pic>
+        <p:nvPicPr>
+          <p:cNvPr id="18" name="Picture 17"/>
+          <p:cNvPicPr>
+            <a:picLocks noChangeAspect="1"/>
+          </p:cNvPicPr>
+          <p:nvPr/>
+        </p:nvPicPr>
+        <p:blipFill>
+          <a:blip r:embed="rId11"/>
+          <a:stretch>
+            <a:fillRect/>
+          </a:stretch>
+        </p:blipFill>
+        <p:spPr>
+          <a:xfrm>
+            <a:off x="6992578" y="5132392"/>
+            <a:ext cx="1832126" cy="1246115"/>
+          </a:xfrm>
+          <a:prstGeom prst="rect">
+            <a:avLst/>
+          </a:prstGeom>
+        </p:spPr>
+      </p:pic>
+      <p:pic>
+        <p:nvPicPr>
+          <p:cNvPr id="19" name="Picture 18"/>
+          <p:cNvPicPr>
+            <a:picLocks noChangeAspect="1"/>
+          </p:cNvPicPr>
+          <p:nvPr/>
+        </p:nvPicPr>
+        <p:blipFill>
+          <a:blip r:embed="rId12"/>
+          <a:stretch>
+            <a:fillRect/>
+          </a:stretch>
+        </p:blipFill>
+        <p:spPr>
+          <a:xfrm>
+            <a:off x="504370" y="4934547"/>
+            <a:ext cx="1067130" cy="1370965"/>
+          </a:xfrm>
+          <a:prstGeom prst="rect">
+            <a:avLst/>
+          </a:prstGeom>
+        </p:spPr>
+      </p:pic>
+      <p:pic>
+        <p:nvPicPr>
+          <p:cNvPr id="20" name="Picture 19"/>
+          <p:cNvPicPr>
+            <a:picLocks noChangeAspect="1"/>
+          </p:cNvPicPr>
+          <p:nvPr/>
+        </p:nvPicPr>
+        <p:blipFill>
+          <a:blip r:embed="rId13"/>
+          <a:stretch>
+            <a:fillRect/>
+          </a:stretch>
+        </p:blipFill>
+        <p:spPr>
+          <a:xfrm>
+            <a:off x="3451359" y="2559551"/>
+            <a:ext cx="1964605" cy="1851262"/>
+          </a:xfrm>
+          <a:prstGeom prst="rect">
+            <a:avLst/>
+          </a:prstGeom>
+        </p:spPr>
+      </p:pic>
+      <p:pic>
+        <p:nvPicPr>
+          <p:cNvPr id="21" name="Picture 20" descr="Gasifier_Ts_tn.png"/>
+          <p:cNvPicPr/>
+          <p:nvPr/>
+        </p:nvPicPr>
+        <p:blipFill>
+          <a:blip r:embed="rId14"/>
+          <a:stretch>
+            <a:fillRect/>
+          </a:stretch>
+        </p:blipFill>
+        <p:spPr>
+          <a:xfrm>
+            <a:off x="3313811" y="1776492"/>
+            <a:ext cx="872745" cy="872745"/>
+          </a:xfrm>
+          <a:prstGeom prst="rect">
+            <a:avLst/>
+          </a:prstGeom>
+        </p:spPr>
+      </p:pic>
+      <p:sp>
+        <p:nvSpPr>
+          <p:cNvPr id="22" name="TextBox 21"/>
+          <p:cNvSpPr txBox="1"/>
+          <p:nvPr/>
+        </p:nvSpPr>
+        <p:spPr>
+          <a:xfrm>
+            <a:off x="452547" y="2423476"/>
+            <a:ext cx="2558450" cy="369332"/>
+          </a:xfrm>
+          <a:prstGeom prst="rect">
+            <a:avLst/>
+          </a:prstGeom>
+          <a:noFill/>
+        </p:spPr>
+        <p:txBody>
+          <a:bodyPr wrap="none" rtlCol="0">
+            <a:spAutoFit/>
           </a:bodyPr>
           <a:lstStyle/>
           <a:p>
             <a:r>
               <a:rPr lang="en-US" dirty="0" smtClean="0"/>
-              <a:t>Application developers either:</a:t>
-            </a:r>
-          </a:p>
-          <a:p>
-            <a:pPr lvl="1"/>
-            <a:r>
-              <a:rPr lang="en-US" dirty="0" smtClean="0"/>
-              <a:t>Stick with Sockets.</a:t>
-            </a:r>
-          </a:p>
-          <a:p>
-            <a:pPr lvl="2"/>
-            <a:r>
-              <a:rPr lang="en-US" dirty="0"/>
-              <a:t>See substantially less benefit from current generation network </a:t>
-            </a:r>
-            <a:r>
-              <a:rPr lang="en-US" dirty="0" smtClean="0"/>
-              <a:t>technologies.</a:t>
-            </a:r>
-          </a:p>
-          <a:p>
-            <a:pPr lvl="1"/>
-            <a:r>
-              <a:rPr lang="en-US" dirty="0" smtClean="0"/>
-              <a:t>Lock themselves with a vendor-specific interface.</a:t>
-            </a:r>
-          </a:p>
-          <a:p>
-            <a:pPr lvl="1"/>
-            <a:r>
-              <a:rPr lang="en-US" dirty="0" smtClean="0"/>
-              <a:t>Support a number of different interfaces.</a:t>
-            </a:r>
-          </a:p>
-          <a:p>
-            <a:pPr lvl="2"/>
-            <a:r>
-              <a:rPr lang="en-US" dirty="0"/>
-              <a:t>Requires deep expertise in multiple low-level network </a:t>
-            </a:r>
-            <a:r>
-              <a:rPr lang="en-US" dirty="0" smtClean="0"/>
-              <a:t>APIs</a:t>
-            </a:r>
-          </a:p>
-          <a:p>
-            <a:r>
-              <a:rPr lang="en-US" dirty="0" smtClean="0"/>
-              <a:t>Network vendors either:</a:t>
-            </a:r>
-          </a:p>
-          <a:p>
-            <a:pPr lvl="1"/>
-            <a:r>
-              <a:rPr lang="en-US" dirty="0" smtClean="0"/>
-              <a:t>Port Sockets</a:t>
-            </a:r>
-            <a:r>
-              <a:rPr lang="en-US" dirty="0"/>
-              <a:t> </a:t>
-            </a:r>
-            <a:r>
-              <a:rPr lang="en-US" dirty="0" smtClean="0"/>
-              <a:t>on their low-level interface.</a:t>
-            </a:r>
-          </a:p>
-          <a:p>
-            <a:pPr lvl="2"/>
-            <a:r>
-              <a:rPr lang="en-US" dirty="0" smtClean="0"/>
-              <a:t>Limited performance.</a:t>
-            </a:r>
-          </a:p>
-          <a:p>
-            <a:pPr lvl="1"/>
-            <a:r>
-              <a:rPr lang="en-US" dirty="0" smtClean="0"/>
-              <a:t>Push their interface as the solution.</a:t>
-            </a:r>
-          </a:p>
-          <a:p>
-            <a:pPr lvl="2"/>
-            <a:r>
-              <a:rPr lang="en-US" dirty="0" smtClean="0"/>
-              <a:t>Everybody loves a good lock-in.</a:t>
-            </a:r>
-          </a:p>
-          <a:p>
-            <a:pPr lvl="1"/>
-            <a:r>
-              <a:rPr lang="en-US" dirty="0" smtClean="0"/>
-              <a:t>Support a number of different applications.</a:t>
-            </a:r>
-          </a:p>
-          <a:p>
-            <a:pPr lvl="2"/>
-            <a:r>
-              <a:rPr lang="en-US" dirty="0"/>
-              <a:t>High support costs relative to potential </a:t>
-            </a:r>
-            <a:r>
-              <a:rPr lang="en-US" dirty="0" smtClean="0"/>
-              <a:t>revenue for niche applications.</a:t>
-            </a:r>
-          </a:p>
-          <a:p>
-            <a:r>
-              <a:rPr lang="en-US" dirty="0" smtClean="0"/>
-              <a:t>We propose CCI to satisfy both application developers’ and network vendors’ needs.</a:t>
+              <a:t>Application Developers</a:t>
+            </a:r>
+          </a:p>
+        </p:txBody>
+      </p:sp>
+      <p:sp>
+        <p:nvSpPr>
+          <p:cNvPr id="23" name="TextBox 22"/>
+          <p:cNvSpPr txBox="1"/>
+          <p:nvPr/>
+        </p:nvSpPr>
+        <p:spPr>
+          <a:xfrm>
+            <a:off x="6397297" y="4225593"/>
+            <a:ext cx="2569934" cy="646331"/>
+          </a:xfrm>
+          <a:prstGeom prst="rect">
+            <a:avLst/>
+          </a:prstGeom>
+          <a:noFill/>
+        </p:spPr>
+        <p:txBody>
+          <a:bodyPr wrap="none" rtlCol="0">
+            <a:spAutoFit/>
+          </a:bodyPr>
+          <a:lstStyle/>
+          <a:p>
+            <a:pPr algn="ctr"/>
+            <a:r>
+              <a:rPr lang="en-US" dirty="0" smtClean="0"/>
+              <a:t>Networking Technology</a:t>
+            </a:r>
+          </a:p>
+          <a:p>
+            <a:pPr algn="ctr"/>
+            <a:r>
+              <a:rPr lang="en-US" dirty="0" smtClean="0"/>
+              <a:t>Vendors</a:t>
             </a:r>
           </a:p>
         </p:txBody>
@@ -7827,7 +7835,7 @@
     </p:spTree>
     <p:extLst>
       <p:ext uri="{BB962C8B-B14F-4D97-AF65-F5344CB8AC3E}">
-        <p14:creationId xmlns:p14="http://schemas.microsoft.com/office/powerpoint/2010/main" val="1991255280"/>
+        <p14:creationId xmlns:p14="http://schemas.microsoft.com/office/powerpoint/2010/main" val="3055540685"/>
       </p:ext>
     </p:extLst>
   </p:cSld>

--- a/slides/HotI-2011/2011-HotI-CCI-OLCF.pptx
+++ b/slides/HotI-2011/2011-HotI-CCI-OLCF.pptx
@@ -5,41 +5,40 @@
     <p:sldMasterId id="2147483915" r:id="rId1"/>
   </p:sldMasterIdLst>
   <p:notesMasterIdLst>
-    <p:notesMasterId r:id="rId31"/>
+    <p:notesMasterId r:id="rId30"/>
   </p:notesMasterIdLst>
   <p:handoutMasterIdLst>
-    <p:handoutMasterId r:id="rId32"/>
+    <p:handoutMasterId r:id="rId31"/>
   </p:handoutMasterIdLst>
   <p:sldIdLst>
     <p:sldId id="275" r:id="rId2"/>
     <p:sldId id="303" r:id="rId3"/>
     <p:sldId id="304" r:id="rId4"/>
-    <p:sldId id="308" r:id="rId5"/>
-    <p:sldId id="301" r:id="rId6"/>
-    <p:sldId id="306" r:id="rId7"/>
-    <p:sldId id="279" r:id="rId8"/>
-    <p:sldId id="280" r:id="rId9"/>
-    <p:sldId id="281" r:id="rId10"/>
-    <p:sldId id="284" r:id="rId11"/>
-    <p:sldId id="307" r:id="rId12"/>
-    <p:sldId id="289" r:id="rId13"/>
-    <p:sldId id="290" r:id="rId14"/>
-    <p:sldId id="291" r:id="rId15"/>
-    <p:sldId id="292" r:id="rId16"/>
-    <p:sldId id="293" r:id="rId17"/>
-    <p:sldId id="294" r:id="rId18"/>
-    <p:sldId id="295" r:id="rId19"/>
-    <p:sldId id="296" r:id="rId20"/>
-    <p:sldId id="297" r:id="rId21"/>
-    <p:sldId id="298" r:id="rId22"/>
-    <p:sldId id="299" r:id="rId23"/>
-    <p:sldId id="305" r:id="rId24"/>
-    <p:sldId id="276" r:id="rId25"/>
-    <p:sldId id="302" r:id="rId26"/>
-    <p:sldId id="285" r:id="rId27"/>
-    <p:sldId id="286" r:id="rId28"/>
-    <p:sldId id="287" r:id="rId29"/>
-    <p:sldId id="288" r:id="rId30"/>
+    <p:sldId id="280" r:id="rId5"/>
+    <p:sldId id="281" r:id="rId6"/>
+    <p:sldId id="284" r:id="rId7"/>
+    <p:sldId id="307" r:id="rId8"/>
+    <p:sldId id="308" r:id="rId9"/>
+    <p:sldId id="301" r:id="rId10"/>
+    <p:sldId id="289" r:id="rId11"/>
+    <p:sldId id="290" r:id="rId12"/>
+    <p:sldId id="291" r:id="rId13"/>
+    <p:sldId id="292" r:id="rId14"/>
+    <p:sldId id="293" r:id="rId15"/>
+    <p:sldId id="294" r:id="rId16"/>
+    <p:sldId id="296" r:id="rId17"/>
+    <p:sldId id="297" r:id="rId18"/>
+    <p:sldId id="298" r:id="rId19"/>
+    <p:sldId id="309" r:id="rId20"/>
+    <p:sldId id="299" r:id="rId21"/>
+    <p:sldId id="310" r:id="rId22"/>
+    <p:sldId id="305" r:id="rId23"/>
+    <p:sldId id="276" r:id="rId24"/>
+    <p:sldId id="302" r:id="rId25"/>
+    <p:sldId id="285" r:id="rId26"/>
+    <p:sldId id="286" r:id="rId27"/>
+    <p:sldId id="287" r:id="rId28"/>
+    <p:sldId id="288" r:id="rId29"/>
   </p:sldIdLst>
   <p:sldSz cx="9144000" cy="6858000" type="screen4x3"/>
   <p:notesSz cx="7010400" cy="9296400"/>
@@ -796,6 +795,385 @@
 </p:notes>
 </file>
 
+<file path=ppt/notesSlides/notesSlide10.xml><?xml version="1.0" encoding="utf-8"?>
+<p:notes xmlns:a="http://schemas.openxmlformats.org/drawingml/2006/main" xmlns:r="http://schemas.openxmlformats.org/officeDocument/2006/relationships" xmlns:p="http://schemas.openxmlformats.org/presentationml/2006/main">
+  <p:cSld>
+    <p:spTree>
+      <p:nvGrpSpPr>
+        <p:cNvPr id="1" name=""/>
+        <p:cNvGrpSpPr/>
+        <p:nvPr/>
+      </p:nvGrpSpPr>
+      <p:grpSpPr>
+        <a:xfrm>
+          <a:off x="0" y="0"/>
+          <a:ext cx="0" cy="0"/>
+          <a:chOff x="0" y="0"/>
+          <a:chExt cx="0" cy="0"/>
+        </a:xfrm>
+      </p:grpSpPr>
+      <p:sp>
+        <p:nvSpPr>
+          <p:cNvPr id="2" name="Slide Image Placeholder 1"/>
+          <p:cNvSpPr>
+            <a:spLocks noGrp="1" noRot="1" noChangeAspect="1"/>
+          </p:cNvSpPr>
+          <p:nvPr>
+            <p:ph type="sldImg"/>
+          </p:nvPr>
+        </p:nvSpPr>
+        <p:spPr/>
+      </p:sp>
+      <p:sp>
+        <p:nvSpPr>
+          <p:cNvPr id="3" name="Notes Placeholder 2"/>
+          <p:cNvSpPr>
+            <a:spLocks noGrp="1"/>
+          </p:cNvSpPr>
+          <p:nvPr>
+            <p:ph type="body" idx="1"/>
+          </p:nvPr>
+        </p:nvSpPr>
+        <p:spPr/>
+        <p:txBody>
+          <a:bodyPr/>
+          <a:lstStyle/>
+          <a:p>
+            <a:pPr marL="0" marR="0" lvl="1" indent="0" algn="l" defTabSz="914400" rtl="0" eaLnBrk="1" fontAlgn="auto" latinLnBrk="0" hangingPunct="1">
+              <a:lnSpc>
+                <a:spcPct val="100000"/>
+              </a:lnSpc>
+              <a:spcBef>
+                <a:spcPts val="0"/>
+              </a:spcBef>
+              <a:spcAft>
+                <a:spcPts val="0"/>
+              </a:spcAft>
+              <a:buClrTx/>
+              <a:buSzTx/>
+              <a:buFontTx/>
+              <a:buNone/>
+              <a:tabLst/>
+              <a:defRPr/>
+            </a:pPr>
+            <a:r>
+              <a:rPr lang="en-US" dirty="0" smtClean="0"/>
+              <a:t>Message may be Forwarded, Modified, Sent in place </a:t>
+            </a:r>
+          </a:p>
+          <a:p>
+            <a:endParaRPr lang="en-US" dirty="0"/>
+          </a:p>
+        </p:txBody>
+      </p:sp>
+      <p:sp>
+        <p:nvSpPr>
+          <p:cNvPr id="4" name="Slide Number Placeholder 3"/>
+          <p:cNvSpPr>
+            <a:spLocks noGrp="1"/>
+          </p:cNvSpPr>
+          <p:nvPr>
+            <p:ph type="sldNum" sz="quarter" idx="10"/>
+          </p:nvPr>
+        </p:nvSpPr>
+        <p:spPr/>
+        <p:txBody>
+          <a:bodyPr/>
+          <a:lstStyle/>
+          <a:p>
+            <a:fld id="{A3588623-9414-4A4F-B728-DDF491331B9F}" type="slidenum">
+              <a:rPr lang="en-US" smtClean="0"/>
+              <a:pPr/>
+              <a:t>13</a:t>
+            </a:fld>
+            <a:endParaRPr lang="en-US" dirty="0"/>
+          </a:p>
+        </p:txBody>
+      </p:sp>
+    </p:spTree>
+    <p:extLst>
+      <p:ext uri="{BB962C8B-B14F-4D97-AF65-F5344CB8AC3E}">
+        <p14:creationId xmlns:p14="http://schemas.microsoft.com/office/powerpoint/2010/main" val="3144787281"/>
+      </p:ext>
+    </p:extLst>
+  </p:cSld>
+  <p:clrMapOvr>
+    <a:masterClrMapping/>
+  </p:clrMapOvr>
+</p:notes>
+</file>
+
+<file path=ppt/notesSlides/notesSlide11.xml><?xml version="1.0" encoding="utf-8"?>
+<p:notes xmlns:a="http://schemas.openxmlformats.org/drawingml/2006/main" xmlns:r="http://schemas.openxmlformats.org/officeDocument/2006/relationships" xmlns:p="http://schemas.openxmlformats.org/presentationml/2006/main">
+  <p:cSld>
+    <p:spTree>
+      <p:nvGrpSpPr>
+        <p:cNvPr id="1" name=""/>
+        <p:cNvGrpSpPr/>
+        <p:nvPr/>
+      </p:nvGrpSpPr>
+      <p:grpSpPr>
+        <a:xfrm>
+          <a:off x="0" y="0"/>
+          <a:ext cx="0" cy="0"/>
+          <a:chOff x="0" y="0"/>
+          <a:chExt cx="0" cy="0"/>
+        </a:xfrm>
+      </p:grpSpPr>
+      <p:sp>
+        <p:nvSpPr>
+          <p:cNvPr id="2" name="Slide Image Placeholder 1"/>
+          <p:cNvSpPr>
+            <a:spLocks noGrp="1" noRot="1" noChangeAspect="1"/>
+          </p:cNvSpPr>
+          <p:nvPr>
+            <p:ph type="sldImg"/>
+          </p:nvPr>
+        </p:nvSpPr>
+        <p:spPr/>
+      </p:sp>
+      <p:sp>
+        <p:nvSpPr>
+          <p:cNvPr id="3" name="Notes Placeholder 2"/>
+          <p:cNvSpPr>
+            <a:spLocks noGrp="1"/>
+          </p:cNvSpPr>
+          <p:nvPr>
+            <p:ph type="body" idx="1"/>
+          </p:nvPr>
+        </p:nvSpPr>
+        <p:spPr/>
+        <p:txBody>
+          <a:bodyPr/>
+          <a:lstStyle/>
+          <a:p>
+            <a:endParaRPr lang="en-US" dirty="0"/>
+          </a:p>
+        </p:txBody>
+      </p:sp>
+      <p:sp>
+        <p:nvSpPr>
+          <p:cNvPr id="4" name="Slide Number Placeholder 3"/>
+          <p:cNvSpPr>
+            <a:spLocks noGrp="1"/>
+          </p:cNvSpPr>
+          <p:nvPr>
+            <p:ph type="sldNum" sz="quarter" idx="10"/>
+          </p:nvPr>
+        </p:nvSpPr>
+        <p:spPr/>
+        <p:txBody>
+          <a:bodyPr/>
+          <a:lstStyle/>
+          <a:p>
+            <a:fld id="{A3588623-9414-4A4F-B728-DDF491331B9F}" type="slidenum">
+              <a:rPr lang="en-US" smtClean="0"/>
+              <a:pPr/>
+              <a:t>14</a:t>
+            </a:fld>
+            <a:endParaRPr lang="en-US" dirty="0"/>
+          </a:p>
+        </p:txBody>
+      </p:sp>
+    </p:spTree>
+    <p:extLst>
+      <p:ext uri="{BB962C8B-B14F-4D97-AF65-F5344CB8AC3E}">
+        <p14:creationId xmlns:p14="http://schemas.microsoft.com/office/powerpoint/2010/main" val="78108902"/>
+      </p:ext>
+    </p:extLst>
+  </p:cSld>
+  <p:clrMapOvr>
+    <a:masterClrMapping/>
+  </p:clrMapOvr>
+</p:notes>
+</file>
+
+<file path=ppt/notesSlides/notesSlide12.xml><?xml version="1.0" encoding="utf-8"?>
+<p:notes xmlns:a="http://schemas.openxmlformats.org/drawingml/2006/main" xmlns:r="http://schemas.openxmlformats.org/officeDocument/2006/relationships" xmlns:p="http://schemas.openxmlformats.org/presentationml/2006/main">
+  <p:cSld>
+    <p:spTree>
+      <p:nvGrpSpPr>
+        <p:cNvPr id="1" name=""/>
+        <p:cNvGrpSpPr/>
+        <p:nvPr/>
+      </p:nvGrpSpPr>
+      <p:grpSpPr>
+        <a:xfrm>
+          <a:off x="0" y="0"/>
+          <a:ext cx="0" cy="0"/>
+          <a:chOff x="0" y="0"/>
+          <a:chExt cx="0" cy="0"/>
+        </a:xfrm>
+      </p:grpSpPr>
+      <p:sp>
+        <p:nvSpPr>
+          <p:cNvPr id="2" name="Slide Image Placeholder 1"/>
+          <p:cNvSpPr>
+            <a:spLocks noGrp="1" noRot="1" noChangeAspect="1"/>
+          </p:cNvSpPr>
+          <p:nvPr>
+            <p:ph type="sldImg"/>
+          </p:nvPr>
+        </p:nvSpPr>
+        <p:spPr/>
+      </p:sp>
+      <p:sp>
+        <p:nvSpPr>
+          <p:cNvPr id="3" name="Notes Placeholder 2"/>
+          <p:cNvSpPr>
+            <a:spLocks noGrp="1"/>
+          </p:cNvSpPr>
+          <p:nvPr>
+            <p:ph type="body" idx="1"/>
+          </p:nvPr>
+        </p:nvSpPr>
+        <p:spPr/>
+        <p:txBody>
+          <a:bodyPr/>
+          <a:lstStyle/>
+          <a:p>
+            <a:r>
+              <a:rPr lang="en-US" dirty="0" smtClean="0"/>
+              <a:t>Like MPI did for HPC</a:t>
+            </a:r>
+            <a:endParaRPr lang="en-US" dirty="0"/>
+          </a:p>
+        </p:txBody>
+      </p:sp>
+      <p:sp>
+        <p:nvSpPr>
+          <p:cNvPr id="4" name="Slide Number Placeholder 3"/>
+          <p:cNvSpPr>
+            <a:spLocks noGrp="1"/>
+          </p:cNvSpPr>
+          <p:nvPr>
+            <p:ph type="sldNum" sz="quarter" idx="10"/>
+          </p:nvPr>
+        </p:nvSpPr>
+        <p:spPr/>
+        <p:txBody>
+          <a:bodyPr/>
+          <a:lstStyle/>
+          <a:p>
+            <a:fld id="{A3588623-9414-4A4F-B728-DDF491331B9F}" type="slidenum">
+              <a:rPr lang="en-US" smtClean="0"/>
+              <a:pPr/>
+              <a:t>19</a:t>
+            </a:fld>
+            <a:endParaRPr lang="en-US" dirty="0"/>
+          </a:p>
+        </p:txBody>
+      </p:sp>
+    </p:spTree>
+    <p:extLst>
+      <p:ext uri="{BB962C8B-B14F-4D97-AF65-F5344CB8AC3E}">
+        <p14:creationId xmlns:p14="http://schemas.microsoft.com/office/powerpoint/2010/main" val="425932059"/>
+      </p:ext>
+    </p:extLst>
+  </p:cSld>
+  <p:clrMapOvr>
+    <a:masterClrMapping/>
+  </p:clrMapOvr>
+</p:notes>
+</file>
+
+<file path=ppt/notesSlides/notesSlide13.xml><?xml version="1.0" encoding="utf-8"?>
+<p:notes xmlns:a="http://schemas.openxmlformats.org/drawingml/2006/main" xmlns:r="http://schemas.openxmlformats.org/officeDocument/2006/relationships" xmlns:p="http://schemas.openxmlformats.org/presentationml/2006/main">
+  <p:cSld>
+    <p:spTree>
+      <p:nvGrpSpPr>
+        <p:cNvPr id="1" name=""/>
+        <p:cNvGrpSpPr/>
+        <p:nvPr/>
+      </p:nvGrpSpPr>
+      <p:grpSpPr>
+        <a:xfrm>
+          <a:off x="0" y="0"/>
+          <a:ext cx="0" cy="0"/>
+          <a:chOff x="0" y="0"/>
+          <a:chExt cx="0" cy="0"/>
+        </a:xfrm>
+      </p:grpSpPr>
+      <p:sp>
+        <p:nvSpPr>
+          <p:cNvPr id="2" name="Slide Image Placeholder 1"/>
+          <p:cNvSpPr>
+            <a:spLocks noGrp="1" noRot="1" noChangeAspect="1"/>
+          </p:cNvSpPr>
+          <p:nvPr>
+            <p:ph type="sldImg"/>
+          </p:nvPr>
+        </p:nvSpPr>
+        <p:spPr/>
+      </p:sp>
+      <p:sp>
+        <p:nvSpPr>
+          <p:cNvPr id="3" name="Notes Placeholder 2"/>
+          <p:cNvSpPr>
+            <a:spLocks noGrp="1"/>
+          </p:cNvSpPr>
+          <p:nvPr>
+            <p:ph type="body" idx="1"/>
+          </p:nvPr>
+        </p:nvSpPr>
+        <p:spPr/>
+        <p:txBody>
+          <a:bodyPr/>
+          <a:lstStyle/>
+          <a:p>
+            <a:r>
+              <a:rPr lang="en-US" dirty="0" smtClean="0"/>
+              <a:t>We have over 100 years in combined experience,</a:t>
+            </a:r>
+            <a:r>
+              <a:rPr lang="en-US" baseline="0" dirty="0" smtClean="0"/>
+              <a:t> but we aren’t yet old enough to realize the magnitude of this task, and we know what source-</a:t>
+            </a:r>
+            <a:r>
+              <a:rPr lang="en-US" baseline="0" smtClean="0"/>
+              <a:t>routing is. </a:t>
+            </a:r>
+            <a:endParaRPr lang="en-US"/>
+          </a:p>
+        </p:txBody>
+      </p:sp>
+      <p:sp>
+        <p:nvSpPr>
+          <p:cNvPr id="4" name="Slide Number Placeholder 3"/>
+          <p:cNvSpPr>
+            <a:spLocks noGrp="1"/>
+          </p:cNvSpPr>
+          <p:nvPr>
+            <p:ph type="sldNum" sz="quarter" idx="10"/>
+          </p:nvPr>
+        </p:nvSpPr>
+        <p:spPr/>
+        <p:txBody>
+          <a:bodyPr/>
+          <a:lstStyle/>
+          <a:p>
+            <a:fld id="{A3588623-9414-4A4F-B728-DDF491331B9F}" type="slidenum">
+              <a:rPr lang="en-US" smtClean="0"/>
+              <a:pPr/>
+              <a:t>21</a:t>
+            </a:fld>
+            <a:endParaRPr lang="en-US" dirty="0"/>
+          </a:p>
+        </p:txBody>
+      </p:sp>
+    </p:spTree>
+    <p:extLst>
+      <p:ext uri="{BB962C8B-B14F-4D97-AF65-F5344CB8AC3E}">
+        <p14:creationId xmlns:p14="http://schemas.microsoft.com/office/powerpoint/2010/main" val="2423472124"/>
+      </p:ext>
+    </p:extLst>
+  </p:cSld>
+  <p:clrMapOvr>
+    <a:masterClrMapping/>
+  </p:clrMapOvr>
+</p:notes>
+</file>
+
 <file path=ppt/notesSlides/notesSlide2.xml><?xml version="1.0" encoding="utf-8"?>
 <p:notes xmlns:a="http://schemas.openxmlformats.org/drawingml/2006/main" xmlns:r="http://schemas.openxmlformats.org/officeDocument/2006/relationships" xmlns:p="http://schemas.openxmlformats.org/presentationml/2006/main">
   <p:cSld>
@@ -926,12 +1304,22 @@
           <a:lstStyle/>
           <a:p>
             <a:r>
-              <a:rPr lang="en-US" dirty="0" smtClean="0"/>
-              <a:t>I would stick</a:t>
+              <a:rPr lang="en-US" dirty="0" err="1" smtClean="0"/>
+              <a:t>Epoll</a:t>
             </a:r>
             <a:r>
               <a:rPr lang="en-US" baseline="0" dirty="0" smtClean="0"/>
-              <a:t> to one slide for Socket an one for MPI, focusing on semantic differences. I would not present the various specialized ones, just one to show the semantic differences (matching, etc.).</a:t>
+              <a:t> (in kernel, requires interrupt) </a:t>
+            </a:r>
+          </a:p>
+          <a:p>
+            <a:r>
+              <a:rPr lang="en-US" dirty="0" smtClean="0"/>
+              <a:t>Could use UDP but no reliability</a:t>
+            </a:r>
+            <a:r>
+              <a:rPr lang="en-US" baseline="0" dirty="0" smtClean="0"/>
+              <a:t> </a:t>
             </a:r>
             <a:endParaRPr lang="en-US" dirty="0"/>
           </a:p>
@@ -955,7 +1343,7 @@
             <a:fld id="{A3588623-9414-4A4F-B728-DDF491331B9F}" type="slidenum">
               <a:rPr lang="en-US" smtClean="0"/>
               <a:pPr/>
-              <a:t>7</a:t>
+              <a:t>4</a:t>
             </a:fld>
             <a:endParaRPr lang="en-US" dirty="0"/>
           </a:p>
@@ -964,7 +1352,7 @@
     </p:spTree>
     <p:extLst>
       <p:ext uri="{BB962C8B-B14F-4D97-AF65-F5344CB8AC3E}">
-        <p14:creationId xmlns:p14="http://schemas.microsoft.com/office/powerpoint/2010/main" val="2120181062"/>
+        <p14:creationId xmlns:p14="http://schemas.microsoft.com/office/powerpoint/2010/main" val="919102884"/>
       </p:ext>
     </p:extLst>
   </p:cSld>
@@ -1019,23 +1407,38 @@
           <a:lstStyle/>
           <a:p>
             <a:r>
-              <a:rPr lang="en-US" dirty="0" err="1" smtClean="0"/>
-              <a:t>Epoll</a:t>
+              <a:rPr lang="en-US" dirty="0" smtClean="0"/>
+              <a:t>Need</a:t>
             </a:r>
             <a:r>
               <a:rPr lang="en-US" baseline="0" dirty="0" smtClean="0"/>
-              <a:t> (in kernel, requires interrupt) </a:t>
-            </a:r>
-          </a:p>
-          <a:p>
-            <a:r>
-              <a:rPr lang="en-US" dirty="0" smtClean="0"/>
-              <a:t>Could use UDP but no reliability</a:t>
-            </a:r>
-            <a:r>
-              <a:rPr lang="en-US" baseline="0" dirty="0" smtClean="0"/>
-              <a:t> </a:t>
-            </a:r>
+              <a:t> to bridge was there, the solution was developed but it is narrow in scope (HPC only) </a:t>
+            </a:r>
+          </a:p>
+          <a:p>
+            <a:pPr marL="0" marR="0" lvl="1" indent="0" algn="l" defTabSz="914400" rtl="0" eaLnBrk="1" fontAlgn="auto" latinLnBrk="0" hangingPunct="1">
+              <a:lnSpc>
+                <a:spcPct val="100000"/>
+              </a:lnSpc>
+              <a:spcBef>
+                <a:spcPts val="0"/>
+              </a:spcBef>
+              <a:spcAft>
+                <a:spcPts val="0"/>
+              </a:spcAft>
+              <a:buClrTx/>
+              <a:buSzTx/>
+              <a:buFontTx/>
+              <a:buNone/>
+              <a:tabLst/>
+              <a:defRPr/>
+            </a:pPr>
+            <a:r>
+              <a:rPr lang="en-US" sz="2000" dirty="0" smtClean="0"/>
+              <a:t>Later attempts to address dynamic environments have not been widely adopted </a:t>
+            </a:r>
+          </a:p>
+          <a:p>
             <a:endParaRPr lang="en-US" dirty="0"/>
           </a:p>
         </p:txBody>
@@ -1058,7 +1461,7 @@
             <a:fld id="{A3588623-9414-4A4F-B728-DDF491331B9F}" type="slidenum">
               <a:rPr lang="en-US" smtClean="0"/>
               <a:pPr/>
-              <a:t>8</a:t>
+              <a:t>5</a:t>
             </a:fld>
             <a:endParaRPr lang="en-US" dirty="0"/>
           </a:p>
@@ -1067,7 +1470,7 @@
     </p:spTree>
     <p:extLst>
       <p:ext uri="{BB962C8B-B14F-4D97-AF65-F5344CB8AC3E}">
-        <p14:creationId xmlns:p14="http://schemas.microsoft.com/office/powerpoint/2010/main" val="919102884"/>
+        <p14:creationId xmlns:p14="http://schemas.microsoft.com/office/powerpoint/2010/main" val="1665355784"/>
       </p:ext>
     </p:extLst>
   </p:cSld>
@@ -1121,39 +1524,6 @@
           <a:bodyPr/>
           <a:lstStyle/>
           <a:p>
-            <a:r>
-              <a:rPr lang="en-US" dirty="0" smtClean="0"/>
-              <a:t>Need</a:t>
-            </a:r>
-            <a:r>
-              <a:rPr lang="en-US" baseline="0" dirty="0" smtClean="0"/>
-              <a:t> to bridge was there, the solution was developed but it is narrow in scope (HPC only) </a:t>
-            </a:r>
-          </a:p>
-          <a:p>
-            <a:pPr marL="0" marR="0" lvl="1" indent="0" algn="l" defTabSz="914400" rtl="0" eaLnBrk="1" fontAlgn="auto" latinLnBrk="0" hangingPunct="1">
-              <a:lnSpc>
-                <a:spcPct val="100000"/>
-              </a:lnSpc>
-              <a:spcBef>
-                <a:spcPts val="0"/>
-              </a:spcBef>
-              <a:spcAft>
-                <a:spcPts val="0"/>
-              </a:spcAft>
-              <a:buClrTx/>
-              <a:buSzTx/>
-              <a:buFontTx/>
-              <a:buNone/>
-              <a:tabLst/>
-              <a:defRPr/>
-            </a:pPr>
-            <a:r>
-              <a:rPr lang="en-US" sz="2000" dirty="0" smtClean="0"/>
-              <a:t>Later attempts to address dynamic environments have not been widely adopted </a:t>
-            </a:r>
-          </a:p>
-          <a:p>
             <a:endParaRPr lang="en-US" dirty="0"/>
           </a:p>
         </p:txBody>
@@ -1176,7 +1546,7 @@
             <a:fld id="{A3588623-9414-4A4F-B728-DDF491331B9F}" type="slidenum">
               <a:rPr lang="en-US" smtClean="0"/>
               <a:pPr/>
-              <a:t>9</a:t>
+              <a:t>7</a:t>
             </a:fld>
             <a:endParaRPr lang="en-US" dirty="0"/>
           </a:p>
@@ -1185,7 +1555,7 @@
     </p:spTree>
     <p:extLst>
       <p:ext uri="{BB962C8B-B14F-4D97-AF65-F5344CB8AC3E}">
-        <p14:creationId xmlns:p14="http://schemas.microsoft.com/office/powerpoint/2010/main" val="1665355784"/>
+        <p14:creationId xmlns:p14="http://schemas.microsoft.com/office/powerpoint/2010/main" val="4253404534"/>
       </p:ext>
     </p:extLst>
   </p:cSld>
@@ -1239,6 +1609,29 @@
           <a:bodyPr/>
           <a:lstStyle/>
           <a:p>
+            <a:pPr marL="0" marR="0" indent="0" algn="l" defTabSz="914400" rtl="0" eaLnBrk="1" fontAlgn="auto" latinLnBrk="0" hangingPunct="1">
+              <a:lnSpc>
+                <a:spcPct val="100000"/>
+              </a:lnSpc>
+              <a:spcBef>
+                <a:spcPts val="0"/>
+              </a:spcBef>
+              <a:spcAft>
+                <a:spcPts val="0"/>
+              </a:spcAft>
+              <a:buClrTx/>
+              <a:buSzTx/>
+              <a:buFontTx/>
+              <a:buNone/>
+              <a:tabLst/>
+              <a:defRPr/>
+            </a:pPr>
+            <a:r>
+              <a:rPr lang="en-US" sz="1200" dirty="0" smtClean="0"/>
+              <a:t>We propose CCI to satisfy both application developers’ and network vendors’ needs.</a:t>
+            </a:r>
+          </a:p>
+          <a:p>
             <a:endParaRPr lang="en-US" dirty="0"/>
           </a:p>
         </p:txBody>
@@ -1261,7 +1654,7 @@
             <a:fld id="{A3588623-9414-4A4F-B728-DDF491331B9F}" type="slidenum">
               <a:rPr lang="en-US" smtClean="0"/>
               <a:pPr/>
-              <a:t>16</a:t>
+              <a:t>8</a:t>
             </a:fld>
             <a:endParaRPr lang="en-US" dirty="0"/>
           </a:p>
@@ -1270,7 +1663,554 @@
     </p:spTree>
     <p:extLst>
       <p:ext uri="{BB962C8B-B14F-4D97-AF65-F5344CB8AC3E}">
-        <p14:creationId xmlns:p14="http://schemas.microsoft.com/office/powerpoint/2010/main" val="78108902"/>
+        <p14:creationId xmlns:p14="http://schemas.microsoft.com/office/powerpoint/2010/main" val="3607585888"/>
+      </p:ext>
+    </p:extLst>
+  </p:cSld>
+  <p:clrMapOvr>
+    <a:masterClrMapping/>
+  </p:clrMapOvr>
+</p:notes>
+</file>
+
+<file path=ppt/notesSlides/notesSlide7.xml><?xml version="1.0" encoding="utf-8"?>
+<p:notes xmlns:a="http://schemas.openxmlformats.org/drawingml/2006/main" xmlns:r="http://schemas.openxmlformats.org/officeDocument/2006/relationships" xmlns:p="http://schemas.openxmlformats.org/presentationml/2006/main">
+  <p:cSld>
+    <p:spTree>
+      <p:nvGrpSpPr>
+        <p:cNvPr id="1" name=""/>
+        <p:cNvGrpSpPr/>
+        <p:nvPr/>
+      </p:nvGrpSpPr>
+      <p:grpSpPr>
+        <a:xfrm>
+          <a:off x="0" y="0"/>
+          <a:ext cx="0" cy="0"/>
+          <a:chOff x="0" y="0"/>
+          <a:chExt cx="0" cy="0"/>
+        </a:xfrm>
+      </p:grpSpPr>
+      <p:sp>
+        <p:nvSpPr>
+          <p:cNvPr id="2" name="Slide Image Placeholder 1"/>
+          <p:cNvSpPr>
+            <a:spLocks noGrp="1" noRot="1" noChangeAspect="1"/>
+          </p:cNvSpPr>
+          <p:nvPr>
+            <p:ph type="sldImg"/>
+          </p:nvPr>
+        </p:nvSpPr>
+        <p:spPr/>
+      </p:sp>
+      <p:sp>
+        <p:nvSpPr>
+          <p:cNvPr id="3" name="Notes Placeholder 2"/>
+          <p:cNvSpPr>
+            <a:spLocks noGrp="1"/>
+          </p:cNvSpPr>
+          <p:nvPr>
+            <p:ph type="body" idx="1"/>
+          </p:nvPr>
+        </p:nvSpPr>
+        <p:spPr/>
+        <p:txBody>
+          <a:bodyPr/>
+          <a:lstStyle/>
+          <a:p>
+            <a:pPr marL="0" marR="0" lvl="1" indent="0" algn="l" defTabSz="914400" rtl="0" eaLnBrk="1" fontAlgn="auto" latinLnBrk="0" hangingPunct="1">
+              <a:lnSpc>
+                <a:spcPct val="100000"/>
+              </a:lnSpc>
+              <a:spcBef>
+                <a:spcPts val="0"/>
+              </a:spcBef>
+              <a:spcAft>
+                <a:spcPts val="0"/>
+              </a:spcAft>
+              <a:buClrTx/>
+              <a:buSzTx/>
+              <a:buFontTx/>
+              <a:buNone/>
+              <a:tabLst/>
+              <a:defRPr/>
+            </a:pPr>
+            <a:r>
+              <a:rPr lang="en-US" dirty="0" smtClean="0"/>
+              <a:t>Performance:</a:t>
+            </a:r>
+          </a:p>
+          <a:p>
+            <a:pPr marL="0" marR="0" lvl="1" indent="0" algn="l" defTabSz="914400" rtl="0" eaLnBrk="1" fontAlgn="auto" latinLnBrk="0" hangingPunct="1">
+              <a:lnSpc>
+                <a:spcPct val="100000"/>
+              </a:lnSpc>
+              <a:spcBef>
+                <a:spcPts val="0"/>
+              </a:spcBef>
+              <a:spcAft>
+                <a:spcPts val="0"/>
+              </a:spcAft>
+              <a:buClrTx/>
+              <a:buSzTx/>
+              <a:buFontTx/>
+              <a:buNone/>
+              <a:tabLst/>
+              <a:defRPr/>
+            </a:pPr>
+            <a:r>
+              <a:rPr lang="en-US" dirty="0" smtClean="0"/>
+              <a:t>performance portable across host-based implementations and high-end offloaded implementations.</a:t>
+            </a:r>
+          </a:p>
+          <a:p>
+            <a:pPr marL="0" marR="0" lvl="1" indent="0" algn="l" defTabSz="914400" rtl="0" eaLnBrk="1" fontAlgn="auto" latinLnBrk="0" hangingPunct="1">
+              <a:lnSpc>
+                <a:spcPct val="100000"/>
+              </a:lnSpc>
+              <a:spcBef>
+                <a:spcPts val="0"/>
+              </a:spcBef>
+              <a:spcAft>
+                <a:spcPts val="0"/>
+              </a:spcAft>
+              <a:buClrTx/>
+              <a:buSzTx/>
+              <a:buFontTx/>
+              <a:buNone/>
+              <a:tabLst/>
+              <a:defRPr/>
+            </a:pPr>
+            <a:r>
+              <a:rPr lang="en-US" dirty="0" smtClean="0"/>
+              <a:t>Portability: </a:t>
+            </a:r>
+          </a:p>
+          <a:p>
+            <a:pPr marL="0" marR="0" lvl="1" indent="0" algn="l" defTabSz="914400" rtl="0" eaLnBrk="1" fontAlgn="auto" latinLnBrk="0" hangingPunct="1">
+              <a:lnSpc>
+                <a:spcPct val="100000"/>
+              </a:lnSpc>
+              <a:spcBef>
+                <a:spcPts val="0"/>
+              </a:spcBef>
+              <a:spcAft>
+                <a:spcPts val="0"/>
+              </a:spcAft>
+              <a:buClrTx/>
+              <a:buSzTx/>
+              <a:buFontTx/>
+              <a:buNone/>
+              <a:tabLst/>
+              <a:defRPr/>
+            </a:pPr>
+            <a:r>
+              <a:rPr lang="en-US" dirty="0" smtClean="0"/>
+              <a:t>Provide common abstraction across a wide-variety of networking technologies.</a:t>
+            </a:r>
+          </a:p>
+          <a:p>
+            <a:pPr marL="0" marR="0" lvl="1" indent="0" algn="l" defTabSz="914400" rtl="0" eaLnBrk="1" fontAlgn="auto" latinLnBrk="0" hangingPunct="1">
+              <a:lnSpc>
+                <a:spcPct val="100000"/>
+              </a:lnSpc>
+              <a:spcBef>
+                <a:spcPts val="0"/>
+              </a:spcBef>
+              <a:spcAft>
+                <a:spcPts val="0"/>
+              </a:spcAft>
+              <a:buClrTx/>
+              <a:buSzTx/>
+              <a:buFontTx/>
+              <a:buNone/>
+              <a:tabLst/>
+              <a:defRPr/>
+            </a:pPr>
+            <a:r>
+              <a:rPr lang="en-US" dirty="0" smtClean="0"/>
+              <a:t>Simplicity: </a:t>
+            </a:r>
+          </a:p>
+          <a:p>
+            <a:pPr marL="0" marR="0" lvl="1" indent="0" algn="l" defTabSz="914400" rtl="0" eaLnBrk="1" fontAlgn="auto" latinLnBrk="0" hangingPunct="1">
+              <a:lnSpc>
+                <a:spcPct val="100000"/>
+              </a:lnSpc>
+              <a:spcBef>
+                <a:spcPts val="0"/>
+              </a:spcBef>
+              <a:spcAft>
+                <a:spcPts val="0"/>
+              </a:spcAft>
+              <a:buClrTx/>
+              <a:buSzTx/>
+              <a:buFontTx/>
+              <a:buNone/>
+              <a:tabLst/>
+              <a:defRPr/>
+            </a:pPr>
+            <a:r>
+              <a:rPr lang="en-US" dirty="0" smtClean="0"/>
+              <a:t>Provide the right balance of functionality without sacrificing simplicity.</a:t>
+            </a:r>
+          </a:p>
+          <a:p>
+            <a:pPr marL="0" marR="0" lvl="1" indent="0" algn="l" defTabSz="914400" rtl="0" eaLnBrk="1" fontAlgn="auto" latinLnBrk="0" hangingPunct="1">
+              <a:lnSpc>
+                <a:spcPct val="100000"/>
+              </a:lnSpc>
+              <a:spcBef>
+                <a:spcPts val="0"/>
+              </a:spcBef>
+              <a:spcAft>
+                <a:spcPts val="0"/>
+              </a:spcAft>
+              <a:buClrTx/>
+              <a:buSzTx/>
+              <a:buFontTx/>
+              <a:buNone/>
+              <a:tabLst/>
+              <a:defRPr/>
+            </a:pPr>
+            <a:r>
+              <a:rPr lang="en-US" dirty="0" smtClean="0"/>
+              <a:t>Scalability:</a:t>
+            </a:r>
+            <a:r>
+              <a:rPr lang="en-US" baseline="0" dirty="0" smtClean="0"/>
+              <a:t> </a:t>
+            </a:r>
+          </a:p>
+          <a:p>
+            <a:pPr marL="0" marR="0" lvl="1" indent="0" algn="l" defTabSz="914400" rtl="0" eaLnBrk="1" fontAlgn="auto" latinLnBrk="0" hangingPunct="1">
+              <a:lnSpc>
+                <a:spcPct val="100000"/>
+              </a:lnSpc>
+              <a:spcBef>
+                <a:spcPts val="0"/>
+              </a:spcBef>
+              <a:spcAft>
+                <a:spcPts val="0"/>
+              </a:spcAft>
+              <a:buClrTx/>
+              <a:buSzTx/>
+              <a:buFontTx/>
+              <a:buNone/>
+              <a:tabLst/>
+              <a:defRPr/>
+            </a:pPr>
+            <a:r>
+              <a:rPr lang="en-US" baseline="0" dirty="0" smtClean="0"/>
+              <a:t>Approaching 10^6 nodes, 10^9 cores </a:t>
+            </a:r>
+          </a:p>
+          <a:p>
+            <a:pPr marL="0" marR="0" lvl="1" indent="0" algn="l" defTabSz="914400" rtl="0" eaLnBrk="1" fontAlgn="auto" latinLnBrk="0" hangingPunct="1">
+              <a:lnSpc>
+                <a:spcPct val="100000"/>
+              </a:lnSpc>
+              <a:spcBef>
+                <a:spcPts val="0"/>
+              </a:spcBef>
+              <a:spcAft>
+                <a:spcPts val="0"/>
+              </a:spcAft>
+              <a:buClrTx/>
+              <a:buSzTx/>
+              <a:buFontTx/>
+              <a:buNone/>
+              <a:tabLst/>
+              <a:defRPr/>
+            </a:pPr>
+            <a:r>
+              <a:rPr lang="en-US" baseline="0" dirty="0" smtClean="0"/>
+              <a:t>Robustness: </a:t>
+            </a:r>
+          </a:p>
+          <a:p>
+            <a:pPr marL="0" marR="0" lvl="1" indent="0" algn="l" defTabSz="914400" rtl="0" eaLnBrk="1" fontAlgn="auto" latinLnBrk="0" hangingPunct="1">
+              <a:lnSpc>
+                <a:spcPct val="100000"/>
+              </a:lnSpc>
+              <a:spcBef>
+                <a:spcPts val="0"/>
+              </a:spcBef>
+              <a:spcAft>
+                <a:spcPts val="0"/>
+              </a:spcAft>
+              <a:buClrTx/>
+              <a:buSzTx/>
+              <a:buFontTx/>
+              <a:buNone/>
+              <a:tabLst/>
+              <a:defRPr/>
+            </a:pPr>
+            <a:r>
+              <a:rPr lang="en-US" dirty="0" smtClean="0"/>
+              <a:t>Failures increase with component count.</a:t>
+            </a:r>
+          </a:p>
+          <a:p>
+            <a:pPr marL="0" marR="0" lvl="1" indent="0" algn="l" defTabSz="914400" rtl="0" eaLnBrk="1" fontAlgn="auto" latinLnBrk="0" hangingPunct="1">
+              <a:lnSpc>
+                <a:spcPct val="100000"/>
+              </a:lnSpc>
+              <a:spcBef>
+                <a:spcPts val="0"/>
+              </a:spcBef>
+              <a:spcAft>
+                <a:spcPts val="0"/>
+              </a:spcAft>
+              <a:buClrTx/>
+              <a:buSzTx/>
+              <a:buFontTx/>
+              <a:buNone/>
+              <a:tabLst/>
+              <a:defRPr/>
+            </a:pPr>
+            <a:endParaRPr lang="en-US" dirty="0" smtClean="0"/>
+          </a:p>
+          <a:p>
+            <a:endParaRPr lang="en-US" dirty="0"/>
+          </a:p>
+        </p:txBody>
+      </p:sp>
+      <p:sp>
+        <p:nvSpPr>
+          <p:cNvPr id="4" name="Slide Number Placeholder 3"/>
+          <p:cNvSpPr>
+            <a:spLocks noGrp="1"/>
+          </p:cNvSpPr>
+          <p:nvPr>
+            <p:ph type="sldNum" sz="quarter" idx="10"/>
+          </p:nvPr>
+        </p:nvSpPr>
+        <p:spPr/>
+        <p:txBody>
+          <a:bodyPr/>
+          <a:lstStyle/>
+          <a:p>
+            <a:fld id="{A3588623-9414-4A4F-B728-DDF491331B9F}" type="slidenum">
+              <a:rPr lang="en-US" smtClean="0"/>
+              <a:pPr/>
+              <a:t>9</a:t>
+            </a:fld>
+            <a:endParaRPr lang="en-US" dirty="0"/>
+          </a:p>
+        </p:txBody>
+      </p:sp>
+    </p:spTree>
+    <p:extLst>
+      <p:ext uri="{BB962C8B-B14F-4D97-AF65-F5344CB8AC3E}">
+        <p14:creationId xmlns:p14="http://schemas.microsoft.com/office/powerpoint/2010/main" val="1224640325"/>
+      </p:ext>
+    </p:extLst>
+  </p:cSld>
+  <p:clrMapOvr>
+    <a:masterClrMapping/>
+  </p:clrMapOvr>
+</p:notes>
+</file>
+
+<file path=ppt/notesSlides/notesSlide8.xml><?xml version="1.0" encoding="utf-8"?>
+<p:notes xmlns:a="http://schemas.openxmlformats.org/drawingml/2006/main" xmlns:r="http://schemas.openxmlformats.org/officeDocument/2006/relationships" xmlns:p="http://schemas.openxmlformats.org/presentationml/2006/main">
+  <p:cSld>
+    <p:spTree>
+      <p:nvGrpSpPr>
+        <p:cNvPr id="1" name=""/>
+        <p:cNvGrpSpPr/>
+        <p:nvPr/>
+      </p:nvGrpSpPr>
+      <p:grpSpPr>
+        <a:xfrm>
+          <a:off x="0" y="0"/>
+          <a:ext cx="0" cy="0"/>
+          <a:chOff x="0" y="0"/>
+          <a:chExt cx="0" cy="0"/>
+        </a:xfrm>
+      </p:grpSpPr>
+      <p:sp>
+        <p:nvSpPr>
+          <p:cNvPr id="2" name="Slide Image Placeholder 1"/>
+          <p:cNvSpPr>
+            <a:spLocks noGrp="1" noRot="1" noChangeAspect="1"/>
+          </p:cNvSpPr>
+          <p:nvPr>
+            <p:ph type="sldImg"/>
+          </p:nvPr>
+        </p:nvSpPr>
+        <p:spPr/>
+      </p:sp>
+      <p:sp>
+        <p:nvSpPr>
+          <p:cNvPr id="3" name="Notes Placeholder 2"/>
+          <p:cNvSpPr>
+            <a:spLocks noGrp="1"/>
+          </p:cNvSpPr>
+          <p:nvPr>
+            <p:ph type="body" idx="1"/>
+          </p:nvPr>
+        </p:nvSpPr>
+        <p:spPr/>
+        <p:txBody>
+          <a:bodyPr/>
+          <a:lstStyle/>
+          <a:p>
+            <a:r>
+              <a:rPr lang="en-US" dirty="0" smtClean="0"/>
+              <a:t>All resources are in the endpoint</a:t>
+            </a:r>
+            <a:r>
+              <a:rPr lang="en-US" baseline="0" dirty="0" smtClean="0"/>
+              <a:t> (shared) </a:t>
+            </a:r>
+            <a:endParaRPr lang="en-US" dirty="0"/>
+          </a:p>
+        </p:txBody>
+      </p:sp>
+      <p:sp>
+        <p:nvSpPr>
+          <p:cNvPr id="4" name="Slide Number Placeholder 3"/>
+          <p:cNvSpPr>
+            <a:spLocks noGrp="1"/>
+          </p:cNvSpPr>
+          <p:nvPr>
+            <p:ph type="sldNum" sz="quarter" idx="10"/>
+          </p:nvPr>
+        </p:nvSpPr>
+        <p:spPr/>
+        <p:txBody>
+          <a:bodyPr/>
+          <a:lstStyle/>
+          <a:p>
+            <a:fld id="{A3588623-9414-4A4F-B728-DDF491331B9F}" type="slidenum">
+              <a:rPr lang="en-US" smtClean="0"/>
+              <a:pPr/>
+              <a:t>10</a:t>
+            </a:fld>
+            <a:endParaRPr lang="en-US" dirty="0"/>
+          </a:p>
+        </p:txBody>
+      </p:sp>
+    </p:spTree>
+    <p:extLst>
+      <p:ext uri="{BB962C8B-B14F-4D97-AF65-F5344CB8AC3E}">
+        <p14:creationId xmlns:p14="http://schemas.microsoft.com/office/powerpoint/2010/main" val="3451841470"/>
+      </p:ext>
+    </p:extLst>
+  </p:cSld>
+  <p:clrMapOvr>
+    <a:masterClrMapping/>
+  </p:clrMapOvr>
+</p:notes>
+</file>
+
+<file path=ppt/notesSlides/notesSlide9.xml><?xml version="1.0" encoding="utf-8"?>
+<p:notes xmlns:a="http://schemas.openxmlformats.org/drawingml/2006/main" xmlns:r="http://schemas.openxmlformats.org/officeDocument/2006/relationships" xmlns:p="http://schemas.openxmlformats.org/presentationml/2006/main">
+  <p:cSld>
+    <p:spTree>
+      <p:nvGrpSpPr>
+        <p:cNvPr id="1" name=""/>
+        <p:cNvGrpSpPr/>
+        <p:nvPr/>
+      </p:nvGrpSpPr>
+      <p:grpSpPr>
+        <a:xfrm>
+          <a:off x="0" y="0"/>
+          <a:ext cx="0" cy="0"/>
+          <a:chOff x="0" y="0"/>
+          <a:chExt cx="0" cy="0"/>
+        </a:xfrm>
+      </p:grpSpPr>
+      <p:sp>
+        <p:nvSpPr>
+          <p:cNvPr id="2" name="Slide Image Placeholder 1"/>
+          <p:cNvSpPr>
+            <a:spLocks noGrp="1" noRot="1" noChangeAspect="1"/>
+          </p:cNvSpPr>
+          <p:nvPr>
+            <p:ph type="sldImg"/>
+          </p:nvPr>
+        </p:nvSpPr>
+        <p:spPr/>
+      </p:sp>
+      <p:sp>
+        <p:nvSpPr>
+          <p:cNvPr id="3" name="Notes Placeholder 2"/>
+          <p:cNvSpPr>
+            <a:spLocks noGrp="1"/>
+          </p:cNvSpPr>
+          <p:nvPr>
+            <p:ph type="body" idx="1"/>
+          </p:nvPr>
+        </p:nvSpPr>
+        <p:spPr/>
+        <p:txBody>
+          <a:bodyPr/>
+          <a:lstStyle/>
+          <a:p>
+            <a:r>
+              <a:rPr lang="en-US" dirty="0" smtClean="0"/>
+              <a:t>Not</a:t>
+            </a:r>
+            <a:r>
+              <a:rPr lang="en-US" baseline="0" dirty="0" smtClean="0"/>
+              <a:t> requiring order enables efficient </a:t>
+            </a:r>
+            <a:r>
+              <a:rPr lang="en-US" baseline="0" dirty="0" err="1" smtClean="0"/>
+              <a:t>mutli</a:t>
+            </a:r>
+            <a:r>
+              <a:rPr lang="en-US" baseline="0" dirty="0" smtClean="0"/>
+              <a:t>-rail, high-radix network </a:t>
+            </a:r>
+            <a:r>
+              <a:rPr lang="en-US" baseline="0" dirty="0" err="1" smtClean="0"/>
+              <a:t>toplogies</a:t>
+            </a:r>
+            <a:r>
+              <a:rPr lang="en-US" baseline="0" dirty="0" smtClean="0"/>
+              <a:t>, and dynamic routing without specialized hardware </a:t>
+            </a:r>
+          </a:p>
+          <a:p>
+            <a:r>
+              <a:rPr lang="en-US" baseline="0" dirty="0" smtClean="0"/>
+              <a:t>Unreliable unordered – enables applications with strict timing constraints that are incompatible with reliable implementations (if my pricing update from the exchange is retransmitted it might as well be dropped) </a:t>
+            </a:r>
+            <a:endParaRPr lang="en-US" dirty="0"/>
+          </a:p>
+        </p:txBody>
+      </p:sp>
+      <p:sp>
+        <p:nvSpPr>
+          <p:cNvPr id="4" name="Slide Number Placeholder 3"/>
+          <p:cNvSpPr>
+            <a:spLocks noGrp="1"/>
+          </p:cNvSpPr>
+          <p:nvPr>
+            <p:ph type="sldNum" sz="quarter" idx="10"/>
+          </p:nvPr>
+        </p:nvSpPr>
+        <p:spPr/>
+        <p:txBody>
+          <a:bodyPr/>
+          <a:lstStyle/>
+          <a:p>
+            <a:fld id="{A3588623-9414-4A4F-B728-DDF491331B9F}" type="slidenum">
+              <a:rPr lang="en-US" smtClean="0"/>
+              <a:pPr/>
+              <a:t>12</a:t>
+            </a:fld>
+            <a:endParaRPr lang="en-US" dirty="0"/>
+          </a:p>
+        </p:txBody>
+      </p:sp>
+    </p:spTree>
+    <p:extLst>
+      <p:ext uri="{BB962C8B-B14F-4D97-AF65-F5344CB8AC3E}">
+        <p14:creationId xmlns:p14="http://schemas.microsoft.com/office/powerpoint/2010/main" val="2225299701"/>
       </p:ext>
     </p:extLst>
   </p:cSld>
@@ -3425,738 +4365,6 @@
             <p:ph type="title"/>
           </p:nvPr>
         </p:nvSpPr>
-        <p:spPr/>
-        <p:txBody>
-          <a:bodyPr/>
-          <a:lstStyle/>
-          <a:p>
-            <a:r>
-              <a:rPr lang="en-US" dirty="0" smtClean="0"/>
-              <a:t>Specialized APIs abound</a:t>
-            </a:r>
-            <a:endParaRPr lang="en-US" dirty="0"/>
-          </a:p>
-        </p:txBody>
-      </p:sp>
-      <p:sp>
-        <p:nvSpPr>
-          <p:cNvPr id="3" name="Content Placeholder 2"/>
-          <p:cNvSpPr>
-            <a:spLocks noGrp="1"/>
-          </p:cNvSpPr>
-          <p:nvPr>
-            <p:ph sz="half" idx="1"/>
-          </p:nvPr>
-        </p:nvSpPr>
-        <p:spPr/>
-        <p:txBody>
-          <a:bodyPr>
-            <a:normAutofit fontScale="77500" lnSpcReduction="20000"/>
-          </a:bodyPr>
-          <a:lstStyle/>
-          <a:p>
-            <a:r>
-              <a:rPr lang="en-US" dirty="0"/>
-              <a:t>OFA </a:t>
-            </a:r>
-            <a:r>
-              <a:rPr lang="en-US" dirty="0" smtClean="0"/>
-              <a:t>Verbs </a:t>
-            </a:r>
-          </a:p>
-          <a:p>
-            <a:pPr lvl="1"/>
-            <a:r>
-              <a:rPr lang="en-US" dirty="0" smtClean="0"/>
-              <a:t>High level of complexity, vendor lock-in is a concern</a:t>
-            </a:r>
-            <a:endParaRPr lang="en-US" dirty="0"/>
-          </a:p>
-          <a:p>
-            <a:r>
-              <a:rPr lang="en-US" dirty="0"/>
-              <a:t>Cray/Sandia’s </a:t>
-            </a:r>
-            <a:r>
-              <a:rPr lang="en-US" dirty="0" smtClean="0"/>
-              <a:t>Portals</a:t>
-            </a:r>
-          </a:p>
-          <a:p>
-            <a:pPr lvl="1"/>
-            <a:r>
-              <a:rPr lang="en-US" dirty="0" smtClean="0"/>
-              <a:t>Highly specialized interface targeted towards HPC (MPI, SHMEM, UPC)</a:t>
-            </a:r>
-            <a:endParaRPr lang="en-US" dirty="0"/>
-          </a:p>
-          <a:p>
-            <a:r>
-              <a:rPr lang="en-US" dirty="0"/>
-              <a:t>Qlogics’s </a:t>
-            </a:r>
-            <a:r>
-              <a:rPr lang="en-US" dirty="0" smtClean="0"/>
-              <a:t>PSM</a:t>
-            </a:r>
-          </a:p>
-          <a:p>
-            <a:pPr lvl="1"/>
-            <a:r>
-              <a:rPr lang="en-US" dirty="0" smtClean="0"/>
-              <a:t>Highly specialized interface targeted towards MPI </a:t>
-            </a:r>
-            <a:endParaRPr lang="en-US" dirty="0"/>
-          </a:p>
-          <a:p>
-            <a:r>
-              <a:rPr lang="en-US" dirty="0"/>
-              <a:t>Myricom’s </a:t>
-            </a:r>
-            <a:r>
-              <a:rPr lang="en-US" dirty="0" smtClean="0"/>
-              <a:t>MX</a:t>
-            </a:r>
-          </a:p>
-          <a:p>
-            <a:pPr lvl="1"/>
-            <a:r>
-              <a:rPr lang="en-US" dirty="0"/>
-              <a:t>Highly specialized interface targeted towards MPI </a:t>
-            </a:r>
-            <a:endParaRPr lang="en-US" dirty="0" smtClean="0"/>
-          </a:p>
-          <a:p>
-            <a:r>
-              <a:rPr lang="en-US" dirty="0"/>
-              <a:t>IBM’s LAPI and DCMF</a:t>
-            </a:r>
-          </a:p>
-          <a:p>
-            <a:pPr lvl="1"/>
-            <a:r>
-              <a:rPr lang="en-US" dirty="0"/>
-              <a:t>Limited support outside of IBM network </a:t>
-            </a:r>
-            <a:r>
-              <a:rPr lang="en-US" dirty="0" smtClean="0"/>
-              <a:t>technologies</a:t>
-            </a:r>
-            <a:endParaRPr lang="en-US" dirty="0"/>
-          </a:p>
-        </p:txBody>
-      </p:sp>
-      <p:sp>
-        <p:nvSpPr>
-          <p:cNvPr id="6" name="Content Placeholder 5"/>
-          <p:cNvSpPr>
-            <a:spLocks noGrp="1"/>
-          </p:cNvSpPr>
-          <p:nvPr>
-            <p:ph sz="half" idx="2"/>
-          </p:nvPr>
-        </p:nvSpPr>
-        <p:spPr/>
-        <p:txBody>
-          <a:bodyPr>
-            <a:normAutofit fontScale="77500" lnSpcReduction="20000"/>
-          </a:bodyPr>
-          <a:lstStyle/>
-          <a:p>
-            <a:r>
-              <a:rPr lang="en-US" dirty="0"/>
-              <a:t>DAPL</a:t>
-            </a:r>
-          </a:p>
-          <a:p>
-            <a:pPr lvl="1"/>
-            <a:r>
-              <a:rPr lang="en-US" dirty="0"/>
-              <a:t>Limited support outside of </a:t>
-            </a:r>
-            <a:r>
-              <a:rPr lang="en-US" dirty="0" err="1"/>
-              <a:t>iWARP</a:t>
-            </a:r>
-            <a:r>
-              <a:rPr lang="en-US" dirty="0"/>
-              <a:t> capable devices </a:t>
-            </a:r>
-          </a:p>
-          <a:p>
-            <a:r>
-              <a:rPr lang="en-US" dirty="0" smtClean="0"/>
-              <a:t>LBL’s </a:t>
-            </a:r>
-            <a:r>
-              <a:rPr lang="en-US" dirty="0" err="1"/>
-              <a:t>GASnet</a:t>
-            </a:r>
-            <a:endParaRPr lang="en-US" dirty="0"/>
-          </a:p>
-          <a:p>
-            <a:pPr lvl="1"/>
-            <a:r>
-              <a:rPr lang="en-US" dirty="0"/>
-              <a:t>Designed specifically for the needs of UPC</a:t>
-            </a:r>
-          </a:p>
-          <a:p>
-            <a:r>
-              <a:rPr lang="en-US" dirty="0" smtClean="0"/>
-              <a:t>ARMCI</a:t>
-            </a:r>
-            <a:endParaRPr lang="en-US" dirty="0"/>
-          </a:p>
-          <a:p>
-            <a:pPr lvl="1"/>
-            <a:r>
-              <a:rPr lang="en-US" dirty="0"/>
-              <a:t>Designed specifically for the needs of Global Arrays</a:t>
-            </a:r>
-          </a:p>
-          <a:p>
-            <a:r>
-              <a:rPr lang="en-US" dirty="0"/>
-              <a:t>LNET</a:t>
-            </a:r>
-          </a:p>
-          <a:p>
-            <a:pPr lvl="1"/>
-            <a:r>
-              <a:rPr lang="en-US" dirty="0"/>
-              <a:t> Designed specifically for the needs of </a:t>
-            </a:r>
-            <a:r>
-              <a:rPr lang="en-US" dirty="0" err="1"/>
-              <a:t>Lustre</a:t>
-            </a:r>
-            <a:r>
-              <a:rPr lang="en-US" dirty="0" smtClean="0"/>
-              <a:t>.</a:t>
-            </a:r>
-          </a:p>
-          <a:p>
-            <a:r>
-              <a:rPr lang="en-US" dirty="0" smtClean="0"/>
-              <a:t>BMI</a:t>
-            </a:r>
-          </a:p>
-          <a:p>
-            <a:pPr lvl="1"/>
-            <a:r>
-              <a:rPr lang="en-US" dirty="0" smtClean="0"/>
-              <a:t>Designed specifically for the needs of PVFS</a:t>
-            </a:r>
-            <a:endParaRPr lang="en-US" dirty="0"/>
-          </a:p>
-          <a:p>
-            <a:endParaRPr lang="en-US" dirty="0"/>
-          </a:p>
-        </p:txBody>
-      </p:sp>
-    </p:spTree>
-    <p:extLst>
-      <p:ext uri="{BB962C8B-B14F-4D97-AF65-F5344CB8AC3E}">
-        <p14:creationId xmlns:p14="http://schemas.microsoft.com/office/powerpoint/2010/main" val="3718705044"/>
-      </p:ext>
-    </p:extLst>
-  </p:cSld>
-  <p:clrMapOvr>
-    <a:masterClrMapping/>
-  </p:clrMapOvr>
-  <p:timing>
-    <p:tnLst>
-      <p:par>
-        <p:cTn xmlns:p14="http://schemas.microsoft.com/office/powerpoint/2010/main" id="1" dur="indefinite" restart="never" nodeType="tmRoot"/>
-      </p:par>
-    </p:tnLst>
-  </p:timing>
-</p:sld>
-</file>
-
-<file path=ppt/slides/slide11.xml><?xml version="1.0" encoding="utf-8"?>
-<p:sld xmlns:a="http://schemas.openxmlformats.org/drawingml/2006/main" xmlns:r="http://schemas.openxmlformats.org/officeDocument/2006/relationships" xmlns:p="http://schemas.openxmlformats.org/presentationml/2006/main">
-  <p:cSld>
-    <p:spTree>
-      <p:nvGrpSpPr>
-        <p:cNvPr id="1" name=""/>
-        <p:cNvGrpSpPr/>
-        <p:nvPr/>
-      </p:nvGrpSpPr>
-      <p:grpSpPr>
-        <a:xfrm>
-          <a:off x="0" y="0"/>
-          <a:ext cx="0" cy="0"/>
-          <a:chOff x="0" y="0"/>
-          <a:chExt cx="0" cy="0"/>
-        </a:xfrm>
-      </p:grpSpPr>
-      <p:sp>
-        <p:nvSpPr>
-          <p:cNvPr id="5" name="Title 4"/>
-          <p:cNvSpPr>
-            <a:spLocks noGrp="1"/>
-          </p:cNvSpPr>
-          <p:nvPr>
-            <p:ph type="title"/>
-          </p:nvPr>
-        </p:nvSpPr>
-        <p:spPr/>
-        <p:txBody>
-          <a:bodyPr/>
-          <a:lstStyle/>
-          <a:p>
-            <a:r>
-              <a:rPr lang="en-US" dirty="0" smtClean="0"/>
-              <a:t>Summing up the landscape</a:t>
-            </a:r>
-            <a:endParaRPr lang="en-US" dirty="0"/>
-          </a:p>
-        </p:txBody>
-      </p:sp>
-      <p:graphicFrame>
-        <p:nvGraphicFramePr>
-          <p:cNvPr id="7" name="Content Placeholder 6"/>
-          <p:cNvGraphicFramePr>
-            <a:graphicFrameLocks noGrp="1"/>
-          </p:cNvGraphicFramePr>
-          <p:nvPr>
-            <p:ph idx="1"/>
-            <p:extLst>
-              <p:ext uri="{D42A27DB-BD31-4B8C-83A1-F6EECF244321}">
-                <p14:modId xmlns:p14="http://schemas.microsoft.com/office/powerpoint/2010/main" val="1671221087"/>
-              </p:ext>
-            </p:extLst>
-          </p:nvPr>
-        </p:nvGraphicFramePr>
-        <p:xfrm>
-          <a:off x="387851" y="1570707"/>
-          <a:ext cx="8229600" cy="2225040"/>
-        </p:xfrm>
-        <a:graphic>
-          <a:graphicData uri="http://schemas.openxmlformats.org/drawingml/2006/table">
-            <a:tbl>
-              <a:tblPr firstRow="1" bandRow="1">
-                <a:tableStyleId>{5C22544A-7EE6-4342-B048-85BDC9FD1C3A}</a:tableStyleId>
-              </a:tblPr>
-              <a:tblGrid>
-                <a:gridCol w="2057400"/>
-                <a:gridCol w="2057400"/>
-                <a:gridCol w="2057400"/>
-                <a:gridCol w="2057400"/>
-              </a:tblGrid>
-              <a:tr h="370840">
-                <a:tc>
-                  <a:txBody>
-                    <a:bodyPr/>
-                    <a:lstStyle/>
-                    <a:p>
-                      <a:endParaRPr lang="en-US" dirty="0"/>
-                    </a:p>
-                  </a:txBody>
-                  <a:tcPr/>
-                </a:tc>
-                <a:tc>
-                  <a:txBody>
-                    <a:bodyPr/>
-                    <a:lstStyle/>
-                    <a:p>
-                      <a:r>
-                        <a:rPr lang="en-US" dirty="0" smtClean="0"/>
-                        <a:t>Sockets</a:t>
-                      </a:r>
-                      <a:endParaRPr lang="en-US" dirty="0"/>
-                    </a:p>
-                  </a:txBody>
-                  <a:tcPr/>
-                </a:tc>
-                <a:tc>
-                  <a:txBody>
-                    <a:bodyPr/>
-                    <a:lstStyle/>
-                    <a:p>
-                      <a:r>
-                        <a:rPr lang="en-US" dirty="0" smtClean="0"/>
-                        <a:t>MPI</a:t>
-                      </a:r>
-                      <a:endParaRPr lang="en-US" dirty="0"/>
-                    </a:p>
-                  </a:txBody>
-                  <a:tcPr/>
-                </a:tc>
-                <a:tc>
-                  <a:txBody>
-                    <a:bodyPr/>
-                    <a:lstStyle/>
-                    <a:p>
-                      <a:r>
-                        <a:rPr lang="en-US" dirty="0" smtClean="0"/>
-                        <a:t>Specialized</a:t>
-                      </a:r>
-                      <a:r>
-                        <a:rPr lang="en-US" baseline="0" dirty="0" smtClean="0"/>
-                        <a:t> </a:t>
-                      </a:r>
-                      <a:r>
-                        <a:rPr lang="en-US" dirty="0" smtClean="0"/>
-                        <a:t>APIs</a:t>
-                      </a:r>
-                      <a:endParaRPr lang="en-US" dirty="0"/>
-                    </a:p>
-                  </a:txBody>
-                  <a:tcPr/>
-                </a:tc>
-              </a:tr>
-              <a:tr h="370840">
-                <a:tc>
-                  <a:txBody>
-                    <a:bodyPr/>
-                    <a:lstStyle/>
-                    <a:p>
-                      <a:r>
-                        <a:rPr lang="en-US" dirty="0" smtClean="0"/>
-                        <a:t>Portability</a:t>
-                      </a:r>
-                      <a:endParaRPr lang="en-US" dirty="0"/>
-                    </a:p>
-                  </a:txBody>
-                  <a:tcPr/>
-                </a:tc>
-                <a:tc>
-                  <a:txBody>
-                    <a:bodyPr/>
-                    <a:lstStyle/>
-                    <a:p>
-                      <a:pPr algn="ctr"/>
-                      <a:r>
-                        <a:rPr lang="en-US" dirty="0" smtClean="0"/>
-                        <a:t>+</a:t>
-                      </a:r>
-                      <a:endParaRPr lang="en-US" dirty="0"/>
-                    </a:p>
-                  </a:txBody>
-                  <a:tcPr/>
-                </a:tc>
-                <a:tc>
-                  <a:txBody>
-                    <a:bodyPr/>
-                    <a:lstStyle/>
-                    <a:p>
-                      <a:pPr algn="ctr"/>
-                      <a:r>
-                        <a:rPr lang="en-US" dirty="0" smtClean="0"/>
-                        <a:t>+</a:t>
-                      </a:r>
-                      <a:endParaRPr lang="en-US" dirty="0"/>
-                    </a:p>
-                  </a:txBody>
-                  <a:tcPr/>
-                </a:tc>
-                <a:tc>
-                  <a:txBody>
-                    <a:bodyPr/>
-                    <a:lstStyle/>
-                    <a:p>
-                      <a:pPr algn="ctr"/>
-                      <a:r>
-                        <a:rPr lang="en-US" dirty="0" smtClean="0"/>
-                        <a:t>-</a:t>
-                      </a:r>
-                      <a:endParaRPr lang="en-US" dirty="0"/>
-                    </a:p>
-                  </a:txBody>
-                  <a:tcPr/>
-                </a:tc>
-              </a:tr>
-              <a:tr h="370840">
-                <a:tc>
-                  <a:txBody>
-                    <a:bodyPr/>
-                    <a:lstStyle/>
-                    <a:p>
-                      <a:r>
-                        <a:rPr lang="en-US" dirty="0" smtClean="0"/>
-                        <a:t>Simplicity</a:t>
-                      </a:r>
-                      <a:endParaRPr lang="en-US" dirty="0"/>
-                    </a:p>
-                  </a:txBody>
-                  <a:tcPr/>
-                </a:tc>
-                <a:tc>
-                  <a:txBody>
-                    <a:bodyPr/>
-                    <a:lstStyle/>
-                    <a:p>
-                      <a:pPr algn="ctr"/>
-                      <a:r>
-                        <a:rPr lang="en-US" dirty="0" smtClean="0"/>
-                        <a:t>+</a:t>
-                      </a:r>
-                      <a:endParaRPr lang="en-US" dirty="0"/>
-                    </a:p>
-                  </a:txBody>
-                  <a:tcPr/>
-                </a:tc>
-                <a:tc>
-                  <a:txBody>
-                    <a:bodyPr/>
-                    <a:lstStyle/>
-                    <a:p>
-                      <a:pPr algn="ctr"/>
-                      <a:r>
-                        <a:rPr lang="en-US" dirty="0" smtClean="0"/>
-                        <a:t>-</a:t>
-                      </a:r>
-                      <a:endParaRPr lang="en-US" dirty="0"/>
-                    </a:p>
-                  </a:txBody>
-                  <a:tcPr/>
-                </a:tc>
-                <a:tc>
-                  <a:txBody>
-                    <a:bodyPr/>
-                    <a:lstStyle/>
-                    <a:p>
-                      <a:pPr algn="ctr"/>
-                      <a:r>
-                        <a:rPr lang="en-US" dirty="0" smtClean="0"/>
-                        <a:t>Varies</a:t>
-                      </a:r>
-                      <a:endParaRPr lang="en-US" dirty="0"/>
-                    </a:p>
-                  </a:txBody>
-                  <a:tcPr/>
-                </a:tc>
-              </a:tr>
-              <a:tr h="370840">
-                <a:tc>
-                  <a:txBody>
-                    <a:bodyPr/>
-                    <a:lstStyle/>
-                    <a:p>
-                      <a:r>
-                        <a:rPr lang="en-US" dirty="0" smtClean="0"/>
-                        <a:t>Performance</a:t>
-                      </a:r>
-                      <a:endParaRPr lang="en-US" dirty="0"/>
-                    </a:p>
-                  </a:txBody>
-                  <a:tcPr/>
-                </a:tc>
-                <a:tc>
-                  <a:txBody>
-                    <a:bodyPr/>
-                    <a:lstStyle/>
-                    <a:p>
-                      <a:pPr algn="ctr"/>
-                      <a:r>
-                        <a:rPr lang="en-US" dirty="0" smtClean="0"/>
-                        <a:t>-</a:t>
-                      </a:r>
-                      <a:endParaRPr lang="en-US" dirty="0"/>
-                    </a:p>
-                  </a:txBody>
-                  <a:tcPr/>
-                </a:tc>
-                <a:tc>
-                  <a:txBody>
-                    <a:bodyPr/>
-                    <a:lstStyle/>
-                    <a:p>
-                      <a:pPr algn="ctr"/>
-                      <a:r>
-                        <a:rPr lang="en-US" dirty="0" smtClean="0"/>
-                        <a:t>+</a:t>
-                      </a:r>
-                      <a:endParaRPr lang="en-US" dirty="0"/>
-                    </a:p>
-                  </a:txBody>
-                  <a:tcPr/>
-                </a:tc>
-                <a:tc>
-                  <a:txBody>
-                    <a:bodyPr/>
-                    <a:lstStyle/>
-                    <a:p>
-                      <a:pPr algn="ctr"/>
-                      <a:r>
-                        <a:rPr lang="en-US" dirty="0" smtClean="0"/>
-                        <a:t>+</a:t>
-                      </a:r>
-                      <a:endParaRPr lang="en-US" dirty="0"/>
-                    </a:p>
-                  </a:txBody>
-                  <a:tcPr/>
-                </a:tc>
-              </a:tr>
-              <a:tr h="370840">
-                <a:tc>
-                  <a:txBody>
-                    <a:bodyPr/>
-                    <a:lstStyle/>
-                    <a:p>
-                      <a:r>
-                        <a:rPr lang="en-US" dirty="0" smtClean="0"/>
-                        <a:t>Scalability</a:t>
-                      </a:r>
-                      <a:endParaRPr lang="en-US" dirty="0"/>
-                    </a:p>
-                  </a:txBody>
-                  <a:tcPr/>
-                </a:tc>
-                <a:tc>
-                  <a:txBody>
-                    <a:bodyPr/>
-                    <a:lstStyle/>
-                    <a:p>
-                      <a:pPr algn="ctr"/>
-                      <a:r>
-                        <a:rPr lang="en-US" dirty="0" smtClean="0"/>
-                        <a:t>-</a:t>
-                      </a:r>
-                      <a:endParaRPr lang="en-US" dirty="0"/>
-                    </a:p>
-                  </a:txBody>
-                  <a:tcPr/>
-                </a:tc>
-                <a:tc>
-                  <a:txBody>
-                    <a:bodyPr/>
-                    <a:lstStyle/>
-                    <a:p>
-                      <a:pPr algn="ctr"/>
-                      <a:r>
-                        <a:rPr lang="en-US" dirty="0" smtClean="0"/>
-                        <a:t>+</a:t>
-                      </a:r>
-                      <a:endParaRPr lang="en-US" dirty="0"/>
-                    </a:p>
-                  </a:txBody>
-                  <a:tcPr/>
-                </a:tc>
-                <a:tc>
-                  <a:txBody>
-                    <a:bodyPr/>
-                    <a:lstStyle/>
-                    <a:p>
-                      <a:pPr algn="ctr"/>
-                      <a:r>
-                        <a:rPr lang="en-US" dirty="0" smtClean="0"/>
-                        <a:t>Varies</a:t>
-                      </a:r>
-                      <a:endParaRPr lang="en-US" dirty="0"/>
-                    </a:p>
-                  </a:txBody>
-                  <a:tcPr/>
-                </a:tc>
-              </a:tr>
-              <a:tr h="370840">
-                <a:tc>
-                  <a:txBody>
-                    <a:bodyPr/>
-                    <a:lstStyle/>
-                    <a:p>
-                      <a:r>
-                        <a:rPr lang="en-US" dirty="0" smtClean="0"/>
-                        <a:t>Robustness</a:t>
-                      </a:r>
-                      <a:endParaRPr lang="en-US" dirty="0"/>
-                    </a:p>
-                  </a:txBody>
-                  <a:tcPr/>
-                </a:tc>
-                <a:tc>
-                  <a:txBody>
-                    <a:bodyPr/>
-                    <a:lstStyle/>
-                    <a:p>
-                      <a:pPr algn="ctr"/>
-                      <a:r>
-                        <a:rPr lang="en-US" dirty="0" smtClean="0"/>
-                        <a:t>+</a:t>
-                      </a:r>
-                      <a:endParaRPr lang="en-US" dirty="0"/>
-                    </a:p>
-                  </a:txBody>
-                  <a:tcPr/>
-                </a:tc>
-                <a:tc>
-                  <a:txBody>
-                    <a:bodyPr/>
-                    <a:lstStyle/>
-                    <a:p>
-                      <a:pPr algn="ctr"/>
-                      <a:r>
-                        <a:rPr lang="en-US" dirty="0" smtClean="0"/>
-                        <a:t>-</a:t>
-                      </a:r>
-                      <a:endParaRPr lang="en-US" dirty="0"/>
-                    </a:p>
-                  </a:txBody>
-                  <a:tcPr/>
-                </a:tc>
-                <a:tc>
-                  <a:txBody>
-                    <a:bodyPr/>
-                    <a:lstStyle/>
-                    <a:p>
-                      <a:pPr algn="ctr"/>
-                      <a:r>
-                        <a:rPr lang="en-US" dirty="0" smtClean="0"/>
-                        <a:t>Varies</a:t>
-                      </a:r>
-                      <a:endParaRPr lang="en-US" dirty="0"/>
-                    </a:p>
-                  </a:txBody>
-                  <a:tcPr/>
-                </a:tc>
-              </a:tr>
-            </a:tbl>
-          </a:graphicData>
-        </a:graphic>
-      </p:graphicFrame>
-    </p:spTree>
-    <p:extLst>
-      <p:ext uri="{BB962C8B-B14F-4D97-AF65-F5344CB8AC3E}">
-        <p14:creationId xmlns:p14="http://schemas.microsoft.com/office/powerpoint/2010/main" val="4177134767"/>
-      </p:ext>
-    </p:extLst>
-  </p:cSld>
-  <p:clrMapOvr>
-    <a:masterClrMapping/>
-  </p:clrMapOvr>
-</p:sld>
-</file>
-
-<file path=ppt/slides/slide12.xml><?xml version="1.0" encoding="utf-8"?>
-<p:sld xmlns:a="http://schemas.openxmlformats.org/drawingml/2006/main" xmlns:r="http://schemas.openxmlformats.org/officeDocument/2006/relationships" xmlns:p="http://schemas.openxmlformats.org/presentationml/2006/main">
-  <p:cSld>
-    <p:spTree>
-      <p:nvGrpSpPr>
-        <p:cNvPr id="1" name=""/>
-        <p:cNvGrpSpPr/>
-        <p:nvPr/>
-      </p:nvGrpSpPr>
-      <p:grpSpPr>
-        <a:xfrm>
-          <a:off x="0" y="0"/>
-          <a:ext cx="0" cy="0"/>
-          <a:chOff x="0" y="0"/>
-          <a:chExt cx="0" cy="0"/>
-        </a:xfrm>
-      </p:grpSpPr>
-      <p:sp>
-        <p:nvSpPr>
-          <p:cNvPr id="2" name="Title 1"/>
-          <p:cNvSpPr>
-            <a:spLocks noGrp="1"/>
-          </p:cNvSpPr>
-          <p:nvPr>
-            <p:ph type="title"/>
-          </p:nvPr>
-        </p:nvSpPr>
         <p:spPr>
           <a:xfrm>
             <a:off x="111098" y="152400"/>
@@ -4195,15 +4403,16 @@
           <a:lstStyle/>
           <a:p>
             <a:r>
-              <a:rPr lang="en-US" dirty="0"/>
+              <a:rPr lang="en-US" dirty="0" smtClean="0"/>
               <a:t>Endpoints</a:t>
             </a:r>
           </a:p>
           <a:p>
             <a:r>
-              <a:rPr lang="en-US" dirty="0"/>
+              <a:rPr lang="en-US" dirty="0" smtClean="0"/>
               <a:t>Connections</a:t>
             </a:r>
+            <a:endParaRPr lang="en-US" dirty="0"/>
           </a:p>
           <a:p>
             <a:r>
@@ -4239,7 +4448,7 @@
           <p:nvPr/>
         </p:nvPicPr>
         <p:blipFill>
-          <a:blip r:embed="rId2">
+          <a:blip r:embed="rId3">
             <a:extLst>
               <a:ext uri="{28A0092B-C50C-407E-A947-70E740481C1C}">
                 <a14:useLocalDpi xmlns:a14="http://schemas.microsoft.com/office/drawing/2010/main" val="0"/>
@@ -4280,7 +4489,7 @@
 </p:sld>
 </file>
 
-<file path=ppt/slides/slide13.xml><?xml version="1.0" encoding="utf-8"?>
+<file path=ppt/slides/slide11.xml><?xml version="1.0" encoding="utf-8"?>
 <p:sld xmlns:a="http://schemas.openxmlformats.org/drawingml/2006/main" xmlns:r="http://schemas.openxmlformats.org/officeDocument/2006/relationships" xmlns:p="http://schemas.openxmlformats.org/presentationml/2006/main">
   <p:cSld>
     <p:spTree>
@@ -4337,7 +4546,7 @@
         <p:spPr>
           <a:xfrm>
             <a:off x="111204" y="914401"/>
-            <a:ext cx="8229600" cy="5148075"/>
+            <a:ext cx="8229600" cy="4793908"/>
           </a:xfrm>
         </p:spPr>
         <p:txBody>
@@ -4357,54 +4566,80 @@
           </a:p>
           <a:p>
             <a:r>
-              <a:rPr lang="en-US" dirty="0"/>
-              <a:t>Process may poll or block for event notification</a:t>
-            </a:r>
-          </a:p>
-          <a:p>
-            <a:r>
-              <a:rPr lang="en-US" dirty="0"/>
-              <a:t>Events for send, recv, connection establishment, etc.</a:t>
-            </a:r>
-          </a:p>
-          <a:p>
-            <a:r>
-              <a:rPr lang="en-US" dirty="0"/>
-              <a:t>Events may contain resources such as receive buffers</a:t>
-            </a:r>
-          </a:p>
-          <a:p>
-            <a:r>
-              <a:rPr lang="en-US" dirty="0"/>
-              <a:t>Resource ownership transfers to the process when the event is retrieved</a:t>
-            </a:r>
-          </a:p>
-          <a:p>
-            <a:r>
-              <a:rPr lang="en-US" dirty="0"/>
-              <a:t>The process </a:t>
-            </a:r>
-            <a:r>
-              <a:rPr lang="en-US" dirty="0" smtClean="0"/>
-              <a:t>eventually </a:t>
-            </a:r>
-            <a:r>
-              <a:rPr lang="en-US" dirty="0"/>
-              <a:t>returns the event to CCI </a:t>
-            </a:r>
-          </a:p>
-          <a:p>
-            <a:pPr lvl="1"/>
-            <a:r>
-              <a:rPr lang="en-US" dirty="0"/>
-              <a:t>Expected to be returned in a timely manner</a:t>
-            </a:r>
-          </a:p>
-          <a:p>
-            <a:pPr lvl="1"/>
-            <a:r>
-              <a:rPr lang="en-US" dirty="0"/>
-              <a:t>May be returned out of order</a:t>
+              <a:rPr lang="en-US" dirty="0" smtClean="0"/>
+              <a:t>An event driven model</a:t>
+            </a:r>
+          </a:p>
+          <a:p>
+            <a:pPr lvl="1"/>
+            <a:r>
+              <a:rPr lang="en-US" dirty="0" smtClean="0"/>
+              <a:t>Application may </a:t>
+            </a:r>
+            <a:r>
+              <a:rPr lang="en-US" dirty="0"/>
+              <a:t>poll or </a:t>
+            </a:r>
+            <a:r>
+              <a:rPr lang="en-US" dirty="0" smtClean="0"/>
+              <a:t>block</a:t>
+            </a:r>
+            <a:endParaRPr lang="en-US" dirty="0"/>
+          </a:p>
+          <a:p>
+            <a:pPr lvl="1"/>
+            <a:r>
+              <a:rPr lang="en-US" dirty="0"/>
+              <a:t>Events </a:t>
+            </a:r>
+            <a:r>
+              <a:rPr lang="en-US" dirty="0" smtClean="0"/>
+              <a:t>include send</a:t>
+            </a:r>
+            <a:r>
+              <a:rPr lang="en-US" dirty="0"/>
+              <a:t>, recv, connection establishment, etc.</a:t>
+            </a:r>
+          </a:p>
+          <a:p>
+            <a:pPr lvl="1"/>
+            <a:r>
+              <a:rPr lang="en-US" dirty="0"/>
+              <a:t>Events may contain resources such as </a:t>
+            </a:r>
+            <a:r>
+              <a:rPr lang="en-US" dirty="0" smtClean="0"/>
+              <a:t>buffers</a:t>
+            </a:r>
+          </a:p>
+          <a:p>
+            <a:pPr lvl="2"/>
+            <a:r>
+              <a:rPr lang="en-US" dirty="0" smtClean="0"/>
+              <a:t>Resource </a:t>
+            </a:r>
+            <a:r>
+              <a:rPr lang="en-US" dirty="0"/>
+              <a:t>ownership transfers to the </a:t>
+            </a:r>
+            <a:r>
+              <a:rPr lang="en-US" dirty="0" smtClean="0"/>
+              <a:t>application when </a:t>
+            </a:r>
+            <a:r>
+              <a:rPr lang="en-US" dirty="0"/>
+              <a:t>the event is retrieved</a:t>
+            </a:r>
+          </a:p>
+          <a:p>
+            <a:pPr lvl="1"/>
+            <a:r>
+              <a:rPr lang="en-US" dirty="0" smtClean="0"/>
+              <a:t>May </a:t>
+            </a:r>
+            <a:r>
+              <a:rPr lang="en-US" dirty="0"/>
+              <a:t>be returned out of order</a:t>
             </a:r>
           </a:p>
         </p:txBody>
@@ -4467,6 +4702,467 @@
     <p:extLst>
       <p:ext uri="{BB962C8B-B14F-4D97-AF65-F5344CB8AC3E}">
         <p14:creationId xmlns:p14="http://schemas.microsoft.com/office/powerpoint/2010/main" val="3708743750"/>
+      </p:ext>
+    </p:extLst>
+  </p:cSld>
+  <p:clrMapOvr>
+    <a:masterClrMapping/>
+  </p:clrMapOvr>
+  <p:timing>
+    <p:tnLst>
+      <p:par>
+        <p:cTn xmlns:p14="http://schemas.microsoft.com/office/powerpoint/2010/main" id="1" dur="indefinite" restart="never" nodeType="tmRoot"/>
+      </p:par>
+    </p:tnLst>
+  </p:timing>
+</p:sld>
+</file>
+
+<file path=ppt/slides/slide12.xml><?xml version="1.0" encoding="utf-8"?>
+<p:sld xmlns:a="http://schemas.openxmlformats.org/drawingml/2006/main" xmlns:r="http://schemas.openxmlformats.org/officeDocument/2006/relationships" xmlns:p="http://schemas.openxmlformats.org/presentationml/2006/main">
+  <p:cSld>
+    <p:spTree>
+      <p:nvGrpSpPr>
+        <p:cNvPr id="1" name=""/>
+        <p:cNvGrpSpPr/>
+        <p:nvPr/>
+      </p:nvGrpSpPr>
+      <p:grpSpPr>
+        <a:xfrm>
+          <a:off x="0" y="0"/>
+          <a:ext cx="0" cy="0"/>
+          <a:chOff x="0" y="0"/>
+          <a:chExt cx="0" cy="0"/>
+        </a:xfrm>
+      </p:grpSpPr>
+      <p:sp>
+        <p:nvSpPr>
+          <p:cNvPr id="2" name="Title 1"/>
+          <p:cNvSpPr>
+            <a:spLocks noGrp="1"/>
+          </p:cNvSpPr>
+          <p:nvPr>
+            <p:ph type="title"/>
+          </p:nvPr>
+        </p:nvSpPr>
+        <p:spPr>
+          <a:xfrm>
+            <a:off x="111098" y="152400"/>
+            <a:ext cx="8229600" cy="496290"/>
+          </a:xfrm>
+        </p:spPr>
+        <p:txBody>
+          <a:bodyPr/>
+          <a:lstStyle/>
+          <a:p>
+            <a:r>
+              <a:rPr lang="en-US" dirty="0"/>
+              <a:t>CCI Connections</a:t>
+            </a:r>
+          </a:p>
+        </p:txBody>
+      </p:sp>
+      <p:sp>
+        <p:nvSpPr>
+          <p:cNvPr id="3" name="Content Placeholder 2"/>
+          <p:cNvSpPr>
+            <a:spLocks noGrp="1"/>
+          </p:cNvSpPr>
+          <p:nvPr>
+            <p:ph idx="1"/>
+          </p:nvPr>
+        </p:nvSpPr>
+        <p:spPr>
+          <a:xfrm>
+            <a:off x="111204" y="1128923"/>
+            <a:ext cx="8229600" cy="5265551"/>
+          </a:xfrm>
+        </p:spPr>
+        <p:txBody>
+          <a:bodyPr>
+            <a:normAutofit fontScale="92500" lnSpcReduction="10000"/>
+          </a:bodyPr>
+          <a:lstStyle/>
+          <a:p>
+            <a:r>
+              <a:rPr lang="en-US" dirty="0"/>
+              <a:t>Per peer - a single endpoint can handle many connections</a:t>
+            </a:r>
+          </a:p>
+          <a:p>
+            <a:r>
+              <a:rPr lang="en-US" dirty="0" smtClean="0"/>
+              <a:t>Scalable </a:t>
+            </a:r>
+          </a:p>
+          <a:p>
+            <a:pPr lvl="1"/>
+            <a:r>
+              <a:rPr lang="en-US" dirty="0" smtClean="0"/>
+              <a:t>no per-</a:t>
+            </a:r>
+            <a:r>
+              <a:rPr lang="en-US" dirty="0" smtClean="0"/>
+              <a:t>peer send/recv buffers </a:t>
+            </a:r>
+          </a:p>
+          <a:p>
+            <a:pPr lvl="1"/>
+            <a:r>
+              <a:rPr lang="en-US" dirty="0" smtClean="0"/>
+              <a:t>no per-peer event queues </a:t>
+            </a:r>
+            <a:endParaRPr lang="en-US" dirty="0" smtClean="0"/>
+          </a:p>
+          <a:p>
+            <a:r>
+              <a:rPr lang="en-US" dirty="0" smtClean="0"/>
+              <a:t>May have multiple connections to the same peer</a:t>
+            </a:r>
+          </a:p>
+          <a:p>
+            <a:r>
+              <a:rPr lang="en-US" dirty="0" smtClean="0"/>
+              <a:t>Use </a:t>
+            </a:r>
+            <a:r>
+              <a:rPr lang="en-US" dirty="0"/>
+              <a:t>client/server </a:t>
+            </a:r>
+            <a:r>
+              <a:rPr lang="en-US" dirty="0" smtClean="0"/>
+              <a:t>connection model </a:t>
+            </a:r>
+            <a:r>
+              <a:rPr lang="en-US" dirty="0"/>
+              <a:t>similar to </a:t>
+            </a:r>
+            <a:r>
+              <a:rPr lang="en-US" dirty="0" smtClean="0"/>
+              <a:t>Sockets</a:t>
+            </a:r>
+            <a:endParaRPr lang="en-US" dirty="0"/>
+          </a:p>
+          <a:p>
+            <a:r>
+              <a:rPr lang="en-US" dirty="0"/>
+              <a:t>Represents reliability and order attributes</a:t>
+            </a:r>
+          </a:p>
+          <a:p>
+            <a:pPr lvl="1"/>
+            <a:r>
+              <a:rPr lang="en-US" dirty="0"/>
+              <a:t>Reliable with Ordered completion (RO)</a:t>
+            </a:r>
+          </a:p>
+          <a:p>
+            <a:pPr lvl="1"/>
+            <a:r>
+              <a:rPr lang="en-US" dirty="0"/>
+              <a:t>Reliable with Unordered completion (RU)</a:t>
+            </a:r>
+          </a:p>
+          <a:p>
+            <a:pPr lvl="1"/>
+            <a:r>
+              <a:rPr lang="en-US" dirty="0"/>
+              <a:t>Unreliable with Unordered completion (UU)</a:t>
+            </a:r>
+          </a:p>
+          <a:p>
+            <a:pPr lvl="2"/>
+            <a:r>
+              <a:rPr lang="en-US" dirty="0"/>
+              <a:t>Multicast Send (MC_TX</a:t>
+            </a:r>
+            <a:r>
+              <a:rPr lang="en-US" dirty="0" smtClean="0"/>
+              <a:t>)	</a:t>
+            </a:r>
+            <a:endParaRPr lang="en-US" dirty="0"/>
+          </a:p>
+          <a:p>
+            <a:pPr lvl="2"/>
+            <a:r>
+              <a:rPr lang="en-US" dirty="0"/>
+              <a:t>Multicast Receive (MC_RX)</a:t>
+            </a:r>
+          </a:p>
+        </p:txBody>
+      </p:sp>
+      <p:pic>
+        <p:nvPicPr>
+          <p:cNvPr id="4" name="Picture 3"/>
+          <p:cNvPicPr>
+            <a:picLocks noChangeAspect="1"/>
+          </p:cNvPicPr>
+          <p:nvPr/>
+        </p:nvPicPr>
+        <p:blipFill>
+          <a:blip r:embed="rId3"/>
+          <a:stretch>
+            <a:fillRect/>
+          </a:stretch>
+        </p:blipFill>
+        <p:spPr>
+          <a:xfrm>
+            <a:off x="6189672" y="4015497"/>
+            <a:ext cx="2609580" cy="1957186"/>
+          </a:xfrm>
+          <a:prstGeom prst="rect">
+            <a:avLst/>
+          </a:prstGeom>
+        </p:spPr>
+      </p:pic>
+      <p:sp>
+        <p:nvSpPr>
+          <p:cNvPr id="6" name="TextBox 5"/>
+          <p:cNvSpPr txBox="1"/>
+          <p:nvPr/>
+        </p:nvSpPr>
+        <p:spPr>
+          <a:xfrm>
+            <a:off x="6233468" y="6044093"/>
+            <a:ext cx="1928733" cy="307777"/>
+          </a:xfrm>
+          <a:prstGeom prst="rect">
+            <a:avLst/>
+          </a:prstGeom>
+          <a:noFill/>
+        </p:spPr>
+        <p:txBody>
+          <a:bodyPr wrap="none" rtlCol="0">
+            <a:spAutoFit/>
+          </a:bodyPr>
+          <a:lstStyle/>
+          <a:p>
+            <a:r>
+              <a:rPr lang="en-US" sz="1400" dirty="0" smtClean="0"/>
+              <a:t>Facebook data center</a:t>
+            </a:r>
+            <a:endParaRPr lang="en-US" sz="1400" dirty="0"/>
+          </a:p>
+        </p:txBody>
+      </p:sp>
+    </p:spTree>
+    <p:extLst>
+      <p:ext uri="{BB962C8B-B14F-4D97-AF65-F5344CB8AC3E}">
+        <p14:creationId xmlns:p14="http://schemas.microsoft.com/office/powerpoint/2010/main" val="1638107233"/>
+      </p:ext>
+    </p:extLst>
+  </p:cSld>
+  <p:clrMapOvr>
+    <a:masterClrMapping/>
+  </p:clrMapOvr>
+  <p:timing>
+    <p:tnLst>
+      <p:par>
+        <p:cTn xmlns:p14="http://schemas.microsoft.com/office/powerpoint/2010/main" id="1" dur="indefinite" restart="never" nodeType="tmRoot"/>
+      </p:par>
+    </p:tnLst>
+  </p:timing>
+</p:sld>
+</file>
+
+<file path=ppt/slides/slide13.xml><?xml version="1.0" encoding="utf-8"?>
+<p:sld xmlns:a="http://schemas.openxmlformats.org/drawingml/2006/main" xmlns:r="http://schemas.openxmlformats.org/officeDocument/2006/relationships" xmlns:p="http://schemas.openxmlformats.org/presentationml/2006/main">
+  <p:cSld>
+    <p:spTree>
+      <p:nvGrpSpPr>
+        <p:cNvPr id="1" name=""/>
+        <p:cNvGrpSpPr/>
+        <p:nvPr/>
+      </p:nvGrpSpPr>
+      <p:grpSpPr>
+        <a:xfrm>
+          <a:off x="0" y="0"/>
+          <a:ext cx="0" cy="0"/>
+          <a:chOff x="0" y="0"/>
+          <a:chExt cx="0" cy="0"/>
+        </a:xfrm>
+      </p:grpSpPr>
+      <p:sp>
+        <p:nvSpPr>
+          <p:cNvPr id="2" name="Title 1"/>
+          <p:cNvSpPr>
+            <a:spLocks noGrp="1"/>
+          </p:cNvSpPr>
+          <p:nvPr>
+            <p:ph type="title"/>
+          </p:nvPr>
+        </p:nvSpPr>
+        <p:spPr>
+          <a:xfrm>
+            <a:off x="111098" y="152400"/>
+            <a:ext cx="8229600" cy="496290"/>
+          </a:xfrm>
+        </p:spPr>
+        <p:txBody>
+          <a:bodyPr/>
+          <a:lstStyle/>
+          <a:p>
+            <a:r>
+              <a:rPr lang="en-US" dirty="0"/>
+              <a:t>Active Messages</a:t>
+            </a:r>
+          </a:p>
+        </p:txBody>
+      </p:sp>
+      <p:sp>
+        <p:nvSpPr>
+          <p:cNvPr id="3" name="Content Placeholder 2"/>
+          <p:cNvSpPr>
+            <a:spLocks noGrp="1"/>
+          </p:cNvSpPr>
+          <p:nvPr>
+            <p:ph idx="1"/>
+          </p:nvPr>
+        </p:nvSpPr>
+        <p:spPr>
+          <a:xfrm>
+            <a:off x="111204" y="800100"/>
+            <a:ext cx="8229600" cy="5554341"/>
+          </a:xfrm>
+        </p:spPr>
+        <p:txBody>
+          <a:bodyPr/>
+          <a:lstStyle/>
+          <a:p>
+            <a:r>
+              <a:rPr lang="en-US" dirty="0" smtClean="0"/>
+              <a:t>Always buffered on both send and receive </a:t>
+            </a:r>
+            <a:r>
+              <a:rPr lang="en-US" dirty="0" smtClean="0"/>
+              <a:t>side </a:t>
+            </a:r>
+          </a:p>
+          <a:p>
+            <a:r>
+              <a:rPr lang="en-US" dirty="0" smtClean="0"/>
+              <a:t>Library manages buffers, not the application</a:t>
+            </a:r>
+            <a:endParaRPr lang="en-US" dirty="0"/>
+          </a:p>
+          <a:p>
+            <a:r>
+              <a:rPr lang="en-US" dirty="0"/>
+              <a:t>Events only, no </a:t>
+            </a:r>
+            <a:r>
+              <a:rPr lang="en-US" dirty="0" smtClean="0"/>
+              <a:t>handlers on receives </a:t>
+            </a:r>
+            <a:endParaRPr lang="en-US" dirty="0"/>
+          </a:p>
+          <a:p>
+            <a:pPr lvl="1"/>
+            <a:r>
+              <a:rPr lang="en-US" dirty="0" smtClean="0"/>
+              <a:t>True handlers are the devil incarnate </a:t>
+            </a:r>
+            <a:endParaRPr lang="en-US" dirty="0" smtClean="0"/>
+          </a:p>
+          <a:p>
+            <a:pPr lvl="1"/>
+            <a:r>
+              <a:rPr lang="en-US" dirty="0" smtClean="0"/>
+              <a:t>Event </a:t>
+            </a:r>
+            <a:r>
+              <a:rPr lang="en-US" dirty="0"/>
+              <a:t>includes pointer to </a:t>
+            </a:r>
+            <a:r>
+              <a:rPr lang="en-US" dirty="0" smtClean="0"/>
+              <a:t>data and </a:t>
+            </a:r>
+            <a:r>
+              <a:rPr lang="en-US" dirty="0"/>
+              <a:t>the connection (peer</a:t>
+            </a:r>
+            <a:r>
+              <a:rPr lang="en-US" dirty="0" smtClean="0"/>
+              <a:t>)</a:t>
+            </a:r>
+            <a:endParaRPr lang="en-US" dirty="0"/>
+          </a:p>
+          <a:p>
+            <a:r>
+              <a:rPr lang="en-US" dirty="0" smtClean="0"/>
+              <a:t>Message may be </a:t>
+            </a:r>
+            <a:r>
+              <a:rPr lang="en-US" dirty="0" smtClean="0"/>
+              <a:t>processed</a:t>
+            </a:r>
+            <a:r>
+              <a:rPr lang="en-US" dirty="0" smtClean="0"/>
+              <a:t> in</a:t>
+            </a:r>
+            <a:r>
+              <a:rPr lang="en-US" dirty="0"/>
+              <a:t>-</a:t>
+            </a:r>
+            <a:r>
+              <a:rPr lang="en-US" dirty="0" smtClean="0"/>
+              <a:t>place</a:t>
+            </a:r>
+          </a:p>
+          <a:p>
+            <a:pPr lvl="1"/>
+            <a:r>
+              <a:rPr lang="en-US" dirty="0" smtClean="0"/>
+              <a:t>Even forwarded in-place</a:t>
+            </a:r>
+            <a:endParaRPr lang="en-US" dirty="0" smtClean="0"/>
+          </a:p>
+          <a:p>
+            <a:r>
+              <a:rPr lang="en-US" dirty="0" smtClean="0"/>
+              <a:t>May </a:t>
+            </a:r>
+            <a:r>
+              <a:rPr lang="en-US" dirty="0"/>
+              <a:t>be copied out if needed long term</a:t>
+            </a:r>
+          </a:p>
+          <a:p>
+            <a:r>
+              <a:rPr lang="en-US" dirty="0"/>
+              <a:t>Limited in </a:t>
+            </a:r>
+            <a:r>
+              <a:rPr lang="en-US" dirty="0" smtClean="0"/>
+              <a:t>size</a:t>
+            </a:r>
+            <a:endParaRPr lang="en-US" dirty="0"/>
+          </a:p>
+          <a:p>
+            <a:pPr lvl="1"/>
+            <a:r>
+              <a:rPr lang="en-US" dirty="0" smtClean="0"/>
+              <a:t>Ideally MTU size to avoid segmenting</a:t>
+            </a:r>
+            <a:r>
+              <a:rPr lang="en-US" dirty="0"/>
+              <a:t>/</a:t>
+            </a:r>
+            <a:r>
+              <a:rPr lang="en-US" dirty="0" smtClean="0"/>
+              <a:t>reassembly</a:t>
+            </a:r>
+          </a:p>
+          <a:p>
+            <a:endParaRPr lang="en-US" b="1" dirty="0"/>
+          </a:p>
+        </p:txBody>
+      </p:sp>
+    </p:spTree>
+    <p:extLst>
+      <p:ext uri="{BB962C8B-B14F-4D97-AF65-F5344CB8AC3E}">
+        <p14:creationId xmlns:p14="http://schemas.microsoft.com/office/powerpoint/2010/main" val="2221889953"/>
       </p:ext>
     </p:extLst>
   </p:cSld>
@@ -4521,9 +5217,10 @@
           <a:lstStyle/>
           <a:p>
             <a:r>
-              <a:rPr lang="en-US" dirty="0"/>
-              <a:t>CCI Connections</a:t>
-            </a:r>
+              <a:rPr lang="en-US" dirty="0" smtClean="0"/>
+              <a:t>Remote Memory Access (RMA)</a:t>
+            </a:r>
+            <a:endParaRPr lang="en-US" dirty="0"/>
           </a:p>
         </p:txBody>
       </p:sp>
@@ -4539,8 +5236,8 @@
         </p:nvSpPr>
         <p:spPr>
           <a:xfrm>
-            <a:off x="111204" y="1128923"/>
-            <a:ext cx="8229600" cy="4930580"/>
+            <a:off x="111204" y="905155"/>
+            <a:ext cx="8229600" cy="5366597"/>
           </a:xfrm>
         </p:spPr>
         <p:txBody>
@@ -4548,129 +5245,113 @@
           <a:lstStyle/>
           <a:p>
             <a:r>
-              <a:rPr lang="en-US" dirty="0"/>
-              <a:t>Per peer - a single endpoint can handle many connections</a:t>
-            </a:r>
-          </a:p>
-          <a:p>
-            <a:r>
-              <a:rPr lang="en-US" dirty="0"/>
-              <a:t>Lightweight – no dedicated buffers (~120B/peer)</a:t>
-            </a:r>
-          </a:p>
-          <a:p>
-            <a:r>
-              <a:rPr lang="en-US" dirty="0"/>
-              <a:t>May have multiple connections to the same peer</a:t>
-            </a:r>
-          </a:p>
-          <a:p>
-            <a:r>
-              <a:rPr lang="en-US" dirty="0"/>
-              <a:t>Use client/server model similar to Sockets and RDMA-CM</a:t>
-            </a:r>
-          </a:p>
-          <a:p>
-            <a:r>
-              <a:rPr lang="en-US" dirty="0"/>
-              <a:t>Represents reliability and order attributes</a:t>
-            </a:r>
-          </a:p>
-          <a:p>
-            <a:pPr lvl="1"/>
-            <a:r>
-              <a:rPr lang="en-US" dirty="0"/>
-              <a:t>Reliable with Ordered completion (RO)</a:t>
-            </a:r>
-          </a:p>
-          <a:p>
-            <a:pPr lvl="1"/>
-            <a:r>
-              <a:rPr lang="en-US" dirty="0"/>
-              <a:t>Reliable with Unordered completion (RU)</a:t>
-            </a:r>
-          </a:p>
-          <a:p>
-            <a:pPr lvl="1"/>
-            <a:r>
-              <a:rPr lang="en-US" dirty="0"/>
-              <a:t>Unreliable with Unordered completion (UU)</a:t>
-            </a:r>
-          </a:p>
-          <a:p>
-            <a:pPr lvl="1"/>
-            <a:r>
-              <a:rPr lang="en-US" dirty="0"/>
-              <a:t>Multicast Send (MC_TX)</a:t>
-            </a:r>
-          </a:p>
-          <a:p>
-            <a:pPr lvl="1"/>
-            <a:r>
-              <a:rPr lang="en-US" dirty="0"/>
-              <a:t>Multicast Receive (MC_RX)</a:t>
-            </a:r>
-          </a:p>
-        </p:txBody>
-      </p:sp>
-      <p:pic>
-        <p:nvPicPr>
-          <p:cNvPr id="4" name="Picture 3"/>
-          <p:cNvPicPr>
-            <a:picLocks noChangeAspect="1"/>
-          </p:cNvPicPr>
-          <p:nvPr/>
-        </p:nvPicPr>
-        <p:blipFill>
-          <a:blip r:embed="rId2"/>
-          <a:stretch>
-            <a:fillRect/>
-          </a:stretch>
-        </p:blipFill>
-        <p:spPr>
-          <a:xfrm>
-            <a:off x="6189672" y="4015497"/>
-            <a:ext cx="2609580" cy="1957186"/>
-          </a:xfrm>
-          <a:prstGeom prst="rect">
-            <a:avLst/>
-          </a:prstGeom>
-        </p:spPr>
-      </p:pic>
-      <p:sp>
-        <p:nvSpPr>
-          <p:cNvPr id="6" name="TextBox 5"/>
-          <p:cNvSpPr txBox="1"/>
-          <p:nvPr/>
-        </p:nvSpPr>
-        <p:spPr>
-          <a:xfrm>
-            <a:off x="6233468" y="6044093"/>
-            <a:ext cx="1928733" cy="307777"/>
-          </a:xfrm>
-          <a:prstGeom prst="rect">
-            <a:avLst/>
-          </a:prstGeom>
-          <a:noFill/>
-        </p:spPr>
-        <p:txBody>
-          <a:bodyPr wrap="none" rtlCol="0">
-            <a:spAutoFit/>
-          </a:bodyPr>
-          <a:lstStyle/>
-          <a:p>
-            <a:r>
-              <a:rPr lang="en-US" sz="1400" dirty="0" smtClean="0"/>
-              <a:t>Facebook data center</a:t>
-            </a:r>
-            <a:endParaRPr lang="en-US" sz="1400" dirty="0"/>
+              <a:rPr lang="en-US" dirty="0" smtClean="0"/>
+              <a:t>RMA </a:t>
+            </a:r>
+            <a:r>
+              <a:rPr lang="en-US" dirty="0" smtClean="0"/>
+              <a:t>communication </a:t>
+            </a:r>
+            <a:r>
+              <a:rPr lang="en-US" dirty="0" smtClean="0"/>
+              <a:t>for bulk-data transfer</a:t>
+            </a:r>
+          </a:p>
+          <a:p>
+            <a:pPr lvl="1"/>
+            <a:r>
+              <a:rPr lang="en-US" dirty="0" smtClean="0"/>
+              <a:t>Zero-copy when available</a:t>
+            </a:r>
+          </a:p>
+          <a:p>
+            <a:pPr lvl="1"/>
+            <a:r>
+              <a:rPr lang="en-US" dirty="0" smtClean="0"/>
+              <a:t>One-sided operation</a:t>
+            </a:r>
+            <a:endParaRPr lang="en-US" dirty="0"/>
+          </a:p>
+          <a:p>
+            <a:pPr lvl="1"/>
+            <a:r>
+              <a:rPr lang="en-US" dirty="0" smtClean="0"/>
+              <a:t>Active message model used for RMA synchronization</a:t>
+            </a:r>
+            <a:endParaRPr lang="en-US" dirty="0"/>
+          </a:p>
+          <a:p>
+            <a:r>
+              <a:rPr lang="en-US" dirty="0" smtClean="0"/>
+              <a:t>Requires explicit </a:t>
+            </a:r>
+            <a:r>
+              <a:rPr lang="en-US" dirty="0"/>
+              <a:t>memory </a:t>
+            </a:r>
+            <a:r>
+              <a:rPr lang="en-US" dirty="0" smtClean="0"/>
+              <a:t>registration</a:t>
+            </a:r>
+          </a:p>
+          <a:p>
+            <a:pPr lvl="1"/>
+            <a:r>
+              <a:rPr lang="en-US" dirty="0" smtClean="0"/>
+              <a:t>Provides broad portability</a:t>
+            </a:r>
+          </a:p>
+          <a:p>
+            <a:pPr lvl="1"/>
+            <a:r>
+              <a:rPr lang="en-US" dirty="0" smtClean="0"/>
+              <a:t>Simplified security model </a:t>
+            </a:r>
+          </a:p>
+          <a:p>
+            <a:r>
+              <a:rPr lang="en-US" dirty="0" smtClean="0"/>
+              <a:t>No </a:t>
+            </a:r>
+            <a:r>
+              <a:rPr lang="en-US" dirty="0"/>
+              <a:t>intra-message </a:t>
+            </a:r>
+            <a:r>
+              <a:rPr lang="en-US" dirty="0" smtClean="0"/>
+              <a:t>or inter-message order </a:t>
+            </a:r>
+            <a:r>
+              <a:rPr lang="en-US" dirty="0"/>
+              <a:t>guarantee</a:t>
+            </a:r>
+          </a:p>
+          <a:p>
+            <a:pPr lvl="1"/>
+            <a:r>
+              <a:rPr lang="en-US" dirty="0"/>
+              <a:t>No last byte written last</a:t>
+            </a:r>
+          </a:p>
+          <a:p>
+            <a:r>
+              <a:rPr lang="en-US" dirty="0" smtClean="0"/>
+              <a:t>Optional inter-message ordering fence</a:t>
+            </a:r>
+          </a:p>
+          <a:p>
+            <a:r>
+              <a:rPr lang="en-US" dirty="0" smtClean="0"/>
+              <a:t>May be combined with immediate delivery of AM </a:t>
+            </a:r>
+            <a:endParaRPr lang="en-US" dirty="0"/>
           </a:p>
         </p:txBody>
       </p:sp>
     </p:spTree>
     <p:extLst>
       <p:ext uri="{BB962C8B-B14F-4D97-AF65-F5344CB8AC3E}">
-        <p14:creationId xmlns:p14="http://schemas.microsoft.com/office/powerpoint/2010/main" val="1638107233"/>
+        <p14:creationId xmlns:p14="http://schemas.microsoft.com/office/powerpoint/2010/main" val="3382555788"/>
       </p:ext>
     </p:extLst>
   </p:cSld>
@@ -4726,7 +5407,7 @@
           <a:p>
             <a:r>
               <a:rPr lang="en-US" dirty="0"/>
-              <a:t>Active Messages</a:t>
+              <a:t>Status and Evaluation</a:t>
             </a:r>
           </a:p>
         </p:txBody>
@@ -4743,315 +5424,14 @@
         </p:nvSpPr>
         <p:spPr>
           <a:xfrm>
-            <a:off x="111204" y="800100"/>
-            <a:ext cx="8229600" cy="5842021"/>
+            <a:off x="111204" y="992749"/>
+            <a:ext cx="8229600" cy="5430923"/>
           </a:xfrm>
         </p:spPr>
         <p:txBody>
-          <a:bodyPr/>
-          <a:lstStyle/>
-          <a:p>
-            <a:r>
-              <a:rPr lang="en-US" dirty="0"/>
-              <a:t>Berkeley AM</a:t>
-            </a:r>
-          </a:p>
-          <a:p>
-            <a:pPr lvl="1"/>
-            <a:r>
-              <a:rPr lang="en-US" dirty="0"/>
-              <a:t>No posted receives</a:t>
-            </a:r>
-          </a:p>
-          <a:p>
-            <a:pPr lvl="1"/>
-            <a:r>
-              <a:rPr lang="en-US" dirty="0"/>
-              <a:t>Handlers run based on address in header</a:t>
-            </a:r>
-          </a:p>
-          <a:p>
-            <a:pPr lvl="2"/>
-            <a:r>
-              <a:rPr lang="en-US" dirty="0"/>
-              <a:t>No adittional progress until handler completes</a:t>
-            </a:r>
-          </a:p>
-          <a:p>
-            <a:pPr lvl="1"/>
-            <a:r>
-              <a:rPr lang="en-US" dirty="0"/>
-              <a:t>Internally managed buffers</a:t>
-            </a:r>
-          </a:p>
-          <a:p>
-            <a:r>
-              <a:rPr lang="en-US" dirty="0"/>
-              <a:t>CCI Active Messages</a:t>
-            </a:r>
-          </a:p>
-          <a:p>
-            <a:pPr lvl="1"/>
-            <a:r>
-              <a:rPr lang="en-US" dirty="0"/>
-              <a:t>No posted receives, uses internal buffers</a:t>
-            </a:r>
-          </a:p>
-          <a:p>
-            <a:pPr lvl="1"/>
-            <a:r>
-              <a:rPr lang="en-US" dirty="0"/>
-              <a:t>Events only, no handlers</a:t>
-            </a:r>
-          </a:p>
-          <a:p>
-            <a:pPr lvl="2"/>
-            <a:r>
-              <a:rPr lang="en-US" dirty="0"/>
-              <a:t>Event includes pointer to data, its length, and the connection (peer)</a:t>
-            </a:r>
-          </a:p>
-          <a:p>
-            <a:pPr lvl="1"/>
-            <a:r>
-              <a:rPr lang="en-US" dirty="0"/>
-              <a:t>May be inspected, modified, and/or sent in-place</a:t>
-            </a:r>
-          </a:p>
-          <a:p>
-            <a:pPr lvl="1"/>
-            <a:r>
-              <a:rPr lang="en-US" dirty="0"/>
-              <a:t>May be copied out if needed long term</a:t>
-            </a:r>
-          </a:p>
-          <a:p>
-            <a:pPr lvl="1"/>
-            <a:r>
-              <a:rPr lang="en-US" dirty="0"/>
-              <a:t>Limited in size – ideally MTU sized</a:t>
-            </a:r>
-          </a:p>
-          <a:p>
-            <a:pPr lvl="1"/>
-            <a:r>
-              <a:rPr lang="en-US" dirty="0"/>
-              <a:t>No segmenting/reassembly</a:t>
-            </a:r>
-          </a:p>
-        </p:txBody>
-      </p:sp>
-    </p:spTree>
-    <p:extLst>
-      <p:ext uri="{BB962C8B-B14F-4D97-AF65-F5344CB8AC3E}">
-        <p14:creationId xmlns:p14="http://schemas.microsoft.com/office/powerpoint/2010/main" val="2221889953"/>
-      </p:ext>
-    </p:extLst>
-  </p:cSld>
-  <p:clrMapOvr>
-    <a:masterClrMapping/>
-  </p:clrMapOvr>
-  <p:timing>
-    <p:tnLst>
-      <p:par>
-        <p:cTn xmlns:p14="http://schemas.microsoft.com/office/powerpoint/2010/main" id="1" dur="indefinite" restart="never" nodeType="tmRoot"/>
-      </p:par>
-    </p:tnLst>
-  </p:timing>
-</p:sld>
-</file>
-
-<file path=ppt/slides/slide16.xml><?xml version="1.0" encoding="utf-8"?>
-<p:sld xmlns:a="http://schemas.openxmlformats.org/drawingml/2006/main" xmlns:r="http://schemas.openxmlformats.org/officeDocument/2006/relationships" xmlns:p="http://schemas.openxmlformats.org/presentationml/2006/main">
-  <p:cSld>
-    <p:spTree>
-      <p:nvGrpSpPr>
-        <p:cNvPr id="1" name=""/>
-        <p:cNvGrpSpPr/>
-        <p:nvPr/>
-      </p:nvGrpSpPr>
-      <p:grpSpPr>
-        <a:xfrm>
-          <a:off x="0" y="0"/>
-          <a:ext cx="0" cy="0"/>
-          <a:chOff x="0" y="0"/>
-          <a:chExt cx="0" cy="0"/>
-        </a:xfrm>
-      </p:grpSpPr>
-      <p:sp>
-        <p:nvSpPr>
-          <p:cNvPr id="2" name="Title 1"/>
-          <p:cNvSpPr>
-            <a:spLocks noGrp="1"/>
-          </p:cNvSpPr>
-          <p:nvPr>
-            <p:ph type="title"/>
-          </p:nvPr>
-        </p:nvSpPr>
-        <p:spPr>
-          <a:xfrm>
-            <a:off x="111098" y="152400"/>
-            <a:ext cx="8229600" cy="496290"/>
-          </a:xfrm>
-        </p:spPr>
-        <p:txBody>
-          <a:bodyPr/>
-          <a:lstStyle/>
-          <a:p>
-            <a:r>
-              <a:rPr lang="en-US" dirty="0"/>
-              <a:t>CCI RMA</a:t>
-            </a:r>
-          </a:p>
-        </p:txBody>
-      </p:sp>
-      <p:sp>
-        <p:nvSpPr>
-          <p:cNvPr id="3" name="Content Placeholder 2"/>
-          <p:cNvSpPr>
-            <a:spLocks noGrp="1"/>
-          </p:cNvSpPr>
-          <p:nvPr>
-            <p:ph idx="1"/>
-          </p:nvPr>
-        </p:nvSpPr>
-        <p:spPr>
-          <a:xfrm>
-            <a:off x="111204" y="1344823"/>
-            <a:ext cx="8229600" cy="3626634"/>
-          </a:xfrm>
-        </p:spPr>
-        <p:txBody>
-          <a:bodyPr/>
-          <a:lstStyle/>
-          <a:p>
-            <a:r>
-              <a:rPr lang="en-US" dirty="0"/>
-              <a:t>Active messages are not enough</a:t>
-            </a:r>
-          </a:p>
-          <a:p>
-            <a:pPr lvl="1"/>
-            <a:r>
-              <a:rPr lang="en-US" dirty="0"/>
-              <a:t>But they are enough to allow setup of RMA</a:t>
-            </a:r>
-          </a:p>
-          <a:p>
-            <a:r>
-              <a:rPr lang="en-US" dirty="0"/>
-              <a:t>Zero-copy when supported</a:t>
-            </a:r>
-          </a:p>
-          <a:p>
-            <a:r>
-              <a:rPr lang="en-US" dirty="0"/>
-              <a:t>Require memory registration</a:t>
-            </a:r>
-          </a:p>
-          <a:p>
-            <a:r>
-              <a:rPr lang="en-US" dirty="0"/>
-              <a:t>No intra-message order guarantee</a:t>
-            </a:r>
-          </a:p>
-          <a:p>
-            <a:pPr lvl="1"/>
-            <a:r>
-              <a:rPr lang="en-US" dirty="0"/>
-              <a:t>No last byte written last</a:t>
-            </a:r>
-          </a:p>
-          <a:p>
-            <a:r>
-              <a:rPr lang="en-US" dirty="0"/>
-              <a:t>Write or Read with an optional Fence</a:t>
-            </a:r>
-          </a:p>
-        </p:txBody>
-      </p:sp>
-    </p:spTree>
-    <p:extLst>
-      <p:ext uri="{BB962C8B-B14F-4D97-AF65-F5344CB8AC3E}">
-        <p14:creationId xmlns:p14="http://schemas.microsoft.com/office/powerpoint/2010/main" val="3382555788"/>
-      </p:ext>
-    </p:extLst>
-  </p:cSld>
-  <p:clrMapOvr>
-    <a:masterClrMapping/>
-  </p:clrMapOvr>
-  <p:timing>
-    <p:tnLst>
-      <p:par>
-        <p:cTn xmlns:p14="http://schemas.microsoft.com/office/powerpoint/2010/main" id="1" dur="indefinite" restart="never" nodeType="tmRoot"/>
-      </p:par>
-    </p:tnLst>
-  </p:timing>
-</p:sld>
-</file>
-
-<file path=ppt/slides/slide17.xml><?xml version="1.0" encoding="utf-8"?>
-<p:sld xmlns:a="http://schemas.openxmlformats.org/drawingml/2006/main" xmlns:r="http://schemas.openxmlformats.org/officeDocument/2006/relationships" xmlns:p="http://schemas.openxmlformats.org/presentationml/2006/main">
-  <p:cSld>
-    <p:spTree>
-      <p:nvGrpSpPr>
-        <p:cNvPr id="1" name=""/>
-        <p:cNvGrpSpPr/>
-        <p:nvPr/>
-      </p:nvGrpSpPr>
-      <p:grpSpPr>
-        <a:xfrm>
-          <a:off x="0" y="0"/>
-          <a:ext cx="0" cy="0"/>
-          <a:chOff x="0" y="0"/>
-          <a:chExt cx="0" cy="0"/>
-        </a:xfrm>
-      </p:grpSpPr>
-      <p:sp>
-        <p:nvSpPr>
-          <p:cNvPr id="2" name="Title 1"/>
-          <p:cNvSpPr>
-            <a:spLocks noGrp="1"/>
-          </p:cNvSpPr>
-          <p:nvPr>
-            <p:ph type="title"/>
-          </p:nvPr>
-        </p:nvSpPr>
-        <p:spPr>
-          <a:xfrm>
-            <a:off x="111098" y="152400"/>
-            <a:ext cx="8229600" cy="496290"/>
-          </a:xfrm>
-        </p:spPr>
-        <p:txBody>
-          <a:bodyPr/>
-          <a:lstStyle/>
-          <a:p>
-            <a:r>
-              <a:rPr lang="en-US" dirty="0"/>
-              <a:t>Status and Evaluation</a:t>
-            </a:r>
-          </a:p>
-        </p:txBody>
-      </p:sp>
-      <p:sp>
-        <p:nvSpPr>
-          <p:cNvPr id="3" name="Content Placeholder 2"/>
-          <p:cNvSpPr>
-            <a:spLocks noGrp="1"/>
-          </p:cNvSpPr>
-          <p:nvPr>
-            <p:ph idx="1"/>
-          </p:nvPr>
-        </p:nvSpPr>
-        <p:spPr>
-          <a:xfrm>
-            <a:off x="111204" y="1344823"/>
-            <a:ext cx="8229600" cy="5366597"/>
-          </a:xfrm>
-        </p:spPr>
-        <p:txBody>
-          <a:bodyPr/>
+          <a:bodyPr>
+            <a:normAutofit fontScale="92500" lnSpcReduction="20000"/>
+          </a:bodyPr>
           <a:lstStyle/>
           <a:p>
             <a:r>
@@ -5080,28 +5460,30 @@
             <a:pPr lvl="1"/>
             <a:r>
               <a:rPr lang="en-US" dirty="0"/>
-              <a:t>Uses UDP with one socket per endpoint</a:t>
-            </a:r>
-          </a:p>
-          <a:p>
-            <a:pPr lvl="1"/>
-            <a:r>
-              <a:rPr lang="en-US" dirty="0"/>
-              <a:t>Implements reliability when required</a:t>
-            </a:r>
-          </a:p>
-          <a:p>
-            <a:pPr lvl="1"/>
-            <a:r>
-              <a:rPr lang="en-US" dirty="0"/>
+              <a:t>Uses UDP with one socket per </a:t>
+            </a:r>
+            <a:r>
+              <a:rPr lang="en-US" dirty="0" smtClean="0"/>
+              <a:t>endpoint, Implements </a:t>
+            </a:r>
+            <a:r>
+              <a:rPr lang="en-US" dirty="0"/>
+              <a:t>reliability when required</a:t>
+            </a:r>
+          </a:p>
+          <a:p>
+            <a:pPr lvl="1"/>
+            <a:r>
+              <a:rPr lang="en-US" dirty="0" smtClean="0"/>
               <a:t>Implements AM, RMA Write</a:t>
             </a:r>
           </a:p>
           <a:p>
             <a:r>
-              <a:rPr lang="en-US" dirty="0"/>
+              <a:rPr lang="en-US" dirty="0" smtClean="0"/>
               <a:t>MX</a:t>
             </a:r>
+            <a:endParaRPr lang="en-US" dirty="0"/>
           </a:p>
           <a:p>
             <a:pPr lvl="1"/>
@@ -5111,11 +5493,56 @@
             </a:r>
           </a:p>
           <a:p>
-            <a:pPr lvl="1"/>
-            <a:r>
-              <a:rPr lang="en-US" dirty="0"/>
-              <a:t>CCI requests rendezvous when reliability is requested</a:t>
-            </a:r>
+            <a:r>
+              <a:rPr lang="en-US" dirty="0" smtClean="0"/>
+              <a:t>Portals </a:t>
+            </a:r>
+            <a:r>
+              <a:rPr lang="en-US" dirty="0"/>
+              <a:t>3.3</a:t>
+            </a:r>
+          </a:p>
+          <a:p>
+            <a:pPr lvl="1"/>
+            <a:r>
+              <a:rPr lang="en-US" dirty="0"/>
+              <a:t>Implements multiple endpoints using match bits</a:t>
+            </a:r>
+          </a:p>
+          <a:p>
+            <a:pPr lvl="1"/>
+            <a:r>
+              <a:rPr lang="en-US" dirty="0" smtClean="0"/>
+              <a:t>Implements </a:t>
+            </a:r>
+            <a:r>
+              <a:rPr lang="en-US" dirty="0"/>
+              <a:t>AM, RMA Write, Read, and Fence</a:t>
+            </a:r>
+          </a:p>
+          <a:p>
+            <a:r>
+              <a:rPr lang="en-US" dirty="0"/>
+              <a:t>Native SeaStar</a:t>
+            </a:r>
+          </a:p>
+          <a:p>
+            <a:pPr lvl="1"/>
+            <a:r>
+              <a:rPr lang="en-US" dirty="0"/>
+              <a:t>Implements AM only</a:t>
+            </a:r>
+          </a:p>
+          <a:p>
+            <a:pPr lvl="1"/>
+            <a:r>
+              <a:rPr lang="en-US" dirty="0"/>
+              <a:t>Working on adding RMA </a:t>
+            </a:r>
+          </a:p>
+          <a:p>
+            <a:pPr lvl="1"/>
+            <a:endParaRPr lang="en-US" dirty="0"/>
           </a:p>
           <a:p>
             <a:endParaRPr lang="en-US" dirty="0"/>
@@ -5145,150 +5572,7 @@
 </p:sld>
 </file>
 
-<file path=ppt/slides/slide18.xml><?xml version="1.0" encoding="utf-8"?>
-<p:sld xmlns:a="http://schemas.openxmlformats.org/drawingml/2006/main" xmlns:r="http://schemas.openxmlformats.org/officeDocument/2006/relationships" xmlns:p="http://schemas.openxmlformats.org/presentationml/2006/main">
-  <p:cSld>
-    <p:spTree>
-      <p:nvGrpSpPr>
-        <p:cNvPr id="1" name=""/>
-        <p:cNvGrpSpPr/>
-        <p:nvPr/>
-      </p:nvGrpSpPr>
-      <p:grpSpPr>
-        <a:xfrm>
-          <a:off x="0" y="0"/>
-          <a:ext cx="0" cy="0"/>
-          <a:chOff x="0" y="0"/>
-          <a:chExt cx="0" cy="0"/>
-        </a:xfrm>
-      </p:grpSpPr>
-      <p:sp>
-        <p:nvSpPr>
-          <p:cNvPr id="2" name="Title 1"/>
-          <p:cNvSpPr>
-            <a:spLocks noGrp="1"/>
-          </p:cNvSpPr>
-          <p:nvPr>
-            <p:ph type="title"/>
-          </p:nvPr>
-        </p:nvSpPr>
-        <p:spPr>
-          <a:xfrm>
-            <a:off x="111098" y="152400"/>
-            <a:ext cx="8229600" cy="496290"/>
-          </a:xfrm>
-        </p:spPr>
-        <p:txBody>
-          <a:bodyPr/>
-          <a:lstStyle/>
-          <a:p>
-            <a:r>
-              <a:rPr lang="en-US" dirty="0"/>
-              <a:t>Status and Evaluation</a:t>
-            </a:r>
-          </a:p>
-        </p:txBody>
-      </p:sp>
-      <p:sp>
-        <p:nvSpPr>
-          <p:cNvPr id="3" name="Content Placeholder 2"/>
-          <p:cNvSpPr>
-            <a:spLocks noGrp="1"/>
-          </p:cNvSpPr>
-          <p:nvPr>
-            <p:ph idx="1"/>
-          </p:nvPr>
-        </p:nvSpPr>
-        <p:spPr>
-          <a:xfrm>
-            <a:off x="111204" y="1344823"/>
-            <a:ext cx="8229600" cy="3608167"/>
-          </a:xfrm>
-        </p:spPr>
-        <p:txBody>
-          <a:bodyPr/>
-          <a:lstStyle/>
-          <a:p>
-            <a:r>
-              <a:rPr lang="en-US" dirty="0"/>
-              <a:t>Portals 3.3</a:t>
-            </a:r>
-          </a:p>
-          <a:p>
-            <a:pPr lvl="1"/>
-            <a:r>
-              <a:rPr lang="en-US" dirty="0"/>
-              <a:t>Implements multiple endpoints using match bits</a:t>
-            </a:r>
-          </a:p>
-          <a:p>
-            <a:pPr lvl="1"/>
-            <a:r>
-              <a:rPr lang="en-US" dirty="0"/>
-              <a:t>Portals assumes reliability</a:t>
-            </a:r>
-          </a:p>
-          <a:p>
-            <a:pPr lvl="2"/>
-            <a:r>
-              <a:rPr lang="en-US" dirty="0"/>
-              <a:t>CCI requests acks for reliable connections</a:t>
-            </a:r>
-          </a:p>
-          <a:p>
-            <a:pPr lvl="1"/>
-            <a:r>
-              <a:rPr lang="en-US" dirty="0"/>
-              <a:t>Implements AM, RMA Write, Read, and Fence</a:t>
-            </a:r>
-          </a:p>
-          <a:p>
-            <a:r>
-              <a:rPr lang="en-US" dirty="0"/>
-              <a:t>Native SeaStar</a:t>
-            </a:r>
-          </a:p>
-          <a:p>
-            <a:pPr lvl="1"/>
-            <a:r>
-              <a:rPr lang="en-US" dirty="0"/>
-              <a:t>Implements AM only</a:t>
-            </a:r>
-          </a:p>
-          <a:p>
-            <a:pPr lvl="1"/>
-            <a:r>
-              <a:rPr lang="en-US" dirty="0" smtClean="0"/>
-              <a:t>Working </a:t>
-            </a:r>
-            <a:r>
-              <a:rPr lang="en-US" dirty="0"/>
-              <a:t>on adding RMA </a:t>
-            </a:r>
-          </a:p>
-        </p:txBody>
-      </p:sp>
-    </p:spTree>
-    <p:extLst>
-      <p:ext uri="{BB962C8B-B14F-4D97-AF65-F5344CB8AC3E}">
-        <p14:creationId xmlns:p14="http://schemas.microsoft.com/office/powerpoint/2010/main" val="4192586054"/>
-      </p:ext>
-    </p:extLst>
-  </p:cSld>
-  <p:clrMapOvr>
-    <a:masterClrMapping/>
-  </p:clrMapOvr>
-  <p:timing>
-    <p:tnLst>
-      <p:par>
-        <p:cTn xmlns:p14="http://schemas.microsoft.com/office/powerpoint/2010/main" id="1" dur="indefinite" restart="never" nodeType="tmRoot"/>
-      </p:par>
-    </p:tnLst>
-  </p:timing>
-</p:sld>
-</file>
-
-<file path=ppt/slides/slide19.xml><?xml version="1.0" encoding="utf-8"?>
+<file path=ppt/slides/slide16.xml><?xml version="1.0" encoding="utf-8"?>
 <p:sld xmlns:a="http://schemas.openxmlformats.org/drawingml/2006/main" xmlns:r="http://schemas.openxmlformats.org/officeDocument/2006/relationships" xmlns:p="http://schemas.openxmlformats.org/presentationml/2006/main">
   <p:cSld>
     <p:spTree>
@@ -5412,171 +5696,7 @@
 </p:sld>
 </file>
 
-<file path=ppt/slides/slide2.xml><?xml version="1.0" encoding="utf-8"?>
-<p:sld xmlns:a="http://schemas.openxmlformats.org/drawingml/2006/main" xmlns:r="http://schemas.openxmlformats.org/officeDocument/2006/relationships" xmlns:p="http://schemas.openxmlformats.org/presentationml/2006/main">
-  <p:cSld>
-    <p:spTree>
-      <p:nvGrpSpPr>
-        <p:cNvPr id="1" name=""/>
-        <p:cNvGrpSpPr/>
-        <p:nvPr/>
-      </p:nvGrpSpPr>
-      <p:grpSpPr>
-        <a:xfrm>
-          <a:off x="0" y="0"/>
-          <a:ext cx="0" cy="0"/>
-          <a:chOff x="0" y="0"/>
-          <a:chExt cx="0" cy="0"/>
-        </a:xfrm>
-      </p:grpSpPr>
-      <p:sp>
-        <p:nvSpPr>
-          <p:cNvPr id="2" name="Title 1"/>
-          <p:cNvSpPr>
-            <a:spLocks noGrp="1"/>
-          </p:cNvSpPr>
-          <p:nvPr>
-            <p:ph type="title"/>
-          </p:nvPr>
-        </p:nvSpPr>
-        <p:spPr>
-          <a:xfrm>
-            <a:off x="111098" y="152400"/>
-            <a:ext cx="8229600" cy="877163"/>
-          </a:xfrm>
-        </p:spPr>
-        <p:txBody>
-          <a:bodyPr/>
-          <a:lstStyle/>
-          <a:p>
-            <a:r>
-              <a:rPr lang="en-US" dirty="0" smtClean="0"/>
-              <a:t>Applications </a:t>
-            </a:r>
-            <a:r>
-              <a:rPr lang="en-US" dirty="0"/>
-              <a:t>are increasingly data-driven distributed services</a:t>
-            </a:r>
-            <a:r>
-              <a:rPr lang="en-US" dirty="0" smtClean="0"/>
-              <a:t>.</a:t>
-            </a:r>
-            <a:endParaRPr lang="en-US" dirty="0"/>
-          </a:p>
-        </p:txBody>
-      </p:sp>
-      <p:sp>
-        <p:nvSpPr>
-          <p:cNvPr id="3" name="Content Placeholder 2"/>
-          <p:cNvSpPr>
-            <a:spLocks noGrp="1"/>
-          </p:cNvSpPr>
-          <p:nvPr>
-            <p:ph idx="1"/>
-          </p:nvPr>
-        </p:nvSpPr>
-        <p:spPr>
-          <a:xfrm>
-            <a:off x="124572" y="836823"/>
-            <a:ext cx="8229600" cy="5700335"/>
-          </a:xfrm>
-        </p:spPr>
-        <p:txBody>
-          <a:bodyPr>
-            <a:normAutofit/>
-          </a:bodyPr>
-          <a:lstStyle/>
-          <a:p>
-            <a:endParaRPr lang="en-US" dirty="0" smtClean="0"/>
-          </a:p>
-          <a:p>
-            <a:r>
-              <a:rPr lang="en-US" dirty="0" smtClean="0"/>
-              <a:t>These applications may control only one  side of the pipe… </a:t>
-            </a:r>
-          </a:p>
-          <a:p>
-            <a:pPr lvl="1"/>
-            <a:r>
-              <a:rPr lang="en-US" dirty="0" smtClean="0"/>
-              <a:t>Common language: IP on the wire, Socket interface on the host.</a:t>
-            </a:r>
-          </a:p>
-          <a:p>
-            <a:pPr lvl="1"/>
-            <a:r>
-              <a:rPr lang="en-US" dirty="0" smtClean="0"/>
-              <a:t>Applications: web services, media delivery, trading exchange.</a:t>
-            </a:r>
-          </a:p>
-          <a:p>
-            <a:pPr lvl="1"/>
-            <a:r>
-              <a:rPr lang="en-US" dirty="0" smtClean="0"/>
-              <a:t>Not going away, way too much legacy.</a:t>
-            </a:r>
-          </a:p>
-          <a:p>
-            <a:r>
-              <a:rPr lang="en-US" dirty="0" smtClean="0"/>
-              <a:t>Or both sides of the pipe</a:t>
-            </a:r>
-          </a:p>
-          <a:p>
-            <a:pPr lvl="1"/>
-            <a:r>
-              <a:rPr lang="en-US" dirty="0" smtClean="0"/>
-              <a:t>No required wire protocol or programing interface.</a:t>
-            </a:r>
-          </a:p>
-          <a:p>
-            <a:pPr lvl="1"/>
-            <a:r>
-              <a:rPr lang="en-US" dirty="0" smtClean="0"/>
-              <a:t>Applications: back-ends, database, storage</a:t>
-            </a:r>
-          </a:p>
-          <a:p>
-            <a:pPr lvl="2"/>
-            <a:r>
-              <a:rPr lang="en-US" dirty="0" smtClean="0"/>
-              <a:t>Memcached, Big Table, Cassandra.</a:t>
-            </a:r>
-          </a:p>
-          <a:p>
-            <a:pPr lvl="1"/>
-            <a:r>
-              <a:rPr lang="en-US" dirty="0"/>
-              <a:t>Socket interface hinders networking innovation</a:t>
-            </a:r>
-            <a:r>
-              <a:rPr lang="en-US" dirty="0" smtClean="0"/>
-              <a:t>.</a:t>
-            </a:r>
-          </a:p>
-          <a:p>
-            <a:pPr lvl="1"/>
-            <a:r>
-              <a:rPr lang="en-US" dirty="0" smtClean="0"/>
-              <a:t>Many vendor-specific interfaces available (dead or alive).</a:t>
-            </a:r>
-          </a:p>
-        </p:txBody>
-      </p:sp>
-    </p:spTree>
-    <p:extLst>
-      <p:ext uri="{BB962C8B-B14F-4D97-AF65-F5344CB8AC3E}">
-        <p14:creationId xmlns:p14="http://schemas.microsoft.com/office/powerpoint/2010/main" val="2858392868"/>
-      </p:ext>
-    </p:extLst>
-  </p:cSld>
-  <p:clrMapOvr>
-    <a:masterClrMapping/>
-  </p:clrMapOvr>
-</p:sld>
-</file>
-
-<file path=ppt/slides/slide20.xml><?xml version="1.0" encoding="utf-8"?>
+<file path=ppt/slides/slide17.xml><?xml version="1.0" encoding="utf-8"?>
 <p:sld xmlns:a="http://schemas.openxmlformats.org/drawingml/2006/main" xmlns:r="http://schemas.openxmlformats.org/officeDocument/2006/relationships" xmlns:p="http://schemas.openxmlformats.org/presentationml/2006/main">
   <p:cSld>
     <p:spTree>
@@ -5700,7 +5820,7 @@
 </p:sld>
 </file>
 
-<file path=ppt/slides/slide21.xml><?xml version="1.0" encoding="utf-8"?>
+<file path=ppt/slides/slide18.xml><?xml version="1.0" encoding="utf-8"?>
 <p:sld xmlns:a="http://schemas.openxmlformats.org/drawingml/2006/main" xmlns:r="http://schemas.openxmlformats.org/officeDocument/2006/relationships" xmlns:p="http://schemas.openxmlformats.org/presentationml/2006/main">
   <p:cSld>
     <p:spTree>
@@ -5904,7 +6024,439 @@
 </p:sld>
 </file>
 
-<file path=ppt/slides/slide22.xml><?xml version="1.0" encoding="utf-8"?>
+<file path=ppt/slides/slide19.xml><?xml version="1.0" encoding="utf-8"?>
+<p:sld xmlns:a="http://schemas.openxmlformats.org/drawingml/2006/main" xmlns:r="http://schemas.openxmlformats.org/officeDocument/2006/relationships" xmlns:p="http://schemas.openxmlformats.org/presentationml/2006/main">
+  <p:cSld>
+    <p:spTree>
+      <p:nvGrpSpPr>
+        <p:cNvPr id="1" name=""/>
+        <p:cNvGrpSpPr/>
+        <p:nvPr/>
+      </p:nvGrpSpPr>
+      <p:grpSpPr>
+        <a:xfrm>
+          <a:off x="0" y="0"/>
+          <a:ext cx="0" cy="0"/>
+          <a:chOff x="0" y="0"/>
+          <a:chExt cx="0" cy="0"/>
+        </a:xfrm>
+      </p:grpSpPr>
+      <p:sp>
+        <p:nvSpPr>
+          <p:cNvPr id="2" name="Title 1"/>
+          <p:cNvSpPr>
+            <a:spLocks noGrp="1"/>
+          </p:cNvSpPr>
+          <p:nvPr>
+            <p:ph type="title"/>
+          </p:nvPr>
+        </p:nvSpPr>
+        <p:spPr>
+          <a:xfrm>
+            <a:off x="111098" y="152400"/>
+            <a:ext cx="8229600" cy="888705"/>
+          </a:xfrm>
+        </p:spPr>
+        <p:txBody>
+          <a:bodyPr/>
+          <a:lstStyle/>
+          <a:p>
+            <a:r>
+              <a:rPr lang="en-US" dirty="0" smtClean="0"/>
+              <a:t>Benefits of a common bridge </a:t>
+            </a:r>
+            <a:br>
+              <a:rPr lang="en-US" dirty="0" smtClean="0"/>
+            </a:br>
+            <a:endParaRPr lang="en-US" dirty="0"/>
+          </a:p>
+        </p:txBody>
+      </p:sp>
+      <p:sp>
+        <p:nvSpPr>
+          <p:cNvPr id="6" name="Text Placeholder 5"/>
+          <p:cNvSpPr>
+            <a:spLocks noGrp="1"/>
+          </p:cNvSpPr>
+          <p:nvPr>
+            <p:ph type="body" idx="1"/>
+          </p:nvPr>
+        </p:nvSpPr>
+        <p:spPr>
+          <a:xfrm>
+            <a:off x="469413" y="1389869"/>
+            <a:ext cx="4040188" cy="430887"/>
+          </a:xfrm>
+        </p:spPr>
+        <p:txBody>
+          <a:bodyPr/>
+          <a:lstStyle/>
+          <a:p>
+            <a:r>
+              <a:rPr lang="en-US" dirty="0" smtClean="0"/>
+              <a:t>Application Developers</a:t>
+            </a:r>
+            <a:endParaRPr lang="en-US" dirty="0"/>
+          </a:p>
+        </p:txBody>
+      </p:sp>
+      <p:sp>
+        <p:nvSpPr>
+          <p:cNvPr id="7" name="Content Placeholder 6"/>
+          <p:cNvSpPr>
+            <a:spLocks noGrp="1"/>
+          </p:cNvSpPr>
+          <p:nvPr>
+            <p:ph sz="half" idx="2"/>
+          </p:nvPr>
+        </p:nvSpPr>
+        <p:spPr>
+          <a:xfrm>
+            <a:off x="469413" y="1820756"/>
+            <a:ext cx="4040188" cy="4414541"/>
+          </a:xfrm>
+        </p:spPr>
+        <p:txBody>
+          <a:bodyPr/>
+          <a:lstStyle/>
+          <a:p>
+            <a:r>
+              <a:rPr lang="en-US" dirty="0" smtClean="0"/>
+              <a:t>Decrease complexity</a:t>
+            </a:r>
+          </a:p>
+          <a:p>
+            <a:r>
+              <a:rPr lang="en-US" dirty="0"/>
+              <a:t>Port once, run everywhere </a:t>
+            </a:r>
+          </a:p>
+          <a:p>
+            <a:r>
+              <a:rPr lang="en-US" dirty="0" smtClean="0"/>
+              <a:t>Encourage competition among vendors</a:t>
+            </a:r>
+          </a:p>
+          <a:p>
+            <a:pPr lvl="1"/>
+            <a:r>
+              <a:rPr lang="en-US" dirty="0" smtClean="0"/>
+              <a:t>Fosters innovation </a:t>
+            </a:r>
+          </a:p>
+          <a:p>
+            <a:pPr lvl="1"/>
+            <a:r>
+              <a:rPr lang="en-US" dirty="0" smtClean="0"/>
+              <a:t>Improves cost effectiveness</a:t>
+            </a:r>
+          </a:p>
+          <a:p>
+            <a:r>
+              <a:rPr lang="en-US" dirty="0" smtClean="0"/>
+              <a:t>Mitigates technical and business risk of single vendor solution</a:t>
+            </a:r>
+          </a:p>
+          <a:p>
+            <a:endParaRPr lang="en-US" dirty="0" smtClean="0"/>
+          </a:p>
+          <a:p>
+            <a:endParaRPr lang="en-US" dirty="0"/>
+          </a:p>
+        </p:txBody>
+      </p:sp>
+      <p:sp>
+        <p:nvSpPr>
+          <p:cNvPr id="8" name="Text Placeholder 7"/>
+          <p:cNvSpPr>
+            <a:spLocks noGrp="1"/>
+          </p:cNvSpPr>
+          <p:nvPr>
+            <p:ph type="body" sz="quarter" idx="3"/>
+          </p:nvPr>
+        </p:nvSpPr>
+        <p:spPr>
+          <a:xfrm>
+            <a:off x="4657238" y="1389869"/>
+            <a:ext cx="4041775" cy="430887"/>
+          </a:xfrm>
+        </p:spPr>
+        <p:txBody>
+          <a:bodyPr/>
+          <a:lstStyle/>
+          <a:p>
+            <a:r>
+              <a:rPr lang="en-US" dirty="0" smtClean="0"/>
+              <a:t>Network Technology Vendors</a:t>
+            </a:r>
+            <a:endParaRPr lang="en-US" dirty="0"/>
+          </a:p>
+        </p:txBody>
+      </p:sp>
+      <p:sp>
+        <p:nvSpPr>
+          <p:cNvPr id="9" name="Content Placeholder 8"/>
+          <p:cNvSpPr>
+            <a:spLocks noGrp="1"/>
+          </p:cNvSpPr>
+          <p:nvPr>
+            <p:ph sz="quarter" idx="4"/>
+          </p:nvPr>
+        </p:nvSpPr>
+        <p:spPr>
+          <a:xfrm>
+            <a:off x="4657238" y="1820756"/>
+            <a:ext cx="4041775" cy="3913892"/>
+          </a:xfrm>
+        </p:spPr>
+        <p:txBody>
+          <a:bodyPr/>
+          <a:lstStyle/>
+          <a:p>
+            <a:r>
+              <a:rPr lang="en-US" dirty="0" smtClean="0"/>
+              <a:t>Increases </a:t>
+            </a:r>
+            <a:r>
+              <a:rPr lang="en-US" dirty="0"/>
+              <a:t>total addressable </a:t>
+            </a:r>
+            <a:r>
+              <a:rPr lang="en-US" dirty="0" smtClean="0"/>
+              <a:t>market</a:t>
+            </a:r>
+          </a:p>
+          <a:p>
+            <a:pPr lvl="1"/>
+            <a:r>
+              <a:rPr lang="en-US" dirty="0" smtClean="0"/>
+              <a:t>Deliver performance to the masses </a:t>
+            </a:r>
+          </a:p>
+          <a:p>
+            <a:r>
+              <a:rPr lang="en-US" dirty="0" smtClean="0"/>
+              <a:t>Ability </a:t>
+            </a:r>
+            <a:r>
+              <a:rPr lang="en-US" dirty="0"/>
+              <a:t>to expose innovation through a modern API</a:t>
+            </a:r>
+          </a:p>
+          <a:p>
+            <a:r>
+              <a:rPr lang="en-US" dirty="0" smtClean="0"/>
+              <a:t>Reduces costs </a:t>
+            </a:r>
+          </a:p>
+          <a:p>
+            <a:pPr lvl="1"/>
+            <a:r>
+              <a:rPr lang="en-US" dirty="0" smtClean="0"/>
+              <a:t>Eliminate per application support </a:t>
+            </a:r>
+          </a:p>
+          <a:p>
+            <a:pPr lvl="1"/>
+            <a:r>
+              <a:rPr lang="en-US" dirty="0" smtClean="0"/>
+              <a:t>Leverage community development of core API </a:t>
+            </a:r>
+          </a:p>
+          <a:p>
+            <a:pPr lvl="1"/>
+            <a:r>
+              <a:rPr lang="en-US" dirty="0" smtClean="0"/>
+              <a:t>Enables an ecosystem</a:t>
+            </a:r>
+          </a:p>
+        </p:txBody>
+      </p:sp>
+    </p:spTree>
+    <p:extLst>
+      <p:ext uri="{BB962C8B-B14F-4D97-AF65-F5344CB8AC3E}">
+        <p14:creationId xmlns:p14="http://schemas.microsoft.com/office/powerpoint/2010/main" val="4239879410"/>
+      </p:ext>
+    </p:extLst>
+  </p:cSld>
+  <p:clrMapOvr>
+    <a:masterClrMapping/>
+  </p:clrMapOvr>
+</p:sld>
+</file>
+
+<file path=ppt/slides/slide2.xml><?xml version="1.0" encoding="utf-8"?>
+<p:sld xmlns:a="http://schemas.openxmlformats.org/drawingml/2006/main" xmlns:r="http://schemas.openxmlformats.org/officeDocument/2006/relationships" xmlns:p="http://schemas.openxmlformats.org/presentationml/2006/main">
+  <p:cSld>
+    <p:spTree>
+      <p:nvGrpSpPr>
+        <p:cNvPr id="1" name=""/>
+        <p:cNvGrpSpPr/>
+        <p:nvPr/>
+      </p:nvGrpSpPr>
+      <p:grpSpPr>
+        <a:xfrm>
+          <a:off x="0" y="0"/>
+          <a:ext cx="0" cy="0"/>
+          <a:chOff x="0" y="0"/>
+          <a:chExt cx="0" cy="0"/>
+        </a:xfrm>
+      </p:grpSpPr>
+      <p:sp>
+        <p:nvSpPr>
+          <p:cNvPr id="2" name="Title 1"/>
+          <p:cNvSpPr>
+            <a:spLocks noGrp="1"/>
+          </p:cNvSpPr>
+          <p:nvPr>
+            <p:ph type="title"/>
+          </p:nvPr>
+        </p:nvSpPr>
+        <p:spPr>
+          <a:xfrm>
+            <a:off x="111098" y="152400"/>
+            <a:ext cx="8229600" cy="877163"/>
+          </a:xfrm>
+        </p:spPr>
+        <p:txBody>
+          <a:bodyPr/>
+          <a:lstStyle/>
+          <a:p>
+            <a:r>
+              <a:rPr lang="en-US" dirty="0" smtClean="0"/>
+              <a:t>Applications </a:t>
+            </a:r>
+            <a:r>
+              <a:rPr lang="en-US" dirty="0"/>
+              <a:t>are increasingly data-driven distributed services</a:t>
+            </a:r>
+            <a:r>
+              <a:rPr lang="en-US" dirty="0" smtClean="0"/>
+              <a:t>.</a:t>
+            </a:r>
+            <a:endParaRPr lang="en-US" dirty="0"/>
+          </a:p>
+        </p:txBody>
+      </p:sp>
+      <p:sp>
+        <p:nvSpPr>
+          <p:cNvPr id="3" name="Content Placeholder 2"/>
+          <p:cNvSpPr>
+            <a:spLocks noGrp="1"/>
+          </p:cNvSpPr>
+          <p:nvPr>
+            <p:ph idx="1"/>
+          </p:nvPr>
+        </p:nvSpPr>
+        <p:spPr>
+          <a:xfrm>
+            <a:off x="124572" y="836823"/>
+            <a:ext cx="8229600" cy="5700335"/>
+          </a:xfrm>
+        </p:spPr>
+        <p:txBody>
+          <a:bodyPr>
+            <a:normAutofit/>
+          </a:bodyPr>
+          <a:lstStyle/>
+          <a:p>
+            <a:endParaRPr lang="en-US" dirty="0" smtClean="0"/>
+          </a:p>
+          <a:p>
+            <a:r>
+              <a:rPr lang="en-US" dirty="0" smtClean="0"/>
+              <a:t>These applications may control only one  side of the pipe… </a:t>
+            </a:r>
+          </a:p>
+          <a:p>
+            <a:pPr lvl="1"/>
+            <a:r>
+              <a:rPr lang="en-US" dirty="0" smtClean="0"/>
+              <a:t>Common language: IP on the wire, Socket interface on the host.</a:t>
+            </a:r>
+          </a:p>
+          <a:p>
+            <a:pPr lvl="1"/>
+            <a:r>
+              <a:rPr lang="en-US" dirty="0" smtClean="0"/>
+              <a:t>Applications: web services, media delivery, trading exchange.</a:t>
+            </a:r>
+          </a:p>
+          <a:p>
+            <a:pPr lvl="1"/>
+            <a:r>
+              <a:rPr lang="en-US" dirty="0" smtClean="0"/>
+              <a:t>Not going away, way too much legacy.</a:t>
+            </a:r>
+          </a:p>
+          <a:p>
+            <a:r>
+              <a:rPr lang="en-US" dirty="0" smtClean="0"/>
+              <a:t>Or both sides of the pipe</a:t>
+            </a:r>
+          </a:p>
+          <a:p>
+            <a:pPr lvl="1"/>
+            <a:r>
+              <a:rPr lang="en-US" dirty="0" smtClean="0"/>
+              <a:t>No required wire protocol or programing interface.</a:t>
+            </a:r>
+          </a:p>
+          <a:p>
+            <a:pPr lvl="1"/>
+            <a:r>
+              <a:rPr lang="en-US" dirty="0" smtClean="0"/>
+              <a:t>Applications: back-ends, database, storage</a:t>
+            </a:r>
+          </a:p>
+          <a:p>
+            <a:pPr lvl="2"/>
+            <a:r>
+              <a:rPr lang="en-US" dirty="0" smtClean="0"/>
+              <a:t>Memcached, Big Table, Cassandra.</a:t>
+            </a:r>
+          </a:p>
+          <a:p>
+            <a:pPr lvl="1"/>
+            <a:r>
+              <a:rPr lang="en-US" dirty="0"/>
+              <a:t>Socket interface hinders networking innovation</a:t>
+            </a:r>
+            <a:r>
+              <a:rPr lang="en-US" dirty="0" smtClean="0"/>
+              <a:t>.</a:t>
+            </a:r>
+          </a:p>
+          <a:p>
+            <a:pPr lvl="1"/>
+            <a:r>
+              <a:rPr lang="en-US" dirty="0" smtClean="0"/>
+              <a:t>Many vendor-specific interfaces available (dead or alive).</a:t>
+            </a:r>
+          </a:p>
+        </p:txBody>
+      </p:sp>
+    </p:spTree>
+    <p:extLst>
+      <p:ext uri="{BB962C8B-B14F-4D97-AF65-F5344CB8AC3E}">
+        <p14:creationId xmlns:p14="http://schemas.microsoft.com/office/powerpoint/2010/main" val="2858392868"/>
+      </p:ext>
+    </p:extLst>
+  </p:cSld>
+  <p:clrMapOvr>
+    <a:masterClrMapping/>
+  </p:clrMapOvr>
+  <p:timing>
+    <p:tnLst>
+      <p:par>
+        <p:cTn xmlns:p14="http://schemas.microsoft.com/office/powerpoint/2010/main" id="1" dur="indefinite" restart="never" nodeType="tmRoot"/>
+      </p:par>
+    </p:tnLst>
+  </p:timing>
+</p:sld>
+</file>
+
+<file path=ppt/slides/slide20.xml><?xml version="1.0" encoding="utf-8"?>
 <p:sld xmlns:a="http://schemas.openxmlformats.org/drawingml/2006/main" xmlns:r="http://schemas.openxmlformats.org/officeDocument/2006/relationships" xmlns:p="http://schemas.openxmlformats.org/presentationml/2006/main">
   <p:cSld>
     <p:spTree>
@@ -6102,7 +6654,162 @@
 </p:sld>
 </file>
 
-<file path=ppt/slides/slide23.xml><?xml version="1.0" encoding="utf-8"?>
+<file path=ppt/slides/slide21.xml><?xml version="1.0" encoding="utf-8"?>
+<p:sld xmlns:a="http://schemas.openxmlformats.org/drawingml/2006/main" xmlns:r="http://schemas.openxmlformats.org/officeDocument/2006/relationships" xmlns:p="http://schemas.openxmlformats.org/presentationml/2006/main">
+  <p:cSld>
+    <p:spTree>
+      <p:nvGrpSpPr>
+        <p:cNvPr id="1" name=""/>
+        <p:cNvGrpSpPr/>
+        <p:nvPr/>
+      </p:nvGrpSpPr>
+      <p:grpSpPr>
+        <a:xfrm>
+          <a:off x="0" y="0"/>
+          <a:ext cx="0" cy="0"/>
+          <a:chOff x="0" y="0"/>
+          <a:chExt cx="0" cy="0"/>
+        </a:xfrm>
+      </p:grpSpPr>
+      <p:sp>
+        <p:nvSpPr>
+          <p:cNvPr id="2" name="Title 1"/>
+          <p:cNvSpPr>
+            <a:spLocks noGrp="1"/>
+          </p:cNvSpPr>
+          <p:nvPr>
+            <p:ph type="title"/>
+          </p:nvPr>
+        </p:nvSpPr>
+        <p:spPr>
+          <a:xfrm>
+            <a:off x="111098" y="152400"/>
+            <a:ext cx="8229600" cy="496290"/>
+          </a:xfrm>
+        </p:spPr>
+        <p:txBody>
+          <a:bodyPr/>
+          <a:lstStyle/>
+          <a:p>
+            <a:r>
+              <a:rPr lang="en-US" dirty="0" smtClean="0"/>
+              <a:t>Call for participation!</a:t>
+            </a:r>
+            <a:endParaRPr lang="en-US" dirty="0"/>
+          </a:p>
+        </p:txBody>
+      </p:sp>
+      <p:sp>
+        <p:nvSpPr>
+          <p:cNvPr id="3" name="Content Placeholder 2"/>
+          <p:cNvSpPr>
+            <a:spLocks noGrp="1"/>
+          </p:cNvSpPr>
+          <p:nvPr>
+            <p:ph idx="1"/>
+          </p:nvPr>
+        </p:nvSpPr>
+        <p:spPr>
+          <a:xfrm>
+            <a:off x="111204" y="1125025"/>
+            <a:ext cx="8229600" cy="4666918"/>
+          </a:xfrm>
+        </p:spPr>
+        <p:txBody>
+          <a:bodyPr/>
+          <a:lstStyle/>
+          <a:p>
+            <a:r>
+              <a:rPr lang="en-US" dirty="0" smtClean="0"/>
+              <a:t>We are a bunch of engineers</a:t>
+            </a:r>
+          </a:p>
+          <a:p>
+            <a:pPr lvl="1"/>
+            <a:r>
+              <a:rPr lang="en-US" dirty="0" smtClean="0"/>
+              <a:t>We don’t have a website</a:t>
+            </a:r>
+          </a:p>
+          <a:p>
+            <a:pPr lvl="1"/>
+            <a:r>
+              <a:rPr lang="en-US" dirty="0" smtClean="0"/>
+              <a:t>We don’t have a logo</a:t>
+            </a:r>
+          </a:p>
+          <a:p>
+            <a:pPr lvl="1"/>
+            <a:r>
+              <a:rPr lang="en-US" dirty="0" smtClean="0"/>
+              <a:t>We don’t have a glossy white-paper</a:t>
+            </a:r>
+          </a:p>
+          <a:p>
+            <a:pPr lvl="1"/>
+            <a:r>
+              <a:rPr lang="en-US" dirty="0" smtClean="0"/>
+              <a:t>But… We do have deep expertise in communication libraries</a:t>
+            </a:r>
+          </a:p>
+          <a:p>
+            <a:r>
+              <a:rPr lang="en-US" dirty="0" smtClean="0"/>
+              <a:t>We also have a community development model</a:t>
+            </a:r>
+          </a:p>
+          <a:p>
+            <a:pPr lvl="1"/>
+            <a:r>
+              <a:rPr lang="en-US" dirty="0" smtClean="0"/>
+              <a:t>Code is currently hosted on a private </a:t>
+            </a:r>
+            <a:r>
+              <a:rPr lang="en-US" dirty="0" err="1" smtClean="0"/>
+              <a:t>git</a:t>
+            </a:r>
+            <a:r>
+              <a:rPr lang="en-US" dirty="0" smtClean="0"/>
+              <a:t>-hub </a:t>
+            </a:r>
+          </a:p>
+          <a:p>
+            <a:pPr lvl="1"/>
+            <a:r>
+              <a:rPr lang="en-US" dirty="0" smtClean="0"/>
+              <a:t>License model is BSD/Apache style license </a:t>
+            </a:r>
+          </a:p>
+          <a:p>
+            <a:pPr lvl="1"/>
+            <a:r>
+              <a:rPr lang="en-US" dirty="0" smtClean="0"/>
+              <a:t>Contributor agreement is Apache style</a:t>
+            </a:r>
+          </a:p>
+          <a:p>
+            <a:r>
+              <a:rPr lang="en-US" dirty="0" smtClean="0"/>
+              <a:t>If you want to help contribute please contact us</a:t>
+            </a:r>
+            <a:endParaRPr lang="en-US" dirty="0"/>
+          </a:p>
+        </p:txBody>
+      </p:sp>
+    </p:spTree>
+    <p:extLst>
+      <p:ext uri="{BB962C8B-B14F-4D97-AF65-F5344CB8AC3E}">
+        <p14:creationId xmlns:p14="http://schemas.microsoft.com/office/powerpoint/2010/main" val="3163329426"/>
+      </p:ext>
+    </p:extLst>
+  </p:cSld>
+  <p:clrMapOvr>
+    <a:masterClrMapping/>
+  </p:clrMapOvr>
+</p:sld>
+</file>
+
+<file path=ppt/slides/slide22.xml><?xml version="1.0" encoding="utf-8"?>
 <p:sld xmlns:a="http://schemas.openxmlformats.org/drawingml/2006/main" xmlns:r="http://schemas.openxmlformats.org/officeDocument/2006/relationships" xmlns:p="http://schemas.openxmlformats.org/presentationml/2006/main" show="0">
   <p:cSld>
     <p:spTree>
@@ -6198,7 +6905,7 @@
 </p:sld>
 </file>
 
-<file path=ppt/slides/slide24.xml><?xml version="1.0" encoding="utf-8"?>
+<file path=ppt/slides/slide23.xml><?xml version="1.0" encoding="utf-8"?>
 <p:sld xmlns:a="http://schemas.openxmlformats.org/drawingml/2006/main" xmlns:r="http://schemas.openxmlformats.org/officeDocument/2006/relationships" xmlns:p="http://schemas.openxmlformats.org/presentationml/2006/main" show="0">
   <p:cSld>
     <p:spTree>
@@ -6321,7 +7028,7 @@
 </p:sld>
 </file>
 
-<file path=ppt/slides/slide25.xml><?xml version="1.0" encoding="utf-8"?>
+<file path=ppt/slides/slide24.xml><?xml version="1.0" encoding="utf-8"?>
 <p:sld xmlns:a="http://schemas.openxmlformats.org/drawingml/2006/main" xmlns:r="http://schemas.openxmlformats.org/officeDocument/2006/relationships" xmlns:p="http://schemas.openxmlformats.org/presentationml/2006/main" show="0">
   <p:cSld>
     <p:spTree>
@@ -6650,6 +7357,163 @@
 </p:sld>
 </file>
 
+<file path=ppt/slides/slide25.xml><?xml version="1.0" encoding="utf-8"?>
+<p:sld xmlns:a="http://schemas.openxmlformats.org/drawingml/2006/main" xmlns:r="http://schemas.openxmlformats.org/officeDocument/2006/relationships" xmlns:p="http://schemas.openxmlformats.org/presentationml/2006/main" show="0">
+  <p:cSld>
+    <p:spTree>
+      <p:nvGrpSpPr>
+        <p:cNvPr id="1" name=""/>
+        <p:cNvGrpSpPr/>
+        <p:nvPr/>
+      </p:nvGrpSpPr>
+      <p:grpSpPr>
+        <a:xfrm>
+          <a:off x="0" y="0"/>
+          <a:ext cx="0" cy="0"/>
+          <a:chOff x="0" y="0"/>
+          <a:chExt cx="0" cy="0"/>
+        </a:xfrm>
+      </p:grpSpPr>
+      <p:sp>
+        <p:nvSpPr>
+          <p:cNvPr id="2" name="Title 1"/>
+          <p:cNvSpPr>
+            <a:spLocks noGrp="1"/>
+          </p:cNvSpPr>
+          <p:nvPr>
+            <p:ph type="title"/>
+          </p:nvPr>
+        </p:nvSpPr>
+        <p:spPr>
+          <a:xfrm>
+            <a:off x="111098" y="152400"/>
+            <a:ext cx="8229600" cy="496290"/>
+          </a:xfrm>
+        </p:spPr>
+        <p:txBody>
+          <a:bodyPr/>
+          <a:lstStyle/>
+          <a:p>
+            <a:r>
+              <a:rPr lang="en-US" dirty="0"/>
+              <a:t>OFA Verbs</a:t>
+            </a:r>
+          </a:p>
+        </p:txBody>
+      </p:sp>
+      <p:sp>
+        <p:nvSpPr>
+          <p:cNvPr id="3" name="Content Placeholder 2"/>
+          <p:cNvSpPr>
+            <a:spLocks noGrp="1"/>
+          </p:cNvSpPr>
+          <p:nvPr>
+            <p:ph idx="1"/>
+          </p:nvPr>
+        </p:nvSpPr>
+        <p:spPr>
+          <a:xfrm>
+            <a:off x="111204" y="1028701"/>
+            <a:ext cx="8229600" cy="5315815"/>
+          </a:xfrm>
+        </p:spPr>
+        <p:txBody>
+          <a:bodyPr/>
+          <a:lstStyle/>
+          <a:p>
+            <a:r>
+              <a:rPr lang="en-US" sz="2600" dirty="0"/>
+              <a:t>Based on earlier VIA spec</a:t>
+            </a:r>
+          </a:p>
+          <a:p>
+            <a:r>
+              <a:rPr lang="en-US" sz="2600" dirty="0"/>
+              <a:t>Does not specify API, just </a:t>
+            </a:r>
+            <a:r>
+              <a:rPr lang="en-US" sz="2600" i="1" dirty="0"/>
+              <a:t>Verbs</a:t>
+            </a:r>
+          </a:p>
+          <a:p>
+            <a:r>
+              <a:rPr lang="en-US" sz="2600" dirty="0"/>
+              <a:t>Multiple vendor APIs initially</a:t>
+            </a:r>
+          </a:p>
+          <a:p>
+            <a:r>
+              <a:rPr lang="en-US" sz="2600" dirty="0"/>
+              <a:t>Coalesced into Open-Fabrics Association (OFA)</a:t>
+            </a:r>
+          </a:p>
+          <a:p>
+            <a:r>
+              <a:rPr lang="en-US" sz="2600" dirty="0"/>
+              <a:t>Two-sided and one-sided</a:t>
+            </a:r>
+          </a:p>
+          <a:p>
+            <a:r>
+              <a:rPr lang="en-US" sz="2600" dirty="0"/>
+              <a:t>Always asynchronous</a:t>
+            </a:r>
+          </a:p>
+          <a:p>
+            <a:r>
+              <a:rPr lang="en-US" sz="2600" dirty="0"/>
+              <a:t>Reliable and unreliable</a:t>
+            </a:r>
+          </a:p>
+          <a:p>
+            <a:r>
+              <a:rPr lang="en-US" sz="2600" dirty="0"/>
+              <a:t>Connection and connectionless modes</a:t>
+            </a:r>
+          </a:p>
+          <a:p>
+            <a:r>
+              <a:rPr lang="en-US" sz="2600" dirty="0"/>
+              <a:t>Communication requires registered memory</a:t>
+            </a:r>
+          </a:p>
+          <a:p>
+            <a:r>
+              <a:rPr lang="en-US" sz="2600" dirty="0"/>
+              <a:t>Queue-Pair represents logical connection</a:t>
+            </a:r>
+          </a:p>
+        </p:txBody>
+      </p:sp>
+    </p:spTree>
+    <p:extLst>
+      <p:ext uri="{BB962C8B-B14F-4D97-AF65-F5344CB8AC3E}">
+        <p14:creationId xmlns:p14="http://schemas.microsoft.com/office/powerpoint/2010/main" val="3144136157"/>
+      </p:ext>
+    </p:extLst>
+  </p:cSld>
+  <p:clrMapOvr>
+    <a:masterClrMapping/>
+  </p:clrMapOvr>
+  <mc:AlternateContent xmlns:mc="http://schemas.openxmlformats.org/markup-compatibility/2006" xmlns:p14="http://schemas.microsoft.com/office/powerpoint/2010/main">
+    <mc:Choice Requires="p14">
+      <p:transition spd="slow" p14:dur="2000"/>
+    </mc:Choice>
+    <mc:Fallback xmlns="">
+      <p:transition xmlns:p14="http://schemas.microsoft.com/office/powerpoint/2010/main" spd="slow"/>
+    </mc:Fallback>
+  </mc:AlternateContent>
+  <p:timing>
+    <p:tnLst>
+      <p:par>
+        <p:cTn xmlns:p14="http://schemas.microsoft.com/office/powerpoint/2010/main" id="1" dur="indefinite" restart="never" nodeType="tmRoot"/>
+      </p:par>
+    </p:tnLst>
+  </p:timing>
+</p:sld>
+</file>
+
 <file path=ppt/slides/slide26.xml><?xml version="1.0" encoding="utf-8"?>
 <p:sld xmlns:a="http://schemas.openxmlformats.org/drawingml/2006/main" xmlns:r="http://schemas.openxmlformats.org/officeDocument/2006/relationships" xmlns:p="http://schemas.openxmlformats.org/presentationml/2006/main" show="0">
   <p:cSld>
@@ -6689,7 +7553,7 @@
           <a:p>
             <a:r>
               <a:rPr lang="en-US" dirty="0"/>
-              <a:t>OFA Verbs</a:t>
+              <a:t>Portals</a:t>
             </a:r>
           </a:p>
         </p:txBody>
@@ -6706,8 +7570,8 @@
         </p:nvSpPr>
         <p:spPr>
           <a:xfrm>
-            <a:off x="111204" y="1028701"/>
-            <a:ext cx="8229600" cy="5315815"/>
+            <a:off x="111204" y="1344823"/>
+            <a:ext cx="8229600" cy="3579441"/>
           </a:xfrm>
         </p:spPr>
         <p:txBody>
@@ -6715,66 +7579,39 @@
           <a:lstStyle/>
           <a:p>
             <a:r>
-              <a:rPr lang="en-US" sz="2600" dirty="0"/>
-              <a:t>Based on earlier VIA spec</a:t>
-            </a:r>
-          </a:p>
-          <a:p>
-            <a:r>
-              <a:rPr lang="en-US" sz="2600" dirty="0"/>
-              <a:t>Does not specify API, just </a:t>
-            </a:r>
-            <a:r>
-              <a:rPr lang="en-US" sz="2600" i="1" dirty="0"/>
-              <a:t>Verbs</a:t>
-            </a:r>
-          </a:p>
-          <a:p>
-            <a:r>
-              <a:rPr lang="en-US" sz="2600" dirty="0"/>
-              <a:t>Multiple vendor APIs initially</a:t>
-            </a:r>
-          </a:p>
-          <a:p>
-            <a:r>
-              <a:rPr lang="en-US" sz="2600" dirty="0"/>
-              <a:t>Coalesced into Open-Fabrics Association (OFA)</a:t>
-            </a:r>
-          </a:p>
-          <a:p>
-            <a:r>
-              <a:rPr lang="en-US" sz="2600" dirty="0"/>
-              <a:t>Two-sided and one-sided</a:t>
-            </a:r>
-          </a:p>
-          <a:p>
-            <a:r>
-              <a:rPr lang="en-US" sz="2600" dirty="0"/>
-              <a:t>Always asynchronous</a:t>
-            </a:r>
-          </a:p>
-          <a:p>
-            <a:r>
-              <a:rPr lang="en-US" sz="2600" dirty="0"/>
-              <a:t>Reliable and unreliable</a:t>
-            </a:r>
-          </a:p>
-          <a:p>
-            <a:r>
-              <a:rPr lang="en-US" sz="2600" dirty="0"/>
-              <a:t>Connection and connectionless modes</a:t>
-            </a:r>
-          </a:p>
-          <a:p>
-            <a:r>
-              <a:rPr lang="en-US" sz="2600" dirty="0"/>
-              <a:t>Communication requires registered memory</a:t>
-            </a:r>
-          </a:p>
-          <a:p>
-            <a:r>
-              <a:rPr lang="en-US" sz="2600" dirty="0"/>
-              <a:t>Queue-Pair represents logical connection</a:t>
+              <a:rPr lang="en-US" dirty="0"/>
+              <a:t>One-sided (Put/Get)</a:t>
+            </a:r>
+          </a:p>
+          <a:p>
+            <a:r>
+              <a:rPr lang="en-US" dirty="0"/>
+              <a:t>Uses tags to steer messages to buffers</a:t>
+            </a:r>
+          </a:p>
+          <a:p>
+            <a:r>
+              <a:rPr lang="en-US" dirty="0"/>
+              <a:t>Connectionless</a:t>
+            </a:r>
+          </a:p>
+          <a:p>
+            <a:pPr lvl="1"/>
+            <a:r>
+              <a:rPr lang="en-US" dirty="0"/>
+              <a:t>Underlying NALs maintain necessary connection state</a:t>
+            </a:r>
+          </a:p>
+          <a:p>
+            <a:r>
+              <a:rPr lang="en-US" dirty="0"/>
+              <a:t>Most commonly used on large HPC systems</a:t>
+            </a:r>
+          </a:p>
+          <a:p>
+            <a:r>
+              <a:rPr lang="en-US" dirty="0"/>
+              <a:t>Lustre distributed file system NAL, LNET, was originally based on Portals</a:t>
             </a:r>
           </a:p>
         </p:txBody>
@@ -6782,7 +7619,7 @@
     </p:spTree>
     <p:extLst>
       <p:ext uri="{BB962C8B-B14F-4D97-AF65-F5344CB8AC3E}">
-        <p14:creationId xmlns:p14="http://schemas.microsoft.com/office/powerpoint/2010/main" val="3144136157"/>
+        <p14:creationId xmlns:p14="http://schemas.microsoft.com/office/powerpoint/2010/main" val="3482068955"/>
       </p:ext>
     </p:extLst>
   </p:cSld>
@@ -6846,136 +7683,6 @@
           <a:p>
             <a:r>
               <a:rPr lang="en-US" dirty="0"/>
-              <a:t>Portals</a:t>
-            </a:r>
-          </a:p>
-        </p:txBody>
-      </p:sp>
-      <p:sp>
-        <p:nvSpPr>
-          <p:cNvPr id="3" name="Content Placeholder 2"/>
-          <p:cNvSpPr>
-            <a:spLocks noGrp="1"/>
-          </p:cNvSpPr>
-          <p:nvPr>
-            <p:ph idx="1"/>
-          </p:nvPr>
-        </p:nvSpPr>
-        <p:spPr>
-          <a:xfrm>
-            <a:off x="111204" y="1344823"/>
-            <a:ext cx="8229600" cy="3579441"/>
-          </a:xfrm>
-        </p:spPr>
-        <p:txBody>
-          <a:bodyPr/>
-          <a:lstStyle/>
-          <a:p>
-            <a:r>
-              <a:rPr lang="en-US" dirty="0"/>
-              <a:t>One-sided (Put/Get)</a:t>
-            </a:r>
-          </a:p>
-          <a:p>
-            <a:r>
-              <a:rPr lang="en-US" dirty="0"/>
-              <a:t>Uses tags to steer messages to buffers</a:t>
-            </a:r>
-          </a:p>
-          <a:p>
-            <a:r>
-              <a:rPr lang="en-US" dirty="0"/>
-              <a:t>Connectionless</a:t>
-            </a:r>
-          </a:p>
-          <a:p>
-            <a:pPr lvl="1"/>
-            <a:r>
-              <a:rPr lang="en-US" dirty="0"/>
-              <a:t>Underlying NALs maintain necessary connection state</a:t>
-            </a:r>
-          </a:p>
-          <a:p>
-            <a:r>
-              <a:rPr lang="en-US" dirty="0"/>
-              <a:t>Most commonly used on large HPC systems</a:t>
-            </a:r>
-          </a:p>
-          <a:p>
-            <a:r>
-              <a:rPr lang="en-US" dirty="0"/>
-              <a:t>Lustre distributed file system NAL, LNET, was originally based on Portals</a:t>
-            </a:r>
-          </a:p>
-        </p:txBody>
-      </p:sp>
-    </p:spTree>
-    <p:extLst>
-      <p:ext uri="{BB962C8B-B14F-4D97-AF65-F5344CB8AC3E}">
-        <p14:creationId xmlns:p14="http://schemas.microsoft.com/office/powerpoint/2010/main" val="3482068955"/>
-      </p:ext>
-    </p:extLst>
-  </p:cSld>
-  <p:clrMapOvr>
-    <a:masterClrMapping/>
-  </p:clrMapOvr>
-  <mc:AlternateContent xmlns:mc="http://schemas.openxmlformats.org/markup-compatibility/2006" xmlns:p14="http://schemas.microsoft.com/office/powerpoint/2010/main">
-    <mc:Choice Requires="p14">
-      <p:transition spd="slow" p14:dur="2000"/>
-    </mc:Choice>
-    <mc:Fallback xmlns="">
-      <p:transition xmlns:p14="http://schemas.microsoft.com/office/powerpoint/2010/main" spd="slow"/>
-    </mc:Fallback>
-  </mc:AlternateContent>
-  <p:timing>
-    <p:tnLst>
-      <p:par>
-        <p:cTn xmlns:p14="http://schemas.microsoft.com/office/powerpoint/2010/main" id="1" dur="indefinite" restart="never" nodeType="tmRoot"/>
-      </p:par>
-    </p:tnLst>
-  </p:timing>
-</p:sld>
-</file>
-
-<file path=ppt/slides/slide28.xml><?xml version="1.0" encoding="utf-8"?>
-<p:sld xmlns:a="http://schemas.openxmlformats.org/drawingml/2006/main" xmlns:r="http://schemas.openxmlformats.org/officeDocument/2006/relationships" xmlns:p="http://schemas.openxmlformats.org/presentationml/2006/main" show="0">
-  <p:cSld>
-    <p:spTree>
-      <p:nvGrpSpPr>
-        <p:cNvPr id="1" name=""/>
-        <p:cNvGrpSpPr/>
-        <p:nvPr/>
-      </p:nvGrpSpPr>
-      <p:grpSpPr>
-        <a:xfrm>
-          <a:off x="0" y="0"/>
-          <a:ext cx="0" cy="0"/>
-          <a:chOff x="0" y="0"/>
-          <a:chExt cx="0" cy="0"/>
-        </a:xfrm>
-      </p:grpSpPr>
-      <p:sp>
-        <p:nvSpPr>
-          <p:cNvPr id="2" name="Title 1"/>
-          <p:cNvSpPr>
-            <a:spLocks noGrp="1"/>
-          </p:cNvSpPr>
-          <p:nvPr>
-            <p:ph type="title"/>
-          </p:nvPr>
-        </p:nvSpPr>
-        <p:spPr>
-          <a:xfrm>
-            <a:off x="111098" y="152400"/>
-            <a:ext cx="8229600" cy="496290"/>
-          </a:xfrm>
-        </p:spPr>
-        <p:txBody>
-          <a:bodyPr/>
-          <a:lstStyle/>
-          <a:p>
-            <a:r>
-              <a:rPr lang="en-US" dirty="0"/>
               <a:t>Myricom MX and Qlogic PSM</a:t>
             </a:r>
           </a:p>
@@ -7081,7 +7788,7 @@
 </p:sld>
 </file>
 
-<file path=ppt/slides/slide29.xml><?xml version="1.0" encoding="utf-8"?>
+<file path=ppt/slides/slide28.xml><?xml version="1.0" encoding="utf-8"?>
 <p:sld xmlns:a="http://schemas.openxmlformats.org/drawingml/2006/main" xmlns:r="http://schemas.openxmlformats.org/officeDocument/2006/relationships" xmlns:p="http://schemas.openxmlformats.org/presentationml/2006/main" show="0">
   <p:cSld>
     <p:spTree>
@@ -7280,7 +7987,7 @@
         </p:spPr>
         <p:txBody>
           <a:bodyPr>
-            <a:normAutofit fontScale="92500" lnSpcReduction="20000"/>
+            <a:normAutofit/>
           </a:bodyPr>
           <a:lstStyle/>
           <a:p>
@@ -7389,13 +8096,11 @@
             </a:r>
             <a:r>
               <a:rPr lang="en-US" dirty="0" smtClean="0"/>
-              <a:t>revenue for niche applications.</a:t>
-            </a:r>
-          </a:p>
-          <a:p>
-            <a:r>
-              <a:rPr lang="en-US" dirty="0" smtClean="0"/>
-              <a:t>We propose CCI to satisfy both application developers’ and network vendors’ needs.</a:t>
+              <a:t>revenue for niche applications</a:t>
+            </a:r>
+            <a:r>
+              <a:rPr lang="en-US" dirty="0" smtClean="0"/>
+              <a:t>.</a:t>
             </a:r>
           </a:p>
         </p:txBody>
@@ -7410,6 +8115,13 @@
   <p:clrMapOvr>
     <a:masterClrMapping/>
   </p:clrMapOvr>
+  <p:timing>
+    <p:tnLst>
+      <p:par>
+        <p:cTn xmlns:p14="http://schemas.microsoft.com/office/powerpoint/2010/main" id="1" dur="indefinite" restart="never" nodeType="tmRoot"/>
+      </p:par>
+    </p:tnLst>
+  </p:timing>
 </p:sld>
 </file>
 
@@ -7451,383 +8163,104 @@
           <a:lstStyle/>
           <a:p>
             <a:r>
-              <a:rPr lang="en-US" dirty="0" smtClean="0"/>
-              <a:t>Insulation benefits both</a:t>
-            </a:r>
-            <a:endParaRPr lang="en-US" dirty="0"/>
-          </a:p>
-        </p:txBody>
-      </p:sp>
-      <p:pic>
-        <p:nvPicPr>
-          <p:cNvPr id="6" name="Picture 5"/>
-          <p:cNvPicPr>
-            <a:picLocks noChangeAspect="1"/>
-          </p:cNvPicPr>
-          <p:nvPr/>
-        </p:nvPicPr>
-        <p:blipFill>
-          <a:blip r:embed="rId2"/>
-          <a:stretch>
-            <a:fillRect/>
-          </a:stretch>
-        </p:blipFill>
+              <a:rPr lang="en-US" dirty="0"/>
+              <a:t>Sockets</a:t>
+            </a:r>
+          </a:p>
+        </p:txBody>
+      </p:sp>
+      <p:sp>
+        <p:nvSpPr>
+          <p:cNvPr id="3" name="Content Placeholder 2"/>
+          <p:cNvSpPr>
+            <a:spLocks noGrp="1"/>
+          </p:cNvSpPr>
+          <p:nvPr>
+            <p:ph idx="1"/>
+          </p:nvPr>
+        </p:nvSpPr>
         <p:spPr>
           <a:xfrm>
-            <a:off x="700718" y="1547521"/>
-            <a:ext cx="1171689" cy="726447"/>
+            <a:off x="111204" y="1069474"/>
+            <a:ext cx="8229600" cy="5523831"/>
           </a:xfrm>
-          <a:prstGeom prst="rect">
-            <a:avLst/>
-          </a:prstGeom>
         </p:spPr>
-      </p:pic>
-      <p:pic>
-        <p:nvPicPr>
-          <p:cNvPr id="7" name="Picture 6"/>
-          <p:cNvPicPr>
-            <a:picLocks noChangeAspect="1"/>
-          </p:cNvPicPr>
-          <p:nvPr/>
-        </p:nvPicPr>
-        <p:blipFill>
-          <a:blip r:embed="rId3"/>
-          <a:stretch>
-            <a:fillRect/>
-          </a:stretch>
-        </p:blipFill>
-        <p:spPr>
-          <a:xfrm>
-            <a:off x="2689192" y="5726501"/>
-            <a:ext cx="2974943" cy="939966"/>
-          </a:xfrm>
-          <a:prstGeom prst="rect">
-            <a:avLst/>
-          </a:prstGeom>
-        </p:spPr>
-      </p:pic>
-      <p:pic>
-        <p:nvPicPr>
-          <p:cNvPr id="9" name="Picture 8"/>
-          <p:cNvPicPr>
-            <a:picLocks noChangeAspect="1"/>
-          </p:cNvPicPr>
-          <p:nvPr/>
-        </p:nvPicPr>
-        <p:blipFill>
-          <a:blip r:embed="rId4"/>
-          <a:stretch>
-            <a:fillRect/>
-          </a:stretch>
-        </p:blipFill>
-        <p:spPr>
-          <a:xfrm>
-            <a:off x="2052174" y="1109543"/>
-            <a:ext cx="1056231" cy="758139"/>
-          </a:xfrm>
-          <a:prstGeom prst="rect">
-            <a:avLst/>
-          </a:prstGeom>
-        </p:spPr>
-      </p:pic>
-      <p:pic>
-        <p:nvPicPr>
-          <p:cNvPr id="10" name="Picture 9"/>
-          <p:cNvPicPr>
-            <a:picLocks noChangeAspect="1"/>
-          </p:cNvPicPr>
-          <p:nvPr/>
-        </p:nvPicPr>
-        <p:blipFill>
-          <a:blip r:embed="rId5"/>
-          <a:stretch>
-            <a:fillRect/>
-          </a:stretch>
-        </p:blipFill>
-        <p:spPr>
-          <a:xfrm>
-            <a:off x="7243430" y="1305127"/>
-            <a:ext cx="1900570" cy="1030531"/>
-          </a:xfrm>
-          <a:prstGeom prst="rect">
-            <a:avLst/>
-          </a:prstGeom>
-        </p:spPr>
-      </p:pic>
-      <p:pic>
-        <p:nvPicPr>
-          <p:cNvPr id="11" name="Picture 10"/>
-          <p:cNvPicPr>
-            <a:picLocks noChangeAspect="1"/>
-          </p:cNvPicPr>
-          <p:nvPr/>
-        </p:nvPicPr>
-        <p:blipFill>
-          <a:blip r:embed="rId6"/>
-          <a:stretch>
-            <a:fillRect/>
-          </a:stretch>
-        </p:blipFill>
-        <p:spPr>
-          <a:xfrm>
-            <a:off x="5853911" y="1078862"/>
-            <a:ext cx="1532822" cy="1282565"/>
-          </a:xfrm>
-          <a:prstGeom prst="rect">
-            <a:avLst/>
-          </a:prstGeom>
-        </p:spPr>
-      </p:pic>
-      <p:pic>
-        <p:nvPicPr>
-          <p:cNvPr id="13" name="Picture 12"/>
-          <p:cNvPicPr>
-            <a:picLocks noChangeAspect="1"/>
-          </p:cNvPicPr>
-          <p:nvPr/>
-        </p:nvPicPr>
-        <p:blipFill>
-          <a:blip r:embed="rId7"/>
-          <a:stretch>
-            <a:fillRect/>
-          </a:stretch>
-        </p:blipFill>
-        <p:spPr>
-          <a:xfrm>
-            <a:off x="2579091" y="4116991"/>
-            <a:ext cx="3171850" cy="1585925"/>
-          </a:xfrm>
-          <a:prstGeom prst="rect">
-            <a:avLst/>
-          </a:prstGeom>
-        </p:spPr>
-      </p:pic>
-      <p:pic>
-        <p:nvPicPr>
-          <p:cNvPr id="14" name="Picture 13"/>
-          <p:cNvPicPr>
-            <a:picLocks noChangeAspect="1"/>
-          </p:cNvPicPr>
-          <p:nvPr/>
-        </p:nvPicPr>
-        <p:blipFill>
-          <a:blip r:embed="rId8"/>
-          <a:stretch>
-            <a:fillRect/>
-          </a:stretch>
-        </p:blipFill>
-        <p:spPr>
-          <a:xfrm>
-            <a:off x="5554200" y="4657237"/>
-            <a:ext cx="1161010" cy="1109179"/>
-          </a:xfrm>
-          <a:prstGeom prst="rect">
-            <a:avLst/>
-          </a:prstGeom>
-        </p:spPr>
-      </p:pic>
-      <p:pic>
-        <p:nvPicPr>
-          <p:cNvPr id="12" name="Picture 11"/>
-          <p:cNvPicPr>
-            <a:picLocks noChangeAspect="1"/>
-          </p:cNvPicPr>
-          <p:nvPr/>
-        </p:nvPicPr>
-        <p:blipFill>
-          <a:blip r:embed="rId9"/>
-          <a:stretch>
-            <a:fillRect/>
-          </a:stretch>
-        </p:blipFill>
-        <p:spPr>
-          <a:xfrm>
-            <a:off x="1688293" y="4657163"/>
-            <a:ext cx="1068157" cy="1003699"/>
-          </a:xfrm>
-          <a:prstGeom prst="rect">
-            <a:avLst/>
-          </a:prstGeom>
-        </p:spPr>
-      </p:pic>
-      <p:pic>
-        <p:nvPicPr>
-          <p:cNvPr id="17" name="Picture 16" descr="Fig4_5.jpg"/>
-          <p:cNvPicPr/>
-          <p:nvPr/>
-        </p:nvPicPr>
-        <p:blipFill>
-          <a:blip r:embed="rId10"/>
-          <a:stretch>
-            <a:fillRect/>
-          </a:stretch>
-        </p:blipFill>
-        <p:spPr>
-          <a:xfrm>
-            <a:off x="4057297" y="1182540"/>
-            <a:ext cx="1700375" cy="1242071"/>
-          </a:xfrm>
-          <a:prstGeom prst="rect">
-            <a:avLst/>
-          </a:prstGeom>
-        </p:spPr>
-      </p:pic>
-      <p:pic>
-        <p:nvPicPr>
-          <p:cNvPr id="18" name="Picture 17"/>
-          <p:cNvPicPr>
-            <a:picLocks noChangeAspect="1"/>
-          </p:cNvPicPr>
-          <p:nvPr/>
-        </p:nvPicPr>
-        <p:blipFill>
-          <a:blip r:embed="rId11"/>
-          <a:stretch>
-            <a:fillRect/>
-          </a:stretch>
-        </p:blipFill>
-        <p:spPr>
-          <a:xfrm>
-            <a:off x="6992578" y="5132392"/>
-            <a:ext cx="1832126" cy="1246115"/>
-          </a:xfrm>
-          <a:prstGeom prst="rect">
-            <a:avLst/>
-          </a:prstGeom>
-        </p:spPr>
-      </p:pic>
-      <p:pic>
-        <p:nvPicPr>
-          <p:cNvPr id="19" name="Picture 18"/>
-          <p:cNvPicPr>
-            <a:picLocks noChangeAspect="1"/>
-          </p:cNvPicPr>
-          <p:nvPr/>
-        </p:nvPicPr>
-        <p:blipFill>
-          <a:blip r:embed="rId12"/>
-          <a:stretch>
-            <a:fillRect/>
-          </a:stretch>
-        </p:blipFill>
-        <p:spPr>
-          <a:xfrm>
-            <a:off x="504370" y="4934547"/>
-            <a:ext cx="1067130" cy="1370965"/>
-          </a:xfrm>
-          <a:prstGeom prst="rect">
-            <a:avLst/>
-          </a:prstGeom>
-        </p:spPr>
-      </p:pic>
-      <p:pic>
-        <p:nvPicPr>
-          <p:cNvPr id="20" name="Picture 19"/>
-          <p:cNvPicPr>
-            <a:picLocks noChangeAspect="1"/>
-          </p:cNvPicPr>
-          <p:nvPr/>
-        </p:nvPicPr>
-        <p:blipFill>
-          <a:blip r:embed="rId13"/>
-          <a:stretch>
-            <a:fillRect/>
-          </a:stretch>
-        </p:blipFill>
-        <p:spPr>
-          <a:xfrm>
-            <a:off x="3451359" y="2559551"/>
-            <a:ext cx="1964605" cy="1851262"/>
-          </a:xfrm>
-          <a:prstGeom prst="rect">
-            <a:avLst/>
-          </a:prstGeom>
-        </p:spPr>
-      </p:pic>
-      <p:pic>
-        <p:nvPicPr>
-          <p:cNvPr id="21" name="Picture 20" descr="Gasifier_Ts_tn.png"/>
-          <p:cNvPicPr/>
-          <p:nvPr/>
-        </p:nvPicPr>
-        <p:blipFill>
-          <a:blip r:embed="rId14"/>
-          <a:stretch>
-            <a:fillRect/>
-          </a:stretch>
-        </p:blipFill>
-        <p:spPr>
-          <a:xfrm>
-            <a:off x="3313811" y="1776492"/>
-            <a:ext cx="872745" cy="872745"/>
-          </a:xfrm>
-          <a:prstGeom prst="rect">
-            <a:avLst/>
-          </a:prstGeom>
-        </p:spPr>
-      </p:pic>
-      <p:sp>
-        <p:nvSpPr>
-          <p:cNvPr id="22" name="TextBox 21"/>
-          <p:cNvSpPr txBox="1"/>
-          <p:nvPr/>
-        </p:nvSpPr>
-        <p:spPr>
-          <a:xfrm>
-            <a:off x="452547" y="2423476"/>
-            <a:ext cx="2558450" cy="369332"/>
-          </a:xfrm>
-          <a:prstGeom prst="rect">
-            <a:avLst/>
-          </a:prstGeom>
-          <a:noFill/>
-        </p:spPr>
-        <p:txBody>
-          <a:bodyPr wrap="none" rtlCol="0">
-            <a:spAutoFit/>
+        <p:txBody>
+          <a:bodyPr>
+            <a:normAutofit/>
           </a:bodyPr>
           <a:lstStyle/>
           <a:p>
             <a:r>
-              <a:rPr lang="en-US" dirty="0" smtClean="0"/>
-              <a:t>Application Developers</a:t>
-            </a:r>
-          </a:p>
-        </p:txBody>
-      </p:sp>
-      <p:sp>
-        <p:nvSpPr>
-          <p:cNvPr id="23" name="TextBox 22"/>
-          <p:cNvSpPr txBox="1"/>
-          <p:nvPr/>
-        </p:nvSpPr>
-        <p:spPr>
-          <a:xfrm>
-            <a:off x="6397297" y="4225593"/>
-            <a:ext cx="2569934" cy="646331"/>
-          </a:xfrm>
-          <a:prstGeom prst="rect">
-            <a:avLst/>
-          </a:prstGeom>
-          <a:noFill/>
-        </p:spPr>
-        <p:txBody>
-          <a:bodyPr wrap="none" rtlCol="0">
-            <a:spAutoFit/>
-          </a:bodyPr>
-          <a:lstStyle/>
-          <a:p>
-            <a:pPr algn="ctr"/>
-            <a:r>
-              <a:rPr lang="en-US" dirty="0" smtClean="0"/>
-              <a:t>Networking Technology</a:t>
-            </a:r>
-          </a:p>
-          <a:p>
-            <a:pPr algn="ctr"/>
-            <a:r>
-              <a:rPr lang="en-US" dirty="0" smtClean="0"/>
-              <a:t>Vendors</a:t>
+              <a:rPr lang="en-US" dirty="0"/>
+              <a:t>Most widely used</a:t>
+            </a:r>
+          </a:p>
+          <a:p>
+            <a:pPr lvl="1"/>
+            <a:r>
+              <a:rPr lang="en-US" dirty="0"/>
+              <a:t>Simple API</a:t>
+            </a:r>
+          </a:p>
+          <a:p>
+            <a:pPr lvl="1"/>
+            <a:r>
+              <a:rPr lang="en-US" dirty="0"/>
+              <a:t>Robustness (failure tolerant)</a:t>
+            </a:r>
+          </a:p>
+          <a:p>
+            <a:pPr lvl="1"/>
+            <a:r>
+              <a:rPr lang="en-US" dirty="0"/>
+              <a:t>Implicit </a:t>
+            </a:r>
+            <a:r>
+              <a:rPr lang="en-US" dirty="0" smtClean="0"/>
+              <a:t>buffering</a:t>
+            </a:r>
+          </a:p>
+          <a:p>
+            <a:pPr lvl="1"/>
+            <a:r>
+              <a:rPr lang="en-US" dirty="0" smtClean="0"/>
+              <a:t>Ubiquitous </a:t>
+            </a:r>
+            <a:endParaRPr lang="en-US" dirty="0"/>
+          </a:p>
+          <a:p>
+            <a:r>
+              <a:rPr lang="en-US" dirty="0" smtClean="0"/>
+              <a:t>Unable to exploit many of the features of current-generation networking technologies </a:t>
+            </a:r>
+          </a:p>
+          <a:p>
+            <a:pPr lvl="1"/>
+            <a:r>
+              <a:rPr lang="en-US" dirty="0" smtClean="0"/>
+              <a:t>Cannot support zero-copy</a:t>
+            </a:r>
+          </a:p>
+          <a:p>
+            <a:pPr lvl="1"/>
+            <a:r>
+              <a:rPr lang="en-US" dirty="0" smtClean="0"/>
+              <a:t>Does not scale</a:t>
+            </a:r>
+          </a:p>
+          <a:p>
+            <a:pPr lvl="2"/>
+            <a:r>
+              <a:rPr lang="en-US" dirty="0" smtClean="0"/>
+              <a:t>In time: linear polling or interrupts.</a:t>
+            </a:r>
+          </a:p>
+          <a:p>
+            <a:pPr lvl="2"/>
+            <a:r>
+              <a:rPr lang="en-US" dirty="0" smtClean="0"/>
+              <a:t>In space: per socket resources.</a:t>
             </a:r>
           </a:p>
         </p:txBody>
@@ -7835,13 +8268,20 @@
     </p:spTree>
     <p:extLst>
       <p:ext uri="{BB962C8B-B14F-4D97-AF65-F5344CB8AC3E}">
-        <p14:creationId xmlns:p14="http://schemas.microsoft.com/office/powerpoint/2010/main" val="3055540685"/>
+        <p14:creationId xmlns:p14="http://schemas.microsoft.com/office/powerpoint/2010/main" val="3932495684"/>
       </p:ext>
     </p:extLst>
   </p:cSld>
   <p:clrMapOvr>
     <a:masterClrMapping/>
   </p:clrMapOvr>
+  <p:timing>
+    <p:tnLst>
+      <p:par>
+        <p:cTn xmlns:p14="http://schemas.microsoft.com/office/powerpoint/2010/main" id="1" dur="indefinite" restart="never" nodeType="tmRoot"/>
+      </p:par>
+    </p:tnLst>
+  </p:timing>
 </p:sld>
 </file>
 
@@ -7875,7 +8315,7 @@
         <p:spPr>
           <a:xfrm>
             <a:off x="111098" y="152400"/>
-            <a:ext cx="8229600" cy="487954"/>
+            <a:ext cx="8229600" cy="496290"/>
           </a:xfrm>
         </p:spPr>
         <p:txBody>
@@ -7883,18 +8323,9 @@
           <a:lstStyle/>
           <a:p>
             <a:r>
-              <a:rPr lang="en-US" dirty="0" smtClean="0"/>
-              <a:t>CCI </a:t>
-            </a:r>
-            <a:r>
-              <a:rPr lang="en-US" dirty="0"/>
-              <a:t>d</a:t>
-            </a:r>
-            <a:r>
-              <a:rPr lang="en-US" dirty="0" smtClean="0"/>
-              <a:t>esign goals </a:t>
-            </a:r>
-            <a:endParaRPr lang="en-US" dirty="0"/>
+              <a:rPr lang="en-US" dirty="0"/>
+              <a:t>MPI</a:t>
+            </a:r>
           </a:p>
         </p:txBody>
       </p:sp>
@@ -7910,142 +8341,105 @@
         </p:nvSpPr>
         <p:spPr>
           <a:xfrm>
-            <a:off x="111204" y="1002633"/>
-            <a:ext cx="8229600" cy="5550568"/>
+            <a:off x="111204" y="987928"/>
+            <a:ext cx="8229600" cy="4976234"/>
           </a:xfrm>
+          <a:ln>
+            <a:noFill/>
+          </a:ln>
         </p:spPr>
         <p:txBody>
-          <a:bodyPr>
-            <a:normAutofit fontScale="92500" lnSpcReduction="10000"/>
-          </a:bodyPr>
+          <a:bodyPr/>
           <a:lstStyle/>
           <a:p>
             <a:r>
-              <a:rPr lang="en-US" dirty="0"/>
-              <a:t>Performance</a:t>
-            </a:r>
-          </a:p>
-          <a:p>
-            <a:pPr lvl="1"/>
-            <a:r>
-              <a:rPr lang="en-US" dirty="0"/>
-              <a:t>Utilize OS-</a:t>
-            </a:r>
-            <a:r>
-              <a:rPr lang="en-US" dirty="0" smtClean="0"/>
-              <a:t>bypass, </a:t>
-            </a:r>
-            <a:r>
-              <a:rPr lang="en-US" dirty="0"/>
-              <a:t>zero-copy, one-sided, asynchronous </a:t>
-            </a:r>
-            <a:r>
-              <a:rPr lang="en-US" dirty="0" smtClean="0"/>
-              <a:t>operations if available.</a:t>
-            </a:r>
-          </a:p>
-          <a:p>
-            <a:pPr lvl="1"/>
-            <a:r>
-              <a:rPr lang="en-US" dirty="0" smtClean="0"/>
-              <a:t>Performance portable across host-based implementations and high-end offloaded implementations.</a:t>
+              <a:rPr lang="en-US" sz="2400" dirty="0" smtClean="0"/>
+              <a:t>Designed as a bridge between application developers’ and network vendors’ needs in the High Performance Computing market </a:t>
+            </a:r>
+          </a:p>
+          <a:p>
+            <a:pPr lvl="1"/>
+            <a:r>
+              <a:rPr lang="en-US" sz="2000" dirty="0" smtClean="0"/>
+              <a:t>Standardization began nearly two decades  ago </a:t>
+            </a:r>
+            <a:endParaRPr lang="en-US" sz="2000" dirty="0"/>
+          </a:p>
+          <a:p>
+            <a:r>
+              <a:rPr lang="en-US" sz="2400" dirty="0" smtClean="0"/>
+              <a:t>MPI is the de-facto standard in HPC, Why not elsewhere?</a:t>
+            </a:r>
+          </a:p>
+          <a:p>
+            <a:pPr lvl="1"/>
+            <a:r>
+              <a:rPr lang="en-US" sz="2000" dirty="0" smtClean="0"/>
+              <a:t>High level of complexity </a:t>
+            </a:r>
+          </a:p>
+          <a:p>
+            <a:pPr lvl="2"/>
+            <a:r>
+              <a:rPr lang="en-US" dirty="0" smtClean="0"/>
+              <a:t>200+ functions in MPI-1, 300+ in MPI-2</a:t>
+            </a:r>
+          </a:p>
+          <a:p>
+            <a:pPr lvl="1"/>
+            <a:r>
+              <a:rPr lang="en-US" sz="2000" dirty="0" smtClean="0"/>
+              <a:t>Original standard ignored dynamic environments</a:t>
+            </a:r>
+          </a:p>
+          <a:p>
+            <a:pPr lvl="2"/>
+            <a:r>
+              <a:rPr lang="en-US" dirty="0" smtClean="0"/>
+              <a:t>Added later but not widely adopted </a:t>
             </a:r>
             <a:endParaRPr lang="en-US" dirty="0"/>
           </a:p>
           <a:p>
-            <a:r>
-              <a:rPr lang="en-US" dirty="0"/>
-              <a:t>Portability</a:t>
-            </a:r>
-          </a:p>
-          <a:p>
-            <a:pPr lvl="1"/>
-            <a:r>
-              <a:rPr lang="en-US" dirty="0"/>
-              <a:t>Developers have limited </a:t>
-            </a:r>
-            <a:r>
-              <a:rPr lang="en-US" dirty="0" smtClean="0"/>
-              <a:t>resources.</a:t>
+            <a:pPr lvl="1"/>
+            <a:r>
+              <a:rPr lang="en-US" sz="2000" dirty="0" smtClean="0"/>
+              <a:t>Rigid </a:t>
+            </a:r>
+            <a:r>
+              <a:rPr lang="en-US" sz="2000" dirty="0"/>
+              <a:t>fault </a:t>
+            </a:r>
+            <a:r>
+              <a:rPr lang="en-US" sz="2000" dirty="0" smtClean="0"/>
+              <a:t>model</a:t>
+            </a:r>
+          </a:p>
+          <a:p>
+            <a:pPr lvl="2"/>
+            <a:r>
+              <a:rPr lang="en-US" dirty="0" smtClean="0"/>
+              <a:t>Common fault case is abort execution of entire distributed application </a:t>
+            </a:r>
+          </a:p>
+          <a:p>
+            <a:pPr lvl="2"/>
+            <a:r>
+              <a:rPr lang="en-US" dirty="0" smtClean="0"/>
+              <a:t>Robust fault tolerance requires use of MPI dynamic process management (see above) </a:t>
             </a:r>
             <a:endParaRPr lang="en-US" dirty="0"/>
           </a:p>
           <a:p>
             <a:pPr lvl="1"/>
-            <a:r>
-              <a:rPr lang="en-US" dirty="0"/>
-              <a:t>Provide common </a:t>
-            </a:r>
-            <a:r>
-              <a:rPr lang="en-US" dirty="0" smtClean="0"/>
-              <a:t>abstraction across a wide-variety of networking technologies.</a:t>
-            </a:r>
-            <a:endParaRPr lang="en-US" dirty="0"/>
-          </a:p>
-          <a:p>
-            <a:pPr lvl="1"/>
-            <a:r>
-              <a:rPr lang="en-US" dirty="0"/>
-              <a:t>Avoid vendor lock-</a:t>
-            </a:r>
-            <a:r>
-              <a:rPr lang="en-US" dirty="0" smtClean="0"/>
-              <a:t>in through a vendor neutral API.</a:t>
-            </a:r>
-            <a:endParaRPr lang="en-US" dirty="0"/>
-          </a:p>
-          <a:p>
-            <a:r>
-              <a:rPr lang="en-US" dirty="0"/>
-              <a:t>Simplicity</a:t>
-            </a:r>
-          </a:p>
-          <a:p>
-            <a:pPr lvl="1"/>
-            <a:r>
-              <a:rPr lang="en-US" dirty="0"/>
-              <a:t>Must not be so complicated that only experts can use </a:t>
-            </a:r>
-            <a:r>
-              <a:rPr lang="en-US" dirty="0" smtClean="0"/>
-              <a:t>it.</a:t>
-            </a:r>
-            <a:endParaRPr lang="en-US" dirty="0"/>
-          </a:p>
-          <a:p>
-            <a:pPr lvl="1"/>
-            <a:r>
-              <a:rPr lang="en-US" dirty="0" smtClean="0"/>
-              <a:t>Provide the </a:t>
-            </a:r>
-            <a:r>
-              <a:rPr lang="en-US" dirty="0"/>
-              <a:t>right balance of </a:t>
-            </a:r>
-            <a:r>
-              <a:rPr lang="en-US" dirty="0" smtClean="0"/>
-              <a:t>functionality without sacrificing simplicity.</a:t>
-            </a:r>
-            <a:endParaRPr lang="en-US" dirty="0"/>
-          </a:p>
-          <a:p>
-            <a:pPr lvl="1"/>
-            <a:r>
-              <a:rPr lang="en-US" dirty="0"/>
-              <a:t>Complexity tends to increase code size and maintenance </a:t>
-            </a:r>
-            <a:r>
-              <a:rPr lang="en-US" dirty="0" smtClean="0"/>
-              <a:t>cost.</a:t>
-            </a:r>
-            <a:endParaRPr lang="en-US" dirty="0"/>
+            <a:endParaRPr lang="en-US" sz="2100" dirty="0"/>
           </a:p>
         </p:txBody>
       </p:sp>
     </p:spTree>
     <p:extLst>
       <p:ext uri="{BB962C8B-B14F-4D97-AF65-F5344CB8AC3E}">
-        <p14:creationId xmlns:p14="http://schemas.microsoft.com/office/powerpoint/2010/main" val="2649674716"/>
+        <p14:creationId xmlns:p14="http://schemas.microsoft.com/office/powerpoint/2010/main" val="2790947775"/>
       </p:ext>
     </p:extLst>
   </p:cSld>
@@ -8096,7 +8490,7 @@
           <a:p>
             <a:r>
               <a:rPr lang="en-US" dirty="0" smtClean="0"/>
-              <a:t>CCI design goals</a:t>
+              <a:t>Specialized APIs abound</a:t>
             </a:r>
             <a:endParaRPr lang="en-US" dirty="0"/>
           </a:p>
@@ -8109,81 +8503,210 @@
             <a:spLocks noGrp="1"/>
           </p:cNvSpPr>
           <p:nvPr>
-            <p:ph idx="1"/>
-          </p:nvPr>
-        </p:nvSpPr>
-        <p:spPr>
-          <a:xfrm>
-            <a:off x="111204" y="1125025"/>
-            <a:ext cx="8229600" cy="4557145"/>
-          </a:xfrm>
-        </p:spPr>
-        <p:txBody>
-          <a:bodyPr/>
+            <p:ph sz="half" idx="1"/>
+          </p:nvPr>
+        </p:nvSpPr>
+        <p:spPr/>
+        <p:txBody>
+          <a:bodyPr>
+            <a:normAutofit fontScale="77500" lnSpcReduction="20000"/>
+          </a:bodyPr>
           <a:lstStyle/>
           <a:p>
             <a:r>
-              <a:rPr lang="en-US" dirty="0" smtClean="0"/>
-              <a:t>Scalability</a:t>
-            </a:r>
-          </a:p>
-          <a:p>
-            <a:pPr lvl="1"/>
-            <a:r>
-              <a:rPr lang="en-US" dirty="0"/>
-              <a:t>Dynamic process </a:t>
-            </a:r>
-            <a:r>
-              <a:rPr lang="en-US" dirty="0" smtClean="0"/>
-              <a:t>management: peers </a:t>
-            </a:r>
-            <a:r>
-              <a:rPr lang="en-US" dirty="0"/>
-              <a:t>come and go – not statically known a priori</a:t>
+              <a:rPr lang="en-US" dirty="0"/>
+              <a:t>OFA </a:t>
+            </a:r>
+            <a:r>
+              <a:rPr lang="en-US" dirty="0" smtClean="0"/>
+              <a:t>Verbs </a:t>
+            </a:r>
+          </a:p>
+          <a:p>
+            <a:pPr lvl="1"/>
+            <a:r>
+              <a:rPr lang="en-US" dirty="0" smtClean="0"/>
+              <a:t>High level of complexity, vendor lock-in is a concern</a:t>
+            </a:r>
+            <a:endParaRPr lang="en-US" dirty="0"/>
+          </a:p>
+          <a:p>
+            <a:r>
+              <a:rPr lang="en-US" dirty="0"/>
+              <a:t>Cray/Sandia’s </a:t>
+            </a:r>
+            <a:r>
+              <a:rPr lang="en-US" dirty="0" smtClean="0"/>
+              <a:t>Portals</a:t>
+            </a:r>
+          </a:p>
+          <a:p>
+            <a:pPr lvl="1"/>
+            <a:r>
+              <a:rPr lang="en-US" dirty="0" smtClean="0"/>
+              <a:t>Highly specialized interface targeted towards HPC (MPI, SHMEM, UPC)</a:t>
+            </a:r>
+            <a:endParaRPr lang="en-US" dirty="0"/>
+          </a:p>
+          <a:p>
+            <a:r>
+              <a:rPr lang="en-US" dirty="0"/>
+              <a:t>Qlogics’s </a:t>
+            </a:r>
+            <a:r>
+              <a:rPr lang="en-US" dirty="0" smtClean="0"/>
+              <a:t>PSM</a:t>
+            </a:r>
+          </a:p>
+          <a:p>
+            <a:pPr lvl="1"/>
+            <a:r>
+              <a:rPr lang="en-US" dirty="0" smtClean="0"/>
+              <a:t>Highly specialized interface targeted towards MPI </a:t>
+            </a:r>
+            <a:endParaRPr lang="en-US" dirty="0"/>
+          </a:p>
+          <a:p>
+            <a:r>
+              <a:rPr lang="en-US" dirty="0"/>
+              <a:t>Myricom’s </a:t>
+            </a:r>
+            <a:r>
+              <a:rPr lang="en-US" dirty="0" smtClean="0"/>
+              <a:t>MX</a:t>
+            </a:r>
+          </a:p>
+          <a:p>
+            <a:pPr lvl="1"/>
+            <a:r>
+              <a:rPr lang="en-US" dirty="0"/>
+              <a:t>Highly specialized interface targeted towards MPI </a:t>
+            </a:r>
+            <a:endParaRPr lang="en-US" dirty="0" smtClean="0"/>
+          </a:p>
+          <a:p>
+            <a:r>
+              <a:rPr lang="en-US" dirty="0"/>
+              <a:t>IBM’s LAPI and DCMF</a:t>
+            </a:r>
+          </a:p>
+          <a:p>
+            <a:pPr lvl="1"/>
+            <a:r>
+              <a:rPr lang="en-US" dirty="0"/>
+              <a:t>Limited support outside of IBM network </a:t>
+            </a:r>
+            <a:r>
+              <a:rPr lang="en-US" dirty="0" smtClean="0"/>
+              <a:t>technologies</a:t>
+            </a:r>
+            <a:endParaRPr lang="en-US" dirty="0"/>
+          </a:p>
+        </p:txBody>
+      </p:sp>
+      <p:sp>
+        <p:nvSpPr>
+          <p:cNvPr id="6" name="Content Placeholder 5"/>
+          <p:cNvSpPr>
+            <a:spLocks noGrp="1"/>
+          </p:cNvSpPr>
+          <p:nvPr>
+            <p:ph sz="half" idx="2"/>
+          </p:nvPr>
+        </p:nvSpPr>
+        <p:spPr/>
+        <p:txBody>
+          <a:bodyPr>
+            <a:normAutofit fontScale="77500" lnSpcReduction="20000"/>
+          </a:bodyPr>
+          <a:lstStyle/>
+          <a:p>
+            <a:r>
+              <a:rPr lang="en-US" dirty="0"/>
+              <a:t>DAPL</a:t>
+            </a:r>
+          </a:p>
+          <a:p>
+            <a:pPr lvl="1"/>
+            <a:r>
+              <a:rPr lang="en-US" dirty="0"/>
+              <a:t>Limited support outside of </a:t>
+            </a:r>
+            <a:r>
+              <a:rPr lang="en-US" dirty="0" err="1"/>
+              <a:t>iWARP</a:t>
+            </a:r>
+            <a:r>
+              <a:rPr lang="en-US" dirty="0"/>
+              <a:t> capable devices </a:t>
+            </a:r>
+          </a:p>
+          <a:p>
+            <a:r>
+              <a:rPr lang="en-US" dirty="0" smtClean="0"/>
+              <a:t>LBL’s </a:t>
+            </a:r>
+            <a:r>
+              <a:rPr lang="en-US" dirty="0" err="1"/>
+              <a:t>GASnet</a:t>
+            </a:r>
+            <a:endParaRPr lang="en-US" dirty="0"/>
+          </a:p>
+          <a:p>
+            <a:pPr lvl="1"/>
+            <a:r>
+              <a:rPr lang="en-US" dirty="0"/>
+              <a:t>Designed specifically for the needs of UPC</a:t>
+            </a:r>
+          </a:p>
+          <a:p>
+            <a:r>
+              <a:rPr lang="en-US" dirty="0" smtClean="0"/>
+              <a:t>ARMCI</a:t>
+            </a:r>
+            <a:endParaRPr lang="en-US" dirty="0"/>
+          </a:p>
+          <a:p>
+            <a:pPr lvl="1"/>
+            <a:r>
+              <a:rPr lang="en-US" dirty="0"/>
+              <a:t>Designed specifically for the needs of Global Arrays</a:t>
+            </a:r>
+          </a:p>
+          <a:p>
+            <a:r>
+              <a:rPr lang="en-US" dirty="0"/>
+              <a:t>LNET</a:t>
+            </a:r>
+          </a:p>
+          <a:p>
+            <a:pPr lvl="1"/>
+            <a:r>
+              <a:rPr lang="en-US" dirty="0"/>
+              <a:t> Designed specifically for the needs of </a:t>
+            </a:r>
+            <a:r>
+              <a:rPr lang="en-US" dirty="0" err="1"/>
+              <a:t>Lustre</a:t>
             </a:r>
             <a:r>
               <a:rPr lang="en-US" dirty="0" smtClean="0"/>
               <a:t>.</a:t>
             </a:r>
+          </a:p>
+          <a:p>
+            <a:r>
+              <a:rPr lang="en-US" dirty="0" smtClean="0"/>
+              <a:t>BMI</a:t>
+            </a:r>
+          </a:p>
+          <a:p>
+            <a:pPr lvl="1"/>
+            <a:r>
+              <a:rPr lang="en-US" dirty="0" smtClean="0"/>
+              <a:t>Designed specifically for the needs of PVFS</a:t>
+            </a:r>
             <a:endParaRPr lang="en-US" dirty="0"/>
-          </a:p>
-          <a:p>
-            <a:pPr lvl="1"/>
-            <a:r>
-              <a:rPr lang="en-US" dirty="0"/>
-              <a:t>Approaching 10^6 nodes and 10^9 cores.</a:t>
-            </a:r>
-          </a:p>
-          <a:p>
-            <a:pPr lvl="1"/>
-            <a:r>
-              <a:rPr lang="en-US" dirty="0"/>
-              <a:t>Time (polling) and space (buffer) cannot grow linearly with number of peers</a:t>
-            </a:r>
-            <a:r>
-              <a:rPr lang="en-US" dirty="0" smtClean="0"/>
-              <a:t>.</a:t>
-            </a:r>
-          </a:p>
-          <a:p>
-            <a:r>
-              <a:rPr lang="en-US" dirty="0" smtClean="0"/>
-              <a:t>Robustness</a:t>
-            </a:r>
-          </a:p>
-          <a:p>
-            <a:pPr lvl="1"/>
-            <a:r>
-              <a:rPr lang="en-US" dirty="0"/>
-              <a:t>Failures increase with component count.</a:t>
-            </a:r>
-          </a:p>
-          <a:p>
-            <a:pPr lvl="1"/>
-            <a:r>
-              <a:rPr lang="en-US" dirty="0"/>
-              <a:t>Need to contain faults to a single peer (i.e. fault isolation).</a:t>
-            </a:r>
           </a:p>
           <a:p>
             <a:endParaRPr lang="en-US" dirty="0"/>
@@ -8193,13 +8716,20 @@
     </p:spTree>
     <p:extLst>
       <p:ext uri="{BB962C8B-B14F-4D97-AF65-F5344CB8AC3E}">
-        <p14:creationId xmlns:p14="http://schemas.microsoft.com/office/powerpoint/2010/main" val="779400986"/>
+        <p14:creationId xmlns:p14="http://schemas.microsoft.com/office/powerpoint/2010/main" val="3718705044"/>
       </p:ext>
     </p:extLst>
   </p:cSld>
   <p:clrMapOvr>
     <a:masterClrMapping/>
   </p:clrMapOvr>
+  <p:timing>
+    <p:tnLst>
+      <p:par>
+        <p:cTn xmlns:p14="http://schemas.microsoft.com/office/powerpoint/2010/main" id="1" dur="indefinite" restart="never" nodeType="tmRoot"/>
+      </p:par>
+    </p:tnLst>
+  </p:timing>
 </p:sld>
 </file>
 
@@ -8222,7 +8752,7 @@
       </p:grpSpPr>
       <p:sp>
         <p:nvSpPr>
-          <p:cNvPr id="2" name="Title 1"/>
+          <p:cNvPr id="5" name="Title 4"/>
           <p:cNvSpPr>
             <a:spLocks noGrp="1"/>
           </p:cNvSpPr>
@@ -8230,80 +8760,491 @@
             <p:ph type="title"/>
           </p:nvPr>
         </p:nvSpPr>
-        <p:spPr>
-          <a:xfrm>
-            <a:off x="111098" y="152400"/>
-            <a:ext cx="8229600" cy="496290"/>
-          </a:xfrm>
-        </p:spPr>
+        <p:spPr/>
         <p:txBody>
           <a:bodyPr/>
           <a:lstStyle/>
           <a:p>
             <a:r>
               <a:rPr lang="en-US" dirty="0" smtClean="0"/>
-              <a:t>The landscape</a:t>
+              <a:t>Summing up the landscape</a:t>
             </a:r>
             <a:endParaRPr lang="en-US" dirty="0"/>
           </a:p>
         </p:txBody>
       </p:sp>
-      <p:sp>
-        <p:nvSpPr>
-          <p:cNvPr id="3" name="Content Placeholder 2"/>
-          <p:cNvSpPr>
-            <a:spLocks noGrp="1"/>
-          </p:cNvSpPr>
+      <p:graphicFrame>
+        <p:nvGraphicFramePr>
+          <p:cNvPr id="7" name="Content Placeholder 6"/>
+          <p:cNvGraphicFramePr>
+            <a:graphicFrameLocks noGrp="1"/>
+          </p:cNvGraphicFramePr>
           <p:nvPr>
             <p:ph idx="1"/>
-          </p:nvPr>
-        </p:nvSpPr>
-        <p:spPr>
-          <a:xfrm>
-            <a:off x="111204" y="1344823"/>
-            <a:ext cx="8229600" cy="1621982"/>
-          </a:xfrm>
-        </p:spPr>
-        <p:txBody>
-          <a:bodyPr/>
-          <a:lstStyle/>
-          <a:p>
-            <a:r>
-              <a:rPr lang="en-US" dirty="0"/>
-              <a:t>Sockets</a:t>
-            </a:r>
-          </a:p>
-          <a:p>
-            <a:r>
-              <a:rPr lang="en-US" dirty="0"/>
-              <a:t>MPI</a:t>
-            </a:r>
-          </a:p>
-          <a:p>
-            <a:r>
-              <a:rPr lang="en-US" dirty="0"/>
-              <a:t>Specialized</a:t>
-            </a:r>
-          </a:p>
-        </p:txBody>
-      </p:sp>
+            <p:extLst>
+              <p:ext uri="{D42A27DB-BD31-4B8C-83A1-F6EECF244321}">
+                <p14:modId xmlns:p14="http://schemas.microsoft.com/office/powerpoint/2010/main" val="4128391859"/>
+              </p:ext>
+            </p:extLst>
+          </p:nvPr>
+        </p:nvGraphicFramePr>
+        <p:xfrm>
+          <a:off x="387851" y="1337118"/>
+          <a:ext cx="8229600" cy="3904014"/>
+        </p:xfrm>
+        <a:graphic>
+          <a:graphicData uri="http://schemas.openxmlformats.org/drawingml/2006/table">
+            <a:tbl>
+              <a:tblPr firstRow="1" bandRow="1">
+                <a:tableStyleId>{5C22544A-7EE6-4342-B048-85BDC9FD1C3A}</a:tableStyleId>
+              </a:tblPr>
+              <a:tblGrid>
+                <a:gridCol w="2057400"/>
+                <a:gridCol w="2057400"/>
+                <a:gridCol w="2057400"/>
+                <a:gridCol w="2057400"/>
+              </a:tblGrid>
+              <a:tr h="650669">
+                <a:tc>
+                  <a:txBody>
+                    <a:bodyPr/>
+                    <a:lstStyle/>
+                    <a:p>
+                      <a:endParaRPr lang="en-US" sz="2000" dirty="0"/>
+                    </a:p>
+                  </a:txBody>
+                  <a:tcPr anchor="ctr"/>
+                </a:tc>
+                <a:tc>
+                  <a:txBody>
+                    <a:bodyPr/>
+                    <a:lstStyle/>
+                    <a:p>
+                      <a:r>
+                        <a:rPr lang="en-US" sz="2000" dirty="0" smtClean="0"/>
+                        <a:t>Sockets</a:t>
+                      </a:r>
+                      <a:endParaRPr lang="en-US" sz="2000" dirty="0"/>
+                    </a:p>
+                  </a:txBody>
+                  <a:tcPr anchor="ctr"/>
+                </a:tc>
+                <a:tc>
+                  <a:txBody>
+                    <a:bodyPr/>
+                    <a:lstStyle/>
+                    <a:p>
+                      <a:r>
+                        <a:rPr lang="en-US" sz="2000" dirty="0" smtClean="0"/>
+                        <a:t>MPI</a:t>
+                      </a:r>
+                      <a:endParaRPr lang="en-US" sz="2000" dirty="0"/>
+                    </a:p>
+                  </a:txBody>
+                  <a:tcPr anchor="ctr"/>
+                </a:tc>
+                <a:tc>
+                  <a:txBody>
+                    <a:bodyPr/>
+                    <a:lstStyle/>
+                    <a:p>
+                      <a:r>
+                        <a:rPr lang="en-US" sz="2000" dirty="0" smtClean="0"/>
+                        <a:t>Specialized</a:t>
+                      </a:r>
+                      <a:r>
+                        <a:rPr lang="en-US" sz="2000" baseline="0" dirty="0" smtClean="0"/>
+                        <a:t> </a:t>
+                      </a:r>
+                      <a:r>
+                        <a:rPr lang="en-US" sz="2000" dirty="0" smtClean="0"/>
+                        <a:t>APIs</a:t>
+                      </a:r>
+                      <a:endParaRPr lang="en-US" sz="2000" dirty="0"/>
+                    </a:p>
+                  </a:txBody>
+                  <a:tcPr anchor="ctr"/>
+                </a:tc>
+              </a:tr>
+              <a:tr h="650669">
+                <a:tc>
+                  <a:txBody>
+                    <a:bodyPr/>
+                    <a:lstStyle/>
+                    <a:p>
+                      <a:r>
+                        <a:rPr lang="en-US" sz="2000" dirty="0" smtClean="0"/>
+                        <a:t>Portability</a:t>
+                      </a:r>
+                      <a:endParaRPr lang="en-US" sz="2000" dirty="0"/>
+                    </a:p>
+                  </a:txBody>
+                  <a:tcPr anchor="ctr"/>
+                </a:tc>
+                <a:tc>
+                  <a:txBody>
+                    <a:bodyPr/>
+                    <a:lstStyle/>
+                    <a:p>
+                      <a:pPr algn="ctr"/>
+                      <a:r>
+                        <a:rPr lang="en-US" sz="2000" dirty="0" smtClean="0">
+                          <a:latin typeface="Zapf Dingbats"/>
+                          <a:ea typeface="Zapf Dingbats"/>
+                          <a:cs typeface="Zapf Dingbats"/>
+                          <a:sym typeface="Zapf Dingbats"/>
+                        </a:rPr>
+                        <a:t>✔</a:t>
+                      </a:r>
+                      <a:endParaRPr lang="en-US" sz="2000" dirty="0"/>
+                    </a:p>
+                  </a:txBody>
+                  <a:tcPr anchor="ctr"/>
+                </a:tc>
+                <a:tc>
+                  <a:txBody>
+                    <a:bodyPr/>
+                    <a:lstStyle/>
+                    <a:p>
+                      <a:pPr algn="ctr"/>
+                      <a:r>
+                        <a:rPr lang="en-US" sz="2000" dirty="0" smtClean="0">
+                          <a:latin typeface="Zapf Dingbats"/>
+                          <a:ea typeface="Zapf Dingbats"/>
+                          <a:cs typeface="Zapf Dingbats"/>
+                          <a:sym typeface="Zapf Dingbats"/>
+                        </a:rPr>
+                        <a:t>✔</a:t>
+                      </a:r>
+                      <a:endParaRPr lang="en-US" sz="2000" dirty="0"/>
+                    </a:p>
+                  </a:txBody>
+                  <a:tcPr anchor="ctr"/>
+                </a:tc>
+                <a:tc>
+                  <a:txBody>
+                    <a:bodyPr/>
+                    <a:lstStyle/>
+                    <a:p>
+                      <a:pPr algn="ctr"/>
+                      <a:r>
+                        <a:rPr lang="en-US" sz="2000" dirty="0" smtClean="0">
+                          <a:latin typeface="Zapf Dingbats"/>
+                          <a:ea typeface="Zapf Dingbats"/>
+                          <a:cs typeface="Zapf Dingbats"/>
+                          <a:sym typeface="Zapf Dingbats"/>
+                        </a:rPr>
+                        <a:t>✗</a:t>
+                      </a:r>
+                      <a:endParaRPr lang="en-US" sz="2000" dirty="0"/>
+                    </a:p>
+                  </a:txBody>
+                  <a:tcPr anchor="ctr"/>
+                </a:tc>
+              </a:tr>
+              <a:tr h="650669">
+                <a:tc>
+                  <a:txBody>
+                    <a:bodyPr/>
+                    <a:lstStyle/>
+                    <a:p>
+                      <a:r>
+                        <a:rPr lang="en-US" sz="2000" dirty="0" smtClean="0"/>
+                        <a:t>Simplicity</a:t>
+                      </a:r>
+                      <a:endParaRPr lang="en-US" sz="2000" dirty="0"/>
+                    </a:p>
+                  </a:txBody>
+                  <a:tcPr anchor="ctr"/>
+                </a:tc>
+                <a:tc>
+                  <a:txBody>
+                    <a:bodyPr/>
+                    <a:lstStyle/>
+                    <a:p>
+                      <a:pPr algn="ctr"/>
+                      <a:r>
+                        <a:rPr lang="en-US" sz="2000" dirty="0" smtClean="0">
+                          <a:latin typeface="Zapf Dingbats"/>
+                          <a:ea typeface="Zapf Dingbats"/>
+                          <a:cs typeface="Zapf Dingbats"/>
+                          <a:sym typeface="Zapf Dingbats"/>
+                        </a:rPr>
+                        <a:t>✔</a:t>
+                      </a:r>
+                      <a:endParaRPr lang="en-US" sz="2000" dirty="0"/>
+                    </a:p>
+                  </a:txBody>
+                  <a:tcPr anchor="ctr"/>
+                </a:tc>
+                <a:tc>
+                  <a:txBody>
+                    <a:bodyPr/>
+                    <a:lstStyle/>
+                    <a:p>
+                      <a:pPr algn="ctr"/>
+                      <a:r>
+                        <a:rPr lang="en-US" sz="2000" dirty="0" smtClean="0">
+                          <a:latin typeface="Zapf Dingbats"/>
+                          <a:ea typeface="Zapf Dingbats"/>
+                          <a:cs typeface="Zapf Dingbats"/>
+                          <a:sym typeface="Zapf Dingbats"/>
+                        </a:rPr>
+                        <a:t>✗</a:t>
+                      </a:r>
+                      <a:endParaRPr lang="en-US" sz="2000" dirty="0"/>
+                    </a:p>
+                  </a:txBody>
+                  <a:tcPr anchor="ctr"/>
+                </a:tc>
+                <a:tc>
+                  <a:txBody>
+                    <a:bodyPr/>
+                    <a:lstStyle/>
+                    <a:p>
+                      <a:pPr algn="ctr"/>
+                      <a:r>
+                        <a:rPr lang="en-US" sz="2000" dirty="0" smtClean="0"/>
+                        <a:t>Varies</a:t>
+                      </a:r>
+                      <a:endParaRPr lang="en-US" sz="2000" dirty="0"/>
+                    </a:p>
+                  </a:txBody>
+                  <a:tcPr anchor="ctr"/>
+                </a:tc>
+              </a:tr>
+              <a:tr h="650669">
+                <a:tc>
+                  <a:txBody>
+                    <a:bodyPr/>
+                    <a:lstStyle/>
+                    <a:p>
+                      <a:r>
+                        <a:rPr lang="en-US" sz="2000" dirty="0" smtClean="0"/>
+                        <a:t>Performance</a:t>
+                      </a:r>
+                      <a:endParaRPr lang="en-US" sz="2000" dirty="0"/>
+                    </a:p>
+                  </a:txBody>
+                  <a:tcPr anchor="ctr"/>
+                </a:tc>
+                <a:tc>
+                  <a:txBody>
+                    <a:bodyPr/>
+                    <a:lstStyle/>
+                    <a:p>
+                      <a:pPr algn="ctr"/>
+                      <a:r>
+                        <a:rPr lang="en-US" sz="2000" dirty="0" smtClean="0">
+                          <a:latin typeface="Zapf Dingbats"/>
+                          <a:ea typeface="Zapf Dingbats"/>
+                          <a:cs typeface="Zapf Dingbats"/>
+                          <a:sym typeface="Zapf Dingbats"/>
+                        </a:rPr>
+                        <a:t>✗</a:t>
+                      </a:r>
+                      <a:endParaRPr lang="en-US" sz="2000" dirty="0"/>
+                    </a:p>
+                  </a:txBody>
+                  <a:tcPr anchor="ctr"/>
+                </a:tc>
+                <a:tc>
+                  <a:txBody>
+                    <a:bodyPr/>
+                    <a:lstStyle/>
+                    <a:p>
+                      <a:pPr algn="ctr"/>
+                      <a:r>
+                        <a:rPr lang="en-US" sz="2000" dirty="0" smtClean="0">
+                          <a:latin typeface="Zapf Dingbats"/>
+                          <a:ea typeface="Zapf Dingbats"/>
+                          <a:cs typeface="Zapf Dingbats"/>
+                          <a:sym typeface="Zapf Dingbats"/>
+                        </a:rPr>
+                        <a:t>✔</a:t>
+                      </a:r>
+                      <a:endParaRPr lang="en-US" sz="2000" dirty="0"/>
+                    </a:p>
+                  </a:txBody>
+                  <a:tcPr anchor="ctr"/>
+                </a:tc>
+                <a:tc>
+                  <a:txBody>
+                    <a:bodyPr/>
+                    <a:lstStyle/>
+                    <a:p>
+                      <a:pPr algn="ctr"/>
+                      <a:r>
+                        <a:rPr lang="en-US" sz="2000" dirty="0" smtClean="0">
+                          <a:latin typeface="Zapf Dingbats"/>
+                          <a:ea typeface="Zapf Dingbats"/>
+                          <a:cs typeface="Zapf Dingbats"/>
+                          <a:sym typeface="Zapf Dingbats"/>
+                        </a:rPr>
+                        <a:t>✔</a:t>
+                      </a:r>
+                      <a:endParaRPr lang="en-US" sz="2000" dirty="0"/>
+                    </a:p>
+                  </a:txBody>
+                  <a:tcPr anchor="ctr"/>
+                </a:tc>
+              </a:tr>
+              <a:tr h="650669">
+                <a:tc>
+                  <a:txBody>
+                    <a:bodyPr/>
+                    <a:lstStyle/>
+                    <a:p>
+                      <a:r>
+                        <a:rPr lang="en-US" sz="2000" dirty="0" smtClean="0"/>
+                        <a:t>Scalability</a:t>
+                      </a:r>
+                      <a:endParaRPr lang="en-US" sz="2000" dirty="0"/>
+                    </a:p>
+                  </a:txBody>
+                  <a:tcPr anchor="ctr"/>
+                </a:tc>
+                <a:tc>
+                  <a:txBody>
+                    <a:bodyPr/>
+                    <a:lstStyle/>
+                    <a:p>
+                      <a:pPr algn="ctr"/>
+                      <a:r>
+                        <a:rPr lang="en-US" sz="2000" dirty="0" smtClean="0">
+                          <a:latin typeface="Zapf Dingbats"/>
+                          <a:ea typeface="Zapf Dingbats"/>
+                          <a:cs typeface="Zapf Dingbats"/>
+                          <a:sym typeface="Zapf Dingbats"/>
+                        </a:rPr>
+                        <a:t>✗</a:t>
+                      </a:r>
+                      <a:endParaRPr lang="en-US" sz="2000" dirty="0"/>
+                    </a:p>
+                  </a:txBody>
+                  <a:tcPr anchor="ctr"/>
+                </a:tc>
+                <a:tc>
+                  <a:txBody>
+                    <a:bodyPr/>
+                    <a:lstStyle/>
+                    <a:p>
+                      <a:pPr algn="ctr"/>
+                      <a:r>
+                        <a:rPr lang="en-US" sz="2000" dirty="0" smtClean="0">
+                          <a:latin typeface="Zapf Dingbats"/>
+                          <a:ea typeface="Zapf Dingbats"/>
+                          <a:cs typeface="Zapf Dingbats"/>
+                          <a:sym typeface="Zapf Dingbats"/>
+                        </a:rPr>
+                        <a:t>✔</a:t>
+                      </a:r>
+                      <a:endParaRPr lang="en-US" sz="2000" dirty="0"/>
+                    </a:p>
+                  </a:txBody>
+                  <a:tcPr anchor="ctr"/>
+                </a:tc>
+                <a:tc>
+                  <a:txBody>
+                    <a:bodyPr/>
+                    <a:lstStyle/>
+                    <a:p>
+                      <a:pPr algn="ctr"/>
+                      <a:r>
+                        <a:rPr lang="en-US" sz="2000" dirty="0" smtClean="0"/>
+                        <a:t>Varies</a:t>
+                      </a:r>
+                      <a:endParaRPr lang="en-US" sz="2000" dirty="0"/>
+                    </a:p>
+                  </a:txBody>
+                  <a:tcPr anchor="ctr"/>
+                </a:tc>
+              </a:tr>
+              <a:tr h="650669">
+                <a:tc>
+                  <a:txBody>
+                    <a:bodyPr/>
+                    <a:lstStyle/>
+                    <a:p>
+                      <a:r>
+                        <a:rPr lang="en-US" sz="2000" dirty="0" smtClean="0"/>
+                        <a:t>Robustness</a:t>
+                      </a:r>
+                      <a:endParaRPr lang="en-US" sz="2000" dirty="0"/>
+                    </a:p>
+                  </a:txBody>
+                  <a:tcPr anchor="ctr"/>
+                </a:tc>
+                <a:tc>
+                  <a:txBody>
+                    <a:bodyPr/>
+                    <a:lstStyle/>
+                    <a:p>
+                      <a:pPr algn="ctr"/>
+                      <a:r>
+                        <a:rPr lang="en-US" sz="2000" dirty="0" smtClean="0">
+                          <a:latin typeface="Zapf Dingbats"/>
+                          <a:ea typeface="Zapf Dingbats"/>
+                          <a:cs typeface="Zapf Dingbats"/>
+                          <a:sym typeface="Zapf Dingbats"/>
+                        </a:rPr>
+                        <a:t>✔</a:t>
+                      </a:r>
+                      <a:endParaRPr lang="en-US" sz="2000" dirty="0"/>
+                    </a:p>
+                  </a:txBody>
+                  <a:tcPr anchor="ctr"/>
+                </a:tc>
+                <a:tc>
+                  <a:txBody>
+                    <a:bodyPr/>
+                    <a:lstStyle/>
+                    <a:p>
+                      <a:pPr algn="ctr"/>
+                      <a:r>
+                        <a:rPr lang="en-US" sz="2000" dirty="0" smtClean="0">
+                          <a:latin typeface="Zapf Dingbats"/>
+                          <a:ea typeface="Zapf Dingbats"/>
+                          <a:cs typeface="Zapf Dingbats"/>
+                          <a:sym typeface="Zapf Dingbats"/>
+                        </a:rPr>
+                        <a:t>✗</a:t>
+                      </a:r>
+                      <a:endParaRPr lang="en-US" sz="2000" dirty="0"/>
+                    </a:p>
+                  </a:txBody>
+                  <a:tcPr anchor="ctr"/>
+                </a:tc>
+                <a:tc>
+                  <a:txBody>
+                    <a:bodyPr/>
+                    <a:lstStyle/>
+                    <a:p>
+                      <a:pPr algn="ctr"/>
+                      <a:r>
+                        <a:rPr lang="en-US" sz="2000" dirty="0" smtClean="0"/>
+                        <a:t>Varies</a:t>
+                      </a:r>
+                      <a:endParaRPr lang="en-US" sz="2000" dirty="0"/>
+                    </a:p>
+                  </a:txBody>
+                  <a:tcPr anchor="ctr"/>
+                </a:tc>
+              </a:tr>
+            </a:tbl>
+          </a:graphicData>
+        </a:graphic>
+      </p:graphicFrame>
     </p:spTree>
     <p:extLst>
       <p:ext uri="{BB962C8B-B14F-4D97-AF65-F5344CB8AC3E}">
-        <p14:creationId xmlns:p14="http://schemas.microsoft.com/office/powerpoint/2010/main" val="3007031719"/>
+        <p14:creationId xmlns:p14="http://schemas.microsoft.com/office/powerpoint/2010/main" val="4177134767"/>
       </p:ext>
     </p:extLst>
   </p:cSld>
   <p:clrMapOvr>
     <a:masterClrMapping/>
   </p:clrMapOvr>
-  <p:timing>
-    <p:tnLst>
-      <p:par>
-        <p:cTn xmlns:p14="http://schemas.microsoft.com/office/powerpoint/2010/main" id="1" dur="indefinite" restart="never" nodeType="tmRoot"/>
-      </p:par>
-    </p:tnLst>
-  </p:timing>
 </p:sld>
 </file>
 
@@ -8324,6 +9265,30 @@
           <a:chExt cx="0" cy="0"/>
         </a:xfrm>
       </p:grpSpPr>
+      <p:pic>
+        <p:nvPicPr>
+          <p:cNvPr id="27" name="Picture 26"/>
+          <p:cNvPicPr>
+            <a:picLocks noChangeAspect="1"/>
+          </p:cNvPicPr>
+          <p:nvPr/>
+        </p:nvPicPr>
+        <p:blipFill>
+          <a:blip r:embed="rId3"/>
+          <a:stretch>
+            <a:fillRect/>
+          </a:stretch>
+        </p:blipFill>
+        <p:spPr>
+          <a:xfrm>
+            <a:off x="3843881" y="2803057"/>
+            <a:ext cx="1343132" cy="1343132"/>
+          </a:xfrm>
+          <a:prstGeom prst="rect">
+            <a:avLst/>
+          </a:prstGeom>
+        </p:spPr>
+      </p:pic>
       <p:sp>
         <p:nvSpPr>
           <p:cNvPr id="2" name="Title 1"/>
@@ -8345,104 +9310,359 @@
           <a:lstStyle/>
           <a:p>
             <a:r>
-              <a:rPr lang="en-US" dirty="0"/>
-              <a:t>Sockets</a:t>
-            </a:r>
-          </a:p>
-        </p:txBody>
-      </p:sp>
-      <p:sp>
-        <p:nvSpPr>
-          <p:cNvPr id="3" name="Content Placeholder 2"/>
-          <p:cNvSpPr>
-            <a:spLocks noGrp="1"/>
-          </p:cNvSpPr>
-          <p:nvPr>
-            <p:ph idx="1"/>
-          </p:nvPr>
-        </p:nvSpPr>
+              <a:rPr lang="en-US" dirty="0" smtClean="0"/>
+              <a:t>Bridging two communities </a:t>
+            </a:r>
+            <a:endParaRPr lang="en-US" dirty="0"/>
+          </a:p>
+        </p:txBody>
+      </p:sp>
+      <p:pic>
+        <p:nvPicPr>
+          <p:cNvPr id="6" name="Picture 5"/>
+          <p:cNvPicPr>
+            <a:picLocks noChangeAspect="1"/>
+          </p:cNvPicPr>
+          <p:nvPr/>
+        </p:nvPicPr>
+        <p:blipFill>
+          <a:blip r:embed="rId4"/>
+          <a:stretch>
+            <a:fillRect/>
+          </a:stretch>
+        </p:blipFill>
         <p:spPr>
           <a:xfrm>
-            <a:off x="111204" y="1069474"/>
-            <a:ext cx="8229600" cy="5523831"/>
+            <a:off x="700718" y="1547521"/>
+            <a:ext cx="1171689" cy="726447"/>
           </a:xfrm>
+          <a:prstGeom prst="rect">
+            <a:avLst/>
+          </a:prstGeom>
         </p:spPr>
-        <p:txBody>
-          <a:bodyPr>
-            <a:normAutofit/>
+      </p:pic>
+      <p:pic>
+        <p:nvPicPr>
+          <p:cNvPr id="7" name="Picture 6"/>
+          <p:cNvPicPr>
+            <a:picLocks noChangeAspect="1"/>
+          </p:cNvPicPr>
+          <p:nvPr/>
+        </p:nvPicPr>
+        <p:blipFill>
+          <a:blip r:embed="rId5"/>
+          <a:stretch>
+            <a:fillRect/>
+          </a:stretch>
+        </p:blipFill>
+        <p:spPr>
+          <a:xfrm>
+            <a:off x="2689192" y="5726501"/>
+            <a:ext cx="2974943" cy="939966"/>
+          </a:xfrm>
+          <a:prstGeom prst="rect">
+            <a:avLst/>
+          </a:prstGeom>
+        </p:spPr>
+      </p:pic>
+      <p:pic>
+        <p:nvPicPr>
+          <p:cNvPr id="9" name="Picture 8"/>
+          <p:cNvPicPr>
+            <a:picLocks noChangeAspect="1"/>
+          </p:cNvPicPr>
+          <p:nvPr/>
+        </p:nvPicPr>
+        <p:blipFill>
+          <a:blip r:embed="rId6"/>
+          <a:stretch>
+            <a:fillRect/>
+          </a:stretch>
+        </p:blipFill>
+        <p:spPr>
+          <a:xfrm>
+            <a:off x="2052174" y="1109543"/>
+            <a:ext cx="1056231" cy="758139"/>
+          </a:xfrm>
+          <a:prstGeom prst="rect">
+            <a:avLst/>
+          </a:prstGeom>
+        </p:spPr>
+      </p:pic>
+      <p:pic>
+        <p:nvPicPr>
+          <p:cNvPr id="10" name="Picture 9"/>
+          <p:cNvPicPr>
+            <a:picLocks noChangeAspect="1"/>
+          </p:cNvPicPr>
+          <p:nvPr/>
+        </p:nvPicPr>
+        <p:blipFill>
+          <a:blip r:embed="rId7"/>
+          <a:stretch>
+            <a:fillRect/>
+          </a:stretch>
+        </p:blipFill>
+        <p:spPr>
+          <a:xfrm>
+            <a:off x="7243430" y="1305127"/>
+            <a:ext cx="1900570" cy="1030531"/>
+          </a:xfrm>
+          <a:prstGeom prst="rect">
+            <a:avLst/>
+          </a:prstGeom>
+        </p:spPr>
+      </p:pic>
+      <p:pic>
+        <p:nvPicPr>
+          <p:cNvPr id="11" name="Picture 10"/>
+          <p:cNvPicPr>
+            <a:picLocks noChangeAspect="1"/>
+          </p:cNvPicPr>
+          <p:nvPr/>
+        </p:nvPicPr>
+        <p:blipFill>
+          <a:blip r:embed="rId8"/>
+          <a:stretch>
+            <a:fillRect/>
+          </a:stretch>
+        </p:blipFill>
+        <p:spPr>
+          <a:xfrm>
+            <a:off x="5853911" y="1078862"/>
+            <a:ext cx="1532822" cy="1282565"/>
+          </a:xfrm>
+          <a:prstGeom prst="rect">
+            <a:avLst/>
+          </a:prstGeom>
+        </p:spPr>
+      </p:pic>
+      <p:pic>
+        <p:nvPicPr>
+          <p:cNvPr id="13" name="Picture 12"/>
+          <p:cNvPicPr>
+            <a:picLocks noChangeAspect="1"/>
+          </p:cNvPicPr>
+          <p:nvPr/>
+        </p:nvPicPr>
+        <p:blipFill>
+          <a:blip r:embed="rId9"/>
+          <a:stretch>
+            <a:fillRect/>
+          </a:stretch>
+        </p:blipFill>
+        <p:spPr>
+          <a:xfrm>
+            <a:off x="2579091" y="4116991"/>
+            <a:ext cx="3171850" cy="1585925"/>
+          </a:xfrm>
+          <a:prstGeom prst="rect">
+            <a:avLst/>
+          </a:prstGeom>
+        </p:spPr>
+      </p:pic>
+      <p:pic>
+        <p:nvPicPr>
+          <p:cNvPr id="14" name="Picture 13"/>
+          <p:cNvPicPr>
+            <a:picLocks noChangeAspect="1"/>
+          </p:cNvPicPr>
+          <p:nvPr/>
+        </p:nvPicPr>
+        <p:blipFill>
+          <a:blip r:embed="rId10"/>
+          <a:stretch>
+            <a:fillRect/>
+          </a:stretch>
+        </p:blipFill>
+        <p:spPr>
+          <a:xfrm>
+            <a:off x="5554200" y="4657237"/>
+            <a:ext cx="1161010" cy="1109179"/>
+          </a:xfrm>
+          <a:prstGeom prst="rect">
+            <a:avLst/>
+          </a:prstGeom>
+        </p:spPr>
+      </p:pic>
+      <p:pic>
+        <p:nvPicPr>
+          <p:cNvPr id="12" name="Picture 11"/>
+          <p:cNvPicPr>
+            <a:picLocks noChangeAspect="1"/>
+          </p:cNvPicPr>
+          <p:nvPr/>
+        </p:nvPicPr>
+        <p:blipFill>
+          <a:blip r:embed="rId11"/>
+          <a:stretch>
+            <a:fillRect/>
+          </a:stretch>
+        </p:blipFill>
+        <p:spPr>
+          <a:xfrm>
+            <a:off x="1688293" y="4657163"/>
+            <a:ext cx="1068157" cy="1003699"/>
+          </a:xfrm>
+          <a:prstGeom prst="rect">
+            <a:avLst/>
+          </a:prstGeom>
+        </p:spPr>
+      </p:pic>
+      <p:pic>
+        <p:nvPicPr>
+          <p:cNvPr id="17" name="Picture 16" descr="Fig4_5.jpg"/>
+          <p:cNvPicPr/>
+          <p:nvPr/>
+        </p:nvPicPr>
+        <p:blipFill>
+          <a:blip r:embed="rId12"/>
+          <a:stretch>
+            <a:fillRect/>
+          </a:stretch>
+        </p:blipFill>
+        <p:spPr>
+          <a:xfrm>
+            <a:off x="4057297" y="1182540"/>
+            <a:ext cx="1700375" cy="1242071"/>
+          </a:xfrm>
+          <a:prstGeom prst="rect">
+            <a:avLst/>
+          </a:prstGeom>
+        </p:spPr>
+      </p:pic>
+      <p:pic>
+        <p:nvPicPr>
+          <p:cNvPr id="18" name="Picture 17"/>
+          <p:cNvPicPr>
+            <a:picLocks noChangeAspect="1"/>
+          </p:cNvPicPr>
+          <p:nvPr/>
+        </p:nvPicPr>
+        <p:blipFill>
+          <a:blip r:embed="rId13"/>
+          <a:stretch>
+            <a:fillRect/>
+          </a:stretch>
+        </p:blipFill>
+        <p:spPr>
+          <a:xfrm>
+            <a:off x="6992578" y="5132392"/>
+            <a:ext cx="1832126" cy="1246115"/>
+          </a:xfrm>
+          <a:prstGeom prst="rect">
+            <a:avLst/>
+          </a:prstGeom>
+        </p:spPr>
+      </p:pic>
+      <p:pic>
+        <p:nvPicPr>
+          <p:cNvPr id="19" name="Picture 18"/>
+          <p:cNvPicPr>
+            <a:picLocks noChangeAspect="1"/>
+          </p:cNvPicPr>
+          <p:nvPr/>
+        </p:nvPicPr>
+        <p:blipFill>
+          <a:blip r:embed="rId14"/>
+          <a:stretch>
+            <a:fillRect/>
+          </a:stretch>
+        </p:blipFill>
+        <p:spPr>
+          <a:xfrm>
+            <a:off x="504370" y="4934547"/>
+            <a:ext cx="1067130" cy="1370965"/>
+          </a:xfrm>
+          <a:prstGeom prst="rect">
+            <a:avLst/>
+          </a:prstGeom>
+        </p:spPr>
+      </p:pic>
+      <p:pic>
+        <p:nvPicPr>
+          <p:cNvPr id="21" name="Picture 20" descr="Gasifier_Ts_tn.png"/>
+          <p:cNvPicPr/>
+          <p:nvPr/>
+        </p:nvPicPr>
+        <p:blipFill>
+          <a:blip r:embed="rId15"/>
+          <a:stretch>
+            <a:fillRect/>
+          </a:stretch>
+        </p:blipFill>
+        <p:spPr>
+          <a:xfrm>
+            <a:off x="3313811" y="1776492"/>
+            <a:ext cx="872745" cy="872745"/>
+          </a:xfrm>
+          <a:prstGeom prst="rect">
+            <a:avLst/>
+          </a:prstGeom>
+        </p:spPr>
+      </p:pic>
+      <p:sp>
+        <p:nvSpPr>
+          <p:cNvPr id="22" name="TextBox 21"/>
+          <p:cNvSpPr txBox="1"/>
+          <p:nvPr/>
+        </p:nvSpPr>
+        <p:spPr>
+          <a:xfrm>
+            <a:off x="452547" y="2423476"/>
+            <a:ext cx="2558450" cy="369332"/>
+          </a:xfrm>
+          <a:prstGeom prst="rect">
+            <a:avLst/>
+          </a:prstGeom>
+          <a:noFill/>
+        </p:spPr>
+        <p:txBody>
+          <a:bodyPr wrap="none" rtlCol="0">
+            <a:spAutoFit/>
           </a:bodyPr>
           <a:lstStyle/>
           <a:p>
             <a:r>
-              <a:rPr lang="en-US" dirty="0"/>
-              <a:t>Most widely used</a:t>
-            </a:r>
-          </a:p>
-          <a:p>
-            <a:pPr lvl="1"/>
-            <a:r>
-              <a:rPr lang="en-US" dirty="0"/>
-              <a:t>Simple API</a:t>
-            </a:r>
-          </a:p>
-          <a:p>
-            <a:pPr lvl="1"/>
-            <a:r>
-              <a:rPr lang="en-US" dirty="0"/>
-              <a:t>Robustness (failure tolerant)</a:t>
-            </a:r>
-          </a:p>
-          <a:p>
-            <a:pPr lvl="1"/>
-            <a:r>
-              <a:rPr lang="en-US" dirty="0"/>
-              <a:t>Implicit </a:t>
-            </a:r>
-            <a:r>
-              <a:rPr lang="en-US" dirty="0" smtClean="0"/>
-              <a:t>buffering</a:t>
-            </a:r>
-          </a:p>
-          <a:p>
-            <a:pPr lvl="1"/>
-            <a:r>
-              <a:rPr lang="en-US" dirty="0" smtClean="0"/>
-              <a:t>Ubiquitous </a:t>
-            </a:r>
-            <a:endParaRPr lang="en-US" dirty="0"/>
-          </a:p>
-          <a:p>
-            <a:r>
-              <a:rPr lang="en-US" dirty="0" smtClean="0"/>
-              <a:t>Unable to exploit many of the features of current-generation networking technologies </a:t>
-            </a:r>
-          </a:p>
-          <a:p>
-            <a:pPr lvl="1"/>
-            <a:r>
-              <a:rPr lang="en-US" dirty="0" smtClean="0"/>
-              <a:t>Cannot support zero-copy</a:t>
-            </a:r>
-          </a:p>
-          <a:p>
-            <a:pPr lvl="1"/>
-            <a:r>
-              <a:rPr lang="en-US" dirty="0" smtClean="0"/>
-              <a:t>Does not scale</a:t>
-            </a:r>
-          </a:p>
-          <a:p>
-            <a:pPr lvl="2"/>
-            <a:r>
-              <a:rPr lang="en-US" dirty="0" smtClean="0"/>
-              <a:t>In time: linear polling or interrupts.</a:t>
-            </a:r>
-          </a:p>
-          <a:p>
-            <a:pPr lvl="2"/>
-            <a:r>
-              <a:rPr lang="en-US" dirty="0" smtClean="0"/>
-              <a:t>In space: per socket resources.</a:t>
+              <a:rPr lang="en-US" dirty="0" smtClean="0"/>
+              <a:t>Application Developers</a:t>
+            </a:r>
+          </a:p>
+        </p:txBody>
+      </p:sp>
+      <p:sp>
+        <p:nvSpPr>
+          <p:cNvPr id="23" name="TextBox 22"/>
+          <p:cNvSpPr txBox="1"/>
+          <p:nvPr/>
+        </p:nvSpPr>
+        <p:spPr>
+          <a:xfrm>
+            <a:off x="6397297" y="4225593"/>
+            <a:ext cx="2569934" cy="646331"/>
+          </a:xfrm>
+          <a:prstGeom prst="rect">
+            <a:avLst/>
+          </a:prstGeom>
+          <a:noFill/>
+        </p:spPr>
+        <p:txBody>
+          <a:bodyPr wrap="none" rtlCol="0">
+            <a:spAutoFit/>
+          </a:bodyPr>
+          <a:lstStyle/>
+          <a:p>
+            <a:pPr algn="ctr"/>
+            <a:r>
+              <a:rPr lang="en-US" dirty="0" smtClean="0"/>
+              <a:t>Networking Technology</a:t>
+            </a:r>
+          </a:p>
+          <a:p>
+            <a:pPr algn="ctr"/>
+            <a:r>
+              <a:rPr lang="en-US" dirty="0" smtClean="0"/>
+              <a:t>Vendors</a:t>
             </a:r>
           </a:p>
         </p:txBody>
@@ -8450,7 +9670,7 @@
     </p:spTree>
     <p:extLst>
       <p:ext uri="{BB962C8B-B14F-4D97-AF65-F5344CB8AC3E}">
-        <p14:creationId xmlns:p14="http://schemas.microsoft.com/office/powerpoint/2010/main" val="3932495684"/>
+        <p14:creationId xmlns:p14="http://schemas.microsoft.com/office/powerpoint/2010/main" val="3055540685"/>
       </p:ext>
     </p:extLst>
   </p:cSld>
@@ -8497,7 +9717,7 @@
         <p:spPr>
           <a:xfrm>
             <a:off x="111098" y="152400"/>
-            <a:ext cx="8229600" cy="496290"/>
+            <a:ext cx="8229600" cy="487954"/>
           </a:xfrm>
         </p:spPr>
         <p:txBody>
@@ -8505,9 +9725,18 @@
           <a:lstStyle/>
           <a:p>
             <a:r>
-              <a:rPr lang="en-US" dirty="0"/>
-              <a:t>MPI</a:t>
-            </a:r>
+              <a:rPr lang="en-US" dirty="0" smtClean="0"/>
+              <a:t>CCI </a:t>
+            </a:r>
+            <a:r>
+              <a:rPr lang="en-US" dirty="0"/>
+              <a:t>d</a:t>
+            </a:r>
+            <a:r>
+              <a:rPr lang="en-US" dirty="0" smtClean="0"/>
+              <a:t>esign goals </a:t>
+            </a:r>
+            <a:endParaRPr lang="en-US" dirty="0"/>
           </a:p>
         </p:txBody>
       </p:sp>
@@ -8523,105 +9752,179 @@
         </p:nvSpPr>
         <p:spPr>
           <a:xfrm>
-            <a:off x="111204" y="987928"/>
-            <a:ext cx="8229600" cy="4976234"/>
+            <a:off x="111203" y="1002633"/>
+            <a:ext cx="8676963" cy="5550568"/>
           </a:xfrm>
-          <a:ln>
-            <a:noFill/>
-          </a:ln>
         </p:spPr>
         <p:txBody>
-          <a:bodyPr/>
+          <a:bodyPr>
+            <a:normAutofit fontScale="92500" lnSpcReduction="20000"/>
+          </a:bodyPr>
           <a:lstStyle/>
           <a:p>
             <a:r>
-              <a:rPr lang="en-US" sz="2400" dirty="0" smtClean="0"/>
-              <a:t>Designed as a bridge between application developers’ and network vendors’ needs in the High Performance Computing market </a:t>
-            </a:r>
-          </a:p>
-          <a:p>
-            <a:pPr lvl="1"/>
-            <a:r>
-              <a:rPr lang="en-US" sz="2000" dirty="0" smtClean="0"/>
-              <a:t>Standardization began nearly two decades  ago </a:t>
-            </a:r>
-            <a:endParaRPr lang="en-US" sz="2000" dirty="0"/>
-          </a:p>
-          <a:p>
-            <a:r>
-              <a:rPr lang="en-US" sz="2400" dirty="0" smtClean="0"/>
-              <a:t>MPI is the de-facto standard in HPC, Why not elsewhere?</a:t>
-            </a:r>
-          </a:p>
-          <a:p>
-            <a:pPr lvl="1"/>
-            <a:r>
-              <a:rPr lang="en-US" sz="2000" dirty="0" smtClean="0"/>
-              <a:t>High level of complexity </a:t>
-            </a:r>
-          </a:p>
-          <a:p>
-            <a:pPr lvl="2"/>
-            <a:r>
-              <a:rPr lang="en-US" dirty="0" smtClean="0"/>
-              <a:t>200+ functions in MPI-1, 300+ in MPI-2</a:t>
-            </a:r>
-          </a:p>
-          <a:p>
-            <a:pPr lvl="1"/>
-            <a:r>
-              <a:rPr lang="en-US" sz="2000" dirty="0" smtClean="0"/>
-              <a:t>Original standard ignored dynamic environments</a:t>
-            </a:r>
-          </a:p>
-          <a:p>
-            <a:pPr lvl="2"/>
-            <a:r>
-              <a:rPr lang="en-US" dirty="0" smtClean="0"/>
-              <a:t>Added later but not widely adopted </a:t>
+              <a:rPr lang="en-US" dirty="0"/>
+              <a:t>Performance</a:t>
+            </a:r>
+          </a:p>
+          <a:p>
+            <a:pPr lvl="1"/>
+            <a:r>
+              <a:rPr lang="en-US" dirty="0" smtClean="0"/>
+              <a:t>Can leverage OS</a:t>
+            </a:r>
+            <a:r>
+              <a:rPr lang="en-US" dirty="0"/>
+              <a:t>-</a:t>
+            </a:r>
+            <a:r>
+              <a:rPr lang="en-US" dirty="0" smtClean="0"/>
+              <a:t>bypass, </a:t>
+            </a:r>
+            <a:r>
+              <a:rPr lang="en-US" dirty="0"/>
+              <a:t>zero-copy, one-sided, </a:t>
+            </a:r>
+            <a:r>
+              <a:rPr lang="en-US" dirty="0" err="1" smtClean="0"/>
+              <a:t>async</a:t>
+            </a:r>
+            <a:r>
+              <a:rPr lang="en-US" dirty="0" smtClean="0"/>
+              <a:t> ops.</a:t>
+            </a:r>
+          </a:p>
+          <a:p>
+            <a:r>
+              <a:rPr lang="en-US" dirty="0" smtClean="0"/>
+              <a:t>Portability</a:t>
             </a:r>
             <a:endParaRPr lang="en-US" dirty="0"/>
           </a:p>
           <a:p>
             <a:pPr lvl="1"/>
             <a:r>
-              <a:rPr lang="en-US" sz="2000" dirty="0" smtClean="0"/>
-              <a:t>Rigid </a:t>
-            </a:r>
-            <a:r>
-              <a:rPr lang="en-US" sz="2000" dirty="0"/>
-              <a:t>fault </a:t>
-            </a:r>
-            <a:r>
-              <a:rPr lang="en-US" sz="2000" dirty="0" smtClean="0"/>
-              <a:t>model</a:t>
-            </a:r>
-          </a:p>
-          <a:p>
-            <a:pPr lvl="2"/>
-            <a:r>
-              <a:rPr lang="en-US" dirty="0" smtClean="0"/>
-              <a:t>Common fault case is abort execution of entire distributed application </a:t>
-            </a:r>
-          </a:p>
-          <a:p>
-            <a:pPr lvl="2"/>
-            <a:r>
-              <a:rPr lang="en-US" dirty="0" smtClean="0"/>
-              <a:t>Robust fault tolerance requires use of MPI dynamic process management (see above) </a:t>
+              <a:rPr lang="en-US" dirty="0"/>
+              <a:t>Developers have limited </a:t>
+            </a:r>
+            <a:r>
+              <a:rPr lang="en-US" dirty="0" smtClean="0"/>
+              <a:t>resources.</a:t>
             </a:r>
             <a:endParaRPr lang="en-US" dirty="0"/>
           </a:p>
           <a:p>
             <a:pPr lvl="1"/>
-            <a:endParaRPr lang="en-US" sz="2100" dirty="0"/>
+            <a:r>
+              <a:rPr lang="en-US" dirty="0" smtClean="0"/>
+              <a:t>Avoid </a:t>
+            </a:r>
+            <a:r>
+              <a:rPr lang="en-US" dirty="0"/>
+              <a:t>vendor lock-</a:t>
+            </a:r>
+            <a:r>
+              <a:rPr lang="en-US" dirty="0" smtClean="0"/>
+              <a:t>in through a vendor neutral API.</a:t>
+            </a:r>
+            <a:endParaRPr lang="en-US" dirty="0"/>
+          </a:p>
+          <a:p>
+            <a:r>
+              <a:rPr lang="en-US" dirty="0"/>
+              <a:t>Simplicity</a:t>
+            </a:r>
+          </a:p>
+          <a:p>
+            <a:pPr lvl="1"/>
+            <a:r>
+              <a:rPr lang="en-US" dirty="0"/>
+              <a:t>Must not be so complicated that only experts can use </a:t>
+            </a:r>
+            <a:r>
+              <a:rPr lang="en-US" dirty="0" smtClean="0"/>
+              <a:t>it.</a:t>
+            </a:r>
+            <a:endParaRPr lang="en-US" dirty="0"/>
+          </a:p>
+          <a:p>
+            <a:pPr lvl="1"/>
+            <a:r>
+              <a:rPr lang="en-US" dirty="0" smtClean="0"/>
+              <a:t>Complexity </a:t>
+            </a:r>
+            <a:r>
+              <a:rPr lang="en-US" dirty="0"/>
+              <a:t>tends to increase code size and maintenance </a:t>
+            </a:r>
+            <a:r>
+              <a:rPr lang="en-US" dirty="0" smtClean="0"/>
+              <a:t>cost</a:t>
+            </a:r>
+            <a:r>
+              <a:rPr lang="en-US" dirty="0" smtClean="0"/>
+              <a:t>.</a:t>
+            </a:r>
+          </a:p>
+          <a:p>
+            <a:r>
+              <a:rPr lang="en-US" dirty="0"/>
+              <a:t>Scalability</a:t>
+            </a:r>
+          </a:p>
+          <a:p>
+            <a:pPr lvl="1"/>
+            <a:r>
+              <a:rPr lang="en-US" dirty="0" smtClean="0"/>
+              <a:t>Dynamic process management: peers come and go – not statically known a priori.</a:t>
+            </a:r>
+          </a:p>
+          <a:p>
+            <a:pPr lvl="1"/>
+            <a:r>
+              <a:rPr lang="en-US" dirty="0" smtClean="0"/>
+              <a:t>Time </a:t>
+            </a:r>
+            <a:r>
+              <a:rPr lang="en-US" dirty="0"/>
+              <a:t>(polling) and space (buffer) cannot grow linearly with number of peers.</a:t>
+            </a:r>
+          </a:p>
+          <a:p>
+            <a:r>
+              <a:rPr lang="en-US" dirty="0"/>
+              <a:t>Robustness</a:t>
+            </a:r>
+          </a:p>
+          <a:p>
+            <a:pPr lvl="1"/>
+            <a:r>
+              <a:rPr lang="en-US" dirty="0" smtClean="0"/>
+              <a:t>Need </a:t>
+            </a:r>
+            <a:r>
+              <a:rPr lang="en-US" dirty="0"/>
+              <a:t>to contain faults to a single peer (i.e. fault isolation)</a:t>
+            </a:r>
+            <a:r>
+              <a:rPr lang="en-US" dirty="0" smtClean="0"/>
+              <a:t>.</a:t>
+            </a:r>
+          </a:p>
+          <a:p>
+            <a:pPr lvl="1"/>
+            <a:endParaRPr lang="en-US" dirty="0"/>
+          </a:p>
+          <a:p>
+            <a:pPr lvl="1"/>
+            <a:endParaRPr lang="en-US" dirty="0"/>
           </a:p>
         </p:txBody>
       </p:sp>
     </p:spTree>
     <p:extLst>
       <p:ext uri="{BB962C8B-B14F-4D97-AF65-F5344CB8AC3E}">
-        <p14:creationId xmlns:p14="http://schemas.microsoft.com/office/powerpoint/2010/main" val="2790947775"/>
+        <p14:creationId xmlns:p14="http://schemas.microsoft.com/office/powerpoint/2010/main" val="2649674716"/>
       </p:ext>
     </p:extLst>
   </p:cSld>

--- a/slides/HotI-2011/2011-HotI-CCI-OLCF.pptx
+++ b/slides/HotI-2011/2011-HotI-CCI-OLCF.pptx
@@ -252,7 +252,7 @@
           <a:p>
             <a:fld id="{5290C00C-D5EF-1542-A8A4-E1D7EA8D797B}" type="datetimeFigureOut">
               <a:rPr lang="en-US" smtClean="0"/>
-              <a:t>8/24/11</a:t>
+              <a:t>8/24/2011</a:t>
             </a:fld>
             <a:endParaRPr lang="en-US" dirty="0"/>
           </a:p>
@@ -418,7 +418,7 @@
             <a:fld id="{1507BF42-67CC-4FB8-9955-9A9591B56F2B}" type="datetimeFigureOut">
               <a:rPr lang="en-US" smtClean="0"/>
               <a:pPr/>
-              <a:t>8/24/11</a:t>
+              <a:t>8/24/2011</a:t>
             </a:fld>
             <a:endParaRPr lang="en-US" dirty="0"/>
           </a:p>
@@ -4331,7 +4331,7 @@
   <p:timing>
     <p:tnLst>
       <p:par>
-        <p:cTn xmlns:p14="http://schemas.microsoft.com/office/powerpoint/2010/main" id="1" dur="indefinite" restart="never" nodeType="tmRoot"/>
+        <p:cTn id="1" dur="indefinite" restart="never" nodeType="tmRoot"/>
       </p:par>
     </p:tnLst>
   </p:timing>
@@ -4482,7 +4482,7 @@
   <p:timing>
     <p:tnLst>
       <p:par>
-        <p:cTn xmlns:p14="http://schemas.microsoft.com/office/powerpoint/2010/main" id="1" dur="indefinite" restart="never" nodeType="tmRoot"/>
+        <p:cTn id="1" dur="indefinite" restart="never" nodeType="tmRoot"/>
       </p:par>
     </p:tnLst>
   </p:timing>
@@ -4711,7 +4711,7 @@
   <p:timing>
     <p:tnLst>
       <p:par>
-        <p:cTn xmlns:p14="http://schemas.microsoft.com/office/powerpoint/2010/main" id="1" dur="indefinite" restart="never" nodeType="tmRoot"/>
+        <p:cTn id="1" dur="indefinite" restart="never" nodeType="tmRoot"/>
       </p:par>
     </p:tnLst>
   </p:timing>
@@ -4799,11 +4799,7 @@
             <a:pPr lvl="1"/>
             <a:r>
               <a:rPr lang="en-US" dirty="0" smtClean="0"/>
-              <a:t>no per-</a:t>
-            </a:r>
-            <a:r>
-              <a:rPr lang="en-US" dirty="0" smtClean="0"/>
-              <a:t>peer send/recv buffers </a:t>
+              <a:t>no per-peer send/recv buffers </a:t>
             </a:r>
           </a:p>
           <a:p>
@@ -4812,7 +4808,6 @@
               <a:rPr lang="en-US" dirty="0" smtClean="0"/>
               <a:t>no per-peer event queues </a:t>
             </a:r>
-            <a:endParaRPr lang="en-US" dirty="0" smtClean="0"/>
           </a:p>
           <a:p>
             <a:r>
@@ -4958,7 +4953,7 @@
   <p:timing>
     <p:tnLst>
       <p:par>
-        <p:cTn xmlns:p14="http://schemas.microsoft.com/office/powerpoint/2010/main" id="1" dur="indefinite" restart="never" nodeType="tmRoot"/>
+        <p:cTn id="1" dur="indefinite" restart="never" nodeType="tmRoot"/>
       </p:par>
     </p:tnLst>
   </p:timing>
@@ -5031,11 +5026,7 @@
           <a:p>
             <a:r>
               <a:rPr lang="en-US" dirty="0" smtClean="0"/>
-              <a:t>Always buffered on both send and receive </a:t>
-            </a:r>
-            <a:r>
-              <a:rPr lang="en-US" dirty="0" smtClean="0"/>
-              <a:t>side </a:t>
+              <a:t>Always buffered on both send and receive side </a:t>
             </a:r>
           </a:p>
           <a:p>
@@ -5062,7 +5053,6 @@
               <a:rPr lang="en-US" dirty="0" smtClean="0"/>
               <a:t>True handlers are the devil incarnate </a:t>
             </a:r>
-            <a:endParaRPr lang="en-US" dirty="0" smtClean="0"/>
           </a:p>
           <a:p>
             <a:pPr lvl="1"/>
@@ -5091,15 +5081,7 @@
           <a:p>
             <a:r>
               <a:rPr lang="en-US" dirty="0" smtClean="0"/>
-              <a:t>Message may be </a:t>
-            </a:r>
-            <a:r>
-              <a:rPr lang="en-US" dirty="0" smtClean="0"/>
-              <a:t>processed</a:t>
-            </a:r>
-            <a:r>
-              <a:rPr lang="en-US" dirty="0" smtClean="0"/>
-              <a:t> in</a:t>
+              <a:t>Message may be processed in</a:t>
             </a:r>
             <a:r>
               <a:rPr lang="en-US" dirty="0"/>
@@ -5116,7 +5098,6 @@
               <a:rPr lang="en-US" dirty="0" smtClean="0"/>
               <a:t>Even forwarded in-place</a:t>
             </a:r>
-            <a:endParaRPr lang="en-US" dirty="0" smtClean="0"/>
           </a:p>
           <a:p>
             <a:r>
@@ -5172,7 +5153,7 @@
   <p:timing>
     <p:tnLst>
       <p:par>
-        <p:cTn xmlns:p14="http://schemas.microsoft.com/office/powerpoint/2010/main" id="1" dur="indefinite" restart="never" nodeType="tmRoot"/>
+        <p:cTn id="1" dur="indefinite" restart="never" nodeType="tmRoot"/>
       </p:par>
     </p:tnLst>
   </p:timing>
@@ -5246,15 +5227,7 @@
           <a:p>
             <a:r>
               <a:rPr lang="en-US" dirty="0" smtClean="0"/>
-              <a:t>RMA </a:t>
-            </a:r>
-            <a:r>
-              <a:rPr lang="en-US" dirty="0" smtClean="0"/>
-              <a:t>communication </a:t>
-            </a:r>
-            <a:r>
-              <a:rPr lang="en-US" dirty="0" smtClean="0"/>
-              <a:t>for bulk-data transfer</a:t>
+              <a:t>RMA communication for bulk-data transfer</a:t>
             </a:r>
           </a:p>
           <a:p>
@@ -5361,7 +5334,7 @@
   <p:timing>
     <p:tnLst>
       <p:par>
-        <p:cTn xmlns:p14="http://schemas.microsoft.com/office/powerpoint/2010/main" id="1" dur="indefinite" restart="never" nodeType="tmRoot"/>
+        <p:cTn id="1" dur="indefinite" restart="never" nodeType="tmRoot"/>
       </p:par>
     </p:tnLst>
   </p:timing>
@@ -5565,7 +5538,7 @@
   <p:timing>
     <p:tnLst>
       <p:par>
-        <p:cTn xmlns:p14="http://schemas.microsoft.com/office/powerpoint/2010/main" id="1" dur="indefinite" restart="never" nodeType="tmRoot"/>
+        <p:cTn id="1" dur="indefinite" restart="never" nodeType="tmRoot"/>
       </p:par>
     </p:tnLst>
   </p:timing>
@@ -5689,7 +5662,7 @@
   <p:timing>
     <p:tnLst>
       <p:par>
-        <p:cTn xmlns:p14="http://schemas.microsoft.com/office/powerpoint/2010/main" id="1" dur="indefinite" restart="never" nodeType="tmRoot"/>
+        <p:cTn id="1" dur="indefinite" restart="never" nodeType="tmRoot"/>
       </p:par>
     </p:tnLst>
   </p:timing>
@@ -5813,7 +5786,7 @@
   <p:timing>
     <p:tnLst>
       <p:par>
-        <p:cTn xmlns:p14="http://schemas.microsoft.com/office/powerpoint/2010/main" id="1" dur="indefinite" restart="never" nodeType="tmRoot"/>
+        <p:cTn id="1" dur="indefinite" restart="never" nodeType="tmRoot"/>
       </p:par>
     </p:tnLst>
   </p:timing>
@@ -6017,7 +5990,7 @@
   <p:timing>
     <p:tnLst>
       <p:par>
-        <p:cTn xmlns:p14="http://schemas.microsoft.com/office/powerpoint/2010/main" id="1" dur="indefinite" restart="never" nodeType="tmRoot"/>
+        <p:cTn id="1" dur="indefinite" restart="never" nodeType="tmRoot"/>
       </p:par>
     </p:tnLst>
   </p:timing>
@@ -6449,7 +6422,7 @@
   <p:timing>
     <p:tnLst>
       <p:par>
-        <p:cTn xmlns:p14="http://schemas.microsoft.com/office/powerpoint/2010/main" id="1" dur="indefinite" restart="never" nodeType="tmRoot"/>
+        <p:cTn id="1" dur="indefinite" restart="never" nodeType="tmRoot"/>
       </p:par>
     </p:tnLst>
   </p:timing>
@@ -6552,7 +6525,23 @@
             <a:pPr lvl="1"/>
             <a:r>
               <a:rPr lang="en-US" dirty="0"/>
-              <a:t>Portable, simple network interface</a:t>
+              <a:t>Portable, </a:t>
+            </a:r>
+            <a:r>
+              <a:rPr lang="en-US"/>
+              <a:t>simple </a:t>
+            </a:r>
+            <a:r>
+              <a:rPr lang="en-US" smtClean="0"/>
+              <a:t>programing</a:t>
+            </a:r>
+            <a:r>
+              <a:rPr lang="en-US" smtClean="0"/>
+              <a:t> </a:t>
+            </a:r>
+            <a:r>
+              <a:rPr lang="en-US" dirty="0"/>
+              <a:t>interface</a:t>
             </a:r>
           </a:p>
           <a:p>
@@ -6586,7 +6575,19 @@
             <a:pPr lvl="1"/>
             <a:r>
               <a:rPr lang="en-US" dirty="0"/>
-              <a:t>Uses RMA for bulk movement and zero-copy semantics</a:t>
+              <a:t>Uses RMA for bulk movement and </a:t>
+            </a:r>
+            <a:r>
+              <a:rPr lang="en-US" dirty="0" smtClean="0"/>
+              <a:t>one-sided</a:t>
+            </a:r>
+            <a:r>
+              <a:rPr lang="en-US" dirty="0" smtClean="0"/>
+              <a:t> </a:t>
+            </a:r>
+            <a:r>
+              <a:rPr lang="en-US" dirty="0"/>
+              <a:t>semantics</a:t>
             </a:r>
           </a:p>
           <a:p>
@@ -6647,7 +6648,7 @@
   <p:timing>
     <p:tnLst>
       <p:par>
-        <p:cTn xmlns:p14="http://schemas.microsoft.com/office/powerpoint/2010/main" id="1" dur="indefinite" restart="never" nodeType="tmRoot"/>
+        <p:cTn id="1" dur="indefinite" restart="never" nodeType="tmRoot"/>
       </p:par>
     </p:tnLst>
   </p:timing>
@@ -7021,7 +7022,7 @@
   <p:timing>
     <p:tnLst>
       <p:par>
-        <p:cTn xmlns:p14="http://schemas.microsoft.com/office/powerpoint/2010/main" id="1" dur="indefinite" restart="never" nodeType="tmRoot"/>
+        <p:cTn id="1" dur="indefinite" restart="never" nodeType="tmRoot"/>
       </p:par>
     </p:tnLst>
   </p:timing>
@@ -7350,7 +7351,7 @@
   <p:timing>
     <p:tnLst>
       <p:par>
-        <p:cTn xmlns:p14="http://schemas.microsoft.com/office/powerpoint/2010/main" id="1" dur="indefinite" restart="never" nodeType="tmRoot"/>
+        <p:cTn id="1" dur="indefinite" restart="never" nodeType="tmRoot"/>
       </p:par>
     </p:tnLst>
   </p:timing>
@@ -7507,7 +7508,7 @@
   <p:timing>
     <p:tnLst>
       <p:par>
-        <p:cTn xmlns:p14="http://schemas.microsoft.com/office/powerpoint/2010/main" id="1" dur="indefinite" restart="never" nodeType="tmRoot"/>
+        <p:cTn id="1" dur="indefinite" restart="never" nodeType="tmRoot"/>
       </p:par>
     </p:tnLst>
   </p:timing>
@@ -7637,7 +7638,7 @@
   <p:timing>
     <p:tnLst>
       <p:par>
-        <p:cTn xmlns:p14="http://schemas.microsoft.com/office/powerpoint/2010/main" id="1" dur="indefinite" restart="never" nodeType="tmRoot"/>
+        <p:cTn id="1" dur="indefinite" restart="never" nodeType="tmRoot"/>
       </p:par>
     </p:tnLst>
   </p:timing>
@@ -7781,7 +7782,7 @@
   <p:timing>
     <p:tnLst>
       <p:par>
-        <p:cTn xmlns:p14="http://schemas.microsoft.com/office/powerpoint/2010/main" id="1" dur="indefinite" restart="never" nodeType="tmRoot"/>
+        <p:cTn id="1" dur="indefinite" restart="never" nodeType="tmRoot"/>
       </p:par>
     </p:tnLst>
   </p:timing>
@@ -7910,7 +7911,7 @@
   <p:timing>
     <p:tnLst>
       <p:par>
-        <p:cTn xmlns:p14="http://schemas.microsoft.com/office/powerpoint/2010/main" id="1" dur="indefinite" restart="never" nodeType="tmRoot"/>
+        <p:cTn id="1" dur="indefinite" restart="never" nodeType="tmRoot"/>
       </p:par>
     </p:tnLst>
   </p:timing>
@@ -8096,11 +8097,7 @@
             </a:r>
             <a:r>
               <a:rPr lang="en-US" dirty="0" smtClean="0"/>
-              <a:t>revenue for niche applications</a:t>
-            </a:r>
-            <a:r>
-              <a:rPr lang="en-US" dirty="0" smtClean="0"/>
-              <a:t>.</a:t>
+              <a:t>revenue for niche applications.</a:t>
             </a:r>
           </a:p>
         </p:txBody>
@@ -8118,7 +8115,7 @@
   <p:timing>
     <p:tnLst>
       <p:par>
-        <p:cTn xmlns:p14="http://schemas.microsoft.com/office/powerpoint/2010/main" id="1" dur="indefinite" restart="never" nodeType="tmRoot"/>
+        <p:cTn id="1" dur="indefinite" restart="never" nodeType="tmRoot"/>
       </p:par>
     </p:tnLst>
   </p:timing>
@@ -8278,7 +8275,7 @@
   <p:timing>
     <p:tnLst>
       <p:par>
-        <p:cTn xmlns:p14="http://schemas.microsoft.com/office/powerpoint/2010/main" id="1" dur="indefinite" restart="never" nodeType="tmRoot"/>
+        <p:cTn id="1" dur="indefinite" restart="never" nodeType="tmRoot"/>
       </p:par>
     </p:tnLst>
   </p:timing>
@@ -8449,7 +8446,7 @@
   <p:timing>
     <p:tnLst>
       <p:par>
-        <p:cTn xmlns:p14="http://schemas.microsoft.com/office/powerpoint/2010/main" id="1" dur="indefinite" restart="never" nodeType="tmRoot"/>
+        <p:cTn id="1" dur="indefinite" restart="never" nodeType="tmRoot"/>
       </p:par>
     </p:tnLst>
   </p:timing>
@@ -8726,7 +8723,7 @@
   <p:timing>
     <p:tnLst>
       <p:par>
-        <p:cTn xmlns:p14="http://schemas.microsoft.com/office/powerpoint/2010/main" id="1" dur="indefinite" restart="never" nodeType="tmRoot"/>
+        <p:cTn id="1" dur="indefinite" restart="never" nodeType="tmRoot"/>
       </p:par>
     </p:tnLst>
   </p:timing>
@@ -9680,7 +9677,7 @@
   <p:timing>
     <p:tnLst>
       <p:par>
-        <p:cTn xmlns:p14="http://schemas.microsoft.com/office/powerpoint/2010/main" id="1" dur="indefinite" restart="never" nodeType="tmRoot"/>
+        <p:cTn id="1" dur="indefinite" restart="never" nodeType="tmRoot"/>
       </p:par>
     </p:tnLst>
   </p:timing>
@@ -9859,11 +9856,7 @@
             </a:r>
             <a:r>
               <a:rPr lang="en-US" dirty="0" smtClean="0"/>
-              <a:t>cost</a:t>
-            </a:r>
-            <a:r>
-              <a:rPr lang="en-US" dirty="0" smtClean="0"/>
-              <a:t>.</a:t>
+              <a:t>cost.</a:t>
             </a:r>
           </a:p>
           <a:p>
@@ -9934,7 +9927,7 @@
   <p:timing>
     <p:tnLst>
       <p:par>
-        <p:cTn xmlns:p14="http://schemas.microsoft.com/office/powerpoint/2010/main" id="1" dur="indefinite" restart="never" nodeType="tmRoot"/>
+        <p:cTn id="1" dur="indefinite" restart="never" nodeType="tmRoot"/>
       </p:par>
     </p:tnLst>
   </p:timing>
